--- a/Project Deck.pptx
+++ b/Project Deck.pptx
@@ -8,48 +8,51 @@
     <p:sldId id="256" r:id="rId2"/>
     <p:sldId id="262" r:id="rId3"/>
     <p:sldId id="263" r:id="rId4"/>
-    <p:sldId id="257" r:id="rId5"/>
-    <p:sldId id="258" r:id="rId6"/>
-    <p:sldId id="264" r:id="rId7"/>
-    <p:sldId id="259" r:id="rId8"/>
-    <p:sldId id="268" r:id="rId9"/>
-    <p:sldId id="270" r:id="rId10"/>
-    <p:sldId id="275" r:id="rId11"/>
-    <p:sldId id="272" r:id="rId12"/>
-    <p:sldId id="273" r:id="rId13"/>
-    <p:sldId id="292" r:id="rId14"/>
-    <p:sldId id="293" r:id="rId15"/>
-    <p:sldId id="294" r:id="rId16"/>
-    <p:sldId id="295" r:id="rId17"/>
-    <p:sldId id="296" r:id="rId18"/>
-    <p:sldId id="297" r:id="rId19"/>
-    <p:sldId id="298" r:id="rId20"/>
-    <p:sldId id="274" r:id="rId21"/>
-    <p:sldId id="279" r:id="rId22"/>
-    <p:sldId id="280" r:id="rId23"/>
-    <p:sldId id="276" r:id="rId24"/>
-    <p:sldId id="278" r:id="rId25"/>
-    <p:sldId id="266" r:id="rId26"/>
-    <p:sldId id="281" r:id="rId27"/>
-    <p:sldId id="286" r:id="rId28"/>
-    <p:sldId id="282" r:id="rId29"/>
-    <p:sldId id="285" r:id="rId30"/>
-    <p:sldId id="283" r:id="rId31"/>
-    <p:sldId id="299" r:id="rId32"/>
-    <p:sldId id="300" r:id="rId33"/>
-    <p:sldId id="291" r:id="rId34"/>
-    <p:sldId id="301" r:id="rId35"/>
-    <p:sldId id="284" r:id="rId36"/>
-    <p:sldId id="303" r:id="rId37"/>
-    <p:sldId id="304" r:id="rId38"/>
-    <p:sldId id="305" r:id="rId39"/>
-    <p:sldId id="302" r:id="rId40"/>
-    <p:sldId id="288" r:id="rId41"/>
-    <p:sldId id="289" r:id="rId42"/>
-    <p:sldId id="290" r:id="rId43"/>
-    <p:sldId id="287" r:id="rId44"/>
-    <p:sldId id="271" r:id="rId45"/>
-    <p:sldId id="267" r:id="rId46"/>
+    <p:sldId id="306" r:id="rId5"/>
+    <p:sldId id="257" r:id="rId6"/>
+    <p:sldId id="315" r:id="rId7"/>
+    <p:sldId id="316" r:id="rId8"/>
+    <p:sldId id="307" r:id="rId9"/>
+    <p:sldId id="308" r:id="rId10"/>
+    <p:sldId id="258" r:id="rId11"/>
+    <p:sldId id="264" r:id="rId12"/>
+    <p:sldId id="311" r:id="rId13"/>
+    <p:sldId id="309" r:id="rId14"/>
+    <p:sldId id="259" r:id="rId15"/>
+    <p:sldId id="268" r:id="rId16"/>
+    <p:sldId id="270" r:id="rId17"/>
+    <p:sldId id="275" r:id="rId18"/>
+    <p:sldId id="272" r:id="rId19"/>
+    <p:sldId id="273" r:id="rId20"/>
+    <p:sldId id="292" r:id="rId21"/>
+    <p:sldId id="293" r:id="rId22"/>
+    <p:sldId id="294" r:id="rId23"/>
+    <p:sldId id="296" r:id="rId24"/>
+    <p:sldId id="297" r:id="rId25"/>
+    <p:sldId id="298" r:id="rId26"/>
+    <p:sldId id="312" r:id="rId27"/>
+    <p:sldId id="274" r:id="rId28"/>
+    <p:sldId id="279" r:id="rId29"/>
+    <p:sldId id="280" r:id="rId30"/>
+    <p:sldId id="313" r:id="rId31"/>
+    <p:sldId id="276" r:id="rId32"/>
+    <p:sldId id="281" r:id="rId33"/>
+    <p:sldId id="286" r:id="rId34"/>
+    <p:sldId id="282" r:id="rId35"/>
+    <p:sldId id="285" r:id="rId36"/>
+    <p:sldId id="283" r:id="rId37"/>
+    <p:sldId id="300" r:id="rId38"/>
+    <p:sldId id="291" r:id="rId39"/>
+    <p:sldId id="301" r:id="rId40"/>
+    <p:sldId id="284" r:id="rId41"/>
+    <p:sldId id="303" r:id="rId42"/>
+    <p:sldId id="304" r:id="rId43"/>
+    <p:sldId id="302" r:id="rId44"/>
+    <p:sldId id="289" r:id="rId45"/>
+    <p:sldId id="290" r:id="rId46"/>
+    <p:sldId id="314" r:id="rId47"/>
+    <p:sldId id="278" r:id="rId48"/>
+    <p:sldId id="267" r:id="rId49"/>
   </p:sldIdLst>
   <p:sldSz cx="12192000" cy="6858000"/>
   <p:notesSz cx="6858000" cy="9144000"/>
@@ -150,7 +153,7 @@
   </p:defaultTextStyle>
   <p:extLst>
     <p:ext uri="{EFAFB233-063F-42B5-8137-9DF3F51BA10A}">
-      <p15:sldGuideLst xmlns:p15="http://schemas.microsoft.com/office/powerpoint/2012/main"/>
+      <p15:sldGuideLst xmlns:p15="http://schemas.microsoft.com/office/powerpoint/2012/main" xmlns=""/>
     </p:ext>
   </p:extLst>
 </p:presentation>
@@ -1311,19 +1314,19 @@
     </dgm:pt>
   </dgm:ptLst>
   <dgm:cxnLst>
+    <dgm:cxn modelId="{A8C36CAC-5371-4676-ACEE-3A6770BFE476}" srcId="{E557F953-53A7-4461-91E7-AF6B4745460E}" destId="{A612C781-BC39-45EF-B946-D1019EF70895}" srcOrd="4" destOrd="0" parTransId="{4D8DABFC-F17C-431D-B656-0A86C460E7AC}" sibTransId="{EBEAE432-50CC-4E74-A465-1471DA6F291D}"/>
+    <dgm:cxn modelId="{7760EDA0-A89B-4093-8862-20E853F7F9DB}" srcId="{E557F953-53A7-4461-91E7-AF6B4745460E}" destId="{3AE60618-106B-46A7-A07D-44E472B249B7}" srcOrd="1" destOrd="0" parTransId="{A4FF39E1-E916-4602-97D6-9573FC2E41E4}" sibTransId="{8C8CCDD8-5FA6-4164-9EF8-A086EC114A65}"/>
     <dgm:cxn modelId="{3587FD33-4CFE-4A13-857A-437D043887DA}" srcId="{E557F953-53A7-4461-91E7-AF6B4745460E}" destId="{56714F58-D5F9-4B41-BE16-86261102EC91}" srcOrd="0" destOrd="0" parTransId="{C20A7C3C-17A0-49F1-8424-9E969CD50007}" sibTransId="{CED39B7B-DDDC-4225-8481-3AD9BF9268A2}"/>
-    <dgm:cxn modelId="{68B2FC9D-5E1C-4CD4-A986-2E1DBB5902DF}" type="presOf" srcId="{16568CA1-FADD-49B8-BC21-24A5BCDCFE14}" destId="{F49328FB-1256-4AD0-9C2F-BD9F753351B9}" srcOrd="0" destOrd="0" presId="urn:microsoft.com/office/officeart/2005/8/layout/chevron1"/>
-    <dgm:cxn modelId="{89A1E335-2B13-429B-8C8A-2BDCA84D0777}" type="presOf" srcId="{A612C781-BC39-45EF-B946-D1019EF70895}" destId="{629DD829-196D-406A-929C-77F2D6DF6BE0}" srcOrd="0" destOrd="0" presId="urn:microsoft.com/office/officeart/2005/8/layout/chevron1"/>
-    <dgm:cxn modelId="{C195BD01-4B50-4E85-9051-6ADCB43858B1}" type="presOf" srcId="{3AE60618-106B-46A7-A07D-44E472B249B7}" destId="{229E421B-5449-40D4-931A-50531F8F08C2}" srcOrd="0" destOrd="0" presId="urn:microsoft.com/office/officeart/2005/8/layout/chevron1"/>
-    <dgm:cxn modelId="{7650462A-403A-491A-944F-2528835A6616}" srcId="{E557F953-53A7-4461-91E7-AF6B4745460E}" destId="{D213C4DE-A1E3-49D8-9FF1-6F62BD22C947}" srcOrd="3" destOrd="0" parTransId="{0DEFF5E3-7157-4C19-9076-0AA932B380B1}" sibTransId="{849659A8-A716-4010-9580-E5AEE11E65EE}"/>
-    <dgm:cxn modelId="{4365AB8E-652E-4095-BE91-809B19CD8129}" type="presOf" srcId="{D213C4DE-A1E3-49D8-9FF1-6F62BD22C947}" destId="{FDA28FB9-A4EA-4D5B-AF57-C4427DBEDD21}" srcOrd="0" destOrd="0" presId="urn:microsoft.com/office/officeart/2005/8/layout/chevron1"/>
-    <dgm:cxn modelId="{D68C7848-11C3-4AA3-8628-C0B2C29A7F2C}" srcId="{E557F953-53A7-4461-91E7-AF6B4745460E}" destId="{411153B0-69E2-4922-9414-D51EE76A7C04}" srcOrd="2" destOrd="0" parTransId="{4BBF50D8-182F-4AE5-8ECD-4F7C0D7CF3EA}" sibTransId="{51009DE7-55DA-4039-9E03-2841C4BFBC1C}"/>
-    <dgm:cxn modelId="{EFD1C311-60D3-4EEE-9387-DCCF3A2B3A28}" type="presOf" srcId="{56714F58-D5F9-4B41-BE16-86261102EC91}" destId="{CB311A94-3E0B-475E-90D2-8C5A8CFFDC69}" srcOrd="0" destOrd="0" presId="urn:microsoft.com/office/officeart/2005/8/layout/chevron1"/>
-    <dgm:cxn modelId="{B849C9DE-9688-4347-AC2A-CFE9F6C88E25}" srcId="{E557F953-53A7-4461-91E7-AF6B4745460E}" destId="{16568CA1-FADD-49B8-BC21-24A5BCDCFE14}" srcOrd="5" destOrd="0" parTransId="{F9835382-F629-4350-917B-10EEB6DC88AA}" sibTransId="{FD533291-B9B9-4A3A-9D4B-B629731B36BB}"/>
-    <dgm:cxn modelId="{7760EDA0-A89B-4093-8862-20E853F7F9DB}" srcId="{E557F953-53A7-4461-91E7-AF6B4745460E}" destId="{3AE60618-106B-46A7-A07D-44E472B249B7}" srcOrd="1" destOrd="0" parTransId="{A4FF39E1-E916-4602-97D6-9573FC2E41E4}" sibTransId="{8C8CCDD8-5FA6-4164-9EF8-A086EC114A65}"/>
     <dgm:cxn modelId="{DABB6CA4-F135-46B3-8B6A-CFFFF4756ADC}" type="presOf" srcId="{E557F953-53A7-4461-91E7-AF6B4745460E}" destId="{1B430B04-B354-4CE0-9343-AA7625FF0CB9}" srcOrd="0" destOrd="0" presId="urn:microsoft.com/office/officeart/2005/8/layout/chevron1"/>
     <dgm:cxn modelId="{F79C53DA-7D08-434B-8024-9CBF05C9D868}" type="presOf" srcId="{411153B0-69E2-4922-9414-D51EE76A7C04}" destId="{04CAC2E9-0391-4623-BE2B-D185EF911A00}" srcOrd="0" destOrd="0" presId="urn:microsoft.com/office/officeart/2005/8/layout/chevron1"/>
-    <dgm:cxn modelId="{A8C36CAC-5371-4676-ACEE-3A6770BFE476}" srcId="{E557F953-53A7-4461-91E7-AF6B4745460E}" destId="{A612C781-BC39-45EF-B946-D1019EF70895}" srcOrd="4" destOrd="0" parTransId="{4D8DABFC-F17C-431D-B656-0A86C460E7AC}" sibTransId="{EBEAE432-50CC-4E74-A465-1471DA6F291D}"/>
+    <dgm:cxn modelId="{68B2FC9D-5E1C-4CD4-A986-2E1DBB5902DF}" type="presOf" srcId="{16568CA1-FADD-49B8-BC21-24A5BCDCFE14}" destId="{F49328FB-1256-4AD0-9C2F-BD9F753351B9}" srcOrd="0" destOrd="0" presId="urn:microsoft.com/office/officeart/2005/8/layout/chevron1"/>
+    <dgm:cxn modelId="{B849C9DE-9688-4347-AC2A-CFE9F6C88E25}" srcId="{E557F953-53A7-4461-91E7-AF6B4745460E}" destId="{16568CA1-FADD-49B8-BC21-24A5BCDCFE14}" srcOrd="5" destOrd="0" parTransId="{F9835382-F629-4350-917B-10EEB6DC88AA}" sibTransId="{FD533291-B9B9-4A3A-9D4B-B629731B36BB}"/>
+    <dgm:cxn modelId="{EFD1C311-60D3-4EEE-9387-DCCF3A2B3A28}" type="presOf" srcId="{56714F58-D5F9-4B41-BE16-86261102EC91}" destId="{CB311A94-3E0B-475E-90D2-8C5A8CFFDC69}" srcOrd="0" destOrd="0" presId="urn:microsoft.com/office/officeart/2005/8/layout/chevron1"/>
+    <dgm:cxn modelId="{C195BD01-4B50-4E85-9051-6ADCB43858B1}" type="presOf" srcId="{3AE60618-106B-46A7-A07D-44E472B249B7}" destId="{229E421B-5449-40D4-931A-50531F8F08C2}" srcOrd="0" destOrd="0" presId="urn:microsoft.com/office/officeart/2005/8/layout/chevron1"/>
+    <dgm:cxn modelId="{4365AB8E-652E-4095-BE91-809B19CD8129}" type="presOf" srcId="{D213C4DE-A1E3-49D8-9FF1-6F62BD22C947}" destId="{FDA28FB9-A4EA-4D5B-AF57-C4427DBEDD21}" srcOrd="0" destOrd="0" presId="urn:microsoft.com/office/officeart/2005/8/layout/chevron1"/>
+    <dgm:cxn modelId="{89A1E335-2B13-429B-8C8A-2BDCA84D0777}" type="presOf" srcId="{A612C781-BC39-45EF-B946-D1019EF70895}" destId="{629DD829-196D-406A-929C-77F2D6DF6BE0}" srcOrd="0" destOrd="0" presId="urn:microsoft.com/office/officeart/2005/8/layout/chevron1"/>
+    <dgm:cxn modelId="{D68C7848-11C3-4AA3-8628-C0B2C29A7F2C}" srcId="{E557F953-53A7-4461-91E7-AF6B4745460E}" destId="{411153B0-69E2-4922-9414-D51EE76A7C04}" srcOrd="2" destOrd="0" parTransId="{4BBF50D8-182F-4AE5-8ECD-4F7C0D7CF3EA}" sibTransId="{51009DE7-55DA-4039-9E03-2841C4BFBC1C}"/>
+    <dgm:cxn modelId="{7650462A-403A-491A-944F-2528835A6616}" srcId="{E557F953-53A7-4461-91E7-AF6B4745460E}" destId="{D213C4DE-A1E3-49D8-9FF1-6F62BD22C947}" srcOrd="3" destOrd="0" parTransId="{0DEFF5E3-7157-4C19-9076-0AA932B380B1}" sibTransId="{849659A8-A716-4010-9580-E5AEE11E65EE}"/>
     <dgm:cxn modelId="{9D9E7474-20A2-4EBF-A755-14349A5E0D67}" type="presParOf" srcId="{1B430B04-B354-4CE0-9343-AA7625FF0CB9}" destId="{CB311A94-3E0B-475E-90D2-8C5A8CFFDC69}" srcOrd="0" destOrd="0" presId="urn:microsoft.com/office/officeart/2005/8/layout/chevron1"/>
     <dgm:cxn modelId="{CC865395-69E1-4F0C-9279-50098A7FB16D}" type="presParOf" srcId="{1B430B04-B354-4CE0-9343-AA7625FF0CB9}" destId="{37B0536D-6CC5-459C-9A5B-85701438D00B}" srcOrd="1" destOrd="0" presId="urn:microsoft.com/office/officeart/2005/8/layout/chevron1"/>
     <dgm:cxn modelId="{29E0D8DC-393E-4839-B159-4A78008169D7}" type="presParOf" srcId="{1B430B04-B354-4CE0-9343-AA7625FF0CB9}" destId="{229E421B-5449-40D4-931A-50531F8F08C2}" srcOrd="2" destOrd="0" presId="urn:microsoft.com/office/officeart/2005/8/layout/chevron1"/>
@@ -1340,14 +1343,14 @@
   <dgm:whole/>
   <dgm:extLst>
     <a:ext uri="http://schemas.microsoft.com/office/drawing/2008/diagram">
-      <dsp:dataModelExt xmlns:dsp="http://schemas.microsoft.com/office/drawing/2008/diagram" relId="rId6" minVer="http://schemas.openxmlformats.org/drawingml/2006/diagram"/>
+      <dsp:dataModelExt xmlns:dsp="http://schemas.microsoft.com/office/drawing/2008/diagram" xmlns="" relId="rId6" minVer="http://schemas.openxmlformats.org/drawingml/2006/diagram"/>
     </a:ext>
   </dgm:extLst>
 </dgm:dataModel>
 </file>
 
 <file path=ppt/diagrams/drawing1.xml><?xml version="1.0" encoding="utf-8"?>
-<dsp:drawing xmlns:dgm="http://schemas.openxmlformats.org/drawingml/2006/diagram" xmlns:dsp="http://schemas.microsoft.com/office/drawing/2008/diagram" xmlns:a="http://schemas.openxmlformats.org/drawingml/2006/main">
+<dsp:drawing xmlns:dgm="http://schemas.openxmlformats.org/drawingml/2006/diagram" xmlns:a="http://schemas.openxmlformats.org/drawingml/2006/main" xmlns:dsp="http://schemas.microsoft.com/office/drawing/2008/diagram">
   <dsp:spTree>
     <dsp:nvGrpSpPr>
       <dsp:cNvPr id="0" name=""/>
@@ -1453,8 +1456,8 @@
         </a:p>
       </dsp:txBody>
       <dsp:txXfrm>
-        <a:off x="356785" y="1146836"/>
-        <a:ext cx="1059135" cy="706089"/>
+        <a:off x="3740" y="1146836"/>
+        <a:ext cx="1765224" cy="706089"/>
       </dsp:txXfrm>
     </dsp:sp>
     <dsp:sp modelId="{229E421B-5449-40D4-931A-50531F8F08C2}">
@@ -1536,8 +1539,8 @@
         </a:p>
       </dsp:txBody>
       <dsp:txXfrm>
-        <a:off x="1945487" y="1146836"/>
-        <a:ext cx="1220459" cy="706089"/>
+        <a:off x="1592442" y="1146836"/>
+        <a:ext cx="1926548" cy="706089"/>
       </dsp:txXfrm>
     </dsp:sp>
     <dsp:sp modelId="{04CAC2E9-0391-4623-BE2B-D185EF911A00}">
@@ -1619,8 +1622,8 @@
         </a:p>
       </dsp:txBody>
       <dsp:txXfrm>
-        <a:off x="3695513" y="1146836"/>
-        <a:ext cx="1059135" cy="706089"/>
+        <a:off x="3342468" y="1146836"/>
+        <a:ext cx="1765224" cy="706089"/>
       </dsp:txXfrm>
     </dsp:sp>
     <dsp:sp modelId="{FDA28FB9-A4EA-4D5B-AF57-C4427DBEDD21}">
@@ -1702,8 +1705,8 @@
         </a:p>
       </dsp:txBody>
       <dsp:txXfrm>
-        <a:off x="5284215" y="1146836"/>
-        <a:ext cx="1059135" cy="706089"/>
+        <a:off x="4931170" y="1146836"/>
+        <a:ext cx="1765224" cy="706089"/>
       </dsp:txXfrm>
     </dsp:sp>
     <dsp:sp modelId="{629DD829-196D-406A-929C-77F2D6DF6BE0}">
@@ -1785,8 +1788,8 @@
         </a:p>
       </dsp:txBody>
       <dsp:txXfrm>
-        <a:off x="6872917" y="1146836"/>
-        <a:ext cx="1059135" cy="706089"/>
+        <a:off x="6519872" y="1146836"/>
+        <a:ext cx="1765224" cy="706089"/>
       </dsp:txXfrm>
     </dsp:sp>
     <dsp:sp modelId="{F49328FB-1256-4AD0-9C2F-BD9F753351B9}">
@@ -1868,8 +1871,8 @@
         </a:p>
       </dsp:txBody>
       <dsp:txXfrm>
-        <a:off x="8461619" y="1146836"/>
-        <a:ext cx="1059135" cy="706089"/>
+        <a:off x="8108574" y="1146836"/>
+        <a:ext cx="1765224" cy="706089"/>
       </dsp:txXfrm>
     </dsp:sp>
   </dsp:spTree>
@@ -3915,7 +3918,8 @@
           <a:p>
             <a:fld id="{BC839B46-FF5D-46F4-8C06-8582E4D5CA0A}" type="datetimeFigureOut">
               <a:rPr lang="en-US" smtClean="0"/>
-              <a:t>12/18/2016</a:t>
+              <a:pPr/>
+              <a:t>12/24/2016</a:t>
             </a:fld>
             <a:endParaRPr lang="en-US"/>
           </a:p>
@@ -3957,6 +3961,7 @@
           <a:p>
             <a:fld id="{E408724A-4A63-4F3B-B909-C6542B9258E1}" type="slidenum">
               <a:rPr lang="en-US" smtClean="0"/>
+              <a:pPr/>
               <a:t>‹#›</a:t>
             </a:fld>
             <a:endParaRPr lang="en-US"/>
@@ -3966,7 +3971,7 @@
     </p:spTree>
     <p:extLst>
       <p:ext uri="{BB962C8B-B14F-4D97-AF65-F5344CB8AC3E}">
-        <p14:creationId xmlns:p14="http://schemas.microsoft.com/office/powerpoint/2010/main" val="3907563665"/>
+        <p14:creationId xmlns:p14="http://schemas.microsoft.com/office/powerpoint/2010/main" xmlns="" val="3907563665"/>
       </p:ext>
     </p:extLst>
   </p:cSld>
@@ -4166,7 +4171,8 @@
           <a:p>
             <a:fld id="{BC839B46-FF5D-46F4-8C06-8582E4D5CA0A}" type="datetimeFigureOut">
               <a:rPr lang="en-US" smtClean="0"/>
-              <a:t>12/18/2016</a:t>
+              <a:pPr/>
+              <a:t>12/24/2016</a:t>
             </a:fld>
             <a:endParaRPr lang="en-US"/>
           </a:p>
@@ -4208,6 +4214,7 @@
           <a:p>
             <a:fld id="{E408724A-4A63-4F3B-B909-C6542B9258E1}" type="slidenum">
               <a:rPr lang="en-US" smtClean="0"/>
+              <a:pPr/>
               <a:t>‹#›</a:t>
             </a:fld>
             <a:endParaRPr lang="en-US"/>
@@ -4217,7 +4224,7 @@
     </p:spTree>
     <p:extLst>
       <p:ext uri="{BB962C8B-B14F-4D97-AF65-F5344CB8AC3E}">
-        <p14:creationId xmlns:p14="http://schemas.microsoft.com/office/powerpoint/2010/main" val="3384067754"/>
+        <p14:creationId xmlns:p14="http://schemas.microsoft.com/office/powerpoint/2010/main" xmlns="" val="3384067754"/>
       </p:ext>
     </p:extLst>
   </p:cSld>
@@ -4480,7 +4487,8 @@
           <a:p>
             <a:fld id="{BC839B46-FF5D-46F4-8C06-8582E4D5CA0A}" type="datetimeFigureOut">
               <a:rPr lang="en-US" smtClean="0"/>
-              <a:t>12/18/2016</a:t>
+              <a:pPr/>
+              <a:t>12/24/2016</a:t>
             </a:fld>
             <a:endParaRPr lang="en-US"/>
           </a:p>
@@ -4522,6 +4530,7 @@
           <a:p>
             <a:fld id="{E408724A-4A63-4F3B-B909-C6542B9258E1}" type="slidenum">
               <a:rPr lang="en-US" smtClean="0"/>
+              <a:pPr/>
               <a:t>‹#›</a:t>
             </a:fld>
             <a:endParaRPr lang="en-US"/>
@@ -4621,7 +4630,7 @@
     </p:spTree>
     <p:extLst>
       <p:ext uri="{BB962C8B-B14F-4D97-AF65-F5344CB8AC3E}">
-        <p14:creationId xmlns:p14="http://schemas.microsoft.com/office/powerpoint/2010/main" val="1215629344"/>
+        <p14:creationId xmlns:p14="http://schemas.microsoft.com/office/powerpoint/2010/main" xmlns="" val="1215629344"/>
       </p:ext>
     </p:extLst>
   </p:cSld>
@@ -4821,7 +4830,8 @@
           <a:p>
             <a:fld id="{BC839B46-FF5D-46F4-8C06-8582E4D5CA0A}" type="datetimeFigureOut">
               <a:rPr lang="en-US" smtClean="0"/>
-              <a:t>12/18/2016</a:t>
+              <a:pPr/>
+              <a:t>12/24/2016</a:t>
             </a:fld>
             <a:endParaRPr lang="en-US"/>
           </a:p>
@@ -4863,6 +4873,7 @@
           <a:p>
             <a:fld id="{E408724A-4A63-4F3B-B909-C6542B9258E1}" type="slidenum">
               <a:rPr lang="en-US" smtClean="0"/>
+              <a:pPr/>
               <a:t>‹#›</a:t>
             </a:fld>
             <a:endParaRPr lang="en-US"/>
@@ -4872,7 +4883,7 @@
     </p:spTree>
     <p:extLst>
       <p:ext uri="{BB962C8B-B14F-4D97-AF65-F5344CB8AC3E}">
-        <p14:creationId xmlns:p14="http://schemas.microsoft.com/office/powerpoint/2010/main" val="63452324"/>
+        <p14:creationId xmlns:p14="http://schemas.microsoft.com/office/powerpoint/2010/main" xmlns="" val="63452324"/>
       </p:ext>
     </p:extLst>
   </p:cSld>
@@ -5135,7 +5146,8 @@
           <a:p>
             <a:fld id="{BC839B46-FF5D-46F4-8C06-8582E4D5CA0A}" type="datetimeFigureOut">
               <a:rPr lang="en-US" smtClean="0"/>
-              <a:t>12/18/2016</a:t>
+              <a:pPr/>
+              <a:t>12/24/2016</a:t>
             </a:fld>
             <a:endParaRPr lang="en-US"/>
           </a:p>
@@ -5177,6 +5189,7 @@
           <a:p>
             <a:fld id="{E408724A-4A63-4F3B-B909-C6542B9258E1}" type="slidenum">
               <a:rPr lang="en-US" smtClean="0"/>
+              <a:pPr/>
               <a:t>‹#›</a:t>
             </a:fld>
             <a:endParaRPr lang="en-US"/>
@@ -5268,7 +5281,7 @@
     </p:spTree>
     <p:extLst>
       <p:ext uri="{BB962C8B-B14F-4D97-AF65-F5344CB8AC3E}">
-        <p14:creationId xmlns:p14="http://schemas.microsoft.com/office/powerpoint/2010/main" val="4055300762"/>
+        <p14:creationId xmlns:p14="http://schemas.microsoft.com/office/powerpoint/2010/main" xmlns="" val="4055300762"/>
       </p:ext>
     </p:extLst>
   </p:cSld>
@@ -5528,7 +5541,8 @@
           <a:p>
             <a:fld id="{BC839B46-FF5D-46F4-8C06-8582E4D5CA0A}" type="datetimeFigureOut">
               <a:rPr lang="en-US" smtClean="0"/>
-              <a:t>12/18/2016</a:t>
+              <a:pPr/>
+              <a:t>12/24/2016</a:t>
             </a:fld>
             <a:endParaRPr lang="en-US"/>
           </a:p>
@@ -5570,6 +5584,7 @@
           <a:p>
             <a:fld id="{E408724A-4A63-4F3B-B909-C6542B9258E1}" type="slidenum">
               <a:rPr lang="en-US" smtClean="0"/>
+              <a:pPr/>
               <a:t>‹#›</a:t>
             </a:fld>
             <a:endParaRPr lang="en-US"/>
@@ -5579,7 +5594,7 @@
     </p:spTree>
     <p:extLst>
       <p:ext uri="{BB962C8B-B14F-4D97-AF65-F5344CB8AC3E}">
-        <p14:creationId xmlns:p14="http://schemas.microsoft.com/office/powerpoint/2010/main" val="3806962149"/>
+        <p14:creationId xmlns:p14="http://schemas.microsoft.com/office/powerpoint/2010/main" xmlns="" val="3806962149"/>
       </p:ext>
     </p:extLst>
   </p:cSld>
@@ -5698,7 +5713,8 @@
           <a:p>
             <a:fld id="{BC839B46-FF5D-46F4-8C06-8582E4D5CA0A}" type="datetimeFigureOut">
               <a:rPr lang="en-US" smtClean="0"/>
-              <a:t>12/18/2016</a:t>
+              <a:pPr/>
+              <a:t>12/24/2016</a:t>
             </a:fld>
             <a:endParaRPr lang="en-US"/>
           </a:p>
@@ -5740,6 +5756,7 @@
           <a:p>
             <a:fld id="{E408724A-4A63-4F3B-B909-C6542B9258E1}" type="slidenum">
               <a:rPr lang="en-US" smtClean="0"/>
+              <a:pPr/>
               <a:t>‹#›</a:t>
             </a:fld>
             <a:endParaRPr lang="en-US"/>
@@ -5749,7 +5766,7 @@
     </p:spTree>
     <p:extLst>
       <p:ext uri="{BB962C8B-B14F-4D97-AF65-F5344CB8AC3E}">
-        <p14:creationId xmlns:p14="http://schemas.microsoft.com/office/powerpoint/2010/main" val="3256474772"/>
+        <p14:creationId xmlns:p14="http://schemas.microsoft.com/office/powerpoint/2010/main" xmlns="" val="3256474772"/>
       </p:ext>
     </p:extLst>
   </p:cSld>
@@ -5878,7 +5895,8 @@
           <a:p>
             <a:fld id="{BC839B46-FF5D-46F4-8C06-8582E4D5CA0A}" type="datetimeFigureOut">
               <a:rPr lang="en-US" smtClean="0"/>
-              <a:t>12/18/2016</a:t>
+              <a:pPr/>
+              <a:t>12/24/2016</a:t>
             </a:fld>
             <a:endParaRPr lang="en-US"/>
           </a:p>
@@ -5920,6 +5938,7 @@
           <a:p>
             <a:fld id="{E408724A-4A63-4F3B-B909-C6542B9258E1}" type="slidenum">
               <a:rPr lang="en-US" smtClean="0"/>
+              <a:pPr/>
               <a:t>‹#›</a:t>
             </a:fld>
             <a:endParaRPr lang="en-US"/>
@@ -5929,7 +5948,7 @@
     </p:spTree>
     <p:extLst>
       <p:ext uri="{BB962C8B-B14F-4D97-AF65-F5344CB8AC3E}">
-        <p14:creationId xmlns:p14="http://schemas.microsoft.com/office/powerpoint/2010/main" val="3361104686"/>
+        <p14:creationId xmlns:p14="http://schemas.microsoft.com/office/powerpoint/2010/main" xmlns="" val="3361104686"/>
       </p:ext>
     </p:extLst>
   </p:cSld>
@@ -6054,7 +6073,8 @@
           <a:p>
             <a:fld id="{BC839B46-FF5D-46F4-8C06-8582E4D5CA0A}" type="datetimeFigureOut">
               <a:rPr lang="en-US" smtClean="0"/>
-              <a:t>12/18/2016</a:t>
+              <a:pPr/>
+              <a:t>12/24/2016</a:t>
             </a:fld>
             <a:endParaRPr lang="en-US"/>
           </a:p>
@@ -6096,6 +6116,7 @@
           <a:p>
             <a:fld id="{E408724A-4A63-4F3B-B909-C6542B9258E1}" type="slidenum">
               <a:rPr lang="en-US" smtClean="0"/>
+              <a:pPr/>
               <a:t>‹#›</a:t>
             </a:fld>
             <a:endParaRPr lang="en-US"/>
@@ -6105,7 +6126,7 @@
     </p:spTree>
     <p:extLst>
       <p:ext uri="{BB962C8B-B14F-4D97-AF65-F5344CB8AC3E}">
-        <p14:creationId xmlns:p14="http://schemas.microsoft.com/office/powerpoint/2010/main" val="833918783"/>
+        <p14:creationId xmlns:p14="http://schemas.microsoft.com/office/powerpoint/2010/main" xmlns="" val="833918783"/>
       </p:ext>
     </p:extLst>
   </p:cSld>
@@ -6301,7 +6322,8 @@
           <a:p>
             <a:fld id="{BC839B46-FF5D-46F4-8C06-8582E4D5CA0A}" type="datetimeFigureOut">
               <a:rPr lang="en-US" smtClean="0"/>
-              <a:t>12/18/2016</a:t>
+              <a:pPr/>
+              <a:t>12/24/2016</a:t>
             </a:fld>
             <a:endParaRPr lang="en-US"/>
           </a:p>
@@ -6343,6 +6365,7 @@
           <a:p>
             <a:fld id="{E408724A-4A63-4F3B-B909-C6542B9258E1}" type="slidenum">
               <a:rPr lang="en-US" smtClean="0"/>
+              <a:pPr/>
               <a:t>‹#›</a:t>
             </a:fld>
             <a:endParaRPr lang="en-US"/>
@@ -6352,7 +6375,7 @@
     </p:spTree>
     <p:extLst>
       <p:ext uri="{BB962C8B-B14F-4D97-AF65-F5344CB8AC3E}">
-        <p14:creationId xmlns:p14="http://schemas.microsoft.com/office/powerpoint/2010/main" val="3583338958"/>
+        <p14:creationId xmlns:p14="http://schemas.microsoft.com/office/powerpoint/2010/main" xmlns="" val="3583338958"/>
       </p:ext>
     </p:extLst>
   </p:cSld>
@@ -6533,7 +6556,8 @@
           <a:p>
             <a:fld id="{BC839B46-FF5D-46F4-8C06-8582E4D5CA0A}" type="datetimeFigureOut">
               <a:rPr lang="en-US" smtClean="0"/>
-              <a:t>12/18/2016</a:t>
+              <a:pPr/>
+              <a:t>12/24/2016</a:t>
             </a:fld>
             <a:endParaRPr lang="en-US"/>
           </a:p>
@@ -6575,6 +6599,7 @@
           <a:p>
             <a:fld id="{E408724A-4A63-4F3B-B909-C6542B9258E1}" type="slidenum">
               <a:rPr lang="en-US" smtClean="0"/>
+              <a:pPr/>
               <a:t>‹#›</a:t>
             </a:fld>
             <a:endParaRPr lang="en-US"/>
@@ -6584,7 +6609,7 @@
     </p:spTree>
     <p:extLst>
       <p:ext uri="{BB962C8B-B14F-4D97-AF65-F5344CB8AC3E}">
-        <p14:creationId xmlns:p14="http://schemas.microsoft.com/office/powerpoint/2010/main" val="2341263281"/>
+        <p14:creationId xmlns:p14="http://schemas.microsoft.com/office/powerpoint/2010/main" xmlns="" val="2341263281"/>
       </p:ext>
     </p:extLst>
   </p:cSld>
@@ -6907,7 +6932,8 @@
           <a:p>
             <a:fld id="{BC839B46-FF5D-46F4-8C06-8582E4D5CA0A}" type="datetimeFigureOut">
               <a:rPr lang="en-US" smtClean="0"/>
-              <a:t>12/18/2016</a:t>
+              <a:pPr/>
+              <a:t>12/24/2016</a:t>
             </a:fld>
             <a:endParaRPr lang="en-US"/>
           </a:p>
@@ -6949,6 +6975,7 @@
           <a:p>
             <a:fld id="{E408724A-4A63-4F3B-B909-C6542B9258E1}" type="slidenum">
               <a:rPr lang="en-US" smtClean="0"/>
+              <a:pPr/>
               <a:t>‹#›</a:t>
             </a:fld>
             <a:endParaRPr lang="en-US"/>
@@ -6958,7 +6985,7 @@
     </p:spTree>
     <p:extLst>
       <p:ext uri="{BB962C8B-B14F-4D97-AF65-F5344CB8AC3E}">
-        <p14:creationId xmlns:p14="http://schemas.microsoft.com/office/powerpoint/2010/main" val="3925089386"/>
+        <p14:creationId xmlns:p14="http://schemas.microsoft.com/office/powerpoint/2010/main" xmlns="" val="3925089386"/>
       </p:ext>
     </p:extLst>
   </p:cSld>
@@ -7030,7 +7057,8 @@
           <a:p>
             <a:fld id="{BC839B46-FF5D-46F4-8C06-8582E4D5CA0A}" type="datetimeFigureOut">
               <a:rPr lang="en-US" smtClean="0"/>
-              <a:t>12/18/2016</a:t>
+              <a:pPr/>
+              <a:t>12/24/2016</a:t>
             </a:fld>
             <a:endParaRPr lang="en-US"/>
           </a:p>
@@ -7072,6 +7100,7 @@
           <a:p>
             <a:fld id="{E408724A-4A63-4F3B-B909-C6542B9258E1}" type="slidenum">
               <a:rPr lang="en-US" smtClean="0"/>
+              <a:pPr/>
               <a:t>‹#›</a:t>
             </a:fld>
             <a:endParaRPr lang="en-US"/>
@@ -7081,7 +7110,7 @@
     </p:spTree>
     <p:extLst>
       <p:ext uri="{BB962C8B-B14F-4D97-AF65-F5344CB8AC3E}">
-        <p14:creationId xmlns:p14="http://schemas.microsoft.com/office/powerpoint/2010/main" val="742581026"/>
+        <p14:creationId xmlns:p14="http://schemas.microsoft.com/office/powerpoint/2010/main" xmlns="" val="742581026"/>
       </p:ext>
     </p:extLst>
   </p:cSld>
@@ -7125,7 +7154,8 @@
           <a:p>
             <a:fld id="{BC839B46-FF5D-46F4-8C06-8582E4D5CA0A}" type="datetimeFigureOut">
               <a:rPr lang="en-US" smtClean="0"/>
-              <a:t>12/18/2016</a:t>
+              <a:pPr/>
+              <a:t>12/24/2016</a:t>
             </a:fld>
             <a:endParaRPr lang="en-US"/>
           </a:p>
@@ -7167,6 +7197,7 @@
           <a:p>
             <a:fld id="{E408724A-4A63-4F3B-B909-C6542B9258E1}" type="slidenum">
               <a:rPr lang="en-US" smtClean="0"/>
+              <a:pPr/>
               <a:t>‹#›</a:t>
             </a:fld>
             <a:endParaRPr lang="en-US"/>
@@ -7176,7 +7207,7 @@
     </p:spTree>
     <p:extLst>
       <p:ext uri="{BB962C8B-B14F-4D97-AF65-F5344CB8AC3E}">
-        <p14:creationId xmlns:p14="http://schemas.microsoft.com/office/powerpoint/2010/main" val="1263763241"/>
+        <p14:creationId xmlns:p14="http://schemas.microsoft.com/office/powerpoint/2010/main" xmlns="" val="1263763241"/>
       </p:ext>
     </p:extLst>
   </p:cSld>
@@ -7380,7 +7411,8 @@
           <a:p>
             <a:fld id="{BC839B46-FF5D-46F4-8C06-8582E4D5CA0A}" type="datetimeFigureOut">
               <a:rPr lang="en-US" smtClean="0"/>
-              <a:t>12/18/2016</a:t>
+              <a:pPr/>
+              <a:t>12/24/2016</a:t>
             </a:fld>
             <a:endParaRPr lang="en-US"/>
           </a:p>
@@ -7422,6 +7454,7 @@
           <a:p>
             <a:fld id="{E408724A-4A63-4F3B-B909-C6542B9258E1}" type="slidenum">
               <a:rPr lang="en-US" smtClean="0"/>
+              <a:pPr/>
               <a:t>‹#›</a:t>
             </a:fld>
             <a:endParaRPr lang="en-US"/>
@@ -7431,7 +7464,7 @@
     </p:spTree>
     <p:extLst>
       <p:ext uri="{BB962C8B-B14F-4D97-AF65-F5344CB8AC3E}">
-        <p14:creationId xmlns:p14="http://schemas.microsoft.com/office/powerpoint/2010/main" val="857984356"/>
+        <p14:creationId xmlns:p14="http://schemas.microsoft.com/office/powerpoint/2010/main" xmlns="" val="857984356"/>
       </p:ext>
     </p:extLst>
   </p:cSld>
@@ -7643,7 +7676,8 @@
           <a:p>
             <a:fld id="{BC839B46-FF5D-46F4-8C06-8582E4D5CA0A}" type="datetimeFigureOut">
               <a:rPr lang="en-US" smtClean="0"/>
-              <a:t>12/18/2016</a:t>
+              <a:pPr/>
+              <a:t>12/24/2016</a:t>
             </a:fld>
             <a:endParaRPr lang="en-US"/>
           </a:p>
@@ -7685,6 +7719,7 @@
           <a:p>
             <a:fld id="{E408724A-4A63-4F3B-B909-C6542B9258E1}" type="slidenum">
               <a:rPr lang="en-US" smtClean="0"/>
+              <a:pPr/>
               <a:t>‹#›</a:t>
             </a:fld>
             <a:endParaRPr lang="en-US"/>
@@ -7694,7 +7729,7 @@
     </p:spTree>
     <p:extLst>
       <p:ext uri="{BB962C8B-B14F-4D97-AF65-F5344CB8AC3E}">
-        <p14:creationId xmlns:p14="http://schemas.microsoft.com/office/powerpoint/2010/main" val="1705480205"/>
+        <p14:creationId xmlns:p14="http://schemas.microsoft.com/office/powerpoint/2010/main" xmlns="" val="1705480205"/>
       </p:ext>
     </p:extLst>
   </p:cSld>
@@ -8386,7 +8421,8 @@
           <a:p>
             <a:fld id="{BC839B46-FF5D-46F4-8C06-8582E4D5CA0A}" type="datetimeFigureOut">
               <a:rPr lang="en-US" smtClean="0"/>
-              <a:t>12/18/2016</a:t>
+              <a:pPr/>
+              <a:t>12/24/2016</a:t>
             </a:fld>
             <a:endParaRPr lang="en-US"/>
           </a:p>
@@ -8462,6 +8498,7 @@
           <a:p>
             <a:fld id="{E408724A-4A63-4F3B-B909-C6542B9258E1}" type="slidenum">
               <a:rPr lang="en-US" smtClean="0"/>
+              <a:pPr/>
               <a:t>‹#›</a:t>
             </a:fld>
             <a:endParaRPr lang="en-US"/>
@@ -8471,7 +8508,7 @@
     </p:spTree>
     <p:extLst>
       <p:ext uri="{BB962C8B-B14F-4D97-AF65-F5344CB8AC3E}">
-        <p14:creationId xmlns:p14="http://schemas.microsoft.com/office/powerpoint/2010/main" val="468494135"/>
+        <p14:creationId xmlns:p14="http://schemas.microsoft.com/office/powerpoint/2010/main" xmlns="" val="468494135"/>
       </p:ext>
     </p:extLst>
   </p:cSld>
@@ -8991,13 +9028,20 @@
     </p:spTree>
     <p:extLst>
       <p:ext uri="{BB962C8B-B14F-4D97-AF65-F5344CB8AC3E}">
-        <p14:creationId xmlns:p14="http://schemas.microsoft.com/office/powerpoint/2010/main" val="3391478707"/>
+        <p14:creationId xmlns:p14="http://schemas.microsoft.com/office/powerpoint/2010/main" xmlns="" val="3391478707"/>
       </p:ext>
     </p:extLst>
   </p:cSld>
   <p:clrMapOvr>
     <a:masterClrMapping/>
   </p:clrMapOvr>
+  <p:timing>
+    <p:tnLst>
+      <p:par>
+        <p:cTn id="1" dur="indefinite" restart="never" nodeType="tmRoot"/>
+      </p:par>
+    </p:tnLst>
+  </p:timing>
 </p:sld>
 </file>
 
@@ -9028,28 +9072,19 @@
             <p:ph type="title"/>
           </p:nvPr>
         </p:nvSpPr>
-        <p:spPr>
-          <a:xfrm>
-            <a:off x="203608" y="839789"/>
-            <a:ext cx="8596668" cy="1320800"/>
-          </a:xfrm>
-        </p:spPr>
+        <p:spPr/>
         <p:txBody>
           <a:bodyPr/>
           <a:lstStyle/>
           <a:p>
             <a:pPr algn="ctr"/>
             <a:r>
-              <a:rPr lang="en-US" dirty="0" smtClean="0">
-                <a:latin typeface="Times New Roman" panose="02020603050405020304" pitchFamily="18" charset="0"/>
-                <a:cs typeface="Times New Roman" panose="02020603050405020304" pitchFamily="18" charset="0"/>
-              </a:rPr>
-              <a:t>Loading data</a:t>
-            </a:r>
-            <a:endParaRPr lang="en-US" dirty="0">
-              <a:latin typeface="Times New Roman" panose="02020603050405020304" pitchFamily="18" charset="0"/>
-              <a:cs typeface="Times New Roman" panose="02020603050405020304" pitchFamily="18" charset="0"/>
-            </a:endParaRPr>
+              <a:rPr lang="en-US" dirty="0">
+                <a:latin typeface="Times New Roman" panose="02020603050405020304" pitchFamily="18" charset="0"/>
+                <a:cs typeface="Times New Roman" panose="02020603050405020304" pitchFamily="18" charset="0"/>
+              </a:rPr>
+              <a:t>Related Work</a:t>
+            </a:r>
           </a:p>
         </p:txBody>
       </p:sp>
@@ -9063,79 +9098,128 @@
             <p:ph idx="1"/>
           </p:nvPr>
         </p:nvSpPr>
-        <p:spPr/>
-        <p:txBody>
-          <a:bodyPr/>
+        <p:spPr>
+          <a:xfrm>
+            <a:off x="677334" y="1897664"/>
+            <a:ext cx="8596668" cy="3880773"/>
+          </a:xfrm>
+        </p:spPr>
+        <p:txBody>
+          <a:bodyPr>
+            <a:noAutofit/>
+          </a:bodyPr>
           <a:lstStyle/>
           <a:p>
-            <a:r>
-              <a:rPr lang="en-US" dirty="0" smtClean="0">
-                <a:latin typeface="Times New Roman" panose="02020603050405020304" pitchFamily="18" charset="0"/>
-                <a:cs typeface="Times New Roman" panose="02020603050405020304" pitchFamily="18" charset="0"/>
-              </a:rPr>
-              <a:t>After loading data, it is split using a regex into labels, fine labels and actual question</a:t>
-            </a:r>
-          </a:p>
-          <a:p>
-            <a:endParaRPr lang="en-US" dirty="0">
+            <a:pPr marL="457200" lvl="1" indent="0">
+              <a:buNone/>
+            </a:pPr>
+            <a:r>
+              <a:rPr lang="en-US" sz="2400" b="1" dirty="0" smtClean="0">
+                <a:solidFill>
+                  <a:schemeClr val="tx1"/>
+                </a:solidFill>
+                <a:latin typeface="Times New Roman" panose="02020603050405020304" pitchFamily="18" charset="0"/>
+                <a:cs typeface="Times New Roman" panose="02020603050405020304" pitchFamily="18" charset="0"/>
+              </a:rPr>
+              <a:t>Rule based approach</a:t>
+            </a:r>
+            <a:endParaRPr lang="en-US" sz="2400" b="1" dirty="0">
+              <a:solidFill>
+                <a:schemeClr val="tx1"/>
+              </a:solidFill>
               <a:latin typeface="Times New Roman" panose="02020603050405020304" pitchFamily="18" charset="0"/>
               <a:cs typeface="Times New Roman" panose="02020603050405020304" pitchFamily="18" charset="0"/>
             </a:endParaRPr>
           </a:p>
-        </p:txBody>
-      </p:sp>
-      <p:pic>
-        <p:nvPicPr>
-          <p:cNvPr id="4" name="Picture 3"/>
-          <p:cNvPicPr>
-            <a:picLocks noChangeAspect="1"/>
-          </p:cNvPicPr>
-          <p:nvPr/>
-        </p:nvPicPr>
-        <p:blipFill>
-          <a:blip r:embed="rId2"/>
-          <a:stretch>
-            <a:fillRect/>
-          </a:stretch>
-        </p:blipFill>
-        <p:spPr>
-          <a:xfrm>
-            <a:off x="1001487" y="3527191"/>
-            <a:ext cx="6018700" cy="3026022"/>
-          </a:xfrm>
-          <a:prstGeom prst="rect">
-            <a:avLst/>
-          </a:prstGeom>
-        </p:spPr>
-      </p:pic>
-      <p:pic>
-        <p:nvPicPr>
-          <p:cNvPr id="5" name="Picture 4"/>
-          <p:cNvPicPr>
-            <a:picLocks noChangeAspect="1"/>
-          </p:cNvPicPr>
-          <p:nvPr/>
-        </p:nvPicPr>
-        <p:blipFill>
-          <a:blip r:embed="rId3"/>
-          <a:stretch>
-            <a:fillRect/>
-          </a:stretch>
-        </p:blipFill>
-        <p:spPr>
-          <a:xfrm>
-            <a:off x="1001487" y="2672440"/>
-            <a:ext cx="6018700" cy="685800"/>
-          </a:xfrm>
-          <a:prstGeom prst="rect">
-            <a:avLst/>
-          </a:prstGeom>
-        </p:spPr>
-      </p:pic>
+          <a:p>
+            <a:pPr lvl="2"/>
+            <a:r>
+              <a:rPr lang="en-US" sz="2400" dirty="0">
+                <a:solidFill>
+                  <a:schemeClr val="tx1"/>
+                </a:solidFill>
+                <a:latin typeface="Times New Roman" panose="02020603050405020304" pitchFamily="18" charset="0"/>
+                <a:cs typeface="Times New Roman" panose="02020603050405020304" pitchFamily="18" charset="0"/>
+              </a:rPr>
+              <a:t>It uses various types of interrogative words and word combinations with different kind of features extracted by </a:t>
+            </a:r>
+            <a:r>
+              <a:rPr lang="en-US" sz="2400" dirty="0" smtClean="0">
+                <a:solidFill>
+                  <a:schemeClr val="tx1"/>
+                </a:solidFill>
+                <a:latin typeface="Times New Roman" panose="02020603050405020304" pitchFamily="18" charset="0"/>
+                <a:cs typeface="Times New Roman" panose="02020603050405020304" pitchFamily="18" charset="0"/>
+              </a:rPr>
+              <a:t>experts</a:t>
+            </a:r>
+          </a:p>
+          <a:p>
+            <a:pPr lvl="2"/>
+            <a:r>
+              <a:rPr lang="en-US" sz="2400" dirty="0">
+                <a:solidFill>
+                  <a:schemeClr val="tx1"/>
+                </a:solidFill>
+                <a:latin typeface="Times New Roman" panose="02020603050405020304" pitchFamily="18" charset="0"/>
+                <a:cs typeface="Times New Roman" panose="02020603050405020304" pitchFamily="18" charset="0"/>
+              </a:rPr>
+              <a:t>E</a:t>
+            </a:r>
+            <a:r>
+              <a:rPr lang="en-US" sz="2400" dirty="0" smtClean="0">
+                <a:solidFill>
+                  <a:schemeClr val="tx1"/>
+                </a:solidFill>
+                <a:latin typeface="Times New Roman" panose="02020603050405020304" pitchFamily="18" charset="0"/>
+                <a:cs typeface="Times New Roman" panose="02020603050405020304" pitchFamily="18" charset="0"/>
+              </a:rPr>
+              <a:t>xample, classical </a:t>
+            </a:r>
+            <a:r>
+              <a:rPr lang="en-US" sz="2400" dirty="0">
+                <a:solidFill>
+                  <a:schemeClr val="tx1"/>
+                </a:solidFill>
+                <a:latin typeface="Times New Roman" panose="02020603050405020304" pitchFamily="18" charset="0"/>
+                <a:cs typeface="Times New Roman" panose="02020603050405020304" pitchFamily="18" charset="0"/>
+              </a:rPr>
+              <a:t>logic rules, fuzzy rules, threshold rules and prototype based rule. </a:t>
+            </a:r>
+            <a:endParaRPr lang="en-US" sz="2400" dirty="0" smtClean="0">
+              <a:solidFill>
+                <a:schemeClr val="tx1"/>
+              </a:solidFill>
+              <a:latin typeface="Times New Roman" panose="02020603050405020304" pitchFamily="18" charset="0"/>
+              <a:cs typeface="Times New Roman" panose="02020603050405020304" pitchFamily="18" charset="0"/>
+            </a:endParaRPr>
+          </a:p>
+          <a:p>
+            <a:pPr lvl="2"/>
+            <a:r>
+              <a:rPr lang="en-US" sz="2400" dirty="0" smtClean="0">
+                <a:solidFill>
+                  <a:schemeClr val="tx1"/>
+                </a:solidFill>
+                <a:latin typeface="Times New Roman" panose="02020603050405020304" pitchFamily="18" charset="0"/>
+                <a:cs typeface="Times New Roman" panose="02020603050405020304" pitchFamily="18" charset="0"/>
+              </a:rPr>
+              <a:t>Performance issues on new dataset, hence no scaling up.</a:t>
+            </a:r>
+            <a:endParaRPr lang="en-US" sz="2400" dirty="0">
+              <a:solidFill>
+                <a:schemeClr val="tx1"/>
+              </a:solidFill>
+              <a:latin typeface="Times New Roman" panose="02020603050405020304" pitchFamily="18" charset="0"/>
+              <a:cs typeface="Times New Roman" panose="02020603050405020304" pitchFamily="18" charset="0"/>
+            </a:endParaRPr>
+          </a:p>
+        </p:txBody>
+      </p:sp>
     </p:spTree>
     <p:extLst>
       <p:ext uri="{BB962C8B-B14F-4D97-AF65-F5344CB8AC3E}">
-        <p14:creationId xmlns:p14="http://schemas.microsoft.com/office/powerpoint/2010/main" val="2482803820"/>
+        <p14:creationId xmlns:p14="http://schemas.microsoft.com/office/powerpoint/2010/main" xmlns="" val="2522233933"/>
       </p:ext>
     </p:extLst>
   </p:cSld>
@@ -9164,36 +9248,6 @@
       </p:grpSpPr>
       <p:sp>
         <p:nvSpPr>
-          <p:cNvPr id="2" name="Title 1"/>
-          <p:cNvSpPr>
-            <a:spLocks noGrp="1"/>
-          </p:cNvSpPr>
-          <p:nvPr>
-            <p:ph type="title"/>
-          </p:nvPr>
-        </p:nvSpPr>
-        <p:spPr/>
-        <p:txBody>
-          <a:bodyPr/>
-          <a:lstStyle/>
-          <a:p>
-            <a:pPr algn="ctr"/>
-            <a:r>
-              <a:rPr lang="en-US" dirty="0" smtClean="0">
-                <a:latin typeface="Times New Roman" panose="02020603050405020304" pitchFamily="18" charset="0"/>
-                <a:cs typeface="Times New Roman" panose="02020603050405020304" pitchFamily="18" charset="0"/>
-              </a:rPr>
-              <a:t>Preprocessing</a:t>
-            </a:r>
-            <a:endParaRPr lang="en-US" dirty="0">
-              <a:latin typeface="Times New Roman" panose="02020603050405020304" pitchFamily="18" charset="0"/>
-              <a:cs typeface="Times New Roman" panose="02020603050405020304" pitchFamily="18" charset="0"/>
-            </a:endParaRPr>
-          </a:p>
-        </p:txBody>
-      </p:sp>
-      <p:sp>
-        <p:nvSpPr>
           <p:cNvPr id="3" name="Content Placeholder 2"/>
           <p:cNvSpPr>
             <a:spLocks noGrp="1"/>
@@ -9202,53 +9256,180 @@
             <p:ph idx="1"/>
           </p:nvPr>
         </p:nvSpPr>
-        <p:spPr/>
-        <p:txBody>
-          <a:bodyPr/>
-          <a:lstStyle/>
-          <a:p>
-            <a:pPr marL="342900" lvl="1" indent="-342900"/>
-            <a:r>
-              <a:rPr lang="en-US" sz="2400" dirty="0">
-                <a:latin typeface="Times New Roman" panose="02020603050405020304" pitchFamily="18" charset="0"/>
-                <a:cs typeface="Times New Roman" panose="02020603050405020304" pitchFamily="18" charset="0"/>
-              </a:rPr>
-              <a:t>Change each character to lower case</a:t>
-            </a:r>
-          </a:p>
-          <a:p>
-            <a:endParaRPr lang="en-US" dirty="0"/>
-          </a:p>
-        </p:txBody>
-      </p:sp>
-      <p:pic>
-        <p:nvPicPr>
-          <p:cNvPr id="4" name="Picture 3"/>
-          <p:cNvPicPr>
-            <a:picLocks noChangeAspect="1"/>
-          </p:cNvPicPr>
-          <p:nvPr/>
-        </p:nvPicPr>
-        <p:blipFill>
-          <a:blip r:embed="rId2"/>
-          <a:stretch>
-            <a:fillRect/>
-          </a:stretch>
-        </p:blipFill>
         <p:spPr>
           <a:xfrm>
-            <a:off x="1102777" y="3368349"/>
-            <a:ext cx="6086475" cy="2390775"/>
+            <a:off x="827184" y="1241731"/>
+            <a:ext cx="10515600" cy="4351338"/>
           </a:xfrm>
-          <a:prstGeom prst="rect">
-            <a:avLst/>
-          </a:prstGeom>
         </p:spPr>
-      </p:pic>
+        <p:txBody>
+          <a:bodyPr>
+            <a:noAutofit/>
+          </a:bodyPr>
+          <a:lstStyle/>
+          <a:p>
+            <a:pPr marL="57150" indent="0">
+              <a:buNone/>
+            </a:pPr>
+            <a:r>
+              <a:rPr lang="en-US" sz="2600" b="1" dirty="0" smtClean="0">
+                <a:solidFill>
+                  <a:schemeClr val="tx1"/>
+                </a:solidFill>
+                <a:latin typeface="Times New Roman" panose="02020603050405020304" pitchFamily="18" charset="0"/>
+                <a:cs typeface="Times New Roman" panose="02020603050405020304" pitchFamily="18" charset="0"/>
+              </a:rPr>
+              <a:t>Supervised </a:t>
+            </a:r>
+            <a:r>
+              <a:rPr lang="en-US" sz="2600" b="1" dirty="0" smtClean="0">
+                <a:solidFill>
+                  <a:schemeClr val="tx1"/>
+                </a:solidFill>
+                <a:latin typeface="Times New Roman" panose="02020603050405020304" pitchFamily="18" charset="0"/>
+                <a:cs typeface="Times New Roman" panose="02020603050405020304" pitchFamily="18" charset="0"/>
+              </a:rPr>
+              <a:t>learning</a:t>
+            </a:r>
+          </a:p>
+          <a:p>
+            <a:r>
+              <a:rPr lang="en-US" sz="2400" dirty="0" smtClean="0">
+                <a:solidFill>
+                  <a:schemeClr val="tx1"/>
+                </a:solidFill>
+                <a:latin typeface="Times New Roman" panose="02020603050405020304" pitchFamily="18" charset="0"/>
+                <a:cs typeface="Times New Roman" panose="02020603050405020304" pitchFamily="18" charset="0"/>
+              </a:rPr>
+              <a:t>Perform </a:t>
+            </a:r>
+            <a:r>
+              <a:rPr lang="en-US" sz="2400" dirty="0">
+                <a:solidFill>
+                  <a:schemeClr val="tx1"/>
+                </a:solidFill>
+                <a:latin typeface="Times New Roman" panose="02020603050405020304" pitchFamily="18" charset="0"/>
+                <a:cs typeface="Times New Roman" panose="02020603050405020304" pitchFamily="18" charset="0"/>
+              </a:rPr>
+              <a:t>the classification </a:t>
+            </a:r>
+            <a:r>
+              <a:rPr lang="en-US" sz="2400" dirty="0" smtClean="0">
+                <a:solidFill>
+                  <a:schemeClr val="tx1"/>
+                </a:solidFill>
+                <a:latin typeface="Times New Roman" panose="02020603050405020304" pitchFamily="18" charset="0"/>
+                <a:cs typeface="Times New Roman" panose="02020603050405020304" pitchFamily="18" charset="0"/>
+              </a:rPr>
+              <a:t>by extracting </a:t>
+            </a:r>
+            <a:r>
+              <a:rPr lang="en-US" sz="2400" dirty="0" smtClean="0">
+                <a:solidFill>
+                  <a:schemeClr val="tx1"/>
+                </a:solidFill>
+                <a:latin typeface="Times New Roman" panose="02020603050405020304" pitchFamily="18" charset="0"/>
+                <a:cs typeface="Times New Roman" panose="02020603050405020304" pitchFamily="18" charset="0"/>
+              </a:rPr>
+              <a:t>features </a:t>
+            </a:r>
+            <a:r>
+              <a:rPr lang="en-US" sz="2400" dirty="0">
+                <a:solidFill>
+                  <a:schemeClr val="tx1"/>
+                </a:solidFill>
+                <a:latin typeface="Times New Roman" panose="02020603050405020304" pitchFamily="18" charset="0"/>
+                <a:cs typeface="Times New Roman" panose="02020603050405020304" pitchFamily="18" charset="0"/>
+              </a:rPr>
+              <a:t>from </a:t>
+            </a:r>
+            <a:r>
+              <a:rPr lang="en-US" sz="2400" dirty="0" smtClean="0">
+                <a:solidFill>
+                  <a:schemeClr val="tx1"/>
+                </a:solidFill>
+                <a:latin typeface="Times New Roman" panose="02020603050405020304" pitchFamily="18" charset="0"/>
+                <a:cs typeface="Times New Roman" panose="02020603050405020304" pitchFamily="18" charset="0"/>
+              </a:rPr>
+              <a:t>questions</a:t>
+            </a:r>
+          </a:p>
+          <a:p>
+            <a:pPr>
+              <a:buNone/>
+            </a:pPr>
+            <a:endParaRPr lang="en-US" sz="2400" dirty="0" smtClean="0">
+              <a:solidFill>
+                <a:schemeClr val="tx1"/>
+              </a:solidFill>
+              <a:latin typeface="Times New Roman" panose="02020603050405020304" pitchFamily="18" charset="0"/>
+              <a:cs typeface="Times New Roman" panose="02020603050405020304" pitchFamily="18" charset="0"/>
+            </a:endParaRPr>
+          </a:p>
+          <a:p>
+            <a:r>
+              <a:rPr lang="en-US" sz="2400" dirty="0" smtClean="0">
+                <a:solidFill>
+                  <a:schemeClr val="tx1"/>
+                </a:solidFill>
+                <a:latin typeface="Times New Roman" panose="02020603050405020304" pitchFamily="18" charset="0"/>
+                <a:cs typeface="Times New Roman" panose="02020603050405020304" pitchFamily="18" charset="0"/>
+              </a:rPr>
+              <a:t>Train a classifier </a:t>
+            </a:r>
+            <a:r>
+              <a:rPr lang="en-US" sz="2400" dirty="0" smtClean="0">
+                <a:solidFill>
+                  <a:schemeClr val="tx1"/>
+                </a:solidFill>
+                <a:latin typeface="Times New Roman" panose="02020603050405020304" pitchFamily="18" charset="0"/>
+                <a:cs typeface="Times New Roman" panose="02020603050405020304" pitchFamily="18" charset="0"/>
+              </a:rPr>
+              <a:t>using labeled data</a:t>
+            </a:r>
+          </a:p>
+          <a:p>
+            <a:pPr>
+              <a:buNone/>
+            </a:pPr>
+            <a:endParaRPr lang="en-US" sz="2400" dirty="0" smtClean="0">
+              <a:solidFill>
+                <a:schemeClr val="tx1"/>
+              </a:solidFill>
+              <a:latin typeface="Times New Roman" panose="02020603050405020304" pitchFamily="18" charset="0"/>
+              <a:cs typeface="Times New Roman" panose="02020603050405020304" pitchFamily="18" charset="0"/>
+            </a:endParaRPr>
+          </a:p>
+          <a:p>
+            <a:r>
+              <a:rPr lang="en-US" sz="2400" dirty="0" smtClean="0">
+                <a:solidFill>
+                  <a:schemeClr val="tx1"/>
+                </a:solidFill>
+                <a:latin typeface="Times New Roman" panose="02020603050405020304" pitchFamily="18" charset="0"/>
+                <a:cs typeface="Times New Roman" panose="02020603050405020304" pitchFamily="18" charset="0"/>
+              </a:rPr>
+              <a:t>Predict the class label using the trained classifier</a:t>
+            </a:r>
+          </a:p>
+          <a:p>
+            <a:pPr marL="0" indent="0">
+              <a:buNone/>
+            </a:pPr>
+            <a:endParaRPr lang="en-US" sz="2400" dirty="0" smtClean="0">
+              <a:solidFill>
+                <a:schemeClr val="tx1"/>
+              </a:solidFill>
+              <a:latin typeface="Times New Roman" panose="02020603050405020304" pitchFamily="18" charset="0"/>
+              <a:cs typeface="Times New Roman" panose="02020603050405020304" pitchFamily="18" charset="0"/>
+            </a:endParaRPr>
+          </a:p>
+        </p:txBody>
+      </p:sp>
     </p:spTree>
     <p:extLst>
       <p:ext uri="{BB962C8B-B14F-4D97-AF65-F5344CB8AC3E}">
-        <p14:creationId xmlns:p14="http://schemas.microsoft.com/office/powerpoint/2010/main" val="1202852130"/>
+        <p14:creationId xmlns:p14="http://schemas.microsoft.com/office/powerpoint/2010/main" xmlns="" val="2045971925"/>
       </p:ext>
     </p:extLst>
   </p:cSld>
@@ -9277,25 +9458,6 @@
       </p:grpSpPr>
       <p:sp>
         <p:nvSpPr>
-          <p:cNvPr id="2" name="Title 1"/>
-          <p:cNvSpPr>
-            <a:spLocks noGrp="1"/>
-          </p:cNvSpPr>
-          <p:nvPr>
-            <p:ph type="title"/>
-          </p:nvPr>
-        </p:nvSpPr>
-        <p:spPr/>
-        <p:txBody>
-          <a:bodyPr/>
-          <a:lstStyle/>
-          <a:p>
-            <a:endParaRPr lang="en-US"/>
-          </a:p>
-        </p:txBody>
-      </p:sp>
-      <p:sp>
-        <p:nvSpPr>
           <p:cNvPr id="3" name="Content Placeholder 2"/>
           <p:cNvSpPr>
             <a:spLocks noGrp="1"/>
@@ -9304,51 +9466,246 @@
             <p:ph idx="1"/>
           </p:nvPr>
         </p:nvSpPr>
-        <p:spPr/>
+        <p:spPr>
+          <a:xfrm>
+            <a:off x="395786" y="1139374"/>
+            <a:ext cx="10878760" cy="5179540"/>
+          </a:xfrm>
+        </p:spPr>
         <p:txBody>
           <a:bodyPr>
-            <a:normAutofit/>
+            <a:noAutofit/>
           </a:bodyPr>
           <a:lstStyle/>
           <a:p>
+            <a:pPr marL="57150" indent="0">
+              <a:buNone/>
+            </a:pPr>
+            <a:r>
+              <a:rPr lang="en-US" sz="2600" b="1" dirty="0" smtClean="0">
+                <a:solidFill>
+                  <a:schemeClr val="tx1"/>
+                </a:solidFill>
+                <a:latin typeface="Times New Roman" pitchFamily="18" charset="0"/>
+                <a:cs typeface="Times New Roman" pitchFamily="18" charset="0"/>
+              </a:rPr>
+              <a:t>Approach</a:t>
+            </a:r>
+            <a:endParaRPr lang="en-US" sz="2600" b="1" dirty="0" smtClean="0">
+              <a:solidFill>
+                <a:schemeClr val="tx1"/>
+              </a:solidFill>
+              <a:latin typeface="Times New Roman" pitchFamily="18" charset="0"/>
+              <a:cs typeface="Times New Roman" pitchFamily="18" charset="0"/>
+            </a:endParaRPr>
+          </a:p>
+          <a:p>
             <a:r>
               <a:rPr lang="en-US" sz="2400" dirty="0" smtClean="0">
-                <a:latin typeface="Times New Roman" panose="02020603050405020304" pitchFamily="18" charset="0"/>
-                <a:cs typeface="Times New Roman" panose="02020603050405020304" pitchFamily="18" charset="0"/>
-              </a:rPr>
-              <a:t>Remove stop words has been done in the estimator parameter</a:t>
-            </a:r>
-          </a:p>
-        </p:txBody>
-      </p:sp>
-      <p:pic>
-        <p:nvPicPr>
-          <p:cNvPr id="4" name="Picture 3"/>
-          <p:cNvPicPr>
-            <a:picLocks noChangeAspect="1"/>
-          </p:cNvPicPr>
-          <p:nvPr/>
-        </p:nvPicPr>
-        <p:blipFill>
-          <a:blip r:embed="rId2"/>
-          <a:stretch>
-            <a:fillRect/>
-          </a:stretch>
-        </p:blipFill>
-        <p:spPr>
-          <a:xfrm>
-            <a:off x="677334" y="2955390"/>
-            <a:ext cx="8915400" cy="2533650"/>
-          </a:xfrm>
-          <a:prstGeom prst="rect">
-            <a:avLst/>
-          </a:prstGeom>
-        </p:spPr>
-      </p:pic>
+                <a:solidFill>
+                  <a:schemeClr val="tx1"/>
+                </a:solidFill>
+                <a:latin typeface="Times New Roman" pitchFamily="18" charset="0"/>
+                <a:cs typeface="Times New Roman" pitchFamily="18" charset="0"/>
+              </a:rPr>
+              <a:t>1. </a:t>
+            </a:r>
+            <a:r>
+              <a:rPr lang="en-US" sz="2400" dirty="0" smtClean="0">
+                <a:solidFill>
+                  <a:schemeClr val="tx1"/>
+                </a:solidFill>
+                <a:latin typeface="Times New Roman" pitchFamily="18" charset="0"/>
+                <a:cs typeface="Times New Roman" pitchFamily="18" charset="0"/>
+              </a:rPr>
+              <a:t>Support Vector Machine</a:t>
+            </a:r>
+          </a:p>
+          <a:p>
+            <a:pPr lvl="1"/>
+            <a:r>
+              <a:rPr lang="en-US" sz="2200" dirty="0" smtClean="0">
+                <a:solidFill>
+                  <a:schemeClr val="tx1"/>
+                </a:solidFill>
+                <a:latin typeface="Times New Roman" pitchFamily="18" charset="0"/>
+                <a:cs typeface="Times New Roman" pitchFamily="18" charset="0"/>
+              </a:rPr>
+              <a:t>Find a hyperplane with maximum margin for separating classes</a:t>
+            </a:r>
+          </a:p>
+          <a:p>
+            <a:r>
+              <a:rPr lang="en-US" sz="2400" dirty="0" smtClean="0">
+                <a:solidFill>
+                  <a:schemeClr val="tx1"/>
+                </a:solidFill>
+                <a:latin typeface="Times New Roman" pitchFamily="18" charset="0"/>
+                <a:cs typeface="Times New Roman" pitchFamily="18" charset="0"/>
+              </a:rPr>
+              <a:t>2. Advanced Kernel Method</a:t>
+            </a:r>
+          </a:p>
+          <a:p>
+            <a:pPr lvl="1"/>
+            <a:r>
+              <a:rPr lang="en-US" sz="2200" dirty="0" smtClean="0">
+                <a:solidFill>
+                  <a:schemeClr val="tx1"/>
+                </a:solidFill>
+                <a:latin typeface="Times New Roman" pitchFamily="18" charset="0"/>
+                <a:cs typeface="Times New Roman" pitchFamily="18" charset="0"/>
+              </a:rPr>
+              <a:t>D</a:t>
+            </a:r>
+            <a:r>
+              <a:rPr lang="en-US" sz="2200" dirty="0" smtClean="0">
+                <a:solidFill>
+                  <a:schemeClr val="tx1"/>
+                </a:solidFill>
+                <a:latin typeface="Times New Roman" pitchFamily="18" charset="0"/>
+                <a:cs typeface="Times New Roman" pitchFamily="18" charset="0"/>
+              </a:rPr>
+              <a:t>efine </a:t>
+            </a:r>
+            <a:r>
+              <a:rPr lang="en-US" sz="2200" dirty="0" smtClean="0">
+                <a:solidFill>
+                  <a:schemeClr val="tx1"/>
+                </a:solidFill>
+                <a:latin typeface="Times New Roman" pitchFamily="18" charset="0"/>
+                <a:cs typeface="Times New Roman" pitchFamily="18" charset="0"/>
+              </a:rPr>
+              <a:t>a tree kernel which is constructed based on the syntactical structure </a:t>
+            </a:r>
+            <a:r>
+              <a:rPr lang="en-US" sz="2200" dirty="0" smtClean="0">
+                <a:solidFill>
+                  <a:schemeClr val="tx1"/>
+                </a:solidFill>
+                <a:latin typeface="Times New Roman" pitchFamily="18" charset="0"/>
+                <a:cs typeface="Times New Roman" pitchFamily="18" charset="0"/>
+              </a:rPr>
+              <a:t>of question</a:t>
+            </a:r>
+          </a:p>
+          <a:p>
+            <a:pPr lvl="1"/>
+            <a:r>
+              <a:rPr lang="en-US" sz="2200" dirty="0" smtClean="0">
+                <a:solidFill>
+                  <a:schemeClr val="tx1"/>
+                </a:solidFill>
+                <a:latin typeface="Times New Roman" pitchFamily="18" charset="0"/>
+                <a:cs typeface="Times New Roman" pitchFamily="18" charset="0"/>
+              </a:rPr>
+              <a:t>Question is first parsed </a:t>
+            </a:r>
+            <a:r>
+              <a:rPr lang="en-US" sz="2200" dirty="0" smtClean="0">
+                <a:solidFill>
+                  <a:schemeClr val="tx1"/>
+                </a:solidFill>
+                <a:latin typeface="Times New Roman" pitchFamily="18" charset="0"/>
+                <a:cs typeface="Times New Roman" pitchFamily="18" charset="0"/>
+              </a:rPr>
+              <a:t>to its syntactic </a:t>
+            </a:r>
+            <a:r>
+              <a:rPr lang="en-US" sz="2200" dirty="0" smtClean="0">
+                <a:solidFill>
+                  <a:schemeClr val="tx1"/>
+                </a:solidFill>
+                <a:latin typeface="Times New Roman" pitchFamily="18" charset="0"/>
+                <a:cs typeface="Times New Roman" pitchFamily="18" charset="0"/>
+              </a:rPr>
+              <a:t>tree and </a:t>
+            </a:r>
+            <a:r>
+              <a:rPr lang="en-US" sz="2200" dirty="0" smtClean="0">
+                <a:solidFill>
+                  <a:schemeClr val="tx1"/>
+                </a:solidFill>
+                <a:latin typeface="Times New Roman" pitchFamily="18" charset="0"/>
+                <a:cs typeface="Times New Roman" pitchFamily="18" charset="0"/>
+              </a:rPr>
+              <a:t>then the question will be represented based on some tree fragments </a:t>
+            </a:r>
+            <a:r>
+              <a:rPr lang="en-US" sz="2200" dirty="0" smtClean="0">
+                <a:solidFill>
+                  <a:schemeClr val="tx1"/>
+                </a:solidFill>
+                <a:latin typeface="Times New Roman" pitchFamily="18" charset="0"/>
+                <a:cs typeface="Times New Roman" pitchFamily="18" charset="0"/>
+              </a:rPr>
+              <a:t>which are </a:t>
+            </a:r>
+            <a:r>
+              <a:rPr lang="en-US" sz="2200" dirty="0" err="1" smtClean="0">
+                <a:solidFill>
+                  <a:schemeClr val="tx1"/>
+                </a:solidFill>
+                <a:latin typeface="Times New Roman" pitchFamily="18" charset="0"/>
+                <a:cs typeface="Times New Roman" pitchFamily="18" charset="0"/>
+              </a:rPr>
+              <a:t>subtrees</a:t>
+            </a:r>
+            <a:r>
+              <a:rPr lang="en-US" sz="2200" dirty="0" smtClean="0">
+                <a:solidFill>
+                  <a:schemeClr val="tx1"/>
+                </a:solidFill>
+                <a:latin typeface="Times New Roman" pitchFamily="18" charset="0"/>
+                <a:cs typeface="Times New Roman" pitchFamily="18" charset="0"/>
+              </a:rPr>
+              <a:t> of the original syntax </a:t>
+            </a:r>
+            <a:r>
+              <a:rPr lang="en-US" sz="2200" dirty="0" smtClean="0">
+                <a:solidFill>
+                  <a:schemeClr val="tx1"/>
+                </a:solidFill>
+                <a:latin typeface="Times New Roman" pitchFamily="18" charset="0"/>
+                <a:cs typeface="Times New Roman" pitchFamily="18" charset="0"/>
+              </a:rPr>
+              <a:t>tree</a:t>
+            </a:r>
+          </a:p>
+          <a:p>
+            <a:pPr>
+              <a:buNone/>
+            </a:pPr>
+            <a:r>
+              <a:rPr lang="en-US" sz="2400" b="1" dirty="0" smtClean="0">
+                <a:solidFill>
+                  <a:schemeClr val="tx1"/>
+                </a:solidFill>
+                <a:latin typeface="Times New Roman" panose="02020603050405020304" pitchFamily="18" charset="0"/>
+                <a:cs typeface="Times New Roman" panose="02020603050405020304" pitchFamily="18" charset="0"/>
+              </a:rPr>
+              <a:t>State of the art</a:t>
+            </a:r>
+          </a:p>
+          <a:p>
+            <a:pPr lvl="1"/>
+            <a:r>
+              <a:rPr lang="en-US" sz="2200" dirty="0" smtClean="0">
+                <a:solidFill>
+                  <a:schemeClr val="tx1"/>
+                </a:solidFill>
+                <a:latin typeface="Times New Roman" panose="02020603050405020304" pitchFamily="18" charset="0"/>
+                <a:cs typeface="Times New Roman" panose="02020603050405020304" pitchFamily="18" charset="0"/>
+              </a:rPr>
+              <a:t>Most studies assume that a question is unambiguous, that is, it has only one label </a:t>
+            </a:r>
+          </a:p>
+        </p:txBody>
+      </p:sp>
     </p:spTree>
     <p:extLst>
       <p:ext uri="{BB962C8B-B14F-4D97-AF65-F5344CB8AC3E}">
-        <p14:creationId xmlns:p14="http://schemas.microsoft.com/office/powerpoint/2010/main" val="2237513363"/>
+        <p14:creationId xmlns:p14="http://schemas.microsoft.com/office/powerpoint/2010/main" xmlns="" val="2045971925"/>
       </p:ext>
     </p:extLst>
   </p:cSld>
@@ -9377,36 +9734,6 @@
       </p:grpSpPr>
       <p:sp>
         <p:nvSpPr>
-          <p:cNvPr id="2" name="Title 1"/>
-          <p:cNvSpPr>
-            <a:spLocks noGrp="1"/>
-          </p:cNvSpPr>
-          <p:nvPr>
-            <p:ph type="title"/>
-          </p:nvPr>
-        </p:nvSpPr>
-        <p:spPr/>
-        <p:txBody>
-          <a:bodyPr/>
-          <a:lstStyle/>
-          <a:p>
-            <a:pPr algn="ctr"/>
-            <a:r>
-              <a:rPr lang="en-US" dirty="0" smtClean="0">
-                <a:latin typeface="Times New Roman" panose="02020603050405020304" pitchFamily="18" charset="0"/>
-                <a:cs typeface="Times New Roman" panose="02020603050405020304" pitchFamily="18" charset="0"/>
-              </a:rPr>
-              <a:t>Feature Extraction</a:t>
-            </a:r>
-            <a:endParaRPr lang="en-US" dirty="0">
-              <a:latin typeface="Times New Roman" panose="02020603050405020304" pitchFamily="18" charset="0"/>
-              <a:cs typeface="Times New Roman" panose="02020603050405020304" pitchFamily="18" charset="0"/>
-            </a:endParaRPr>
-          </a:p>
-        </p:txBody>
-      </p:sp>
-      <p:sp>
-        <p:nvSpPr>
           <p:cNvPr id="3" name="Content Placeholder 2"/>
           <p:cNvSpPr>
             <a:spLocks noGrp="1"/>
@@ -9415,59 +9742,249 @@
             <p:ph idx="1"/>
           </p:nvPr>
         </p:nvSpPr>
-        <p:spPr/>
-        <p:txBody>
-          <a:bodyPr/>
+        <p:spPr>
+          <a:xfrm>
+            <a:off x="750627" y="1241730"/>
+            <a:ext cx="10592157" cy="5036239"/>
+          </a:xfrm>
+        </p:spPr>
+        <p:txBody>
+          <a:bodyPr>
+            <a:noAutofit/>
+          </a:bodyPr>
           <a:lstStyle/>
           <a:p>
-            <a:r>
-              <a:rPr lang="en-US" dirty="0" smtClean="0">
-                <a:latin typeface="Times New Roman" panose="02020603050405020304" pitchFamily="18" charset="0"/>
-                <a:cs typeface="Times New Roman" panose="02020603050405020304" pitchFamily="18" charset="0"/>
-              </a:rPr>
-              <a:t>Extracting POS tags</a:t>
-            </a:r>
-            <a:endParaRPr lang="en-US" dirty="0" smtClean="0">
+            <a:pPr marL="0" indent="0">
+              <a:buNone/>
+            </a:pPr>
+            <a:r>
+              <a:rPr lang="en-US" sz="2400" b="1" dirty="0" smtClean="0">
+                <a:solidFill>
+                  <a:schemeClr val="tx1"/>
+                </a:solidFill>
+                <a:latin typeface="Times New Roman" panose="02020603050405020304" pitchFamily="18" charset="0"/>
+                <a:cs typeface="Times New Roman" panose="02020603050405020304" pitchFamily="18" charset="0"/>
+              </a:rPr>
+              <a:t>Unsupervised </a:t>
+            </a:r>
+            <a:r>
+              <a:rPr lang="en-US" sz="2400" b="1" dirty="0">
+                <a:solidFill>
+                  <a:schemeClr val="tx1"/>
+                </a:solidFill>
+                <a:latin typeface="Times New Roman" panose="02020603050405020304" pitchFamily="18" charset="0"/>
+                <a:cs typeface="Times New Roman" panose="02020603050405020304" pitchFamily="18" charset="0"/>
+              </a:rPr>
+              <a:t>learning</a:t>
+            </a:r>
+          </a:p>
+          <a:p>
+            <a:r>
+              <a:rPr lang="en-US" sz="2400" dirty="0" smtClean="0">
+                <a:solidFill>
+                  <a:schemeClr val="tx1"/>
+                </a:solidFill>
+                <a:latin typeface="Times New Roman" panose="02020603050405020304" pitchFamily="18" charset="0"/>
+                <a:cs typeface="Times New Roman" panose="02020603050405020304" pitchFamily="18" charset="0"/>
+              </a:rPr>
+              <a:t>K means clustering</a:t>
+            </a:r>
+          </a:p>
+          <a:p>
+            <a:pPr lvl="1"/>
+            <a:r>
+              <a:rPr lang="en-US" sz="2400" dirty="0" smtClean="0">
+                <a:solidFill>
+                  <a:schemeClr val="tx1"/>
+                </a:solidFill>
+                <a:latin typeface="Times New Roman" panose="02020603050405020304" pitchFamily="18" charset="0"/>
+                <a:cs typeface="Times New Roman" panose="02020603050405020304" pitchFamily="18" charset="0"/>
+              </a:rPr>
+              <a:t>Identify </a:t>
+            </a:r>
+            <a:r>
+              <a:rPr lang="en-US" sz="2400" dirty="0">
+                <a:solidFill>
+                  <a:schemeClr val="tx1"/>
+                </a:solidFill>
+                <a:latin typeface="Times New Roman" panose="02020603050405020304" pitchFamily="18" charset="0"/>
+                <a:cs typeface="Times New Roman" panose="02020603050405020304" pitchFamily="18" charset="0"/>
+              </a:rPr>
+              <a:t>questions in the corpus that are similar and related to </a:t>
+            </a:r>
+            <a:r>
+              <a:rPr lang="en-US" sz="2400" dirty="0" smtClean="0">
+                <a:solidFill>
+                  <a:schemeClr val="tx1"/>
+                </a:solidFill>
+                <a:latin typeface="Times New Roman" panose="02020603050405020304" pitchFamily="18" charset="0"/>
+                <a:cs typeface="Times New Roman" panose="02020603050405020304" pitchFamily="18" charset="0"/>
+              </a:rPr>
+              <a:t>a question </a:t>
+            </a:r>
+            <a:r>
+              <a:rPr lang="en-US" sz="2400" dirty="0">
+                <a:solidFill>
+                  <a:schemeClr val="tx1"/>
+                </a:solidFill>
+                <a:latin typeface="Times New Roman" panose="02020603050405020304" pitchFamily="18" charset="0"/>
+                <a:cs typeface="Times New Roman" panose="02020603050405020304" pitchFamily="18" charset="0"/>
+              </a:rPr>
+              <a:t>and group/cluster them as per their “relatedness” to the </a:t>
+            </a:r>
+            <a:r>
+              <a:rPr lang="en-US" sz="2400" dirty="0" smtClean="0">
+                <a:solidFill>
+                  <a:schemeClr val="tx1"/>
+                </a:solidFill>
+                <a:latin typeface="Times New Roman" panose="02020603050405020304" pitchFamily="18" charset="0"/>
+                <a:cs typeface="Times New Roman" panose="02020603050405020304" pitchFamily="18" charset="0"/>
+              </a:rPr>
+              <a:t>question</a:t>
+            </a:r>
+          </a:p>
+          <a:p>
+            <a:pPr lvl="1"/>
+            <a:r>
+              <a:rPr lang="en-US" sz="2400" dirty="0" smtClean="0">
+                <a:solidFill>
+                  <a:schemeClr val="tx1"/>
+                </a:solidFill>
+                <a:latin typeface="Times New Roman" panose="02020603050405020304" pitchFamily="18" charset="0"/>
+                <a:cs typeface="Times New Roman" panose="02020603050405020304" pitchFamily="18" charset="0"/>
+              </a:rPr>
+              <a:t>Use structure </a:t>
+            </a:r>
+            <a:r>
+              <a:rPr lang="en-US" sz="2400" dirty="0">
+                <a:solidFill>
+                  <a:schemeClr val="tx1"/>
+                </a:solidFill>
+                <a:latin typeface="Times New Roman" panose="02020603050405020304" pitchFamily="18" charset="0"/>
+                <a:cs typeface="Times New Roman" panose="02020603050405020304" pitchFamily="18" charset="0"/>
+              </a:rPr>
+              <a:t>and lexical </a:t>
+            </a:r>
+            <a:r>
+              <a:rPr lang="en-US" sz="2400" dirty="0" smtClean="0">
+                <a:solidFill>
+                  <a:schemeClr val="tx1"/>
+                </a:solidFill>
+                <a:latin typeface="Times New Roman" panose="02020603050405020304" pitchFamily="18" charset="0"/>
+                <a:cs typeface="Times New Roman" panose="02020603050405020304" pitchFamily="18" charset="0"/>
+              </a:rPr>
+              <a:t>information to </a:t>
+            </a:r>
+            <a:r>
+              <a:rPr lang="en-US" sz="2400" dirty="0">
+                <a:solidFill>
+                  <a:schemeClr val="tx1"/>
+                </a:solidFill>
+                <a:latin typeface="Times New Roman" panose="02020603050405020304" pitchFamily="18" charset="0"/>
+                <a:cs typeface="Times New Roman" panose="02020603050405020304" pitchFamily="18" charset="0"/>
+              </a:rPr>
+              <a:t>cluster questions as per their relatedness with the original </a:t>
+            </a:r>
+            <a:r>
+              <a:rPr lang="en-US" sz="2400" dirty="0" smtClean="0">
+                <a:solidFill>
+                  <a:schemeClr val="tx1"/>
+                </a:solidFill>
+                <a:latin typeface="Times New Roman" panose="02020603050405020304" pitchFamily="18" charset="0"/>
+                <a:cs typeface="Times New Roman" panose="02020603050405020304" pitchFamily="18" charset="0"/>
+              </a:rPr>
+              <a:t>question </a:t>
+            </a:r>
+            <a:endParaRPr lang="en-US" sz="2400" dirty="0">
+              <a:solidFill>
+                <a:schemeClr val="tx1"/>
+              </a:solidFill>
               <a:latin typeface="Times New Roman" panose="02020603050405020304" pitchFamily="18" charset="0"/>
               <a:cs typeface="Times New Roman" panose="02020603050405020304" pitchFamily="18" charset="0"/>
             </a:endParaRPr>
           </a:p>
           <a:p>
-            <a:endParaRPr lang="en-US" b="1" dirty="0">
-              <a:latin typeface="Times New Roman" panose="02020603050405020304" pitchFamily="18" charset="0"/>
-              <a:cs typeface="Times New Roman" panose="02020603050405020304" pitchFamily="18" charset="0"/>
-            </a:endParaRPr>
-          </a:p>
-        </p:txBody>
-      </p:sp>
-      <p:pic>
-        <p:nvPicPr>
-          <p:cNvPr id="4" name="Picture 3"/>
-          <p:cNvPicPr>
-            <a:picLocks noChangeAspect="1"/>
-          </p:cNvPicPr>
-          <p:nvPr/>
-        </p:nvPicPr>
-        <p:blipFill>
-          <a:blip r:embed="rId2"/>
-          <a:stretch>
-            <a:fillRect/>
-          </a:stretch>
-        </p:blipFill>
-        <p:spPr>
-          <a:xfrm>
-            <a:off x="1310368" y="2653393"/>
-            <a:ext cx="6153150" cy="3162300"/>
-          </a:xfrm>
-          <a:prstGeom prst="rect">
-            <a:avLst/>
-          </a:prstGeom>
-        </p:spPr>
-      </p:pic>
+            <a:r>
+              <a:rPr lang="en-US" sz="2600" dirty="0" smtClean="0">
+                <a:solidFill>
+                  <a:schemeClr val="tx1"/>
+                </a:solidFill>
+                <a:latin typeface="Times New Roman" panose="02020603050405020304" pitchFamily="18" charset="0"/>
+                <a:cs typeface="Times New Roman" panose="02020603050405020304" pitchFamily="18" charset="0"/>
+              </a:rPr>
+              <a:t>The approach presented in </a:t>
+            </a:r>
+            <a:r>
+              <a:rPr lang="en-US" sz="2600" dirty="0" smtClean="0">
+                <a:solidFill>
+                  <a:schemeClr val="tx1"/>
+                </a:solidFill>
+                <a:latin typeface="Times New Roman" panose="02020603050405020304" pitchFamily="18" charset="0"/>
+                <a:cs typeface="Times New Roman" panose="02020603050405020304" pitchFamily="18" charset="0"/>
+              </a:rPr>
+              <a:t>the paper, </a:t>
+            </a:r>
+            <a:r>
+              <a:rPr lang="en-US" sz="2600" dirty="0" smtClean="0">
+                <a:solidFill>
+                  <a:schemeClr val="tx1"/>
+                </a:solidFill>
+                <a:latin typeface="Times New Roman" panose="02020603050405020304" pitchFamily="18" charset="0"/>
+                <a:cs typeface="Times New Roman" panose="02020603050405020304" pitchFamily="18" charset="0"/>
+                <a:hlinkClick r:id="rId2"/>
+              </a:rPr>
+              <a:t>http://www.cs.cmu.edu/~</a:t>
+            </a:r>
+            <a:r>
+              <a:rPr lang="en-US" sz="2600" dirty="0" smtClean="0">
+                <a:solidFill>
+                  <a:schemeClr val="tx1"/>
+                </a:solidFill>
+                <a:latin typeface="Times New Roman" panose="02020603050405020304" pitchFamily="18" charset="0"/>
+                <a:cs typeface="Times New Roman" panose="02020603050405020304" pitchFamily="18" charset="0"/>
+                <a:hlinkClick r:id="rId2"/>
+              </a:rPr>
+              <a:t>llita/papers/lita.acquisition-cikm2004.pdf</a:t>
+            </a:r>
+            <a:r>
+              <a:rPr lang="en-US" sz="2600" dirty="0" smtClean="0">
+                <a:solidFill>
+                  <a:schemeClr val="tx1"/>
+                </a:solidFill>
+                <a:latin typeface="Times New Roman" panose="02020603050405020304" pitchFamily="18" charset="0"/>
+                <a:cs typeface="Times New Roman" panose="02020603050405020304" pitchFamily="18" charset="0"/>
+              </a:rPr>
+              <a:t> </a:t>
+            </a:r>
+            <a:r>
+              <a:rPr lang="en-US" sz="2600" dirty="0" smtClean="0">
+                <a:solidFill>
+                  <a:schemeClr val="tx1"/>
+                </a:solidFill>
+                <a:latin typeface="Times New Roman" panose="02020603050405020304" pitchFamily="18" charset="0"/>
+                <a:cs typeface="Times New Roman" panose="02020603050405020304" pitchFamily="18" charset="0"/>
+              </a:rPr>
+              <a:t>views questions as collections of entities and relations among them</a:t>
+            </a:r>
+          </a:p>
+          <a:p>
+            <a:r>
+              <a:rPr lang="en-US" sz="2600" dirty="0" smtClean="0">
+                <a:solidFill>
+                  <a:schemeClr val="tx1"/>
+                </a:solidFill>
+                <a:latin typeface="Times New Roman" panose="02020603050405020304" pitchFamily="18" charset="0"/>
+                <a:cs typeface="Times New Roman" panose="02020603050405020304" pitchFamily="18" charset="0"/>
+              </a:rPr>
+              <a:t>The question-type is in the form of an unknown relation or an unknown entity</a:t>
+            </a:r>
+          </a:p>
+        </p:txBody>
+      </p:sp>
     </p:spTree>
     <p:extLst>
       <p:ext uri="{BB962C8B-B14F-4D97-AF65-F5344CB8AC3E}">
-        <p14:creationId xmlns:p14="http://schemas.microsoft.com/office/powerpoint/2010/main" val="131412334"/>
+        <p14:creationId xmlns:p14="http://schemas.microsoft.com/office/powerpoint/2010/main" xmlns="" val="2045971925"/>
       </p:ext>
     </p:extLst>
   </p:cSld>
@@ -9515,7 +10032,21 @@
                 <a:latin typeface="Times New Roman" panose="02020603050405020304" pitchFamily="18" charset="0"/>
                 <a:cs typeface="Times New Roman" panose="02020603050405020304" pitchFamily="18" charset="0"/>
               </a:rPr>
-              <a:t>Feature Extraction</a:t>
+              <a:t>Existing Baseline </a:t>
+            </a:r>
+            <a:r>
+              <a:rPr lang="en-US" dirty="0" smtClean="0">
+                <a:latin typeface="Times New Roman" panose="02020603050405020304" pitchFamily="18" charset="0"/>
+                <a:cs typeface="Times New Roman" panose="02020603050405020304" pitchFamily="18" charset="0"/>
+              </a:rPr>
+              <a:t>I</a:t>
+            </a:r>
+            <a:r>
+              <a:rPr lang="en-US" dirty="0" smtClean="0">
+                <a:latin typeface="Times New Roman" panose="02020603050405020304" pitchFamily="18" charset="0"/>
+                <a:cs typeface="Times New Roman" panose="02020603050405020304" pitchFamily="18" charset="0"/>
+              </a:rPr>
+              <a:t>mplementation</a:t>
             </a:r>
             <a:endParaRPr lang="en-US" dirty="0">
               <a:latin typeface="Times New Roman" panose="02020603050405020304" pitchFamily="18" charset="0"/>
@@ -9534,59 +10065,153 @@
             <p:ph idx="1"/>
           </p:nvPr>
         </p:nvSpPr>
-        <p:spPr/>
-        <p:txBody>
-          <a:bodyPr/>
+        <p:spPr>
+          <a:xfrm>
+            <a:off x="650039" y="1969520"/>
+            <a:ext cx="8596668" cy="3880773"/>
+          </a:xfrm>
+        </p:spPr>
+        <p:txBody>
+          <a:bodyPr>
+            <a:normAutofit/>
+          </a:bodyPr>
           <a:lstStyle/>
           <a:p>
             <a:r>
-              <a:rPr lang="en-US" dirty="0" smtClean="0">
-                <a:latin typeface="Times New Roman" panose="02020603050405020304" pitchFamily="18" charset="0"/>
-                <a:cs typeface="Times New Roman" panose="02020603050405020304" pitchFamily="18" charset="0"/>
-              </a:rPr>
-              <a:t>Extracting POS tags</a:t>
-            </a:r>
-            <a:endParaRPr lang="en-US" dirty="0" smtClean="0">
+              <a:rPr lang="en-US" sz="2400" dirty="0" smtClean="0">
+                <a:solidFill>
+                  <a:schemeClr val="tx1"/>
+                </a:solidFill>
+                <a:latin typeface="Times New Roman" panose="02020603050405020304" pitchFamily="18" charset="0"/>
+                <a:cs typeface="Times New Roman" panose="02020603050405020304" pitchFamily="18" charset="0"/>
+              </a:rPr>
+              <a:t>Implement a model using supervised learning </a:t>
+            </a:r>
+            <a:r>
+              <a:rPr lang="en-US" sz="2400" dirty="0" smtClean="0">
+                <a:solidFill>
+                  <a:schemeClr val="tx1"/>
+                </a:solidFill>
+                <a:latin typeface="Times New Roman" panose="02020603050405020304" pitchFamily="18" charset="0"/>
+                <a:cs typeface="Times New Roman" panose="02020603050405020304" pitchFamily="18" charset="0"/>
+              </a:rPr>
+              <a:t>method</a:t>
+            </a:r>
+            <a:endParaRPr lang="en-US" sz="2400" dirty="0">
+              <a:solidFill>
+                <a:schemeClr val="tx1"/>
+              </a:solidFill>
               <a:latin typeface="Times New Roman" panose="02020603050405020304" pitchFamily="18" charset="0"/>
               <a:cs typeface="Times New Roman" panose="02020603050405020304" pitchFamily="18" charset="0"/>
             </a:endParaRPr>
           </a:p>
           <a:p>
-            <a:endParaRPr lang="en-US" b="1" dirty="0">
-              <a:latin typeface="Times New Roman" panose="02020603050405020304" pitchFamily="18" charset="0"/>
-              <a:cs typeface="Times New Roman" panose="02020603050405020304" pitchFamily="18" charset="0"/>
+            <a:r>
+              <a:rPr lang="en-US" sz="2400" dirty="0" smtClean="0">
+                <a:solidFill>
+                  <a:schemeClr val="tx1"/>
+                </a:solidFill>
+                <a:latin typeface="Times New Roman" pitchFamily="18" charset="0"/>
+                <a:cs typeface="Times New Roman" pitchFamily="18" charset="0"/>
+              </a:rPr>
+              <a:t>For </a:t>
+            </a:r>
+            <a:r>
+              <a:rPr lang="en-US" sz="2400" dirty="0" smtClean="0">
+                <a:solidFill>
+                  <a:schemeClr val="tx1"/>
+                </a:solidFill>
+                <a:latin typeface="Times New Roman" pitchFamily="18" charset="0"/>
+                <a:cs typeface="Times New Roman" pitchFamily="18" charset="0"/>
+              </a:rPr>
+              <a:t>the current </a:t>
+            </a:r>
+            <a:r>
+              <a:rPr lang="en-US" sz="2400" dirty="0" smtClean="0">
+                <a:solidFill>
+                  <a:schemeClr val="tx1"/>
+                </a:solidFill>
+                <a:latin typeface="Times New Roman" pitchFamily="18" charset="0"/>
+                <a:cs typeface="Times New Roman" pitchFamily="18" charset="0"/>
+              </a:rPr>
+              <a:t>implementation, </a:t>
+            </a:r>
+            <a:r>
+              <a:rPr lang="en-US" sz="2400" dirty="0" smtClean="0">
+                <a:solidFill>
+                  <a:schemeClr val="tx1"/>
+                </a:solidFill>
+                <a:latin typeface="Times New Roman" pitchFamily="18" charset="0"/>
+                <a:cs typeface="Times New Roman" pitchFamily="18" charset="0"/>
+              </a:rPr>
+              <a:t>Support </a:t>
+            </a:r>
+            <a:r>
+              <a:rPr lang="en-US" sz="2400" dirty="0" smtClean="0">
+                <a:solidFill>
+                  <a:schemeClr val="tx1"/>
+                </a:solidFill>
+                <a:latin typeface="Times New Roman" pitchFamily="18" charset="0"/>
+                <a:cs typeface="Times New Roman" pitchFamily="18" charset="0"/>
+              </a:rPr>
+              <a:t>Vector Classification </a:t>
+            </a:r>
+            <a:r>
+              <a:rPr lang="en-US" sz="2400" dirty="0" smtClean="0">
+                <a:solidFill>
+                  <a:schemeClr val="tx1"/>
+                </a:solidFill>
+                <a:latin typeface="Times New Roman" pitchFamily="18" charset="0"/>
+                <a:cs typeface="Times New Roman" pitchFamily="18" charset="0"/>
+              </a:rPr>
+              <a:t>is used whose </a:t>
+            </a:r>
+            <a:r>
+              <a:rPr lang="en-US" sz="2400" dirty="0" smtClean="0">
+                <a:solidFill>
+                  <a:schemeClr val="tx1"/>
+                </a:solidFill>
+                <a:latin typeface="Times New Roman" pitchFamily="18" charset="0"/>
+                <a:cs typeface="Times New Roman" pitchFamily="18" charset="0"/>
+              </a:rPr>
+              <a:t>implementation is based on </a:t>
+            </a:r>
+            <a:r>
+              <a:rPr lang="en-US" sz="2400" dirty="0" err="1" smtClean="0">
+                <a:solidFill>
+                  <a:schemeClr val="tx1"/>
+                </a:solidFill>
+                <a:latin typeface="Times New Roman" pitchFamily="18" charset="0"/>
+                <a:cs typeface="Times New Roman" pitchFamily="18" charset="0"/>
+              </a:rPr>
+              <a:t>libSVM</a:t>
+            </a:r>
+            <a:endParaRPr lang="en-US" sz="2400" dirty="0" smtClean="0">
+              <a:solidFill>
+                <a:schemeClr val="tx1"/>
+              </a:solidFill>
+              <a:latin typeface="Times New Roman" pitchFamily="18" charset="0"/>
+              <a:cs typeface="Times New Roman" pitchFamily="18" charset="0"/>
             </a:endParaRPr>
           </a:p>
-        </p:txBody>
-      </p:sp>
-      <p:pic>
-        <p:nvPicPr>
-          <p:cNvPr id="5" name="Picture 4"/>
-          <p:cNvPicPr>
-            <a:picLocks noChangeAspect="1"/>
-          </p:cNvPicPr>
-          <p:nvPr/>
-        </p:nvPicPr>
-        <p:blipFill>
-          <a:blip r:embed="rId2"/>
-          <a:stretch>
-            <a:fillRect/>
-          </a:stretch>
-        </p:blipFill>
-        <p:spPr>
-          <a:xfrm>
-            <a:off x="1351870" y="2905125"/>
-            <a:ext cx="6657975" cy="2724150"/>
-          </a:xfrm>
-          <a:prstGeom prst="rect">
-            <a:avLst/>
-          </a:prstGeom>
-        </p:spPr>
-      </p:pic>
+          <a:p>
+            <a:r>
+              <a:rPr lang="en-US" sz="2400" dirty="0" smtClean="0">
+                <a:solidFill>
+                  <a:schemeClr val="tx1"/>
+                </a:solidFill>
+                <a:latin typeface="Times New Roman" pitchFamily="18" charset="0"/>
+                <a:cs typeface="Times New Roman" pitchFamily="18" charset="0"/>
+              </a:rPr>
+              <a:t>As the training samples are less, the running time for training is quite less and the accuracy is also good</a:t>
+            </a:r>
+          </a:p>
+        </p:txBody>
+      </p:sp>
     </p:spTree>
     <p:extLst>
       <p:ext uri="{BB962C8B-B14F-4D97-AF65-F5344CB8AC3E}">
-        <p14:creationId xmlns:p14="http://schemas.microsoft.com/office/powerpoint/2010/main" val="1971711520"/>
+        <p14:creationId xmlns:p14="http://schemas.microsoft.com/office/powerpoint/2010/main" xmlns="" val="1225250234"/>
       </p:ext>
     </p:extLst>
   </p:cSld>
@@ -9634,7 +10259,7 @@
                 <a:latin typeface="Times New Roman" panose="02020603050405020304" pitchFamily="18" charset="0"/>
                 <a:cs typeface="Times New Roman" panose="02020603050405020304" pitchFamily="18" charset="0"/>
               </a:rPr>
-              <a:t>Feature Extraction</a:t>
+              <a:t>Proposed Workflow</a:t>
             </a:r>
             <a:endParaRPr lang="en-US" dirty="0">
               <a:latin typeface="Times New Roman" panose="02020603050405020304" pitchFamily="18" charset="0"/>
@@ -9643,69 +10268,35 @@
           </a:p>
         </p:txBody>
       </p:sp>
-      <p:sp>
-        <p:nvSpPr>
-          <p:cNvPr id="3" name="Content Placeholder 2"/>
-          <p:cNvSpPr>
-            <a:spLocks noGrp="1"/>
-          </p:cNvSpPr>
+      <p:graphicFrame>
+        <p:nvGraphicFramePr>
+          <p:cNvPr id="7" name="Content Placeholder 6"/>
+          <p:cNvGraphicFramePr>
+            <a:graphicFrameLocks noGrp="1"/>
+          </p:cNvGraphicFramePr>
           <p:nvPr>
             <p:ph idx="1"/>
-          </p:nvPr>
-        </p:nvSpPr>
-        <p:spPr/>
-        <p:txBody>
-          <a:bodyPr/>
-          <a:lstStyle/>
-          <a:p>
-            <a:r>
-              <a:rPr lang="en-US" dirty="0" smtClean="0">
-                <a:latin typeface="Times New Roman" panose="02020603050405020304" pitchFamily="18" charset="0"/>
-                <a:cs typeface="Times New Roman" panose="02020603050405020304" pitchFamily="18" charset="0"/>
-              </a:rPr>
-              <a:t>NER tagging</a:t>
-            </a:r>
-            <a:endParaRPr lang="en-US" dirty="0" smtClean="0">
-              <a:latin typeface="Times New Roman" panose="02020603050405020304" pitchFamily="18" charset="0"/>
-              <a:cs typeface="Times New Roman" panose="02020603050405020304" pitchFamily="18" charset="0"/>
-            </a:endParaRPr>
-          </a:p>
-          <a:p>
-            <a:endParaRPr lang="en-US" b="1" dirty="0">
-              <a:latin typeface="Times New Roman" panose="02020603050405020304" pitchFamily="18" charset="0"/>
-              <a:cs typeface="Times New Roman" panose="02020603050405020304" pitchFamily="18" charset="0"/>
-            </a:endParaRPr>
-          </a:p>
-        </p:txBody>
-      </p:sp>
-      <p:pic>
-        <p:nvPicPr>
-          <p:cNvPr id="4" name="Picture 3"/>
-          <p:cNvPicPr>
-            <a:picLocks noChangeAspect="1"/>
-          </p:cNvPicPr>
-          <p:nvPr/>
-        </p:nvPicPr>
-        <p:blipFill>
-          <a:blip r:embed="rId2"/>
-          <a:stretch>
-            <a:fillRect/>
-          </a:stretch>
-        </p:blipFill>
-        <p:spPr>
-          <a:xfrm>
-            <a:off x="356043" y="2634343"/>
-            <a:ext cx="9239250" cy="3962400"/>
-          </a:xfrm>
-          <a:prstGeom prst="rect">
-            <a:avLst/>
-          </a:prstGeom>
-        </p:spPr>
-      </p:pic>
+            <p:extLst>
+              <p:ext uri="{D42A27DB-BD31-4B8C-83A1-F6EECF244321}">
+                <p14:modId xmlns:p14="http://schemas.microsoft.com/office/powerpoint/2010/main" xmlns="" val="1778973101"/>
+              </p:ext>
+            </p:extLst>
+          </p:nvPr>
+        </p:nvGraphicFramePr>
+        <p:xfrm>
+          <a:off x="507269" y="1866568"/>
+          <a:ext cx="9877540" cy="2999763"/>
+        </p:xfrm>
+        <a:graphic>
+          <a:graphicData uri="http://schemas.openxmlformats.org/drawingml/2006/diagram">
+            <dgm:relIds xmlns:dgm="http://schemas.openxmlformats.org/drawingml/2006/diagram" xmlns:r="http://schemas.openxmlformats.org/officeDocument/2006/relationships" r:dm="rId2" r:lo="rId3" r:qs="rId4" r:cs="rId5"/>
+          </a:graphicData>
+        </a:graphic>
+      </p:graphicFrame>
     </p:spTree>
     <p:extLst>
       <p:ext uri="{BB962C8B-B14F-4D97-AF65-F5344CB8AC3E}">
-        <p14:creationId xmlns:p14="http://schemas.microsoft.com/office/powerpoint/2010/main" val="480279104"/>
+        <p14:creationId xmlns:p14="http://schemas.microsoft.com/office/powerpoint/2010/main" xmlns="" val="2962103780"/>
       </p:ext>
     </p:extLst>
   </p:cSld>
@@ -9734,36 +10325,6 @@
       </p:grpSpPr>
       <p:sp>
         <p:nvSpPr>
-          <p:cNvPr id="2" name="Title 1"/>
-          <p:cNvSpPr>
-            <a:spLocks noGrp="1"/>
-          </p:cNvSpPr>
-          <p:nvPr>
-            <p:ph type="title"/>
-          </p:nvPr>
-        </p:nvSpPr>
-        <p:spPr/>
-        <p:txBody>
-          <a:bodyPr/>
-          <a:lstStyle/>
-          <a:p>
-            <a:pPr algn="ctr"/>
-            <a:r>
-              <a:rPr lang="en-US" dirty="0" smtClean="0">
-                <a:latin typeface="Times New Roman" panose="02020603050405020304" pitchFamily="18" charset="0"/>
-                <a:cs typeface="Times New Roman" panose="02020603050405020304" pitchFamily="18" charset="0"/>
-              </a:rPr>
-              <a:t>Feature Extraction</a:t>
-            </a:r>
-            <a:endParaRPr lang="en-US" dirty="0">
-              <a:latin typeface="Times New Roman" panose="02020603050405020304" pitchFamily="18" charset="0"/>
-              <a:cs typeface="Times New Roman" panose="02020603050405020304" pitchFamily="18" charset="0"/>
-            </a:endParaRPr>
-          </a:p>
-        </p:txBody>
-      </p:sp>
-      <p:sp>
-        <p:nvSpPr>
           <p:cNvPr id="3" name="Content Placeholder 2"/>
           <p:cNvSpPr>
             <a:spLocks noGrp="1"/>
@@ -9772,59 +10333,284 @@
             <p:ph idx="1"/>
           </p:nvPr>
         </p:nvSpPr>
-        <p:spPr/>
-        <p:txBody>
-          <a:bodyPr/>
+        <p:spPr>
+          <a:xfrm>
+            <a:off x="661013" y="1069918"/>
+            <a:ext cx="8590956" cy="5788082"/>
+          </a:xfrm>
+        </p:spPr>
+        <p:txBody>
+          <a:bodyPr>
+            <a:noAutofit/>
+          </a:bodyPr>
           <a:lstStyle/>
           <a:p>
             <a:r>
-              <a:rPr lang="en-US" dirty="0" smtClean="0">
-                <a:latin typeface="Times New Roman" panose="02020603050405020304" pitchFamily="18" charset="0"/>
-                <a:cs typeface="Times New Roman" panose="02020603050405020304" pitchFamily="18" charset="0"/>
-              </a:rPr>
-              <a:t>NER tagging</a:t>
-            </a:r>
-            <a:endParaRPr lang="en-US" dirty="0" smtClean="0">
+              <a:rPr lang="en-US" sz="2400" dirty="0" smtClean="0">
+                <a:solidFill>
+                  <a:schemeClr val="tx1"/>
+                </a:solidFill>
+                <a:latin typeface="Times New Roman" panose="02020603050405020304" pitchFamily="18" charset="0"/>
+                <a:cs typeface="Times New Roman" panose="02020603050405020304" pitchFamily="18" charset="0"/>
+              </a:rPr>
+              <a:t>Pre-processing- </a:t>
+            </a:r>
+          </a:p>
+          <a:p>
+            <a:pPr lvl="1"/>
+            <a:r>
+              <a:rPr lang="en-US" sz="2400" dirty="0" smtClean="0">
+                <a:solidFill>
+                  <a:schemeClr val="tx1"/>
+                </a:solidFill>
+                <a:latin typeface="Times New Roman" panose="02020603050405020304" pitchFamily="18" charset="0"/>
+                <a:cs typeface="Times New Roman" panose="02020603050405020304" pitchFamily="18" charset="0"/>
+              </a:rPr>
+              <a:t>Remove junk except for a-Z and A-Z</a:t>
+            </a:r>
+          </a:p>
+          <a:p>
+            <a:pPr lvl="1"/>
+            <a:r>
+              <a:rPr lang="en-US" sz="2400" dirty="0" smtClean="0">
+                <a:solidFill>
+                  <a:schemeClr val="tx1"/>
+                </a:solidFill>
+                <a:latin typeface="Times New Roman" panose="02020603050405020304" pitchFamily="18" charset="0"/>
+                <a:cs typeface="Times New Roman" panose="02020603050405020304" pitchFamily="18" charset="0"/>
+              </a:rPr>
+              <a:t>Change each character to lower case</a:t>
+            </a:r>
+          </a:p>
+          <a:p>
+            <a:pPr lvl="1"/>
+            <a:r>
+              <a:rPr lang="en-US" sz="2400" dirty="0" smtClean="0">
+                <a:solidFill>
+                  <a:schemeClr val="tx1"/>
+                </a:solidFill>
+                <a:latin typeface="Times New Roman" panose="02020603050405020304" pitchFamily="18" charset="0"/>
+                <a:cs typeface="Times New Roman" panose="02020603050405020304" pitchFamily="18" charset="0"/>
+              </a:rPr>
+              <a:t>Remove stop words</a:t>
+            </a:r>
+            <a:endParaRPr lang="en-US" sz="2400" dirty="0">
+              <a:solidFill>
+                <a:schemeClr val="tx1"/>
+              </a:solidFill>
               <a:latin typeface="Times New Roman" panose="02020603050405020304" pitchFamily="18" charset="0"/>
               <a:cs typeface="Times New Roman" panose="02020603050405020304" pitchFamily="18" charset="0"/>
             </a:endParaRPr>
           </a:p>
           <a:p>
-            <a:endParaRPr lang="en-US" b="1" dirty="0">
+            <a:r>
+              <a:rPr lang="en-US" sz="2400" dirty="0" smtClean="0">
+                <a:solidFill>
+                  <a:schemeClr val="tx1"/>
+                </a:solidFill>
+                <a:latin typeface="Times New Roman" panose="02020603050405020304" pitchFamily="18" charset="0"/>
+                <a:cs typeface="Times New Roman" panose="02020603050405020304" pitchFamily="18" charset="0"/>
+              </a:rPr>
+              <a:t>Feature extraction-</a:t>
+            </a:r>
+          </a:p>
+          <a:p>
+            <a:pPr lvl="1"/>
+            <a:r>
+              <a:rPr lang="en-US" sz="2400" dirty="0" smtClean="0">
+                <a:solidFill>
+                  <a:schemeClr val="tx1"/>
+                </a:solidFill>
+                <a:latin typeface="Times New Roman" panose="02020603050405020304" pitchFamily="18" charset="0"/>
+                <a:cs typeface="Times New Roman" panose="02020603050405020304" pitchFamily="18" charset="0"/>
+              </a:rPr>
+              <a:t>Words, part-of-speech (POS) tags, named entities, head chunks and semantically related words to be used as features</a:t>
+            </a:r>
+          </a:p>
+          <a:p>
+            <a:pPr lvl="1"/>
+            <a:r>
+              <a:rPr lang="en-US" sz="2400" dirty="0" smtClean="0">
+                <a:solidFill>
+                  <a:schemeClr val="tx1"/>
+                </a:solidFill>
+                <a:latin typeface="Times New Roman" panose="02020603050405020304" pitchFamily="18" charset="0"/>
+                <a:cs typeface="Times New Roman" panose="02020603050405020304" pitchFamily="18" charset="0"/>
+              </a:rPr>
+              <a:t>For semantically related words, a predefined list has been provided which has group of related words</a:t>
+            </a:r>
+          </a:p>
+          <a:p>
+            <a:pPr lvl="1"/>
+            <a:r>
+              <a:rPr lang="en-US" sz="2400" dirty="0" err="1" smtClean="0">
+                <a:solidFill>
+                  <a:schemeClr val="tx1"/>
+                </a:solidFill>
+                <a:latin typeface="Times New Roman" panose="02020603050405020304" pitchFamily="18" charset="0"/>
+                <a:cs typeface="Times New Roman" panose="02020603050405020304" pitchFamily="18" charset="0"/>
+              </a:rPr>
+              <a:t>Pos</a:t>
+            </a:r>
+            <a:r>
+              <a:rPr lang="en-US" sz="2400" dirty="0" smtClean="0">
+                <a:solidFill>
+                  <a:schemeClr val="tx1"/>
+                </a:solidFill>
+                <a:latin typeface="Times New Roman" panose="02020603050405020304" pitchFamily="18" charset="0"/>
+                <a:cs typeface="Times New Roman" panose="02020603050405020304" pitchFamily="18" charset="0"/>
+              </a:rPr>
+              <a:t> </a:t>
+            </a:r>
+            <a:r>
+              <a:rPr lang="en-US" sz="2400" dirty="0">
+                <a:solidFill>
+                  <a:schemeClr val="tx1"/>
+                </a:solidFill>
+                <a:latin typeface="Times New Roman" panose="02020603050405020304" pitchFamily="18" charset="0"/>
+                <a:cs typeface="Times New Roman" panose="02020603050405020304" pitchFamily="18" charset="0"/>
+              </a:rPr>
+              <a:t>tags are extracted </a:t>
+            </a:r>
+            <a:r>
+              <a:rPr lang="en-US" sz="2400" dirty="0" smtClean="0">
+                <a:solidFill>
+                  <a:schemeClr val="tx1"/>
+                </a:solidFill>
+                <a:latin typeface="Times New Roman" panose="02020603050405020304" pitchFamily="18" charset="0"/>
+                <a:cs typeface="Times New Roman" panose="02020603050405020304" pitchFamily="18" charset="0"/>
+              </a:rPr>
+              <a:t>using a </a:t>
+            </a:r>
+            <a:r>
+              <a:rPr lang="en-US" sz="2400" dirty="0" err="1" smtClean="0">
+                <a:solidFill>
+                  <a:schemeClr val="tx1"/>
+                </a:solidFill>
+                <a:latin typeface="Times New Roman" panose="02020603050405020304" pitchFamily="18" charset="0"/>
+                <a:cs typeface="Times New Roman" panose="02020603050405020304" pitchFamily="18" charset="0"/>
+              </a:rPr>
+              <a:t>nltk</a:t>
+            </a:r>
+            <a:r>
+              <a:rPr lang="en-US" sz="2400" dirty="0" smtClean="0">
+                <a:solidFill>
+                  <a:schemeClr val="tx1"/>
+                </a:solidFill>
+                <a:latin typeface="Times New Roman" panose="02020603050405020304" pitchFamily="18" charset="0"/>
+                <a:cs typeface="Times New Roman" panose="02020603050405020304" pitchFamily="18" charset="0"/>
+              </a:rPr>
+              <a:t> </a:t>
+            </a:r>
+            <a:r>
+              <a:rPr lang="en-US" sz="2400" i="1" dirty="0" err="1" smtClean="0">
+                <a:solidFill>
+                  <a:schemeClr val="tx1"/>
+                </a:solidFill>
+                <a:latin typeface="Times New Roman" panose="02020603050405020304" pitchFamily="18" charset="0"/>
+                <a:cs typeface="Times New Roman" panose="02020603050405020304" pitchFamily="18" charset="0"/>
+              </a:rPr>
+              <a:t>pos_tag</a:t>
+            </a:r>
+            <a:r>
+              <a:rPr lang="en-US" sz="2400" i="1" dirty="0" smtClean="0">
+                <a:solidFill>
+                  <a:schemeClr val="tx1"/>
+                </a:solidFill>
+                <a:latin typeface="Times New Roman" panose="02020603050405020304" pitchFamily="18" charset="0"/>
+                <a:cs typeface="Times New Roman" panose="02020603050405020304" pitchFamily="18" charset="0"/>
+              </a:rPr>
+              <a:t>()</a:t>
+            </a:r>
+            <a:r>
+              <a:rPr lang="en-US" sz="2400" dirty="0" smtClean="0">
+                <a:solidFill>
+                  <a:schemeClr val="tx1"/>
+                </a:solidFill>
+                <a:latin typeface="Times New Roman" panose="02020603050405020304" pitchFamily="18" charset="0"/>
+                <a:cs typeface="Times New Roman" panose="02020603050405020304" pitchFamily="18" charset="0"/>
+              </a:rPr>
+              <a:t> function</a:t>
+            </a:r>
+          </a:p>
+          <a:p>
+            <a:pPr lvl="1"/>
+            <a:r>
+              <a:rPr lang="en-US" sz="2400" dirty="0" smtClean="0">
+                <a:solidFill>
+                  <a:schemeClr val="tx1"/>
+                </a:solidFill>
+                <a:latin typeface="Times New Roman" panose="02020603050405020304" pitchFamily="18" charset="0"/>
+                <a:cs typeface="Times New Roman" panose="02020603050405020304" pitchFamily="18" charset="0"/>
+              </a:rPr>
+              <a:t>To identify the question </a:t>
+            </a:r>
+            <a:r>
+              <a:rPr lang="en-US" sz="2400" dirty="0">
+                <a:solidFill>
+                  <a:schemeClr val="tx1"/>
+                </a:solidFill>
+                <a:latin typeface="Times New Roman" panose="02020603050405020304" pitchFamily="18" charset="0"/>
+                <a:cs typeface="Times New Roman" panose="02020603050405020304" pitchFamily="18" charset="0"/>
+              </a:rPr>
+              <a:t>type </a:t>
+            </a:r>
+            <a:r>
+              <a:rPr lang="en-US" sz="2400" dirty="0" err="1" smtClean="0">
+                <a:solidFill>
+                  <a:schemeClr val="tx1"/>
+                </a:solidFill>
+                <a:latin typeface="Times New Roman" panose="02020603050405020304" pitchFamily="18" charset="0"/>
+                <a:cs typeface="Times New Roman" panose="02020603050405020304" pitchFamily="18" charset="0"/>
+              </a:rPr>
+              <a:t>pretrained</a:t>
+            </a:r>
+            <a:r>
+              <a:rPr lang="en-US" sz="2400" dirty="0" smtClean="0">
+                <a:solidFill>
+                  <a:schemeClr val="tx1"/>
+                </a:solidFill>
+                <a:latin typeface="Times New Roman" panose="02020603050405020304" pitchFamily="18" charset="0"/>
+                <a:cs typeface="Times New Roman" panose="02020603050405020304" pitchFamily="18" charset="0"/>
+              </a:rPr>
+              <a:t> </a:t>
+            </a:r>
+            <a:r>
+              <a:rPr lang="en-US" sz="2400" dirty="0">
+                <a:solidFill>
+                  <a:schemeClr val="tx1"/>
+                </a:solidFill>
+                <a:latin typeface="Times New Roman" panose="02020603050405020304" pitchFamily="18" charset="0"/>
+                <a:cs typeface="Times New Roman" panose="02020603050405020304" pitchFamily="18" charset="0"/>
+              </a:rPr>
+              <a:t>question type </a:t>
+            </a:r>
+            <a:r>
+              <a:rPr lang="en-US" sz="2400" dirty="0" smtClean="0">
+                <a:solidFill>
+                  <a:schemeClr val="tx1"/>
+                </a:solidFill>
+                <a:latin typeface="Times New Roman" panose="02020603050405020304" pitchFamily="18" charset="0"/>
+                <a:cs typeface="Times New Roman" panose="02020603050405020304" pitchFamily="18" charset="0"/>
+              </a:rPr>
+              <a:t>classifier will be used</a:t>
+            </a:r>
+          </a:p>
+          <a:p>
+            <a:endParaRPr lang="en-US" sz="2600" dirty="0">
+              <a:solidFill>
+                <a:schemeClr val="tx1"/>
+              </a:solidFill>
               <a:latin typeface="Times New Roman" panose="02020603050405020304" pitchFamily="18" charset="0"/>
               <a:cs typeface="Times New Roman" panose="02020603050405020304" pitchFamily="18" charset="0"/>
             </a:endParaRPr>
           </a:p>
         </p:txBody>
       </p:sp>
-      <p:pic>
-        <p:nvPicPr>
-          <p:cNvPr id="4" name="Picture 3"/>
-          <p:cNvPicPr>
-            <a:picLocks noChangeAspect="1"/>
-          </p:cNvPicPr>
-          <p:nvPr/>
-        </p:nvPicPr>
-        <p:blipFill>
-          <a:blip r:embed="rId2"/>
-          <a:stretch>
-            <a:fillRect/>
-          </a:stretch>
-        </p:blipFill>
-        <p:spPr>
-          <a:xfrm>
-            <a:off x="356043" y="2634343"/>
-            <a:ext cx="9239250" cy="3962400"/>
-          </a:xfrm>
-          <a:prstGeom prst="rect">
-            <a:avLst/>
-          </a:prstGeom>
-        </p:spPr>
-      </p:pic>
     </p:spTree>
     <p:extLst>
       <p:ext uri="{BB962C8B-B14F-4D97-AF65-F5344CB8AC3E}">
-        <p14:creationId xmlns:p14="http://schemas.microsoft.com/office/powerpoint/2010/main" val="2652222893"/>
+        <p14:creationId xmlns:p14="http://schemas.microsoft.com/office/powerpoint/2010/main" xmlns="" val="827228241"/>
       </p:ext>
     </p:extLst>
   </p:cSld>
@@ -9861,7 +10647,12 @@
             <p:ph type="title"/>
           </p:nvPr>
         </p:nvSpPr>
-        <p:spPr/>
+        <p:spPr>
+          <a:xfrm>
+            <a:off x="203608" y="839789"/>
+            <a:ext cx="8596668" cy="1320800"/>
+          </a:xfrm>
+        </p:spPr>
         <p:txBody>
           <a:bodyPr/>
           <a:lstStyle/>
@@ -9872,7 +10663,14 @@
                 <a:latin typeface="Times New Roman" panose="02020603050405020304" pitchFamily="18" charset="0"/>
                 <a:cs typeface="Times New Roman" panose="02020603050405020304" pitchFamily="18" charset="0"/>
               </a:rPr>
-              <a:t>Feature Extraction</a:t>
+              <a:t>Loading </a:t>
+            </a:r>
+            <a:r>
+              <a:rPr lang="en-US" dirty="0" smtClean="0">
+                <a:latin typeface="Times New Roman" panose="02020603050405020304" pitchFamily="18" charset="0"/>
+                <a:cs typeface="Times New Roman" panose="02020603050405020304" pitchFamily="18" charset="0"/>
+              </a:rPr>
+              <a:t>Data</a:t>
             </a:r>
             <a:endParaRPr lang="en-US" dirty="0">
               <a:latin typeface="Times New Roman" panose="02020603050405020304" pitchFamily="18" charset="0"/>
@@ -9891,31 +10689,59 @@
             <p:ph idx="1"/>
           </p:nvPr>
         </p:nvSpPr>
-        <p:spPr/>
+        <p:spPr>
+          <a:xfrm>
+            <a:off x="545909" y="1764804"/>
+            <a:ext cx="8687149" cy="4881656"/>
+          </a:xfrm>
+        </p:spPr>
         <p:txBody>
           <a:bodyPr/>
           <a:lstStyle/>
           <a:p>
             <a:r>
-              <a:rPr lang="en-US" dirty="0" smtClean="0">
-                <a:latin typeface="Times New Roman" panose="02020603050405020304" pitchFamily="18" charset="0"/>
-                <a:cs typeface="Times New Roman" panose="02020603050405020304" pitchFamily="18" charset="0"/>
-              </a:rPr>
-              <a:t>NER tagging</a:t>
-            </a:r>
-            <a:endParaRPr lang="en-US" dirty="0" smtClean="0">
+              <a:rPr lang="en-US" sz="2400" dirty="0" smtClean="0">
+                <a:solidFill>
+                  <a:schemeClr val="tx1"/>
+                </a:solidFill>
+                <a:latin typeface="Times New Roman" panose="02020603050405020304" pitchFamily="18" charset="0"/>
+                <a:cs typeface="Times New Roman" panose="02020603050405020304" pitchFamily="18" charset="0"/>
+              </a:rPr>
+              <a:t>After loading data, it is split using a regex into labels, fine labels and actual question</a:t>
+            </a:r>
+          </a:p>
+          <a:p>
+            <a:endParaRPr lang="en-US" dirty="0">
               <a:latin typeface="Times New Roman" panose="02020603050405020304" pitchFamily="18" charset="0"/>
               <a:cs typeface="Times New Roman" panose="02020603050405020304" pitchFamily="18" charset="0"/>
             </a:endParaRPr>
           </a:p>
-          <a:p>
-            <a:endParaRPr lang="en-US" b="1" dirty="0">
-              <a:latin typeface="Times New Roman" panose="02020603050405020304" pitchFamily="18" charset="0"/>
-              <a:cs typeface="Times New Roman" panose="02020603050405020304" pitchFamily="18" charset="0"/>
-            </a:endParaRPr>
-          </a:p>
-        </p:txBody>
-      </p:sp>
+        </p:txBody>
+      </p:sp>
+      <p:pic>
+        <p:nvPicPr>
+          <p:cNvPr id="4" name="Picture 3"/>
+          <p:cNvPicPr>
+            <a:picLocks noChangeAspect="1"/>
+          </p:cNvPicPr>
+          <p:nvPr/>
+        </p:nvPicPr>
+        <p:blipFill>
+          <a:blip r:embed="rId2" cstate="print"/>
+          <a:stretch>
+            <a:fillRect/>
+          </a:stretch>
+        </p:blipFill>
+        <p:spPr>
+          <a:xfrm>
+            <a:off x="1001487" y="3527191"/>
+            <a:ext cx="6018700" cy="3026022"/>
+          </a:xfrm>
+          <a:prstGeom prst="rect">
+            <a:avLst/>
+          </a:prstGeom>
+        </p:spPr>
+      </p:pic>
       <p:pic>
         <p:nvPicPr>
           <p:cNvPr id="5" name="Picture 4"/>
@@ -9925,15 +10751,15 @@
           <p:nvPr/>
         </p:nvPicPr>
         <p:blipFill>
-          <a:blip r:embed="rId2"/>
+          <a:blip r:embed="rId3" cstate="print"/>
           <a:stretch>
             <a:fillRect/>
           </a:stretch>
         </p:blipFill>
         <p:spPr>
           <a:xfrm>
-            <a:off x="855889" y="2707822"/>
-            <a:ext cx="7715250" cy="3162300"/>
+            <a:off x="1001487" y="2672440"/>
+            <a:ext cx="6018700" cy="685800"/>
           </a:xfrm>
           <a:prstGeom prst="rect">
             <a:avLst/>
@@ -9943,7 +10769,7 @@
     </p:spTree>
     <p:extLst>
       <p:ext uri="{BB962C8B-B14F-4D97-AF65-F5344CB8AC3E}">
-        <p14:creationId xmlns:p14="http://schemas.microsoft.com/office/powerpoint/2010/main" val="1943204822"/>
+        <p14:creationId xmlns:p14="http://schemas.microsoft.com/office/powerpoint/2010/main" xmlns="" val="2482803820"/>
       </p:ext>
     </p:extLst>
   </p:cSld>
@@ -9991,7 +10817,7 @@
                 <a:latin typeface="Times New Roman" panose="02020603050405020304" pitchFamily="18" charset="0"/>
                 <a:cs typeface="Times New Roman" panose="02020603050405020304" pitchFamily="18" charset="0"/>
               </a:rPr>
-              <a:t>Feature Extraction</a:t>
+              <a:t>Preprocessing</a:t>
             </a:r>
             <a:endParaRPr lang="en-US" dirty="0">
               <a:latin typeface="Times New Roman" panose="02020603050405020304" pitchFamily="18" charset="0"/>
@@ -10010,49 +10836,65 @@
             <p:ph idx="1"/>
           </p:nvPr>
         </p:nvSpPr>
-        <p:spPr/>
+        <p:spPr>
+          <a:xfrm>
+            <a:off x="690981" y="1873986"/>
+            <a:ext cx="8596668" cy="3880773"/>
+          </a:xfrm>
+        </p:spPr>
         <p:txBody>
           <a:bodyPr/>
           <a:lstStyle/>
           <a:p>
-            <a:r>
-              <a:rPr lang="en-US" dirty="0" smtClean="0">
-                <a:latin typeface="Times New Roman" panose="02020603050405020304" pitchFamily="18" charset="0"/>
-                <a:cs typeface="Times New Roman" panose="02020603050405020304" pitchFamily="18" charset="0"/>
-              </a:rPr>
-              <a:t>Related Word Vectorizer</a:t>
-            </a:r>
-            <a:endParaRPr lang="en-US" dirty="0" smtClean="0">
+            <a:pPr marL="342900" lvl="1" indent="-342900"/>
+            <a:r>
+              <a:rPr lang="en-US" sz="2400" dirty="0">
+                <a:solidFill>
+                  <a:schemeClr val="tx1"/>
+                </a:solidFill>
+                <a:latin typeface="Times New Roman" panose="02020603050405020304" pitchFamily="18" charset="0"/>
+                <a:cs typeface="Times New Roman" panose="02020603050405020304" pitchFamily="18" charset="0"/>
+              </a:rPr>
+              <a:t>Change each character to lower </a:t>
+            </a:r>
+            <a:r>
+              <a:rPr lang="en-US" sz="2400" dirty="0" smtClean="0">
+                <a:solidFill>
+                  <a:schemeClr val="tx1"/>
+                </a:solidFill>
+                <a:latin typeface="Times New Roman" panose="02020603050405020304" pitchFamily="18" charset="0"/>
+                <a:cs typeface="Times New Roman" panose="02020603050405020304" pitchFamily="18" charset="0"/>
+              </a:rPr>
+              <a:t>case</a:t>
+            </a:r>
+            <a:endParaRPr lang="en-US" sz="2400" dirty="0">
+              <a:solidFill>
+                <a:schemeClr val="tx1"/>
+              </a:solidFill>
               <a:latin typeface="Times New Roman" panose="02020603050405020304" pitchFamily="18" charset="0"/>
               <a:cs typeface="Times New Roman" panose="02020603050405020304" pitchFamily="18" charset="0"/>
             </a:endParaRPr>
           </a:p>
-          <a:p>
-            <a:endParaRPr lang="en-US" b="1" dirty="0">
-              <a:latin typeface="Times New Roman" panose="02020603050405020304" pitchFamily="18" charset="0"/>
-              <a:cs typeface="Times New Roman" panose="02020603050405020304" pitchFamily="18" charset="0"/>
-            </a:endParaRPr>
-          </a:p>
         </p:txBody>
       </p:sp>
       <p:pic>
         <p:nvPicPr>
-          <p:cNvPr id="6" name="Picture 5"/>
+          <p:cNvPr id="4" name="Picture 3"/>
           <p:cNvPicPr>
             <a:picLocks noChangeAspect="1"/>
           </p:cNvPicPr>
           <p:nvPr/>
         </p:nvPicPr>
         <p:blipFill>
-          <a:blip r:embed="rId2"/>
+          <a:blip r:embed="rId2" cstate="print"/>
           <a:stretch>
             <a:fillRect/>
           </a:stretch>
         </p:blipFill>
         <p:spPr>
           <a:xfrm>
-            <a:off x="1213076" y="2821912"/>
-            <a:ext cx="6543675" cy="3219450"/>
+            <a:off x="1130072" y="3149984"/>
+            <a:ext cx="6086475" cy="2390775"/>
           </a:xfrm>
           <a:prstGeom prst="rect">
             <a:avLst/>
@@ -10062,7 +10904,7 @@
     </p:spTree>
     <p:extLst>
       <p:ext uri="{BB962C8B-B14F-4D97-AF65-F5344CB8AC3E}">
-        <p14:creationId xmlns:p14="http://schemas.microsoft.com/office/powerpoint/2010/main" val="82304841"/>
+        <p14:creationId xmlns:p14="http://schemas.microsoft.com/office/powerpoint/2010/main" xmlns="" val="1202852130"/>
       </p:ext>
     </p:extLst>
   </p:cSld>
@@ -10091,36 +10933,6 @@
       </p:grpSpPr>
       <p:sp>
         <p:nvSpPr>
-          <p:cNvPr id="2" name="Title 1"/>
-          <p:cNvSpPr>
-            <a:spLocks noGrp="1"/>
-          </p:cNvSpPr>
-          <p:nvPr>
-            <p:ph type="title"/>
-          </p:nvPr>
-        </p:nvSpPr>
-        <p:spPr/>
-        <p:txBody>
-          <a:bodyPr/>
-          <a:lstStyle/>
-          <a:p>
-            <a:pPr algn="ctr"/>
-            <a:r>
-              <a:rPr lang="en-US" dirty="0" smtClean="0">
-                <a:latin typeface="Times New Roman" panose="02020603050405020304" pitchFamily="18" charset="0"/>
-                <a:cs typeface="Times New Roman" panose="02020603050405020304" pitchFamily="18" charset="0"/>
-              </a:rPr>
-              <a:t>Feature Extraction</a:t>
-            </a:r>
-            <a:endParaRPr lang="en-US" dirty="0">
-              <a:latin typeface="Times New Roman" panose="02020603050405020304" pitchFamily="18" charset="0"/>
-              <a:cs typeface="Times New Roman" panose="02020603050405020304" pitchFamily="18" charset="0"/>
-            </a:endParaRPr>
-          </a:p>
-        </p:txBody>
-      </p:sp>
-      <p:sp>
-        <p:nvSpPr>
           <p:cNvPr id="3" name="Content Placeholder 2"/>
           <p:cNvSpPr>
             <a:spLocks noGrp="1"/>
@@ -10129,28 +10941,28 @@
             <p:ph idx="1"/>
           </p:nvPr>
         </p:nvSpPr>
-        <p:spPr/>
-        <p:txBody>
-          <a:bodyPr/>
+        <p:spPr>
+          <a:xfrm>
+            <a:off x="677334" y="1833042"/>
+            <a:ext cx="8596668" cy="3880773"/>
+          </a:xfrm>
+        </p:spPr>
+        <p:txBody>
+          <a:bodyPr>
+            <a:normAutofit/>
+          </a:bodyPr>
           <a:lstStyle/>
           <a:p>
             <a:r>
-              <a:rPr lang="en-US" dirty="0" smtClean="0">
-                <a:latin typeface="Times New Roman" panose="02020603050405020304" pitchFamily="18" charset="0"/>
-                <a:cs typeface="Times New Roman" panose="02020603050405020304" pitchFamily="18" charset="0"/>
-              </a:rPr>
-              <a:t>Related Word Vectorizer</a:t>
-            </a:r>
-            <a:endParaRPr lang="en-US" dirty="0" smtClean="0">
-              <a:latin typeface="Times New Roman" panose="02020603050405020304" pitchFamily="18" charset="0"/>
-              <a:cs typeface="Times New Roman" panose="02020603050405020304" pitchFamily="18" charset="0"/>
-            </a:endParaRPr>
-          </a:p>
-          <a:p>
-            <a:endParaRPr lang="en-US" b="1" dirty="0">
-              <a:latin typeface="Times New Roman" panose="02020603050405020304" pitchFamily="18" charset="0"/>
-              <a:cs typeface="Times New Roman" panose="02020603050405020304" pitchFamily="18" charset="0"/>
-            </a:endParaRPr>
+              <a:rPr lang="en-US" sz="2400" dirty="0" smtClean="0">
+                <a:solidFill>
+                  <a:schemeClr val="tx1"/>
+                </a:solidFill>
+                <a:latin typeface="Times New Roman" panose="02020603050405020304" pitchFamily="18" charset="0"/>
+                <a:cs typeface="Times New Roman" panose="02020603050405020304" pitchFamily="18" charset="0"/>
+              </a:rPr>
+              <a:t>Remove stop words has been done in the estimator parameter</a:t>
+            </a:r>
           </a:p>
         </p:txBody>
       </p:sp>
@@ -10163,25 +10975,60 @@
           <p:nvPr/>
         </p:nvPicPr>
         <p:blipFill>
-          <a:blip r:embed="rId2"/>
+          <a:blip r:embed="rId2" cstate="print"/>
           <a:stretch>
             <a:fillRect/>
           </a:stretch>
         </p:blipFill>
         <p:spPr>
           <a:xfrm>
-            <a:off x="1449840" y="2705780"/>
-            <a:ext cx="5895975" cy="3667125"/>
+            <a:off x="677334" y="2955390"/>
+            <a:ext cx="8915400" cy="2533650"/>
           </a:xfrm>
           <a:prstGeom prst="rect">
             <a:avLst/>
           </a:prstGeom>
         </p:spPr>
       </p:pic>
+      <p:sp>
+        <p:nvSpPr>
+          <p:cNvPr id="7" name="Title 1"/>
+          <p:cNvSpPr>
+            <a:spLocks noGrp="1"/>
+          </p:cNvSpPr>
+          <p:nvPr>
+            <p:ph type="title"/>
+          </p:nvPr>
+        </p:nvSpPr>
+        <p:spPr>
+          <a:xfrm>
+            <a:off x="677334" y="609600"/>
+            <a:ext cx="8596668" cy="1320800"/>
+          </a:xfrm>
+        </p:spPr>
+        <p:txBody>
+          <a:bodyPr/>
+          <a:lstStyle/>
+          <a:p>
+            <a:pPr algn="ctr"/>
+            <a:r>
+              <a:rPr lang="en-US" dirty="0" smtClean="0">
+                <a:latin typeface="Times New Roman" panose="02020603050405020304" pitchFamily="18" charset="0"/>
+                <a:cs typeface="Times New Roman" panose="02020603050405020304" pitchFamily="18" charset="0"/>
+              </a:rPr>
+              <a:t>Preprocessing</a:t>
+            </a:r>
+            <a:endParaRPr lang="en-US" dirty="0">
+              <a:latin typeface="Times New Roman" panose="02020603050405020304" pitchFamily="18" charset="0"/>
+              <a:cs typeface="Times New Roman" panose="02020603050405020304" pitchFamily="18" charset="0"/>
+            </a:endParaRPr>
+          </a:p>
+        </p:txBody>
+      </p:sp>
     </p:spTree>
     <p:extLst>
       <p:ext uri="{BB962C8B-B14F-4D97-AF65-F5344CB8AC3E}">
-        <p14:creationId xmlns:p14="http://schemas.microsoft.com/office/powerpoint/2010/main" val="2718420140"/>
+        <p14:creationId xmlns:p14="http://schemas.microsoft.com/office/powerpoint/2010/main" xmlns="" val="2237513363"/>
       </p:ext>
     </p:extLst>
   </p:cSld>
@@ -10258,6 +11105,9 @@
             <a:pPr lvl="1"/>
             <a:r>
               <a:rPr lang="en-US" sz="2400" dirty="0" smtClean="0">
+                <a:solidFill>
+                  <a:schemeClr val="tx1"/>
+                </a:solidFill>
                 <a:latin typeface="Times New Roman" panose="02020603050405020304" pitchFamily="18" charset="0"/>
                 <a:cs typeface="Times New Roman" panose="02020603050405020304" pitchFamily="18" charset="0"/>
               </a:rPr>
@@ -10265,6 +11115,9 @@
             </a:r>
             <a:r>
               <a:rPr lang="en-US" sz="2400" dirty="0">
+                <a:solidFill>
+                  <a:schemeClr val="tx1"/>
+                </a:solidFill>
                 <a:latin typeface="Times New Roman" panose="02020603050405020304" pitchFamily="18" charset="0"/>
                 <a:cs typeface="Times New Roman" panose="02020603050405020304" pitchFamily="18" charset="0"/>
               </a:rPr>
@@ -10272,6 +11125,9 @@
             </a:r>
             <a:r>
               <a:rPr lang="en-US" sz="2400" dirty="0" smtClean="0">
+                <a:solidFill>
+                  <a:schemeClr val="tx1"/>
+                </a:solidFill>
                 <a:latin typeface="Times New Roman" panose="02020603050405020304" pitchFamily="18" charset="0"/>
                 <a:cs typeface="Times New Roman" panose="02020603050405020304" pitchFamily="18" charset="0"/>
               </a:rPr>
@@ -10279,6 +11135,9 @@
             </a:r>
             <a:r>
               <a:rPr lang="en-US" sz="2400" dirty="0">
+                <a:solidFill>
+                  <a:schemeClr val="tx1"/>
+                </a:solidFill>
                 <a:latin typeface="Times New Roman" panose="02020603050405020304" pitchFamily="18" charset="0"/>
                 <a:cs typeface="Times New Roman" panose="02020603050405020304" pitchFamily="18" charset="0"/>
               </a:rPr>
@@ -10286,6 +11145,9 @@
             </a:r>
             <a:r>
               <a:rPr lang="en-US" sz="2400" dirty="0" smtClean="0">
+                <a:solidFill>
+                  <a:schemeClr val="tx1"/>
+                </a:solidFill>
                 <a:latin typeface="Times New Roman" panose="02020603050405020304" pitchFamily="18" charset="0"/>
                 <a:cs typeface="Times New Roman" panose="02020603050405020304" pitchFamily="18" charset="0"/>
               </a:rPr>
@@ -10295,6 +11157,9 @@
           <a:p>
             <a:pPr lvl="1"/>
             <a:endParaRPr lang="en-US" sz="2400" dirty="0" smtClean="0">
+              <a:solidFill>
+                <a:schemeClr val="tx1"/>
+              </a:solidFill>
               <a:latin typeface="Times New Roman" panose="02020603050405020304" pitchFamily="18" charset="0"/>
               <a:cs typeface="Times New Roman" panose="02020603050405020304" pitchFamily="18" charset="0"/>
             </a:endParaRPr>
@@ -10303,6 +11168,9 @@
             <a:pPr lvl="1"/>
             <a:r>
               <a:rPr lang="en-US" sz="2400" dirty="0" smtClean="0">
+                <a:solidFill>
+                  <a:schemeClr val="tx1"/>
+                </a:solidFill>
                 <a:latin typeface="Times New Roman" panose="02020603050405020304" pitchFamily="18" charset="0"/>
                 <a:cs typeface="Times New Roman" panose="02020603050405020304" pitchFamily="18" charset="0"/>
               </a:rPr>
@@ -10310,6 +11178,9 @@
             </a:r>
             <a:r>
               <a:rPr lang="en-US" sz="2400" dirty="0">
+                <a:solidFill>
+                  <a:schemeClr val="tx1"/>
+                </a:solidFill>
                 <a:latin typeface="Times New Roman" panose="02020603050405020304" pitchFamily="18" charset="0"/>
                 <a:cs typeface="Times New Roman" panose="02020603050405020304" pitchFamily="18" charset="0"/>
               </a:rPr>
@@ -10317,6 +11188,9 @@
             </a:r>
             <a:r>
               <a:rPr lang="en-US" sz="2400" dirty="0" smtClean="0">
+                <a:solidFill>
+                  <a:schemeClr val="tx1"/>
+                </a:solidFill>
                 <a:latin typeface="Times New Roman" panose="02020603050405020304" pitchFamily="18" charset="0"/>
                 <a:cs typeface="Times New Roman" panose="02020603050405020304" pitchFamily="18" charset="0"/>
               </a:rPr>
@@ -10324,6 +11198,9 @@
             </a:r>
             <a:r>
               <a:rPr lang="en-US" sz="2400" dirty="0">
+                <a:solidFill>
+                  <a:schemeClr val="tx1"/>
+                </a:solidFill>
                 <a:latin typeface="Times New Roman" panose="02020603050405020304" pitchFamily="18" charset="0"/>
                 <a:cs typeface="Times New Roman" panose="02020603050405020304" pitchFamily="18" charset="0"/>
               </a:rPr>
@@ -10331,6 +11208,9 @@
             </a:r>
             <a:r>
               <a:rPr lang="en-US" sz="2400" dirty="0" smtClean="0">
+                <a:solidFill>
+                  <a:schemeClr val="tx1"/>
+                </a:solidFill>
                 <a:latin typeface="Times New Roman" panose="02020603050405020304" pitchFamily="18" charset="0"/>
                 <a:cs typeface="Times New Roman" panose="02020603050405020304" pitchFamily="18" charset="0"/>
               </a:rPr>
@@ -10338,6 +11218,9 @@
             </a:r>
             <a:r>
               <a:rPr lang="en-US" sz="2400" dirty="0">
+                <a:solidFill>
+                  <a:schemeClr val="tx1"/>
+                </a:solidFill>
                 <a:latin typeface="Times New Roman" panose="02020603050405020304" pitchFamily="18" charset="0"/>
                 <a:cs typeface="Times New Roman" panose="02020603050405020304" pitchFamily="18" charset="0"/>
               </a:rPr>
@@ -10345,12 +11228,18 @@
             </a:r>
             <a:r>
               <a:rPr lang="en-US" sz="2400" dirty="0" smtClean="0">
+                <a:solidFill>
+                  <a:schemeClr val="tx1"/>
+                </a:solidFill>
                 <a:latin typeface="Times New Roman" panose="02020603050405020304" pitchFamily="18" charset="0"/>
                 <a:cs typeface="Times New Roman" panose="02020603050405020304" pitchFamily="18" charset="0"/>
               </a:rPr>
               <a:t>recognition</a:t>
             </a:r>
             <a:endParaRPr lang="en-US" sz="2400" dirty="0">
+              <a:solidFill>
+                <a:schemeClr val="tx1"/>
+              </a:solidFill>
               <a:latin typeface="Times New Roman" panose="02020603050405020304" pitchFamily="18" charset="0"/>
               <a:cs typeface="Times New Roman" panose="02020603050405020304" pitchFamily="18" charset="0"/>
             </a:endParaRPr>
@@ -10360,13 +11249,20 @@
     </p:spTree>
     <p:extLst>
       <p:ext uri="{BB962C8B-B14F-4D97-AF65-F5344CB8AC3E}">
-        <p14:creationId xmlns:p14="http://schemas.microsoft.com/office/powerpoint/2010/main" val="3666558480"/>
+        <p14:creationId xmlns:p14="http://schemas.microsoft.com/office/powerpoint/2010/main" xmlns="" val="3666558480"/>
       </p:ext>
     </p:extLst>
   </p:cSld>
   <p:clrMapOvr>
     <a:masterClrMapping/>
   </p:clrMapOvr>
+  <p:timing>
+    <p:tnLst>
+      <p:par>
+        <p:cTn id="1" dur="indefinite" restart="never" nodeType="tmRoot"/>
+      </p:par>
+    </p:tnLst>
+  </p:timing>
 </p:sld>
 </file>
 
@@ -10408,7 +11304,7 @@
                 <a:latin typeface="Times New Roman" panose="02020603050405020304" pitchFamily="18" charset="0"/>
                 <a:cs typeface="Times New Roman" panose="02020603050405020304" pitchFamily="18" charset="0"/>
               </a:rPr>
-              <a:t>Creating Pipeline</a:t>
+              <a:t>Feature Extraction</a:t>
             </a:r>
             <a:endParaRPr lang="en-US" dirty="0">
               <a:latin typeface="Times New Roman" panose="02020603050405020304" pitchFamily="18" charset="0"/>
@@ -10427,61 +11323,29 @@
             <p:ph idx="1"/>
           </p:nvPr>
         </p:nvSpPr>
-        <p:spPr/>
+        <p:spPr>
+          <a:xfrm>
+            <a:off x="668740" y="2160589"/>
+            <a:ext cx="8605262" cy="3994551"/>
+          </a:xfrm>
+        </p:spPr>
         <p:txBody>
           <a:bodyPr/>
           <a:lstStyle/>
           <a:p>
             <a:r>
-              <a:rPr lang="en-US" dirty="0" err="1" smtClean="0">
-                <a:latin typeface="Times New Roman" panose="02020603050405020304" pitchFamily="18" charset="0"/>
-                <a:cs typeface="Times New Roman" panose="02020603050405020304" pitchFamily="18" charset="0"/>
-              </a:rPr>
-              <a:t>TagVectorizer</a:t>
-            </a:r>
-            <a:r>
-              <a:rPr lang="en-US" dirty="0" smtClean="0">
-                <a:latin typeface="Times New Roman" panose="02020603050405020304" pitchFamily="18" charset="0"/>
-                <a:cs typeface="Times New Roman" panose="02020603050405020304" pitchFamily="18" charset="0"/>
-              </a:rPr>
-              <a:t>, </a:t>
-            </a:r>
-            <a:r>
-              <a:rPr lang="en-US" dirty="0" err="1" smtClean="0">
-                <a:latin typeface="Times New Roman" panose="02020603050405020304" pitchFamily="18" charset="0"/>
-                <a:cs typeface="Times New Roman" panose="02020603050405020304" pitchFamily="18" charset="0"/>
-              </a:rPr>
-              <a:t>NERVectorizer</a:t>
-            </a:r>
-            <a:r>
-              <a:rPr lang="en-US" dirty="0" smtClean="0">
-                <a:latin typeface="Times New Roman" panose="02020603050405020304" pitchFamily="18" charset="0"/>
-                <a:cs typeface="Times New Roman" panose="02020603050405020304" pitchFamily="18" charset="0"/>
-              </a:rPr>
-              <a:t>, </a:t>
-            </a:r>
-            <a:r>
-              <a:rPr lang="en-US" dirty="0" err="1" smtClean="0">
-                <a:latin typeface="Times New Roman" panose="02020603050405020304" pitchFamily="18" charset="0"/>
-                <a:cs typeface="Times New Roman" panose="02020603050405020304" pitchFamily="18" charset="0"/>
-              </a:rPr>
-              <a:t>RelatedWordVectorizer</a:t>
-            </a:r>
-            <a:r>
-              <a:rPr lang="en-US" dirty="0">
-                <a:latin typeface="Times New Roman" panose="02020603050405020304" pitchFamily="18" charset="0"/>
-                <a:cs typeface="Times New Roman" panose="02020603050405020304" pitchFamily="18" charset="0"/>
-              </a:rPr>
-              <a:t> </a:t>
-            </a:r>
-            <a:r>
-              <a:rPr lang="en-US" dirty="0" smtClean="0">
-                <a:latin typeface="Times New Roman" panose="02020603050405020304" pitchFamily="18" charset="0"/>
-                <a:cs typeface="Times New Roman" panose="02020603050405020304" pitchFamily="18" charset="0"/>
-              </a:rPr>
-              <a:t>has been used as estimators which is then given to a pipeline</a:t>
-            </a:r>
-            <a:endParaRPr lang="en-US" dirty="0">
+              <a:rPr lang="en-US" sz="2400" dirty="0" smtClean="0">
+                <a:solidFill>
+                  <a:schemeClr val="tx1"/>
+                </a:solidFill>
+                <a:latin typeface="Times New Roman" panose="02020603050405020304" pitchFamily="18" charset="0"/>
+                <a:cs typeface="Times New Roman" panose="02020603050405020304" pitchFamily="18" charset="0"/>
+              </a:rPr>
+              <a:t>Extracting POS tags</a:t>
+            </a:r>
+          </a:p>
+          <a:p>
+            <a:endParaRPr lang="en-US" b="1" dirty="0">
               <a:latin typeface="Times New Roman" panose="02020603050405020304" pitchFamily="18" charset="0"/>
               <a:cs typeface="Times New Roman" panose="02020603050405020304" pitchFamily="18" charset="0"/>
             </a:endParaRPr>
@@ -10497,15 +11361,15 @@
           <p:nvPr/>
         </p:nvPicPr>
         <p:blipFill>
-          <a:blip r:embed="rId2"/>
+          <a:blip r:embed="rId2" cstate="print"/>
           <a:stretch>
             <a:fillRect/>
           </a:stretch>
         </p:blipFill>
         <p:spPr>
           <a:xfrm>
-            <a:off x="847955" y="3092993"/>
-            <a:ext cx="8042657" cy="3321967"/>
+            <a:off x="1337663" y="2926348"/>
+            <a:ext cx="6153150" cy="3162300"/>
           </a:xfrm>
           <a:prstGeom prst="rect">
             <a:avLst/>
@@ -10515,7 +11379,7 @@
     </p:spTree>
     <p:extLst>
       <p:ext uri="{BB962C8B-B14F-4D97-AF65-F5344CB8AC3E}">
-        <p14:creationId xmlns:p14="http://schemas.microsoft.com/office/powerpoint/2010/main" val="637521889"/>
+        <p14:creationId xmlns:p14="http://schemas.microsoft.com/office/powerpoint/2010/main" xmlns="" val="131412334"/>
       </p:ext>
     </p:extLst>
   </p:cSld>
@@ -10563,7 +11427,7 @@
                 <a:latin typeface="Times New Roman" panose="02020603050405020304" pitchFamily="18" charset="0"/>
                 <a:cs typeface="Times New Roman" panose="02020603050405020304" pitchFamily="18" charset="0"/>
               </a:rPr>
-              <a:t>Coarse or Fine Classification</a:t>
+              <a:t>Feature Extraction</a:t>
             </a:r>
             <a:endParaRPr lang="en-US" dirty="0">
               <a:latin typeface="Times New Roman" panose="02020603050405020304" pitchFamily="18" charset="0"/>
@@ -10582,31 +11446,20 @@
             <p:ph idx="1"/>
           </p:nvPr>
         </p:nvSpPr>
-        <p:spPr>
-          <a:xfrm>
-            <a:off x="677334" y="1823132"/>
-            <a:ext cx="8596668" cy="3880773"/>
-          </a:xfrm>
-        </p:spPr>
+        <p:spPr/>
         <p:txBody>
           <a:bodyPr/>
           <a:lstStyle/>
           <a:p>
             <a:r>
-              <a:rPr lang="en-US" dirty="0" smtClean="0">
-                <a:latin typeface="Times New Roman" panose="02020603050405020304" pitchFamily="18" charset="0"/>
-                <a:cs typeface="Times New Roman" panose="02020603050405020304" pitchFamily="18" charset="0"/>
-              </a:rPr>
-              <a:t>We can pass it as a parameter if we want coarse level filtering or fine level as an argument when we load the data</a:t>
-            </a:r>
-          </a:p>
-          <a:p>
-            <a:r>
-              <a:rPr lang="en-US" dirty="0" smtClean="0">
-                <a:latin typeface="Times New Roman" panose="02020603050405020304" pitchFamily="18" charset="0"/>
-                <a:cs typeface="Times New Roman" panose="02020603050405020304" pitchFamily="18" charset="0"/>
-              </a:rPr>
-              <a:t>Processing is done accordingly</a:t>
+              <a:rPr lang="en-US" sz="2400" dirty="0" smtClean="0">
+                <a:solidFill>
+                  <a:schemeClr val="tx1"/>
+                </a:solidFill>
+                <a:latin typeface="Times New Roman" panose="02020603050405020304" pitchFamily="18" charset="0"/>
+                <a:cs typeface="Times New Roman" panose="02020603050405020304" pitchFamily="18" charset="0"/>
+              </a:rPr>
+              <a:t>Extracting POS tags</a:t>
             </a:r>
           </a:p>
           <a:p>
@@ -10626,15 +11479,15 @@
           <p:nvPr/>
         </p:nvPicPr>
         <p:blipFill>
-          <a:blip r:embed="rId2"/>
+          <a:blip r:embed="rId2" cstate="print"/>
           <a:stretch>
             <a:fillRect/>
           </a:stretch>
         </p:blipFill>
         <p:spPr>
           <a:xfrm>
-            <a:off x="1581223" y="2942611"/>
-            <a:ext cx="6086475" cy="3095625"/>
+            <a:off x="1351870" y="2905125"/>
+            <a:ext cx="6657975" cy="2724150"/>
           </a:xfrm>
           <a:prstGeom prst="rect">
             <a:avLst/>
@@ -10644,7 +11497,7 @@
     </p:spTree>
     <p:extLst>
       <p:ext uri="{BB962C8B-B14F-4D97-AF65-F5344CB8AC3E}">
-        <p14:creationId xmlns:p14="http://schemas.microsoft.com/office/powerpoint/2010/main" val="572290405"/>
+        <p14:creationId xmlns:p14="http://schemas.microsoft.com/office/powerpoint/2010/main" xmlns="" val="1971711520"/>
       </p:ext>
     </p:extLst>
   </p:cSld>
@@ -10681,20 +11534,28 @@
             <p:ph type="title"/>
           </p:nvPr>
         </p:nvSpPr>
-        <p:spPr/>
+        <p:spPr>
+          <a:xfrm>
+            <a:off x="696036" y="609600"/>
+            <a:ext cx="8577966" cy="878006"/>
+          </a:xfrm>
+        </p:spPr>
         <p:txBody>
           <a:bodyPr/>
           <a:lstStyle/>
           <a:p>
             <a:pPr algn="ctr"/>
             <a:r>
-              <a:rPr lang="en-US" dirty="0">
-                <a:latin typeface="Times New Roman" panose="02020603050405020304" pitchFamily="18" charset="0"/>
-                <a:cs typeface="Times New Roman" panose="02020603050405020304" pitchFamily="18" charset="0"/>
-              </a:rPr>
-              <a:t>Train and Testing Model</a:t>
-            </a:r>
-            <a:endParaRPr lang="en-US" dirty="0"/>
+              <a:rPr lang="en-US" dirty="0" smtClean="0">
+                <a:latin typeface="Times New Roman" panose="02020603050405020304" pitchFamily="18" charset="0"/>
+                <a:cs typeface="Times New Roman" panose="02020603050405020304" pitchFamily="18" charset="0"/>
+              </a:rPr>
+              <a:t>Feature Extraction</a:t>
+            </a:r>
+            <a:endParaRPr lang="en-US" dirty="0">
+              <a:latin typeface="Times New Roman" panose="02020603050405020304" pitchFamily="18" charset="0"/>
+              <a:cs typeface="Times New Roman" panose="02020603050405020304" pitchFamily="18" charset="0"/>
+            </a:endParaRPr>
           </a:p>
         </p:txBody>
       </p:sp>
@@ -10708,45 +11569,64 @@
             <p:ph idx="1"/>
           </p:nvPr>
         </p:nvSpPr>
-        <p:spPr/>
+        <p:spPr>
+          <a:xfrm>
+            <a:off x="341195" y="1860339"/>
+            <a:ext cx="8932808" cy="4697411"/>
+          </a:xfrm>
+        </p:spPr>
         <p:txBody>
           <a:bodyPr/>
           <a:lstStyle/>
           <a:p>
             <a:r>
-              <a:rPr lang="en-US" dirty="0" smtClean="0">
-                <a:latin typeface="Times New Roman" panose="02020603050405020304" pitchFamily="18" charset="0"/>
-                <a:cs typeface="Times New Roman" panose="02020603050405020304" pitchFamily="18" charset="0"/>
-              </a:rPr>
-              <a:t>Training our model</a:t>
-            </a:r>
-          </a:p>
-          <a:p>
-            <a:endParaRPr lang="en-US" dirty="0"/>
-          </a:p>
-          <a:p>
-            <a:endParaRPr lang="en-US" dirty="0"/>
+              <a:rPr lang="en-US" sz="2400" dirty="0" smtClean="0">
+                <a:solidFill>
+                  <a:schemeClr val="tx1"/>
+                </a:solidFill>
+                <a:latin typeface="Times New Roman" panose="02020603050405020304" pitchFamily="18" charset="0"/>
+                <a:cs typeface="Times New Roman" panose="02020603050405020304" pitchFamily="18" charset="0"/>
+              </a:rPr>
+              <a:t>NER </a:t>
+            </a:r>
+            <a:r>
+              <a:rPr lang="en-US" sz="2400" dirty="0" smtClean="0">
+                <a:solidFill>
+                  <a:schemeClr val="tx1"/>
+                </a:solidFill>
+                <a:latin typeface="Times New Roman" panose="02020603050405020304" pitchFamily="18" charset="0"/>
+                <a:cs typeface="Times New Roman" panose="02020603050405020304" pitchFamily="18" charset="0"/>
+              </a:rPr>
+              <a:t>tagging</a:t>
+            </a:r>
+          </a:p>
+          <a:p>
+            <a:endParaRPr lang="en-US" b="1" dirty="0">
+              <a:latin typeface="Times New Roman" panose="02020603050405020304" pitchFamily="18" charset="0"/>
+              <a:cs typeface="Times New Roman" panose="02020603050405020304" pitchFamily="18" charset="0"/>
+            </a:endParaRPr>
           </a:p>
         </p:txBody>
       </p:sp>
       <p:pic>
         <p:nvPicPr>
-          <p:cNvPr id="6" name="Picture 5"/>
+          <p:cNvPr id="4" name="Picture 3"/>
           <p:cNvPicPr>
             <a:picLocks noChangeAspect="1"/>
           </p:cNvPicPr>
           <p:nvPr/>
         </p:nvPicPr>
         <p:blipFill>
-          <a:blip r:embed="rId2"/>
+          <a:blip r:embed="rId2" cstate="print"/>
+          <a:srcRect r="14486"/>
           <a:stretch>
             <a:fillRect/>
           </a:stretch>
         </p:blipFill>
         <p:spPr>
           <a:xfrm>
-            <a:off x="1433742" y="2953324"/>
-            <a:ext cx="5248275" cy="2647950"/>
+            <a:off x="1202204" y="2620695"/>
+            <a:ext cx="7900853" cy="3962400"/>
           </a:xfrm>
           <a:prstGeom prst="rect">
             <a:avLst/>
@@ -10756,7 +11636,7 @@
     </p:spTree>
     <p:extLst>
       <p:ext uri="{BB962C8B-B14F-4D97-AF65-F5344CB8AC3E}">
-        <p14:creationId xmlns:p14="http://schemas.microsoft.com/office/powerpoint/2010/main" val="3940786786"/>
+        <p14:creationId xmlns:p14="http://schemas.microsoft.com/office/powerpoint/2010/main" xmlns="" val="480279104"/>
       </p:ext>
     </p:extLst>
   </p:cSld>
@@ -10785,6 +11665,36 @@
       </p:grpSpPr>
       <p:sp>
         <p:nvSpPr>
+          <p:cNvPr id="2" name="Title 1"/>
+          <p:cNvSpPr>
+            <a:spLocks noGrp="1"/>
+          </p:cNvSpPr>
+          <p:nvPr>
+            <p:ph type="title"/>
+          </p:nvPr>
+        </p:nvSpPr>
+        <p:spPr/>
+        <p:txBody>
+          <a:bodyPr/>
+          <a:lstStyle/>
+          <a:p>
+            <a:pPr algn="ctr"/>
+            <a:r>
+              <a:rPr lang="en-US" dirty="0" smtClean="0">
+                <a:latin typeface="Times New Roman" panose="02020603050405020304" pitchFamily="18" charset="0"/>
+                <a:cs typeface="Times New Roman" panose="02020603050405020304" pitchFamily="18" charset="0"/>
+              </a:rPr>
+              <a:t>Feature Extraction</a:t>
+            </a:r>
+            <a:endParaRPr lang="en-US" dirty="0">
+              <a:latin typeface="Times New Roman" panose="02020603050405020304" pitchFamily="18" charset="0"/>
+              <a:cs typeface="Times New Roman" panose="02020603050405020304" pitchFamily="18" charset="0"/>
+            </a:endParaRPr>
+          </a:p>
+        </p:txBody>
+      </p:sp>
+      <p:sp>
+        <p:nvSpPr>
           <p:cNvPr id="3" name="Content Placeholder 2"/>
           <p:cNvSpPr>
             <a:spLocks noGrp="1"/>
@@ -10795,8 +11705,8 @@
         </p:nvSpPr>
         <p:spPr>
           <a:xfrm>
-            <a:off x="561860" y="1390574"/>
-            <a:ext cx="8673380" cy="5190455"/>
+            <a:off x="627797" y="2160589"/>
+            <a:ext cx="8646205" cy="4158324"/>
           </a:xfrm>
         </p:spPr>
         <p:txBody>
@@ -10804,87 +11714,42 @@
           <a:lstStyle/>
           <a:p>
             <a:r>
-              <a:rPr lang="en-US" dirty="0" smtClean="0">
-                <a:latin typeface="Times New Roman" panose="02020603050405020304" pitchFamily="18" charset="0"/>
-                <a:cs typeface="Times New Roman" panose="02020603050405020304" pitchFamily="18" charset="0"/>
-              </a:rPr>
-              <a:t>For testing, stratified k-folds CV technique is used as it provides a good performance. T</a:t>
-            </a:r>
-            <a:r>
-              <a:rPr lang="en-US" dirty="0">
-                <a:latin typeface="Times New Roman" panose="02020603050405020304" pitchFamily="18" charset="0"/>
-                <a:cs typeface="Times New Roman" panose="02020603050405020304" pitchFamily="18" charset="0"/>
-              </a:rPr>
-              <a:t>he stratified cross-validation allows for randomization </a:t>
-            </a:r>
-            <a:r>
-              <a:rPr lang="en-US" dirty="0" smtClean="0">
-                <a:latin typeface="Times New Roman" panose="02020603050405020304" pitchFamily="18" charset="0"/>
-                <a:cs typeface="Times New Roman" panose="02020603050405020304" pitchFamily="18" charset="0"/>
-              </a:rPr>
-              <a:t>and makes </a:t>
-            </a:r>
-            <a:r>
-              <a:rPr lang="en-US" dirty="0">
-                <a:latin typeface="Times New Roman" panose="02020603050405020304" pitchFamily="18" charset="0"/>
-                <a:cs typeface="Times New Roman" panose="02020603050405020304" pitchFamily="18" charset="0"/>
-              </a:rPr>
-              <a:t>sure </a:t>
-            </a:r>
-            <a:r>
-              <a:rPr lang="en-US" dirty="0" smtClean="0">
-                <a:latin typeface="Times New Roman" panose="02020603050405020304" pitchFamily="18" charset="0"/>
-                <a:cs typeface="Times New Roman" panose="02020603050405020304" pitchFamily="18" charset="0"/>
-              </a:rPr>
-              <a:t>that </a:t>
-            </a:r>
-            <a:r>
-              <a:rPr lang="en-US" dirty="0">
-                <a:latin typeface="Times New Roman" panose="02020603050405020304" pitchFamily="18" charset="0"/>
-                <a:cs typeface="Times New Roman" panose="02020603050405020304" pitchFamily="18" charset="0"/>
-              </a:rPr>
-              <a:t>unbalanced datasets have some of both classes</a:t>
-            </a:r>
-            <a:r>
-              <a:rPr lang="en-US" dirty="0" smtClean="0">
-                <a:latin typeface="Times New Roman" panose="02020603050405020304" pitchFamily="18" charset="0"/>
-                <a:cs typeface="Times New Roman" panose="02020603050405020304" pitchFamily="18" charset="0"/>
-              </a:rPr>
-              <a:t>.</a:t>
-            </a:r>
-          </a:p>
-          <a:p>
-            <a:endParaRPr lang="en-US" dirty="0" smtClean="0">
+              <a:rPr lang="en-US" sz="2400" dirty="0" smtClean="0">
+                <a:solidFill>
+                  <a:schemeClr val="tx1"/>
+                </a:solidFill>
+                <a:latin typeface="Times New Roman" panose="02020603050405020304" pitchFamily="18" charset="0"/>
+                <a:cs typeface="Times New Roman" panose="02020603050405020304" pitchFamily="18" charset="0"/>
+              </a:rPr>
+              <a:t>NER tagging</a:t>
+            </a:r>
+          </a:p>
+          <a:p>
+            <a:endParaRPr lang="en-US" b="1" dirty="0">
               <a:latin typeface="Times New Roman" panose="02020603050405020304" pitchFamily="18" charset="0"/>
               <a:cs typeface="Times New Roman" panose="02020603050405020304" pitchFamily="18" charset="0"/>
             </a:endParaRPr>
           </a:p>
-          <a:p>
-            <a:endParaRPr lang="en-US" dirty="0">
-              <a:latin typeface="Times New Roman" panose="02020603050405020304" pitchFamily="18" charset="0"/>
-              <a:cs typeface="Times New Roman" panose="02020603050405020304" pitchFamily="18" charset="0"/>
-            </a:endParaRPr>
-          </a:p>
         </p:txBody>
       </p:sp>
       <p:pic>
         <p:nvPicPr>
-          <p:cNvPr id="4" name="Picture 3"/>
+          <p:cNvPr id="5" name="Picture 4"/>
           <p:cNvPicPr>
             <a:picLocks noChangeAspect="1"/>
           </p:cNvPicPr>
           <p:nvPr/>
         </p:nvPicPr>
         <p:blipFill>
-          <a:blip r:embed="rId2"/>
+          <a:blip r:embed="rId2" cstate="print"/>
           <a:stretch>
             <a:fillRect/>
           </a:stretch>
         </p:blipFill>
         <p:spPr>
           <a:xfrm>
-            <a:off x="1206059" y="3009154"/>
-            <a:ext cx="6979474" cy="3571875"/>
+            <a:off x="855889" y="2707822"/>
+            <a:ext cx="7715250" cy="3162300"/>
           </a:xfrm>
           <a:prstGeom prst="rect">
             <a:avLst/>
@@ -10894,7 +11759,7 @@
     </p:spTree>
     <p:extLst>
       <p:ext uri="{BB962C8B-B14F-4D97-AF65-F5344CB8AC3E}">
-        <p14:creationId xmlns:p14="http://schemas.microsoft.com/office/powerpoint/2010/main" val="209273872"/>
+        <p14:creationId xmlns:p14="http://schemas.microsoft.com/office/powerpoint/2010/main" xmlns="" val="1943204822"/>
       </p:ext>
     </p:extLst>
   </p:cSld>
@@ -10942,7 +11807,7 @@
                 <a:latin typeface="Times New Roman" panose="02020603050405020304" pitchFamily="18" charset="0"/>
                 <a:cs typeface="Times New Roman" panose="02020603050405020304" pitchFamily="18" charset="0"/>
               </a:rPr>
-              <a:t>Results</a:t>
+              <a:t>Feature Extraction</a:t>
             </a:r>
             <a:endParaRPr lang="en-US" dirty="0">
               <a:latin typeface="Times New Roman" panose="02020603050405020304" pitchFamily="18" charset="0"/>
@@ -10961,68 +11826,53 @@
             <p:ph idx="1"/>
           </p:nvPr>
         </p:nvSpPr>
-        <p:spPr>
-          <a:xfrm>
-            <a:off x="677334" y="1367374"/>
-            <a:ext cx="8596668" cy="3880773"/>
-          </a:xfrm>
-        </p:spPr>
-        <p:txBody>
-          <a:bodyPr/>
+        <p:spPr/>
+        <p:txBody>
+          <a:bodyPr>
+            <a:normAutofit/>
+          </a:bodyPr>
           <a:lstStyle/>
           <a:p>
             <a:r>
-              <a:rPr lang="en-US" dirty="0" smtClean="0">
-                <a:latin typeface="Times New Roman" panose="02020603050405020304" pitchFamily="18" charset="0"/>
-                <a:cs typeface="Times New Roman" panose="02020603050405020304" pitchFamily="18" charset="0"/>
-              </a:rPr>
-              <a:t>Calculating the accuracy of the model</a:t>
-            </a:r>
-          </a:p>
-          <a:p>
-            <a:r>
-              <a:rPr lang="en-US" dirty="0">
-                <a:latin typeface="Times New Roman" panose="02020603050405020304" pitchFamily="18" charset="0"/>
-                <a:cs typeface="Times New Roman" panose="02020603050405020304" pitchFamily="18" charset="0"/>
-              </a:rPr>
-              <a:t>Average </a:t>
-            </a:r>
-            <a:r>
-              <a:rPr lang="en-US" dirty="0" smtClean="0">
-                <a:latin typeface="Times New Roman" panose="02020603050405020304" pitchFamily="18" charset="0"/>
-                <a:cs typeface="Times New Roman" panose="02020603050405020304" pitchFamily="18" charset="0"/>
-              </a:rPr>
-              <a:t>score: 93%</a:t>
-            </a:r>
-            <a:endParaRPr lang="en-US" dirty="0">
+              <a:rPr lang="en-US" sz="2400" dirty="0" smtClean="0">
+                <a:solidFill>
+                  <a:schemeClr val="tx1"/>
+                </a:solidFill>
+                <a:latin typeface="Times New Roman" panose="02020603050405020304" pitchFamily="18" charset="0"/>
+                <a:cs typeface="Times New Roman" panose="02020603050405020304" pitchFamily="18" charset="0"/>
+              </a:rPr>
+              <a:t>Related Word Vectorizer</a:t>
+            </a:r>
+          </a:p>
+          <a:p>
+            <a:endParaRPr lang="en-US" sz="2400" b="1" dirty="0">
+              <a:solidFill>
+                <a:schemeClr val="tx1"/>
+              </a:solidFill>
               <a:latin typeface="Times New Roman" panose="02020603050405020304" pitchFamily="18" charset="0"/>
               <a:cs typeface="Times New Roman" panose="02020603050405020304" pitchFamily="18" charset="0"/>
             </a:endParaRPr>
           </a:p>
-          <a:p>
-            <a:endParaRPr lang="en-US" dirty="0">
-              <a:latin typeface="Times New Roman" panose="02020603050405020304" pitchFamily="18" charset="0"/>
-              <a:cs typeface="Times New Roman" panose="02020603050405020304" pitchFamily="18" charset="0"/>
-            </a:endParaRPr>
-          </a:p>
         </p:txBody>
       </p:sp>
       <p:pic>
         <p:nvPicPr>
           <p:cNvPr id="6" name="Picture 5"/>
-          <p:cNvPicPr/>
+          <p:cNvPicPr>
+            <a:picLocks noChangeAspect="1"/>
+          </p:cNvPicPr>
           <p:nvPr/>
         </p:nvPicPr>
         <p:blipFill>
-          <a:blip r:embed="rId2"/>
+          <a:blip r:embed="rId2" cstate="print"/>
           <a:stretch>
             <a:fillRect/>
           </a:stretch>
         </p:blipFill>
         <p:spPr>
           <a:xfrm>
-            <a:off x="517794" y="2097523"/>
-            <a:ext cx="9298236" cy="4976495"/>
+            <a:off x="1213076" y="2821912"/>
+            <a:ext cx="6543675" cy="3219450"/>
           </a:xfrm>
           <a:prstGeom prst="rect">
             <a:avLst/>
@@ -11032,7 +11882,7 @@
     </p:spTree>
     <p:extLst>
       <p:ext uri="{BB962C8B-B14F-4D97-AF65-F5344CB8AC3E}">
-        <p14:creationId xmlns:p14="http://schemas.microsoft.com/office/powerpoint/2010/main" val="3507593555"/>
+        <p14:creationId xmlns:p14="http://schemas.microsoft.com/office/powerpoint/2010/main" xmlns="" val="82304841"/>
       </p:ext>
     </p:extLst>
   </p:cSld>
@@ -11080,7 +11930,7 @@
                 <a:latin typeface="Times New Roman" panose="02020603050405020304" pitchFamily="18" charset="0"/>
                 <a:cs typeface="Times New Roman" panose="02020603050405020304" pitchFamily="18" charset="0"/>
               </a:rPr>
-              <a:t>Test Prediction</a:t>
+              <a:t>Feature Extraction</a:t>
             </a:r>
             <a:endParaRPr lang="en-US" dirty="0">
               <a:latin typeface="Times New Roman" panose="02020603050405020304" pitchFamily="18" charset="0"/>
@@ -11089,26 +11939,63 @@
           </a:p>
         </p:txBody>
       </p:sp>
+      <p:sp>
+        <p:nvSpPr>
+          <p:cNvPr id="3" name="Content Placeholder 2"/>
+          <p:cNvSpPr>
+            <a:spLocks noGrp="1"/>
+          </p:cNvSpPr>
+          <p:nvPr>
+            <p:ph idx="1"/>
+          </p:nvPr>
+        </p:nvSpPr>
+        <p:spPr/>
+        <p:txBody>
+          <a:bodyPr>
+            <a:normAutofit/>
+          </a:bodyPr>
+          <a:lstStyle/>
+          <a:p>
+            <a:r>
+              <a:rPr lang="en-US" sz="2400" dirty="0" smtClean="0">
+                <a:solidFill>
+                  <a:schemeClr val="tx1"/>
+                </a:solidFill>
+                <a:latin typeface="Times New Roman" panose="02020603050405020304" pitchFamily="18" charset="0"/>
+                <a:cs typeface="Times New Roman" panose="02020603050405020304" pitchFamily="18" charset="0"/>
+              </a:rPr>
+              <a:t>Related Word Vectorizer</a:t>
+            </a:r>
+          </a:p>
+          <a:p>
+            <a:endParaRPr lang="en-US" sz="2400" b="1" dirty="0">
+              <a:solidFill>
+                <a:schemeClr val="tx1"/>
+              </a:solidFill>
+              <a:latin typeface="Times New Roman" panose="02020603050405020304" pitchFamily="18" charset="0"/>
+              <a:cs typeface="Times New Roman" panose="02020603050405020304" pitchFamily="18" charset="0"/>
+            </a:endParaRPr>
+          </a:p>
+        </p:txBody>
+      </p:sp>
       <p:pic>
         <p:nvPicPr>
-          <p:cNvPr id="5" name="Content Placeholder 4"/>
+          <p:cNvPr id="4" name="Picture 3"/>
           <p:cNvPicPr>
-            <a:picLocks noGrp="1"/>
+            <a:picLocks noChangeAspect="1"/>
           </p:cNvPicPr>
-          <p:nvPr>
-            <p:ph idx="1"/>
-          </p:nvPr>
+          <p:nvPr/>
         </p:nvPicPr>
         <p:blipFill>
-          <a:blip r:embed="rId2"/>
+          <a:blip r:embed="rId2" cstate="print"/>
           <a:stretch>
             <a:fillRect/>
           </a:stretch>
         </p:blipFill>
         <p:spPr>
           <a:xfrm>
-            <a:off x="870858" y="1393372"/>
-            <a:ext cx="9122228" cy="5225143"/>
+            <a:off x="1449840" y="2705780"/>
+            <a:ext cx="5895975" cy="3667125"/>
           </a:xfrm>
           <a:prstGeom prst="rect">
             <a:avLst/>
@@ -11118,7 +12005,7 @@
     </p:spTree>
     <p:extLst>
       <p:ext uri="{BB962C8B-B14F-4D97-AF65-F5344CB8AC3E}">
-        <p14:creationId xmlns:p14="http://schemas.microsoft.com/office/powerpoint/2010/main" val="1714094132"/>
+        <p14:creationId xmlns:p14="http://schemas.microsoft.com/office/powerpoint/2010/main" xmlns="" val="2718420140"/>
       </p:ext>
     </p:extLst>
   </p:cSld>
@@ -11166,7 +12053,28 @@
                 <a:latin typeface="Times New Roman" panose="02020603050405020304" pitchFamily="18" charset="0"/>
                 <a:cs typeface="Times New Roman" panose="02020603050405020304" pitchFamily="18" charset="0"/>
               </a:rPr>
-              <a:t>Custom Middleware</a:t>
+              <a:t>Inpu</a:t>
+            </a:r>
+            <a:r>
+              <a:rPr lang="en-US" dirty="0" smtClean="0">
+                <a:latin typeface="Times New Roman" panose="02020603050405020304" pitchFamily="18" charset="0"/>
+                <a:cs typeface="Times New Roman" panose="02020603050405020304" pitchFamily="18" charset="0"/>
+              </a:rPr>
+              <a:t>t for </a:t>
+            </a:r>
+            <a:r>
+              <a:rPr lang="en-US" dirty="0" smtClean="0">
+                <a:latin typeface="Times New Roman" panose="02020603050405020304" pitchFamily="18" charset="0"/>
+                <a:cs typeface="Times New Roman" panose="02020603050405020304" pitchFamily="18" charset="0"/>
+              </a:rPr>
+              <a:t>L</a:t>
+            </a:r>
+            <a:r>
+              <a:rPr lang="en-US" dirty="0" smtClean="0">
+                <a:latin typeface="Times New Roman" panose="02020603050405020304" pitchFamily="18" charset="0"/>
+                <a:cs typeface="Times New Roman" panose="02020603050405020304" pitchFamily="18" charset="0"/>
+              </a:rPr>
+              <a:t>earning</a:t>
             </a:r>
             <a:endParaRPr lang="en-US" dirty="0">
               <a:latin typeface="Times New Roman" panose="02020603050405020304" pitchFamily="18" charset="0"/>
@@ -11187,26 +12095,102 @@
         </p:nvSpPr>
         <p:spPr>
           <a:xfrm>
-            <a:off x="677334" y="1930400"/>
-            <a:ext cx="8596668" cy="3880773"/>
+            <a:off x="545910" y="1710212"/>
+            <a:ext cx="8728092" cy="4922600"/>
           </a:xfrm>
         </p:spPr>
         <p:txBody>
           <a:bodyPr>
-            <a:noAutofit/>
+            <a:normAutofit/>
           </a:bodyPr>
           <a:lstStyle/>
           <a:p>
             <a:r>
               <a:rPr lang="en-US" sz="2400" dirty="0" smtClean="0">
-                <a:latin typeface="Times New Roman" panose="02020603050405020304" pitchFamily="18" charset="0"/>
-                <a:cs typeface="Times New Roman" panose="02020603050405020304" pitchFamily="18" charset="0"/>
-              </a:rPr>
-              <a:t>Initially we used wit.ai to identify the intents</a:t>
-            </a:r>
-          </a:p>
-          <a:p>
+                <a:solidFill>
+                  <a:schemeClr val="tx1"/>
+                </a:solidFill>
+                <a:latin typeface="Times New Roman" panose="02020603050405020304" pitchFamily="18" charset="0"/>
+                <a:cs typeface="Times New Roman" panose="02020603050405020304" pitchFamily="18" charset="0"/>
+              </a:rPr>
+              <a:t>After all the pre-processing and the feature extraction phases, the </a:t>
+            </a:r>
+            <a:r>
+              <a:rPr lang="en-US" sz="2400" dirty="0" smtClean="0">
+                <a:solidFill>
+                  <a:schemeClr val="tx1"/>
+                </a:solidFill>
+                <a:latin typeface="Times New Roman" panose="02020603050405020304" pitchFamily="18" charset="0"/>
+                <a:cs typeface="Times New Roman" panose="02020603050405020304" pitchFamily="18" charset="0"/>
+              </a:rPr>
+              <a:t>data point includes </a:t>
+            </a:r>
+          </a:p>
+          <a:p>
+            <a:pPr lvl="1"/>
+            <a:r>
+              <a:rPr lang="en-US" sz="2400" dirty="0" smtClean="0">
+                <a:solidFill>
+                  <a:schemeClr val="tx1"/>
+                </a:solidFill>
+                <a:latin typeface="Times New Roman" panose="02020603050405020304" pitchFamily="18" charset="0"/>
+                <a:cs typeface="Times New Roman" panose="02020603050405020304" pitchFamily="18" charset="0"/>
+              </a:rPr>
+              <a:t>T</a:t>
+            </a:r>
+            <a:r>
+              <a:rPr lang="en-US" sz="2400" dirty="0" smtClean="0">
+                <a:solidFill>
+                  <a:schemeClr val="tx1"/>
+                </a:solidFill>
+                <a:latin typeface="Times New Roman" panose="02020603050405020304" pitchFamily="18" charset="0"/>
+                <a:cs typeface="Times New Roman" panose="02020603050405020304" pitchFamily="18" charset="0"/>
+              </a:rPr>
+              <a:t>he tokenized words, </a:t>
+            </a:r>
+          </a:p>
+          <a:p>
+            <a:pPr lvl="1"/>
+            <a:r>
+              <a:rPr lang="en-US" sz="2400" dirty="0" smtClean="0">
+                <a:solidFill>
+                  <a:schemeClr val="tx1"/>
+                </a:solidFill>
+                <a:latin typeface="Times New Roman" panose="02020603050405020304" pitchFamily="18" charset="0"/>
+                <a:cs typeface="Times New Roman" panose="02020603050405020304" pitchFamily="18" charset="0"/>
+              </a:rPr>
+              <a:t>Their named entity, </a:t>
+            </a:r>
+          </a:p>
+          <a:p>
+            <a:pPr lvl="1"/>
+            <a:r>
+              <a:rPr lang="en-US" sz="2400" dirty="0" smtClean="0">
+                <a:solidFill>
+                  <a:schemeClr val="tx1"/>
+                </a:solidFill>
+                <a:latin typeface="Times New Roman" panose="02020603050405020304" pitchFamily="18" charset="0"/>
+                <a:cs typeface="Times New Roman" panose="02020603050405020304" pitchFamily="18" charset="0"/>
+              </a:rPr>
+              <a:t>POS tags for each word and,</a:t>
+            </a:r>
+          </a:p>
+          <a:p>
+            <a:pPr lvl="1"/>
+            <a:r>
+              <a:rPr lang="en-US" sz="2400" dirty="0" smtClean="0">
+                <a:solidFill>
+                  <a:schemeClr val="tx1"/>
+                </a:solidFill>
+                <a:latin typeface="Times New Roman" panose="02020603050405020304" pitchFamily="18" charset="0"/>
+                <a:cs typeface="Times New Roman" panose="02020603050405020304" pitchFamily="18" charset="0"/>
+              </a:rPr>
+              <a:t>The set of related words from the bag of words for each tokenized word</a:t>
+            </a:r>
             <a:endParaRPr lang="en-US" sz="2400" dirty="0" smtClean="0">
+              <a:solidFill>
+                <a:schemeClr val="tx1"/>
+              </a:solidFill>
               <a:latin typeface="Times New Roman" panose="02020603050405020304" pitchFamily="18" charset="0"/>
               <a:cs typeface="Times New Roman" panose="02020603050405020304" pitchFamily="18" charset="0"/>
             </a:endParaRPr>
@@ -11214,40 +12198,40 @@
           <a:p>
             <a:r>
               <a:rPr lang="en-US" sz="2400" dirty="0" smtClean="0">
-                <a:latin typeface="Times New Roman" panose="02020603050405020304" pitchFamily="18" charset="0"/>
-                <a:cs typeface="Times New Roman" panose="02020603050405020304" pitchFamily="18" charset="0"/>
-              </a:rPr>
-              <a:t>Here our model is predicting the intent</a:t>
-            </a:r>
-          </a:p>
-          <a:p>
-            <a:pPr marL="0" indent="0">
-              <a:buNone/>
-            </a:pPr>
+                <a:solidFill>
+                  <a:schemeClr val="tx1"/>
+                </a:solidFill>
+                <a:latin typeface="Times New Roman" panose="02020603050405020304" pitchFamily="18" charset="0"/>
+                <a:cs typeface="Times New Roman" panose="02020603050405020304" pitchFamily="18" charset="0"/>
+              </a:rPr>
+              <a:t>Additionally, the n-gram parameter has been set to take values between 1 to 4 while creating the model pipeline</a:t>
+            </a:r>
+          </a:p>
+          <a:p>
+            <a:r>
+              <a:rPr lang="en-US" sz="2400" dirty="0" smtClean="0">
+                <a:solidFill>
+                  <a:schemeClr val="tx1"/>
+                </a:solidFill>
+                <a:latin typeface="Times New Roman" panose="02020603050405020304" pitchFamily="18" charset="0"/>
+                <a:cs typeface="Times New Roman" panose="02020603050405020304" pitchFamily="18" charset="0"/>
+              </a:rPr>
+              <a:t>This enhances the learning process for the model</a:t>
+            </a:r>
             <a:endParaRPr lang="en-US" sz="2400" dirty="0" smtClean="0">
+              <a:solidFill>
+                <a:schemeClr val="tx1"/>
+              </a:solidFill>
               <a:latin typeface="Times New Roman" panose="02020603050405020304" pitchFamily="18" charset="0"/>
               <a:cs typeface="Times New Roman" panose="02020603050405020304" pitchFamily="18" charset="0"/>
             </a:endParaRPr>
           </a:p>
-          <a:p>
-            <a:r>
-              <a:rPr lang="en-US" sz="2400" dirty="0" smtClean="0">
-                <a:latin typeface="Times New Roman" panose="02020603050405020304" pitchFamily="18" charset="0"/>
-                <a:cs typeface="Times New Roman" panose="02020603050405020304" pitchFamily="18" charset="0"/>
-              </a:rPr>
-              <a:t>Create a custom middleware to communicate to our python code</a:t>
-            </a:r>
-            <a:endParaRPr lang="en-US" sz="2400" dirty="0" smtClean="0">
-              <a:latin typeface="Times New Roman" panose="02020603050405020304" pitchFamily="18" charset="0"/>
-              <a:cs typeface="Times New Roman" panose="02020603050405020304" pitchFamily="18" charset="0"/>
-            </a:endParaRPr>
-          </a:p>
         </p:txBody>
       </p:sp>
     </p:spTree>
     <p:extLst>
       <p:ext uri="{BB962C8B-B14F-4D97-AF65-F5344CB8AC3E}">
-        <p14:creationId xmlns:p14="http://schemas.microsoft.com/office/powerpoint/2010/main" val="870096867"/>
+        <p14:creationId xmlns:p14="http://schemas.microsoft.com/office/powerpoint/2010/main" xmlns="" val="2718420140"/>
       </p:ext>
     </p:extLst>
   </p:cSld>
@@ -11284,12 +12268,7 @@
             <p:ph type="title"/>
           </p:nvPr>
         </p:nvSpPr>
-        <p:spPr>
-          <a:xfrm>
-            <a:off x="664029" y="609600"/>
-            <a:ext cx="8609973" cy="892629"/>
-          </a:xfrm>
-        </p:spPr>
+        <p:spPr/>
         <p:txBody>
           <a:bodyPr/>
           <a:lstStyle/>
@@ -11300,7 +12279,7 @@
                 <a:latin typeface="Times New Roman" panose="02020603050405020304" pitchFamily="18" charset="0"/>
                 <a:cs typeface="Times New Roman" panose="02020603050405020304" pitchFamily="18" charset="0"/>
               </a:rPr>
-              <a:t>Middleware Implementation</a:t>
+              <a:t>Creating Pipeline</a:t>
             </a:r>
             <a:endParaRPr lang="en-US" dirty="0">
               <a:latin typeface="Times New Roman" panose="02020603050405020304" pitchFamily="18" charset="0"/>
@@ -11309,309 +12288,136 @@
           </a:p>
         </p:txBody>
       </p:sp>
+      <p:sp>
+        <p:nvSpPr>
+          <p:cNvPr id="3" name="Content Placeholder 2"/>
+          <p:cNvSpPr>
+            <a:spLocks noGrp="1"/>
+          </p:cNvSpPr>
+          <p:nvPr>
+            <p:ph idx="1"/>
+          </p:nvPr>
+        </p:nvSpPr>
+        <p:spPr>
+          <a:xfrm>
+            <a:off x="573205" y="1955872"/>
+            <a:ext cx="8714444" cy="4458575"/>
+          </a:xfrm>
+        </p:spPr>
+        <p:txBody>
+          <a:bodyPr>
+            <a:normAutofit/>
+          </a:bodyPr>
+          <a:lstStyle/>
+          <a:p>
+            <a:r>
+              <a:rPr lang="en-US" sz="2400" dirty="0" err="1" smtClean="0">
+                <a:solidFill>
+                  <a:schemeClr val="tx1"/>
+                </a:solidFill>
+                <a:latin typeface="Times New Roman" panose="02020603050405020304" pitchFamily="18" charset="0"/>
+                <a:cs typeface="Times New Roman" panose="02020603050405020304" pitchFamily="18" charset="0"/>
+              </a:rPr>
+              <a:t>TagVectorizer</a:t>
+            </a:r>
+            <a:r>
+              <a:rPr lang="en-US" sz="2400" dirty="0" smtClean="0">
+                <a:solidFill>
+                  <a:schemeClr val="tx1"/>
+                </a:solidFill>
+                <a:latin typeface="Times New Roman" panose="02020603050405020304" pitchFamily="18" charset="0"/>
+                <a:cs typeface="Times New Roman" panose="02020603050405020304" pitchFamily="18" charset="0"/>
+              </a:rPr>
+              <a:t>, </a:t>
+            </a:r>
+            <a:r>
+              <a:rPr lang="en-US" sz="2400" dirty="0" err="1" smtClean="0">
+                <a:solidFill>
+                  <a:schemeClr val="tx1"/>
+                </a:solidFill>
+                <a:latin typeface="Times New Roman" panose="02020603050405020304" pitchFamily="18" charset="0"/>
+                <a:cs typeface="Times New Roman" panose="02020603050405020304" pitchFamily="18" charset="0"/>
+              </a:rPr>
+              <a:t>NERVectorizer</a:t>
+            </a:r>
+            <a:r>
+              <a:rPr lang="en-US" sz="2400" dirty="0" smtClean="0">
+                <a:solidFill>
+                  <a:schemeClr val="tx1"/>
+                </a:solidFill>
+                <a:latin typeface="Times New Roman" panose="02020603050405020304" pitchFamily="18" charset="0"/>
+                <a:cs typeface="Times New Roman" panose="02020603050405020304" pitchFamily="18" charset="0"/>
+              </a:rPr>
+              <a:t>, </a:t>
+            </a:r>
+            <a:r>
+              <a:rPr lang="en-US" sz="2400" dirty="0" err="1" smtClean="0">
+                <a:solidFill>
+                  <a:schemeClr val="tx1"/>
+                </a:solidFill>
+                <a:latin typeface="Times New Roman" panose="02020603050405020304" pitchFamily="18" charset="0"/>
+                <a:cs typeface="Times New Roman" panose="02020603050405020304" pitchFamily="18" charset="0"/>
+              </a:rPr>
+              <a:t>RelatedWordVectorizer</a:t>
+            </a:r>
+            <a:r>
+              <a:rPr lang="en-US" sz="2400" dirty="0">
+                <a:solidFill>
+                  <a:schemeClr val="tx1"/>
+                </a:solidFill>
+                <a:latin typeface="Times New Roman" panose="02020603050405020304" pitchFamily="18" charset="0"/>
+                <a:cs typeface="Times New Roman" panose="02020603050405020304" pitchFamily="18" charset="0"/>
+              </a:rPr>
+              <a:t> </a:t>
+            </a:r>
+            <a:r>
+              <a:rPr lang="en-US" sz="2400" dirty="0" smtClean="0">
+                <a:solidFill>
+                  <a:schemeClr val="tx1"/>
+                </a:solidFill>
+                <a:latin typeface="Times New Roman" panose="02020603050405020304" pitchFamily="18" charset="0"/>
+                <a:cs typeface="Times New Roman" panose="02020603050405020304" pitchFamily="18" charset="0"/>
+              </a:rPr>
+              <a:t>has been used as estimators which is then given to a pipeline</a:t>
+            </a:r>
+            <a:endParaRPr lang="en-US" sz="2400" dirty="0">
+              <a:solidFill>
+                <a:schemeClr val="tx1"/>
+              </a:solidFill>
+              <a:latin typeface="Times New Roman" panose="02020603050405020304" pitchFamily="18" charset="0"/>
+              <a:cs typeface="Times New Roman" panose="02020603050405020304" pitchFamily="18" charset="0"/>
+            </a:endParaRPr>
+          </a:p>
+        </p:txBody>
+      </p:sp>
       <p:pic>
         <p:nvPicPr>
-          <p:cNvPr id="4" name="Content Placeholder 3"/>
+          <p:cNvPr id="4" name="Picture 3"/>
           <p:cNvPicPr>
-            <a:picLocks noGrp="1" noChangeAspect="1"/>
+            <a:picLocks noChangeAspect="1"/>
           </p:cNvPicPr>
-          <p:nvPr>
-            <p:ph idx="1"/>
-          </p:nvPr>
+          <p:nvPr/>
         </p:nvPicPr>
         <p:blipFill>
-          <a:blip r:embed="rId2"/>
+          <a:blip r:embed="rId2" cstate="print"/>
           <a:stretch>
             <a:fillRect/>
           </a:stretch>
         </p:blipFill>
         <p:spPr>
           <a:xfrm>
-            <a:off x="1389220" y="3085874"/>
-            <a:ext cx="7172895" cy="3881437"/>
+            <a:off x="847955" y="3092993"/>
+            <a:ext cx="8042657" cy="3321967"/>
           </a:xfrm>
           <a:prstGeom prst="rect">
             <a:avLst/>
           </a:prstGeom>
         </p:spPr>
       </p:pic>
-      <p:sp>
-        <p:nvSpPr>
-          <p:cNvPr id="7" name="Content Placeholder 2"/>
-          <p:cNvSpPr txBox="1">
-            <a:spLocks/>
-          </p:cNvSpPr>
-          <p:nvPr/>
-        </p:nvSpPr>
-        <p:spPr>
-          <a:xfrm>
-            <a:off x="576943" y="1266372"/>
-            <a:ext cx="8683754" cy="1215571"/>
-          </a:xfrm>
-          <a:prstGeom prst="rect">
-            <a:avLst/>
-          </a:prstGeom>
-        </p:spPr>
-        <p:txBody>
-          <a:bodyPr vert="horz" lIns="91440" tIns="45720" rIns="91440" bIns="45720" rtlCol="0">
-            <a:noAutofit/>
-          </a:bodyPr>
-          <a:lstStyle>
-            <a:lvl1pPr marL="342900" indent="-342900" algn="l" defTabSz="457200" rtl="0" eaLnBrk="1" latinLnBrk="0" hangingPunct="1">
-              <a:spcBef>
-                <a:spcPts val="1000"/>
-              </a:spcBef>
-              <a:spcAft>
-                <a:spcPts val="0"/>
-              </a:spcAft>
-              <a:buClr>
-                <a:schemeClr val="accent1"/>
-              </a:buClr>
-              <a:buSzPct val="80000"/>
-              <a:buFont typeface="Wingdings 3" charset="2"/>
-              <a:buChar char=""/>
-              <a:defRPr sz="1800" kern="1200">
-                <a:solidFill>
-                  <a:schemeClr val="tx1">
-                    <a:lumMod val="75000"/>
-                    <a:lumOff val="25000"/>
-                  </a:schemeClr>
-                </a:solidFill>
-                <a:latin typeface="+mn-lt"/>
-                <a:ea typeface="+mn-ea"/>
-                <a:cs typeface="+mn-cs"/>
-              </a:defRPr>
-            </a:lvl1pPr>
-            <a:lvl2pPr marL="742950" indent="-285750" algn="l" defTabSz="457200" rtl="0" eaLnBrk="1" latinLnBrk="0" hangingPunct="1">
-              <a:spcBef>
-                <a:spcPts val="1000"/>
-              </a:spcBef>
-              <a:spcAft>
-                <a:spcPts val="0"/>
-              </a:spcAft>
-              <a:buClr>
-                <a:schemeClr val="accent1"/>
-              </a:buClr>
-              <a:buSzPct val="80000"/>
-              <a:buFont typeface="Wingdings 3" charset="2"/>
-              <a:buChar char=""/>
-              <a:defRPr sz="1600" kern="1200">
-                <a:solidFill>
-                  <a:schemeClr val="tx1">
-                    <a:lumMod val="75000"/>
-                    <a:lumOff val="25000"/>
-                  </a:schemeClr>
-                </a:solidFill>
-                <a:latin typeface="+mn-lt"/>
-                <a:ea typeface="+mn-ea"/>
-                <a:cs typeface="+mn-cs"/>
-              </a:defRPr>
-            </a:lvl2pPr>
-            <a:lvl3pPr marL="1143000" indent="-228600" algn="l" defTabSz="457200" rtl="0" eaLnBrk="1" latinLnBrk="0" hangingPunct="1">
-              <a:spcBef>
-                <a:spcPts val="1000"/>
-              </a:spcBef>
-              <a:spcAft>
-                <a:spcPts val="0"/>
-              </a:spcAft>
-              <a:buClr>
-                <a:schemeClr val="accent1"/>
-              </a:buClr>
-              <a:buSzPct val="80000"/>
-              <a:buFont typeface="Wingdings 3" charset="2"/>
-              <a:buChar char=""/>
-              <a:defRPr sz="1400" kern="1200">
-                <a:solidFill>
-                  <a:schemeClr val="tx1">
-                    <a:lumMod val="75000"/>
-                    <a:lumOff val="25000"/>
-                  </a:schemeClr>
-                </a:solidFill>
-                <a:latin typeface="+mn-lt"/>
-                <a:ea typeface="+mn-ea"/>
-                <a:cs typeface="+mn-cs"/>
-              </a:defRPr>
-            </a:lvl3pPr>
-            <a:lvl4pPr marL="1600200" indent="-228600" algn="l" defTabSz="457200" rtl="0" eaLnBrk="1" latinLnBrk="0" hangingPunct="1">
-              <a:spcBef>
-                <a:spcPts val="1000"/>
-              </a:spcBef>
-              <a:spcAft>
-                <a:spcPts val="0"/>
-              </a:spcAft>
-              <a:buClr>
-                <a:schemeClr val="accent1"/>
-              </a:buClr>
-              <a:buSzPct val="80000"/>
-              <a:buFont typeface="Wingdings 3" charset="2"/>
-              <a:buChar char=""/>
-              <a:defRPr sz="1200" kern="1200">
-                <a:solidFill>
-                  <a:schemeClr val="tx1">
-                    <a:lumMod val="75000"/>
-                    <a:lumOff val="25000"/>
-                  </a:schemeClr>
-                </a:solidFill>
-                <a:latin typeface="+mn-lt"/>
-                <a:ea typeface="+mn-ea"/>
-                <a:cs typeface="+mn-cs"/>
-              </a:defRPr>
-            </a:lvl4pPr>
-            <a:lvl5pPr marL="2057400" indent="-228600" algn="l" defTabSz="457200" rtl="0" eaLnBrk="1" latinLnBrk="0" hangingPunct="1">
-              <a:spcBef>
-                <a:spcPts val="1000"/>
-              </a:spcBef>
-              <a:spcAft>
-                <a:spcPts val="0"/>
-              </a:spcAft>
-              <a:buClr>
-                <a:schemeClr val="accent1"/>
-              </a:buClr>
-              <a:buSzPct val="80000"/>
-              <a:buFont typeface="Wingdings 3" charset="2"/>
-              <a:buChar char=""/>
-              <a:defRPr sz="1200" kern="1200">
-                <a:solidFill>
-                  <a:schemeClr val="tx1">
-                    <a:lumMod val="75000"/>
-                    <a:lumOff val="25000"/>
-                  </a:schemeClr>
-                </a:solidFill>
-                <a:latin typeface="+mn-lt"/>
-                <a:ea typeface="+mn-ea"/>
-                <a:cs typeface="+mn-cs"/>
-              </a:defRPr>
-            </a:lvl5pPr>
-            <a:lvl6pPr marL="2514600" indent="-228600" algn="l" defTabSz="457200" rtl="0" eaLnBrk="1" latinLnBrk="0" hangingPunct="1">
-              <a:spcBef>
-                <a:spcPts val="1000"/>
-              </a:spcBef>
-              <a:spcAft>
-                <a:spcPts val="0"/>
-              </a:spcAft>
-              <a:buClr>
-                <a:schemeClr val="accent1"/>
-              </a:buClr>
-              <a:buSzPct val="80000"/>
-              <a:buFont typeface="Wingdings 3" charset="2"/>
-              <a:buChar char=""/>
-              <a:defRPr sz="1200" kern="1200">
-                <a:solidFill>
-                  <a:schemeClr val="tx1">
-                    <a:lumMod val="75000"/>
-                    <a:lumOff val="25000"/>
-                  </a:schemeClr>
-                </a:solidFill>
-                <a:latin typeface="+mn-lt"/>
-                <a:ea typeface="+mn-ea"/>
-                <a:cs typeface="+mn-cs"/>
-              </a:defRPr>
-            </a:lvl6pPr>
-            <a:lvl7pPr marL="2971800" indent="-228600" algn="l" defTabSz="457200" rtl="0" eaLnBrk="1" latinLnBrk="0" hangingPunct="1">
-              <a:spcBef>
-                <a:spcPts val="1000"/>
-              </a:spcBef>
-              <a:spcAft>
-                <a:spcPts val="0"/>
-              </a:spcAft>
-              <a:buClr>
-                <a:schemeClr val="accent1"/>
-              </a:buClr>
-              <a:buSzPct val="80000"/>
-              <a:buFont typeface="Wingdings 3" charset="2"/>
-              <a:buChar char=""/>
-              <a:defRPr sz="1200" kern="1200">
-                <a:solidFill>
-                  <a:schemeClr val="tx1">
-                    <a:lumMod val="75000"/>
-                    <a:lumOff val="25000"/>
-                  </a:schemeClr>
-                </a:solidFill>
-                <a:latin typeface="+mn-lt"/>
-                <a:ea typeface="+mn-ea"/>
-                <a:cs typeface="+mn-cs"/>
-              </a:defRPr>
-            </a:lvl7pPr>
-            <a:lvl8pPr marL="3429000" indent="-228600" algn="l" defTabSz="457200" rtl="0" eaLnBrk="1" latinLnBrk="0" hangingPunct="1">
-              <a:spcBef>
-                <a:spcPts val="1000"/>
-              </a:spcBef>
-              <a:spcAft>
-                <a:spcPts val="0"/>
-              </a:spcAft>
-              <a:buClr>
-                <a:schemeClr val="accent1"/>
-              </a:buClr>
-              <a:buSzPct val="80000"/>
-              <a:buFont typeface="Wingdings 3" charset="2"/>
-              <a:buChar char=""/>
-              <a:defRPr sz="1200" kern="1200">
-                <a:solidFill>
-                  <a:schemeClr val="tx1">
-                    <a:lumMod val="75000"/>
-                    <a:lumOff val="25000"/>
-                  </a:schemeClr>
-                </a:solidFill>
-                <a:latin typeface="+mn-lt"/>
-                <a:ea typeface="+mn-ea"/>
-                <a:cs typeface="+mn-cs"/>
-              </a:defRPr>
-            </a:lvl8pPr>
-            <a:lvl9pPr marL="3886200" indent="-228600" algn="l" defTabSz="457200" rtl="0" eaLnBrk="1" latinLnBrk="0" hangingPunct="1">
-              <a:spcBef>
-                <a:spcPts val="1000"/>
-              </a:spcBef>
-              <a:spcAft>
-                <a:spcPts val="0"/>
-              </a:spcAft>
-              <a:buClr>
-                <a:schemeClr val="accent1"/>
-              </a:buClr>
-              <a:buSzPct val="80000"/>
-              <a:buFont typeface="Wingdings 3" charset="2"/>
-              <a:buChar char=""/>
-              <a:defRPr sz="1200" kern="1200">
-                <a:solidFill>
-                  <a:schemeClr val="tx1">
-                    <a:lumMod val="75000"/>
-                    <a:lumOff val="25000"/>
-                  </a:schemeClr>
-                </a:solidFill>
-                <a:latin typeface="+mn-lt"/>
-                <a:ea typeface="+mn-ea"/>
-                <a:cs typeface="+mn-cs"/>
-              </a:defRPr>
-            </a:lvl9pPr>
-          </a:lstStyle>
-          <a:p>
-            <a:pPr marL="0" indent="0">
-              <a:buFont typeface="Wingdings 3" charset="2"/>
-              <a:buNone/>
-            </a:pPr>
-            <a:endParaRPr lang="en-US" sz="2400" dirty="0" smtClean="0">
-              <a:latin typeface="Times New Roman" panose="02020603050405020304" pitchFamily="18" charset="0"/>
-              <a:cs typeface="Times New Roman" panose="02020603050405020304" pitchFamily="18" charset="0"/>
-            </a:endParaRPr>
-          </a:p>
-          <a:p>
-            <a:r>
-              <a:rPr lang="en-US" sz="2400" dirty="0" smtClean="0">
-                <a:latin typeface="Times New Roman" panose="02020603050405020304" pitchFamily="18" charset="0"/>
-                <a:cs typeface="Times New Roman" panose="02020603050405020304" pitchFamily="18" charset="0"/>
-              </a:rPr>
-              <a:t>Capture the intent</a:t>
-            </a:r>
-            <a:endParaRPr lang="en-US" sz="2400" dirty="0" smtClean="0">
-              <a:latin typeface="Times New Roman" panose="02020603050405020304" pitchFamily="18" charset="0"/>
-              <a:cs typeface="Times New Roman" panose="02020603050405020304" pitchFamily="18" charset="0"/>
-            </a:endParaRPr>
-          </a:p>
-        </p:txBody>
-      </p:sp>
     </p:spTree>
     <p:extLst>
       <p:ext uri="{BB962C8B-B14F-4D97-AF65-F5344CB8AC3E}">
-        <p14:creationId xmlns:p14="http://schemas.microsoft.com/office/powerpoint/2010/main" val="3514598448"/>
+        <p14:creationId xmlns:p14="http://schemas.microsoft.com/office/powerpoint/2010/main" xmlns="" val="637521889"/>
       </p:ext>
     </p:extLst>
   </p:cSld>
@@ -11655,11 +12461,11 @@
           <a:p>
             <a:pPr algn="ctr"/>
             <a:r>
-              <a:rPr lang="en-US" dirty="0">
-                <a:latin typeface="Times New Roman" panose="02020603050405020304" pitchFamily="18" charset="0"/>
-                <a:cs typeface="Times New Roman" panose="02020603050405020304" pitchFamily="18" charset="0"/>
-              </a:rPr>
-              <a:t>Middleware Implementation</a:t>
+              <a:rPr lang="en-US" dirty="0" smtClean="0">
+                <a:latin typeface="Times New Roman" panose="02020603050405020304" pitchFamily="18" charset="0"/>
+                <a:cs typeface="Times New Roman" panose="02020603050405020304" pitchFamily="18" charset="0"/>
+              </a:rPr>
+              <a:t>Coarse or Fine Classification</a:t>
             </a:r>
             <a:endParaRPr lang="en-US" dirty="0">
               <a:latin typeface="Times New Roman" panose="02020603050405020304" pitchFamily="18" charset="0"/>
@@ -11670,7 +12476,7 @@
       </p:sp>
       <p:sp>
         <p:nvSpPr>
-          <p:cNvPr id="4" name="Content Placeholder 3"/>
+          <p:cNvPr id="3" name="Content Placeholder 2"/>
           <p:cNvSpPr>
             <a:spLocks noGrp="1"/>
           </p:cNvSpPr>
@@ -11678,12 +12484,64 @@
             <p:ph idx="1"/>
           </p:nvPr>
         </p:nvSpPr>
-        <p:spPr/>
+        <p:spPr>
+          <a:xfrm>
+            <a:off x="709684" y="1823132"/>
+            <a:ext cx="8564318" cy="4836975"/>
+          </a:xfrm>
+        </p:spPr>
         <p:txBody>
           <a:bodyPr/>
           <a:lstStyle/>
           <a:p>
-            <a:endParaRPr lang="en-US"/>
+            <a:r>
+              <a:rPr lang="en-US" sz="2400" dirty="0" smtClean="0">
+                <a:solidFill>
+                  <a:schemeClr val="tx1"/>
+                </a:solidFill>
+                <a:latin typeface="Times New Roman" panose="02020603050405020304" pitchFamily="18" charset="0"/>
+                <a:cs typeface="Times New Roman" panose="02020603050405020304" pitchFamily="18" charset="0"/>
+              </a:rPr>
+              <a:t>We can pass it as a parameter if we want coarse </a:t>
+            </a:r>
+            <a:r>
+              <a:rPr lang="en-US" sz="2400" dirty="0" smtClean="0">
+                <a:solidFill>
+                  <a:schemeClr val="tx1"/>
+                </a:solidFill>
+                <a:latin typeface="Times New Roman" panose="02020603050405020304" pitchFamily="18" charset="0"/>
+                <a:cs typeface="Times New Roman" panose="02020603050405020304" pitchFamily="18" charset="0"/>
+              </a:rPr>
+              <a:t>level (broad classification) </a:t>
+            </a:r>
+            <a:r>
+              <a:rPr lang="en-US" sz="2400" dirty="0" smtClean="0">
+                <a:solidFill>
+                  <a:schemeClr val="tx1"/>
+                </a:solidFill>
+                <a:latin typeface="Times New Roman" panose="02020603050405020304" pitchFamily="18" charset="0"/>
+                <a:cs typeface="Times New Roman" panose="02020603050405020304" pitchFamily="18" charset="0"/>
+              </a:rPr>
+              <a:t>filtering or fine level as an argument when we load the data</a:t>
+            </a:r>
+          </a:p>
+          <a:p>
+            <a:r>
+              <a:rPr lang="en-US" sz="2400" dirty="0" smtClean="0">
+                <a:solidFill>
+                  <a:schemeClr val="tx1"/>
+                </a:solidFill>
+                <a:latin typeface="Times New Roman" panose="02020603050405020304" pitchFamily="18" charset="0"/>
+                <a:cs typeface="Times New Roman" panose="02020603050405020304" pitchFamily="18" charset="0"/>
+              </a:rPr>
+              <a:t>Processing is done accordingly</a:t>
+            </a:r>
+          </a:p>
+          <a:p>
+            <a:endParaRPr lang="en-US" b="1" dirty="0">
+              <a:latin typeface="Times New Roman" panose="02020603050405020304" pitchFamily="18" charset="0"/>
+              <a:cs typeface="Times New Roman" panose="02020603050405020304" pitchFamily="18" charset="0"/>
+            </a:endParaRPr>
           </a:p>
         </p:txBody>
       </p:sp>
@@ -11696,15 +12554,15 @@
           <p:nvPr/>
         </p:nvPicPr>
         <p:blipFill>
-          <a:blip r:embed="rId2"/>
+          <a:blip r:embed="rId2" cstate="print"/>
           <a:stretch>
             <a:fillRect/>
           </a:stretch>
         </p:blipFill>
         <p:spPr>
           <a:xfrm>
-            <a:off x="991279" y="2498062"/>
-            <a:ext cx="7705725" cy="3543300"/>
+            <a:off x="1594870" y="3461226"/>
+            <a:ext cx="6086475" cy="3095625"/>
           </a:xfrm>
           <a:prstGeom prst="rect">
             <a:avLst/>
@@ -11714,7 +12572,7 @@
     </p:spTree>
     <p:extLst>
       <p:ext uri="{BB962C8B-B14F-4D97-AF65-F5344CB8AC3E}">
-        <p14:creationId xmlns:p14="http://schemas.microsoft.com/office/powerpoint/2010/main" val="2749088597"/>
+        <p14:creationId xmlns:p14="http://schemas.microsoft.com/office/powerpoint/2010/main" xmlns="" val="572290405"/>
       </p:ext>
     </p:extLst>
   </p:cSld>
@@ -11762,72 +12620,157 @@
                 <a:latin typeface="Times New Roman" panose="02020603050405020304" pitchFamily="18" charset="0"/>
                 <a:cs typeface="Times New Roman" panose="02020603050405020304" pitchFamily="18" charset="0"/>
               </a:rPr>
-              <a:t>Middleware Implementation</a:t>
-            </a:r>
-            <a:endParaRPr lang="en-US" dirty="0">
+              <a:t>Training the Model</a:t>
+            </a:r>
+            <a:endParaRPr lang="en-US" dirty="0"/>
+          </a:p>
+        </p:txBody>
+      </p:sp>
+      <p:sp>
+        <p:nvSpPr>
+          <p:cNvPr id="3" name="Content Placeholder 2"/>
+          <p:cNvSpPr>
+            <a:spLocks noGrp="1"/>
+          </p:cNvSpPr>
+          <p:nvPr>
+            <p:ph idx="1"/>
+          </p:nvPr>
+        </p:nvSpPr>
+        <p:spPr>
+          <a:xfrm>
+            <a:off x="677334" y="2010463"/>
+            <a:ext cx="8596668" cy="3880773"/>
+          </a:xfrm>
+        </p:spPr>
+        <p:txBody>
+          <a:bodyPr/>
+          <a:lstStyle/>
+          <a:p>
+            <a:r>
+              <a:rPr lang="en-US" sz="2400" dirty="0" smtClean="0">
+                <a:solidFill>
+                  <a:schemeClr val="tx1"/>
+                </a:solidFill>
+                <a:latin typeface="Times New Roman" panose="02020603050405020304" pitchFamily="18" charset="0"/>
+                <a:cs typeface="Times New Roman" panose="02020603050405020304" pitchFamily="18" charset="0"/>
+              </a:rPr>
+              <a:t>Stratified </a:t>
+            </a:r>
+            <a:r>
+              <a:rPr lang="en-US" sz="2400" dirty="0" smtClean="0">
+                <a:solidFill>
+                  <a:schemeClr val="tx1"/>
+                </a:solidFill>
+                <a:latin typeface="Times New Roman" panose="02020603050405020304" pitchFamily="18" charset="0"/>
+                <a:cs typeface="Times New Roman" panose="02020603050405020304" pitchFamily="18" charset="0"/>
+              </a:rPr>
+              <a:t>k-folds CV technique is used </a:t>
+            </a:r>
+            <a:r>
+              <a:rPr lang="en-US" sz="2400" dirty="0" smtClean="0">
+                <a:solidFill>
+                  <a:schemeClr val="tx1"/>
+                </a:solidFill>
+                <a:latin typeface="Times New Roman" panose="02020603050405020304" pitchFamily="18" charset="0"/>
+                <a:cs typeface="Times New Roman" panose="02020603050405020304" pitchFamily="18" charset="0"/>
+              </a:rPr>
+              <a:t>to create the train and test splits as </a:t>
+            </a:r>
+            <a:r>
+              <a:rPr lang="en-US" sz="2400" dirty="0" smtClean="0">
+                <a:solidFill>
+                  <a:schemeClr val="tx1"/>
+                </a:solidFill>
+                <a:latin typeface="Times New Roman" panose="02020603050405020304" pitchFamily="18" charset="0"/>
+                <a:cs typeface="Times New Roman" panose="02020603050405020304" pitchFamily="18" charset="0"/>
+              </a:rPr>
+              <a:t>it provides a good </a:t>
+            </a:r>
+            <a:r>
+              <a:rPr lang="en-US" sz="2400" dirty="0" smtClean="0">
+                <a:solidFill>
+                  <a:schemeClr val="tx1"/>
+                </a:solidFill>
+                <a:latin typeface="Times New Roman" panose="02020603050405020304" pitchFamily="18" charset="0"/>
+                <a:cs typeface="Times New Roman" panose="02020603050405020304" pitchFamily="18" charset="0"/>
+              </a:rPr>
+              <a:t>performance</a:t>
+            </a:r>
+          </a:p>
+          <a:p>
+            <a:r>
+              <a:rPr lang="en-US" sz="2400" dirty="0" smtClean="0">
+                <a:solidFill>
+                  <a:schemeClr val="tx1"/>
+                </a:solidFill>
+                <a:latin typeface="Times New Roman" panose="02020603050405020304" pitchFamily="18" charset="0"/>
+                <a:cs typeface="Times New Roman" panose="02020603050405020304" pitchFamily="18" charset="0"/>
+              </a:rPr>
+              <a:t>The stratified cross-validation allows for randomization and makes sure that unbalanced datasets have some of both </a:t>
+            </a:r>
+            <a:r>
+              <a:rPr lang="en-US" sz="2400" dirty="0" smtClean="0">
+                <a:solidFill>
+                  <a:schemeClr val="tx1"/>
+                </a:solidFill>
+                <a:latin typeface="Times New Roman" panose="02020603050405020304" pitchFamily="18" charset="0"/>
+                <a:cs typeface="Times New Roman" panose="02020603050405020304" pitchFamily="18" charset="0"/>
+              </a:rPr>
+              <a:t>classes</a:t>
+            </a:r>
+          </a:p>
+          <a:p>
+            <a:r>
+              <a:rPr lang="en-US" sz="2400" dirty="0" smtClean="0">
+                <a:solidFill>
+                  <a:schemeClr val="tx1"/>
+                </a:solidFill>
+                <a:latin typeface="Times New Roman" panose="02020603050405020304" pitchFamily="18" charset="0"/>
+                <a:cs typeface="Times New Roman" panose="02020603050405020304" pitchFamily="18" charset="0"/>
+              </a:rPr>
+              <a:t>Stratification </a:t>
+            </a:r>
+            <a:r>
+              <a:rPr lang="en-US" sz="2400" dirty="0" smtClean="0">
+                <a:solidFill>
+                  <a:schemeClr val="tx1"/>
+                </a:solidFill>
+                <a:latin typeface="Times New Roman" pitchFamily="18" charset="0"/>
+                <a:cs typeface="Times New Roman" pitchFamily="18" charset="0"/>
+              </a:rPr>
+              <a:t>is generally a better scheme, both in terms of bias and variance, when compared to regular cross-validation</a:t>
+            </a:r>
+          </a:p>
+          <a:p>
+            <a:endParaRPr lang="en-US" sz="2400" dirty="0" smtClean="0">
+              <a:solidFill>
+                <a:schemeClr val="tx1"/>
+              </a:solidFill>
               <a:latin typeface="Times New Roman" panose="02020603050405020304" pitchFamily="18" charset="0"/>
               <a:cs typeface="Times New Roman" panose="02020603050405020304" pitchFamily="18" charset="0"/>
             </a:endParaRPr>
           </a:p>
-        </p:txBody>
-      </p:sp>
-      <p:sp>
-        <p:nvSpPr>
-          <p:cNvPr id="4" name="Content Placeholder 3"/>
-          <p:cNvSpPr>
-            <a:spLocks noGrp="1"/>
-          </p:cNvSpPr>
-          <p:nvPr>
-            <p:ph idx="1"/>
-          </p:nvPr>
-        </p:nvSpPr>
-        <p:spPr/>
-        <p:txBody>
-          <a:bodyPr/>
-          <a:lstStyle/>
-          <a:p>
-            <a:r>
-              <a:rPr lang="en-US" dirty="0" smtClean="0">
-                <a:latin typeface="Times New Roman" panose="02020603050405020304" pitchFamily="18" charset="0"/>
-                <a:cs typeface="Times New Roman" panose="02020603050405020304" pitchFamily="18" charset="0"/>
-              </a:rPr>
-              <a:t>URL is the end-point for the REST API</a:t>
-            </a:r>
-            <a:endParaRPr lang="en-US" dirty="0">
+          <a:p>
+            <a:endParaRPr lang="en-US" sz="2400" dirty="0" smtClean="0">
+              <a:solidFill>
+                <a:schemeClr val="tx1"/>
+              </a:solidFill>
               <a:latin typeface="Times New Roman" panose="02020603050405020304" pitchFamily="18" charset="0"/>
               <a:cs typeface="Times New Roman" panose="02020603050405020304" pitchFamily="18" charset="0"/>
             </a:endParaRPr>
           </a:p>
-        </p:txBody>
-      </p:sp>
-      <p:pic>
-        <p:nvPicPr>
-          <p:cNvPr id="3" name="Picture 2"/>
-          <p:cNvPicPr>
-            <a:picLocks noChangeAspect="1"/>
-          </p:cNvPicPr>
-          <p:nvPr/>
-        </p:nvPicPr>
-        <p:blipFill>
-          <a:blip r:embed="rId2"/>
-          <a:stretch>
-            <a:fillRect/>
-          </a:stretch>
-        </p:blipFill>
-        <p:spPr>
-          <a:xfrm>
-            <a:off x="1019175" y="2643868"/>
-            <a:ext cx="7105650" cy="3082018"/>
-          </a:xfrm>
-          <a:prstGeom prst="rect">
-            <a:avLst/>
-          </a:prstGeom>
-        </p:spPr>
-      </p:pic>
+          <a:p>
+            <a:endParaRPr lang="en-US" dirty="0" smtClean="0"/>
+          </a:p>
+          <a:p>
+            <a:endParaRPr lang="en-US" dirty="0"/>
+          </a:p>
+        </p:txBody>
+      </p:sp>
     </p:spTree>
     <p:extLst>
       <p:ext uri="{BB962C8B-B14F-4D97-AF65-F5344CB8AC3E}">
-        <p14:creationId xmlns:p14="http://schemas.microsoft.com/office/powerpoint/2010/main" val="3268576879"/>
+        <p14:creationId xmlns:p14="http://schemas.microsoft.com/office/powerpoint/2010/main" xmlns="" val="3940786786"/>
       </p:ext>
     </p:extLst>
   </p:cSld>
@@ -11903,6 +12846,9 @@
           <a:p>
             <a:r>
               <a:rPr lang="en-US" sz="2400" dirty="0" smtClean="0">
+                <a:solidFill>
+                  <a:schemeClr val="tx1"/>
+                </a:solidFill>
                 <a:latin typeface="Times New Roman" panose="02020603050405020304" pitchFamily="18" charset="0"/>
                 <a:cs typeface="Times New Roman" panose="02020603050405020304" pitchFamily="18" charset="0"/>
               </a:rPr>
@@ -11910,6 +12856,9 @@
             </a:r>
             <a:r>
               <a:rPr lang="en-US" sz="2400" i="1" dirty="0" smtClean="0">
+                <a:solidFill>
+                  <a:schemeClr val="tx1"/>
+                </a:solidFill>
                 <a:latin typeface="Times New Roman" panose="02020603050405020304" pitchFamily="18" charset="0"/>
                 <a:cs typeface="Times New Roman" panose="02020603050405020304" pitchFamily="18" charset="0"/>
               </a:rPr>
@@ -11917,6 +12866,9 @@
             </a:r>
             <a:r>
               <a:rPr lang="en-US" sz="2400" dirty="0" smtClean="0">
+                <a:solidFill>
+                  <a:schemeClr val="tx1"/>
+                </a:solidFill>
                 <a:latin typeface="Times New Roman" panose="02020603050405020304" pitchFamily="18" charset="0"/>
                 <a:cs typeface="Times New Roman" panose="02020603050405020304" pitchFamily="18" charset="0"/>
               </a:rPr>
@@ -11928,6 +12880,9 @@
               <a:buNone/>
             </a:pPr>
             <a:endParaRPr lang="en-US" sz="2400" dirty="0" smtClean="0">
+              <a:solidFill>
+                <a:schemeClr val="tx1"/>
+              </a:solidFill>
               <a:latin typeface="Times New Roman" panose="02020603050405020304" pitchFamily="18" charset="0"/>
               <a:cs typeface="Times New Roman" panose="02020603050405020304" pitchFamily="18" charset="0"/>
             </a:endParaRPr>
@@ -11935,6 +12890,9 @@
           <a:p>
             <a:r>
               <a:rPr lang="en-US" sz="2400" dirty="0" smtClean="0">
+                <a:solidFill>
+                  <a:schemeClr val="tx1"/>
+                </a:solidFill>
                 <a:latin typeface="Times New Roman" panose="02020603050405020304" pitchFamily="18" charset="0"/>
                 <a:cs typeface="Times New Roman" panose="02020603050405020304" pitchFamily="18" charset="0"/>
               </a:rPr>
@@ -11942,6 +12900,9 @@
             </a:r>
             <a:r>
               <a:rPr lang="en-US" sz="2400" i="1" dirty="0" smtClean="0">
+                <a:solidFill>
+                  <a:schemeClr val="tx1"/>
+                </a:solidFill>
                 <a:latin typeface="Times New Roman" panose="02020603050405020304" pitchFamily="18" charset="0"/>
                 <a:cs typeface="Times New Roman" panose="02020603050405020304" pitchFamily="18" charset="0"/>
               </a:rPr>
@@ -11949,6 +12910,9 @@
             </a:r>
             <a:r>
               <a:rPr lang="en-US" sz="2400" i="1" dirty="0">
+                <a:solidFill>
+                  <a:schemeClr val="tx1"/>
+                </a:solidFill>
                 <a:latin typeface="Times New Roman" panose="02020603050405020304" pitchFamily="18" charset="0"/>
                 <a:cs typeface="Times New Roman" panose="02020603050405020304" pitchFamily="18" charset="0"/>
               </a:rPr>
@@ -11956,6 +12920,9 @@
             </a:r>
             <a:r>
               <a:rPr lang="en-US" sz="2400" i="1" dirty="0" smtClean="0">
+                <a:solidFill>
+                  <a:schemeClr val="tx1"/>
+                </a:solidFill>
                 <a:latin typeface="Times New Roman" panose="02020603050405020304" pitchFamily="18" charset="0"/>
                 <a:cs typeface="Times New Roman" panose="02020603050405020304" pitchFamily="18" charset="0"/>
               </a:rPr>
@@ -11963,6 +12930,9 @@
             </a:r>
             <a:r>
               <a:rPr lang="en-US" sz="2400" dirty="0">
+                <a:solidFill>
+                  <a:schemeClr val="tx1"/>
+                </a:solidFill>
                 <a:latin typeface="Times New Roman" panose="02020603050405020304" pitchFamily="18" charset="0"/>
                 <a:cs typeface="Times New Roman" panose="02020603050405020304" pitchFamily="18" charset="0"/>
               </a:rPr>
@@ -11970,6 +12940,9 @@
             </a:r>
             <a:r>
               <a:rPr lang="en-US" sz="2400" dirty="0" smtClean="0">
+                <a:solidFill>
+                  <a:schemeClr val="tx1"/>
+                </a:solidFill>
                 <a:latin typeface="Times New Roman" panose="02020603050405020304" pitchFamily="18" charset="0"/>
                 <a:cs typeface="Times New Roman" panose="02020603050405020304" pitchFamily="18" charset="0"/>
               </a:rPr>
@@ -11978,6 +12951,9 @@
           </a:p>
           <a:p>
             <a:endParaRPr lang="en-US" sz="2400" dirty="0">
+              <a:solidFill>
+                <a:schemeClr val="tx1"/>
+              </a:solidFill>
               <a:latin typeface="Times New Roman" panose="02020603050405020304" pitchFamily="18" charset="0"/>
               <a:cs typeface="Times New Roman" panose="02020603050405020304" pitchFamily="18" charset="0"/>
             </a:endParaRPr>
@@ -11985,6 +12961,9 @@
           <a:p>
             <a:r>
               <a:rPr lang="en-US" sz="2400" dirty="0" smtClean="0">
+                <a:solidFill>
+                  <a:schemeClr val="tx1"/>
+                </a:solidFill>
                 <a:latin typeface="Times New Roman" panose="02020603050405020304" pitchFamily="18" charset="0"/>
                 <a:cs typeface="Times New Roman" panose="02020603050405020304" pitchFamily="18" charset="0"/>
               </a:rPr>
@@ -11992,6 +12971,9 @@
             </a:r>
             <a:r>
               <a:rPr lang="en-US" sz="2400" dirty="0">
+                <a:solidFill>
+                  <a:schemeClr val="tx1"/>
+                </a:solidFill>
                 <a:latin typeface="Times New Roman" panose="02020603050405020304" pitchFamily="18" charset="0"/>
                 <a:cs typeface="Times New Roman" panose="02020603050405020304" pitchFamily="18" charset="0"/>
               </a:rPr>
@@ -11999,6 +12981,9 @@
             </a:r>
             <a:r>
               <a:rPr lang="en-US" sz="2400" b="1" dirty="0" smtClean="0">
+                <a:solidFill>
+                  <a:schemeClr val="tx1"/>
+                </a:solidFill>
                 <a:latin typeface="Times New Roman" panose="02020603050405020304" pitchFamily="18" charset="0"/>
                 <a:cs typeface="Times New Roman" panose="02020603050405020304" pitchFamily="18" charset="0"/>
               </a:rPr>
@@ -12006,6 +12991,9 @@
             </a:r>
             <a:r>
               <a:rPr lang="en-US" sz="2400" dirty="0" smtClean="0">
+                <a:solidFill>
+                  <a:schemeClr val="tx1"/>
+                </a:solidFill>
                 <a:latin typeface="Times New Roman" panose="02020603050405020304" pitchFamily="18" charset="0"/>
                 <a:cs typeface="Times New Roman" panose="02020603050405020304" pitchFamily="18" charset="0"/>
               </a:rPr>
@@ -12013,6 +13001,9 @@
             </a:r>
             <a:r>
               <a:rPr lang="en-US" sz="2400" dirty="0">
+                <a:solidFill>
+                  <a:schemeClr val="tx1"/>
+                </a:solidFill>
                 <a:latin typeface="Times New Roman" panose="02020603050405020304" pitchFamily="18" charset="0"/>
                 <a:cs typeface="Times New Roman" panose="02020603050405020304" pitchFamily="18" charset="0"/>
               </a:rPr>
@@ -12020,6 +13011,9 @@
             </a:r>
             <a:r>
               <a:rPr lang="en-US" sz="2400" dirty="0" smtClean="0">
+                <a:solidFill>
+                  <a:schemeClr val="tx1"/>
+                </a:solidFill>
                 <a:latin typeface="Times New Roman" panose="02020603050405020304" pitchFamily="18" charset="0"/>
                 <a:cs typeface="Times New Roman" panose="02020603050405020304" pitchFamily="18" charset="0"/>
               </a:rPr>
@@ -12027,6 +13021,9 @@
             </a:r>
             <a:r>
               <a:rPr lang="en-US" sz="2400" dirty="0">
+                <a:solidFill>
+                  <a:schemeClr val="tx1"/>
+                </a:solidFill>
                 <a:latin typeface="Times New Roman" panose="02020603050405020304" pitchFamily="18" charset="0"/>
                 <a:cs typeface="Times New Roman" panose="02020603050405020304" pitchFamily="18" charset="0"/>
               </a:rPr>
@@ -12034,12 +13031,18 @@
             </a:r>
             <a:r>
               <a:rPr lang="en-US" sz="2400" dirty="0" smtClean="0">
+                <a:solidFill>
+                  <a:schemeClr val="tx1"/>
+                </a:solidFill>
                 <a:latin typeface="Times New Roman" panose="02020603050405020304" pitchFamily="18" charset="0"/>
                 <a:cs typeface="Times New Roman" panose="02020603050405020304" pitchFamily="18" charset="0"/>
               </a:rPr>
               <a:t>significantly</a:t>
             </a:r>
             <a:endParaRPr lang="en-US" sz="2400" dirty="0">
+              <a:solidFill>
+                <a:schemeClr val="tx1"/>
+              </a:solidFill>
               <a:latin typeface="Times New Roman" panose="02020603050405020304" pitchFamily="18" charset="0"/>
               <a:cs typeface="Times New Roman" panose="02020603050405020304" pitchFamily="18" charset="0"/>
             </a:endParaRPr>
@@ -12049,13 +13052,20 @@
     </p:spTree>
     <p:extLst>
       <p:ext uri="{BB962C8B-B14F-4D97-AF65-F5344CB8AC3E}">
-        <p14:creationId xmlns:p14="http://schemas.microsoft.com/office/powerpoint/2010/main" val="3933540326"/>
+        <p14:creationId xmlns:p14="http://schemas.microsoft.com/office/powerpoint/2010/main" xmlns="" val="3933540326"/>
       </p:ext>
     </p:extLst>
   </p:cSld>
   <p:clrMapOvr>
     <a:masterClrMapping/>
   </p:clrMapOvr>
+  <p:timing>
+    <p:tnLst>
+      <p:par>
+        <p:cTn id="1" dur="indefinite" restart="never" nodeType="tmRoot"/>
+      </p:par>
+    </p:tnLst>
+  </p:timing>
 </p:sld>
 </file>
 
@@ -12097,12 +13107,9 @@
                 <a:latin typeface="Times New Roman" panose="02020603050405020304" pitchFamily="18" charset="0"/>
                 <a:cs typeface="Times New Roman" panose="02020603050405020304" pitchFamily="18" charset="0"/>
               </a:rPr>
-              <a:t>REST API  Using Flask</a:t>
-            </a:r>
-            <a:endParaRPr lang="en-US" dirty="0">
-              <a:latin typeface="Times New Roman" panose="02020603050405020304" pitchFamily="18" charset="0"/>
-              <a:cs typeface="Times New Roman" panose="02020603050405020304" pitchFamily="18" charset="0"/>
-            </a:endParaRPr>
+              <a:t>Training the Model</a:t>
+            </a:r>
+            <a:endParaRPr lang="en-US" dirty="0"/>
           </a:p>
         </p:txBody>
       </p:sp>
@@ -12118,56 +13125,57 @@
         </p:nvSpPr>
         <p:spPr>
           <a:xfrm>
-            <a:off x="677334" y="1268170"/>
+            <a:off x="650039" y="1437257"/>
             <a:ext cx="8596668" cy="3880773"/>
           </a:xfrm>
         </p:spPr>
         <p:txBody>
-          <a:bodyPr>
-            <a:noAutofit/>
-          </a:bodyPr>
+          <a:bodyPr/>
           <a:lstStyle/>
           <a:p>
-            <a:r>
-              <a:rPr lang="en-US" sz="2400" dirty="0" smtClean="0">
-                <a:latin typeface="Times New Roman" panose="02020603050405020304" pitchFamily="18" charset="0"/>
-                <a:cs typeface="Times New Roman" panose="02020603050405020304" pitchFamily="18" charset="0"/>
-              </a:rPr>
-              <a:t>Use python flask to convert our code as rest service</a:t>
-            </a:r>
-          </a:p>
-          <a:p>
-            <a:endParaRPr lang="en-US" sz="2400" dirty="0">
+            <a:endParaRPr lang="en-US" sz="2400" dirty="0" smtClean="0">
+              <a:solidFill>
+                <a:schemeClr val="tx1"/>
+              </a:solidFill>
               <a:latin typeface="Times New Roman" panose="02020603050405020304" pitchFamily="18" charset="0"/>
               <a:cs typeface="Times New Roman" panose="02020603050405020304" pitchFamily="18" charset="0"/>
             </a:endParaRPr>
           </a:p>
           <a:p>
             <a:endParaRPr lang="en-US" sz="2400" dirty="0" smtClean="0">
+              <a:solidFill>
+                <a:schemeClr val="tx1"/>
+              </a:solidFill>
               <a:latin typeface="Times New Roman" panose="02020603050405020304" pitchFamily="18" charset="0"/>
               <a:cs typeface="Times New Roman" panose="02020603050405020304" pitchFamily="18" charset="0"/>
             </a:endParaRPr>
           </a:p>
+          <a:p>
+            <a:endParaRPr lang="en-US" dirty="0" smtClean="0"/>
+          </a:p>
+          <a:p>
+            <a:endParaRPr lang="en-US" dirty="0"/>
+          </a:p>
         </p:txBody>
       </p:sp>
       <p:pic>
         <p:nvPicPr>
-          <p:cNvPr id="4" name="Picture 3"/>
+          <p:cNvPr id="6" name="Picture 5"/>
           <p:cNvPicPr>
             <a:picLocks noChangeAspect="1"/>
           </p:cNvPicPr>
           <p:nvPr/>
         </p:nvPicPr>
         <p:blipFill>
-          <a:blip r:embed="rId2"/>
+          <a:blip r:embed="rId2" cstate="print"/>
           <a:stretch>
             <a:fillRect/>
           </a:stretch>
         </p:blipFill>
         <p:spPr>
           <a:xfrm>
-            <a:off x="2148691" y="1930400"/>
-            <a:ext cx="5458011" cy="4531179"/>
+            <a:off x="2375438" y="2202698"/>
+            <a:ext cx="5248275" cy="2647950"/>
           </a:xfrm>
           <a:prstGeom prst="rect">
             <a:avLst/>
@@ -12177,7 +13185,7 @@
     </p:spTree>
     <p:extLst>
       <p:ext uri="{BB962C8B-B14F-4D97-AF65-F5344CB8AC3E}">
-        <p14:creationId xmlns:p14="http://schemas.microsoft.com/office/powerpoint/2010/main" val="4285305900"/>
+        <p14:creationId xmlns:p14="http://schemas.microsoft.com/office/powerpoint/2010/main" xmlns="" val="3940786786"/>
       </p:ext>
     </p:extLst>
   </p:cSld>
@@ -12204,98 +13212,24 @@
           <a:chExt cx="0" cy="0"/>
         </a:xfrm>
       </p:grpSpPr>
-      <p:sp>
-        <p:nvSpPr>
-          <p:cNvPr id="2" name="Title 1"/>
-          <p:cNvSpPr>
-            <a:spLocks noGrp="1"/>
-          </p:cNvSpPr>
-          <p:nvPr>
-            <p:ph type="title"/>
-          </p:nvPr>
-        </p:nvSpPr>
-        <p:spPr/>
-        <p:txBody>
-          <a:bodyPr/>
-          <a:lstStyle/>
-          <a:p>
-            <a:pPr algn="ctr"/>
-            <a:r>
-              <a:rPr lang="en-US" dirty="0" smtClean="0">
-                <a:latin typeface="Times New Roman" panose="02020603050405020304" pitchFamily="18" charset="0"/>
-                <a:cs typeface="Times New Roman" panose="02020603050405020304" pitchFamily="18" charset="0"/>
-              </a:rPr>
-              <a:t>REST API  Using Flask</a:t>
-            </a:r>
-            <a:endParaRPr lang="en-US" dirty="0">
-              <a:latin typeface="Times New Roman" panose="02020603050405020304" pitchFamily="18" charset="0"/>
-              <a:cs typeface="Times New Roman" panose="02020603050405020304" pitchFamily="18" charset="0"/>
-            </a:endParaRPr>
-          </a:p>
-        </p:txBody>
-      </p:sp>
-      <p:sp>
-        <p:nvSpPr>
-          <p:cNvPr id="3" name="Content Placeholder 2"/>
-          <p:cNvSpPr>
-            <a:spLocks noGrp="1"/>
-          </p:cNvSpPr>
-          <p:nvPr>
-            <p:ph idx="1"/>
-          </p:nvPr>
-        </p:nvSpPr>
-        <p:spPr>
-          <a:xfrm>
-            <a:off x="677334" y="1268170"/>
-            <a:ext cx="8596668" cy="3880773"/>
-          </a:xfrm>
-        </p:spPr>
-        <p:txBody>
-          <a:bodyPr>
-            <a:noAutofit/>
-          </a:bodyPr>
-          <a:lstStyle/>
-          <a:p>
-            <a:r>
-              <a:rPr lang="en-US" sz="2400" dirty="0" smtClean="0">
-                <a:latin typeface="Times New Roman" panose="02020603050405020304" pitchFamily="18" charset="0"/>
-                <a:cs typeface="Times New Roman" panose="02020603050405020304" pitchFamily="18" charset="0"/>
-              </a:rPr>
-              <a:t>Index.html</a:t>
-            </a:r>
-          </a:p>
-          <a:p>
-            <a:endParaRPr lang="en-US" sz="2400" dirty="0">
-              <a:latin typeface="Times New Roman" panose="02020603050405020304" pitchFamily="18" charset="0"/>
-              <a:cs typeface="Times New Roman" panose="02020603050405020304" pitchFamily="18" charset="0"/>
-            </a:endParaRPr>
-          </a:p>
-          <a:p>
-            <a:endParaRPr lang="en-US" sz="2400" dirty="0" smtClean="0">
-              <a:latin typeface="Times New Roman" panose="02020603050405020304" pitchFamily="18" charset="0"/>
-              <a:cs typeface="Times New Roman" panose="02020603050405020304" pitchFamily="18" charset="0"/>
-            </a:endParaRPr>
-          </a:p>
-        </p:txBody>
-      </p:sp>
       <p:pic>
         <p:nvPicPr>
-          <p:cNvPr id="6" name="Picture 5"/>
+          <p:cNvPr id="4" name="Picture 3"/>
           <p:cNvPicPr>
             <a:picLocks noChangeAspect="1"/>
           </p:cNvPicPr>
           <p:nvPr/>
         </p:nvPicPr>
         <p:blipFill>
-          <a:blip r:embed="rId2"/>
+          <a:blip r:embed="rId2" cstate="print"/>
           <a:stretch>
             <a:fillRect/>
           </a:stretch>
         </p:blipFill>
         <p:spPr>
           <a:xfrm>
-            <a:off x="347339" y="1795623"/>
-            <a:ext cx="9256658" cy="4779349"/>
+            <a:off x="1274298" y="1985572"/>
+            <a:ext cx="6979474" cy="3571875"/>
           </a:xfrm>
           <a:prstGeom prst="rect">
             <a:avLst/>
@@ -12305,7 +13239,7 @@
     </p:spTree>
     <p:extLst>
       <p:ext uri="{BB962C8B-B14F-4D97-AF65-F5344CB8AC3E}">
-        <p14:creationId xmlns:p14="http://schemas.microsoft.com/office/powerpoint/2010/main" val="253565503"/>
+        <p14:creationId xmlns:p14="http://schemas.microsoft.com/office/powerpoint/2010/main" xmlns="" val="209273872"/>
       </p:ext>
     </p:extLst>
   </p:cSld>
@@ -12353,7 +13287,7 @@
                 <a:latin typeface="Times New Roman" panose="02020603050405020304" pitchFamily="18" charset="0"/>
                 <a:cs typeface="Times New Roman" panose="02020603050405020304" pitchFamily="18" charset="0"/>
               </a:rPr>
-              <a:t>REST API  Using Flask</a:t>
+              <a:t>Custom Middleware</a:t>
             </a:r>
             <a:endParaRPr lang="en-US" dirty="0">
               <a:latin typeface="Times New Roman" panose="02020603050405020304" pitchFamily="18" charset="0"/>
@@ -12374,7 +13308,7 @@
         </p:nvSpPr>
         <p:spPr>
           <a:xfrm>
-            <a:off x="677334" y="1268170"/>
+            <a:off x="677334" y="1930400"/>
             <a:ext cx="8596668" cy="3880773"/>
           </a:xfrm>
         </p:spPr>
@@ -12386,54 +13320,96 @@
           <a:p>
             <a:r>
               <a:rPr lang="en-US" sz="2400" dirty="0" smtClean="0">
-                <a:latin typeface="Times New Roman" panose="02020603050405020304" pitchFamily="18" charset="0"/>
-                <a:cs typeface="Times New Roman" panose="02020603050405020304" pitchFamily="18" charset="0"/>
-              </a:rPr>
-              <a:t>Out of the REST service for a particular question</a:t>
-            </a:r>
-          </a:p>
-          <a:p>
-            <a:endParaRPr lang="en-US" sz="2400" dirty="0">
+                <a:solidFill>
+                  <a:schemeClr val="tx1"/>
+                </a:solidFill>
+                <a:latin typeface="Times New Roman" panose="02020603050405020304" pitchFamily="18" charset="0"/>
+                <a:cs typeface="Times New Roman" panose="02020603050405020304" pitchFamily="18" charset="0"/>
+              </a:rPr>
+              <a:t>Initially we used wit.ai to identify the intents</a:t>
+            </a:r>
+          </a:p>
+          <a:p>
+            <a:endParaRPr lang="en-US" sz="2400" dirty="0" smtClean="0">
+              <a:solidFill>
+                <a:schemeClr val="tx1"/>
+              </a:solidFill>
               <a:latin typeface="Times New Roman" panose="02020603050405020304" pitchFamily="18" charset="0"/>
               <a:cs typeface="Times New Roman" panose="02020603050405020304" pitchFamily="18" charset="0"/>
             </a:endParaRPr>
           </a:p>
           <a:p>
+            <a:r>
+              <a:rPr lang="en-US" sz="2400" dirty="0" smtClean="0">
+                <a:solidFill>
+                  <a:schemeClr val="tx1"/>
+                </a:solidFill>
+                <a:latin typeface="Times New Roman" panose="02020603050405020304" pitchFamily="18" charset="0"/>
+                <a:cs typeface="Times New Roman" panose="02020603050405020304" pitchFamily="18" charset="0"/>
+              </a:rPr>
+              <a:t>Here our model is predicting the intent</a:t>
+            </a:r>
+          </a:p>
+          <a:p>
+            <a:pPr marL="0" indent="0">
+              <a:buNone/>
+            </a:pPr>
             <a:endParaRPr lang="en-US" sz="2400" dirty="0" smtClean="0">
+              <a:solidFill>
+                <a:schemeClr val="tx1"/>
+              </a:solidFill>
               <a:latin typeface="Times New Roman" panose="02020603050405020304" pitchFamily="18" charset="0"/>
               <a:cs typeface="Times New Roman" panose="02020603050405020304" pitchFamily="18" charset="0"/>
             </a:endParaRPr>
           </a:p>
-        </p:txBody>
-      </p:sp>
-      <p:pic>
-        <p:nvPicPr>
-          <p:cNvPr id="5" name="Picture 4"/>
-          <p:cNvPicPr>
-            <a:picLocks noChangeAspect="1"/>
-          </p:cNvPicPr>
-          <p:nvPr/>
-        </p:nvPicPr>
-        <p:blipFill>
-          <a:blip r:embed="rId2"/>
-          <a:stretch>
-            <a:fillRect/>
-          </a:stretch>
-        </p:blipFill>
-        <p:spPr>
-          <a:xfrm>
-            <a:off x="339877" y="2294164"/>
-            <a:ext cx="9744075" cy="2705100"/>
-          </a:xfrm>
-          <a:prstGeom prst="rect">
-            <a:avLst/>
-          </a:prstGeom>
-        </p:spPr>
-      </p:pic>
+          <a:p>
+            <a:r>
+              <a:rPr lang="en-US" sz="2400" dirty="0" smtClean="0">
+                <a:solidFill>
+                  <a:schemeClr val="tx1"/>
+                </a:solidFill>
+                <a:latin typeface="Times New Roman" panose="02020603050405020304" pitchFamily="18" charset="0"/>
+                <a:cs typeface="Times New Roman" panose="02020603050405020304" pitchFamily="18" charset="0"/>
+              </a:rPr>
+              <a:t>Create a custom middleware to communicate </a:t>
+            </a:r>
+            <a:r>
+              <a:rPr lang="en-US" sz="2400" dirty="0" smtClean="0">
+                <a:solidFill>
+                  <a:schemeClr val="tx1"/>
+                </a:solidFill>
+                <a:latin typeface="Times New Roman" panose="02020603050405020304" pitchFamily="18" charset="0"/>
+                <a:cs typeface="Times New Roman" panose="02020603050405020304" pitchFamily="18" charset="0"/>
+              </a:rPr>
+              <a:t>with</a:t>
+            </a:r>
+            <a:r>
+              <a:rPr lang="en-US" sz="2400" dirty="0" smtClean="0">
+                <a:solidFill>
+                  <a:schemeClr val="tx1"/>
+                </a:solidFill>
+                <a:latin typeface="Times New Roman" panose="02020603050405020304" pitchFamily="18" charset="0"/>
+                <a:cs typeface="Times New Roman" panose="02020603050405020304" pitchFamily="18" charset="0"/>
+              </a:rPr>
+              <a:t> </a:t>
+            </a:r>
+            <a:r>
+              <a:rPr lang="en-US" sz="2400" dirty="0" smtClean="0">
+                <a:solidFill>
+                  <a:schemeClr val="tx1"/>
+                </a:solidFill>
+                <a:latin typeface="Times New Roman" panose="02020603050405020304" pitchFamily="18" charset="0"/>
+                <a:cs typeface="Times New Roman" panose="02020603050405020304" pitchFamily="18" charset="0"/>
+              </a:rPr>
+              <a:t>our python code</a:t>
+            </a:r>
+          </a:p>
+        </p:txBody>
+      </p:sp>
     </p:spTree>
     <p:extLst>
       <p:ext uri="{BB962C8B-B14F-4D97-AF65-F5344CB8AC3E}">
-        <p14:creationId xmlns:p14="http://schemas.microsoft.com/office/powerpoint/2010/main" val="801395955"/>
+        <p14:creationId xmlns:p14="http://schemas.microsoft.com/office/powerpoint/2010/main" xmlns="" val="870096867"/>
       </p:ext>
     </p:extLst>
   </p:cSld>
@@ -12470,7 +13446,12 @@
             <p:ph type="title"/>
           </p:nvPr>
         </p:nvSpPr>
-        <p:spPr/>
+        <p:spPr>
+          <a:xfrm>
+            <a:off x="664029" y="609600"/>
+            <a:ext cx="8609973" cy="892629"/>
+          </a:xfrm>
+        </p:spPr>
         <p:txBody>
           <a:bodyPr/>
           <a:lstStyle/>
@@ -12481,7 +13462,7 @@
                 <a:latin typeface="Times New Roman" panose="02020603050405020304" pitchFamily="18" charset="0"/>
                 <a:cs typeface="Times New Roman" panose="02020603050405020304" pitchFamily="18" charset="0"/>
               </a:rPr>
-              <a:t>Load Testing</a:t>
+              <a:t>Middleware Implementation</a:t>
             </a:r>
             <a:endParaRPr lang="en-US" dirty="0">
               <a:latin typeface="Times New Roman" panose="02020603050405020304" pitchFamily="18" charset="0"/>
@@ -12490,89 +13471,311 @@
           </a:p>
         </p:txBody>
       </p:sp>
-      <p:sp>
-        <p:nvSpPr>
-          <p:cNvPr id="3" name="Content Placeholder 2"/>
-          <p:cNvSpPr>
-            <a:spLocks noGrp="1"/>
-          </p:cNvSpPr>
-          <p:nvPr>
-            <p:ph idx="1"/>
-          </p:nvPr>
-        </p:nvSpPr>
-        <p:spPr>
-          <a:xfrm>
-            <a:off x="677334" y="1268170"/>
-            <a:ext cx="8596668" cy="3880773"/>
-          </a:xfrm>
-        </p:spPr>
-        <p:txBody>
-          <a:bodyPr>
-            <a:noAutofit/>
-          </a:bodyPr>
-          <a:lstStyle/>
-          <a:p>
-            <a:r>
-              <a:rPr lang="en-US" sz="2400" dirty="0" smtClean="0">
-                <a:latin typeface="Times New Roman" panose="02020603050405020304" pitchFamily="18" charset="0"/>
-                <a:cs typeface="Times New Roman" panose="02020603050405020304" pitchFamily="18" charset="0"/>
-              </a:rPr>
-              <a:t>Aim is to test the load handling ability and to </a:t>
-            </a:r>
-            <a:r>
-              <a:rPr lang="en-US" sz="2400" dirty="0" smtClean="0">
-                <a:latin typeface="Times New Roman" panose="02020603050405020304" pitchFamily="18" charset="0"/>
-                <a:cs typeface="Times New Roman" panose="02020603050405020304" pitchFamily="18" charset="0"/>
-              </a:rPr>
-              <a:t>make it scalable</a:t>
-            </a:r>
-            <a:endParaRPr lang="en-US" sz="2400" dirty="0" smtClean="0">
-              <a:latin typeface="Times New Roman" panose="02020603050405020304" pitchFamily="18" charset="0"/>
-              <a:cs typeface="Times New Roman" panose="02020603050405020304" pitchFamily="18" charset="0"/>
-            </a:endParaRPr>
-          </a:p>
-          <a:p>
-            <a:endParaRPr lang="en-US" sz="2400" dirty="0">
-              <a:latin typeface="Times New Roman" panose="02020603050405020304" pitchFamily="18" charset="0"/>
-              <a:cs typeface="Times New Roman" panose="02020603050405020304" pitchFamily="18" charset="0"/>
-            </a:endParaRPr>
-          </a:p>
-          <a:p>
-            <a:endParaRPr lang="en-US" sz="2400" dirty="0" smtClean="0">
-              <a:latin typeface="Times New Roman" panose="02020603050405020304" pitchFamily="18" charset="0"/>
-              <a:cs typeface="Times New Roman" panose="02020603050405020304" pitchFamily="18" charset="0"/>
-            </a:endParaRPr>
-          </a:p>
-        </p:txBody>
-      </p:sp>
       <p:pic>
         <p:nvPicPr>
-          <p:cNvPr id="5" name="Picture 4"/>
+          <p:cNvPr id="4" name="Content Placeholder 3"/>
           <p:cNvPicPr>
-            <a:picLocks noChangeAspect="1"/>
+            <a:picLocks noGrp="1" noChangeAspect="1"/>
           </p:cNvPicPr>
-          <p:nvPr/>
+          <p:nvPr>
+            <p:ph idx="1"/>
+          </p:nvPr>
         </p:nvPicPr>
         <p:blipFill>
-          <a:blip r:embed="rId2"/>
+          <a:blip r:embed="rId2" cstate="print"/>
           <a:stretch>
             <a:fillRect/>
           </a:stretch>
         </p:blipFill>
         <p:spPr>
           <a:xfrm>
-            <a:off x="1158648" y="1759404"/>
-            <a:ext cx="7305675" cy="4210050"/>
+            <a:off x="1280037" y="2512668"/>
+            <a:ext cx="7172895" cy="3881437"/>
           </a:xfrm>
           <a:prstGeom prst="rect">
             <a:avLst/>
           </a:prstGeom>
         </p:spPr>
       </p:pic>
+      <p:sp>
+        <p:nvSpPr>
+          <p:cNvPr id="7" name="Content Placeholder 2"/>
+          <p:cNvSpPr txBox="1">
+            <a:spLocks/>
+          </p:cNvSpPr>
+          <p:nvPr/>
+        </p:nvSpPr>
+        <p:spPr>
+          <a:xfrm>
+            <a:off x="576943" y="1266372"/>
+            <a:ext cx="8683754" cy="1215571"/>
+          </a:xfrm>
+          <a:prstGeom prst="rect">
+            <a:avLst/>
+          </a:prstGeom>
+        </p:spPr>
+        <p:txBody>
+          <a:bodyPr vert="horz" lIns="91440" tIns="45720" rIns="91440" bIns="45720" rtlCol="0">
+            <a:noAutofit/>
+          </a:bodyPr>
+          <a:lstStyle>
+            <a:lvl1pPr marL="342900" indent="-342900" algn="l" defTabSz="457200" rtl="0" eaLnBrk="1" latinLnBrk="0" hangingPunct="1">
+              <a:spcBef>
+                <a:spcPts val="1000"/>
+              </a:spcBef>
+              <a:spcAft>
+                <a:spcPts val="0"/>
+              </a:spcAft>
+              <a:buClr>
+                <a:schemeClr val="accent1"/>
+              </a:buClr>
+              <a:buSzPct val="80000"/>
+              <a:buFont typeface="Wingdings 3" charset="2"/>
+              <a:buChar char=""/>
+              <a:defRPr sz="1800" kern="1200">
+                <a:solidFill>
+                  <a:schemeClr val="tx1">
+                    <a:lumMod val="75000"/>
+                    <a:lumOff val="25000"/>
+                  </a:schemeClr>
+                </a:solidFill>
+                <a:latin typeface="+mn-lt"/>
+                <a:ea typeface="+mn-ea"/>
+                <a:cs typeface="+mn-cs"/>
+              </a:defRPr>
+            </a:lvl1pPr>
+            <a:lvl2pPr marL="742950" indent="-285750" algn="l" defTabSz="457200" rtl="0" eaLnBrk="1" latinLnBrk="0" hangingPunct="1">
+              <a:spcBef>
+                <a:spcPts val="1000"/>
+              </a:spcBef>
+              <a:spcAft>
+                <a:spcPts val="0"/>
+              </a:spcAft>
+              <a:buClr>
+                <a:schemeClr val="accent1"/>
+              </a:buClr>
+              <a:buSzPct val="80000"/>
+              <a:buFont typeface="Wingdings 3" charset="2"/>
+              <a:buChar char=""/>
+              <a:defRPr sz="1600" kern="1200">
+                <a:solidFill>
+                  <a:schemeClr val="tx1">
+                    <a:lumMod val="75000"/>
+                    <a:lumOff val="25000"/>
+                  </a:schemeClr>
+                </a:solidFill>
+                <a:latin typeface="+mn-lt"/>
+                <a:ea typeface="+mn-ea"/>
+                <a:cs typeface="+mn-cs"/>
+              </a:defRPr>
+            </a:lvl2pPr>
+            <a:lvl3pPr marL="1143000" indent="-228600" algn="l" defTabSz="457200" rtl="0" eaLnBrk="1" latinLnBrk="0" hangingPunct="1">
+              <a:spcBef>
+                <a:spcPts val="1000"/>
+              </a:spcBef>
+              <a:spcAft>
+                <a:spcPts val="0"/>
+              </a:spcAft>
+              <a:buClr>
+                <a:schemeClr val="accent1"/>
+              </a:buClr>
+              <a:buSzPct val="80000"/>
+              <a:buFont typeface="Wingdings 3" charset="2"/>
+              <a:buChar char=""/>
+              <a:defRPr sz="1400" kern="1200">
+                <a:solidFill>
+                  <a:schemeClr val="tx1">
+                    <a:lumMod val="75000"/>
+                    <a:lumOff val="25000"/>
+                  </a:schemeClr>
+                </a:solidFill>
+                <a:latin typeface="+mn-lt"/>
+                <a:ea typeface="+mn-ea"/>
+                <a:cs typeface="+mn-cs"/>
+              </a:defRPr>
+            </a:lvl3pPr>
+            <a:lvl4pPr marL="1600200" indent="-228600" algn="l" defTabSz="457200" rtl="0" eaLnBrk="1" latinLnBrk="0" hangingPunct="1">
+              <a:spcBef>
+                <a:spcPts val="1000"/>
+              </a:spcBef>
+              <a:spcAft>
+                <a:spcPts val="0"/>
+              </a:spcAft>
+              <a:buClr>
+                <a:schemeClr val="accent1"/>
+              </a:buClr>
+              <a:buSzPct val="80000"/>
+              <a:buFont typeface="Wingdings 3" charset="2"/>
+              <a:buChar char=""/>
+              <a:defRPr sz="1200" kern="1200">
+                <a:solidFill>
+                  <a:schemeClr val="tx1">
+                    <a:lumMod val="75000"/>
+                    <a:lumOff val="25000"/>
+                  </a:schemeClr>
+                </a:solidFill>
+                <a:latin typeface="+mn-lt"/>
+                <a:ea typeface="+mn-ea"/>
+                <a:cs typeface="+mn-cs"/>
+              </a:defRPr>
+            </a:lvl4pPr>
+            <a:lvl5pPr marL="2057400" indent="-228600" algn="l" defTabSz="457200" rtl="0" eaLnBrk="1" latinLnBrk="0" hangingPunct="1">
+              <a:spcBef>
+                <a:spcPts val="1000"/>
+              </a:spcBef>
+              <a:spcAft>
+                <a:spcPts val="0"/>
+              </a:spcAft>
+              <a:buClr>
+                <a:schemeClr val="accent1"/>
+              </a:buClr>
+              <a:buSzPct val="80000"/>
+              <a:buFont typeface="Wingdings 3" charset="2"/>
+              <a:buChar char=""/>
+              <a:defRPr sz="1200" kern="1200">
+                <a:solidFill>
+                  <a:schemeClr val="tx1">
+                    <a:lumMod val="75000"/>
+                    <a:lumOff val="25000"/>
+                  </a:schemeClr>
+                </a:solidFill>
+                <a:latin typeface="+mn-lt"/>
+                <a:ea typeface="+mn-ea"/>
+                <a:cs typeface="+mn-cs"/>
+              </a:defRPr>
+            </a:lvl5pPr>
+            <a:lvl6pPr marL="2514600" indent="-228600" algn="l" defTabSz="457200" rtl="0" eaLnBrk="1" latinLnBrk="0" hangingPunct="1">
+              <a:spcBef>
+                <a:spcPts val="1000"/>
+              </a:spcBef>
+              <a:spcAft>
+                <a:spcPts val="0"/>
+              </a:spcAft>
+              <a:buClr>
+                <a:schemeClr val="accent1"/>
+              </a:buClr>
+              <a:buSzPct val="80000"/>
+              <a:buFont typeface="Wingdings 3" charset="2"/>
+              <a:buChar char=""/>
+              <a:defRPr sz="1200" kern="1200">
+                <a:solidFill>
+                  <a:schemeClr val="tx1">
+                    <a:lumMod val="75000"/>
+                    <a:lumOff val="25000"/>
+                  </a:schemeClr>
+                </a:solidFill>
+                <a:latin typeface="+mn-lt"/>
+                <a:ea typeface="+mn-ea"/>
+                <a:cs typeface="+mn-cs"/>
+              </a:defRPr>
+            </a:lvl6pPr>
+            <a:lvl7pPr marL="2971800" indent="-228600" algn="l" defTabSz="457200" rtl="0" eaLnBrk="1" latinLnBrk="0" hangingPunct="1">
+              <a:spcBef>
+                <a:spcPts val="1000"/>
+              </a:spcBef>
+              <a:spcAft>
+                <a:spcPts val="0"/>
+              </a:spcAft>
+              <a:buClr>
+                <a:schemeClr val="accent1"/>
+              </a:buClr>
+              <a:buSzPct val="80000"/>
+              <a:buFont typeface="Wingdings 3" charset="2"/>
+              <a:buChar char=""/>
+              <a:defRPr sz="1200" kern="1200">
+                <a:solidFill>
+                  <a:schemeClr val="tx1">
+                    <a:lumMod val="75000"/>
+                    <a:lumOff val="25000"/>
+                  </a:schemeClr>
+                </a:solidFill>
+                <a:latin typeface="+mn-lt"/>
+                <a:ea typeface="+mn-ea"/>
+                <a:cs typeface="+mn-cs"/>
+              </a:defRPr>
+            </a:lvl7pPr>
+            <a:lvl8pPr marL="3429000" indent="-228600" algn="l" defTabSz="457200" rtl="0" eaLnBrk="1" latinLnBrk="0" hangingPunct="1">
+              <a:spcBef>
+                <a:spcPts val="1000"/>
+              </a:spcBef>
+              <a:spcAft>
+                <a:spcPts val="0"/>
+              </a:spcAft>
+              <a:buClr>
+                <a:schemeClr val="accent1"/>
+              </a:buClr>
+              <a:buSzPct val="80000"/>
+              <a:buFont typeface="Wingdings 3" charset="2"/>
+              <a:buChar char=""/>
+              <a:defRPr sz="1200" kern="1200">
+                <a:solidFill>
+                  <a:schemeClr val="tx1">
+                    <a:lumMod val="75000"/>
+                    <a:lumOff val="25000"/>
+                  </a:schemeClr>
+                </a:solidFill>
+                <a:latin typeface="+mn-lt"/>
+                <a:ea typeface="+mn-ea"/>
+                <a:cs typeface="+mn-cs"/>
+              </a:defRPr>
+            </a:lvl8pPr>
+            <a:lvl9pPr marL="3886200" indent="-228600" algn="l" defTabSz="457200" rtl="0" eaLnBrk="1" latinLnBrk="0" hangingPunct="1">
+              <a:spcBef>
+                <a:spcPts val="1000"/>
+              </a:spcBef>
+              <a:spcAft>
+                <a:spcPts val="0"/>
+              </a:spcAft>
+              <a:buClr>
+                <a:schemeClr val="accent1"/>
+              </a:buClr>
+              <a:buSzPct val="80000"/>
+              <a:buFont typeface="Wingdings 3" charset="2"/>
+              <a:buChar char=""/>
+              <a:defRPr sz="1200" kern="1200">
+                <a:solidFill>
+                  <a:schemeClr val="tx1">
+                    <a:lumMod val="75000"/>
+                    <a:lumOff val="25000"/>
+                  </a:schemeClr>
+                </a:solidFill>
+                <a:latin typeface="+mn-lt"/>
+                <a:ea typeface="+mn-ea"/>
+                <a:cs typeface="+mn-cs"/>
+              </a:defRPr>
+            </a:lvl9pPr>
+          </a:lstStyle>
+          <a:p>
+            <a:pPr marL="0" indent="0">
+              <a:buFont typeface="Wingdings 3" charset="2"/>
+              <a:buNone/>
+            </a:pPr>
+            <a:endParaRPr lang="en-US" sz="2400" dirty="0" smtClean="0">
+              <a:solidFill>
+                <a:schemeClr val="tx1"/>
+              </a:solidFill>
+              <a:latin typeface="Times New Roman" panose="02020603050405020304" pitchFamily="18" charset="0"/>
+              <a:cs typeface="Times New Roman" panose="02020603050405020304" pitchFamily="18" charset="0"/>
+            </a:endParaRPr>
+          </a:p>
+          <a:p>
+            <a:r>
+              <a:rPr lang="en-US" sz="2400" dirty="0" smtClean="0">
+                <a:solidFill>
+                  <a:schemeClr val="tx1"/>
+                </a:solidFill>
+                <a:latin typeface="Times New Roman" panose="02020603050405020304" pitchFamily="18" charset="0"/>
+                <a:cs typeface="Times New Roman" panose="02020603050405020304" pitchFamily="18" charset="0"/>
+              </a:rPr>
+              <a:t>Capture the intent</a:t>
+            </a:r>
+          </a:p>
+        </p:txBody>
+      </p:sp>
     </p:spTree>
     <p:extLst>
       <p:ext uri="{BB962C8B-B14F-4D97-AF65-F5344CB8AC3E}">
-        <p14:creationId xmlns:p14="http://schemas.microsoft.com/office/powerpoint/2010/main" val="2825854011"/>
+        <p14:creationId xmlns:p14="http://schemas.microsoft.com/office/powerpoint/2010/main" xmlns="" val="3514598448"/>
       </p:ext>
     </p:extLst>
   </p:cSld>
@@ -12616,22 +13819,18 @@
           <a:p>
             <a:pPr algn="ctr"/>
             <a:r>
-              <a:rPr lang="en-US" dirty="0" smtClean="0">
-                <a:latin typeface="Times New Roman" panose="02020603050405020304" pitchFamily="18" charset="0"/>
-                <a:cs typeface="Times New Roman" panose="02020603050405020304" pitchFamily="18" charset="0"/>
-              </a:rPr>
-              <a:t>Load Testing</a:t>
-            </a:r>
-            <a:endParaRPr lang="en-US" dirty="0">
-              <a:latin typeface="Times New Roman" panose="02020603050405020304" pitchFamily="18" charset="0"/>
-              <a:cs typeface="Times New Roman" panose="02020603050405020304" pitchFamily="18" charset="0"/>
-            </a:endParaRPr>
-          </a:p>
-        </p:txBody>
-      </p:sp>
-      <p:sp>
-        <p:nvSpPr>
-          <p:cNvPr id="3" name="Content Placeholder 2"/>
+              <a:rPr lang="en-US" dirty="0">
+                <a:latin typeface="Times New Roman" panose="02020603050405020304" pitchFamily="18" charset="0"/>
+                <a:cs typeface="Times New Roman" panose="02020603050405020304" pitchFamily="18" charset="0"/>
+              </a:rPr>
+              <a:t>Middleware Implementation</a:t>
+            </a:r>
+          </a:p>
+        </p:txBody>
+      </p:sp>
+      <p:sp>
+        <p:nvSpPr>
+          <p:cNvPr id="4" name="Content Placeholder 3"/>
           <p:cNvSpPr>
             <a:spLocks noGrp="1"/>
           </p:cNvSpPr>
@@ -12639,56 +13838,33 @@
             <p:ph idx="1"/>
           </p:nvPr>
         </p:nvSpPr>
-        <p:spPr>
-          <a:xfrm>
-            <a:off x="677334" y="1268170"/>
-            <a:ext cx="8596668" cy="3880773"/>
-          </a:xfrm>
-        </p:spPr>
-        <p:txBody>
-          <a:bodyPr>
-            <a:noAutofit/>
-          </a:bodyPr>
+        <p:spPr/>
+        <p:txBody>
+          <a:bodyPr/>
           <a:lstStyle/>
           <a:p>
-            <a:r>
-              <a:rPr lang="en-US" sz="2400" dirty="0" smtClean="0">
-                <a:latin typeface="Times New Roman" panose="02020603050405020304" pitchFamily="18" charset="0"/>
-                <a:cs typeface="Times New Roman" panose="02020603050405020304" pitchFamily="18" charset="0"/>
-              </a:rPr>
-              <a:t>Specify the host address on which we have to perform load testing</a:t>
-            </a:r>
-            <a:endParaRPr lang="en-US" sz="2400" dirty="0">
-              <a:latin typeface="Times New Roman" panose="02020603050405020304" pitchFamily="18" charset="0"/>
-              <a:cs typeface="Times New Roman" panose="02020603050405020304" pitchFamily="18" charset="0"/>
-            </a:endParaRPr>
-          </a:p>
-          <a:p>
-            <a:endParaRPr lang="en-US" sz="2400" dirty="0" smtClean="0">
-              <a:latin typeface="Times New Roman" panose="02020603050405020304" pitchFamily="18" charset="0"/>
-              <a:cs typeface="Times New Roman" panose="02020603050405020304" pitchFamily="18" charset="0"/>
-            </a:endParaRPr>
+            <a:endParaRPr lang="en-US"/>
           </a:p>
         </p:txBody>
       </p:sp>
       <p:pic>
         <p:nvPicPr>
-          <p:cNvPr id="4" name="Picture 3"/>
+          <p:cNvPr id="5" name="Picture 4"/>
           <p:cNvPicPr>
             <a:picLocks noChangeAspect="1"/>
           </p:cNvPicPr>
           <p:nvPr/>
         </p:nvPicPr>
         <p:blipFill>
-          <a:blip r:embed="rId2"/>
+          <a:blip r:embed="rId2" cstate="print"/>
           <a:stretch>
             <a:fillRect/>
           </a:stretch>
         </p:blipFill>
         <p:spPr>
           <a:xfrm>
-            <a:off x="846365" y="2514584"/>
-            <a:ext cx="8953500" cy="923472"/>
+            <a:off x="991279" y="2498062"/>
+            <a:ext cx="7705725" cy="3543300"/>
           </a:xfrm>
           <a:prstGeom prst="rect">
             <a:avLst/>
@@ -12698,7 +13874,7 @@
     </p:spTree>
     <p:extLst>
       <p:ext uri="{BB962C8B-B14F-4D97-AF65-F5344CB8AC3E}">
-        <p14:creationId xmlns:p14="http://schemas.microsoft.com/office/powerpoint/2010/main" val="986087713"/>
+        <p14:creationId xmlns:p14="http://schemas.microsoft.com/office/powerpoint/2010/main" xmlns="" val="2749088597"/>
       </p:ext>
     </p:extLst>
   </p:cSld>
@@ -12746,7 +13922,7 @@
                 <a:latin typeface="Times New Roman" panose="02020603050405020304" pitchFamily="18" charset="0"/>
                 <a:cs typeface="Times New Roman" panose="02020603050405020304" pitchFamily="18" charset="0"/>
               </a:rPr>
-              <a:t>Attack Specification</a:t>
+              <a:t>Middleware Implementation</a:t>
             </a:r>
             <a:endParaRPr lang="en-US" dirty="0">
               <a:latin typeface="Times New Roman" panose="02020603050405020304" pitchFamily="18" charset="0"/>
@@ -12755,24 +13931,61 @@
           </a:p>
         </p:txBody>
       </p:sp>
+      <p:sp>
+        <p:nvSpPr>
+          <p:cNvPr id="4" name="Content Placeholder 3"/>
+          <p:cNvSpPr>
+            <a:spLocks noGrp="1"/>
+          </p:cNvSpPr>
+          <p:nvPr>
+            <p:ph idx="1"/>
+          </p:nvPr>
+        </p:nvSpPr>
+        <p:spPr/>
+        <p:txBody>
+          <a:bodyPr>
+            <a:normAutofit/>
+          </a:bodyPr>
+          <a:lstStyle/>
+          <a:p>
+            <a:r>
+              <a:rPr lang="en-US" sz="2400" dirty="0" smtClean="0">
+                <a:solidFill>
+                  <a:schemeClr val="tx1"/>
+                </a:solidFill>
+                <a:latin typeface="Times New Roman" panose="02020603050405020304" pitchFamily="18" charset="0"/>
+                <a:cs typeface="Times New Roman" panose="02020603050405020304" pitchFamily="18" charset="0"/>
+              </a:rPr>
+              <a:t>URL is the end-point for the REST API</a:t>
+            </a:r>
+            <a:endParaRPr lang="en-US" sz="2400" dirty="0">
+              <a:solidFill>
+                <a:schemeClr val="tx1"/>
+              </a:solidFill>
+              <a:latin typeface="Times New Roman" panose="02020603050405020304" pitchFamily="18" charset="0"/>
+              <a:cs typeface="Times New Roman" panose="02020603050405020304" pitchFamily="18" charset="0"/>
+            </a:endParaRPr>
+          </a:p>
+        </p:txBody>
+      </p:sp>
       <p:pic>
         <p:nvPicPr>
-          <p:cNvPr id="8" name="Picture 7"/>
+          <p:cNvPr id="3" name="Picture 2"/>
           <p:cNvPicPr>
             <a:picLocks noChangeAspect="1"/>
           </p:cNvPicPr>
           <p:nvPr/>
         </p:nvPicPr>
         <p:blipFill>
-          <a:blip r:embed="rId2"/>
+          <a:blip r:embed="rId2" cstate="print"/>
           <a:stretch>
             <a:fillRect/>
           </a:stretch>
         </p:blipFill>
         <p:spPr>
           <a:xfrm>
-            <a:off x="881745" y="1359765"/>
-            <a:ext cx="9742033" cy="5091380"/>
+            <a:off x="1019175" y="2643868"/>
+            <a:ext cx="7105650" cy="3082018"/>
           </a:xfrm>
           <a:prstGeom prst="rect">
             <a:avLst/>
@@ -12782,7 +13995,7 @@
     </p:spTree>
     <p:extLst>
       <p:ext uri="{BB962C8B-B14F-4D97-AF65-F5344CB8AC3E}">
-        <p14:creationId xmlns:p14="http://schemas.microsoft.com/office/powerpoint/2010/main" val="80402499"/>
+        <p14:creationId xmlns:p14="http://schemas.microsoft.com/office/powerpoint/2010/main" xmlns="" val="3268576879"/>
       </p:ext>
     </p:extLst>
   </p:cSld>
@@ -12826,11 +14039,11 @@
           <a:p>
             <a:pPr algn="ctr"/>
             <a:r>
-              <a:rPr lang="en-US" dirty="0">
-                <a:latin typeface="Times New Roman" panose="02020603050405020304" pitchFamily="18" charset="0"/>
-                <a:cs typeface="Times New Roman" panose="02020603050405020304" pitchFamily="18" charset="0"/>
-              </a:rPr>
-              <a:t>Attack Specification</a:t>
+              <a:rPr lang="en-US" dirty="0" smtClean="0">
+                <a:latin typeface="Times New Roman" panose="02020603050405020304" pitchFamily="18" charset="0"/>
+                <a:cs typeface="Times New Roman" panose="02020603050405020304" pitchFamily="18" charset="0"/>
+              </a:rPr>
+              <a:t>REST API  Using Flask</a:t>
             </a:r>
             <a:endParaRPr lang="en-US" dirty="0">
               <a:latin typeface="Times New Roman" panose="02020603050405020304" pitchFamily="18" charset="0"/>
@@ -12839,24 +14052,77 @@
           </a:p>
         </p:txBody>
       </p:sp>
+      <p:sp>
+        <p:nvSpPr>
+          <p:cNvPr id="3" name="Content Placeholder 2"/>
+          <p:cNvSpPr>
+            <a:spLocks noGrp="1"/>
+          </p:cNvSpPr>
+          <p:nvPr>
+            <p:ph idx="1"/>
+          </p:nvPr>
+        </p:nvSpPr>
+        <p:spPr>
+          <a:xfrm>
+            <a:off x="677334" y="1268170"/>
+            <a:ext cx="8596668" cy="3880773"/>
+          </a:xfrm>
+        </p:spPr>
+        <p:txBody>
+          <a:bodyPr>
+            <a:noAutofit/>
+          </a:bodyPr>
+          <a:lstStyle/>
+          <a:p>
+            <a:r>
+              <a:rPr lang="en-US" sz="2400" dirty="0" smtClean="0">
+                <a:solidFill>
+                  <a:schemeClr val="tx1"/>
+                </a:solidFill>
+                <a:latin typeface="Times New Roman" panose="02020603050405020304" pitchFamily="18" charset="0"/>
+                <a:cs typeface="Times New Roman" panose="02020603050405020304" pitchFamily="18" charset="0"/>
+              </a:rPr>
+              <a:t>Use python flask to convert our code as rest service</a:t>
+            </a:r>
+          </a:p>
+          <a:p>
+            <a:endParaRPr lang="en-US" sz="2400" dirty="0">
+              <a:solidFill>
+                <a:schemeClr val="tx1"/>
+              </a:solidFill>
+              <a:latin typeface="Times New Roman" panose="02020603050405020304" pitchFamily="18" charset="0"/>
+              <a:cs typeface="Times New Roman" panose="02020603050405020304" pitchFamily="18" charset="0"/>
+            </a:endParaRPr>
+          </a:p>
+          <a:p>
+            <a:endParaRPr lang="en-US" sz="2400" dirty="0" smtClean="0">
+              <a:solidFill>
+                <a:schemeClr val="tx1"/>
+              </a:solidFill>
+              <a:latin typeface="Times New Roman" panose="02020603050405020304" pitchFamily="18" charset="0"/>
+              <a:cs typeface="Times New Roman" panose="02020603050405020304" pitchFamily="18" charset="0"/>
+            </a:endParaRPr>
+          </a:p>
+        </p:txBody>
+      </p:sp>
       <p:pic>
         <p:nvPicPr>
-          <p:cNvPr id="3" name="Picture 2"/>
+          <p:cNvPr id="4" name="Picture 3"/>
           <p:cNvPicPr>
             <a:picLocks noChangeAspect="1"/>
           </p:cNvPicPr>
           <p:nvPr/>
         </p:nvPicPr>
         <p:blipFill>
-          <a:blip r:embed="rId2"/>
+          <a:blip r:embed="rId2" cstate="print"/>
           <a:stretch>
             <a:fillRect/>
           </a:stretch>
         </p:blipFill>
         <p:spPr>
           <a:xfrm>
-            <a:off x="3367087" y="1543050"/>
-            <a:ext cx="5457825" cy="3771900"/>
+            <a:off x="2148691" y="1930400"/>
+            <a:ext cx="5458011" cy="4531179"/>
           </a:xfrm>
           <a:prstGeom prst="rect">
             <a:avLst/>
@@ -12866,7 +14132,7 @@
     </p:spTree>
     <p:extLst>
       <p:ext uri="{BB962C8B-B14F-4D97-AF65-F5344CB8AC3E}">
-        <p14:creationId xmlns:p14="http://schemas.microsoft.com/office/powerpoint/2010/main" val="3308620933"/>
+        <p14:creationId xmlns:p14="http://schemas.microsoft.com/office/powerpoint/2010/main" xmlns="" val="4285305900"/>
       </p:ext>
     </p:extLst>
   </p:cSld>
@@ -12914,9 +14180,66 @@
                 <a:latin typeface="Times New Roman" panose="02020603050405020304" pitchFamily="18" charset="0"/>
                 <a:cs typeface="Times New Roman" panose="02020603050405020304" pitchFamily="18" charset="0"/>
               </a:rPr>
-              <a:t>Load Testing Results</a:t>
+              <a:t>REST API  Using Flask</a:t>
             </a:r>
             <a:endParaRPr lang="en-US" dirty="0">
+              <a:latin typeface="Times New Roman" panose="02020603050405020304" pitchFamily="18" charset="0"/>
+              <a:cs typeface="Times New Roman" panose="02020603050405020304" pitchFamily="18" charset="0"/>
+            </a:endParaRPr>
+          </a:p>
+        </p:txBody>
+      </p:sp>
+      <p:sp>
+        <p:nvSpPr>
+          <p:cNvPr id="3" name="Content Placeholder 2"/>
+          <p:cNvSpPr>
+            <a:spLocks noGrp="1"/>
+          </p:cNvSpPr>
+          <p:nvPr>
+            <p:ph idx="1"/>
+          </p:nvPr>
+        </p:nvSpPr>
+        <p:spPr>
+          <a:xfrm>
+            <a:off x="218364" y="1268170"/>
+            <a:ext cx="10058400" cy="3880773"/>
+          </a:xfrm>
+        </p:spPr>
+        <p:txBody>
+          <a:bodyPr>
+            <a:noAutofit/>
+          </a:bodyPr>
+          <a:lstStyle/>
+          <a:p>
+            <a:r>
+              <a:rPr lang="en-US" sz="2400" dirty="0" smtClean="0">
+                <a:solidFill>
+                  <a:schemeClr val="tx1"/>
+                </a:solidFill>
+                <a:latin typeface="Times New Roman" panose="02020603050405020304" pitchFamily="18" charset="0"/>
+                <a:cs typeface="Times New Roman" panose="02020603050405020304" pitchFamily="18" charset="0"/>
+              </a:rPr>
+              <a:t>Output </a:t>
+            </a:r>
+            <a:r>
+              <a:rPr lang="en-US" sz="2400" dirty="0" smtClean="0">
+                <a:solidFill>
+                  <a:schemeClr val="tx1"/>
+                </a:solidFill>
+                <a:latin typeface="Times New Roman" panose="02020603050405020304" pitchFamily="18" charset="0"/>
+                <a:cs typeface="Times New Roman" panose="02020603050405020304" pitchFamily="18" charset="0"/>
+              </a:rPr>
+              <a:t>of the REST service for a particular question</a:t>
+            </a:r>
+          </a:p>
+          <a:p>
+            <a:endParaRPr lang="en-US" sz="2400" dirty="0">
+              <a:latin typeface="Times New Roman" panose="02020603050405020304" pitchFamily="18" charset="0"/>
+              <a:cs typeface="Times New Roman" panose="02020603050405020304" pitchFamily="18" charset="0"/>
+            </a:endParaRPr>
+          </a:p>
+          <a:p>
+            <a:endParaRPr lang="en-US" sz="2400" dirty="0" smtClean="0">
               <a:latin typeface="Times New Roman" panose="02020603050405020304" pitchFamily="18" charset="0"/>
               <a:cs typeface="Times New Roman" panose="02020603050405020304" pitchFamily="18" charset="0"/>
             </a:endParaRPr>
@@ -12932,15 +14255,15 @@
           <p:nvPr/>
         </p:nvPicPr>
         <p:blipFill>
-          <a:blip r:embed="rId2"/>
+          <a:blip r:embed="rId2" cstate="print"/>
           <a:stretch>
             <a:fillRect/>
           </a:stretch>
         </p:blipFill>
         <p:spPr>
           <a:xfrm>
-            <a:off x="375259" y="1930400"/>
-            <a:ext cx="11992953" cy="3262086"/>
+            <a:off x="339877" y="2294164"/>
+            <a:ext cx="9744075" cy="2705100"/>
           </a:xfrm>
           <a:prstGeom prst="rect">
             <a:avLst/>
@@ -12950,7 +14273,7 @@
     </p:spTree>
     <p:extLst>
       <p:ext uri="{BB962C8B-B14F-4D97-AF65-F5344CB8AC3E}">
-        <p14:creationId xmlns:p14="http://schemas.microsoft.com/office/powerpoint/2010/main" val="1781694115"/>
+        <p14:creationId xmlns:p14="http://schemas.microsoft.com/office/powerpoint/2010/main" xmlns="" val="801395955"/>
       </p:ext>
     </p:extLst>
   </p:cSld>
@@ -12998,7 +14321,7 @@
                 <a:latin typeface="Times New Roman" panose="02020603050405020304" pitchFamily="18" charset="0"/>
                 <a:cs typeface="Times New Roman" panose="02020603050405020304" pitchFamily="18" charset="0"/>
               </a:rPr>
-              <a:t>Affects of Load Testing on the Rest API</a:t>
+              <a:t>Load Testing</a:t>
             </a:r>
             <a:endParaRPr lang="en-US" dirty="0">
               <a:latin typeface="Times New Roman" panose="02020603050405020304" pitchFamily="18" charset="0"/>
@@ -13007,24 +14330,77 @@
           </a:p>
         </p:txBody>
       </p:sp>
+      <p:sp>
+        <p:nvSpPr>
+          <p:cNvPr id="3" name="Content Placeholder 2"/>
+          <p:cNvSpPr>
+            <a:spLocks noGrp="1"/>
+          </p:cNvSpPr>
+          <p:nvPr>
+            <p:ph idx="1"/>
+          </p:nvPr>
+        </p:nvSpPr>
+        <p:spPr>
+          <a:xfrm>
+            <a:off x="677334" y="1268170"/>
+            <a:ext cx="8596668" cy="3880773"/>
+          </a:xfrm>
+        </p:spPr>
+        <p:txBody>
+          <a:bodyPr>
+            <a:noAutofit/>
+          </a:bodyPr>
+          <a:lstStyle/>
+          <a:p>
+            <a:r>
+              <a:rPr lang="en-US" sz="2400" dirty="0" smtClean="0">
+                <a:solidFill>
+                  <a:schemeClr val="tx1"/>
+                </a:solidFill>
+                <a:latin typeface="Times New Roman" panose="02020603050405020304" pitchFamily="18" charset="0"/>
+                <a:cs typeface="Times New Roman" panose="02020603050405020304" pitchFamily="18" charset="0"/>
+              </a:rPr>
+              <a:t>Aim is to test the load handling ability and to make it scalable</a:t>
+            </a:r>
+          </a:p>
+          <a:p>
+            <a:endParaRPr lang="en-US" sz="2400" dirty="0">
+              <a:solidFill>
+                <a:schemeClr val="tx1"/>
+              </a:solidFill>
+              <a:latin typeface="Times New Roman" panose="02020603050405020304" pitchFamily="18" charset="0"/>
+              <a:cs typeface="Times New Roman" panose="02020603050405020304" pitchFamily="18" charset="0"/>
+            </a:endParaRPr>
+          </a:p>
+          <a:p>
+            <a:endParaRPr lang="en-US" sz="2400" dirty="0" smtClean="0">
+              <a:solidFill>
+                <a:schemeClr val="tx1"/>
+              </a:solidFill>
+              <a:latin typeface="Times New Roman" panose="02020603050405020304" pitchFamily="18" charset="0"/>
+              <a:cs typeface="Times New Roman" panose="02020603050405020304" pitchFamily="18" charset="0"/>
+            </a:endParaRPr>
+          </a:p>
+        </p:txBody>
+      </p:sp>
       <p:pic>
         <p:nvPicPr>
-          <p:cNvPr id="3" name="Picture 2"/>
+          <p:cNvPr id="5" name="Picture 4"/>
           <p:cNvPicPr>
             <a:picLocks noChangeAspect="1"/>
           </p:cNvPicPr>
           <p:nvPr/>
         </p:nvPicPr>
         <p:blipFill>
-          <a:blip r:embed="rId2"/>
+          <a:blip r:embed="rId2" cstate="print"/>
           <a:stretch>
             <a:fillRect/>
           </a:stretch>
         </p:blipFill>
         <p:spPr>
           <a:xfrm>
-            <a:off x="677334" y="1375795"/>
-            <a:ext cx="9781494" cy="5482205"/>
+            <a:off x="1158648" y="1759404"/>
+            <a:ext cx="7305675" cy="4210050"/>
           </a:xfrm>
           <a:prstGeom prst="rect">
             <a:avLst/>
@@ -13034,7 +14410,7 @@
     </p:spTree>
     <p:extLst>
       <p:ext uri="{BB962C8B-B14F-4D97-AF65-F5344CB8AC3E}">
-        <p14:creationId xmlns:p14="http://schemas.microsoft.com/office/powerpoint/2010/main" val="3576418965"/>
+        <p14:creationId xmlns:p14="http://schemas.microsoft.com/office/powerpoint/2010/main" xmlns="" val="2825854011"/>
       </p:ext>
     </p:extLst>
   </p:cSld>
@@ -13082,7 +14458,7 @@
                 <a:latin typeface="Times New Roman" panose="02020603050405020304" pitchFamily="18" charset="0"/>
                 <a:cs typeface="Times New Roman" panose="02020603050405020304" pitchFamily="18" charset="0"/>
               </a:rPr>
-              <a:t>Demo</a:t>
+              <a:t>Load Testing</a:t>
             </a:r>
             <a:endParaRPr lang="en-US" dirty="0">
               <a:latin typeface="Times New Roman" panose="02020603050405020304" pitchFamily="18" charset="0"/>
@@ -13091,24 +14467,75 @@
           </a:p>
         </p:txBody>
       </p:sp>
+      <p:sp>
+        <p:nvSpPr>
+          <p:cNvPr id="3" name="Content Placeholder 2"/>
+          <p:cNvSpPr>
+            <a:spLocks noGrp="1"/>
+          </p:cNvSpPr>
+          <p:nvPr>
+            <p:ph idx="1"/>
+          </p:nvPr>
+        </p:nvSpPr>
+        <p:spPr>
+          <a:xfrm>
+            <a:off x="677334" y="1268170"/>
+            <a:ext cx="8596668" cy="3880773"/>
+          </a:xfrm>
+        </p:spPr>
+        <p:txBody>
+          <a:bodyPr>
+            <a:noAutofit/>
+          </a:bodyPr>
+          <a:lstStyle/>
+          <a:p>
+            <a:r>
+              <a:rPr lang="en-US" sz="2400" dirty="0" smtClean="0">
+                <a:solidFill>
+                  <a:schemeClr val="tx1"/>
+                </a:solidFill>
+                <a:latin typeface="Times New Roman" panose="02020603050405020304" pitchFamily="18" charset="0"/>
+                <a:cs typeface="Times New Roman" panose="02020603050405020304" pitchFamily="18" charset="0"/>
+              </a:rPr>
+              <a:t>Specify the host address on which we have to perform load testing</a:t>
+            </a:r>
+            <a:endParaRPr lang="en-US" sz="2400" dirty="0">
+              <a:solidFill>
+                <a:schemeClr val="tx1"/>
+              </a:solidFill>
+              <a:latin typeface="Times New Roman" panose="02020603050405020304" pitchFamily="18" charset="0"/>
+              <a:cs typeface="Times New Roman" panose="02020603050405020304" pitchFamily="18" charset="0"/>
+            </a:endParaRPr>
+          </a:p>
+          <a:p>
+            <a:endParaRPr lang="en-US" sz="2400" dirty="0" smtClean="0">
+              <a:solidFill>
+                <a:schemeClr val="tx1"/>
+              </a:solidFill>
+              <a:latin typeface="Times New Roman" panose="02020603050405020304" pitchFamily="18" charset="0"/>
+              <a:cs typeface="Times New Roman" panose="02020603050405020304" pitchFamily="18" charset="0"/>
+            </a:endParaRPr>
+          </a:p>
+        </p:txBody>
+      </p:sp>
       <p:pic>
         <p:nvPicPr>
-          <p:cNvPr id="5" name="Picture 4"/>
+          <p:cNvPr id="4" name="Picture 3"/>
           <p:cNvPicPr>
             <a:picLocks noChangeAspect="1"/>
           </p:cNvPicPr>
           <p:nvPr/>
         </p:nvPicPr>
         <p:blipFill>
-          <a:blip r:embed="rId2"/>
+          <a:blip r:embed="rId2" cstate="print"/>
           <a:stretch>
             <a:fillRect/>
           </a:stretch>
         </p:blipFill>
         <p:spPr>
           <a:xfrm>
-            <a:off x="961345" y="2246539"/>
-            <a:ext cx="4543425" cy="514350"/>
+            <a:off x="846365" y="2514584"/>
+            <a:ext cx="8953500" cy="923472"/>
           </a:xfrm>
           <a:prstGeom prst="rect">
             <a:avLst/>
@@ -13118,7 +14545,7 @@
     </p:spTree>
     <p:extLst>
       <p:ext uri="{BB962C8B-B14F-4D97-AF65-F5344CB8AC3E}">
-        <p14:creationId xmlns:p14="http://schemas.microsoft.com/office/powerpoint/2010/main" val="861869716"/>
+        <p14:creationId xmlns:p14="http://schemas.microsoft.com/office/powerpoint/2010/main" xmlns="" val="986087713"/>
       </p:ext>
     </p:extLst>
   </p:cSld>
@@ -13166,7 +14593,28 @@
                 <a:latin typeface="Times New Roman" panose="02020603050405020304" pitchFamily="18" charset="0"/>
                 <a:cs typeface="Times New Roman" panose="02020603050405020304" pitchFamily="18" charset="0"/>
               </a:rPr>
-              <a:t>Why Recognizing Question Types?</a:t>
+              <a:t>Why </a:t>
+            </a:r>
+            <a:r>
+              <a:rPr lang="en-US" dirty="0" smtClean="0">
+                <a:latin typeface="Times New Roman" panose="02020603050405020304" pitchFamily="18" charset="0"/>
+                <a:cs typeface="Times New Roman" panose="02020603050405020304" pitchFamily="18" charset="0"/>
+              </a:rPr>
+              <a:t>Recognize a </a:t>
+            </a:r>
+            <a:r>
+              <a:rPr lang="en-US" dirty="0" smtClean="0">
+                <a:latin typeface="Times New Roman" panose="02020603050405020304" pitchFamily="18" charset="0"/>
+                <a:cs typeface="Times New Roman" panose="02020603050405020304" pitchFamily="18" charset="0"/>
+              </a:rPr>
+              <a:t>Question </a:t>
+            </a:r>
+            <a:r>
+              <a:rPr lang="en-US" dirty="0" smtClean="0">
+                <a:latin typeface="Times New Roman" panose="02020603050405020304" pitchFamily="18" charset="0"/>
+                <a:cs typeface="Times New Roman" panose="02020603050405020304" pitchFamily="18" charset="0"/>
+              </a:rPr>
+              <a:t>Type?</a:t>
             </a:r>
             <a:endParaRPr lang="en-US" dirty="0">
               <a:latin typeface="Times New Roman" panose="02020603050405020304" pitchFamily="18" charset="0"/>
@@ -13187,8 +14635,8 @@
         </p:nvSpPr>
         <p:spPr>
           <a:xfrm>
-            <a:off x="677334" y="2028387"/>
-            <a:ext cx="8596668" cy="3880773"/>
+            <a:off x="627797" y="1878262"/>
+            <a:ext cx="8646205" cy="4181344"/>
           </a:xfrm>
         </p:spPr>
         <p:txBody>
@@ -13199,6 +14647,9 @@
           <a:p>
             <a:r>
               <a:rPr lang="en-US" sz="2400" dirty="0" smtClean="0">
+                <a:solidFill>
+                  <a:schemeClr val="tx1"/>
+                </a:solidFill>
                 <a:latin typeface="Times New Roman" panose="02020603050405020304" pitchFamily="18" charset="0"/>
                 <a:cs typeface="Times New Roman" panose="02020603050405020304" pitchFamily="18" charset="0"/>
               </a:rPr>
@@ -13206,6 +14657,9 @@
             </a:r>
             <a:r>
               <a:rPr lang="en-US" sz="2400" dirty="0">
+                <a:solidFill>
+                  <a:schemeClr val="tx1"/>
+                </a:solidFill>
                 <a:latin typeface="Times New Roman" panose="02020603050405020304" pitchFamily="18" charset="0"/>
                 <a:cs typeface="Times New Roman" panose="02020603050405020304" pitchFamily="18" charset="0"/>
               </a:rPr>
@@ -13213,6 +14667,9 @@
             </a:r>
             <a:r>
               <a:rPr lang="en-US" sz="2400" dirty="0" smtClean="0">
+                <a:solidFill>
+                  <a:schemeClr val="tx1"/>
+                </a:solidFill>
                 <a:latin typeface="Times New Roman" panose="02020603050405020304" pitchFamily="18" charset="0"/>
                 <a:cs typeface="Times New Roman" panose="02020603050405020304" pitchFamily="18" charset="0"/>
               </a:rPr>
@@ -13221,120 +14678,65 @@
           </a:p>
           <a:p>
             <a:r>
-              <a:rPr lang="en-US" sz="2400" dirty="0">
-                <a:latin typeface="Times New Roman" panose="02020603050405020304" pitchFamily="18" charset="0"/>
-                <a:cs typeface="Times New Roman" panose="02020603050405020304" pitchFamily="18" charset="0"/>
-              </a:rPr>
-              <a:t>For example, the question of </a:t>
-            </a:r>
-            <a:r>
               <a:rPr lang="en-US" sz="2400" dirty="0" smtClean="0">
-                <a:latin typeface="Times New Roman" panose="02020603050405020304" pitchFamily="18" charset="0"/>
-                <a:cs typeface="Times New Roman" panose="02020603050405020304" pitchFamily="18" charset="0"/>
-              </a:rPr>
-              <a:t>“</a:t>
-            </a:r>
-            <a:r>
-              <a:rPr lang="en-US" sz="2400" i="1" dirty="0" smtClean="0">
-                <a:latin typeface="Times New Roman" panose="02020603050405020304" pitchFamily="18" charset="0"/>
-                <a:cs typeface="Times New Roman" panose="02020603050405020304" pitchFamily="18" charset="0"/>
-              </a:rPr>
-              <a:t>Who </a:t>
-            </a:r>
-            <a:r>
-              <a:rPr lang="en-US" sz="2400" i="1" dirty="0">
-                <a:latin typeface="Times New Roman" panose="02020603050405020304" pitchFamily="18" charset="0"/>
-                <a:cs typeface="Times New Roman" panose="02020603050405020304" pitchFamily="18" charset="0"/>
-              </a:rPr>
-              <a:t>discovered </a:t>
-            </a:r>
-            <a:r>
-              <a:rPr lang="en-US" sz="2400" i="1" dirty="0" smtClean="0">
-                <a:latin typeface="Times New Roman" panose="02020603050405020304" pitchFamily="18" charset="0"/>
-                <a:cs typeface="Times New Roman" panose="02020603050405020304" pitchFamily="18" charset="0"/>
-              </a:rPr>
-              <a:t>x-rays” </a:t>
-            </a:r>
-            <a:r>
-              <a:rPr lang="en-US" sz="2400" dirty="0">
-                <a:latin typeface="Times New Roman" panose="02020603050405020304" pitchFamily="18" charset="0"/>
-                <a:cs typeface="Times New Roman" panose="02020603050405020304" pitchFamily="18" charset="0"/>
-              </a:rPr>
-              <a:t>should </a:t>
-            </a:r>
+                <a:solidFill>
+                  <a:schemeClr val="tx1"/>
+                </a:solidFill>
+                <a:latin typeface="Times New Roman" panose="02020603050405020304" pitchFamily="18" charset="0"/>
+                <a:cs typeface="Times New Roman" panose="02020603050405020304" pitchFamily="18" charset="0"/>
+              </a:rPr>
+              <a:t>The questions are classified into broad (coarse) and fine categories</a:t>
+            </a:r>
+            <a:endParaRPr lang="en-US" sz="2400" dirty="0" smtClean="0">
+              <a:solidFill>
+                <a:schemeClr val="tx1"/>
+              </a:solidFill>
+              <a:latin typeface="Times New Roman" panose="02020603050405020304" pitchFamily="18" charset="0"/>
+              <a:cs typeface="Times New Roman" panose="02020603050405020304" pitchFamily="18" charset="0"/>
+            </a:endParaRPr>
+          </a:p>
+          <a:p>
             <a:r>
               <a:rPr lang="en-US" sz="2400" dirty="0" smtClean="0">
-                <a:latin typeface="Times New Roman" panose="02020603050405020304" pitchFamily="18" charset="0"/>
-                <a:cs typeface="Times New Roman" panose="02020603050405020304" pitchFamily="18" charset="0"/>
-              </a:rPr>
-              <a:t>be classified </a:t>
-            </a:r>
-            <a:r>
-              <a:rPr lang="en-US" sz="2400" dirty="0">
-                <a:latin typeface="Times New Roman" panose="02020603050405020304" pitchFamily="18" charset="0"/>
-                <a:cs typeface="Times New Roman" panose="02020603050405020304" pitchFamily="18" charset="0"/>
-              </a:rPr>
-              <a:t>into the type of </a:t>
-            </a:r>
-            <a:r>
-              <a:rPr lang="en-US" sz="2400" b="1" dirty="0">
-                <a:latin typeface="Times New Roman" panose="02020603050405020304" pitchFamily="18" charset="0"/>
-                <a:cs typeface="Times New Roman" panose="02020603050405020304" pitchFamily="18" charset="0"/>
-              </a:rPr>
-              <a:t>human</a:t>
-            </a:r>
-            <a:r>
-              <a:rPr lang="en-US" sz="2400" dirty="0">
-                <a:latin typeface="Times New Roman" panose="02020603050405020304" pitchFamily="18" charset="0"/>
-                <a:cs typeface="Times New Roman" panose="02020603050405020304" pitchFamily="18" charset="0"/>
-              </a:rPr>
-              <a:t> (individual</a:t>
-            </a:r>
+                <a:solidFill>
+                  <a:schemeClr val="tx1"/>
+                </a:solidFill>
+                <a:latin typeface="Times New Roman" panose="02020603050405020304" pitchFamily="18" charset="0"/>
+                <a:cs typeface="Times New Roman" panose="02020603050405020304" pitchFamily="18" charset="0"/>
+              </a:rPr>
+              <a:t>There are 6 broad categories of question types, viz. ABBREV (ABB), ENTITY (ENTY), DESCRIPTION (DESC), HUMAN (HUM), LOCATION (LOC), NUMERIC (NUM)</a:t>
+            </a:r>
+          </a:p>
+          <a:p>
             <a:r>
               <a:rPr lang="en-US" sz="2400" dirty="0" smtClean="0">
-                <a:latin typeface="Times New Roman" panose="02020603050405020304" pitchFamily="18" charset="0"/>
-                <a:cs typeface="Times New Roman" panose="02020603050405020304" pitchFamily="18" charset="0"/>
-              </a:rPr>
-              <a:t>)</a:t>
-            </a:r>
-          </a:p>
-          <a:p>
+                <a:solidFill>
+                  <a:schemeClr val="tx1"/>
+                </a:solidFill>
+                <a:latin typeface="Times New Roman" panose="02020603050405020304" pitchFamily="18" charset="0"/>
+                <a:cs typeface="Times New Roman" panose="02020603050405020304" pitchFamily="18" charset="0"/>
+              </a:rPr>
+              <a:t>There are 50 fine categories of question types, viz. </a:t>
+            </a:r>
+            <a:r>
+              <a:rPr lang="en-US" sz="2400" dirty="0" err="1" smtClean="0">
+                <a:solidFill>
+                  <a:schemeClr val="tx1"/>
+                </a:solidFill>
+                <a:latin typeface="Times New Roman" panose="02020603050405020304" pitchFamily="18" charset="0"/>
+                <a:cs typeface="Times New Roman" panose="02020603050405020304" pitchFamily="18" charset="0"/>
+              </a:rPr>
+              <a:t>abb</a:t>
+            </a:r>
             <a:r>
               <a:rPr lang="en-US" sz="2400" dirty="0" smtClean="0">
-                <a:latin typeface="Times New Roman" panose="02020603050405020304" pitchFamily="18" charset="0"/>
-                <a:cs typeface="Times New Roman" panose="02020603050405020304" pitchFamily="18" charset="0"/>
-              </a:rPr>
-              <a:t>This </a:t>
-            </a:r>
-            <a:r>
-              <a:rPr lang="en-US" sz="2400" dirty="0">
-                <a:latin typeface="Times New Roman" panose="02020603050405020304" pitchFamily="18" charset="0"/>
-                <a:cs typeface="Times New Roman" panose="02020603050405020304" pitchFamily="18" charset="0"/>
-              </a:rPr>
-              <a:t>information would narrow down the search space to identify </a:t>
-            </a:r>
-            <a:r>
-              <a:rPr lang="en-US" sz="2400" dirty="0" smtClean="0">
-                <a:latin typeface="Times New Roman" panose="02020603050405020304" pitchFamily="18" charset="0"/>
-                <a:cs typeface="Times New Roman" panose="02020603050405020304" pitchFamily="18" charset="0"/>
-              </a:rPr>
-              <a:t>the correct answer string</a:t>
-            </a:r>
-          </a:p>
-          <a:p>
-            <a:r>
-              <a:rPr lang="en-US" sz="2400" dirty="0" smtClean="0">
-                <a:latin typeface="Times New Roman" panose="02020603050405020304" pitchFamily="18" charset="0"/>
-                <a:cs typeface="Times New Roman" panose="02020603050405020304" pitchFamily="18" charset="0"/>
-              </a:rPr>
-              <a:t>This </a:t>
-            </a:r>
-            <a:r>
-              <a:rPr lang="en-US" sz="2400" dirty="0">
-                <a:latin typeface="Times New Roman" panose="02020603050405020304" pitchFamily="18" charset="0"/>
-                <a:cs typeface="Times New Roman" panose="02020603050405020304" pitchFamily="18" charset="0"/>
-              </a:rPr>
-              <a:t>information can suggest different strategies to search and verify a candidate answer</a:t>
+                <a:solidFill>
+                  <a:schemeClr val="tx1"/>
+                </a:solidFill>
+                <a:latin typeface="Times New Roman" panose="02020603050405020304" pitchFamily="18" charset="0"/>
+                <a:cs typeface="Times New Roman" panose="02020603050405020304" pitchFamily="18" charset="0"/>
+              </a:rPr>
+              <a:t>, animal, definition, group, city, count etc.</a:t>
             </a:r>
           </a:p>
         </p:txBody>
@@ -13342,13 +14744,20 @@
     </p:spTree>
     <p:extLst>
       <p:ext uri="{BB962C8B-B14F-4D97-AF65-F5344CB8AC3E}">
-        <p14:creationId xmlns:p14="http://schemas.microsoft.com/office/powerpoint/2010/main" val="2825216550"/>
+        <p14:creationId xmlns:p14="http://schemas.microsoft.com/office/powerpoint/2010/main" xmlns="" val="2825216550"/>
       </p:ext>
     </p:extLst>
   </p:cSld>
   <p:clrMapOvr>
     <a:masterClrMapping/>
   </p:clrMapOvr>
+  <p:timing>
+    <p:tnLst>
+      <p:par>
+        <p:cTn id="1" dur="indefinite" restart="never" nodeType="tmRoot"/>
+      </p:par>
+    </p:tnLst>
+  </p:timing>
 </p:sld>
 </file>
 
@@ -13390,7 +14799,7 @@
                 <a:latin typeface="Times New Roman" panose="02020603050405020304" pitchFamily="18" charset="0"/>
                 <a:cs typeface="Times New Roman" panose="02020603050405020304" pitchFamily="18" charset="0"/>
               </a:rPr>
-              <a:t>Demo</a:t>
+              <a:t>Attack Specification</a:t>
             </a:r>
             <a:endParaRPr lang="en-US" dirty="0">
               <a:latin typeface="Times New Roman" panose="02020603050405020304" pitchFamily="18" charset="0"/>
@@ -13401,24 +14810,22 @@
       </p:sp>
       <p:pic>
         <p:nvPicPr>
-          <p:cNvPr id="6" name="Content Placeholder 5"/>
+          <p:cNvPr id="8" name="Picture 7"/>
           <p:cNvPicPr>
-            <a:picLocks noGrp="1" noChangeAspect="1"/>
+            <a:picLocks noChangeAspect="1"/>
           </p:cNvPicPr>
-          <p:nvPr>
-            <p:ph idx="1"/>
-          </p:nvPr>
+          <p:nvPr/>
         </p:nvPicPr>
         <p:blipFill>
-          <a:blip r:embed="rId2"/>
+          <a:blip r:embed="rId2" cstate="print"/>
           <a:stretch>
             <a:fillRect/>
           </a:stretch>
         </p:blipFill>
         <p:spPr>
           <a:xfrm>
-            <a:off x="677334" y="1665514"/>
-            <a:ext cx="9457266" cy="5290457"/>
+            <a:off x="881745" y="1359765"/>
+            <a:ext cx="9742033" cy="5091380"/>
           </a:xfrm>
           <a:prstGeom prst="rect">
             <a:avLst/>
@@ -13428,7 +14835,7 @@
     </p:spTree>
     <p:extLst>
       <p:ext uri="{BB962C8B-B14F-4D97-AF65-F5344CB8AC3E}">
-        <p14:creationId xmlns:p14="http://schemas.microsoft.com/office/powerpoint/2010/main" val="1234562108"/>
+        <p14:creationId xmlns:p14="http://schemas.microsoft.com/office/powerpoint/2010/main" xmlns="" val="80402499"/>
       </p:ext>
     </p:extLst>
   </p:cSld>
@@ -13472,37 +14879,33 @@
           <a:p>
             <a:pPr algn="ctr"/>
             <a:r>
-              <a:rPr lang="en-US" dirty="0" smtClean="0">
-                <a:latin typeface="Times New Roman" panose="02020603050405020304" pitchFamily="18" charset="0"/>
-                <a:cs typeface="Times New Roman" panose="02020603050405020304" pitchFamily="18" charset="0"/>
-              </a:rPr>
-              <a:t>Demo</a:t>
-            </a:r>
-            <a:endParaRPr lang="en-US" dirty="0">
-              <a:latin typeface="Times New Roman" panose="02020603050405020304" pitchFamily="18" charset="0"/>
-              <a:cs typeface="Times New Roman" panose="02020603050405020304" pitchFamily="18" charset="0"/>
-            </a:endParaRPr>
+              <a:rPr lang="en-US" dirty="0">
+                <a:latin typeface="Times New Roman" panose="02020603050405020304" pitchFamily="18" charset="0"/>
+                <a:cs typeface="Times New Roman" panose="02020603050405020304" pitchFamily="18" charset="0"/>
+              </a:rPr>
+              <a:t>Attack Specification</a:t>
+            </a:r>
           </a:p>
         </p:txBody>
       </p:sp>
       <p:pic>
         <p:nvPicPr>
-          <p:cNvPr id="4" name="Picture 3"/>
+          <p:cNvPr id="3" name="Picture 2"/>
           <p:cNvPicPr>
             <a:picLocks noChangeAspect="1"/>
           </p:cNvPicPr>
           <p:nvPr/>
         </p:nvPicPr>
         <p:blipFill>
-          <a:blip r:embed="rId2"/>
+          <a:blip r:embed="rId2" cstate="print"/>
           <a:stretch>
             <a:fillRect/>
           </a:stretch>
         </p:blipFill>
         <p:spPr>
           <a:xfrm>
-            <a:off x="1263477" y="1764165"/>
-            <a:ext cx="8010525" cy="2067606"/>
+            <a:off x="3367087" y="1543050"/>
+            <a:ext cx="5457825" cy="3771900"/>
           </a:xfrm>
           <a:prstGeom prst="rect">
             <a:avLst/>
@@ -13512,7 +14915,7 @@
     </p:spTree>
     <p:extLst>
       <p:ext uri="{BB962C8B-B14F-4D97-AF65-F5344CB8AC3E}">
-        <p14:creationId xmlns:p14="http://schemas.microsoft.com/office/powerpoint/2010/main" val="486726529"/>
+        <p14:creationId xmlns:p14="http://schemas.microsoft.com/office/powerpoint/2010/main" xmlns="" val="3308620933"/>
       </p:ext>
     </p:extLst>
   </p:cSld>
@@ -13549,7 +14952,12 @@
             <p:ph type="title"/>
           </p:nvPr>
         </p:nvSpPr>
-        <p:spPr/>
+        <p:spPr>
+          <a:xfrm>
+            <a:off x="696036" y="609600"/>
+            <a:ext cx="8577966" cy="891654"/>
+          </a:xfrm>
+        </p:spPr>
         <p:txBody>
           <a:bodyPr/>
           <a:lstStyle/>
@@ -13560,7 +14968,7 @@
                 <a:latin typeface="Times New Roman" panose="02020603050405020304" pitchFamily="18" charset="0"/>
                 <a:cs typeface="Times New Roman" panose="02020603050405020304" pitchFamily="18" charset="0"/>
               </a:rPr>
-              <a:t>Demo</a:t>
+              <a:t>Load Testing Results</a:t>
             </a:r>
             <a:endParaRPr lang="en-US" dirty="0">
               <a:latin typeface="Times New Roman" panose="02020603050405020304" pitchFamily="18" charset="0"/>
@@ -13571,56 +14979,87 @@
       </p:sp>
       <p:pic>
         <p:nvPicPr>
-          <p:cNvPr id="6" name="Picture 5"/>
+          <p:cNvPr id="5" name="Picture 4"/>
           <p:cNvPicPr>
             <a:picLocks noChangeAspect="1"/>
           </p:cNvPicPr>
           <p:nvPr/>
         </p:nvPicPr>
         <p:blipFill>
-          <a:blip r:embed="rId2"/>
+          <a:blip r:embed="rId2" cstate="print"/>
+          <a:srcRect b="25715"/>
           <a:stretch>
             <a:fillRect/>
           </a:stretch>
         </p:blipFill>
         <p:spPr>
           <a:xfrm>
-            <a:off x="1299482" y="3708626"/>
-            <a:ext cx="7677150" cy="1451203"/>
+            <a:off x="498089" y="3049517"/>
+            <a:ext cx="11279929" cy="2423235"/>
           </a:xfrm>
           <a:prstGeom prst="rect">
             <a:avLst/>
           </a:prstGeom>
         </p:spPr>
       </p:pic>
-      <p:pic>
-        <p:nvPicPr>
-          <p:cNvPr id="7" name="Picture 6"/>
-          <p:cNvPicPr>
-            <a:picLocks noChangeAspect="1"/>
-          </p:cNvPicPr>
-          <p:nvPr/>
-        </p:nvPicPr>
-        <p:blipFill>
-          <a:blip r:embed="rId3"/>
-          <a:stretch>
-            <a:fillRect/>
-          </a:stretch>
-        </p:blipFill>
+      <p:sp>
+        <p:nvSpPr>
+          <p:cNvPr id="7" name="Content Placeholder 2"/>
+          <p:cNvSpPr>
+            <a:spLocks noGrp="1"/>
+          </p:cNvSpPr>
+          <p:nvPr>
+            <p:ph idx="1"/>
+          </p:nvPr>
+        </p:nvSpPr>
         <p:spPr>
           <a:xfrm>
-            <a:off x="1299482" y="1755321"/>
-            <a:ext cx="3990975" cy="800100"/>
+            <a:off x="327545" y="1588892"/>
+            <a:ext cx="11614245" cy="5269108"/>
           </a:xfrm>
-          <a:prstGeom prst="rect">
-            <a:avLst/>
-          </a:prstGeom>
         </p:spPr>
-      </p:pic>
+        <p:txBody>
+          <a:bodyPr>
+            <a:noAutofit/>
+          </a:bodyPr>
+          <a:lstStyle/>
+          <a:p>
+            <a:r>
+              <a:rPr lang="en-US" sz="2400" dirty="0" smtClean="0">
+                <a:solidFill>
+                  <a:schemeClr val="tx1"/>
+                </a:solidFill>
+                <a:latin typeface="Times New Roman" panose="02020603050405020304" pitchFamily="18" charset="0"/>
+                <a:cs typeface="Times New Roman" panose="02020603050405020304" pitchFamily="18" charset="0"/>
+              </a:rPr>
+              <a:t>Load testing results for 100 users</a:t>
+            </a:r>
+            <a:endParaRPr lang="en-US" sz="2400" dirty="0">
+              <a:solidFill>
+                <a:schemeClr val="tx1"/>
+              </a:solidFill>
+              <a:latin typeface="Times New Roman" panose="02020603050405020304" pitchFamily="18" charset="0"/>
+              <a:cs typeface="Times New Roman" panose="02020603050405020304" pitchFamily="18" charset="0"/>
+            </a:endParaRPr>
+          </a:p>
+          <a:p>
+            <a:r>
+              <a:rPr lang="en-US" sz="2400" dirty="0" smtClean="0">
+                <a:solidFill>
+                  <a:schemeClr val="tx1"/>
+                </a:solidFill>
+                <a:latin typeface="Times New Roman" panose="02020603050405020304" pitchFamily="18" charset="0"/>
+                <a:cs typeface="Times New Roman" panose="02020603050405020304" pitchFamily="18" charset="0"/>
+              </a:rPr>
+              <a:t>As observed, the application died after 26 simultaneous requests</a:t>
+            </a:r>
+          </a:p>
+        </p:txBody>
+      </p:sp>
     </p:spTree>
     <p:extLst>
       <p:ext uri="{BB962C8B-B14F-4D97-AF65-F5344CB8AC3E}">
-        <p14:creationId xmlns:p14="http://schemas.microsoft.com/office/powerpoint/2010/main" val="3133683836"/>
+        <p14:creationId xmlns:p14="http://schemas.microsoft.com/office/powerpoint/2010/main" xmlns="" val="1781694115"/>
       </p:ext>
     </p:extLst>
   </p:cSld>
@@ -13668,7 +15107,7 @@
                 <a:latin typeface="Times New Roman" panose="02020603050405020304" pitchFamily="18" charset="0"/>
                 <a:cs typeface="Times New Roman" panose="02020603050405020304" pitchFamily="18" charset="0"/>
               </a:rPr>
-              <a:t>Evaluation</a:t>
+              <a:t>Demo</a:t>
             </a:r>
             <a:endParaRPr lang="en-US" dirty="0">
               <a:latin typeface="Times New Roman" panose="02020603050405020304" pitchFamily="18" charset="0"/>
@@ -13677,179 +15116,34 @@
           </a:p>
         </p:txBody>
       </p:sp>
-      <p:sp>
-        <p:nvSpPr>
-          <p:cNvPr id="3" name="Content Placeholder 2"/>
-          <p:cNvSpPr>
-            <a:spLocks noGrp="1"/>
-          </p:cNvSpPr>
-          <p:nvPr>
-            <p:ph idx="1"/>
-          </p:nvPr>
-        </p:nvSpPr>
+      <p:pic>
+        <p:nvPicPr>
+          <p:cNvPr id="5" name="Picture 4"/>
+          <p:cNvPicPr>
+            <a:picLocks noChangeAspect="1"/>
+          </p:cNvPicPr>
+          <p:nvPr/>
+        </p:nvPicPr>
+        <p:blipFill>
+          <a:blip r:embed="rId2" cstate="print"/>
+          <a:stretch>
+            <a:fillRect/>
+          </a:stretch>
+        </p:blipFill>
         <p:spPr>
           <a:xfrm>
-            <a:off x="677334" y="1930400"/>
-            <a:ext cx="8596668" cy="3880773"/>
+            <a:off x="961345" y="2246539"/>
+            <a:ext cx="6677717" cy="755968"/>
           </a:xfrm>
+          <a:prstGeom prst="rect">
+            <a:avLst/>
+          </a:prstGeom>
         </p:spPr>
-        <p:txBody>
-          <a:bodyPr>
-            <a:noAutofit/>
-          </a:bodyPr>
-          <a:lstStyle/>
-          <a:p>
-            <a:r>
-              <a:rPr lang="en-US" sz="2400" dirty="0" smtClean="0">
-                <a:latin typeface="Times New Roman" panose="02020603050405020304" pitchFamily="18" charset="0"/>
-                <a:cs typeface="Times New Roman" panose="02020603050405020304" pitchFamily="18" charset="0"/>
-              </a:rPr>
-              <a:t>Comparing the results with the results obtained by the </a:t>
-            </a:r>
-            <a:r>
-              <a:rPr lang="en-US" sz="2400" dirty="0">
-                <a:latin typeface="Times New Roman" panose="02020603050405020304" pitchFamily="18" charset="0"/>
-                <a:cs typeface="Times New Roman" panose="02020603050405020304" pitchFamily="18" charset="0"/>
-              </a:rPr>
-              <a:t>Text Retrieval </a:t>
-            </a:r>
-            <a:r>
-              <a:rPr lang="en-US" sz="2400" dirty="0" smtClean="0">
-                <a:latin typeface="Times New Roman" panose="02020603050405020304" pitchFamily="18" charset="0"/>
-                <a:cs typeface="Times New Roman" panose="02020603050405020304" pitchFamily="18" charset="0"/>
-              </a:rPr>
-              <a:t>Conference (TREC) QA model (</a:t>
-            </a:r>
-            <a:r>
-              <a:rPr lang="en-US" sz="2400" dirty="0" smtClean="0">
-                <a:latin typeface="Times New Roman" panose="02020603050405020304" pitchFamily="18" charset="0"/>
-                <a:cs typeface="Times New Roman" panose="02020603050405020304" pitchFamily="18" charset="0"/>
-                <a:hlinkClick r:id="rId2"/>
-              </a:rPr>
-              <a:t>http</a:t>
-            </a:r>
-            <a:r>
-              <a:rPr lang="en-US" sz="2400" dirty="0">
-                <a:latin typeface="Times New Roman" panose="02020603050405020304" pitchFamily="18" charset="0"/>
-                <a:cs typeface="Times New Roman" panose="02020603050405020304" pitchFamily="18" charset="0"/>
-                <a:hlinkClick r:id="rId2"/>
-              </a:rPr>
-              <a:t>://trec.nist.gov</a:t>
-            </a:r>
-            <a:r>
-              <a:rPr lang="en-US" sz="2400" dirty="0" smtClean="0">
-                <a:latin typeface="Times New Roman" panose="02020603050405020304" pitchFamily="18" charset="0"/>
-                <a:cs typeface="Times New Roman" panose="02020603050405020304" pitchFamily="18" charset="0"/>
-                <a:hlinkClick r:id="rId2"/>
-              </a:rPr>
-              <a:t>/</a:t>
-            </a:r>
-            <a:r>
-              <a:rPr lang="en-US" sz="2400" dirty="0" smtClean="0">
-                <a:latin typeface="Times New Roman" panose="02020603050405020304" pitchFamily="18" charset="0"/>
-                <a:cs typeface="Times New Roman" panose="02020603050405020304" pitchFamily="18" charset="0"/>
-              </a:rPr>
-              <a:t>)</a:t>
-            </a:r>
-          </a:p>
-          <a:p>
-            <a:endParaRPr lang="en-US" sz="2400" dirty="0" smtClean="0">
-              <a:latin typeface="Times New Roman" panose="02020603050405020304" pitchFamily="18" charset="0"/>
-              <a:cs typeface="Times New Roman" panose="02020603050405020304" pitchFamily="18" charset="0"/>
-            </a:endParaRPr>
-          </a:p>
-          <a:p>
-            <a:r>
-              <a:rPr lang="en-US" sz="2400" dirty="0" smtClean="0">
-                <a:latin typeface="Times New Roman" panose="02020603050405020304" pitchFamily="18" charset="0"/>
-                <a:cs typeface="Times New Roman" panose="02020603050405020304" pitchFamily="18" charset="0"/>
-              </a:rPr>
-              <a:t>The </a:t>
-            </a:r>
-            <a:r>
-              <a:rPr lang="en-US" sz="2400" dirty="0">
-                <a:latin typeface="Times New Roman" panose="02020603050405020304" pitchFamily="18" charset="0"/>
-                <a:cs typeface="Times New Roman" panose="02020603050405020304" pitchFamily="18" charset="0"/>
-              </a:rPr>
-              <a:t>focus of the </a:t>
-            </a:r>
-            <a:r>
-              <a:rPr lang="en-US" sz="2400" dirty="0" smtClean="0">
-                <a:latin typeface="Times New Roman" panose="02020603050405020304" pitchFamily="18" charset="0"/>
-                <a:cs typeface="Times New Roman" panose="02020603050405020304" pitchFamily="18" charset="0"/>
-              </a:rPr>
-              <a:t>TREC QA </a:t>
-            </a:r>
-            <a:r>
-              <a:rPr lang="en-US" sz="2400" dirty="0">
-                <a:latin typeface="Times New Roman" panose="02020603050405020304" pitchFamily="18" charset="0"/>
-                <a:cs typeface="Times New Roman" panose="02020603050405020304" pitchFamily="18" charset="0"/>
-              </a:rPr>
-              <a:t>track is to build a fully automatic open-domain </a:t>
-            </a:r>
-            <a:r>
-              <a:rPr lang="en-US" sz="2400" dirty="0" smtClean="0">
-                <a:latin typeface="Times New Roman" panose="02020603050405020304" pitchFamily="18" charset="0"/>
-                <a:cs typeface="Times New Roman" panose="02020603050405020304" pitchFamily="18" charset="0"/>
-              </a:rPr>
-              <a:t>question answering system</a:t>
-            </a:r>
-            <a:r>
-              <a:rPr lang="en-US" sz="2400" dirty="0">
-                <a:latin typeface="Times New Roman" panose="02020603050405020304" pitchFamily="18" charset="0"/>
-                <a:cs typeface="Times New Roman" panose="02020603050405020304" pitchFamily="18" charset="0"/>
-              </a:rPr>
-              <a:t>, which can answer factual questions based </a:t>
-            </a:r>
-            <a:r>
-              <a:rPr lang="en-US" sz="2400" dirty="0" smtClean="0">
-                <a:latin typeface="Times New Roman" panose="02020603050405020304" pitchFamily="18" charset="0"/>
-                <a:cs typeface="Times New Roman" panose="02020603050405020304" pitchFamily="18" charset="0"/>
-              </a:rPr>
-              <a:t>on very </a:t>
-            </a:r>
-            <a:r>
-              <a:rPr lang="en-US" sz="2400" dirty="0">
-                <a:latin typeface="Times New Roman" panose="02020603050405020304" pitchFamily="18" charset="0"/>
-                <a:cs typeface="Times New Roman" panose="02020603050405020304" pitchFamily="18" charset="0"/>
-              </a:rPr>
-              <a:t>large document </a:t>
-            </a:r>
-            <a:r>
-              <a:rPr lang="en-US" sz="2400" dirty="0" smtClean="0">
-                <a:latin typeface="Times New Roman" panose="02020603050405020304" pitchFamily="18" charset="0"/>
-                <a:cs typeface="Times New Roman" panose="02020603050405020304" pitchFamily="18" charset="0"/>
-              </a:rPr>
-              <a:t>sets</a:t>
-            </a:r>
-          </a:p>
-          <a:p>
-            <a:pPr lvl="1"/>
-            <a:endParaRPr lang="en-US" sz="2400" dirty="0" smtClean="0">
-              <a:latin typeface="Times New Roman" panose="02020603050405020304" pitchFamily="18" charset="0"/>
-              <a:cs typeface="Times New Roman" panose="02020603050405020304" pitchFamily="18" charset="0"/>
-            </a:endParaRPr>
-          </a:p>
-          <a:p>
-            <a:pPr lvl="1"/>
-            <a:endParaRPr lang="en-US" sz="2400" dirty="0">
-              <a:latin typeface="Times New Roman" panose="02020603050405020304" pitchFamily="18" charset="0"/>
-              <a:cs typeface="Times New Roman" panose="02020603050405020304" pitchFamily="18" charset="0"/>
-            </a:endParaRPr>
-          </a:p>
-          <a:p>
-            <a:pPr lvl="1"/>
-            <a:endParaRPr lang="en-US" sz="2400" dirty="0" smtClean="0">
-              <a:latin typeface="Times New Roman" panose="02020603050405020304" pitchFamily="18" charset="0"/>
-              <a:cs typeface="Times New Roman" panose="02020603050405020304" pitchFamily="18" charset="0"/>
-            </a:endParaRPr>
-          </a:p>
-        </p:txBody>
-      </p:sp>
+      </p:pic>
     </p:spTree>
     <p:extLst>
       <p:ext uri="{BB962C8B-B14F-4D97-AF65-F5344CB8AC3E}">
-        <p14:creationId xmlns:p14="http://schemas.microsoft.com/office/powerpoint/2010/main" val="1897188464"/>
+        <p14:creationId xmlns:p14="http://schemas.microsoft.com/office/powerpoint/2010/main" xmlns="" val="861869716"/>
       </p:ext>
     </p:extLst>
   </p:cSld>
@@ -13878,91 +15172,62 @@
       </p:grpSpPr>
       <p:sp>
         <p:nvSpPr>
-          <p:cNvPr id="3" name="Content Placeholder 2"/>
+          <p:cNvPr id="2" name="Title 1"/>
           <p:cNvSpPr>
             <a:spLocks noGrp="1"/>
           </p:cNvSpPr>
           <p:nvPr>
-            <p:ph idx="1"/>
-          </p:nvPr>
-        </p:nvSpPr>
-        <p:spPr>
-          <a:xfrm>
-            <a:off x="666317" y="1587712"/>
-            <a:ext cx="8596668" cy="3880773"/>
-          </a:xfrm>
-        </p:spPr>
+            <p:ph type="title"/>
+          </p:nvPr>
+        </p:nvSpPr>
+        <p:spPr/>
         <p:txBody>
           <a:bodyPr/>
           <a:lstStyle/>
           <a:p>
-            <a:r>
-              <a:rPr lang="en-US" sz="2400" dirty="0" smtClean="0">
-                <a:latin typeface="Times New Roman" panose="02020603050405020304" pitchFamily="18" charset="0"/>
-                <a:cs typeface="Times New Roman" panose="02020603050405020304" pitchFamily="18" charset="0"/>
-              </a:rPr>
-              <a:t>Compare results with previous </a:t>
-            </a:r>
-            <a:r>
-              <a:rPr lang="en-US" sz="2400" dirty="0">
-                <a:latin typeface="Times New Roman" panose="02020603050405020304" pitchFamily="18" charset="0"/>
-                <a:cs typeface="Times New Roman" panose="02020603050405020304" pitchFamily="18" charset="0"/>
-              </a:rPr>
-              <a:t>research papers based upon,</a:t>
-            </a:r>
-          </a:p>
-          <a:p>
-            <a:pPr lvl="1"/>
-            <a:r>
-              <a:rPr lang="en-US" sz="2400" dirty="0">
-                <a:latin typeface="Times New Roman" panose="02020603050405020304" pitchFamily="18" charset="0"/>
-                <a:cs typeface="Times New Roman" panose="02020603050405020304" pitchFamily="18" charset="0"/>
-              </a:rPr>
-              <a:t>Accuracy</a:t>
-            </a:r>
-          </a:p>
-          <a:p>
-            <a:pPr lvl="1"/>
-            <a:r>
-              <a:rPr lang="en-US" sz="2400" dirty="0">
-                <a:latin typeface="Times New Roman" panose="02020603050405020304" pitchFamily="18" charset="0"/>
-                <a:cs typeface="Times New Roman" panose="02020603050405020304" pitchFamily="18" charset="0"/>
-              </a:rPr>
-              <a:t>Precision</a:t>
-            </a:r>
-          </a:p>
-          <a:p>
-            <a:pPr lvl="1"/>
-            <a:r>
-              <a:rPr lang="en-US" sz="2400" dirty="0" smtClean="0">
-                <a:latin typeface="Times New Roman" panose="02020603050405020304" pitchFamily="18" charset="0"/>
-                <a:cs typeface="Times New Roman" panose="02020603050405020304" pitchFamily="18" charset="0"/>
-              </a:rPr>
-              <a:t>Recall</a:t>
-            </a:r>
-            <a:endParaRPr lang="en-US" sz="2400" dirty="0">
+            <a:pPr algn="ctr"/>
+            <a:r>
+              <a:rPr lang="en-US" dirty="0" smtClean="0">
+                <a:latin typeface="Times New Roman" panose="02020603050405020304" pitchFamily="18" charset="0"/>
+                <a:cs typeface="Times New Roman" panose="02020603050405020304" pitchFamily="18" charset="0"/>
+              </a:rPr>
+              <a:t>Demo</a:t>
+            </a:r>
+            <a:endParaRPr lang="en-US" dirty="0">
               <a:latin typeface="Times New Roman" panose="02020603050405020304" pitchFamily="18" charset="0"/>
               <a:cs typeface="Times New Roman" panose="02020603050405020304" pitchFamily="18" charset="0"/>
             </a:endParaRPr>
           </a:p>
-          <a:p>
-            <a:r>
-              <a:rPr lang="en-US" sz="2400" dirty="0">
-                <a:latin typeface="Times New Roman" panose="02020603050405020304" pitchFamily="18" charset="0"/>
-                <a:cs typeface="Times New Roman" panose="02020603050405020304" pitchFamily="18" charset="0"/>
-              </a:rPr>
-              <a:t>Check the results with other algorithms used and identify the best performing algorithm among them</a:t>
-            </a:r>
-          </a:p>
-          <a:p>
-            <a:endParaRPr lang="en-US" dirty="0"/>
-          </a:p>
-        </p:txBody>
-      </p:sp>
+        </p:txBody>
+      </p:sp>
+      <p:pic>
+        <p:nvPicPr>
+          <p:cNvPr id="4" name="Picture 3"/>
+          <p:cNvPicPr>
+            <a:picLocks noChangeAspect="1"/>
+          </p:cNvPicPr>
+          <p:nvPr/>
+        </p:nvPicPr>
+        <p:blipFill>
+          <a:blip r:embed="rId2" cstate="print"/>
+          <a:stretch>
+            <a:fillRect/>
+          </a:stretch>
+        </p:blipFill>
+        <p:spPr>
+          <a:xfrm>
+            <a:off x="1263477" y="1764165"/>
+            <a:ext cx="8010525" cy="2067606"/>
+          </a:xfrm>
+          <a:prstGeom prst="rect">
+            <a:avLst/>
+          </a:prstGeom>
+        </p:spPr>
+      </p:pic>
     </p:spTree>
     <p:extLst>
       <p:ext uri="{BB962C8B-B14F-4D97-AF65-F5344CB8AC3E}">
-        <p14:creationId xmlns:p14="http://schemas.microsoft.com/office/powerpoint/2010/main" val="3365601525"/>
+        <p14:creationId xmlns:p14="http://schemas.microsoft.com/office/powerpoint/2010/main" xmlns="" val="486726529"/>
       </p:ext>
     </p:extLst>
   </p:cSld>
@@ -14010,7 +15275,7 @@
                 <a:latin typeface="Times New Roman" panose="02020603050405020304" pitchFamily="18" charset="0"/>
                 <a:cs typeface="Times New Roman" panose="02020603050405020304" pitchFamily="18" charset="0"/>
               </a:rPr>
-              <a:t>Future Work</a:t>
+              <a:t>Demo</a:t>
             </a:r>
             <a:endParaRPr lang="en-US" dirty="0">
               <a:latin typeface="Times New Roman" panose="02020603050405020304" pitchFamily="18" charset="0"/>
@@ -14019,6 +15284,84 @@
           </a:p>
         </p:txBody>
       </p:sp>
+      <p:pic>
+        <p:nvPicPr>
+          <p:cNvPr id="6" name="Picture 5"/>
+          <p:cNvPicPr>
+            <a:picLocks noChangeAspect="1"/>
+          </p:cNvPicPr>
+          <p:nvPr/>
+        </p:nvPicPr>
+        <p:blipFill>
+          <a:blip r:embed="rId2" cstate="print"/>
+          <a:stretch>
+            <a:fillRect/>
+          </a:stretch>
+        </p:blipFill>
+        <p:spPr>
+          <a:xfrm>
+            <a:off x="576151" y="3681331"/>
+            <a:ext cx="9260374" cy="1750478"/>
+          </a:xfrm>
+          <a:prstGeom prst="rect">
+            <a:avLst/>
+          </a:prstGeom>
+        </p:spPr>
+      </p:pic>
+      <p:pic>
+        <p:nvPicPr>
+          <p:cNvPr id="7" name="Picture 6"/>
+          <p:cNvPicPr>
+            <a:picLocks noChangeAspect="1"/>
+          </p:cNvPicPr>
+          <p:nvPr/>
+        </p:nvPicPr>
+        <p:blipFill>
+          <a:blip r:embed="rId3" cstate="print"/>
+          <a:stretch>
+            <a:fillRect/>
+          </a:stretch>
+        </p:blipFill>
+        <p:spPr>
+          <a:xfrm>
+            <a:off x="1299482" y="1755320"/>
+            <a:ext cx="5472245" cy="1097061"/>
+          </a:xfrm>
+          <a:prstGeom prst="rect">
+            <a:avLst/>
+          </a:prstGeom>
+        </p:spPr>
+      </p:pic>
+    </p:spTree>
+    <p:extLst>
+      <p:ext uri="{BB962C8B-B14F-4D97-AF65-F5344CB8AC3E}">
+        <p14:creationId xmlns:p14="http://schemas.microsoft.com/office/powerpoint/2010/main" xmlns="" val="3133683836"/>
+      </p:ext>
+    </p:extLst>
+  </p:cSld>
+  <p:clrMapOvr>
+    <a:masterClrMapping/>
+  </p:clrMapOvr>
+</p:sld>
+</file>
+
+<file path=ppt/slides/slide46.xml><?xml version="1.0" encoding="utf-8"?>
+<p:sld xmlns:a="http://schemas.openxmlformats.org/drawingml/2006/main" xmlns:r="http://schemas.openxmlformats.org/officeDocument/2006/relationships" xmlns:p="http://schemas.openxmlformats.org/presentationml/2006/main">
+  <p:cSld>
+    <p:spTree>
+      <p:nvGrpSpPr>
+        <p:cNvPr id="1" name=""/>
+        <p:cNvGrpSpPr/>
+        <p:nvPr/>
+      </p:nvGrpSpPr>
+      <p:grpSpPr>
+        <a:xfrm>
+          <a:off x="0" y="0"/>
+          <a:ext cx="0" cy="0"/>
+          <a:chOff x="0" y="0"/>
+          <a:chExt cx="0" cy="0"/>
+        </a:xfrm>
+      </p:grpSpPr>
       <p:sp>
         <p:nvSpPr>
           <p:cNvPr id="3" name="Content Placeholder 2"/>
@@ -14029,7 +15372,343 @@
             <p:ph idx="1"/>
           </p:nvPr>
         </p:nvSpPr>
+        <p:spPr>
+          <a:xfrm>
+            <a:off x="532263" y="1367374"/>
+            <a:ext cx="8741739" cy="5688519"/>
+          </a:xfrm>
+        </p:spPr>
+        <p:txBody>
+          <a:bodyPr/>
+          <a:lstStyle/>
+          <a:p>
+            <a:r>
+              <a:rPr lang="en-US" dirty="0" smtClean="0">
+                <a:solidFill>
+                  <a:schemeClr val="tx1"/>
+                </a:solidFill>
+                <a:latin typeface="Times New Roman" panose="02020603050405020304" pitchFamily="18" charset="0"/>
+                <a:cs typeface="Times New Roman" panose="02020603050405020304" pitchFamily="18" charset="0"/>
+              </a:rPr>
+              <a:t>Predicting using a question from the FAQ set</a:t>
+            </a:r>
+            <a:endParaRPr lang="en-US" dirty="0">
+              <a:solidFill>
+                <a:schemeClr val="tx1"/>
+              </a:solidFill>
+              <a:latin typeface="Times New Roman" panose="02020603050405020304" pitchFamily="18" charset="0"/>
+              <a:cs typeface="Times New Roman" panose="02020603050405020304" pitchFamily="18" charset="0"/>
+            </a:endParaRPr>
+          </a:p>
+          <a:p>
+            <a:endParaRPr lang="en-US" dirty="0">
+              <a:solidFill>
+                <a:schemeClr val="tx1"/>
+              </a:solidFill>
+              <a:latin typeface="Times New Roman" panose="02020603050405020304" pitchFamily="18" charset="0"/>
+              <a:cs typeface="Times New Roman" panose="02020603050405020304" pitchFamily="18" charset="0"/>
+            </a:endParaRPr>
+          </a:p>
+        </p:txBody>
+      </p:sp>
+      <p:pic>
+        <p:nvPicPr>
+          <p:cNvPr id="2051" name="Picture 3"/>
+          <p:cNvPicPr>
+            <a:picLocks noChangeAspect="1" noChangeArrowheads="1"/>
+          </p:cNvPicPr>
+          <p:nvPr/>
+        </p:nvPicPr>
+        <p:blipFill>
+          <a:blip r:embed="rId2" cstate="print"/>
+          <a:srcRect b="24890"/>
+          <a:stretch>
+            <a:fillRect/>
+          </a:stretch>
+        </p:blipFill>
+        <p:spPr bwMode="auto">
+          <a:xfrm>
+            <a:off x="1071421" y="2348481"/>
+            <a:ext cx="7210425" cy="2387292"/>
+          </a:xfrm>
+          <a:prstGeom prst="rect">
+            <a:avLst/>
+          </a:prstGeom>
+          <a:noFill/>
+          <a:ln w="9525">
+            <a:noFill/>
+            <a:miter lim="800000"/>
+            <a:headEnd/>
+            <a:tailEnd/>
+          </a:ln>
+        </p:spPr>
+      </p:pic>
+    </p:spTree>
+    <p:extLst>
+      <p:ext uri="{BB962C8B-B14F-4D97-AF65-F5344CB8AC3E}">
+        <p14:creationId xmlns:p14="http://schemas.microsoft.com/office/powerpoint/2010/main" xmlns="" val="3507593555"/>
+      </p:ext>
+    </p:extLst>
+  </p:cSld>
+  <p:clrMapOvr>
+    <a:masterClrMapping/>
+  </p:clrMapOvr>
+</p:sld>
+</file>
+
+<file path=ppt/slides/slide47.xml><?xml version="1.0" encoding="utf-8"?>
+<p:sld xmlns:a="http://schemas.openxmlformats.org/drawingml/2006/main" xmlns:r="http://schemas.openxmlformats.org/officeDocument/2006/relationships" xmlns:p="http://schemas.openxmlformats.org/presentationml/2006/main">
+  <p:cSld>
+    <p:spTree>
+      <p:nvGrpSpPr>
+        <p:cNvPr id="1" name=""/>
+        <p:cNvGrpSpPr/>
+        <p:nvPr/>
+      </p:nvGrpSpPr>
+      <p:grpSpPr>
+        <a:xfrm>
+          <a:off x="0" y="0"/>
+          <a:ext cx="0" cy="0"/>
+          <a:chOff x="0" y="0"/>
+          <a:chExt cx="0" cy="0"/>
+        </a:xfrm>
+      </p:grpSpPr>
+      <p:sp>
+        <p:nvSpPr>
+          <p:cNvPr id="2" name="Title 1"/>
+          <p:cNvSpPr>
+            <a:spLocks noGrp="1"/>
+          </p:cNvSpPr>
+          <p:nvPr>
+            <p:ph type="title"/>
+          </p:nvPr>
+        </p:nvSpPr>
         <p:spPr/>
+        <p:txBody>
+          <a:bodyPr/>
+          <a:lstStyle/>
+          <a:p>
+            <a:pPr algn="ctr"/>
+            <a:r>
+              <a:rPr lang="en-US" dirty="0" smtClean="0">
+                <a:latin typeface="Times New Roman" panose="02020603050405020304" pitchFamily="18" charset="0"/>
+                <a:cs typeface="Times New Roman" panose="02020603050405020304" pitchFamily="18" charset="0"/>
+              </a:rPr>
+              <a:t>Evaluation</a:t>
+            </a:r>
+            <a:endParaRPr lang="en-US" dirty="0">
+              <a:latin typeface="Times New Roman" panose="02020603050405020304" pitchFamily="18" charset="0"/>
+              <a:cs typeface="Times New Roman" panose="02020603050405020304" pitchFamily="18" charset="0"/>
+            </a:endParaRPr>
+          </a:p>
+        </p:txBody>
+      </p:sp>
+      <p:sp>
+        <p:nvSpPr>
+          <p:cNvPr id="3" name="Content Placeholder 2"/>
+          <p:cNvSpPr>
+            <a:spLocks noGrp="1"/>
+          </p:cNvSpPr>
+          <p:nvPr>
+            <p:ph idx="1"/>
+          </p:nvPr>
+        </p:nvSpPr>
+        <p:spPr>
+          <a:xfrm>
+            <a:off x="532263" y="1367374"/>
+            <a:ext cx="8741739" cy="5688519"/>
+          </a:xfrm>
+        </p:spPr>
+        <p:txBody>
+          <a:bodyPr/>
+          <a:lstStyle/>
+          <a:p>
+            <a:r>
+              <a:rPr lang="en-US" dirty="0" smtClean="0">
+                <a:solidFill>
+                  <a:schemeClr val="tx1"/>
+                </a:solidFill>
+                <a:latin typeface="Times New Roman" panose="02020603050405020304" pitchFamily="18" charset="0"/>
+                <a:cs typeface="Times New Roman" panose="02020603050405020304" pitchFamily="18" charset="0"/>
+              </a:rPr>
+              <a:t>Average </a:t>
+            </a:r>
+            <a:r>
+              <a:rPr lang="en-US" dirty="0" smtClean="0">
+                <a:solidFill>
+                  <a:schemeClr val="tx1"/>
+                </a:solidFill>
+                <a:latin typeface="Times New Roman" panose="02020603050405020304" pitchFamily="18" charset="0"/>
+                <a:cs typeface="Times New Roman" panose="02020603050405020304" pitchFamily="18" charset="0"/>
+              </a:rPr>
+              <a:t>score: 93%</a:t>
+            </a:r>
+            <a:endParaRPr lang="en-US" dirty="0">
+              <a:solidFill>
+                <a:schemeClr val="tx1"/>
+              </a:solidFill>
+              <a:latin typeface="Times New Roman" panose="02020603050405020304" pitchFamily="18" charset="0"/>
+              <a:cs typeface="Times New Roman" panose="02020603050405020304" pitchFamily="18" charset="0"/>
+            </a:endParaRPr>
+          </a:p>
+          <a:p>
+            <a:endParaRPr lang="en-US" dirty="0">
+              <a:solidFill>
+                <a:schemeClr val="tx1"/>
+              </a:solidFill>
+              <a:latin typeface="Times New Roman" panose="02020603050405020304" pitchFamily="18" charset="0"/>
+              <a:cs typeface="Times New Roman" panose="02020603050405020304" pitchFamily="18" charset="0"/>
+            </a:endParaRPr>
+          </a:p>
+        </p:txBody>
+      </p:sp>
+      <p:pic>
+        <p:nvPicPr>
+          <p:cNvPr id="6" name="Picture 5"/>
+          <p:cNvPicPr/>
+          <p:nvPr/>
+        </p:nvPicPr>
+        <p:blipFill>
+          <a:blip r:embed="rId2" cstate="print"/>
+          <a:srcRect l="25842" b="4341"/>
+          <a:stretch>
+            <a:fillRect/>
+          </a:stretch>
+        </p:blipFill>
+        <p:spPr>
+          <a:xfrm>
+            <a:off x="1132764" y="1733267"/>
+            <a:ext cx="7686979" cy="5124734"/>
+          </a:xfrm>
+          <a:prstGeom prst="rect">
+            <a:avLst/>
+          </a:prstGeom>
+        </p:spPr>
+      </p:pic>
+      <p:sp>
+        <p:nvSpPr>
+          <p:cNvPr id="5" name="Rectangle 4"/>
+          <p:cNvSpPr/>
+          <p:nvPr/>
+        </p:nvSpPr>
+        <p:spPr>
+          <a:xfrm>
+            <a:off x="1214651" y="5868537"/>
+            <a:ext cx="1610436" cy="232012"/>
+          </a:xfrm>
+          <a:prstGeom prst="rect">
+            <a:avLst/>
+          </a:prstGeom>
+          <a:noFill/>
+          <a:ln>
+            <a:solidFill>
+              <a:srgbClr val="FF0000"/>
+            </a:solidFill>
+          </a:ln>
+        </p:spPr>
+        <p:style>
+          <a:lnRef idx="2">
+            <a:schemeClr val="accent1">
+              <a:shade val="50000"/>
+            </a:schemeClr>
+          </a:lnRef>
+          <a:fillRef idx="1">
+            <a:schemeClr val="accent1"/>
+          </a:fillRef>
+          <a:effectRef idx="0">
+            <a:schemeClr val="accent1"/>
+          </a:effectRef>
+          <a:fontRef idx="minor">
+            <a:schemeClr val="lt1"/>
+          </a:fontRef>
+        </p:style>
+        <p:txBody>
+          <a:bodyPr rtlCol="0" anchor="ctr"/>
+          <a:lstStyle/>
+          <a:p>
+            <a:pPr algn="ctr"/>
+            <a:endParaRPr lang="en-US" dirty="0">
+              <a:noFill/>
+            </a:endParaRPr>
+          </a:p>
+        </p:txBody>
+      </p:sp>
+    </p:spTree>
+    <p:extLst>
+      <p:ext uri="{BB962C8B-B14F-4D97-AF65-F5344CB8AC3E}">
+        <p14:creationId xmlns:p14="http://schemas.microsoft.com/office/powerpoint/2010/main" xmlns="" val="3507593555"/>
+      </p:ext>
+    </p:extLst>
+  </p:cSld>
+  <p:clrMapOvr>
+    <a:masterClrMapping/>
+  </p:clrMapOvr>
+</p:sld>
+</file>
+
+<file path=ppt/slides/slide48.xml><?xml version="1.0" encoding="utf-8"?>
+<p:sld xmlns:a="http://schemas.openxmlformats.org/drawingml/2006/main" xmlns:r="http://schemas.openxmlformats.org/officeDocument/2006/relationships" xmlns:p="http://schemas.openxmlformats.org/presentationml/2006/main">
+  <p:cSld>
+    <p:spTree>
+      <p:nvGrpSpPr>
+        <p:cNvPr id="1" name=""/>
+        <p:cNvGrpSpPr/>
+        <p:nvPr/>
+      </p:nvGrpSpPr>
+      <p:grpSpPr>
+        <a:xfrm>
+          <a:off x="0" y="0"/>
+          <a:ext cx="0" cy="0"/>
+          <a:chOff x="0" y="0"/>
+          <a:chExt cx="0" cy="0"/>
+        </a:xfrm>
+      </p:grpSpPr>
+      <p:sp>
+        <p:nvSpPr>
+          <p:cNvPr id="2" name="Title 1"/>
+          <p:cNvSpPr>
+            <a:spLocks noGrp="1"/>
+          </p:cNvSpPr>
+          <p:nvPr>
+            <p:ph type="title"/>
+          </p:nvPr>
+        </p:nvSpPr>
+        <p:spPr/>
+        <p:txBody>
+          <a:bodyPr/>
+          <a:lstStyle/>
+          <a:p>
+            <a:pPr algn="ctr"/>
+            <a:r>
+              <a:rPr lang="en-US" dirty="0" smtClean="0">
+                <a:latin typeface="Times New Roman" panose="02020603050405020304" pitchFamily="18" charset="0"/>
+                <a:cs typeface="Times New Roman" panose="02020603050405020304" pitchFamily="18" charset="0"/>
+              </a:rPr>
+              <a:t>Future Work</a:t>
+            </a:r>
+            <a:endParaRPr lang="en-US" dirty="0">
+              <a:latin typeface="Times New Roman" panose="02020603050405020304" pitchFamily="18" charset="0"/>
+              <a:cs typeface="Times New Roman" panose="02020603050405020304" pitchFamily="18" charset="0"/>
+            </a:endParaRPr>
+          </a:p>
+        </p:txBody>
+      </p:sp>
+      <p:sp>
+        <p:nvSpPr>
+          <p:cNvPr id="3" name="Content Placeholder 2"/>
+          <p:cNvSpPr>
+            <a:spLocks noGrp="1"/>
+          </p:cNvSpPr>
+          <p:nvPr>
+            <p:ph idx="1"/>
+          </p:nvPr>
+        </p:nvSpPr>
+        <p:spPr>
+          <a:xfrm>
+            <a:off x="677334" y="1942225"/>
+            <a:ext cx="8596668" cy="3880773"/>
+          </a:xfrm>
+        </p:spPr>
         <p:txBody>
           <a:bodyPr>
             <a:normAutofit/>
@@ -14038,6 +15717,9 @@
           <a:p>
             <a:r>
               <a:rPr lang="en-US" sz="2400" dirty="0" smtClean="0">
+                <a:solidFill>
+                  <a:schemeClr val="tx1"/>
+                </a:solidFill>
                 <a:latin typeface="Times New Roman" panose="02020603050405020304" pitchFamily="18" charset="0"/>
                 <a:cs typeface="Times New Roman" panose="02020603050405020304" pitchFamily="18" charset="0"/>
               </a:rPr>
@@ -14046,6 +15728,9 @@
           </a:p>
           <a:p>
             <a:endParaRPr lang="en-US" sz="2400" dirty="0">
+              <a:solidFill>
+                <a:schemeClr val="tx1"/>
+              </a:solidFill>
               <a:latin typeface="Times New Roman" panose="02020603050405020304" pitchFamily="18" charset="0"/>
               <a:cs typeface="Times New Roman" panose="02020603050405020304" pitchFamily="18" charset="0"/>
             </a:endParaRPr>
@@ -14053,14 +15738,40 @@
           <a:p>
             <a:r>
               <a:rPr lang="en-US" sz="2400" dirty="0" smtClean="0">
-                <a:latin typeface="Times New Roman" panose="02020603050405020304" pitchFamily="18" charset="0"/>
-                <a:cs typeface="Times New Roman" panose="02020603050405020304" pitchFamily="18" charset="0"/>
-              </a:rPr>
-              <a:t>Use some big data tools for scaling the model to very large inputs</a:t>
+                <a:solidFill>
+                  <a:schemeClr val="tx1"/>
+                </a:solidFill>
+                <a:latin typeface="Times New Roman" panose="02020603050405020304" pitchFamily="18" charset="0"/>
+                <a:cs typeface="Times New Roman" panose="02020603050405020304" pitchFamily="18" charset="0"/>
+              </a:rPr>
+              <a:t>Use some big data </a:t>
+            </a:r>
+            <a:r>
+              <a:rPr lang="en-US" sz="2400" dirty="0" smtClean="0">
+                <a:solidFill>
+                  <a:schemeClr val="tx1"/>
+                </a:solidFill>
+                <a:latin typeface="Times New Roman" panose="02020603050405020304" pitchFamily="18" charset="0"/>
+                <a:cs typeface="Times New Roman" panose="02020603050405020304" pitchFamily="18" charset="0"/>
+              </a:rPr>
+              <a:t>tools, such as Apache SPARK </a:t>
+            </a:r>
+            <a:r>
+              <a:rPr lang="en-US" sz="2400" dirty="0" smtClean="0">
+                <a:solidFill>
+                  <a:schemeClr val="tx1"/>
+                </a:solidFill>
+                <a:latin typeface="Times New Roman" panose="02020603050405020304" pitchFamily="18" charset="0"/>
+                <a:cs typeface="Times New Roman" panose="02020603050405020304" pitchFamily="18" charset="0"/>
+              </a:rPr>
+              <a:t>for scaling the model to very large inputs</a:t>
             </a:r>
           </a:p>
           <a:p>
             <a:endParaRPr lang="en-US" sz="2400" dirty="0" smtClean="0">
+              <a:solidFill>
+                <a:schemeClr val="tx1"/>
+              </a:solidFill>
               <a:latin typeface="Times New Roman" panose="02020603050405020304" pitchFamily="18" charset="0"/>
               <a:cs typeface="Times New Roman" panose="02020603050405020304" pitchFamily="18" charset="0"/>
             </a:endParaRPr>
@@ -14068,12 +15779,18 @@
           <a:p>
             <a:r>
               <a:rPr lang="en-US" sz="2400" dirty="0" smtClean="0">
+                <a:solidFill>
+                  <a:schemeClr val="tx1"/>
+                </a:solidFill>
                 <a:latin typeface="Times New Roman" panose="02020603050405020304" pitchFamily="18" charset="0"/>
                 <a:cs typeface="Times New Roman" panose="02020603050405020304" pitchFamily="18" charset="0"/>
               </a:rPr>
               <a:t>Improve the load balancing capability</a:t>
             </a:r>
             <a:endParaRPr lang="en-US" sz="2400" dirty="0">
+              <a:solidFill>
+                <a:schemeClr val="tx1"/>
+              </a:solidFill>
               <a:latin typeface="Times New Roman" panose="02020603050405020304" pitchFamily="18" charset="0"/>
               <a:cs typeface="Times New Roman" panose="02020603050405020304" pitchFamily="18" charset="0"/>
             </a:endParaRPr>
@@ -14083,7 +15800,7 @@
     </p:spTree>
     <p:extLst>
       <p:ext uri="{BB962C8B-B14F-4D97-AF65-F5344CB8AC3E}">
-        <p14:creationId xmlns:p14="http://schemas.microsoft.com/office/powerpoint/2010/main" val="799102772"/>
+        <p14:creationId xmlns:p14="http://schemas.microsoft.com/office/powerpoint/2010/main" xmlns="" val="799102772"/>
       </p:ext>
     </p:extLst>
   </p:cSld>
@@ -14127,12 +15844,37 @@
           <a:p>
             <a:pPr algn="ctr"/>
             <a:r>
-              <a:rPr lang="en-US" dirty="0">
-                <a:latin typeface="Times New Roman" panose="02020603050405020304" pitchFamily="18" charset="0"/>
-                <a:cs typeface="Times New Roman" panose="02020603050405020304" pitchFamily="18" charset="0"/>
-              </a:rPr>
-              <a:t>Related Work</a:t>
-            </a:r>
+              <a:rPr lang="en-US" dirty="0" smtClean="0">
+                <a:latin typeface="Times New Roman" panose="02020603050405020304" pitchFamily="18" charset="0"/>
+                <a:cs typeface="Times New Roman" panose="02020603050405020304" pitchFamily="18" charset="0"/>
+              </a:rPr>
+              <a:t>Why </a:t>
+            </a:r>
+            <a:r>
+              <a:rPr lang="en-US" dirty="0" smtClean="0">
+                <a:latin typeface="Times New Roman" panose="02020603050405020304" pitchFamily="18" charset="0"/>
+                <a:cs typeface="Times New Roman" panose="02020603050405020304" pitchFamily="18" charset="0"/>
+              </a:rPr>
+              <a:t>Recognize a </a:t>
+            </a:r>
+            <a:r>
+              <a:rPr lang="en-US" dirty="0" smtClean="0">
+                <a:latin typeface="Times New Roman" panose="02020603050405020304" pitchFamily="18" charset="0"/>
+                <a:cs typeface="Times New Roman" panose="02020603050405020304" pitchFamily="18" charset="0"/>
+              </a:rPr>
+              <a:t>Question </a:t>
+            </a:r>
+            <a:r>
+              <a:rPr lang="en-US" dirty="0" smtClean="0">
+                <a:latin typeface="Times New Roman" panose="02020603050405020304" pitchFamily="18" charset="0"/>
+                <a:cs typeface="Times New Roman" panose="02020603050405020304" pitchFamily="18" charset="0"/>
+              </a:rPr>
+              <a:t>Type?</a:t>
+            </a:r>
+            <a:endParaRPr lang="en-US" dirty="0">
+              <a:latin typeface="Times New Roman" panose="02020603050405020304" pitchFamily="18" charset="0"/>
+              <a:cs typeface="Times New Roman" panose="02020603050405020304" pitchFamily="18" charset="0"/>
+            </a:endParaRPr>
           </a:p>
         </p:txBody>
       </p:sp>
@@ -14148,8 +15890,8 @@
         </p:nvSpPr>
         <p:spPr>
           <a:xfrm>
-            <a:off x="677334" y="2061437"/>
-            <a:ext cx="8596668" cy="3880773"/>
+            <a:off x="655093" y="1782727"/>
+            <a:ext cx="8618909" cy="4618073"/>
           </a:xfrm>
         </p:spPr>
         <p:txBody>
@@ -14158,76 +15900,268 @@
           </a:bodyPr>
           <a:lstStyle/>
           <a:p>
-            <a:pPr marL="457200" lvl="1" indent="0">
-              <a:buNone/>
-            </a:pPr>
+            <a:r>
+              <a:rPr lang="en-US" sz="2400" dirty="0" smtClean="0">
+                <a:solidFill>
+                  <a:schemeClr val="tx1"/>
+                </a:solidFill>
+                <a:latin typeface="Times New Roman" panose="02020603050405020304" pitchFamily="18" charset="0"/>
+                <a:cs typeface="Times New Roman" panose="02020603050405020304" pitchFamily="18" charset="0"/>
+              </a:rPr>
+              <a:t>The classification is of the type</a:t>
+            </a:r>
             <a:r>
               <a:rPr lang="en-US" sz="2400" b="1" dirty="0" smtClean="0">
-                <a:latin typeface="Times New Roman" panose="02020603050405020304" pitchFamily="18" charset="0"/>
-                <a:cs typeface="Times New Roman" panose="02020603050405020304" pitchFamily="18" charset="0"/>
-              </a:rPr>
-              <a:t>Rule based approach</a:t>
-            </a:r>
-            <a:endParaRPr lang="en-US" sz="2400" b="1" dirty="0">
+                <a:solidFill>
+                  <a:schemeClr val="tx1"/>
+                </a:solidFill>
+                <a:latin typeface="Times New Roman" panose="02020603050405020304" pitchFamily="18" charset="0"/>
+                <a:cs typeface="Times New Roman" panose="02020603050405020304" pitchFamily="18" charset="0"/>
+              </a:rPr>
+              <a:t>, BROAD_CATEGORY: </a:t>
+            </a:r>
+            <a:r>
+              <a:rPr lang="en-US" sz="2400" b="1" dirty="0" err="1" smtClean="0">
+                <a:solidFill>
+                  <a:schemeClr val="tx1"/>
+                </a:solidFill>
+                <a:latin typeface="Times New Roman" panose="02020603050405020304" pitchFamily="18" charset="0"/>
+                <a:cs typeface="Times New Roman" panose="02020603050405020304" pitchFamily="18" charset="0"/>
+              </a:rPr>
+              <a:t>fine_category</a:t>
+            </a:r>
+            <a:endParaRPr lang="en-US" sz="2400" b="1" dirty="0" smtClean="0">
+              <a:solidFill>
+                <a:schemeClr val="tx1"/>
+              </a:solidFill>
               <a:latin typeface="Times New Roman" panose="02020603050405020304" pitchFamily="18" charset="0"/>
               <a:cs typeface="Times New Roman" panose="02020603050405020304" pitchFamily="18" charset="0"/>
             </a:endParaRPr>
           </a:p>
           <a:p>
-            <a:pPr lvl="2"/>
-            <a:r>
-              <a:rPr lang="en-US" sz="2400" dirty="0">
-                <a:latin typeface="Times New Roman" panose="02020603050405020304" pitchFamily="18" charset="0"/>
-                <a:cs typeface="Times New Roman" panose="02020603050405020304" pitchFamily="18" charset="0"/>
-              </a:rPr>
-              <a:t>It uses various types of interrogative words and word combinations with different kind of features extracted by </a:t>
-            </a:r>
             <a:r>
               <a:rPr lang="en-US" sz="2400" dirty="0" smtClean="0">
-                <a:latin typeface="Times New Roman" panose="02020603050405020304" pitchFamily="18" charset="0"/>
-                <a:cs typeface="Times New Roman" panose="02020603050405020304" pitchFamily="18" charset="0"/>
-              </a:rPr>
-              <a:t>experts</a:t>
-            </a:r>
-          </a:p>
-          <a:p>
-            <a:pPr lvl="2"/>
-            <a:r>
-              <a:rPr lang="en-US" sz="2400" dirty="0">
-                <a:latin typeface="Times New Roman" panose="02020603050405020304" pitchFamily="18" charset="0"/>
-                <a:cs typeface="Times New Roman" panose="02020603050405020304" pitchFamily="18" charset="0"/>
-              </a:rPr>
-              <a:t>E</a:t>
+                <a:solidFill>
+                  <a:schemeClr val="tx1"/>
+                </a:solidFill>
+                <a:latin typeface="Times New Roman" panose="02020603050405020304" pitchFamily="18" charset="0"/>
+                <a:cs typeface="Times New Roman" panose="02020603050405020304" pitchFamily="18" charset="0"/>
+              </a:rPr>
+              <a:t>For </a:t>
             </a:r>
             <a:r>
               <a:rPr lang="en-US" sz="2400" dirty="0" smtClean="0">
-                <a:latin typeface="Times New Roman" panose="02020603050405020304" pitchFamily="18" charset="0"/>
-                <a:cs typeface="Times New Roman" panose="02020603050405020304" pitchFamily="18" charset="0"/>
-              </a:rPr>
-              <a:t>xample, classical </a:t>
-            </a:r>
-            <a:r>
-              <a:rPr lang="en-US" sz="2400" dirty="0">
-                <a:latin typeface="Times New Roman" panose="02020603050405020304" pitchFamily="18" charset="0"/>
-                <a:cs typeface="Times New Roman" panose="02020603050405020304" pitchFamily="18" charset="0"/>
-              </a:rPr>
-              <a:t>logic rules, fuzzy rules, threshold rules and prototype based rule. </a:t>
+                <a:solidFill>
+                  <a:schemeClr val="tx1"/>
+                </a:solidFill>
+                <a:latin typeface="Times New Roman" panose="02020603050405020304" pitchFamily="18" charset="0"/>
+                <a:cs typeface="Times New Roman" panose="02020603050405020304" pitchFamily="18" charset="0"/>
+              </a:rPr>
+              <a:t>example</a:t>
+            </a:r>
+            <a:r>
+              <a:rPr lang="en-US" sz="2400" dirty="0" smtClean="0">
+                <a:solidFill>
+                  <a:schemeClr val="tx1"/>
+                </a:solidFill>
+                <a:latin typeface="Times New Roman" panose="02020603050405020304" pitchFamily="18" charset="0"/>
+                <a:cs typeface="Times New Roman" panose="02020603050405020304" pitchFamily="18" charset="0"/>
+              </a:rPr>
+              <a:t>,</a:t>
+            </a:r>
+          </a:p>
+          <a:p>
+            <a:pPr lvl="1"/>
+            <a:r>
+              <a:rPr lang="en-US" sz="2200" dirty="0" smtClean="0">
+                <a:solidFill>
+                  <a:schemeClr val="tx1"/>
+                </a:solidFill>
+                <a:latin typeface="Times New Roman" panose="02020603050405020304" pitchFamily="18" charset="0"/>
+                <a:cs typeface="Times New Roman" panose="02020603050405020304" pitchFamily="18" charset="0"/>
+              </a:rPr>
+              <a:t>The </a:t>
+            </a:r>
+            <a:r>
+              <a:rPr lang="en-US" sz="2200" dirty="0" smtClean="0">
+                <a:solidFill>
+                  <a:schemeClr val="tx1"/>
+                </a:solidFill>
+                <a:latin typeface="Times New Roman" panose="02020603050405020304" pitchFamily="18" charset="0"/>
+                <a:cs typeface="Times New Roman" panose="02020603050405020304" pitchFamily="18" charset="0"/>
+              </a:rPr>
+              <a:t>question of “</a:t>
+            </a:r>
+            <a:r>
+              <a:rPr lang="en-US" sz="2200" i="1" dirty="0" smtClean="0">
+                <a:solidFill>
+                  <a:schemeClr val="tx1"/>
+                </a:solidFill>
+                <a:latin typeface="Times New Roman" panose="02020603050405020304" pitchFamily="18" charset="0"/>
+                <a:cs typeface="Times New Roman" panose="02020603050405020304" pitchFamily="18" charset="0"/>
+              </a:rPr>
+              <a:t>Who discovered </a:t>
+            </a:r>
+            <a:r>
+              <a:rPr lang="en-US" sz="2200" i="1" dirty="0" smtClean="0">
+                <a:solidFill>
+                  <a:schemeClr val="tx1"/>
+                </a:solidFill>
+                <a:latin typeface="Times New Roman" panose="02020603050405020304" pitchFamily="18" charset="0"/>
+                <a:cs typeface="Times New Roman" panose="02020603050405020304" pitchFamily="18" charset="0"/>
+              </a:rPr>
+              <a:t>x-rays ?” </a:t>
+            </a:r>
+            <a:r>
+              <a:rPr lang="en-US" sz="2200" dirty="0" smtClean="0">
+                <a:solidFill>
+                  <a:schemeClr val="tx1"/>
+                </a:solidFill>
+                <a:latin typeface="Times New Roman" panose="02020603050405020304" pitchFamily="18" charset="0"/>
+                <a:cs typeface="Times New Roman" panose="02020603050405020304" pitchFamily="18" charset="0"/>
+              </a:rPr>
+              <a:t>will be </a:t>
+            </a:r>
+            <a:r>
+              <a:rPr lang="en-US" sz="2200" dirty="0" smtClean="0">
+                <a:solidFill>
+                  <a:schemeClr val="tx1"/>
+                </a:solidFill>
+                <a:latin typeface="Times New Roman" panose="02020603050405020304" pitchFamily="18" charset="0"/>
+                <a:cs typeface="Times New Roman" panose="02020603050405020304" pitchFamily="18" charset="0"/>
+              </a:rPr>
+              <a:t>classified into the type of </a:t>
+            </a:r>
+            <a:r>
+              <a:rPr lang="en-US" sz="2200" b="1" dirty="0" smtClean="0">
+                <a:solidFill>
+                  <a:schemeClr val="tx1"/>
+                </a:solidFill>
+                <a:latin typeface="Times New Roman" panose="02020603050405020304" pitchFamily="18" charset="0"/>
+                <a:cs typeface="Times New Roman" panose="02020603050405020304" pitchFamily="18" charset="0"/>
+              </a:rPr>
+              <a:t>HUMAN</a:t>
+            </a:r>
+            <a:r>
+              <a:rPr lang="en-US" sz="2200" dirty="0" smtClean="0">
+                <a:solidFill>
+                  <a:schemeClr val="tx1"/>
+                </a:solidFill>
+                <a:latin typeface="Times New Roman" panose="02020603050405020304" pitchFamily="18" charset="0"/>
+                <a:cs typeface="Times New Roman" panose="02020603050405020304" pitchFamily="18" charset="0"/>
+              </a:rPr>
+              <a:t>: </a:t>
+            </a:r>
+            <a:r>
+              <a:rPr lang="en-US" sz="2200" b="1" dirty="0" smtClean="0">
+                <a:solidFill>
+                  <a:schemeClr val="tx1"/>
+                </a:solidFill>
+                <a:latin typeface="Times New Roman" panose="02020603050405020304" pitchFamily="18" charset="0"/>
+                <a:cs typeface="Times New Roman" panose="02020603050405020304" pitchFamily="18" charset="0"/>
+              </a:rPr>
+              <a:t>individual</a:t>
+            </a:r>
+          </a:p>
+          <a:p>
+            <a:pPr lvl="1"/>
+            <a:r>
+              <a:rPr lang="en-US" sz="2200" dirty="0" smtClean="0">
+                <a:solidFill>
+                  <a:schemeClr val="tx1"/>
+                </a:solidFill>
+                <a:latin typeface="Times New Roman" panose="02020603050405020304" pitchFamily="18" charset="0"/>
+                <a:cs typeface="Times New Roman" panose="02020603050405020304" pitchFamily="18" charset="0"/>
+              </a:rPr>
+              <a:t>The question of “ </a:t>
+            </a:r>
+            <a:r>
+              <a:rPr lang="en-US" sz="2200" i="1" dirty="0" smtClean="0">
+                <a:solidFill>
+                  <a:schemeClr val="tx1"/>
+                </a:solidFill>
+                <a:latin typeface="Times New Roman" panose="02020603050405020304" pitchFamily="18" charset="0"/>
+                <a:cs typeface="Times New Roman" panose="02020603050405020304" pitchFamily="18" charset="0"/>
+              </a:rPr>
+              <a:t>What is the currency of the USA?</a:t>
+            </a:r>
+            <a:r>
+              <a:rPr lang="en-US" sz="2200" dirty="0" smtClean="0">
+                <a:solidFill>
+                  <a:schemeClr val="tx1"/>
+                </a:solidFill>
+                <a:latin typeface="Times New Roman" panose="02020603050405020304" pitchFamily="18" charset="0"/>
+                <a:cs typeface="Times New Roman" panose="02020603050405020304" pitchFamily="18" charset="0"/>
+              </a:rPr>
+              <a:t>” will be </a:t>
+            </a:r>
+            <a:r>
+              <a:rPr lang="en-US" sz="2200" dirty="0" smtClean="0">
+                <a:solidFill>
+                  <a:schemeClr val="tx1"/>
+                </a:solidFill>
+                <a:latin typeface="Times New Roman" panose="02020603050405020304" pitchFamily="18" charset="0"/>
+                <a:cs typeface="Times New Roman" panose="02020603050405020304" pitchFamily="18" charset="0"/>
+              </a:rPr>
+              <a:t>classified into the type of </a:t>
+            </a:r>
+            <a:r>
+              <a:rPr lang="en-US" sz="2200" b="1" dirty="0" smtClean="0">
+                <a:solidFill>
+                  <a:schemeClr val="tx1"/>
+                </a:solidFill>
+                <a:latin typeface="Times New Roman" panose="02020603050405020304" pitchFamily="18" charset="0"/>
+                <a:cs typeface="Times New Roman" panose="02020603050405020304" pitchFamily="18" charset="0"/>
+              </a:rPr>
+              <a:t>ENTY: currency</a:t>
+            </a:r>
+          </a:p>
+          <a:p>
+            <a:r>
+              <a:rPr lang="en-US" sz="2400" dirty="0" smtClean="0">
+                <a:solidFill>
+                  <a:schemeClr val="tx1"/>
+                </a:solidFill>
+                <a:latin typeface="Times New Roman" panose="02020603050405020304" pitchFamily="18" charset="0"/>
+                <a:cs typeface="Times New Roman" panose="02020603050405020304" pitchFamily="18" charset="0"/>
+              </a:rPr>
+              <a:t>This </a:t>
+            </a:r>
+            <a:r>
+              <a:rPr lang="en-US" sz="2400" dirty="0" smtClean="0">
+                <a:solidFill>
+                  <a:schemeClr val="tx1"/>
+                </a:solidFill>
+                <a:latin typeface="Times New Roman" panose="02020603050405020304" pitchFamily="18" charset="0"/>
+                <a:cs typeface="Times New Roman" panose="02020603050405020304" pitchFamily="18" charset="0"/>
+              </a:rPr>
+              <a:t>information would narrow down the search space to identify the correct answer string</a:t>
+            </a:r>
+          </a:p>
+          <a:p>
+            <a:r>
+              <a:rPr lang="en-US" sz="2400" dirty="0" smtClean="0">
+                <a:solidFill>
+                  <a:schemeClr val="tx1"/>
+                </a:solidFill>
+                <a:latin typeface="Times New Roman" panose="02020603050405020304" pitchFamily="18" charset="0"/>
+                <a:cs typeface="Times New Roman" panose="02020603050405020304" pitchFamily="18" charset="0"/>
+              </a:rPr>
+              <a:t>A good classification model will help in using different strategies to find an answer</a:t>
             </a:r>
             <a:endParaRPr lang="en-US" sz="2400" dirty="0" smtClean="0">
+              <a:solidFill>
+                <a:schemeClr val="tx1"/>
+              </a:solidFill>
               <a:latin typeface="Times New Roman" panose="02020603050405020304" pitchFamily="18" charset="0"/>
               <a:cs typeface="Times New Roman" panose="02020603050405020304" pitchFamily="18" charset="0"/>
             </a:endParaRPr>
           </a:p>
           <a:p>
-            <a:pPr lvl="2"/>
-            <a:r>
-              <a:rPr lang="en-US" sz="2400" dirty="0" smtClean="0">
-                <a:latin typeface="Times New Roman" panose="02020603050405020304" pitchFamily="18" charset="0"/>
-                <a:cs typeface="Times New Roman" panose="02020603050405020304" pitchFamily="18" charset="0"/>
-              </a:rPr>
-              <a:t>Performance issues on new dataset, hence no scaling up.</a:t>
-            </a:r>
             <a:endParaRPr lang="en-US" sz="2400" dirty="0">
+              <a:solidFill>
+                <a:schemeClr val="tx1"/>
+              </a:solidFill>
               <a:latin typeface="Times New Roman" panose="02020603050405020304" pitchFamily="18" charset="0"/>
               <a:cs typeface="Times New Roman" panose="02020603050405020304" pitchFamily="18" charset="0"/>
             </a:endParaRPr>
@@ -14237,13 +16171,20 @@
     </p:spTree>
     <p:extLst>
       <p:ext uri="{BB962C8B-B14F-4D97-AF65-F5344CB8AC3E}">
-        <p14:creationId xmlns:p14="http://schemas.microsoft.com/office/powerpoint/2010/main" val="2522233933"/>
+        <p14:creationId xmlns:p14="http://schemas.microsoft.com/office/powerpoint/2010/main" xmlns="" val="2825216550"/>
       </p:ext>
     </p:extLst>
   </p:cSld>
   <p:clrMapOvr>
     <a:masterClrMapping/>
   </p:clrMapOvr>
+  <p:timing>
+    <p:tnLst>
+      <p:par>
+        <p:cTn id="1" dur="indefinite" restart="never" nodeType="tmRoot"/>
+      </p:par>
+    </p:tnLst>
+  </p:timing>
 </p:sld>
 </file>
 
@@ -14266,6 +16207,50 @@
       </p:grpSpPr>
       <p:sp>
         <p:nvSpPr>
+          <p:cNvPr id="2" name="Title 1"/>
+          <p:cNvSpPr>
+            <a:spLocks noGrp="1"/>
+          </p:cNvSpPr>
+          <p:nvPr>
+            <p:ph type="title"/>
+          </p:nvPr>
+        </p:nvSpPr>
+        <p:spPr/>
+        <p:txBody>
+          <a:bodyPr/>
+          <a:lstStyle/>
+          <a:p>
+            <a:pPr algn="ctr"/>
+            <a:r>
+              <a:rPr lang="en-US" dirty="0" smtClean="0">
+                <a:latin typeface="Times New Roman" panose="02020603050405020304" pitchFamily="18" charset="0"/>
+                <a:cs typeface="Times New Roman" panose="02020603050405020304" pitchFamily="18" charset="0"/>
+              </a:rPr>
+              <a:t>Need of Fine </a:t>
+            </a:r>
+            <a:r>
+              <a:rPr lang="en-US" dirty="0" smtClean="0">
+                <a:latin typeface="Times New Roman" panose="02020603050405020304" pitchFamily="18" charset="0"/>
+                <a:cs typeface="Times New Roman" panose="02020603050405020304" pitchFamily="18" charset="0"/>
+              </a:rPr>
+              <a:t>C</a:t>
+            </a:r>
+            <a:r>
+              <a:rPr lang="en-US" dirty="0" smtClean="0">
+                <a:latin typeface="Times New Roman" panose="02020603050405020304" pitchFamily="18" charset="0"/>
+                <a:cs typeface="Times New Roman" panose="02020603050405020304" pitchFamily="18" charset="0"/>
+              </a:rPr>
+              <a:t>lassification</a:t>
+            </a:r>
+            <a:endParaRPr lang="en-US" dirty="0">
+              <a:latin typeface="Times New Roman" panose="02020603050405020304" pitchFamily="18" charset="0"/>
+              <a:cs typeface="Times New Roman" panose="02020603050405020304" pitchFamily="18" charset="0"/>
+            </a:endParaRPr>
+          </a:p>
+        </p:txBody>
+      </p:sp>
+      <p:sp>
+        <p:nvSpPr>
           <p:cNvPr id="3" name="Content Placeholder 2"/>
           <p:cNvSpPr>
             <a:spLocks noGrp="1"/>
@@ -14276,8 +16261,8 @@
         </p:nvSpPr>
         <p:spPr>
           <a:xfrm>
-            <a:off x="827184" y="1241731"/>
-            <a:ext cx="10515600" cy="4351338"/>
+            <a:off x="655093" y="1782727"/>
+            <a:ext cx="8618909" cy="4618073"/>
           </a:xfrm>
         </p:spPr>
         <p:txBody>
@@ -14286,179 +16271,168 @@
           </a:bodyPr>
           <a:lstStyle/>
           <a:p>
-            <a:pPr marL="457200" lvl="1" indent="0">
-              <a:buNone/>
-            </a:pPr>
+            <a:r>
+              <a:rPr lang="en-US" sz="2400" dirty="0" smtClean="0">
+                <a:solidFill>
+                  <a:schemeClr val="tx1"/>
+                </a:solidFill>
+                <a:latin typeface="Times New Roman" pitchFamily="18" charset="0"/>
+                <a:cs typeface="Times New Roman" pitchFamily="18" charset="0"/>
+              </a:rPr>
+              <a:t>Broad classificatio</a:t>
+            </a:r>
+            <a:r>
+              <a:rPr lang="en-US" sz="2400" dirty="0" smtClean="0">
+                <a:solidFill>
+                  <a:schemeClr val="tx1"/>
+                </a:solidFill>
+                <a:latin typeface="Times New Roman" pitchFamily="18" charset="0"/>
+                <a:cs typeface="Times New Roman" pitchFamily="18" charset="0"/>
+              </a:rPr>
+              <a:t>n helps in reducing the search space to a very small space thereby improving the time of response</a:t>
+            </a:r>
+          </a:p>
+          <a:p>
+            <a:r>
+              <a:rPr lang="en-US" sz="2400" dirty="0" smtClean="0">
+                <a:solidFill>
+                  <a:schemeClr val="tx1"/>
+                </a:solidFill>
+                <a:latin typeface="Times New Roman" pitchFamily="18" charset="0"/>
+                <a:cs typeface="Times New Roman" pitchFamily="18" charset="0"/>
+              </a:rPr>
+              <a:t>Sometimes, determining </a:t>
+            </a:r>
+            <a:r>
+              <a:rPr lang="en-US" sz="2400" dirty="0" smtClean="0">
+                <a:solidFill>
+                  <a:schemeClr val="tx1"/>
+                </a:solidFill>
+                <a:latin typeface="Times New Roman" pitchFamily="18" charset="0"/>
+                <a:cs typeface="Times New Roman" pitchFamily="18" charset="0"/>
+              </a:rPr>
+              <a:t>the specific semantic type of the answer could also be beneficial in locating the answer and verifying </a:t>
+            </a:r>
+            <a:r>
+              <a:rPr lang="en-US" sz="2400" dirty="0" smtClean="0">
+                <a:solidFill>
+                  <a:schemeClr val="tx1"/>
+                </a:solidFill>
+                <a:latin typeface="Times New Roman" pitchFamily="18" charset="0"/>
+                <a:cs typeface="Times New Roman" pitchFamily="18" charset="0"/>
+              </a:rPr>
+              <a:t>it</a:t>
+            </a:r>
+          </a:p>
+          <a:p>
+            <a:r>
+              <a:rPr lang="en-US" sz="2400" dirty="0" smtClean="0">
+                <a:solidFill>
+                  <a:schemeClr val="tx1"/>
+                </a:solidFill>
+                <a:latin typeface="Times New Roman" pitchFamily="18" charset="0"/>
+                <a:cs typeface="Times New Roman" pitchFamily="18" charset="0"/>
+              </a:rPr>
+              <a:t>Example,</a:t>
+            </a:r>
+            <a:r>
+              <a:rPr lang="en-US" sz="2400" dirty="0" smtClean="0">
+                <a:solidFill>
+                  <a:schemeClr val="tx1"/>
+                </a:solidFill>
+                <a:latin typeface="Times New Roman" pitchFamily="18" charset="0"/>
+                <a:cs typeface="Times New Roman" pitchFamily="18" charset="0"/>
+              </a:rPr>
+              <a:t> </a:t>
+            </a:r>
+            <a:r>
+              <a:rPr lang="en-US" sz="2400" i="1" dirty="0" smtClean="0">
+                <a:solidFill>
+                  <a:schemeClr val="tx1"/>
+                </a:solidFill>
+                <a:latin typeface="Times New Roman" pitchFamily="18" charset="0"/>
+                <a:cs typeface="Times New Roman" pitchFamily="18" charset="0"/>
+              </a:rPr>
+              <a:t>“Which country gave New York the Statue of Liberty ?”</a:t>
+            </a:r>
+          </a:p>
+          <a:p>
+            <a:r>
+              <a:rPr lang="en-US" sz="2400" dirty="0" smtClean="0">
+                <a:solidFill>
+                  <a:schemeClr val="tx1"/>
+                </a:solidFill>
+                <a:latin typeface="Times New Roman" pitchFamily="18" charset="0"/>
+                <a:cs typeface="Times New Roman" pitchFamily="18" charset="0"/>
+              </a:rPr>
+              <a:t>Knowing </a:t>
+            </a:r>
+            <a:r>
+              <a:rPr lang="en-US" sz="2400" dirty="0" smtClean="0">
+                <a:solidFill>
+                  <a:schemeClr val="tx1"/>
+                </a:solidFill>
+                <a:latin typeface="Times New Roman" pitchFamily="18" charset="0"/>
+                <a:cs typeface="Times New Roman" pitchFamily="18" charset="0"/>
+              </a:rPr>
+              <a:t>that the targets are a </a:t>
+            </a:r>
             <a:r>
               <a:rPr lang="en-US" sz="2400" b="1" dirty="0" smtClean="0">
-                <a:latin typeface="Times New Roman" panose="02020603050405020304" pitchFamily="18" charset="0"/>
-                <a:cs typeface="Times New Roman" panose="02020603050405020304" pitchFamily="18" charset="0"/>
-              </a:rPr>
-              <a:t>	Supervised learning</a:t>
-            </a:r>
-          </a:p>
-          <a:p>
+                <a:solidFill>
+                  <a:schemeClr val="tx1"/>
+                </a:solidFill>
+                <a:latin typeface="Times New Roman" pitchFamily="18" charset="0"/>
+                <a:cs typeface="Times New Roman" pitchFamily="18" charset="0"/>
+              </a:rPr>
+              <a:t>city or country </a:t>
+            </a:r>
+            <a:r>
+              <a:rPr lang="en-US" sz="2400" b="1" dirty="0" smtClean="0">
+                <a:solidFill>
+                  <a:schemeClr val="tx1"/>
+                </a:solidFill>
+                <a:latin typeface="Times New Roman" pitchFamily="18" charset="0"/>
+                <a:cs typeface="Times New Roman" pitchFamily="18" charset="0"/>
+              </a:rPr>
+              <a:t>will </a:t>
+            </a:r>
             <a:r>
               <a:rPr lang="en-US" sz="2400" dirty="0" smtClean="0">
-                <a:latin typeface="Times New Roman" panose="02020603050405020304" pitchFamily="18" charset="0"/>
-                <a:cs typeface="Times New Roman" panose="02020603050405020304" pitchFamily="18" charset="0"/>
-              </a:rPr>
-              <a:t>Perform </a:t>
-            </a:r>
-            <a:r>
-              <a:rPr lang="en-US" sz="2400" dirty="0">
-                <a:latin typeface="Times New Roman" panose="02020603050405020304" pitchFamily="18" charset="0"/>
-                <a:cs typeface="Times New Roman" panose="02020603050405020304" pitchFamily="18" charset="0"/>
-              </a:rPr>
-              <a:t>the classification </a:t>
+                <a:solidFill>
+                  <a:schemeClr val="tx1"/>
+                </a:solidFill>
+                <a:latin typeface="Times New Roman" pitchFamily="18" charset="0"/>
+                <a:cs typeface="Times New Roman" pitchFamily="18" charset="0"/>
+              </a:rPr>
+              <a:t>be </a:t>
             </a:r>
             <a:r>
               <a:rPr lang="en-US" sz="2400" dirty="0" smtClean="0">
-                <a:latin typeface="Times New Roman" panose="02020603050405020304" pitchFamily="18" charset="0"/>
-                <a:cs typeface="Times New Roman" panose="02020603050405020304" pitchFamily="18" charset="0"/>
-              </a:rPr>
-              <a:t>by extracting </a:t>
-            </a:r>
-            <a:r>
-              <a:rPr lang="en-US" sz="2400" dirty="0">
-                <a:latin typeface="Times New Roman" panose="02020603050405020304" pitchFamily="18" charset="0"/>
-                <a:cs typeface="Times New Roman" panose="02020603050405020304" pitchFamily="18" charset="0"/>
-              </a:rPr>
-              <a:t>some features from questions, train a classifier and predicting the </a:t>
-            </a:r>
-            <a:r>
-              <a:rPr lang="en-US" sz="2400" dirty="0" smtClean="0">
-                <a:latin typeface="Times New Roman" panose="02020603050405020304" pitchFamily="18" charset="0"/>
-                <a:cs typeface="Times New Roman" panose="02020603050405020304" pitchFamily="18" charset="0"/>
-              </a:rPr>
-              <a:t>class label </a:t>
-            </a:r>
-            <a:r>
-              <a:rPr lang="en-US" sz="2400" dirty="0">
-                <a:latin typeface="Times New Roman" panose="02020603050405020304" pitchFamily="18" charset="0"/>
-                <a:cs typeface="Times New Roman" panose="02020603050405020304" pitchFamily="18" charset="0"/>
-              </a:rPr>
-              <a:t>using the trained classifier</a:t>
-            </a:r>
-            <a:r>
-              <a:rPr lang="en-US" sz="2400" dirty="0" smtClean="0">
-                <a:latin typeface="Times New Roman" panose="02020603050405020304" pitchFamily="18" charset="0"/>
-                <a:cs typeface="Times New Roman" panose="02020603050405020304" pitchFamily="18" charset="0"/>
-              </a:rPr>
-              <a:t>.</a:t>
-            </a:r>
-          </a:p>
-          <a:p>
-            <a:pPr marL="0" indent="0">
-              <a:buNone/>
-            </a:pPr>
+                <a:solidFill>
+                  <a:schemeClr val="tx1"/>
+                </a:solidFill>
+                <a:latin typeface="Times New Roman" pitchFamily="18" charset="0"/>
+                <a:cs typeface="Times New Roman" pitchFamily="18" charset="0"/>
+              </a:rPr>
+              <a:t>more useful than just knowing that they are </a:t>
+            </a:r>
             <a:r>
               <a:rPr lang="en-US" sz="2400" b="1" dirty="0" smtClean="0">
-                <a:latin typeface="Times New Roman" panose="02020603050405020304" pitchFamily="18" charset="0"/>
-                <a:cs typeface="Times New Roman" panose="02020603050405020304" pitchFamily="18" charset="0"/>
-              </a:rPr>
-              <a:t>	Unsupervised </a:t>
-            </a:r>
-            <a:r>
-              <a:rPr lang="en-US" sz="2400" b="1" dirty="0">
-                <a:latin typeface="Times New Roman" panose="02020603050405020304" pitchFamily="18" charset="0"/>
-                <a:cs typeface="Times New Roman" panose="02020603050405020304" pitchFamily="18" charset="0"/>
-              </a:rPr>
-              <a:t>learning</a:t>
-            </a:r>
-          </a:p>
-          <a:p>
-            <a:r>
-              <a:rPr lang="en-US" sz="2400" dirty="0" smtClean="0">
-                <a:latin typeface="Times New Roman" panose="02020603050405020304" pitchFamily="18" charset="0"/>
-                <a:cs typeface="Times New Roman" panose="02020603050405020304" pitchFamily="18" charset="0"/>
-              </a:rPr>
-              <a:t>K means clustering</a:t>
-            </a:r>
-          </a:p>
-          <a:p>
-            <a:pPr lvl="1"/>
-            <a:r>
-              <a:rPr lang="en-US" sz="2400" dirty="0" smtClean="0">
-                <a:latin typeface="Times New Roman" panose="02020603050405020304" pitchFamily="18" charset="0"/>
-                <a:cs typeface="Times New Roman" panose="02020603050405020304" pitchFamily="18" charset="0"/>
-              </a:rPr>
-              <a:t>Identify </a:t>
-            </a:r>
-            <a:r>
-              <a:rPr lang="en-US" sz="2400" dirty="0">
-                <a:latin typeface="Times New Roman" panose="02020603050405020304" pitchFamily="18" charset="0"/>
-                <a:cs typeface="Times New Roman" panose="02020603050405020304" pitchFamily="18" charset="0"/>
-              </a:rPr>
-              <a:t>questions in the corpus that are similar and related to </a:t>
-            </a:r>
-            <a:r>
-              <a:rPr lang="en-US" sz="2400" dirty="0" smtClean="0">
-                <a:latin typeface="Times New Roman" panose="02020603050405020304" pitchFamily="18" charset="0"/>
-                <a:cs typeface="Times New Roman" panose="02020603050405020304" pitchFamily="18" charset="0"/>
-              </a:rPr>
-              <a:t>a question </a:t>
-            </a:r>
-            <a:r>
-              <a:rPr lang="en-US" sz="2400" dirty="0">
-                <a:latin typeface="Times New Roman" panose="02020603050405020304" pitchFamily="18" charset="0"/>
-                <a:cs typeface="Times New Roman" panose="02020603050405020304" pitchFamily="18" charset="0"/>
-              </a:rPr>
-              <a:t>and group/cluster them as per their “relatedness” to the </a:t>
-            </a:r>
-            <a:r>
-              <a:rPr lang="en-US" sz="2400" dirty="0" smtClean="0">
-                <a:latin typeface="Times New Roman" panose="02020603050405020304" pitchFamily="18" charset="0"/>
-                <a:cs typeface="Times New Roman" panose="02020603050405020304" pitchFamily="18" charset="0"/>
-              </a:rPr>
-              <a:t>question</a:t>
-            </a:r>
-          </a:p>
-          <a:p>
-            <a:pPr lvl="1"/>
-            <a:r>
-              <a:rPr lang="en-US" sz="2400" dirty="0" smtClean="0">
-                <a:latin typeface="Times New Roman" panose="02020603050405020304" pitchFamily="18" charset="0"/>
-                <a:cs typeface="Times New Roman" panose="02020603050405020304" pitchFamily="18" charset="0"/>
-              </a:rPr>
-              <a:t>Use structure </a:t>
-            </a:r>
-            <a:r>
-              <a:rPr lang="en-US" sz="2400" dirty="0">
-                <a:latin typeface="Times New Roman" panose="02020603050405020304" pitchFamily="18" charset="0"/>
-                <a:cs typeface="Times New Roman" panose="02020603050405020304" pitchFamily="18" charset="0"/>
-              </a:rPr>
-              <a:t>and lexical </a:t>
-            </a:r>
-            <a:r>
-              <a:rPr lang="en-US" sz="2400" dirty="0" smtClean="0">
-                <a:latin typeface="Times New Roman" panose="02020603050405020304" pitchFamily="18" charset="0"/>
-                <a:cs typeface="Times New Roman" panose="02020603050405020304" pitchFamily="18" charset="0"/>
-              </a:rPr>
-              <a:t>information to </a:t>
-            </a:r>
-            <a:r>
-              <a:rPr lang="en-US" sz="2400" dirty="0">
-                <a:latin typeface="Times New Roman" panose="02020603050405020304" pitchFamily="18" charset="0"/>
-                <a:cs typeface="Times New Roman" panose="02020603050405020304" pitchFamily="18" charset="0"/>
-              </a:rPr>
-              <a:t>cluster questions as per their relatedness with the original </a:t>
-            </a:r>
-            <a:r>
-              <a:rPr lang="en-US" sz="2400" dirty="0" smtClean="0">
-                <a:latin typeface="Times New Roman" panose="02020603050405020304" pitchFamily="18" charset="0"/>
-                <a:cs typeface="Times New Roman" panose="02020603050405020304" pitchFamily="18" charset="0"/>
-              </a:rPr>
-              <a:t>question </a:t>
-            </a:r>
-          </a:p>
-          <a:p>
-            <a:pPr marL="0" indent="0">
-              <a:buNone/>
-            </a:pPr>
-            <a:endParaRPr lang="en-US" sz="2400" dirty="0">
-              <a:latin typeface="Times New Roman" panose="02020603050405020304" pitchFamily="18" charset="0"/>
-              <a:cs typeface="Times New Roman" panose="02020603050405020304" pitchFamily="18" charset="0"/>
+                <a:solidFill>
+                  <a:schemeClr val="tx1"/>
+                </a:solidFill>
+                <a:latin typeface="Times New Roman" pitchFamily="18" charset="0"/>
+                <a:cs typeface="Times New Roman" pitchFamily="18" charset="0"/>
+              </a:rPr>
+              <a:t>locations.</a:t>
+            </a:r>
+            <a:endParaRPr lang="en-US" sz="2400" i="1" dirty="0" smtClean="0">
+              <a:solidFill>
+                <a:schemeClr val="tx1"/>
+              </a:solidFill>
+              <a:latin typeface="Times New Roman" pitchFamily="18" charset="0"/>
+              <a:cs typeface="Times New Roman" pitchFamily="18" charset="0"/>
             </a:endParaRPr>
           </a:p>
         </p:txBody>
@@ -14466,13 +16440,20 @@
     </p:spTree>
     <p:extLst>
       <p:ext uri="{BB962C8B-B14F-4D97-AF65-F5344CB8AC3E}">
-        <p14:creationId xmlns:p14="http://schemas.microsoft.com/office/powerpoint/2010/main" val="2045971925"/>
+        <p14:creationId xmlns:p14="http://schemas.microsoft.com/office/powerpoint/2010/main" xmlns="" val="2825216550"/>
       </p:ext>
     </p:extLst>
   </p:cSld>
   <p:clrMapOvr>
     <a:masterClrMapping/>
   </p:clrMapOvr>
+  <p:timing>
+    <p:tnLst>
+      <p:par>
+        <p:cTn id="1" dur="indefinite" restart="never" nodeType="tmRoot"/>
+      </p:par>
+    </p:tnLst>
+  </p:timing>
 </p:sld>
 </file>
 
@@ -14510,18 +16491,11 @@
           <a:p>
             <a:pPr algn="ctr"/>
             <a:r>
-              <a:rPr lang="en-US" dirty="0">
-                <a:latin typeface="Times New Roman" panose="02020603050405020304" pitchFamily="18" charset="0"/>
-                <a:cs typeface="Times New Roman" panose="02020603050405020304" pitchFamily="18" charset="0"/>
-              </a:rPr>
-              <a:t>Proposed </a:t>
-            </a:r>
-            <a:r>
               <a:rPr lang="en-US" dirty="0" smtClean="0">
                 <a:latin typeface="Times New Roman" panose="02020603050405020304" pitchFamily="18" charset="0"/>
                 <a:cs typeface="Times New Roman" panose="02020603050405020304" pitchFamily="18" charset="0"/>
               </a:rPr>
-              <a:t>Work</a:t>
+              <a:t>Rules for Classification</a:t>
             </a:r>
             <a:endParaRPr lang="en-US" dirty="0">
               <a:latin typeface="Times New Roman" panose="02020603050405020304" pitchFamily="18" charset="0"/>
@@ -14540,78 +16514,201 @@
             <p:ph idx="1"/>
           </p:nvPr>
         </p:nvSpPr>
-        <p:spPr/>
+        <p:spPr>
+          <a:xfrm>
+            <a:off x="586855" y="1782728"/>
+            <a:ext cx="8687148" cy="3962980"/>
+          </a:xfrm>
+        </p:spPr>
         <p:txBody>
           <a:bodyPr>
-            <a:normAutofit/>
+            <a:noAutofit/>
           </a:bodyPr>
           <a:lstStyle/>
           <a:p>
             <a:r>
               <a:rPr lang="en-US" sz="2400" dirty="0" smtClean="0">
-                <a:latin typeface="Times New Roman" panose="02020603050405020304" pitchFamily="18" charset="0"/>
-                <a:cs typeface="Times New Roman" panose="02020603050405020304" pitchFamily="18" charset="0"/>
-              </a:rPr>
-              <a:t>Implement a model using supervised learning method</a:t>
-            </a:r>
-          </a:p>
-          <a:p>
-            <a:endParaRPr lang="en-US" sz="2400" dirty="0">
-              <a:latin typeface="Times New Roman" panose="02020603050405020304" pitchFamily="18" charset="0"/>
-              <a:cs typeface="Times New Roman" panose="02020603050405020304" pitchFamily="18" charset="0"/>
+                <a:solidFill>
+                  <a:schemeClr val="tx1"/>
+                </a:solidFill>
+                <a:latin typeface="Times New Roman" pitchFamily="18" charset="0"/>
+                <a:cs typeface="Times New Roman" pitchFamily="18" charset="0"/>
+              </a:rPr>
+              <a:t>Following are the rules used while labeling data,</a:t>
+            </a:r>
+            <a:endParaRPr lang="en-US" sz="2400" b="1" i="1" dirty="0" smtClean="0">
+              <a:solidFill>
+                <a:schemeClr val="tx1"/>
+              </a:solidFill>
+              <a:latin typeface="Times New Roman" pitchFamily="18" charset="0"/>
+              <a:cs typeface="Times New Roman" pitchFamily="18" charset="0"/>
             </a:endParaRPr>
           </a:p>
           <a:p>
-            <a:r>
-              <a:rPr lang="en-US" sz="2400" dirty="0" smtClean="0">
-                <a:latin typeface="Times New Roman" panose="02020603050405020304" pitchFamily="18" charset="0"/>
-                <a:cs typeface="Times New Roman" panose="02020603050405020304" pitchFamily="18" charset="0"/>
-              </a:rPr>
-              <a:t>Proposed algorithms:</a:t>
-            </a:r>
-          </a:p>
-          <a:p>
             <a:pPr lvl="1"/>
             <a:r>
-              <a:rPr lang="en-US" sz="2400" dirty="0" smtClean="0">
-                <a:latin typeface="Times New Roman" panose="02020603050405020304" pitchFamily="18" charset="0"/>
-                <a:cs typeface="Times New Roman" panose="02020603050405020304" pitchFamily="18" charset="0"/>
-              </a:rPr>
-              <a:t>SVM</a:t>
+              <a:rPr lang="en-US" sz="2200" dirty="0" smtClean="0">
+                <a:solidFill>
+                  <a:schemeClr val="tx1"/>
+                </a:solidFill>
+                <a:latin typeface="Times New Roman" pitchFamily="18" charset="0"/>
+                <a:cs typeface="Times New Roman" pitchFamily="18" charset="0"/>
+              </a:rPr>
+              <a:t>If a query starts with </a:t>
+            </a:r>
+            <a:r>
+              <a:rPr lang="en-US" sz="2200" i="1" dirty="0" smtClean="0">
+                <a:solidFill>
+                  <a:schemeClr val="tx1"/>
+                </a:solidFill>
+                <a:latin typeface="Times New Roman" pitchFamily="18" charset="0"/>
+                <a:cs typeface="Times New Roman" pitchFamily="18" charset="0"/>
+              </a:rPr>
+              <a:t>Who or Whom: type </a:t>
+            </a:r>
+            <a:r>
+              <a:rPr lang="en-US" sz="2200" b="1" i="1" dirty="0" smtClean="0">
+                <a:solidFill>
+                  <a:schemeClr val="tx1"/>
+                </a:solidFill>
+                <a:latin typeface="Times New Roman" pitchFamily="18" charset="0"/>
+                <a:cs typeface="Times New Roman" pitchFamily="18" charset="0"/>
+              </a:rPr>
+              <a:t>Person</a:t>
+            </a:r>
+            <a:r>
+              <a:rPr lang="en-US" sz="2200" b="1" i="1" dirty="0" smtClean="0">
+                <a:solidFill>
+                  <a:schemeClr val="tx1"/>
+                </a:solidFill>
+                <a:latin typeface="Times New Roman" pitchFamily="18" charset="0"/>
+                <a:cs typeface="Times New Roman" pitchFamily="18" charset="0"/>
+              </a:rPr>
+              <a:t>.</a:t>
             </a:r>
           </a:p>
           <a:p>
             <a:pPr lvl="1"/>
             <a:r>
-              <a:rPr lang="en-US" sz="2400" dirty="0" smtClean="0">
-                <a:latin typeface="Times New Roman" panose="02020603050405020304" pitchFamily="18" charset="0"/>
-                <a:cs typeface="Times New Roman" panose="02020603050405020304" pitchFamily="18" charset="0"/>
-              </a:rPr>
-              <a:t>Naïve Bayes</a:t>
+              <a:rPr lang="en-US" sz="2200" dirty="0" smtClean="0">
+                <a:solidFill>
+                  <a:schemeClr val="tx1"/>
+                </a:solidFill>
+                <a:latin typeface="Times New Roman" pitchFamily="18" charset="0"/>
+                <a:cs typeface="Times New Roman" pitchFamily="18" charset="0"/>
+              </a:rPr>
+              <a:t>If a query starts with </a:t>
+            </a:r>
+            <a:r>
+              <a:rPr lang="en-US" sz="2200" i="1" dirty="0" smtClean="0">
+                <a:solidFill>
+                  <a:schemeClr val="tx1"/>
+                </a:solidFill>
+                <a:latin typeface="Times New Roman" pitchFamily="18" charset="0"/>
+                <a:cs typeface="Times New Roman" pitchFamily="18" charset="0"/>
+              </a:rPr>
+              <a:t>Where: type </a:t>
+            </a:r>
+            <a:r>
+              <a:rPr lang="en-US" sz="2200" b="1" i="1" dirty="0" smtClean="0">
+                <a:solidFill>
+                  <a:schemeClr val="tx1"/>
+                </a:solidFill>
+                <a:latin typeface="Times New Roman" pitchFamily="18" charset="0"/>
+                <a:cs typeface="Times New Roman" pitchFamily="18" charset="0"/>
+              </a:rPr>
+              <a:t>Location.</a:t>
             </a:r>
           </a:p>
           <a:p>
             <a:pPr lvl="1"/>
             <a:r>
-              <a:rPr lang="en-US" sz="2400" dirty="0" smtClean="0">
-                <a:latin typeface="Times New Roman" panose="02020603050405020304" pitchFamily="18" charset="0"/>
-                <a:cs typeface="Times New Roman" panose="02020603050405020304" pitchFamily="18" charset="0"/>
-              </a:rPr>
-              <a:t>Decision Trees</a:t>
-            </a:r>
+              <a:rPr lang="en-US" sz="2200" dirty="0" smtClean="0">
+                <a:solidFill>
+                  <a:schemeClr val="tx1"/>
+                </a:solidFill>
+                <a:latin typeface="Times New Roman" pitchFamily="18" charset="0"/>
+                <a:cs typeface="Times New Roman" pitchFamily="18" charset="0"/>
+              </a:rPr>
+              <a:t>If </a:t>
+            </a:r>
+            <a:r>
+              <a:rPr lang="en-US" sz="2200" dirty="0" smtClean="0">
+                <a:solidFill>
+                  <a:schemeClr val="tx1"/>
+                </a:solidFill>
+                <a:latin typeface="Times New Roman" pitchFamily="18" charset="0"/>
+                <a:cs typeface="Times New Roman" pitchFamily="18" charset="0"/>
+              </a:rPr>
+              <a:t>a query contains </a:t>
+            </a:r>
+            <a:r>
+              <a:rPr lang="en-US" sz="2200" i="1" dirty="0" smtClean="0">
+                <a:solidFill>
+                  <a:schemeClr val="tx1"/>
+                </a:solidFill>
+                <a:latin typeface="Times New Roman" pitchFamily="18" charset="0"/>
+                <a:cs typeface="Times New Roman" pitchFamily="18" charset="0"/>
+              </a:rPr>
+              <a:t>Which or What, the head </a:t>
+            </a:r>
+            <a:r>
+              <a:rPr lang="en-US" sz="2200" i="1" dirty="0" smtClean="0">
+                <a:solidFill>
+                  <a:schemeClr val="tx1"/>
+                </a:solidFill>
+                <a:latin typeface="Times New Roman" pitchFamily="18" charset="0"/>
+                <a:cs typeface="Times New Roman" pitchFamily="18" charset="0"/>
+              </a:rPr>
+              <a:t>noun </a:t>
+            </a:r>
+            <a:r>
+              <a:rPr lang="en-US" sz="2200" dirty="0" smtClean="0">
+                <a:solidFill>
+                  <a:schemeClr val="tx1"/>
+                </a:solidFill>
+                <a:latin typeface="Times New Roman" pitchFamily="18" charset="0"/>
+                <a:cs typeface="Times New Roman" pitchFamily="18" charset="0"/>
+              </a:rPr>
+              <a:t>phrase </a:t>
+            </a:r>
+            <a:r>
+              <a:rPr lang="en-US" sz="2200" dirty="0" smtClean="0">
+                <a:solidFill>
+                  <a:schemeClr val="tx1"/>
+                </a:solidFill>
+                <a:latin typeface="Times New Roman" pitchFamily="18" charset="0"/>
+                <a:cs typeface="Times New Roman" pitchFamily="18" charset="0"/>
+              </a:rPr>
+              <a:t>determines the class, as for What X questions.</a:t>
+            </a:r>
+            <a:endParaRPr lang="en-US" sz="2200" i="1" dirty="0" smtClean="0">
+              <a:solidFill>
+                <a:schemeClr val="tx1"/>
+              </a:solidFill>
+              <a:latin typeface="Times New Roman" pitchFamily="18" charset="0"/>
+              <a:cs typeface="Times New Roman" pitchFamily="18" charset="0"/>
+            </a:endParaRPr>
           </a:p>
         </p:txBody>
       </p:sp>
     </p:spTree>
     <p:extLst>
       <p:ext uri="{BB962C8B-B14F-4D97-AF65-F5344CB8AC3E}">
-        <p14:creationId xmlns:p14="http://schemas.microsoft.com/office/powerpoint/2010/main" val="1225250234"/>
+        <p14:creationId xmlns:p14="http://schemas.microsoft.com/office/powerpoint/2010/main" xmlns="" val="2825216550"/>
       </p:ext>
     </p:extLst>
   </p:cSld>
   <p:clrMapOvr>
     <a:masterClrMapping/>
   </p:clrMapOvr>
+  <p:timing>
+    <p:tnLst>
+      <p:par>
+        <p:cTn id="1" dur="indefinite" restart="never" nodeType="tmRoot"/>
+      </p:par>
+    </p:tnLst>
+  </p:timing>
 </p:sld>
 </file>
 
@@ -14642,7 +16739,12 @@
             <p:ph type="title"/>
           </p:nvPr>
         </p:nvSpPr>
-        <p:spPr/>
+        <p:spPr>
+          <a:xfrm>
+            <a:off x="627797" y="609600"/>
+            <a:ext cx="8646205" cy="864358"/>
+          </a:xfrm>
+        </p:spPr>
         <p:txBody>
           <a:bodyPr/>
           <a:lstStyle/>
@@ -14653,7 +16755,7 @@
                 <a:latin typeface="Times New Roman" panose="02020603050405020304" pitchFamily="18" charset="0"/>
                 <a:cs typeface="Times New Roman" panose="02020603050405020304" pitchFamily="18" charset="0"/>
               </a:rPr>
-              <a:t>Proposed Workflow</a:t>
+              <a:t>Different Question Categories</a:t>
             </a:r>
             <a:endParaRPr lang="en-US" dirty="0">
               <a:latin typeface="Times New Roman" panose="02020603050405020304" pitchFamily="18" charset="0"/>
@@ -14662,41 +16764,127 @@
           </a:p>
         </p:txBody>
       </p:sp>
-      <p:graphicFrame>
-        <p:nvGraphicFramePr>
-          <p:cNvPr id="7" name="Content Placeholder 6"/>
-          <p:cNvGraphicFramePr>
-            <a:graphicFrameLocks noGrp="1"/>
-          </p:cNvGraphicFramePr>
+      <p:pic>
+        <p:nvPicPr>
+          <p:cNvPr id="5" name="Content Placeholder 4" descr="question_types.jpg"/>
+          <p:cNvPicPr>
+            <a:picLocks noGrp="1" noChangeAspect="1"/>
+          </p:cNvPicPr>
           <p:nvPr>
             <p:ph idx="1"/>
-            <p:extLst>
-              <p:ext uri="{D42A27DB-BD31-4B8C-83A1-F6EECF244321}">
-                <p14:modId xmlns:p14="http://schemas.microsoft.com/office/powerpoint/2010/main" val="1778973101"/>
-              </p:ext>
-            </p:extLst>
-          </p:nvPr>
-        </p:nvGraphicFramePr>
-        <p:xfrm>
-          <a:off x="1476260" y="1825625"/>
-          <a:ext cx="9877540" cy="2999763"/>
-        </p:xfrm>
-        <a:graphic>
-          <a:graphicData uri="http://schemas.openxmlformats.org/drawingml/2006/diagram">
-            <dgm:relIds xmlns:dgm="http://schemas.openxmlformats.org/drawingml/2006/diagram" xmlns:r="http://schemas.openxmlformats.org/officeDocument/2006/relationships" r:dm="rId2" r:lo="rId3" r:qs="rId4" r:cs="rId5"/>
-          </a:graphicData>
-        </a:graphic>
-      </p:graphicFrame>
+          </p:nvPr>
+        </p:nvPicPr>
+        <p:blipFill>
+          <a:blip r:embed="rId2" cstate="print"/>
+          <a:stretch>
+            <a:fillRect/>
+          </a:stretch>
+        </p:blipFill>
+        <p:spPr>
+          <a:xfrm>
+            <a:off x="3080563" y="2395182"/>
+            <a:ext cx="3763118" cy="4292221"/>
+          </a:xfrm>
+        </p:spPr>
+      </p:pic>
+      <p:sp>
+        <p:nvSpPr>
+          <p:cNvPr id="8" name="Content Placeholder 2"/>
+          <p:cNvSpPr txBox="1">
+            <a:spLocks/>
+          </p:cNvSpPr>
+          <p:nvPr/>
+        </p:nvSpPr>
+        <p:spPr>
+          <a:xfrm>
+            <a:off x="532263" y="1450906"/>
+            <a:ext cx="8700795" cy="1101226"/>
+          </a:xfrm>
+          <a:prstGeom prst="rect">
+            <a:avLst/>
+          </a:prstGeom>
+        </p:spPr>
+        <p:txBody>
+          <a:bodyPr vert="horz" lIns="91440" tIns="45720" rIns="91440" bIns="45720" rtlCol="0">
+            <a:normAutofit/>
+          </a:bodyPr>
+          <a:lstStyle/>
+          <a:p>
+            <a:pPr marL="742950" lvl="1" indent="-285750" defTabSz="457200">
+              <a:spcBef>
+                <a:spcPts val="1000"/>
+              </a:spcBef>
+              <a:buClr>
+                <a:schemeClr val="accent1"/>
+              </a:buClr>
+              <a:buSzPct val="80000"/>
+              <a:buFont typeface="Wingdings 3" charset="2"/>
+              <a:buChar char=""/>
+            </a:pPr>
+            <a:r>
+              <a:rPr kumimoji="0" lang="en-US" sz="2400" b="0" i="0" u="none" strike="noStrike" kern="1200" cap="none" spc="0" normalizeH="0" baseline="0" noProof="0" dirty="0" smtClean="0">
+                <a:ln>
+                  <a:noFill/>
+                </a:ln>
+                <a:solidFill>
+                  <a:schemeClr val="tx1">
+                    <a:lumMod val="75000"/>
+                    <a:lumOff val="25000"/>
+                  </a:schemeClr>
+                </a:solidFill>
+                <a:effectLst/>
+                <a:uLnTx/>
+                <a:uFillTx/>
+                <a:latin typeface="Times New Roman" panose="02020603050405020304" pitchFamily="18" charset="0"/>
+                <a:ea typeface="+mn-ea"/>
+                <a:cs typeface="Times New Roman" panose="02020603050405020304" pitchFamily="18" charset="0"/>
+              </a:rPr>
+              <a:t> </a:t>
+            </a:r>
+            <a:r>
+              <a:rPr lang="en-US" sz="2400" dirty="0" smtClean="0">
+                <a:latin typeface="Times New Roman" panose="02020603050405020304" pitchFamily="18" charset="0"/>
+                <a:cs typeface="Times New Roman" panose="02020603050405020304" pitchFamily="18" charset="0"/>
+              </a:rPr>
+              <a:t>The following table shows an overview of both broad (coarse) category and fine category classes</a:t>
+            </a:r>
+            <a:endParaRPr kumimoji="0" lang="en-US" sz="2400" b="0" i="0" u="none" strike="noStrike" kern="1200" cap="none" spc="0" normalizeH="0" baseline="0" noProof="0" dirty="0" smtClean="0">
+              <a:ln>
+                <a:noFill/>
+              </a:ln>
+              <a:solidFill>
+                <a:schemeClr val="tx1">
+                  <a:lumMod val="75000"/>
+                  <a:lumOff val="25000"/>
+                </a:schemeClr>
+              </a:solidFill>
+              <a:effectLst/>
+              <a:uLnTx/>
+              <a:uFillTx/>
+              <a:latin typeface="Times New Roman" panose="02020603050405020304" pitchFamily="18" charset="0"/>
+              <a:ea typeface="+mn-ea"/>
+              <a:cs typeface="Times New Roman" panose="02020603050405020304" pitchFamily="18" charset="0"/>
+            </a:endParaRPr>
+          </a:p>
+        </p:txBody>
+      </p:sp>
     </p:spTree>
     <p:extLst>
       <p:ext uri="{BB962C8B-B14F-4D97-AF65-F5344CB8AC3E}">
-        <p14:creationId xmlns:p14="http://schemas.microsoft.com/office/powerpoint/2010/main" val="2962103780"/>
+        <p14:creationId xmlns:p14="http://schemas.microsoft.com/office/powerpoint/2010/main" xmlns="" val="2825216550"/>
       </p:ext>
     </p:extLst>
   </p:cSld>
   <p:clrMapOvr>
     <a:masterClrMapping/>
   </p:clrMapOvr>
+  <p:timing>
+    <p:tnLst>
+      <p:par>
+        <p:cTn id="1" dur="indefinite" restart="never" nodeType="tmRoot"/>
+      </p:par>
+    </p:tnLst>
+  </p:timing>
 </p:sld>
 </file>
 
@@ -14719,6 +16907,36 @@
       </p:grpSpPr>
       <p:sp>
         <p:nvSpPr>
+          <p:cNvPr id="2" name="Title 1"/>
+          <p:cNvSpPr>
+            <a:spLocks noGrp="1"/>
+          </p:cNvSpPr>
+          <p:nvPr>
+            <p:ph type="title"/>
+          </p:nvPr>
+        </p:nvSpPr>
+        <p:spPr/>
+        <p:txBody>
+          <a:bodyPr/>
+          <a:lstStyle/>
+          <a:p>
+            <a:pPr algn="ctr"/>
+            <a:r>
+              <a:rPr lang="en-US" dirty="0" smtClean="0">
+                <a:latin typeface="Times New Roman" panose="02020603050405020304" pitchFamily="18" charset="0"/>
+                <a:cs typeface="Times New Roman" panose="02020603050405020304" pitchFamily="18" charset="0"/>
+              </a:rPr>
+              <a:t>Challenges</a:t>
+            </a:r>
+            <a:endParaRPr lang="en-US" dirty="0">
+              <a:latin typeface="Times New Roman" panose="02020603050405020304" pitchFamily="18" charset="0"/>
+              <a:cs typeface="Times New Roman" panose="02020603050405020304" pitchFamily="18" charset="0"/>
+            </a:endParaRPr>
+          </a:p>
+        </p:txBody>
+      </p:sp>
+      <p:sp>
+        <p:nvSpPr>
           <p:cNvPr id="3" name="Content Placeholder 2"/>
           <p:cNvSpPr>
             <a:spLocks noGrp="1"/>
@@ -14729,8 +16947,8 @@
         </p:nvSpPr>
         <p:spPr>
           <a:xfrm>
-            <a:off x="661013" y="1069918"/>
-            <a:ext cx="8590956" cy="5788082"/>
+            <a:off x="641446" y="1796375"/>
+            <a:ext cx="8618909" cy="4618073"/>
           </a:xfrm>
         </p:spPr>
         <p:txBody>
@@ -14741,190 +16959,118 @@
           <a:p>
             <a:r>
               <a:rPr lang="en-US" sz="2400" dirty="0" smtClean="0">
-                <a:latin typeface="Times New Roman" panose="02020603050405020304" pitchFamily="18" charset="0"/>
-                <a:cs typeface="Times New Roman" panose="02020603050405020304" pitchFamily="18" charset="0"/>
-              </a:rPr>
-              <a:t>Pre-processing- </a:t>
-            </a:r>
-          </a:p>
-          <a:p>
-            <a:pPr lvl="1"/>
+                <a:solidFill>
+                  <a:schemeClr val="tx1"/>
+                </a:solidFill>
+                <a:latin typeface="Times New Roman" pitchFamily="18" charset="0"/>
+                <a:cs typeface="Times New Roman" pitchFamily="18" charset="0"/>
+              </a:rPr>
+              <a:t>Identify </a:t>
+            </a:r>
             <a:r>
               <a:rPr lang="en-US" sz="2400" dirty="0" smtClean="0">
-                <a:latin typeface="Times New Roman" panose="02020603050405020304" pitchFamily="18" charset="0"/>
-                <a:cs typeface="Times New Roman" panose="02020603050405020304" pitchFamily="18" charset="0"/>
-              </a:rPr>
-              <a:t>Remove junk except for a-Z and A-Z</a:t>
-            </a:r>
-          </a:p>
-          <a:p>
-            <a:pPr lvl="1"/>
+                <a:solidFill>
+                  <a:schemeClr val="tx1"/>
+                </a:solidFill>
+                <a:latin typeface="Times New Roman" pitchFamily="18" charset="0"/>
+                <a:cs typeface="Times New Roman" pitchFamily="18" charset="0"/>
+              </a:rPr>
+              <a:t>the </a:t>
+            </a:r>
+            <a:r>
+              <a:rPr lang="en-US" sz="2400" i="1" dirty="0" smtClean="0">
+                <a:solidFill>
+                  <a:schemeClr val="tx1"/>
+                </a:solidFill>
+                <a:latin typeface="Times New Roman" pitchFamily="18" charset="0"/>
+                <a:cs typeface="Times New Roman" pitchFamily="18" charset="0"/>
+              </a:rPr>
+              <a:t>k semantic classes </a:t>
+            </a:r>
             <a:r>
               <a:rPr lang="en-US" sz="2400" dirty="0" smtClean="0">
-                <a:latin typeface="Times New Roman" panose="02020603050405020304" pitchFamily="18" charset="0"/>
-                <a:cs typeface="Times New Roman" panose="02020603050405020304" pitchFamily="18" charset="0"/>
-              </a:rPr>
-              <a:t>Change each character to lower case</a:t>
-            </a:r>
-          </a:p>
-          <a:p>
-            <a:pPr lvl="1"/>
+                <a:solidFill>
+                  <a:schemeClr val="tx1"/>
+                </a:solidFill>
+                <a:latin typeface="Times New Roman" pitchFamily="18" charset="0"/>
+                <a:cs typeface="Times New Roman" pitchFamily="18" charset="0"/>
+              </a:rPr>
+              <a:t>to </a:t>
+            </a:r>
             <a:r>
               <a:rPr lang="en-US" sz="2400" dirty="0" smtClean="0">
-                <a:latin typeface="Times New Roman" panose="02020603050405020304" pitchFamily="18" charset="0"/>
-                <a:cs typeface="Times New Roman" panose="02020603050405020304" pitchFamily="18" charset="0"/>
-              </a:rPr>
-              <a:t>Remove stop words</a:t>
-            </a:r>
+                <a:solidFill>
+                  <a:schemeClr val="tx1"/>
+                </a:solidFill>
+                <a:latin typeface="Times New Roman" pitchFamily="18" charset="0"/>
+                <a:cs typeface="Times New Roman" pitchFamily="18" charset="0"/>
+              </a:rPr>
+              <a:t>predict</a:t>
+            </a:r>
+            <a:endParaRPr lang="en-US" sz="2400" i="1" dirty="0" smtClean="0">
+              <a:solidFill>
+                <a:schemeClr val="tx1"/>
+              </a:solidFill>
+              <a:latin typeface="Times New Roman" pitchFamily="18" charset="0"/>
+              <a:cs typeface="Times New Roman" pitchFamily="18" charset="0"/>
+            </a:endParaRPr>
+          </a:p>
+          <a:p>
+            <a:r>
+              <a:rPr lang="en-US" sz="2400" dirty="0" smtClean="0">
+                <a:solidFill>
+                  <a:schemeClr val="tx1"/>
+                </a:solidFill>
+                <a:latin typeface="Times New Roman" pitchFamily="18" charset="0"/>
+                <a:cs typeface="Times New Roman" pitchFamily="18" charset="0"/>
+              </a:rPr>
+              <a:t>Difficult to find a concise answer to a question</a:t>
+            </a:r>
+            <a:endParaRPr lang="en-US" sz="2400" dirty="0" smtClean="0"/>
+          </a:p>
+          <a:p>
+            <a:r>
+              <a:rPr lang="en-US" sz="2400" dirty="0" smtClean="0">
+                <a:solidFill>
+                  <a:schemeClr val="tx1"/>
+                </a:solidFill>
+                <a:latin typeface="Times New Roman" pitchFamily="18" charset="0"/>
+                <a:cs typeface="Times New Roman" pitchFamily="18" charset="0"/>
+              </a:rPr>
+              <a:t>Using advanced NLP techniques to understand the semantics of a given question rather than just extracting a key term</a:t>
+            </a:r>
+          </a:p>
+          <a:p>
+            <a:r>
+              <a:rPr lang="en-US" sz="2400" dirty="0" smtClean="0">
+                <a:solidFill>
+                  <a:schemeClr val="tx1"/>
+                </a:solidFill>
+                <a:latin typeface="Times New Roman" pitchFamily="18" charset="0"/>
+                <a:cs typeface="Times New Roman" pitchFamily="18" charset="0"/>
+              </a:rPr>
+              <a:t>Parameter optimization to achieve a better accuracy</a:t>
+            </a:r>
+          </a:p>
+          <a:p>
+            <a:r>
+              <a:rPr lang="en-US" sz="2400" dirty="0" smtClean="0">
+                <a:solidFill>
+                  <a:schemeClr val="tx1"/>
+                </a:solidFill>
+                <a:latin typeface="Times New Roman" pitchFamily="18" charset="0"/>
+                <a:cs typeface="Times New Roman" pitchFamily="18" charset="0"/>
+              </a:rPr>
+              <a:t>Make a scalable model</a:t>
+            </a:r>
+          </a:p>
+          <a:p>
             <a:endParaRPr lang="en-US" sz="2400" dirty="0">
-              <a:latin typeface="Times New Roman" panose="02020603050405020304" pitchFamily="18" charset="0"/>
-              <a:cs typeface="Times New Roman" panose="02020603050405020304" pitchFamily="18" charset="0"/>
-            </a:endParaRPr>
-          </a:p>
-          <a:p>
-            <a:r>
-              <a:rPr lang="en-US" sz="2400" dirty="0" smtClean="0">
-                <a:latin typeface="Times New Roman" panose="02020603050405020304" pitchFamily="18" charset="0"/>
-                <a:cs typeface="Times New Roman" panose="02020603050405020304" pitchFamily="18" charset="0"/>
-              </a:rPr>
-              <a:t>Feature extraction-</a:t>
-            </a:r>
-          </a:p>
-          <a:p>
-            <a:pPr lvl="1"/>
-            <a:r>
-              <a:rPr lang="en-US" sz="2400" dirty="0" smtClean="0">
-                <a:latin typeface="Times New Roman" panose="02020603050405020304" pitchFamily="18" charset="0"/>
-                <a:cs typeface="Times New Roman" panose="02020603050405020304" pitchFamily="18" charset="0"/>
-              </a:rPr>
-              <a:t>Words, part-of-speech (POS) tags, named entities, head chunks and semantically related words to be used as features</a:t>
-            </a:r>
-          </a:p>
-          <a:p>
-            <a:pPr lvl="1"/>
-            <a:r>
-              <a:rPr lang="en-US" sz="2400" dirty="0" smtClean="0">
-                <a:latin typeface="Times New Roman" panose="02020603050405020304" pitchFamily="18" charset="0"/>
-                <a:cs typeface="Times New Roman" panose="02020603050405020304" pitchFamily="18" charset="0"/>
-              </a:rPr>
-              <a:t>For semantically related words, a predefined list has been provided which has group of related words</a:t>
-            </a:r>
-          </a:p>
-          <a:p>
-            <a:pPr lvl="1"/>
-            <a:r>
-              <a:rPr lang="en-US" sz="2400" dirty="0" err="1" smtClean="0">
-                <a:latin typeface="Times New Roman" panose="02020603050405020304" pitchFamily="18" charset="0"/>
-                <a:cs typeface="Times New Roman" panose="02020603050405020304" pitchFamily="18" charset="0"/>
-              </a:rPr>
-              <a:t>Pos</a:t>
-            </a:r>
-            <a:r>
-              <a:rPr lang="en-US" sz="2400" dirty="0" smtClean="0">
-                <a:latin typeface="Times New Roman" panose="02020603050405020304" pitchFamily="18" charset="0"/>
-                <a:cs typeface="Times New Roman" panose="02020603050405020304" pitchFamily="18" charset="0"/>
-              </a:rPr>
-              <a:t> </a:t>
-            </a:r>
-            <a:r>
-              <a:rPr lang="en-US" sz="2400" dirty="0">
-                <a:latin typeface="Times New Roman" panose="02020603050405020304" pitchFamily="18" charset="0"/>
-                <a:cs typeface="Times New Roman" panose="02020603050405020304" pitchFamily="18" charset="0"/>
-              </a:rPr>
-              <a:t>tags are extracted </a:t>
-            </a:r>
-            <a:r>
-              <a:rPr lang="en-US" sz="2400" dirty="0" smtClean="0">
-                <a:latin typeface="Times New Roman" panose="02020603050405020304" pitchFamily="18" charset="0"/>
-                <a:cs typeface="Times New Roman" panose="02020603050405020304" pitchFamily="18" charset="0"/>
-              </a:rPr>
-              <a:t>using a </a:t>
-            </a:r>
-            <a:r>
-              <a:rPr lang="en-US" sz="2400" dirty="0" err="1" smtClean="0">
-                <a:latin typeface="Times New Roman" panose="02020603050405020304" pitchFamily="18" charset="0"/>
-                <a:cs typeface="Times New Roman" panose="02020603050405020304" pitchFamily="18" charset="0"/>
-              </a:rPr>
-              <a:t>nltk</a:t>
-            </a:r>
-            <a:r>
-              <a:rPr lang="en-US" sz="2400" dirty="0" smtClean="0">
-                <a:latin typeface="Times New Roman" panose="02020603050405020304" pitchFamily="18" charset="0"/>
-                <a:cs typeface="Times New Roman" panose="02020603050405020304" pitchFamily="18" charset="0"/>
-              </a:rPr>
-              <a:t> </a:t>
-            </a:r>
-            <a:r>
-              <a:rPr lang="en-US" sz="2400" i="1" dirty="0" err="1" smtClean="0">
-                <a:latin typeface="Times New Roman" panose="02020603050405020304" pitchFamily="18" charset="0"/>
-                <a:cs typeface="Times New Roman" panose="02020603050405020304" pitchFamily="18" charset="0"/>
-              </a:rPr>
-              <a:t>pos_tag</a:t>
-            </a:r>
-            <a:r>
-              <a:rPr lang="en-US" sz="2400" i="1" dirty="0" smtClean="0">
-                <a:latin typeface="Times New Roman" panose="02020603050405020304" pitchFamily="18" charset="0"/>
-                <a:cs typeface="Times New Roman" panose="02020603050405020304" pitchFamily="18" charset="0"/>
-              </a:rPr>
-              <a:t>()</a:t>
-            </a:r>
-            <a:r>
-              <a:rPr lang="en-US" sz="2400" dirty="0" smtClean="0">
-                <a:latin typeface="Times New Roman" panose="02020603050405020304" pitchFamily="18" charset="0"/>
-                <a:cs typeface="Times New Roman" panose="02020603050405020304" pitchFamily="18" charset="0"/>
-              </a:rPr>
-              <a:t> function</a:t>
-            </a:r>
-          </a:p>
-          <a:p>
-            <a:pPr lvl="1"/>
-            <a:r>
-              <a:rPr lang="en-US" sz="2400" dirty="0" smtClean="0">
-                <a:latin typeface="Times New Roman" panose="02020603050405020304" pitchFamily="18" charset="0"/>
-                <a:cs typeface="Times New Roman" panose="02020603050405020304" pitchFamily="18" charset="0"/>
-              </a:rPr>
-              <a:t>To identify the question </a:t>
-            </a:r>
-            <a:r>
-              <a:rPr lang="en-US" sz="2400" dirty="0">
-                <a:latin typeface="Times New Roman" panose="02020603050405020304" pitchFamily="18" charset="0"/>
-                <a:cs typeface="Times New Roman" panose="02020603050405020304" pitchFamily="18" charset="0"/>
-              </a:rPr>
-              <a:t>type </a:t>
-            </a:r>
-            <a:r>
-              <a:rPr lang="en-US" sz="2400" dirty="0" err="1" smtClean="0">
-                <a:latin typeface="Times New Roman" panose="02020603050405020304" pitchFamily="18" charset="0"/>
-                <a:cs typeface="Times New Roman" panose="02020603050405020304" pitchFamily="18" charset="0"/>
-              </a:rPr>
-              <a:t>pretrained</a:t>
-            </a:r>
-            <a:r>
-              <a:rPr lang="en-US" sz="2400" dirty="0" smtClean="0">
-                <a:latin typeface="Times New Roman" panose="02020603050405020304" pitchFamily="18" charset="0"/>
-                <a:cs typeface="Times New Roman" panose="02020603050405020304" pitchFamily="18" charset="0"/>
-              </a:rPr>
-              <a:t> </a:t>
-            </a:r>
-            <a:r>
-              <a:rPr lang="en-US" sz="2400" dirty="0">
-                <a:latin typeface="Times New Roman" panose="02020603050405020304" pitchFamily="18" charset="0"/>
-                <a:cs typeface="Times New Roman" panose="02020603050405020304" pitchFamily="18" charset="0"/>
-              </a:rPr>
-              <a:t>question type </a:t>
-            </a:r>
-            <a:r>
-              <a:rPr lang="en-US" sz="2400" dirty="0" smtClean="0">
-                <a:latin typeface="Times New Roman" panose="02020603050405020304" pitchFamily="18" charset="0"/>
-                <a:cs typeface="Times New Roman" panose="02020603050405020304" pitchFamily="18" charset="0"/>
-              </a:rPr>
-              <a:t>classifier will be used</a:t>
-            </a:r>
-          </a:p>
-          <a:p>
-            <a:endParaRPr lang="en-US" sz="2600" dirty="0">
-              <a:latin typeface="Times New Roman" panose="02020603050405020304" pitchFamily="18" charset="0"/>
-              <a:cs typeface="Times New Roman" panose="02020603050405020304" pitchFamily="18" charset="0"/>
+              <a:solidFill>
+                <a:schemeClr val="tx1"/>
+              </a:solidFill>
+              <a:latin typeface="Times New Roman" pitchFamily="18" charset="0"/>
+              <a:cs typeface="Times New Roman" pitchFamily="18" charset="0"/>
             </a:endParaRPr>
           </a:p>
         </p:txBody>
@@ -14932,13 +17078,20 @@
     </p:spTree>
     <p:extLst>
       <p:ext uri="{BB962C8B-B14F-4D97-AF65-F5344CB8AC3E}">
-        <p14:creationId xmlns:p14="http://schemas.microsoft.com/office/powerpoint/2010/main" val="827228241"/>
+        <p14:creationId xmlns:p14="http://schemas.microsoft.com/office/powerpoint/2010/main" xmlns="" val="2825216550"/>
       </p:ext>
     </p:extLst>
   </p:cSld>
   <p:clrMapOvr>
     <a:masterClrMapping/>
   </p:clrMapOvr>
+  <p:timing>
+    <p:tnLst>
+      <p:par>
+        <p:cTn id="1" dur="indefinite" restart="never" nodeType="tmRoot"/>
+      </p:par>
+    </p:tnLst>
+  </p:timing>
 </p:sld>
 </file>
 
@@ -14985,7 +17138,7 @@
     </a:clrScheme>
     <a:fontScheme name="Facet">
       <a:majorFont>
-        <a:latin typeface="Trebuchet MS" panose="020B0603020202020204"/>
+        <a:latin typeface="Trebuchet MS"/>
         <a:ea typeface=""/>
         <a:cs typeface=""/>
         <a:font script="Jpan" typeface="メイリオ"/>
@@ -15020,7 +17173,7 @@
         <a:font script="Geor" typeface="Sylfaen"/>
       </a:majorFont>
       <a:minorFont>
-        <a:latin typeface="Trebuchet MS" panose="020B0603020202020204"/>
+        <a:latin typeface="Trebuchet MS"/>
         <a:ea typeface=""/>
         <a:cs typeface=""/>
         <a:font script="Jpan" typeface="メイリオ"/>
@@ -15193,7 +17346,7 @@
   <a:extraClrSchemeLst/>
   <a:extLst>
     <a:ext uri="{05A4C25C-085E-4340-85A3-A5531E510DB2}">
-      <thm15:themeFamily xmlns:thm15="http://schemas.microsoft.com/office/thememl/2012/main" name="Facet" id="{C0C680CD-088A-49FC-A102-D699147F32B2}" vid="{CFBC31BA-B70F-4F30-BCAA-4F3011E16C4D}"/>
+      <thm15:themeFamily xmlns:thm15="http://schemas.microsoft.com/office/thememl/2012/main" xmlns="" name="Facet" id="{C0C680CD-088A-49FC-A102-D699147F32B2}" vid="{CFBC31BA-B70F-4F30-BCAA-4F3011E16C4D}"/>
     </a:ext>
   </a:extLst>
 </a:theme>

--- a/Project Deck.pptx
+++ b/Project Deck.pptx
@@ -8,51 +8,48 @@
     <p:sldId id="256" r:id="rId2"/>
     <p:sldId id="262" r:id="rId3"/>
     <p:sldId id="263" r:id="rId4"/>
-    <p:sldId id="306" r:id="rId5"/>
-    <p:sldId id="257" r:id="rId6"/>
-    <p:sldId id="315" r:id="rId7"/>
-    <p:sldId id="316" r:id="rId8"/>
-    <p:sldId id="307" r:id="rId9"/>
-    <p:sldId id="308" r:id="rId10"/>
-    <p:sldId id="258" r:id="rId11"/>
-    <p:sldId id="264" r:id="rId12"/>
-    <p:sldId id="311" r:id="rId13"/>
-    <p:sldId id="309" r:id="rId14"/>
-    <p:sldId id="259" r:id="rId15"/>
-    <p:sldId id="268" r:id="rId16"/>
-    <p:sldId id="270" r:id="rId17"/>
-    <p:sldId id="275" r:id="rId18"/>
-    <p:sldId id="272" r:id="rId19"/>
-    <p:sldId id="273" r:id="rId20"/>
-    <p:sldId id="292" r:id="rId21"/>
-    <p:sldId id="293" r:id="rId22"/>
-    <p:sldId id="294" r:id="rId23"/>
-    <p:sldId id="296" r:id="rId24"/>
-    <p:sldId id="297" r:id="rId25"/>
-    <p:sldId id="298" r:id="rId26"/>
-    <p:sldId id="312" r:id="rId27"/>
-    <p:sldId id="274" r:id="rId28"/>
-    <p:sldId id="279" r:id="rId29"/>
-    <p:sldId id="280" r:id="rId30"/>
-    <p:sldId id="313" r:id="rId31"/>
-    <p:sldId id="276" r:id="rId32"/>
-    <p:sldId id="281" r:id="rId33"/>
-    <p:sldId id="286" r:id="rId34"/>
-    <p:sldId id="282" r:id="rId35"/>
-    <p:sldId id="285" r:id="rId36"/>
-    <p:sldId id="283" r:id="rId37"/>
-    <p:sldId id="300" r:id="rId38"/>
-    <p:sldId id="291" r:id="rId39"/>
-    <p:sldId id="301" r:id="rId40"/>
-    <p:sldId id="284" r:id="rId41"/>
-    <p:sldId id="303" r:id="rId42"/>
-    <p:sldId id="304" r:id="rId43"/>
-    <p:sldId id="302" r:id="rId44"/>
-    <p:sldId id="289" r:id="rId45"/>
-    <p:sldId id="290" r:id="rId46"/>
-    <p:sldId id="314" r:id="rId47"/>
-    <p:sldId id="278" r:id="rId48"/>
-    <p:sldId id="267" r:id="rId49"/>
+    <p:sldId id="257" r:id="rId5"/>
+    <p:sldId id="258" r:id="rId6"/>
+    <p:sldId id="264" r:id="rId7"/>
+    <p:sldId id="259" r:id="rId8"/>
+    <p:sldId id="268" r:id="rId9"/>
+    <p:sldId id="270" r:id="rId10"/>
+    <p:sldId id="275" r:id="rId11"/>
+    <p:sldId id="272" r:id="rId12"/>
+    <p:sldId id="273" r:id="rId13"/>
+    <p:sldId id="292" r:id="rId14"/>
+    <p:sldId id="293" r:id="rId15"/>
+    <p:sldId id="294" r:id="rId16"/>
+    <p:sldId id="295" r:id="rId17"/>
+    <p:sldId id="296" r:id="rId18"/>
+    <p:sldId id="297" r:id="rId19"/>
+    <p:sldId id="298" r:id="rId20"/>
+    <p:sldId id="274" r:id="rId21"/>
+    <p:sldId id="279" r:id="rId22"/>
+    <p:sldId id="280" r:id="rId23"/>
+    <p:sldId id="276" r:id="rId24"/>
+    <p:sldId id="278" r:id="rId25"/>
+    <p:sldId id="266" r:id="rId26"/>
+    <p:sldId id="281" r:id="rId27"/>
+    <p:sldId id="286" r:id="rId28"/>
+    <p:sldId id="282" r:id="rId29"/>
+    <p:sldId id="285" r:id="rId30"/>
+    <p:sldId id="283" r:id="rId31"/>
+    <p:sldId id="299" r:id="rId32"/>
+    <p:sldId id="300" r:id="rId33"/>
+    <p:sldId id="291" r:id="rId34"/>
+    <p:sldId id="301" r:id="rId35"/>
+    <p:sldId id="284" r:id="rId36"/>
+    <p:sldId id="303" r:id="rId37"/>
+    <p:sldId id="304" r:id="rId38"/>
+    <p:sldId id="305" r:id="rId39"/>
+    <p:sldId id="302" r:id="rId40"/>
+    <p:sldId id="288" r:id="rId41"/>
+    <p:sldId id="289" r:id="rId42"/>
+    <p:sldId id="290" r:id="rId43"/>
+    <p:sldId id="287" r:id="rId44"/>
+    <p:sldId id="271" r:id="rId45"/>
+    <p:sldId id="267" r:id="rId46"/>
   </p:sldIdLst>
   <p:sldSz cx="12192000" cy="6858000"/>
   <p:notesSz cx="6858000" cy="9144000"/>
@@ -153,7 +150,7 @@
   </p:defaultTextStyle>
   <p:extLst>
     <p:ext uri="{EFAFB233-063F-42B5-8137-9DF3F51BA10A}">
-      <p15:sldGuideLst xmlns:p15="http://schemas.microsoft.com/office/powerpoint/2012/main" xmlns=""/>
+      <p15:sldGuideLst xmlns:p15="http://schemas.microsoft.com/office/powerpoint/2012/main"/>
     </p:ext>
   </p:extLst>
 </p:presentation>
@@ -1314,19 +1311,19 @@
     </dgm:pt>
   </dgm:ptLst>
   <dgm:cxnLst>
-    <dgm:cxn modelId="{A8C36CAC-5371-4676-ACEE-3A6770BFE476}" srcId="{E557F953-53A7-4461-91E7-AF6B4745460E}" destId="{A612C781-BC39-45EF-B946-D1019EF70895}" srcOrd="4" destOrd="0" parTransId="{4D8DABFC-F17C-431D-B656-0A86C460E7AC}" sibTransId="{EBEAE432-50CC-4E74-A465-1471DA6F291D}"/>
+    <dgm:cxn modelId="{3587FD33-4CFE-4A13-857A-437D043887DA}" srcId="{E557F953-53A7-4461-91E7-AF6B4745460E}" destId="{56714F58-D5F9-4B41-BE16-86261102EC91}" srcOrd="0" destOrd="0" parTransId="{C20A7C3C-17A0-49F1-8424-9E969CD50007}" sibTransId="{CED39B7B-DDDC-4225-8481-3AD9BF9268A2}"/>
+    <dgm:cxn modelId="{68B2FC9D-5E1C-4CD4-A986-2E1DBB5902DF}" type="presOf" srcId="{16568CA1-FADD-49B8-BC21-24A5BCDCFE14}" destId="{F49328FB-1256-4AD0-9C2F-BD9F753351B9}" srcOrd="0" destOrd="0" presId="urn:microsoft.com/office/officeart/2005/8/layout/chevron1"/>
+    <dgm:cxn modelId="{89A1E335-2B13-429B-8C8A-2BDCA84D0777}" type="presOf" srcId="{A612C781-BC39-45EF-B946-D1019EF70895}" destId="{629DD829-196D-406A-929C-77F2D6DF6BE0}" srcOrd="0" destOrd="0" presId="urn:microsoft.com/office/officeart/2005/8/layout/chevron1"/>
+    <dgm:cxn modelId="{C195BD01-4B50-4E85-9051-6ADCB43858B1}" type="presOf" srcId="{3AE60618-106B-46A7-A07D-44E472B249B7}" destId="{229E421B-5449-40D4-931A-50531F8F08C2}" srcOrd="0" destOrd="0" presId="urn:microsoft.com/office/officeart/2005/8/layout/chevron1"/>
+    <dgm:cxn modelId="{7650462A-403A-491A-944F-2528835A6616}" srcId="{E557F953-53A7-4461-91E7-AF6B4745460E}" destId="{D213C4DE-A1E3-49D8-9FF1-6F62BD22C947}" srcOrd="3" destOrd="0" parTransId="{0DEFF5E3-7157-4C19-9076-0AA932B380B1}" sibTransId="{849659A8-A716-4010-9580-E5AEE11E65EE}"/>
+    <dgm:cxn modelId="{4365AB8E-652E-4095-BE91-809B19CD8129}" type="presOf" srcId="{D213C4DE-A1E3-49D8-9FF1-6F62BD22C947}" destId="{FDA28FB9-A4EA-4D5B-AF57-C4427DBEDD21}" srcOrd="0" destOrd="0" presId="urn:microsoft.com/office/officeart/2005/8/layout/chevron1"/>
+    <dgm:cxn modelId="{D68C7848-11C3-4AA3-8628-C0B2C29A7F2C}" srcId="{E557F953-53A7-4461-91E7-AF6B4745460E}" destId="{411153B0-69E2-4922-9414-D51EE76A7C04}" srcOrd="2" destOrd="0" parTransId="{4BBF50D8-182F-4AE5-8ECD-4F7C0D7CF3EA}" sibTransId="{51009DE7-55DA-4039-9E03-2841C4BFBC1C}"/>
+    <dgm:cxn modelId="{EFD1C311-60D3-4EEE-9387-DCCF3A2B3A28}" type="presOf" srcId="{56714F58-D5F9-4B41-BE16-86261102EC91}" destId="{CB311A94-3E0B-475E-90D2-8C5A8CFFDC69}" srcOrd="0" destOrd="0" presId="urn:microsoft.com/office/officeart/2005/8/layout/chevron1"/>
+    <dgm:cxn modelId="{B849C9DE-9688-4347-AC2A-CFE9F6C88E25}" srcId="{E557F953-53A7-4461-91E7-AF6B4745460E}" destId="{16568CA1-FADD-49B8-BC21-24A5BCDCFE14}" srcOrd="5" destOrd="0" parTransId="{F9835382-F629-4350-917B-10EEB6DC88AA}" sibTransId="{FD533291-B9B9-4A3A-9D4B-B629731B36BB}"/>
     <dgm:cxn modelId="{7760EDA0-A89B-4093-8862-20E853F7F9DB}" srcId="{E557F953-53A7-4461-91E7-AF6B4745460E}" destId="{3AE60618-106B-46A7-A07D-44E472B249B7}" srcOrd="1" destOrd="0" parTransId="{A4FF39E1-E916-4602-97D6-9573FC2E41E4}" sibTransId="{8C8CCDD8-5FA6-4164-9EF8-A086EC114A65}"/>
-    <dgm:cxn modelId="{3587FD33-4CFE-4A13-857A-437D043887DA}" srcId="{E557F953-53A7-4461-91E7-AF6B4745460E}" destId="{56714F58-D5F9-4B41-BE16-86261102EC91}" srcOrd="0" destOrd="0" parTransId="{C20A7C3C-17A0-49F1-8424-9E969CD50007}" sibTransId="{CED39B7B-DDDC-4225-8481-3AD9BF9268A2}"/>
     <dgm:cxn modelId="{DABB6CA4-F135-46B3-8B6A-CFFFF4756ADC}" type="presOf" srcId="{E557F953-53A7-4461-91E7-AF6B4745460E}" destId="{1B430B04-B354-4CE0-9343-AA7625FF0CB9}" srcOrd="0" destOrd="0" presId="urn:microsoft.com/office/officeart/2005/8/layout/chevron1"/>
     <dgm:cxn modelId="{F79C53DA-7D08-434B-8024-9CBF05C9D868}" type="presOf" srcId="{411153B0-69E2-4922-9414-D51EE76A7C04}" destId="{04CAC2E9-0391-4623-BE2B-D185EF911A00}" srcOrd="0" destOrd="0" presId="urn:microsoft.com/office/officeart/2005/8/layout/chevron1"/>
-    <dgm:cxn modelId="{68B2FC9D-5E1C-4CD4-A986-2E1DBB5902DF}" type="presOf" srcId="{16568CA1-FADD-49B8-BC21-24A5BCDCFE14}" destId="{F49328FB-1256-4AD0-9C2F-BD9F753351B9}" srcOrd="0" destOrd="0" presId="urn:microsoft.com/office/officeart/2005/8/layout/chevron1"/>
-    <dgm:cxn modelId="{B849C9DE-9688-4347-AC2A-CFE9F6C88E25}" srcId="{E557F953-53A7-4461-91E7-AF6B4745460E}" destId="{16568CA1-FADD-49B8-BC21-24A5BCDCFE14}" srcOrd="5" destOrd="0" parTransId="{F9835382-F629-4350-917B-10EEB6DC88AA}" sibTransId="{FD533291-B9B9-4A3A-9D4B-B629731B36BB}"/>
-    <dgm:cxn modelId="{EFD1C311-60D3-4EEE-9387-DCCF3A2B3A28}" type="presOf" srcId="{56714F58-D5F9-4B41-BE16-86261102EC91}" destId="{CB311A94-3E0B-475E-90D2-8C5A8CFFDC69}" srcOrd="0" destOrd="0" presId="urn:microsoft.com/office/officeart/2005/8/layout/chevron1"/>
-    <dgm:cxn modelId="{C195BD01-4B50-4E85-9051-6ADCB43858B1}" type="presOf" srcId="{3AE60618-106B-46A7-A07D-44E472B249B7}" destId="{229E421B-5449-40D4-931A-50531F8F08C2}" srcOrd="0" destOrd="0" presId="urn:microsoft.com/office/officeart/2005/8/layout/chevron1"/>
-    <dgm:cxn modelId="{4365AB8E-652E-4095-BE91-809B19CD8129}" type="presOf" srcId="{D213C4DE-A1E3-49D8-9FF1-6F62BD22C947}" destId="{FDA28FB9-A4EA-4D5B-AF57-C4427DBEDD21}" srcOrd="0" destOrd="0" presId="urn:microsoft.com/office/officeart/2005/8/layout/chevron1"/>
-    <dgm:cxn modelId="{89A1E335-2B13-429B-8C8A-2BDCA84D0777}" type="presOf" srcId="{A612C781-BC39-45EF-B946-D1019EF70895}" destId="{629DD829-196D-406A-929C-77F2D6DF6BE0}" srcOrd="0" destOrd="0" presId="urn:microsoft.com/office/officeart/2005/8/layout/chevron1"/>
-    <dgm:cxn modelId="{D68C7848-11C3-4AA3-8628-C0B2C29A7F2C}" srcId="{E557F953-53A7-4461-91E7-AF6B4745460E}" destId="{411153B0-69E2-4922-9414-D51EE76A7C04}" srcOrd="2" destOrd="0" parTransId="{4BBF50D8-182F-4AE5-8ECD-4F7C0D7CF3EA}" sibTransId="{51009DE7-55DA-4039-9E03-2841C4BFBC1C}"/>
-    <dgm:cxn modelId="{7650462A-403A-491A-944F-2528835A6616}" srcId="{E557F953-53A7-4461-91E7-AF6B4745460E}" destId="{D213C4DE-A1E3-49D8-9FF1-6F62BD22C947}" srcOrd="3" destOrd="0" parTransId="{0DEFF5E3-7157-4C19-9076-0AA932B380B1}" sibTransId="{849659A8-A716-4010-9580-E5AEE11E65EE}"/>
+    <dgm:cxn modelId="{A8C36CAC-5371-4676-ACEE-3A6770BFE476}" srcId="{E557F953-53A7-4461-91E7-AF6B4745460E}" destId="{A612C781-BC39-45EF-B946-D1019EF70895}" srcOrd="4" destOrd="0" parTransId="{4D8DABFC-F17C-431D-B656-0A86C460E7AC}" sibTransId="{EBEAE432-50CC-4E74-A465-1471DA6F291D}"/>
     <dgm:cxn modelId="{9D9E7474-20A2-4EBF-A755-14349A5E0D67}" type="presParOf" srcId="{1B430B04-B354-4CE0-9343-AA7625FF0CB9}" destId="{CB311A94-3E0B-475E-90D2-8C5A8CFFDC69}" srcOrd="0" destOrd="0" presId="urn:microsoft.com/office/officeart/2005/8/layout/chevron1"/>
     <dgm:cxn modelId="{CC865395-69E1-4F0C-9279-50098A7FB16D}" type="presParOf" srcId="{1B430B04-B354-4CE0-9343-AA7625FF0CB9}" destId="{37B0536D-6CC5-459C-9A5B-85701438D00B}" srcOrd="1" destOrd="0" presId="urn:microsoft.com/office/officeart/2005/8/layout/chevron1"/>
     <dgm:cxn modelId="{29E0D8DC-393E-4839-B159-4A78008169D7}" type="presParOf" srcId="{1B430B04-B354-4CE0-9343-AA7625FF0CB9}" destId="{229E421B-5449-40D4-931A-50531F8F08C2}" srcOrd="2" destOrd="0" presId="urn:microsoft.com/office/officeart/2005/8/layout/chevron1"/>
@@ -1343,14 +1340,14 @@
   <dgm:whole/>
   <dgm:extLst>
     <a:ext uri="http://schemas.microsoft.com/office/drawing/2008/diagram">
-      <dsp:dataModelExt xmlns:dsp="http://schemas.microsoft.com/office/drawing/2008/diagram" xmlns="" relId="rId6" minVer="http://schemas.openxmlformats.org/drawingml/2006/diagram"/>
+      <dsp:dataModelExt xmlns:dsp="http://schemas.microsoft.com/office/drawing/2008/diagram" relId="rId6" minVer="http://schemas.openxmlformats.org/drawingml/2006/diagram"/>
     </a:ext>
   </dgm:extLst>
 </dgm:dataModel>
 </file>
 
 <file path=ppt/diagrams/drawing1.xml><?xml version="1.0" encoding="utf-8"?>
-<dsp:drawing xmlns:dgm="http://schemas.openxmlformats.org/drawingml/2006/diagram" xmlns:a="http://schemas.openxmlformats.org/drawingml/2006/main" xmlns:dsp="http://schemas.microsoft.com/office/drawing/2008/diagram">
+<dsp:drawing xmlns:dgm="http://schemas.openxmlformats.org/drawingml/2006/diagram" xmlns:dsp="http://schemas.microsoft.com/office/drawing/2008/diagram" xmlns:a="http://schemas.openxmlformats.org/drawingml/2006/main">
   <dsp:spTree>
     <dsp:nvGrpSpPr>
       <dsp:cNvPr id="0" name=""/>
@@ -1456,8 +1453,8 @@
         </a:p>
       </dsp:txBody>
       <dsp:txXfrm>
-        <a:off x="3740" y="1146836"/>
-        <a:ext cx="1765224" cy="706089"/>
+        <a:off x="356785" y="1146836"/>
+        <a:ext cx="1059135" cy="706089"/>
       </dsp:txXfrm>
     </dsp:sp>
     <dsp:sp modelId="{229E421B-5449-40D4-931A-50531F8F08C2}">
@@ -1539,8 +1536,8 @@
         </a:p>
       </dsp:txBody>
       <dsp:txXfrm>
-        <a:off x="1592442" y="1146836"/>
-        <a:ext cx="1926548" cy="706089"/>
+        <a:off x="1945487" y="1146836"/>
+        <a:ext cx="1220459" cy="706089"/>
       </dsp:txXfrm>
     </dsp:sp>
     <dsp:sp modelId="{04CAC2E9-0391-4623-BE2B-D185EF911A00}">
@@ -1622,8 +1619,8 @@
         </a:p>
       </dsp:txBody>
       <dsp:txXfrm>
-        <a:off x="3342468" y="1146836"/>
-        <a:ext cx="1765224" cy="706089"/>
+        <a:off x="3695513" y="1146836"/>
+        <a:ext cx="1059135" cy="706089"/>
       </dsp:txXfrm>
     </dsp:sp>
     <dsp:sp modelId="{FDA28FB9-A4EA-4D5B-AF57-C4427DBEDD21}">
@@ -1705,8 +1702,8 @@
         </a:p>
       </dsp:txBody>
       <dsp:txXfrm>
-        <a:off x="4931170" y="1146836"/>
-        <a:ext cx="1765224" cy="706089"/>
+        <a:off x="5284215" y="1146836"/>
+        <a:ext cx="1059135" cy="706089"/>
       </dsp:txXfrm>
     </dsp:sp>
     <dsp:sp modelId="{629DD829-196D-406A-929C-77F2D6DF6BE0}">
@@ -1788,8 +1785,8 @@
         </a:p>
       </dsp:txBody>
       <dsp:txXfrm>
-        <a:off x="6519872" y="1146836"/>
-        <a:ext cx="1765224" cy="706089"/>
+        <a:off x="6872917" y="1146836"/>
+        <a:ext cx="1059135" cy="706089"/>
       </dsp:txXfrm>
     </dsp:sp>
     <dsp:sp modelId="{F49328FB-1256-4AD0-9C2F-BD9F753351B9}">
@@ -1871,8 +1868,8 @@
         </a:p>
       </dsp:txBody>
       <dsp:txXfrm>
-        <a:off x="8108574" y="1146836"/>
-        <a:ext cx="1765224" cy="706089"/>
+        <a:off x="8461619" y="1146836"/>
+        <a:ext cx="1059135" cy="706089"/>
       </dsp:txXfrm>
     </dsp:sp>
   </dsp:spTree>
@@ -3918,8 +3915,7 @@
           <a:p>
             <a:fld id="{BC839B46-FF5D-46F4-8C06-8582E4D5CA0A}" type="datetimeFigureOut">
               <a:rPr lang="en-US" smtClean="0"/>
-              <a:pPr/>
-              <a:t>12/24/2016</a:t>
+              <a:t>12/18/2016</a:t>
             </a:fld>
             <a:endParaRPr lang="en-US"/>
           </a:p>
@@ -3961,7 +3957,6 @@
           <a:p>
             <a:fld id="{E408724A-4A63-4F3B-B909-C6542B9258E1}" type="slidenum">
               <a:rPr lang="en-US" smtClean="0"/>
-              <a:pPr/>
               <a:t>‹#›</a:t>
             </a:fld>
             <a:endParaRPr lang="en-US"/>
@@ -3971,7 +3966,7 @@
     </p:spTree>
     <p:extLst>
       <p:ext uri="{BB962C8B-B14F-4D97-AF65-F5344CB8AC3E}">
-        <p14:creationId xmlns:p14="http://schemas.microsoft.com/office/powerpoint/2010/main" xmlns="" val="3907563665"/>
+        <p14:creationId xmlns:p14="http://schemas.microsoft.com/office/powerpoint/2010/main" val="3907563665"/>
       </p:ext>
     </p:extLst>
   </p:cSld>
@@ -4171,8 +4166,7 @@
           <a:p>
             <a:fld id="{BC839B46-FF5D-46F4-8C06-8582E4D5CA0A}" type="datetimeFigureOut">
               <a:rPr lang="en-US" smtClean="0"/>
-              <a:pPr/>
-              <a:t>12/24/2016</a:t>
+              <a:t>12/18/2016</a:t>
             </a:fld>
             <a:endParaRPr lang="en-US"/>
           </a:p>
@@ -4214,7 +4208,6 @@
           <a:p>
             <a:fld id="{E408724A-4A63-4F3B-B909-C6542B9258E1}" type="slidenum">
               <a:rPr lang="en-US" smtClean="0"/>
-              <a:pPr/>
               <a:t>‹#›</a:t>
             </a:fld>
             <a:endParaRPr lang="en-US"/>
@@ -4224,7 +4217,7 @@
     </p:spTree>
     <p:extLst>
       <p:ext uri="{BB962C8B-B14F-4D97-AF65-F5344CB8AC3E}">
-        <p14:creationId xmlns:p14="http://schemas.microsoft.com/office/powerpoint/2010/main" xmlns="" val="3384067754"/>
+        <p14:creationId xmlns:p14="http://schemas.microsoft.com/office/powerpoint/2010/main" val="3384067754"/>
       </p:ext>
     </p:extLst>
   </p:cSld>
@@ -4487,8 +4480,7 @@
           <a:p>
             <a:fld id="{BC839B46-FF5D-46F4-8C06-8582E4D5CA0A}" type="datetimeFigureOut">
               <a:rPr lang="en-US" smtClean="0"/>
-              <a:pPr/>
-              <a:t>12/24/2016</a:t>
+              <a:t>12/18/2016</a:t>
             </a:fld>
             <a:endParaRPr lang="en-US"/>
           </a:p>
@@ -4530,7 +4522,6 @@
           <a:p>
             <a:fld id="{E408724A-4A63-4F3B-B909-C6542B9258E1}" type="slidenum">
               <a:rPr lang="en-US" smtClean="0"/>
-              <a:pPr/>
               <a:t>‹#›</a:t>
             </a:fld>
             <a:endParaRPr lang="en-US"/>
@@ -4630,7 +4621,7 @@
     </p:spTree>
     <p:extLst>
       <p:ext uri="{BB962C8B-B14F-4D97-AF65-F5344CB8AC3E}">
-        <p14:creationId xmlns:p14="http://schemas.microsoft.com/office/powerpoint/2010/main" xmlns="" val="1215629344"/>
+        <p14:creationId xmlns:p14="http://schemas.microsoft.com/office/powerpoint/2010/main" val="1215629344"/>
       </p:ext>
     </p:extLst>
   </p:cSld>
@@ -4830,8 +4821,7 @@
           <a:p>
             <a:fld id="{BC839B46-FF5D-46F4-8C06-8582E4D5CA0A}" type="datetimeFigureOut">
               <a:rPr lang="en-US" smtClean="0"/>
-              <a:pPr/>
-              <a:t>12/24/2016</a:t>
+              <a:t>12/18/2016</a:t>
             </a:fld>
             <a:endParaRPr lang="en-US"/>
           </a:p>
@@ -4873,7 +4863,6 @@
           <a:p>
             <a:fld id="{E408724A-4A63-4F3B-B909-C6542B9258E1}" type="slidenum">
               <a:rPr lang="en-US" smtClean="0"/>
-              <a:pPr/>
               <a:t>‹#›</a:t>
             </a:fld>
             <a:endParaRPr lang="en-US"/>
@@ -4883,7 +4872,7 @@
     </p:spTree>
     <p:extLst>
       <p:ext uri="{BB962C8B-B14F-4D97-AF65-F5344CB8AC3E}">
-        <p14:creationId xmlns:p14="http://schemas.microsoft.com/office/powerpoint/2010/main" xmlns="" val="63452324"/>
+        <p14:creationId xmlns:p14="http://schemas.microsoft.com/office/powerpoint/2010/main" val="63452324"/>
       </p:ext>
     </p:extLst>
   </p:cSld>
@@ -5146,8 +5135,7 @@
           <a:p>
             <a:fld id="{BC839B46-FF5D-46F4-8C06-8582E4D5CA0A}" type="datetimeFigureOut">
               <a:rPr lang="en-US" smtClean="0"/>
-              <a:pPr/>
-              <a:t>12/24/2016</a:t>
+              <a:t>12/18/2016</a:t>
             </a:fld>
             <a:endParaRPr lang="en-US"/>
           </a:p>
@@ -5189,7 +5177,6 @@
           <a:p>
             <a:fld id="{E408724A-4A63-4F3B-B909-C6542B9258E1}" type="slidenum">
               <a:rPr lang="en-US" smtClean="0"/>
-              <a:pPr/>
               <a:t>‹#›</a:t>
             </a:fld>
             <a:endParaRPr lang="en-US"/>
@@ -5281,7 +5268,7 @@
     </p:spTree>
     <p:extLst>
       <p:ext uri="{BB962C8B-B14F-4D97-AF65-F5344CB8AC3E}">
-        <p14:creationId xmlns:p14="http://schemas.microsoft.com/office/powerpoint/2010/main" xmlns="" val="4055300762"/>
+        <p14:creationId xmlns:p14="http://schemas.microsoft.com/office/powerpoint/2010/main" val="4055300762"/>
       </p:ext>
     </p:extLst>
   </p:cSld>
@@ -5541,8 +5528,7 @@
           <a:p>
             <a:fld id="{BC839B46-FF5D-46F4-8C06-8582E4D5CA0A}" type="datetimeFigureOut">
               <a:rPr lang="en-US" smtClean="0"/>
-              <a:pPr/>
-              <a:t>12/24/2016</a:t>
+              <a:t>12/18/2016</a:t>
             </a:fld>
             <a:endParaRPr lang="en-US"/>
           </a:p>
@@ -5584,7 +5570,6 @@
           <a:p>
             <a:fld id="{E408724A-4A63-4F3B-B909-C6542B9258E1}" type="slidenum">
               <a:rPr lang="en-US" smtClean="0"/>
-              <a:pPr/>
               <a:t>‹#›</a:t>
             </a:fld>
             <a:endParaRPr lang="en-US"/>
@@ -5594,7 +5579,7 @@
     </p:spTree>
     <p:extLst>
       <p:ext uri="{BB962C8B-B14F-4D97-AF65-F5344CB8AC3E}">
-        <p14:creationId xmlns:p14="http://schemas.microsoft.com/office/powerpoint/2010/main" xmlns="" val="3806962149"/>
+        <p14:creationId xmlns:p14="http://schemas.microsoft.com/office/powerpoint/2010/main" val="3806962149"/>
       </p:ext>
     </p:extLst>
   </p:cSld>
@@ -5713,8 +5698,7 @@
           <a:p>
             <a:fld id="{BC839B46-FF5D-46F4-8C06-8582E4D5CA0A}" type="datetimeFigureOut">
               <a:rPr lang="en-US" smtClean="0"/>
-              <a:pPr/>
-              <a:t>12/24/2016</a:t>
+              <a:t>12/18/2016</a:t>
             </a:fld>
             <a:endParaRPr lang="en-US"/>
           </a:p>
@@ -5756,7 +5740,6 @@
           <a:p>
             <a:fld id="{E408724A-4A63-4F3B-B909-C6542B9258E1}" type="slidenum">
               <a:rPr lang="en-US" smtClean="0"/>
-              <a:pPr/>
               <a:t>‹#›</a:t>
             </a:fld>
             <a:endParaRPr lang="en-US"/>
@@ -5766,7 +5749,7 @@
     </p:spTree>
     <p:extLst>
       <p:ext uri="{BB962C8B-B14F-4D97-AF65-F5344CB8AC3E}">
-        <p14:creationId xmlns:p14="http://schemas.microsoft.com/office/powerpoint/2010/main" xmlns="" val="3256474772"/>
+        <p14:creationId xmlns:p14="http://schemas.microsoft.com/office/powerpoint/2010/main" val="3256474772"/>
       </p:ext>
     </p:extLst>
   </p:cSld>
@@ -5895,8 +5878,7 @@
           <a:p>
             <a:fld id="{BC839B46-FF5D-46F4-8C06-8582E4D5CA0A}" type="datetimeFigureOut">
               <a:rPr lang="en-US" smtClean="0"/>
-              <a:pPr/>
-              <a:t>12/24/2016</a:t>
+              <a:t>12/18/2016</a:t>
             </a:fld>
             <a:endParaRPr lang="en-US"/>
           </a:p>
@@ -5938,7 +5920,6 @@
           <a:p>
             <a:fld id="{E408724A-4A63-4F3B-B909-C6542B9258E1}" type="slidenum">
               <a:rPr lang="en-US" smtClean="0"/>
-              <a:pPr/>
               <a:t>‹#›</a:t>
             </a:fld>
             <a:endParaRPr lang="en-US"/>
@@ -5948,7 +5929,7 @@
     </p:spTree>
     <p:extLst>
       <p:ext uri="{BB962C8B-B14F-4D97-AF65-F5344CB8AC3E}">
-        <p14:creationId xmlns:p14="http://schemas.microsoft.com/office/powerpoint/2010/main" xmlns="" val="3361104686"/>
+        <p14:creationId xmlns:p14="http://schemas.microsoft.com/office/powerpoint/2010/main" val="3361104686"/>
       </p:ext>
     </p:extLst>
   </p:cSld>
@@ -6073,8 +6054,7 @@
           <a:p>
             <a:fld id="{BC839B46-FF5D-46F4-8C06-8582E4D5CA0A}" type="datetimeFigureOut">
               <a:rPr lang="en-US" smtClean="0"/>
-              <a:pPr/>
-              <a:t>12/24/2016</a:t>
+              <a:t>12/18/2016</a:t>
             </a:fld>
             <a:endParaRPr lang="en-US"/>
           </a:p>
@@ -6116,7 +6096,6 @@
           <a:p>
             <a:fld id="{E408724A-4A63-4F3B-B909-C6542B9258E1}" type="slidenum">
               <a:rPr lang="en-US" smtClean="0"/>
-              <a:pPr/>
               <a:t>‹#›</a:t>
             </a:fld>
             <a:endParaRPr lang="en-US"/>
@@ -6126,7 +6105,7 @@
     </p:spTree>
     <p:extLst>
       <p:ext uri="{BB962C8B-B14F-4D97-AF65-F5344CB8AC3E}">
-        <p14:creationId xmlns:p14="http://schemas.microsoft.com/office/powerpoint/2010/main" xmlns="" val="833918783"/>
+        <p14:creationId xmlns:p14="http://schemas.microsoft.com/office/powerpoint/2010/main" val="833918783"/>
       </p:ext>
     </p:extLst>
   </p:cSld>
@@ -6322,8 +6301,7 @@
           <a:p>
             <a:fld id="{BC839B46-FF5D-46F4-8C06-8582E4D5CA0A}" type="datetimeFigureOut">
               <a:rPr lang="en-US" smtClean="0"/>
-              <a:pPr/>
-              <a:t>12/24/2016</a:t>
+              <a:t>12/18/2016</a:t>
             </a:fld>
             <a:endParaRPr lang="en-US"/>
           </a:p>
@@ -6365,7 +6343,6 @@
           <a:p>
             <a:fld id="{E408724A-4A63-4F3B-B909-C6542B9258E1}" type="slidenum">
               <a:rPr lang="en-US" smtClean="0"/>
-              <a:pPr/>
               <a:t>‹#›</a:t>
             </a:fld>
             <a:endParaRPr lang="en-US"/>
@@ -6375,7 +6352,7 @@
     </p:spTree>
     <p:extLst>
       <p:ext uri="{BB962C8B-B14F-4D97-AF65-F5344CB8AC3E}">
-        <p14:creationId xmlns:p14="http://schemas.microsoft.com/office/powerpoint/2010/main" xmlns="" val="3583338958"/>
+        <p14:creationId xmlns:p14="http://schemas.microsoft.com/office/powerpoint/2010/main" val="3583338958"/>
       </p:ext>
     </p:extLst>
   </p:cSld>
@@ -6556,8 +6533,7 @@
           <a:p>
             <a:fld id="{BC839B46-FF5D-46F4-8C06-8582E4D5CA0A}" type="datetimeFigureOut">
               <a:rPr lang="en-US" smtClean="0"/>
-              <a:pPr/>
-              <a:t>12/24/2016</a:t>
+              <a:t>12/18/2016</a:t>
             </a:fld>
             <a:endParaRPr lang="en-US"/>
           </a:p>
@@ -6599,7 +6575,6 @@
           <a:p>
             <a:fld id="{E408724A-4A63-4F3B-B909-C6542B9258E1}" type="slidenum">
               <a:rPr lang="en-US" smtClean="0"/>
-              <a:pPr/>
               <a:t>‹#›</a:t>
             </a:fld>
             <a:endParaRPr lang="en-US"/>
@@ -6609,7 +6584,7 @@
     </p:spTree>
     <p:extLst>
       <p:ext uri="{BB962C8B-B14F-4D97-AF65-F5344CB8AC3E}">
-        <p14:creationId xmlns:p14="http://schemas.microsoft.com/office/powerpoint/2010/main" xmlns="" val="2341263281"/>
+        <p14:creationId xmlns:p14="http://schemas.microsoft.com/office/powerpoint/2010/main" val="2341263281"/>
       </p:ext>
     </p:extLst>
   </p:cSld>
@@ -6932,8 +6907,7 @@
           <a:p>
             <a:fld id="{BC839B46-FF5D-46F4-8C06-8582E4D5CA0A}" type="datetimeFigureOut">
               <a:rPr lang="en-US" smtClean="0"/>
-              <a:pPr/>
-              <a:t>12/24/2016</a:t>
+              <a:t>12/18/2016</a:t>
             </a:fld>
             <a:endParaRPr lang="en-US"/>
           </a:p>
@@ -6975,7 +6949,6 @@
           <a:p>
             <a:fld id="{E408724A-4A63-4F3B-B909-C6542B9258E1}" type="slidenum">
               <a:rPr lang="en-US" smtClean="0"/>
-              <a:pPr/>
               <a:t>‹#›</a:t>
             </a:fld>
             <a:endParaRPr lang="en-US"/>
@@ -6985,7 +6958,7 @@
     </p:spTree>
     <p:extLst>
       <p:ext uri="{BB962C8B-B14F-4D97-AF65-F5344CB8AC3E}">
-        <p14:creationId xmlns:p14="http://schemas.microsoft.com/office/powerpoint/2010/main" xmlns="" val="3925089386"/>
+        <p14:creationId xmlns:p14="http://schemas.microsoft.com/office/powerpoint/2010/main" val="3925089386"/>
       </p:ext>
     </p:extLst>
   </p:cSld>
@@ -7057,8 +7030,7 @@
           <a:p>
             <a:fld id="{BC839B46-FF5D-46F4-8C06-8582E4D5CA0A}" type="datetimeFigureOut">
               <a:rPr lang="en-US" smtClean="0"/>
-              <a:pPr/>
-              <a:t>12/24/2016</a:t>
+              <a:t>12/18/2016</a:t>
             </a:fld>
             <a:endParaRPr lang="en-US"/>
           </a:p>
@@ -7100,7 +7072,6 @@
           <a:p>
             <a:fld id="{E408724A-4A63-4F3B-B909-C6542B9258E1}" type="slidenum">
               <a:rPr lang="en-US" smtClean="0"/>
-              <a:pPr/>
               <a:t>‹#›</a:t>
             </a:fld>
             <a:endParaRPr lang="en-US"/>
@@ -7110,7 +7081,7 @@
     </p:spTree>
     <p:extLst>
       <p:ext uri="{BB962C8B-B14F-4D97-AF65-F5344CB8AC3E}">
-        <p14:creationId xmlns:p14="http://schemas.microsoft.com/office/powerpoint/2010/main" xmlns="" val="742581026"/>
+        <p14:creationId xmlns:p14="http://schemas.microsoft.com/office/powerpoint/2010/main" val="742581026"/>
       </p:ext>
     </p:extLst>
   </p:cSld>
@@ -7154,8 +7125,7 @@
           <a:p>
             <a:fld id="{BC839B46-FF5D-46F4-8C06-8582E4D5CA0A}" type="datetimeFigureOut">
               <a:rPr lang="en-US" smtClean="0"/>
-              <a:pPr/>
-              <a:t>12/24/2016</a:t>
+              <a:t>12/18/2016</a:t>
             </a:fld>
             <a:endParaRPr lang="en-US"/>
           </a:p>
@@ -7197,7 +7167,6 @@
           <a:p>
             <a:fld id="{E408724A-4A63-4F3B-B909-C6542B9258E1}" type="slidenum">
               <a:rPr lang="en-US" smtClean="0"/>
-              <a:pPr/>
               <a:t>‹#›</a:t>
             </a:fld>
             <a:endParaRPr lang="en-US"/>
@@ -7207,7 +7176,7 @@
     </p:spTree>
     <p:extLst>
       <p:ext uri="{BB962C8B-B14F-4D97-AF65-F5344CB8AC3E}">
-        <p14:creationId xmlns:p14="http://schemas.microsoft.com/office/powerpoint/2010/main" xmlns="" val="1263763241"/>
+        <p14:creationId xmlns:p14="http://schemas.microsoft.com/office/powerpoint/2010/main" val="1263763241"/>
       </p:ext>
     </p:extLst>
   </p:cSld>
@@ -7411,8 +7380,7 @@
           <a:p>
             <a:fld id="{BC839B46-FF5D-46F4-8C06-8582E4D5CA0A}" type="datetimeFigureOut">
               <a:rPr lang="en-US" smtClean="0"/>
-              <a:pPr/>
-              <a:t>12/24/2016</a:t>
+              <a:t>12/18/2016</a:t>
             </a:fld>
             <a:endParaRPr lang="en-US"/>
           </a:p>
@@ -7454,7 +7422,6 @@
           <a:p>
             <a:fld id="{E408724A-4A63-4F3B-B909-C6542B9258E1}" type="slidenum">
               <a:rPr lang="en-US" smtClean="0"/>
-              <a:pPr/>
               <a:t>‹#›</a:t>
             </a:fld>
             <a:endParaRPr lang="en-US"/>
@@ -7464,7 +7431,7 @@
     </p:spTree>
     <p:extLst>
       <p:ext uri="{BB962C8B-B14F-4D97-AF65-F5344CB8AC3E}">
-        <p14:creationId xmlns:p14="http://schemas.microsoft.com/office/powerpoint/2010/main" xmlns="" val="857984356"/>
+        <p14:creationId xmlns:p14="http://schemas.microsoft.com/office/powerpoint/2010/main" val="857984356"/>
       </p:ext>
     </p:extLst>
   </p:cSld>
@@ -7676,8 +7643,7 @@
           <a:p>
             <a:fld id="{BC839B46-FF5D-46F4-8C06-8582E4D5CA0A}" type="datetimeFigureOut">
               <a:rPr lang="en-US" smtClean="0"/>
-              <a:pPr/>
-              <a:t>12/24/2016</a:t>
+              <a:t>12/18/2016</a:t>
             </a:fld>
             <a:endParaRPr lang="en-US"/>
           </a:p>
@@ -7719,7 +7685,6 @@
           <a:p>
             <a:fld id="{E408724A-4A63-4F3B-B909-C6542B9258E1}" type="slidenum">
               <a:rPr lang="en-US" smtClean="0"/>
-              <a:pPr/>
               <a:t>‹#›</a:t>
             </a:fld>
             <a:endParaRPr lang="en-US"/>
@@ -7729,7 +7694,7 @@
     </p:spTree>
     <p:extLst>
       <p:ext uri="{BB962C8B-B14F-4D97-AF65-F5344CB8AC3E}">
-        <p14:creationId xmlns:p14="http://schemas.microsoft.com/office/powerpoint/2010/main" xmlns="" val="1705480205"/>
+        <p14:creationId xmlns:p14="http://schemas.microsoft.com/office/powerpoint/2010/main" val="1705480205"/>
       </p:ext>
     </p:extLst>
   </p:cSld>
@@ -8421,8 +8386,7 @@
           <a:p>
             <a:fld id="{BC839B46-FF5D-46F4-8C06-8582E4D5CA0A}" type="datetimeFigureOut">
               <a:rPr lang="en-US" smtClean="0"/>
-              <a:pPr/>
-              <a:t>12/24/2016</a:t>
+              <a:t>12/18/2016</a:t>
             </a:fld>
             <a:endParaRPr lang="en-US"/>
           </a:p>
@@ -8498,7 +8462,6 @@
           <a:p>
             <a:fld id="{E408724A-4A63-4F3B-B909-C6542B9258E1}" type="slidenum">
               <a:rPr lang="en-US" smtClean="0"/>
-              <a:pPr/>
               <a:t>‹#›</a:t>
             </a:fld>
             <a:endParaRPr lang="en-US"/>
@@ -8508,7 +8471,7 @@
     </p:spTree>
     <p:extLst>
       <p:ext uri="{BB962C8B-B14F-4D97-AF65-F5344CB8AC3E}">
-        <p14:creationId xmlns:p14="http://schemas.microsoft.com/office/powerpoint/2010/main" xmlns="" val="468494135"/>
+        <p14:creationId xmlns:p14="http://schemas.microsoft.com/office/powerpoint/2010/main" val="468494135"/>
       </p:ext>
     </p:extLst>
   </p:cSld>
@@ -9028,20 +8991,13 @@
     </p:spTree>
     <p:extLst>
       <p:ext uri="{BB962C8B-B14F-4D97-AF65-F5344CB8AC3E}">
-        <p14:creationId xmlns:p14="http://schemas.microsoft.com/office/powerpoint/2010/main" xmlns="" val="3391478707"/>
+        <p14:creationId xmlns:p14="http://schemas.microsoft.com/office/powerpoint/2010/main" val="3391478707"/>
       </p:ext>
     </p:extLst>
   </p:cSld>
   <p:clrMapOvr>
     <a:masterClrMapping/>
   </p:clrMapOvr>
-  <p:timing>
-    <p:tnLst>
-      <p:par>
-        <p:cTn id="1" dur="indefinite" restart="never" nodeType="tmRoot"/>
-      </p:par>
-    </p:tnLst>
-  </p:timing>
 </p:sld>
 </file>
 
@@ -9072,154 +9028,114 @@
             <p:ph type="title"/>
           </p:nvPr>
         </p:nvSpPr>
-        <p:spPr/>
+        <p:spPr>
+          <a:xfrm>
+            <a:off x="203608" y="839789"/>
+            <a:ext cx="8596668" cy="1320800"/>
+          </a:xfrm>
+        </p:spPr>
         <p:txBody>
           <a:bodyPr/>
           <a:lstStyle/>
           <a:p>
             <a:pPr algn="ctr"/>
             <a:r>
-              <a:rPr lang="en-US" dirty="0">
-                <a:latin typeface="Times New Roman" panose="02020603050405020304" pitchFamily="18" charset="0"/>
-                <a:cs typeface="Times New Roman" panose="02020603050405020304" pitchFamily="18" charset="0"/>
-              </a:rPr>
-              <a:t>Related Work</a:t>
-            </a:r>
-          </a:p>
-        </p:txBody>
-      </p:sp>
-      <p:sp>
-        <p:nvSpPr>
-          <p:cNvPr id="3" name="Content Placeholder 2"/>
-          <p:cNvSpPr>
-            <a:spLocks noGrp="1"/>
-          </p:cNvSpPr>
-          <p:nvPr>
-            <p:ph idx="1"/>
-          </p:nvPr>
-        </p:nvSpPr>
-        <p:spPr>
-          <a:xfrm>
-            <a:off x="677334" y="1897664"/>
-            <a:ext cx="8596668" cy="3880773"/>
-          </a:xfrm>
-        </p:spPr>
-        <p:txBody>
-          <a:bodyPr>
-            <a:noAutofit/>
-          </a:bodyPr>
-          <a:lstStyle/>
-          <a:p>
-            <a:pPr marL="457200" lvl="1" indent="0">
-              <a:buNone/>
-            </a:pPr>
-            <a:r>
-              <a:rPr lang="en-US" sz="2400" b="1" dirty="0" smtClean="0">
-                <a:solidFill>
-                  <a:schemeClr val="tx1"/>
-                </a:solidFill>
-                <a:latin typeface="Times New Roman" panose="02020603050405020304" pitchFamily="18" charset="0"/>
-                <a:cs typeface="Times New Roman" panose="02020603050405020304" pitchFamily="18" charset="0"/>
-              </a:rPr>
-              <a:t>Rule based approach</a:t>
-            </a:r>
-            <a:endParaRPr lang="en-US" sz="2400" b="1" dirty="0">
-              <a:solidFill>
-                <a:schemeClr val="tx1"/>
-              </a:solidFill>
+              <a:rPr lang="en-US" dirty="0" smtClean="0">
+                <a:latin typeface="Times New Roman" panose="02020603050405020304" pitchFamily="18" charset="0"/>
+                <a:cs typeface="Times New Roman" panose="02020603050405020304" pitchFamily="18" charset="0"/>
+              </a:rPr>
+              <a:t>Loading data</a:t>
+            </a:r>
+            <a:endParaRPr lang="en-US" dirty="0">
               <a:latin typeface="Times New Roman" panose="02020603050405020304" pitchFamily="18" charset="0"/>
               <a:cs typeface="Times New Roman" panose="02020603050405020304" pitchFamily="18" charset="0"/>
             </a:endParaRPr>
           </a:p>
-          <a:p>
-            <a:pPr lvl="2"/>
-            <a:r>
-              <a:rPr lang="en-US" sz="2400" dirty="0">
-                <a:solidFill>
-                  <a:schemeClr val="tx1"/>
-                </a:solidFill>
-                <a:latin typeface="Times New Roman" panose="02020603050405020304" pitchFamily="18" charset="0"/>
-                <a:cs typeface="Times New Roman" panose="02020603050405020304" pitchFamily="18" charset="0"/>
-              </a:rPr>
-              <a:t>It uses various types of interrogative words and word combinations with different kind of features extracted by </a:t>
-            </a:r>
-            <a:r>
-              <a:rPr lang="en-US" sz="2400" dirty="0" smtClean="0">
-                <a:solidFill>
-                  <a:schemeClr val="tx1"/>
-                </a:solidFill>
-                <a:latin typeface="Times New Roman" panose="02020603050405020304" pitchFamily="18" charset="0"/>
-                <a:cs typeface="Times New Roman" panose="02020603050405020304" pitchFamily="18" charset="0"/>
-              </a:rPr>
-              <a:t>experts</a:t>
-            </a:r>
-          </a:p>
-          <a:p>
-            <a:pPr lvl="2"/>
-            <a:r>
-              <a:rPr lang="en-US" sz="2400" dirty="0">
-                <a:solidFill>
-                  <a:schemeClr val="tx1"/>
-                </a:solidFill>
-                <a:latin typeface="Times New Roman" panose="02020603050405020304" pitchFamily="18" charset="0"/>
-                <a:cs typeface="Times New Roman" panose="02020603050405020304" pitchFamily="18" charset="0"/>
-              </a:rPr>
-              <a:t>E</a:t>
-            </a:r>
-            <a:r>
-              <a:rPr lang="en-US" sz="2400" dirty="0" smtClean="0">
-                <a:solidFill>
-                  <a:schemeClr val="tx1"/>
-                </a:solidFill>
-                <a:latin typeface="Times New Roman" panose="02020603050405020304" pitchFamily="18" charset="0"/>
-                <a:cs typeface="Times New Roman" panose="02020603050405020304" pitchFamily="18" charset="0"/>
-              </a:rPr>
-              <a:t>xample, classical </a:t>
-            </a:r>
-            <a:r>
-              <a:rPr lang="en-US" sz="2400" dirty="0">
-                <a:solidFill>
-                  <a:schemeClr val="tx1"/>
-                </a:solidFill>
-                <a:latin typeface="Times New Roman" panose="02020603050405020304" pitchFamily="18" charset="0"/>
-                <a:cs typeface="Times New Roman" panose="02020603050405020304" pitchFamily="18" charset="0"/>
-              </a:rPr>
-              <a:t>logic rules, fuzzy rules, threshold rules and prototype based rule. </a:t>
-            </a:r>
-            <a:endParaRPr lang="en-US" sz="2400" dirty="0" smtClean="0">
-              <a:solidFill>
-                <a:schemeClr val="tx1"/>
-              </a:solidFill>
+        </p:txBody>
+      </p:sp>
+      <p:sp>
+        <p:nvSpPr>
+          <p:cNvPr id="3" name="Content Placeholder 2"/>
+          <p:cNvSpPr>
+            <a:spLocks noGrp="1"/>
+          </p:cNvSpPr>
+          <p:nvPr>
+            <p:ph idx="1"/>
+          </p:nvPr>
+        </p:nvSpPr>
+        <p:spPr/>
+        <p:txBody>
+          <a:bodyPr/>
+          <a:lstStyle/>
+          <a:p>
+            <a:r>
+              <a:rPr lang="en-US" dirty="0" smtClean="0">
+                <a:latin typeface="Times New Roman" panose="02020603050405020304" pitchFamily="18" charset="0"/>
+                <a:cs typeface="Times New Roman" panose="02020603050405020304" pitchFamily="18" charset="0"/>
+              </a:rPr>
+              <a:t>After loading data, it is split using a regex into labels, fine labels and actual question</a:t>
+            </a:r>
+          </a:p>
+          <a:p>
+            <a:endParaRPr lang="en-US" dirty="0">
               <a:latin typeface="Times New Roman" panose="02020603050405020304" pitchFamily="18" charset="0"/>
               <a:cs typeface="Times New Roman" panose="02020603050405020304" pitchFamily="18" charset="0"/>
             </a:endParaRPr>
           </a:p>
-          <a:p>
-            <a:pPr lvl="2"/>
-            <a:r>
-              <a:rPr lang="en-US" sz="2400" dirty="0" smtClean="0">
-                <a:solidFill>
-                  <a:schemeClr val="tx1"/>
-                </a:solidFill>
-                <a:latin typeface="Times New Roman" panose="02020603050405020304" pitchFamily="18" charset="0"/>
-                <a:cs typeface="Times New Roman" panose="02020603050405020304" pitchFamily="18" charset="0"/>
-              </a:rPr>
-              <a:t>Performance issues on new dataset, hence no scaling up.</a:t>
-            </a:r>
-            <a:endParaRPr lang="en-US" sz="2400" dirty="0">
-              <a:solidFill>
-                <a:schemeClr val="tx1"/>
-              </a:solidFill>
-              <a:latin typeface="Times New Roman" panose="02020603050405020304" pitchFamily="18" charset="0"/>
-              <a:cs typeface="Times New Roman" panose="02020603050405020304" pitchFamily="18" charset="0"/>
-            </a:endParaRPr>
-          </a:p>
-        </p:txBody>
-      </p:sp>
+        </p:txBody>
+      </p:sp>
+      <p:pic>
+        <p:nvPicPr>
+          <p:cNvPr id="4" name="Picture 3"/>
+          <p:cNvPicPr>
+            <a:picLocks noChangeAspect="1"/>
+          </p:cNvPicPr>
+          <p:nvPr/>
+        </p:nvPicPr>
+        <p:blipFill>
+          <a:blip r:embed="rId2"/>
+          <a:stretch>
+            <a:fillRect/>
+          </a:stretch>
+        </p:blipFill>
+        <p:spPr>
+          <a:xfrm>
+            <a:off x="1001487" y="3527191"/>
+            <a:ext cx="6018700" cy="3026022"/>
+          </a:xfrm>
+          <a:prstGeom prst="rect">
+            <a:avLst/>
+          </a:prstGeom>
+        </p:spPr>
+      </p:pic>
+      <p:pic>
+        <p:nvPicPr>
+          <p:cNvPr id="5" name="Picture 4"/>
+          <p:cNvPicPr>
+            <a:picLocks noChangeAspect="1"/>
+          </p:cNvPicPr>
+          <p:nvPr/>
+        </p:nvPicPr>
+        <p:blipFill>
+          <a:blip r:embed="rId3"/>
+          <a:stretch>
+            <a:fillRect/>
+          </a:stretch>
+        </p:blipFill>
+        <p:spPr>
+          <a:xfrm>
+            <a:off x="1001487" y="2672440"/>
+            <a:ext cx="6018700" cy="685800"/>
+          </a:xfrm>
+          <a:prstGeom prst="rect">
+            <a:avLst/>
+          </a:prstGeom>
+        </p:spPr>
+      </p:pic>
     </p:spTree>
     <p:extLst>
       <p:ext uri="{BB962C8B-B14F-4D97-AF65-F5344CB8AC3E}">
-        <p14:creationId xmlns:p14="http://schemas.microsoft.com/office/powerpoint/2010/main" xmlns="" val="2522233933"/>
+        <p14:creationId xmlns:p14="http://schemas.microsoft.com/office/powerpoint/2010/main" val="2482803820"/>
       </p:ext>
     </p:extLst>
   </p:cSld>
@@ -9248,188 +9164,91 @@
       </p:grpSpPr>
       <p:sp>
         <p:nvSpPr>
-          <p:cNvPr id="3" name="Content Placeholder 2"/>
-          <p:cNvSpPr>
-            <a:spLocks noGrp="1"/>
-          </p:cNvSpPr>
-          <p:nvPr>
-            <p:ph idx="1"/>
-          </p:nvPr>
-        </p:nvSpPr>
-        <p:spPr>
-          <a:xfrm>
-            <a:off x="827184" y="1241731"/>
-            <a:ext cx="10515600" cy="4351338"/>
-          </a:xfrm>
-        </p:spPr>
-        <p:txBody>
-          <a:bodyPr>
-            <a:noAutofit/>
-          </a:bodyPr>
+          <p:cNvPr id="2" name="Title 1"/>
+          <p:cNvSpPr>
+            <a:spLocks noGrp="1"/>
+          </p:cNvSpPr>
+          <p:nvPr>
+            <p:ph type="title"/>
+          </p:nvPr>
+        </p:nvSpPr>
+        <p:spPr/>
+        <p:txBody>
+          <a:bodyPr/>
           <a:lstStyle/>
           <a:p>
-            <a:pPr marL="57150" indent="0">
-              <a:buNone/>
-            </a:pPr>
-            <a:r>
-              <a:rPr lang="en-US" sz="2600" b="1" dirty="0" smtClean="0">
-                <a:solidFill>
-                  <a:schemeClr val="tx1"/>
-                </a:solidFill>
-                <a:latin typeface="Times New Roman" panose="02020603050405020304" pitchFamily="18" charset="0"/>
-                <a:cs typeface="Times New Roman" panose="02020603050405020304" pitchFamily="18" charset="0"/>
-              </a:rPr>
-              <a:t>Supervised </a:t>
-            </a:r>
-            <a:r>
-              <a:rPr lang="en-US" sz="2600" b="1" dirty="0" smtClean="0">
-                <a:solidFill>
-                  <a:schemeClr val="tx1"/>
-                </a:solidFill>
-                <a:latin typeface="Times New Roman" panose="02020603050405020304" pitchFamily="18" charset="0"/>
-                <a:cs typeface="Times New Roman" panose="02020603050405020304" pitchFamily="18" charset="0"/>
-              </a:rPr>
-              <a:t>learning</a:t>
-            </a:r>
-          </a:p>
-          <a:p>
-            <a:r>
-              <a:rPr lang="en-US" sz="2400" dirty="0" smtClean="0">
-                <a:solidFill>
-                  <a:schemeClr val="tx1"/>
-                </a:solidFill>
-                <a:latin typeface="Times New Roman" panose="02020603050405020304" pitchFamily="18" charset="0"/>
-                <a:cs typeface="Times New Roman" panose="02020603050405020304" pitchFamily="18" charset="0"/>
-              </a:rPr>
-              <a:t>Perform </a:t>
-            </a:r>
-            <a:r>
-              <a:rPr lang="en-US" sz="2400" dirty="0">
-                <a:solidFill>
-                  <a:schemeClr val="tx1"/>
-                </a:solidFill>
-                <a:latin typeface="Times New Roman" panose="02020603050405020304" pitchFamily="18" charset="0"/>
-                <a:cs typeface="Times New Roman" panose="02020603050405020304" pitchFamily="18" charset="0"/>
-              </a:rPr>
-              <a:t>the classification </a:t>
-            </a:r>
-            <a:r>
-              <a:rPr lang="en-US" sz="2400" dirty="0" smtClean="0">
-                <a:solidFill>
-                  <a:schemeClr val="tx1"/>
-                </a:solidFill>
-                <a:latin typeface="Times New Roman" panose="02020603050405020304" pitchFamily="18" charset="0"/>
-                <a:cs typeface="Times New Roman" panose="02020603050405020304" pitchFamily="18" charset="0"/>
-              </a:rPr>
-              <a:t>by extracting </a:t>
-            </a:r>
-            <a:r>
-              <a:rPr lang="en-US" sz="2400" dirty="0" smtClean="0">
-                <a:solidFill>
-                  <a:schemeClr val="tx1"/>
-                </a:solidFill>
-                <a:latin typeface="Times New Roman" panose="02020603050405020304" pitchFamily="18" charset="0"/>
-                <a:cs typeface="Times New Roman" panose="02020603050405020304" pitchFamily="18" charset="0"/>
-              </a:rPr>
-              <a:t>features </a:t>
-            </a:r>
-            <a:r>
-              <a:rPr lang="en-US" sz="2400" dirty="0">
-                <a:solidFill>
-                  <a:schemeClr val="tx1"/>
-                </a:solidFill>
-                <a:latin typeface="Times New Roman" panose="02020603050405020304" pitchFamily="18" charset="0"/>
-                <a:cs typeface="Times New Roman" panose="02020603050405020304" pitchFamily="18" charset="0"/>
-              </a:rPr>
-              <a:t>from </a:t>
-            </a:r>
-            <a:r>
-              <a:rPr lang="en-US" sz="2400" dirty="0" smtClean="0">
-                <a:solidFill>
-                  <a:schemeClr val="tx1"/>
-                </a:solidFill>
-                <a:latin typeface="Times New Roman" panose="02020603050405020304" pitchFamily="18" charset="0"/>
-                <a:cs typeface="Times New Roman" panose="02020603050405020304" pitchFamily="18" charset="0"/>
-              </a:rPr>
-              <a:t>questions</a:t>
-            </a:r>
-          </a:p>
-          <a:p>
-            <a:pPr>
-              <a:buNone/>
-            </a:pPr>
-            <a:endParaRPr lang="en-US" sz="2400" dirty="0" smtClean="0">
-              <a:solidFill>
-                <a:schemeClr val="tx1"/>
-              </a:solidFill>
+            <a:pPr algn="ctr"/>
+            <a:r>
+              <a:rPr lang="en-US" dirty="0" smtClean="0">
+                <a:latin typeface="Times New Roman" panose="02020603050405020304" pitchFamily="18" charset="0"/>
+                <a:cs typeface="Times New Roman" panose="02020603050405020304" pitchFamily="18" charset="0"/>
+              </a:rPr>
+              <a:t>Preprocessing</a:t>
+            </a:r>
+            <a:endParaRPr lang="en-US" dirty="0">
               <a:latin typeface="Times New Roman" panose="02020603050405020304" pitchFamily="18" charset="0"/>
               <a:cs typeface="Times New Roman" panose="02020603050405020304" pitchFamily="18" charset="0"/>
             </a:endParaRPr>
           </a:p>
-          <a:p>
-            <a:r>
-              <a:rPr lang="en-US" sz="2400" dirty="0" smtClean="0">
-                <a:solidFill>
-                  <a:schemeClr val="tx1"/>
-                </a:solidFill>
-                <a:latin typeface="Times New Roman" panose="02020603050405020304" pitchFamily="18" charset="0"/>
-                <a:cs typeface="Times New Roman" panose="02020603050405020304" pitchFamily="18" charset="0"/>
-              </a:rPr>
-              <a:t>Train a classifier </a:t>
-            </a:r>
-            <a:r>
-              <a:rPr lang="en-US" sz="2400" dirty="0" smtClean="0">
-                <a:solidFill>
-                  <a:schemeClr val="tx1"/>
-                </a:solidFill>
-                <a:latin typeface="Times New Roman" panose="02020603050405020304" pitchFamily="18" charset="0"/>
-                <a:cs typeface="Times New Roman" panose="02020603050405020304" pitchFamily="18" charset="0"/>
-              </a:rPr>
-              <a:t>using labeled data</a:t>
-            </a:r>
-          </a:p>
-          <a:p>
-            <a:pPr>
-              <a:buNone/>
-            </a:pPr>
-            <a:endParaRPr lang="en-US" sz="2400" dirty="0" smtClean="0">
-              <a:solidFill>
-                <a:schemeClr val="tx1"/>
-              </a:solidFill>
-              <a:latin typeface="Times New Roman" panose="02020603050405020304" pitchFamily="18" charset="0"/>
-              <a:cs typeface="Times New Roman" panose="02020603050405020304" pitchFamily="18" charset="0"/>
-            </a:endParaRPr>
-          </a:p>
-          <a:p>
-            <a:r>
-              <a:rPr lang="en-US" sz="2400" dirty="0" smtClean="0">
-                <a:solidFill>
-                  <a:schemeClr val="tx1"/>
-                </a:solidFill>
-                <a:latin typeface="Times New Roman" panose="02020603050405020304" pitchFamily="18" charset="0"/>
-                <a:cs typeface="Times New Roman" panose="02020603050405020304" pitchFamily="18" charset="0"/>
-              </a:rPr>
-              <a:t>Predict the class label using the trained classifier</a:t>
-            </a:r>
-          </a:p>
-          <a:p>
-            <a:pPr marL="0" indent="0">
-              <a:buNone/>
-            </a:pPr>
-            <a:endParaRPr lang="en-US" sz="2400" dirty="0" smtClean="0">
-              <a:solidFill>
-                <a:schemeClr val="tx1"/>
-              </a:solidFill>
-              <a:latin typeface="Times New Roman" panose="02020603050405020304" pitchFamily="18" charset="0"/>
-              <a:cs typeface="Times New Roman" panose="02020603050405020304" pitchFamily="18" charset="0"/>
-            </a:endParaRPr>
-          </a:p>
-        </p:txBody>
-      </p:sp>
+        </p:txBody>
+      </p:sp>
+      <p:sp>
+        <p:nvSpPr>
+          <p:cNvPr id="3" name="Content Placeholder 2"/>
+          <p:cNvSpPr>
+            <a:spLocks noGrp="1"/>
+          </p:cNvSpPr>
+          <p:nvPr>
+            <p:ph idx="1"/>
+          </p:nvPr>
+        </p:nvSpPr>
+        <p:spPr/>
+        <p:txBody>
+          <a:bodyPr/>
+          <a:lstStyle/>
+          <a:p>
+            <a:pPr marL="342900" lvl="1" indent="-342900"/>
+            <a:r>
+              <a:rPr lang="en-US" sz="2400" dirty="0">
+                <a:latin typeface="Times New Roman" panose="02020603050405020304" pitchFamily="18" charset="0"/>
+                <a:cs typeface="Times New Roman" panose="02020603050405020304" pitchFamily="18" charset="0"/>
+              </a:rPr>
+              <a:t>Change each character to lower case</a:t>
+            </a:r>
+          </a:p>
+          <a:p>
+            <a:endParaRPr lang="en-US" dirty="0"/>
+          </a:p>
+        </p:txBody>
+      </p:sp>
+      <p:pic>
+        <p:nvPicPr>
+          <p:cNvPr id="4" name="Picture 3"/>
+          <p:cNvPicPr>
+            <a:picLocks noChangeAspect="1"/>
+          </p:cNvPicPr>
+          <p:nvPr/>
+        </p:nvPicPr>
+        <p:blipFill>
+          <a:blip r:embed="rId2"/>
+          <a:stretch>
+            <a:fillRect/>
+          </a:stretch>
+        </p:blipFill>
+        <p:spPr>
+          <a:xfrm>
+            <a:off x="1102777" y="3368349"/>
+            <a:ext cx="6086475" cy="2390775"/>
+          </a:xfrm>
+          <a:prstGeom prst="rect">
+            <a:avLst/>
+          </a:prstGeom>
+        </p:spPr>
+      </p:pic>
     </p:spTree>
     <p:extLst>
       <p:ext uri="{BB962C8B-B14F-4D97-AF65-F5344CB8AC3E}">
-        <p14:creationId xmlns:p14="http://schemas.microsoft.com/office/powerpoint/2010/main" xmlns="" val="2045971925"/>
+        <p14:creationId xmlns:p14="http://schemas.microsoft.com/office/powerpoint/2010/main" val="1202852130"/>
       </p:ext>
     </p:extLst>
   </p:cSld>
@@ -9458,6 +9277,25 @@
       </p:grpSpPr>
       <p:sp>
         <p:nvSpPr>
+          <p:cNvPr id="2" name="Title 1"/>
+          <p:cNvSpPr>
+            <a:spLocks noGrp="1"/>
+          </p:cNvSpPr>
+          <p:nvPr>
+            <p:ph type="title"/>
+          </p:nvPr>
+        </p:nvSpPr>
+        <p:spPr/>
+        <p:txBody>
+          <a:bodyPr/>
+          <a:lstStyle/>
+          <a:p>
+            <a:endParaRPr lang="en-US"/>
+          </a:p>
+        </p:txBody>
+      </p:sp>
+      <p:sp>
+        <p:nvSpPr>
           <p:cNvPr id="3" name="Content Placeholder 2"/>
           <p:cNvSpPr>
             <a:spLocks noGrp="1"/>
@@ -9466,246 +9304,51 @@
             <p:ph idx="1"/>
           </p:nvPr>
         </p:nvSpPr>
+        <p:spPr/>
+        <p:txBody>
+          <a:bodyPr>
+            <a:normAutofit/>
+          </a:bodyPr>
+          <a:lstStyle/>
+          <a:p>
+            <a:r>
+              <a:rPr lang="en-US" sz="2400" dirty="0" smtClean="0">
+                <a:latin typeface="Times New Roman" panose="02020603050405020304" pitchFamily="18" charset="0"/>
+                <a:cs typeface="Times New Roman" panose="02020603050405020304" pitchFamily="18" charset="0"/>
+              </a:rPr>
+              <a:t>Remove stop words has been done in the estimator parameter</a:t>
+            </a:r>
+          </a:p>
+        </p:txBody>
+      </p:sp>
+      <p:pic>
+        <p:nvPicPr>
+          <p:cNvPr id="4" name="Picture 3"/>
+          <p:cNvPicPr>
+            <a:picLocks noChangeAspect="1"/>
+          </p:cNvPicPr>
+          <p:nvPr/>
+        </p:nvPicPr>
+        <p:blipFill>
+          <a:blip r:embed="rId2"/>
+          <a:stretch>
+            <a:fillRect/>
+          </a:stretch>
+        </p:blipFill>
         <p:spPr>
           <a:xfrm>
-            <a:off x="395786" y="1139374"/>
-            <a:ext cx="10878760" cy="5179540"/>
+            <a:off x="677334" y="2955390"/>
+            <a:ext cx="8915400" cy="2533650"/>
           </a:xfrm>
+          <a:prstGeom prst="rect">
+            <a:avLst/>
+          </a:prstGeom>
         </p:spPr>
-        <p:txBody>
-          <a:bodyPr>
-            <a:noAutofit/>
-          </a:bodyPr>
-          <a:lstStyle/>
-          <a:p>
-            <a:pPr marL="57150" indent="0">
-              <a:buNone/>
-            </a:pPr>
-            <a:r>
-              <a:rPr lang="en-US" sz="2600" b="1" dirty="0" smtClean="0">
-                <a:solidFill>
-                  <a:schemeClr val="tx1"/>
-                </a:solidFill>
-                <a:latin typeface="Times New Roman" pitchFamily="18" charset="0"/>
-                <a:cs typeface="Times New Roman" pitchFamily="18" charset="0"/>
-              </a:rPr>
-              <a:t>Approach</a:t>
-            </a:r>
-            <a:endParaRPr lang="en-US" sz="2600" b="1" dirty="0" smtClean="0">
-              <a:solidFill>
-                <a:schemeClr val="tx1"/>
-              </a:solidFill>
-              <a:latin typeface="Times New Roman" pitchFamily="18" charset="0"/>
-              <a:cs typeface="Times New Roman" pitchFamily="18" charset="0"/>
-            </a:endParaRPr>
-          </a:p>
-          <a:p>
-            <a:r>
-              <a:rPr lang="en-US" sz="2400" dirty="0" smtClean="0">
-                <a:solidFill>
-                  <a:schemeClr val="tx1"/>
-                </a:solidFill>
-                <a:latin typeface="Times New Roman" pitchFamily="18" charset="0"/>
-                <a:cs typeface="Times New Roman" pitchFamily="18" charset="0"/>
-              </a:rPr>
-              <a:t>1. </a:t>
-            </a:r>
-            <a:r>
-              <a:rPr lang="en-US" sz="2400" dirty="0" smtClean="0">
-                <a:solidFill>
-                  <a:schemeClr val="tx1"/>
-                </a:solidFill>
-                <a:latin typeface="Times New Roman" pitchFamily="18" charset="0"/>
-                <a:cs typeface="Times New Roman" pitchFamily="18" charset="0"/>
-              </a:rPr>
-              <a:t>Support Vector Machine</a:t>
-            </a:r>
-          </a:p>
-          <a:p>
-            <a:pPr lvl="1"/>
-            <a:r>
-              <a:rPr lang="en-US" sz="2200" dirty="0" smtClean="0">
-                <a:solidFill>
-                  <a:schemeClr val="tx1"/>
-                </a:solidFill>
-                <a:latin typeface="Times New Roman" pitchFamily="18" charset="0"/>
-                <a:cs typeface="Times New Roman" pitchFamily="18" charset="0"/>
-              </a:rPr>
-              <a:t>Find a hyperplane with maximum margin for separating classes</a:t>
-            </a:r>
-          </a:p>
-          <a:p>
-            <a:r>
-              <a:rPr lang="en-US" sz="2400" dirty="0" smtClean="0">
-                <a:solidFill>
-                  <a:schemeClr val="tx1"/>
-                </a:solidFill>
-                <a:latin typeface="Times New Roman" pitchFamily="18" charset="0"/>
-                <a:cs typeface="Times New Roman" pitchFamily="18" charset="0"/>
-              </a:rPr>
-              <a:t>2. Advanced Kernel Method</a:t>
-            </a:r>
-          </a:p>
-          <a:p>
-            <a:pPr lvl="1"/>
-            <a:r>
-              <a:rPr lang="en-US" sz="2200" dirty="0" smtClean="0">
-                <a:solidFill>
-                  <a:schemeClr val="tx1"/>
-                </a:solidFill>
-                <a:latin typeface="Times New Roman" pitchFamily="18" charset="0"/>
-                <a:cs typeface="Times New Roman" pitchFamily="18" charset="0"/>
-              </a:rPr>
-              <a:t>D</a:t>
-            </a:r>
-            <a:r>
-              <a:rPr lang="en-US" sz="2200" dirty="0" smtClean="0">
-                <a:solidFill>
-                  <a:schemeClr val="tx1"/>
-                </a:solidFill>
-                <a:latin typeface="Times New Roman" pitchFamily="18" charset="0"/>
-                <a:cs typeface="Times New Roman" pitchFamily="18" charset="0"/>
-              </a:rPr>
-              <a:t>efine </a:t>
-            </a:r>
-            <a:r>
-              <a:rPr lang="en-US" sz="2200" dirty="0" smtClean="0">
-                <a:solidFill>
-                  <a:schemeClr val="tx1"/>
-                </a:solidFill>
-                <a:latin typeface="Times New Roman" pitchFamily="18" charset="0"/>
-                <a:cs typeface="Times New Roman" pitchFamily="18" charset="0"/>
-              </a:rPr>
-              <a:t>a tree kernel which is constructed based on the syntactical structure </a:t>
-            </a:r>
-            <a:r>
-              <a:rPr lang="en-US" sz="2200" dirty="0" smtClean="0">
-                <a:solidFill>
-                  <a:schemeClr val="tx1"/>
-                </a:solidFill>
-                <a:latin typeface="Times New Roman" pitchFamily="18" charset="0"/>
-                <a:cs typeface="Times New Roman" pitchFamily="18" charset="0"/>
-              </a:rPr>
-              <a:t>of question</a:t>
-            </a:r>
-          </a:p>
-          <a:p>
-            <a:pPr lvl="1"/>
-            <a:r>
-              <a:rPr lang="en-US" sz="2200" dirty="0" smtClean="0">
-                <a:solidFill>
-                  <a:schemeClr val="tx1"/>
-                </a:solidFill>
-                <a:latin typeface="Times New Roman" pitchFamily="18" charset="0"/>
-                <a:cs typeface="Times New Roman" pitchFamily="18" charset="0"/>
-              </a:rPr>
-              <a:t>Question is first parsed </a:t>
-            </a:r>
-            <a:r>
-              <a:rPr lang="en-US" sz="2200" dirty="0" smtClean="0">
-                <a:solidFill>
-                  <a:schemeClr val="tx1"/>
-                </a:solidFill>
-                <a:latin typeface="Times New Roman" pitchFamily="18" charset="0"/>
-                <a:cs typeface="Times New Roman" pitchFamily="18" charset="0"/>
-              </a:rPr>
-              <a:t>to its syntactic </a:t>
-            </a:r>
-            <a:r>
-              <a:rPr lang="en-US" sz="2200" dirty="0" smtClean="0">
-                <a:solidFill>
-                  <a:schemeClr val="tx1"/>
-                </a:solidFill>
-                <a:latin typeface="Times New Roman" pitchFamily="18" charset="0"/>
-                <a:cs typeface="Times New Roman" pitchFamily="18" charset="0"/>
-              </a:rPr>
-              <a:t>tree and </a:t>
-            </a:r>
-            <a:r>
-              <a:rPr lang="en-US" sz="2200" dirty="0" smtClean="0">
-                <a:solidFill>
-                  <a:schemeClr val="tx1"/>
-                </a:solidFill>
-                <a:latin typeface="Times New Roman" pitchFamily="18" charset="0"/>
-                <a:cs typeface="Times New Roman" pitchFamily="18" charset="0"/>
-              </a:rPr>
-              <a:t>then the question will be represented based on some tree fragments </a:t>
-            </a:r>
-            <a:r>
-              <a:rPr lang="en-US" sz="2200" dirty="0" smtClean="0">
-                <a:solidFill>
-                  <a:schemeClr val="tx1"/>
-                </a:solidFill>
-                <a:latin typeface="Times New Roman" pitchFamily="18" charset="0"/>
-                <a:cs typeface="Times New Roman" pitchFamily="18" charset="0"/>
-              </a:rPr>
-              <a:t>which are </a:t>
-            </a:r>
-            <a:r>
-              <a:rPr lang="en-US" sz="2200" dirty="0" err="1" smtClean="0">
-                <a:solidFill>
-                  <a:schemeClr val="tx1"/>
-                </a:solidFill>
-                <a:latin typeface="Times New Roman" pitchFamily="18" charset="0"/>
-                <a:cs typeface="Times New Roman" pitchFamily="18" charset="0"/>
-              </a:rPr>
-              <a:t>subtrees</a:t>
-            </a:r>
-            <a:r>
-              <a:rPr lang="en-US" sz="2200" dirty="0" smtClean="0">
-                <a:solidFill>
-                  <a:schemeClr val="tx1"/>
-                </a:solidFill>
-                <a:latin typeface="Times New Roman" pitchFamily="18" charset="0"/>
-                <a:cs typeface="Times New Roman" pitchFamily="18" charset="0"/>
-              </a:rPr>
-              <a:t> of the original syntax </a:t>
-            </a:r>
-            <a:r>
-              <a:rPr lang="en-US" sz="2200" dirty="0" smtClean="0">
-                <a:solidFill>
-                  <a:schemeClr val="tx1"/>
-                </a:solidFill>
-                <a:latin typeface="Times New Roman" pitchFamily="18" charset="0"/>
-                <a:cs typeface="Times New Roman" pitchFamily="18" charset="0"/>
-              </a:rPr>
-              <a:t>tree</a:t>
-            </a:r>
-          </a:p>
-          <a:p>
-            <a:pPr>
-              <a:buNone/>
-            </a:pPr>
-            <a:r>
-              <a:rPr lang="en-US" sz="2400" b="1" dirty="0" smtClean="0">
-                <a:solidFill>
-                  <a:schemeClr val="tx1"/>
-                </a:solidFill>
-                <a:latin typeface="Times New Roman" panose="02020603050405020304" pitchFamily="18" charset="0"/>
-                <a:cs typeface="Times New Roman" panose="02020603050405020304" pitchFamily="18" charset="0"/>
-              </a:rPr>
-              <a:t>State of the art</a:t>
-            </a:r>
-          </a:p>
-          <a:p>
-            <a:pPr lvl="1"/>
-            <a:r>
-              <a:rPr lang="en-US" sz="2200" dirty="0" smtClean="0">
-                <a:solidFill>
-                  <a:schemeClr val="tx1"/>
-                </a:solidFill>
-                <a:latin typeface="Times New Roman" panose="02020603050405020304" pitchFamily="18" charset="0"/>
-                <a:cs typeface="Times New Roman" panose="02020603050405020304" pitchFamily="18" charset="0"/>
-              </a:rPr>
-              <a:t>Most studies assume that a question is unambiguous, that is, it has only one label </a:t>
-            </a:r>
-          </a:p>
-        </p:txBody>
-      </p:sp>
+      </p:pic>
     </p:spTree>
     <p:extLst>
       <p:ext uri="{BB962C8B-B14F-4D97-AF65-F5344CB8AC3E}">
-        <p14:creationId xmlns:p14="http://schemas.microsoft.com/office/powerpoint/2010/main" xmlns="" val="2045971925"/>
+        <p14:creationId xmlns:p14="http://schemas.microsoft.com/office/powerpoint/2010/main" val="2237513363"/>
       </p:ext>
     </p:extLst>
   </p:cSld>
@@ -9734,257 +9377,97 @@
       </p:grpSpPr>
       <p:sp>
         <p:nvSpPr>
-          <p:cNvPr id="3" name="Content Placeholder 2"/>
-          <p:cNvSpPr>
-            <a:spLocks noGrp="1"/>
-          </p:cNvSpPr>
-          <p:nvPr>
-            <p:ph idx="1"/>
-          </p:nvPr>
-        </p:nvSpPr>
-        <p:spPr>
-          <a:xfrm>
-            <a:off x="750627" y="1241730"/>
-            <a:ext cx="10592157" cy="5036239"/>
-          </a:xfrm>
-        </p:spPr>
-        <p:txBody>
-          <a:bodyPr>
-            <a:noAutofit/>
-          </a:bodyPr>
+          <p:cNvPr id="2" name="Title 1"/>
+          <p:cNvSpPr>
+            <a:spLocks noGrp="1"/>
+          </p:cNvSpPr>
+          <p:nvPr>
+            <p:ph type="title"/>
+          </p:nvPr>
+        </p:nvSpPr>
+        <p:spPr/>
+        <p:txBody>
+          <a:bodyPr/>
           <a:lstStyle/>
           <a:p>
-            <a:pPr marL="0" indent="0">
-              <a:buNone/>
-            </a:pPr>
-            <a:r>
-              <a:rPr lang="en-US" sz="2400" b="1" dirty="0" smtClean="0">
-                <a:solidFill>
-                  <a:schemeClr val="tx1"/>
-                </a:solidFill>
-                <a:latin typeface="Times New Roman" panose="02020603050405020304" pitchFamily="18" charset="0"/>
-                <a:cs typeface="Times New Roman" panose="02020603050405020304" pitchFamily="18" charset="0"/>
-              </a:rPr>
-              <a:t>Unsupervised </a:t>
-            </a:r>
-            <a:r>
-              <a:rPr lang="en-US" sz="2400" b="1" dirty="0">
-                <a:solidFill>
-                  <a:schemeClr val="tx1"/>
-                </a:solidFill>
-                <a:latin typeface="Times New Roman" panose="02020603050405020304" pitchFamily="18" charset="0"/>
-                <a:cs typeface="Times New Roman" panose="02020603050405020304" pitchFamily="18" charset="0"/>
-              </a:rPr>
-              <a:t>learning</a:t>
-            </a:r>
-          </a:p>
-          <a:p>
-            <a:r>
-              <a:rPr lang="en-US" sz="2400" dirty="0" smtClean="0">
-                <a:solidFill>
-                  <a:schemeClr val="tx1"/>
-                </a:solidFill>
-                <a:latin typeface="Times New Roman" panose="02020603050405020304" pitchFamily="18" charset="0"/>
-                <a:cs typeface="Times New Roman" panose="02020603050405020304" pitchFamily="18" charset="0"/>
-              </a:rPr>
-              <a:t>K means clustering</a:t>
-            </a:r>
-          </a:p>
-          <a:p>
-            <a:pPr lvl="1"/>
-            <a:r>
-              <a:rPr lang="en-US" sz="2400" dirty="0" smtClean="0">
-                <a:solidFill>
-                  <a:schemeClr val="tx1"/>
-                </a:solidFill>
-                <a:latin typeface="Times New Roman" panose="02020603050405020304" pitchFamily="18" charset="0"/>
-                <a:cs typeface="Times New Roman" panose="02020603050405020304" pitchFamily="18" charset="0"/>
-              </a:rPr>
-              <a:t>Identify </a:t>
-            </a:r>
-            <a:r>
-              <a:rPr lang="en-US" sz="2400" dirty="0">
-                <a:solidFill>
-                  <a:schemeClr val="tx1"/>
-                </a:solidFill>
-                <a:latin typeface="Times New Roman" panose="02020603050405020304" pitchFamily="18" charset="0"/>
-                <a:cs typeface="Times New Roman" panose="02020603050405020304" pitchFamily="18" charset="0"/>
-              </a:rPr>
-              <a:t>questions in the corpus that are similar and related to </a:t>
-            </a:r>
-            <a:r>
-              <a:rPr lang="en-US" sz="2400" dirty="0" smtClean="0">
-                <a:solidFill>
-                  <a:schemeClr val="tx1"/>
-                </a:solidFill>
-                <a:latin typeface="Times New Roman" panose="02020603050405020304" pitchFamily="18" charset="0"/>
-                <a:cs typeface="Times New Roman" panose="02020603050405020304" pitchFamily="18" charset="0"/>
-              </a:rPr>
-              <a:t>a question </a:t>
-            </a:r>
-            <a:r>
-              <a:rPr lang="en-US" sz="2400" dirty="0">
-                <a:solidFill>
-                  <a:schemeClr val="tx1"/>
-                </a:solidFill>
-                <a:latin typeface="Times New Roman" panose="02020603050405020304" pitchFamily="18" charset="0"/>
-                <a:cs typeface="Times New Roman" panose="02020603050405020304" pitchFamily="18" charset="0"/>
-              </a:rPr>
-              <a:t>and group/cluster them as per their “relatedness” to the </a:t>
-            </a:r>
-            <a:r>
-              <a:rPr lang="en-US" sz="2400" dirty="0" smtClean="0">
-                <a:solidFill>
-                  <a:schemeClr val="tx1"/>
-                </a:solidFill>
-                <a:latin typeface="Times New Roman" panose="02020603050405020304" pitchFamily="18" charset="0"/>
-                <a:cs typeface="Times New Roman" panose="02020603050405020304" pitchFamily="18" charset="0"/>
-              </a:rPr>
-              <a:t>question</a:t>
-            </a:r>
-          </a:p>
-          <a:p>
-            <a:pPr lvl="1"/>
-            <a:r>
-              <a:rPr lang="en-US" sz="2400" dirty="0" smtClean="0">
-                <a:solidFill>
-                  <a:schemeClr val="tx1"/>
-                </a:solidFill>
-                <a:latin typeface="Times New Roman" panose="02020603050405020304" pitchFamily="18" charset="0"/>
-                <a:cs typeface="Times New Roman" panose="02020603050405020304" pitchFamily="18" charset="0"/>
-              </a:rPr>
-              <a:t>Use structure </a:t>
-            </a:r>
-            <a:r>
-              <a:rPr lang="en-US" sz="2400" dirty="0">
-                <a:solidFill>
-                  <a:schemeClr val="tx1"/>
-                </a:solidFill>
-                <a:latin typeface="Times New Roman" panose="02020603050405020304" pitchFamily="18" charset="0"/>
-                <a:cs typeface="Times New Roman" panose="02020603050405020304" pitchFamily="18" charset="0"/>
-              </a:rPr>
-              <a:t>and lexical </a:t>
-            </a:r>
-            <a:r>
-              <a:rPr lang="en-US" sz="2400" dirty="0" smtClean="0">
-                <a:solidFill>
-                  <a:schemeClr val="tx1"/>
-                </a:solidFill>
-                <a:latin typeface="Times New Roman" panose="02020603050405020304" pitchFamily="18" charset="0"/>
-                <a:cs typeface="Times New Roman" panose="02020603050405020304" pitchFamily="18" charset="0"/>
-              </a:rPr>
-              <a:t>information to </a:t>
-            </a:r>
-            <a:r>
-              <a:rPr lang="en-US" sz="2400" dirty="0">
-                <a:solidFill>
-                  <a:schemeClr val="tx1"/>
-                </a:solidFill>
-                <a:latin typeface="Times New Roman" panose="02020603050405020304" pitchFamily="18" charset="0"/>
-                <a:cs typeface="Times New Roman" panose="02020603050405020304" pitchFamily="18" charset="0"/>
-              </a:rPr>
-              <a:t>cluster questions as per their relatedness with the original </a:t>
-            </a:r>
-            <a:r>
-              <a:rPr lang="en-US" sz="2400" dirty="0" smtClean="0">
-                <a:solidFill>
-                  <a:schemeClr val="tx1"/>
-                </a:solidFill>
-                <a:latin typeface="Times New Roman" panose="02020603050405020304" pitchFamily="18" charset="0"/>
-                <a:cs typeface="Times New Roman" panose="02020603050405020304" pitchFamily="18" charset="0"/>
-              </a:rPr>
-              <a:t>question </a:t>
-            </a:r>
-            <a:endParaRPr lang="en-US" sz="2400" dirty="0">
-              <a:solidFill>
-                <a:schemeClr val="tx1"/>
-              </a:solidFill>
+            <a:pPr algn="ctr"/>
+            <a:r>
+              <a:rPr lang="en-US" dirty="0" smtClean="0">
+                <a:latin typeface="Times New Roman" panose="02020603050405020304" pitchFamily="18" charset="0"/>
+                <a:cs typeface="Times New Roman" panose="02020603050405020304" pitchFamily="18" charset="0"/>
+              </a:rPr>
+              <a:t>Feature Extraction</a:t>
+            </a:r>
+            <a:endParaRPr lang="en-US" dirty="0">
               <a:latin typeface="Times New Roman" panose="02020603050405020304" pitchFamily="18" charset="0"/>
               <a:cs typeface="Times New Roman" panose="02020603050405020304" pitchFamily="18" charset="0"/>
             </a:endParaRPr>
           </a:p>
-          <a:p>
-            <a:r>
-              <a:rPr lang="en-US" sz="2600" dirty="0" smtClean="0">
-                <a:solidFill>
-                  <a:schemeClr val="tx1"/>
-                </a:solidFill>
-                <a:latin typeface="Times New Roman" panose="02020603050405020304" pitchFamily="18" charset="0"/>
-                <a:cs typeface="Times New Roman" panose="02020603050405020304" pitchFamily="18" charset="0"/>
-              </a:rPr>
-              <a:t>The approach presented in </a:t>
-            </a:r>
-            <a:r>
-              <a:rPr lang="en-US" sz="2600" dirty="0" smtClean="0">
-                <a:solidFill>
-                  <a:schemeClr val="tx1"/>
-                </a:solidFill>
-                <a:latin typeface="Times New Roman" panose="02020603050405020304" pitchFamily="18" charset="0"/>
-                <a:cs typeface="Times New Roman" panose="02020603050405020304" pitchFamily="18" charset="0"/>
-              </a:rPr>
-              <a:t>the paper, </a:t>
-            </a:r>
-            <a:r>
-              <a:rPr lang="en-US" sz="2600" dirty="0" smtClean="0">
-                <a:solidFill>
-                  <a:schemeClr val="tx1"/>
-                </a:solidFill>
-                <a:latin typeface="Times New Roman" panose="02020603050405020304" pitchFamily="18" charset="0"/>
-                <a:cs typeface="Times New Roman" panose="02020603050405020304" pitchFamily="18" charset="0"/>
-                <a:hlinkClick r:id="rId2"/>
-              </a:rPr>
-              <a:t>http://www.cs.cmu.edu/~</a:t>
-            </a:r>
-            <a:r>
-              <a:rPr lang="en-US" sz="2600" dirty="0" smtClean="0">
-                <a:solidFill>
-                  <a:schemeClr val="tx1"/>
-                </a:solidFill>
-                <a:latin typeface="Times New Roman" panose="02020603050405020304" pitchFamily="18" charset="0"/>
-                <a:cs typeface="Times New Roman" panose="02020603050405020304" pitchFamily="18" charset="0"/>
-                <a:hlinkClick r:id="rId2"/>
-              </a:rPr>
-              <a:t>llita/papers/lita.acquisition-cikm2004.pdf</a:t>
-            </a:r>
-            <a:r>
-              <a:rPr lang="en-US" sz="2600" dirty="0" smtClean="0">
-                <a:solidFill>
-                  <a:schemeClr val="tx1"/>
-                </a:solidFill>
-                <a:latin typeface="Times New Roman" panose="02020603050405020304" pitchFamily="18" charset="0"/>
-                <a:cs typeface="Times New Roman" panose="02020603050405020304" pitchFamily="18" charset="0"/>
-              </a:rPr>
-              <a:t> </a:t>
-            </a:r>
-            <a:r>
-              <a:rPr lang="en-US" sz="2600" dirty="0" smtClean="0">
-                <a:solidFill>
-                  <a:schemeClr val="tx1"/>
-                </a:solidFill>
-                <a:latin typeface="Times New Roman" panose="02020603050405020304" pitchFamily="18" charset="0"/>
-                <a:cs typeface="Times New Roman" panose="02020603050405020304" pitchFamily="18" charset="0"/>
-              </a:rPr>
-              <a:t>views questions as collections of entities and relations among them</a:t>
-            </a:r>
-          </a:p>
-          <a:p>
-            <a:r>
-              <a:rPr lang="en-US" sz="2600" dirty="0" smtClean="0">
-                <a:solidFill>
-                  <a:schemeClr val="tx1"/>
-                </a:solidFill>
-                <a:latin typeface="Times New Roman" panose="02020603050405020304" pitchFamily="18" charset="0"/>
-                <a:cs typeface="Times New Roman" panose="02020603050405020304" pitchFamily="18" charset="0"/>
-              </a:rPr>
-              <a:t>The question-type is in the form of an unknown relation or an unknown entity</a:t>
-            </a:r>
-          </a:p>
-        </p:txBody>
-      </p:sp>
+        </p:txBody>
+      </p:sp>
+      <p:sp>
+        <p:nvSpPr>
+          <p:cNvPr id="3" name="Content Placeholder 2"/>
+          <p:cNvSpPr>
+            <a:spLocks noGrp="1"/>
+          </p:cNvSpPr>
+          <p:nvPr>
+            <p:ph idx="1"/>
+          </p:nvPr>
+        </p:nvSpPr>
+        <p:spPr/>
+        <p:txBody>
+          <a:bodyPr/>
+          <a:lstStyle/>
+          <a:p>
+            <a:r>
+              <a:rPr lang="en-US" dirty="0" smtClean="0">
+                <a:latin typeface="Times New Roman" panose="02020603050405020304" pitchFamily="18" charset="0"/>
+                <a:cs typeface="Times New Roman" panose="02020603050405020304" pitchFamily="18" charset="0"/>
+              </a:rPr>
+              <a:t>Extracting POS tags</a:t>
+            </a:r>
+            <a:endParaRPr lang="en-US" dirty="0" smtClean="0">
+              <a:latin typeface="Times New Roman" panose="02020603050405020304" pitchFamily="18" charset="0"/>
+              <a:cs typeface="Times New Roman" panose="02020603050405020304" pitchFamily="18" charset="0"/>
+            </a:endParaRPr>
+          </a:p>
+          <a:p>
+            <a:endParaRPr lang="en-US" b="1" dirty="0">
+              <a:latin typeface="Times New Roman" panose="02020603050405020304" pitchFamily="18" charset="0"/>
+              <a:cs typeface="Times New Roman" panose="02020603050405020304" pitchFamily="18" charset="0"/>
+            </a:endParaRPr>
+          </a:p>
+        </p:txBody>
+      </p:sp>
+      <p:pic>
+        <p:nvPicPr>
+          <p:cNvPr id="4" name="Picture 3"/>
+          <p:cNvPicPr>
+            <a:picLocks noChangeAspect="1"/>
+          </p:cNvPicPr>
+          <p:nvPr/>
+        </p:nvPicPr>
+        <p:blipFill>
+          <a:blip r:embed="rId2"/>
+          <a:stretch>
+            <a:fillRect/>
+          </a:stretch>
+        </p:blipFill>
+        <p:spPr>
+          <a:xfrm>
+            <a:off x="1310368" y="2653393"/>
+            <a:ext cx="6153150" cy="3162300"/>
+          </a:xfrm>
+          <a:prstGeom prst="rect">
+            <a:avLst/>
+          </a:prstGeom>
+        </p:spPr>
+      </p:pic>
     </p:spTree>
     <p:extLst>
       <p:ext uri="{BB962C8B-B14F-4D97-AF65-F5344CB8AC3E}">
-        <p14:creationId xmlns:p14="http://schemas.microsoft.com/office/powerpoint/2010/main" xmlns="" val="2045971925"/>
+        <p14:creationId xmlns:p14="http://schemas.microsoft.com/office/powerpoint/2010/main" val="131412334"/>
       </p:ext>
     </p:extLst>
   </p:cSld>
@@ -10032,21 +9515,7 @@
                 <a:latin typeface="Times New Roman" panose="02020603050405020304" pitchFamily="18" charset="0"/>
                 <a:cs typeface="Times New Roman" panose="02020603050405020304" pitchFamily="18" charset="0"/>
               </a:rPr>
-              <a:t>Existing Baseline </a:t>
-            </a:r>
-            <a:r>
-              <a:rPr lang="en-US" dirty="0" smtClean="0">
-                <a:latin typeface="Times New Roman" panose="02020603050405020304" pitchFamily="18" charset="0"/>
-                <a:cs typeface="Times New Roman" panose="02020603050405020304" pitchFamily="18" charset="0"/>
-              </a:rPr>
-              <a:t>I</a:t>
-            </a:r>
-            <a:r>
-              <a:rPr lang="en-US" dirty="0" smtClean="0">
-                <a:latin typeface="Times New Roman" panose="02020603050405020304" pitchFamily="18" charset="0"/>
-                <a:cs typeface="Times New Roman" panose="02020603050405020304" pitchFamily="18" charset="0"/>
-              </a:rPr>
-              <a:t>mplementation</a:t>
+              <a:t>Feature Extraction</a:t>
             </a:r>
             <a:endParaRPr lang="en-US" dirty="0">
               <a:latin typeface="Times New Roman" panose="02020603050405020304" pitchFamily="18" charset="0"/>
@@ -10065,153 +9534,59 @@
             <p:ph idx="1"/>
           </p:nvPr>
         </p:nvSpPr>
-        <p:spPr>
-          <a:xfrm>
-            <a:off x="650039" y="1969520"/>
-            <a:ext cx="8596668" cy="3880773"/>
-          </a:xfrm>
-        </p:spPr>
-        <p:txBody>
-          <a:bodyPr>
-            <a:normAutofit/>
-          </a:bodyPr>
+        <p:spPr/>
+        <p:txBody>
+          <a:bodyPr/>
           <a:lstStyle/>
           <a:p>
             <a:r>
-              <a:rPr lang="en-US" sz="2400" dirty="0" smtClean="0">
-                <a:solidFill>
-                  <a:schemeClr val="tx1"/>
-                </a:solidFill>
-                <a:latin typeface="Times New Roman" panose="02020603050405020304" pitchFamily="18" charset="0"/>
-                <a:cs typeface="Times New Roman" panose="02020603050405020304" pitchFamily="18" charset="0"/>
-              </a:rPr>
-              <a:t>Implement a model using supervised learning </a:t>
-            </a:r>
-            <a:r>
-              <a:rPr lang="en-US" sz="2400" dirty="0" smtClean="0">
-                <a:solidFill>
-                  <a:schemeClr val="tx1"/>
-                </a:solidFill>
-                <a:latin typeface="Times New Roman" panose="02020603050405020304" pitchFamily="18" charset="0"/>
-                <a:cs typeface="Times New Roman" panose="02020603050405020304" pitchFamily="18" charset="0"/>
-              </a:rPr>
-              <a:t>method</a:t>
-            </a:r>
-            <a:endParaRPr lang="en-US" sz="2400" dirty="0">
-              <a:solidFill>
-                <a:schemeClr val="tx1"/>
-              </a:solidFill>
+              <a:rPr lang="en-US" dirty="0" smtClean="0">
+                <a:latin typeface="Times New Roman" panose="02020603050405020304" pitchFamily="18" charset="0"/>
+                <a:cs typeface="Times New Roman" panose="02020603050405020304" pitchFamily="18" charset="0"/>
+              </a:rPr>
+              <a:t>Extracting POS tags</a:t>
+            </a:r>
+            <a:endParaRPr lang="en-US" dirty="0" smtClean="0">
               <a:latin typeface="Times New Roman" panose="02020603050405020304" pitchFamily="18" charset="0"/>
               <a:cs typeface="Times New Roman" panose="02020603050405020304" pitchFamily="18" charset="0"/>
             </a:endParaRPr>
           </a:p>
           <a:p>
-            <a:r>
-              <a:rPr lang="en-US" sz="2400" dirty="0" smtClean="0">
-                <a:solidFill>
-                  <a:schemeClr val="tx1"/>
-                </a:solidFill>
-                <a:latin typeface="Times New Roman" pitchFamily="18" charset="0"/>
-                <a:cs typeface="Times New Roman" pitchFamily="18" charset="0"/>
-              </a:rPr>
-              <a:t>For </a:t>
-            </a:r>
-            <a:r>
-              <a:rPr lang="en-US" sz="2400" dirty="0" smtClean="0">
-                <a:solidFill>
-                  <a:schemeClr val="tx1"/>
-                </a:solidFill>
-                <a:latin typeface="Times New Roman" pitchFamily="18" charset="0"/>
-                <a:cs typeface="Times New Roman" pitchFamily="18" charset="0"/>
-              </a:rPr>
-              <a:t>the current </a:t>
-            </a:r>
-            <a:r>
-              <a:rPr lang="en-US" sz="2400" dirty="0" smtClean="0">
-                <a:solidFill>
-                  <a:schemeClr val="tx1"/>
-                </a:solidFill>
-                <a:latin typeface="Times New Roman" pitchFamily="18" charset="0"/>
-                <a:cs typeface="Times New Roman" pitchFamily="18" charset="0"/>
-              </a:rPr>
-              <a:t>implementation, </a:t>
-            </a:r>
-            <a:r>
-              <a:rPr lang="en-US" sz="2400" dirty="0" smtClean="0">
-                <a:solidFill>
-                  <a:schemeClr val="tx1"/>
-                </a:solidFill>
-                <a:latin typeface="Times New Roman" pitchFamily="18" charset="0"/>
-                <a:cs typeface="Times New Roman" pitchFamily="18" charset="0"/>
-              </a:rPr>
-              <a:t>Support </a:t>
-            </a:r>
-            <a:r>
-              <a:rPr lang="en-US" sz="2400" dirty="0" smtClean="0">
-                <a:solidFill>
-                  <a:schemeClr val="tx1"/>
-                </a:solidFill>
-                <a:latin typeface="Times New Roman" pitchFamily="18" charset="0"/>
-                <a:cs typeface="Times New Roman" pitchFamily="18" charset="0"/>
-              </a:rPr>
-              <a:t>Vector Classification </a:t>
-            </a:r>
-            <a:r>
-              <a:rPr lang="en-US" sz="2400" dirty="0" smtClean="0">
-                <a:solidFill>
-                  <a:schemeClr val="tx1"/>
-                </a:solidFill>
-                <a:latin typeface="Times New Roman" pitchFamily="18" charset="0"/>
-                <a:cs typeface="Times New Roman" pitchFamily="18" charset="0"/>
-              </a:rPr>
-              <a:t>is used whose </a:t>
-            </a:r>
-            <a:r>
-              <a:rPr lang="en-US" sz="2400" dirty="0" smtClean="0">
-                <a:solidFill>
-                  <a:schemeClr val="tx1"/>
-                </a:solidFill>
-                <a:latin typeface="Times New Roman" pitchFamily="18" charset="0"/>
-                <a:cs typeface="Times New Roman" pitchFamily="18" charset="0"/>
-              </a:rPr>
-              <a:t>implementation is based on </a:t>
-            </a:r>
-            <a:r>
-              <a:rPr lang="en-US" sz="2400" dirty="0" err="1" smtClean="0">
-                <a:solidFill>
-                  <a:schemeClr val="tx1"/>
-                </a:solidFill>
-                <a:latin typeface="Times New Roman" pitchFamily="18" charset="0"/>
-                <a:cs typeface="Times New Roman" pitchFamily="18" charset="0"/>
-              </a:rPr>
-              <a:t>libSVM</a:t>
-            </a:r>
-            <a:endParaRPr lang="en-US" sz="2400" dirty="0" smtClean="0">
-              <a:solidFill>
-                <a:schemeClr val="tx1"/>
-              </a:solidFill>
-              <a:latin typeface="Times New Roman" pitchFamily="18" charset="0"/>
-              <a:cs typeface="Times New Roman" pitchFamily="18" charset="0"/>
+            <a:endParaRPr lang="en-US" b="1" dirty="0">
+              <a:latin typeface="Times New Roman" panose="02020603050405020304" pitchFamily="18" charset="0"/>
+              <a:cs typeface="Times New Roman" panose="02020603050405020304" pitchFamily="18" charset="0"/>
             </a:endParaRPr>
           </a:p>
-          <a:p>
-            <a:r>
-              <a:rPr lang="en-US" sz="2400" dirty="0" smtClean="0">
-                <a:solidFill>
-                  <a:schemeClr val="tx1"/>
-                </a:solidFill>
-                <a:latin typeface="Times New Roman" pitchFamily="18" charset="0"/>
-                <a:cs typeface="Times New Roman" pitchFamily="18" charset="0"/>
-              </a:rPr>
-              <a:t>As the training samples are less, the running time for training is quite less and the accuracy is also good</a:t>
-            </a:r>
-          </a:p>
-        </p:txBody>
-      </p:sp>
+        </p:txBody>
+      </p:sp>
+      <p:pic>
+        <p:nvPicPr>
+          <p:cNvPr id="5" name="Picture 4"/>
+          <p:cNvPicPr>
+            <a:picLocks noChangeAspect="1"/>
+          </p:cNvPicPr>
+          <p:nvPr/>
+        </p:nvPicPr>
+        <p:blipFill>
+          <a:blip r:embed="rId2"/>
+          <a:stretch>
+            <a:fillRect/>
+          </a:stretch>
+        </p:blipFill>
+        <p:spPr>
+          <a:xfrm>
+            <a:off x="1351870" y="2905125"/>
+            <a:ext cx="6657975" cy="2724150"/>
+          </a:xfrm>
+          <a:prstGeom prst="rect">
+            <a:avLst/>
+          </a:prstGeom>
+        </p:spPr>
+      </p:pic>
     </p:spTree>
     <p:extLst>
       <p:ext uri="{BB962C8B-B14F-4D97-AF65-F5344CB8AC3E}">
-        <p14:creationId xmlns:p14="http://schemas.microsoft.com/office/powerpoint/2010/main" xmlns="" val="1225250234"/>
+        <p14:creationId xmlns:p14="http://schemas.microsoft.com/office/powerpoint/2010/main" val="1971711520"/>
       </p:ext>
     </p:extLst>
   </p:cSld>
@@ -10259,7 +9634,7 @@
                 <a:latin typeface="Times New Roman" panose="02020603050405020304" pitchFamily="18" charset="0"/>
                 <a:cs typeface="Times New Roman" panose="02020603050405020304" pitchFamily="18" charset="0"/>
               </a:rPr>
-              <a:t>Proposed Workflow</a:t>
+              <a:t>Feature Extraction</a:t>
             </a:r>
             <a:endParaRPr lang="en-US" dirty="0">
               <a:latin typeface="Times New Roman" panose="02020603050405020304" pitchFamily="18" charset="0"/>
@@ -10268,35 +9643,69 @@
           </a:p>
         </p:txBody>
       </p:sp>
-      <p:graphicFrame>
-        <p:nvGraphicFramePr>
-          <p:cNvPr id="7" name="Content Placeholder 6"/>
-          <p:cNvGraphicFramePr>
-            <a:graphicFrameLocks noGrp="1"/>
-          </p:cNvGraphicFramePr>
+      <p:sp>
+        <p:nvSpPr>
+          <p:cNvPr id="3" name="Content Placeholder 2"/>
+          <p:cNvSpPr>
+            <a:spLocks noGrp="1"/>
+          </p:cNvSpPr>
           <p:nvPr>
             <p:ph idx="1"/>
-            <p:extLst>
-              <p:ext uri="{D42A27DB-BD31-4B8C-83A1-F6EECF244321}">
-                <p14:modId xmlns:p14="http://schemas.microsoft.com/office/powerpoint/2010/main" xmlns="" val="1778973101"/>
-              </p:ext>
-            </p:extLst>
-          </p:nvPr>
-        </p:nvGraphicFramePr>
-        <p:xfrm>
-          <a:off x="507269" y="1866568"/>
-          <a:ext cx="9877540" cy="2999763"/>
-        </p:xfrm>
-        <a:graphic>
-          <a:graphicData uri="http://schemas.openxmlformats.org/drawingml/2006/diagram">
-            <dgm:relIds xmlns:dgm="http://schemas.openxmlformats.org/drawingml/2006/diagram" xmlns:r="http://schemas.openxmlformats.org/officeDocument/2006/relationships" r:dm="rId2" r:lo="rId3" r:qs="rId4" r:cs="rId5"/>
-          </a:graphicData>
-        </a:graphic>
-      </p:graphicFrame>
+          </p:nvPr>
+        </p:nvSpPr>
+        <p:spPr/>
+        <p:txBody>
+          <a:bodyPr/>
+          <a:lstStyle/>
+          <a:p>
+            <a:r>
+              <a:rPr lang="en-US" dirty="0" smtClean="0">
+                <a:latin typeface="Times New Roman" panose="02020603050405020304" pitchFamily="18" charset="0"/>
+                <a:cs typeface="Times New Roman" panose="02020603050405020304" pitchFamily="18" charset="0"/>
+              </a:rPr>
+              <a:t>NER tagging</a:t>
+            </a:r>
+            <a:endParaRPr lang="en-US" dirty="0" smtClean="0">
+              <a:latin typeface="Times New Roman" panose="02020603050405020304" pitchFamily="18" charset="0"/>
+              <a:cs typeface="Times New Roman" panose="02020603050405020304" pitchFamily="18" charset="0"/>
+            </a:endParaRPr>
+          </a:p>
+          <a:p>
+            <a:endParaRPr lang="en-US" b="1" dirty="0">
+              <a:latin typeface="Times New Roman" panose="02020603050405020304" pitchFamily="18" charset="0"/>
+              <a:cs typeface="Times New Roman" panose="02020603050405020304" pitchFamily="18" charset="0"/>
+            </a:endParaRPr>
+          </a:p>
+        </p:txBody>
+      </p:sp>
+      <p:pic>
+        <p:nvPicPr>
+          <p:cNvPr id="4" name="Picture 3"/>
+          <p:cNvPicPr>
+            <a:picLocks noChangeAspect="1"/>
+          </p:cNvPicPr>
+          <p:nvPr/>
+        </p:nvPicPr>
+        <p:blipFill>
+          <a:blip r:embed="rId2"/>
+          <a:stretch>
+            <a:fillRect/>
+          </a:stretch>
+        </p:blipFill>
+        <p:spPr>
+          <a:xfrm>
+            <a:off x="356043" y="2634343"/>
+            <a:ext cx="9239250" cy="3962400"/>
+          </a:xfrm>
+          <a:prstGeom prst="rect">
+            <a:avLst/>
+          </a:prstGeom>
+        </p:spPr>
+      </p:pic>
     </p:spTree>
     <p:extLst>
       <p:ext uri="{BB962C8B-B14F-4D97-AF65-F5344CB8AC3E}">
-        <p14:creationId xmlns:p14="http://schemas.microsoft.com/office/powerpoint/2010/main" xmlns="" val="2962103780"/>
+        <p14:creationId xmlns:p14="http://schemas.microsoft.com/office/powerpoint/2010/main" val="480279104"/>
       </p:ext>
     </p:extLst>
   </p:cSld>
@@ -10325,292 +9734,97 @@
       </p:grpSpPr>
       <p:sp>
         <p:nvSpPr>
-          <p:cNvPr id="3" name="Content Placeholder 2"/>
-          <p:cNvSpPr>
-            <a:spLocks noGrp="1"/>
-          </p:cNvSpPr>
-          <p:nvPr>
-            <p:ph idx="1"/>
-          </p:nvPr>
-        </p:nvSpPr>
-        <p:spPr>
-          <a:xfrm>
-            <a:off x="661013" y="1069918"/>
-            <a:ext cx="8590956" cy="5788082"/>
-          </a:xfrm>
-        </p:spPr>
-        <p:txBody>
-          <a:bodyPr>
-            <a:noAutofit/>
-          </a:bodyPr>
+          <p:cNvPr id="2" name="Title 1"/>
+          <p:cNvSpPr>
+            <a:spLocks noGrp="1"/>
+          </p:cNvSpPr>
+          <p:nvPr>
+            <p:ph type="title"/>
+          </p:nvPr>
+        </p:nvSpPr>
+        <p:spPr/>
+        <p:txBody>
+          <a:bodyPr/>
           <a:lstStyle/>
           <a:p>
-            <a:r>
-              <a:rPr lang="en-US" sz="2400" dirty="0" smtClean="0">
-                <a:solidFill>
-                  <a:schemeClr val="tx1"/>
-                </a:solidFill>
-                <a:latin typeface="Times New Roman" panose="02020603050405020304" pitchFamily="18" charset="0"/>
-                <a:cs typeface="Times New Roman" panose="02020603050405020304" pitchFamily="18" charset="0"/>
-              </a:rPr>
-              <a:t>Pre-processing- </a:t>
-            </a:r>
-          </a:p>
-          <a:p>
-            <a:pPr lvl="1"/>
-            <a:r>
-              <a:rPr lang="en-US" sz="2400" dirty="0" smtClean="0">
-                <a:solidFill>
-                  <a:schemeClr val="tx1"/>
-                </a:solidFill>
-                <a:latin typeface="Times New Roman" panose="02020603050405020304" pitchFamily="18" charset="0"/>
-                <a:cs typeface="Times New Roman" panose="02020603050405020304" pitchFamily="18" charset="0"/>
-              </a:rPr>
-              <a:t>Remove junk except for a-Z and A-Z</a:t>
-            </a:r>
-          </a:p>
-          <a:p>
-            <a:pPr lvl="1"/>
-            <a:r>
-              <a:rPr lang="en-US" sz="2400" dirty="0" smtClean="0">
-                <a:solidFill>
-                  <a:schemeClr val="tx1"/>
-                </a:solidFill>
-                <a:latin typeface="Times New Roman" panose="02020603050405020304" pitchFamily="18" charset="0"/>
-                <a:cs typeface="Times New Roman" panose="02020603050405020304" pitchFamily="18" charset="0"/>
-              </a:rPr>
-              <a:t>Change each character to lower case</a:t>
-            </a:r>
-          </a:p>
-          <a:p>
-            <a:pPr lvl="1"/>
-            <a:r>
-              <a:rPr lang="en-US" sz="2400" dirty="0" smtClean="0">
-                <a:solidFill>
-                  <a:schemeClr val="tx1"/>
-                </a:solidFill>
-                <a:latin typeface="Times New Roman" panose="02020603050405020304" pitchFamily="18" charset="0"/>
-                <a:cs typeface="Times New Roman" panose="02020603050405020304" pitchFamily="18" charset="0"/>
-              </a:rPr>
-              <a:t>Remove stop words</a:t>
-            </a:r>
-            <a:endParaRPr lang="en-US" sz="2400" dirty="0">
-              <a:solidFill>
-                <a:schemeClr val="tx1"/>
-              </a:solidFill>
+            <a:pPr algn="ctr"/>
+            <a:r>
+              <a:rPr lang="en-US" dirty="0" smtClean="0">
+                <a:latin typeface="Times New Roman" panose="02020603050405020304" pitchFamily="18" charset="0"/>
+                <a:cs typeface="Times New Roman" panose="02020603050405020304" pitchFamily="18" charset="0"/>
+              </a:rPr>
+              <a:t>Feature Extraction</a:t>
+            </a:r>
+            <a:endParaRPr lang="en-US" dirty="0">
               <a:latin typeface="Times New Roman" panose="02020603050405020304" pitchFamily="18" charset="0"/>
               <a:cs typeface="Times New Roman" panose="02020603050405020304" pitchFamily="18" charset="0"/>
             </a:endParaRPr>
           </a:p>
-          <a:p>
-            <a:r>
-              <a:rPr lang="en-US" sz="2400" dirty="0" smtClean="0">
-                <a:solidFill>
-                  <a:schemeClr val="tx1"/>
-                </a:solidFill>
-                <a:latin typeface="Times New Roman" panose="02020603050405020304" pitchFamily="18" charset="0"/>
-                <a:cs typeface="Times New Roman" panose="02020603050405020304" pitchFamily="18" charset="0"/>
-              </a:rPr>
-              <a:t>Feature extraction-</a:t>
-            </a:r>
-          </a:p>
-          <a:p>
-            <a:pPr lvl="1"/>
-            <a:r>
-              <a:rPr lang="en-US" sz="2400" dirty="0" smtClean="0">
-                <a:solidFill>
-                  <a:schemeClr val="tx1"/>
-                </a:solidFill>
-                <a:latin typeface="Times New Roman" panose="02020603050405020304" pitchFamily="18" charset="0"/>
-                <a:cs typeface="Times New Roman" panose="02020603050405020304" pitchFamily="18" charset="0"/>
-              </a:rPr>
-              <a:t>Words, part-of-speech (POS) tags, named entities, head chunks and semantically related words to be used as features</a:t>
-            </a:r>
-          </a:p>
-          <a:p>
-            <a:pPr lvl="1"/>
-            <a:r>
-              <a:rPr lang="en-US" sz="2400" dirty="0" smtClean="0">
-                <a:solidFill>
-                  <a:schemeClr val="tx1"/>
-                </a:solidFill>
-                <a:latin typeface="Times New Roman" panose="02020603050405020304" pitchFamily="18" charset="0"/>
-                <a:cs typeface="Times New Roman" panose="02020603050405020304" pitchFamily="18" charset="0"/>
-              </a:rPr>
-              <a:t>For semantically related words, a predefined list has been provided which has group of related words</a:t>
-            </a:r>
-          </a:p>
-          <a:p>
-            <a:pPr lvl="1"/>
-            <a:r>
-              <a:rPr lang="en-US" sz="2400" dirty="0" err="1" smtClean="0">
-                <a:solidFill>
-                  <a:schemeClr val="tx1"/>
-                </a:solidFill>
-                <a:latin typeface="Times New Roman" panose="02020603050405020304" pitchFamily="18" charset="0"/>
-                <a:cs typeface="Times New Roman" panose="02020603050405020304" pitchFamily="18" charset="0"/>
-              </a:rPr>
-              <a:t>Pos</a:t>
-            </a:r>
-            <a:r>
-              <a:rPr lang="en-US" sz="2400" dirty="0" smtClean="0">
-                <a:solidFill>
-                  <a:schemeClr val="tx1"/>
-                </a:solidFill>
-                <a:latin typeface="Times New Roman" panose="02020603050405020304" pitchFamily="18" charset="0"/>
-                <a:cs typeface="Times New Roman" panose="02020603050405020304" pitchFamily="18" charset="0"/>
-              </a:rPr>
-              <a:t> </a:t>
-            </a:r>
-            <a:r>
-              <a:rPr lang="en-US" sz="2400" dirty="0">
-                <a:solidFill>
-                  <a:schemeClr val="tx1"/>
-                </a:solidFill>
-                <a:latin typeface="Times New Roman" panose="02020603050405020304" pitchFamily="18" charset="0"/>
-                <a:cs typeface="Times New Roman" panose="02020603050405020304" pitchFamily="18" charset="0"/>
-              </a:rPr>
-              <a:t>tags are extracted </a:t>
-            </a:r>
-            <a:r>
-              <a:rPr lang="en-US" sz="2400" dirty="0" smtClean="0">
-                <a:solidFill>
-                  <a:schemeClr val="tx1"/>
-                </a:solidFill>
-                <a:latin typeface="Times New Roman" panose="02020603050405020304" pitchFamily="18" charset="0"/>
-                <a:cs typeface="Times New Roman" panose="02020603050405020304" pitchFamily="18" charset="0"/>
-              </a:rPr>
-              <a:t>using a </a:t>
-            </a:r>
-            <a:r>
-              <a:rPr lang="en-US" sz="2400" dirty="0" err="1" smtClean="0">
-                <a:solidFill>
-                  <a:schemeClr val="tx1"/>
-                </a:solidFill>
-                <a:latin typeface="Times New Roman" panose="02020603050405020304" pitchFamily="18" charset="0"/>
-                <a:cs typeface="Times New Roman" panose="02020603050405020304" pitchFamily="18" charset="0"/>
-              </a:rPr>
-              <a:t>nltk</a:t>
-            </a:r>
-            <a:r>
-              <a:rPr lang="en-US" sz="2400" dirty="0" smtClean="0">
-                <a:solidFill>
-                  <a:schemeClr val="tx1"/>
-                </a:solidFill>
-                <a:latin typeface="Times New Roman" panose="02020603050405020304" pitchFamily="18" charset="0"/>
-                <a:cs typeface="Times New Roman" panose="02020603050405020304" pitchFamily="18" charset="0"/>
-              </a:rPr>
-              <a:t> </a:t>
-            </a:r>
-            <a:r>
-              <a:rPr lang="en-US" sz="2400" i="1" dirty="0" err="1" smtClean="0">
-                <a:solidFill>
-                  <a:schemeClr val="tx1"/>
-                </a:solidFill>
-                <a:latin typeface="Times New Roman" panose="02020603050405020304" pitchFamily="18" charset="0"/>
-                <a:cs typeface="Times New Roman" panose="02020603050405020304" pitchFamily="18" charset="0"/>
-              </a:rPr>
-              <a:t>pos_tag</a:t>
-            </a:r>
-            <a:r>
-              <a:rPr lang="en-US" sz="2400" i="1" dirty="0" smtClean="0">
-                <a:solidFill>
-                  <a:schemeClr val="tx1"/>
-                </a:solidFill>
-                <a:latin typeface="Times New Roman" panose="02020603050405020304" pitchFamily="18" charset="0"/>
-                <a:cs typeface="Times New Roman" panose="02020603050405020304" pitchFamily="18" charset="0"/>
-              </a:rPr>
-              <a:t>()</a:t>
-            </a:r>
-            <a:r>
-              <a:rPr lang="en-US" sz="2400" dirty="0" smtClean="0">
-                <a:solidFill>
-                  <a:schemeClr val="tx1"/>
-                </a:solidFill>
-                <a:latin typeface="Times New Roman" panose="02020603050405020304" pitchFamily="18" charset="0"/>
-                <a:cs typeface="Times New Roman" panose="02020603050405020304" pitchFamily="18" charset="0"/>
-              </a:rPr>
-              <a:t> function</a:t>
-            </a:r>
-          </a:p>
-          <a:p>
-            <a:pPr lvl="1"/>
-            <a:r>
-              <a:rPr lang="en-US" sz="2400" dirty="0" smtClean="0">
-                <a:solidFill>
-                  <a:schemeClr val="tx1"/>
-                </a:solidFill>
-                <a:latin typeface="Times New Roman" panose="02020603050405020304" pitchFamily="18" charset="0"/>
-                <a:cs typeface="Times New Roman" panose="02020603050405020304" pitchFamily="18" charset="0"/>
-              </a:rPr>
-              <a:t>To identify the question </a:t>
-            </a:r>
-            <a:r>
-              <a:rPr lang="en-US" sz="2400" dirty="0">
-                <a:solidFill>
-                  <a:schemeClr val="tx1"/>
-                </a:solidFill>
-                <a:latin typeface="Times New Roman" panose="02020603050405020304" pitchFamily="18" charset="0"/>
-                <a:cs typeface="Times New Roman" panose="02020603050405020304" pitchFamily="18" charset="0"/>
-              </a:rPr>
-              <a:t>type </a:t>
-            </a:r>
-            <a:r>
-              <a:rPr lang="en-US" sz="2400" dirty="0" err="1" smtClean="0">
-                <a:solidFill>
-                  <a:schemeClr val="tx1"/>
-                </a:solidFill>
-                <a:latin typeface="Times New Roman" panose="02020603050405020304" pitchFamily="18" charset="0"/>
-                <a:cs typeface="Times New Roman" panose="02020603050405020304" pitchFamily="18" charset="0"/>
-              </a:rPr>
-              <a:t>pretrained</a:t>
-            </a:r>
-            <a:r>
-              <a:rPr lang="en-US" sz="2400" dirty="0" smtClean="0">
-                <a:solidFill>
-                  <a:schemeClr val="tx1"/>
-                </a:solidFill>
-                <a:latin typeface="Times New Roman" panose="02020603050405020304" pitchFamily="18" charset="0"/>
-                <a:cs typeface="Times New Roman" panose="02020603050405020304" pitchFamily="18" charset="0"/>
-              </a:rPr>
-              <a:t> </a:t>
-            </a:r>
-            <a:r>
-              <a:rPr lang="en-US" sz="2400" dirty="0">
-                <a:solidFill>
-                  <a:schemeClr val="tx1"/>
-                </a:solidFill>
-                <a:latin typeface="Times New Roman" panose="02020603050405020304" pitchFamily="18" charset="0"/>
-                <a:cs typeface="Times New Roman" panose="02020603050405020304" pitchFamily="18" charset="0"/>
-              </a:rPr>
-              <a:t>question type </a:t>
-            </a:r>
-            <a:r>
-              <a:rPr lang="en-US" sz="2400" dirty="0" smtClean="0">
-                <a:solidFill>
-                  <a:schemeClr val="tx1"/>
-                </a:solidFill>
-                <a:latin typeface="Times New Roman" panose="02020603050405020304" pitchFamily="18" charset="0"/>
-                <a:cs typeface="Times New Roman" panose="02020603050405020304" pitchFamily="18" charset="0"/>
-              </a:rPr>
-              <a:t>classifier will be used</a:t>
-            </a:r>
-          </a:p>
-          <a:p>
-            <a:endParaRPr lang="en-US" sz="2600" dirty="0">
-              <a:solidFill>
-                <a:schemeClr val="tx1"/>
-              </a:solidFill>
+        </p:txBody>
+      </p:sp>
+      <p:sp>
+        <p:nvSpPr>
+          <p:cNvPr id="3" name="Content Placeholder 2"/>
+          <p:cNvSpPr>
+            <a:spLocks noGrp="1"/>
+          </p:cNvSpPr>
+          <p:nvPr>
+            <p:ph idx="1"/>
+          </p:nvPr>
+        </p:nvSpPr>
+        <p:spPr/>
+        <p:txBody>
+          <a:bodyPr/>
+          <a:lstStyle/>
+          <a:p>
+            <a:r>
+              <a:rPr lang="en-US" dirty="0" smtClean="0">
+                <a:latin typeface="Times New Roman" panose="02020603050405020304" pitchFamily="18" charset="0"/>
+                <a:cs typeface="Times New Roman" panose="02020603050405020304" pitchFamily="18" charset="0"/>
+              </a:rPr>
+              <a:t>NER tagging</a:t>
+            </a:r>
+            <a:endParaRPr lang="en-US" dirty="0" smtClean="0">
               <a:latin typeface="Times New Roman" panose="02020603050405020304" pitchFamily="18" charset="0"/>
               <a:cs typeface="Times New Roman" panose="02020603050405020304" pitchFamily="18" charset="0"/>
             </a:endParaRPr>
           </a:p>
-        </p:txBody>
-      </p:sp>
+          <a:p>
+            <a:endParaRPr lang="en-US" b="1" dirty="0">
+              <a:latin typeface="Times New Roman" panose="02020603050405020304" pitchFamily="18" charset="0"/>
+              <a:cs typeface="Times New Roman" panose="02020603050405020304" pitchFamily="18" charset="0"/>
+            </a:endParaRPr>
+          </a:p>
+        </p:txBody>
+      </p:sp>
+      <p:pic>
+        <p:nvPicPr>
+          <p:cNvPr id="4" name="Picture 3"/>
+          <p:cNvPicPr>
+            <a:picLocks noChangeAspect="1"/>
+          </p:cNvPicPr>
+          <p:nvPr/>
+        </p:nvPicPr>
+        <p:blipFill>
+          <a:blip r:embed="rId2"/>
+          <a:stretch>
+            <a:fillRect/>
+          </a:stretch>
+        </p:blipFill>
+        <p:spPr>
+          <a:xfrm>
+            <a:off x="356043" y="2634343"/>
+            <a:ext cx="9239250" cy="3962400"/>
+          </a:xfrm>
+          <a:prstGeom prst="rect">
+            <a:avLst/>
+          </a:prstGeom>
+        </p:spPr>
+      </p:pic>
     </p:spTree>
     <p:extLst>
       <p:ext uri="{BB962C8B-B14F-4D97-AF65-F5344CB8AC3E}">
-        <p14:creationId xmlns:p14="http://schemas.microsoft.com/office/powerpoint/2010/main" xmlns="" val="827228241"/>
+        <p14:creationId xmlns:p14="http://schemas.microsoft.com/office/powerpoint/2010/main" val="2652222893"/>
       </p:ext>
     </p:extLst>
   </p:cSld>
@@ -10647,12 +9861,7 @@
             <p:ph type="title"/>
           </p:nvPr>
         </p:nvSpPr>
-        <p:spPr>
-          <a:xfrm>
-            <a:off x="203608" y="839789"/>
-            <a:ext cx="8596668" cy="1320800"/>
-          </a:xfrm>
-        </p:spPr>
+        <p:spPr/>
         <p:txBody>
           <a:bodyPr/>
           <a:lstStyle/>
@@ -10663,14 +9872,7 @@
                 <a:latin typeface="Times New Roman" panose="02020603050405020304" pitchFamily="18" charset="0"/>
                 <a:cs typeface="Times New Roman" panose="02020603050405020304" pitchFamily="18" charset="0"/>
               </a:rPr>
-              <a:t>Loading </a:t>
-            </a:r>
-            <a:r>
-              <a:rPr lang="en-US" dirty="0" smtClean="0">
-                <a:latin typeface="Times New Roman" panose="02020603050405020304" pitchFamily="18" charset="0"/>
-                <a:cs typeface="Times New Roman" panose="02020603050405020304" pitchFamily="18" charset="0"/>
-              </a:rPr>
-              <a:t>Data</a:t>
+              <a:t>Feature Extraction</a:t>
             </a:r>
             <a:endParaRPr lang="en-US" dirty="0">
               <a:latin typeface="Times New Roman" panose="02020603050405020304" pitchFamily="18" charset="0"/>
@@ -10689,59 +9891,31 @@
             <p:ph idx="1"/>
           </p:nvPr>
         </p:nvSpPr>
-        <p:spPr>
-          <a:xfrm>
-            <a:off x="545909" y="1764804"/>
-            <a:ext cx="8687149" cy="4881656"/>
-          </a:xfrm>
-        </p:spPr>
+        <p:spPr/>
         <p:txBody>
           <a:bodyPr/>
           <a:lstStyle/>
           <a:p>
             <a:r>
-              <a:rPr lang="en-US" sz="2400" dirty="0" smtClean="0">
-                <a:solidFill>
-                  <a:schemeClr val="tx1"/>
-                </a:solidFill>
-                <a:latin typeface="Times New Roman" panose="02020603050405020304" pitchFamily="18" charset="0"/>
-                <a:cs typeface="Times New Roman" panose="02020603050405020304" pitchFamily="18" charset="0"/>
-              </a:rPr>
-              <a:t>After loading data, it is split using a regex into labels, fine labels and actual question</a:t>
-            </a:r>
-          </a:p>
-          <a:p>
-            <a:endParaRPr lang="en-US" dirty="0">
+              <a:rPr lang="en-US" dirty="0" smtClean="0">
+                <a:latin typeface="Times New Roman" panose="02020603050405020304" pitchFamily="18" charset="0"/>
+                <a:cs typeface="Times New Roman" panose="02020603050405020304" pitchFamily="18" charset="0"/>
+              </a:rPr>
+              <a:t>NER tagging</a:t>
+            </a:r>
+            <a:endParaRPr lang="en-US" dirty="0" smtClean="0">
               <a:latin typeface="Times New Roman" panose="02020603050405020304" pitchFamily="18" charset="0"/>
               <a:cs typeface="Times New Roman" panose="02020603050405020304" pitchFamily="18" charset="0"/>
             </a:endParaRPr>
           </a:p>
-        </p:txBody>
-      </p:sp>
-      <p:pic>
-        <p:nvPicPr>
-          <p:cNvPr id="4" name="Picture 3"/>
-          <p:cNvPicPr>
-            <a:picLocks noChangeAspect="1"/>
-          </p:cNvPicPr>
-          <p:nvPr/>
-        </p:nvPicPr>
-        <p:blipFill>
-          <a:blip r:embed="rId2" cstate="print"/>
-          <a:stretch>
-            <a:fillRect/>
-          </a:stretch>
-        </p:blipFill>
-        <p:spPr>
-          <a:xfrm>
-            <a:off x="1001487" y="3527191"/>
-            <a:ext cx="6018700" cy="3026022"/>
-          </a:xfrm>
-          <a:prstGeom prst="rect">
-            <a:avLst/>
-          </a:prstGeom>
-        </p:spPr>
-      </p:pic>
+          <a:p>
+            <a:endParaRPr lang="en-US" b="1" dirty="0">
+              <a:latin typeface="Times New Roman" panose="02020603050405020304" pitchFamily="18" charset="0"/>
+              <a:cs typeface="Times New Roman" panose="02020603050405020304" pitchFamily="18" charset="0"/>
+            </a:endParaRPr>
+          </a:p>
+        </p:txBody>
+      </p:sp>
       <p:pic>
         <p:nvPicPr>
           <p:cNvPr id="5" name="Picture 4"/>
@@ -10751,15 +9925,15 @@
           <p:nvPr/>
         </p:nvPicPr>
         <p:blipFill>
-          <a:blip r:embed="rId3" cstate="print"/>
+          <a:blip r:embed="rId2"/>
           <a:stretch>
             <a:fillRect/>
           </a:stretch>
         </p:blipFill>
         <p:spPr>
           <a:xfrm>
-            <a:off x="1001487" y="2672440"/>
-            <a:ext cx="6018700" cy="685800"/>
+            <a:off x="855889" y="2707822"/>
+            <a:ext cx="7715250" cy="3162300"/>
           </a:xfrm>
           <a:prstGeom prst="rect">
             <a:avLst/>
@@ -10769,7 +9943,7 @@
     </p:spTree>
     <p:extLst>
       <p:ext uri="{BB962C8B-B14F-4D97-AF65-F5344CB8AC3E}">
-        <p14:creationId xmlns:p14="http://schemas.microsoft.com/office/powerpoint/2010/main" xmlns="" val="2482803820"/>
+        <p14:creationId xmlns:p14="http://schemas.microsoft.com/office/powerpoint/2010/main" val="1943204822"/>
       </p:ext>
     </p:extLst>
   </p:cSld>
@@ -10817,7 +9991,7 @@
                 <a:latin typeface="Times New Roman" panose="02020603050405020304" pitchFamily="18" charset="0"/>
                 <a:cs typeface="Times New Roman" panose="02020603050405020304" pitchFamily="18" charset="0"/>
               </a:rPr>
-              <a:t>Preprocessing</a:t>
+              <a:t>Feature Extraction</a:t>
             </a:r>
             <a:endParaRPr lang="en-US" dirty="0">
               <a:latin typeface="Times New Roman" panose="02020603050405020304" pitchFamily="18" charset="0"/>
@@ -10836,65 +10010,49 @@
             <p:ph idx="1"/>
           </p:nvPr>
         </p:nvSpPr>
-        <p:spPr>
-          <a:xfrm>
-            <a:off x="690981" y="1873986"/>
-            <a:ext cx="8596668" cy="3880773"/>
-          </a:xfrm>
-        </p:spPr>
+        <p:spPr/>
         <p:txBody>
           <a:bodyPr/>
           <a:lstStyle/>
           <a:p>
-            <a:pPr marL="342900" lvl="1" indent="-342900"/>
-            <a:r>
-              <a:rPr lang="en-US" sz="2400" dirty="0">
-                <a:solidFill>
-                  <a:schemeClr val="tx1"/>
-                </a:solidFill>
-                <a:latin typeface="Times New Roman" panose="02020603050405020304" pitchFamily="18" charset="0"/>
-                <a:cs typeface="Times New Roman" panose="02020603050405020304" pitchFamily="18" charset="0"/>
-              </a:rPr>
-              <a:t>Change each character to lower </a:t>
-            </a:r>
-            <a:r>
-              <a:rPr lang="en-US" sz="2400" dirty="0" smtClean="0">
-                <a:solidFill>
-                  <a:schemeClr val="tx1"/>
-                </a:solidFill>
-                <a:latin typeface="Times New Roman" panose="02020603050405020304" pitchFamily="18" charset="0"/>
-                <a:cs typeface="Times New Roman" panose="02020603050405020304" pitchFamily="18" charset="0"/>
-              </a:rPr>
-              <a:t>case</a:t>
-            </a:r>
-            <a:endParaRPr lang="en-US" sz="2400" dirty="0">
-              <a:solidFill>
-                <a:schemeClr val="tx1"/>
-              </a:solidFill>
+            <a:r>
+              <a:rPr lang="en-US" dirty="0" smtClean="0">
+                <a:latin typeface="Times New Roman" panose="02020603050405020304" pitchFamily="18" charset="0"/>
+                <a:cs typeface="Times New Roman" panose="02020603050405020304" pitchFamily="18" charset="0"/>
+              </a:rPr>
+              <a:t>Related Word Vectorizer</a:t>
+            </a:r>
+            <a:endParaRPr lang="en-US" dirty="0" smtClean="0">
               <a:latin typeface="Times New Roman" panose="02020603050405020304" pitchFamily="18" charset="0"/>
               <a:cs typeface="Times New Roman" panose="02020603050405020304" pitchFamily="18" charset="0"/>
             </a:endParaRPr>
           </a:p>
+          <a:p>
+            <a:endParaRPr lang="en-US" b="1" dirty="0">
+              <a:latin typeface="Times New Roman" panose="02020603050405020304" pitchFamily="18" charset="0"/>
+              <a:cs typeface="Times New Roman" panose="02020603050405020304" pitchFamily="18" charset="0"/>
+            </a:endParaRPr>
+          </a:p>
         </p:txBody>
       </p:sp>
       <p:pic>
         <p:nvPicPr>
-          <p:cNvPr id="4" name="Picture 3"/>
+          <p:cNvPr id="6" name="Picture 5"/>
           <p:cNvPicPr>
             <a:picLocks noChangeAspect="1"/>
           </p:cNvPicPr>
           <p:nvPr/>
         </p:nvPicPr>
         <p:blipFill>
-          <a:blip r:embed="rId2" cstate="print"/>
+          <a:blip r:embed="rId2"/>
           <a:stretch>
             <a:fillRect/>
           </a:stretch>
         </p:blipFill>
         <p:spPr>
           <a:xfrm>
-            <a:off x="1130072" y="3149984"/>
-            <a:ext cx="6086475" cy="2390775"/>
+            <a:off x="1213076" y="2821912"/>
+            <a:ext cx="6543675" cy="3219450"/>
           </a:xfrm>
           <a:prstGeom prst="rect">
             <a:avLst/>
@@ -10904,7 +10062,7 @@
     </p:spTree>
     <p:extLst>
       <p:ext uri="{BB962C8B-B14F-4D97-AF65-F5344CB8AC3E}">
-        <p14:creationId xmlns:p14="http://schemas.microsoft.com/office/powerpoint/2010/main" xmlns="" val="1202852130"/>
+        <p14:creationId xmlns:p14="http://schemas.microsoft.com/office/powerpoint/2010/main" val="82304841"/>
       </p:ext>
     </p:extLst>
   </p:cSld>
@@ -10933,6 +10091,36 @@
       </p:grpSpPr>
       <p:sp>
         <p:nvSpPr>
+          <p:cNvPr id="2" name="Title 1"/>
+          <p:cNvSpPr>
+            <a:spLocks noGrp="1"/>
+          </p:cNvSpPr>
+          <p:nvPr>
+            <p:ph type="title"/>
+          </p:nvPr>
+        </p:nvSpPr>
+        <p:spPr/>
+        <p:txBody>
+          <a:bodyPr/>
+          <a:lstStyle/>
+          <a:p>
+            <a:pPr algn="ctr"/>
+            <a:r>
+              <a:rPr lang="en-US" dirty="0" smtClean="0">
+                <a:latin typeface="Times New Roman" panose="02020603050405020304" pitchFamily="18" charset="0"/>
+                <a:cs typeface="Times New Roman" panose="02020603050405020304" pitchFamily="18" charset="0"/>
+              </a:rPr>
+              <a:t>Feature Extraction</a:t>
+            </a:r>
+            <a:endParaRPr lang="en-US" dirty="0">
+              <a:latin typeface="Times New Roman" panose="02020603050405020304" pitchFamily="18" charset="0"/>
+              <a:cs typeface="Times New Roman" panose="02020603050405020304" pitchFamily="18" charset="0"/>
+            </a:endParaRPr>
+          </a:p>
+        </p:txBody>
+      </p:sp>
+      <p:sp>
+        <p:nvSpPr>
           <p:cNvPr id="3" name="Content Placeholder 2"/>
           <p:cNvSpPr>
             <a:spLocks noGrp="1"/>
@@ -10941,28 +10129,28 @@
             <p:ph idx="1"/>
           </p:nvPr>
         </p:nvSpPr>
-        <p:spPr>
-          <a:xfrm>
-            <a:off x="677334" y="1833042"/>
-            <a:ext cx="8596668" cy="3880773"/>
-          </a:xfrm>
-        </p:spPr>
-        <p:txBody>
-          <a:bodyPr>
-            <a:normAutofit/>
-          </a:bodyPr>
+        <p:spPr/>
+        <p:txBody>
+          <a:bodyPr/>
           <a:lstStyle/>
           <a:p>
             <a:r>
-              <a:rPr lang="en-US" sz="2400" dirty="0" smtClean="0">
-                <a:solidFill>
-                  <a:schemeClr val="tx1"/>
-                </a:solidFill>
-                <a:latin typeface="Times New Roman" panose="02020603050405020304" pitchFamily="18" charset="0"/>
-                <a:cs typeface="Times New Roman" panose="02020603050405020304" pitchFamily="18" charset="0"/>
-              </a:rPr>
-              <a:t>Remove stop words has been done in the estimator parameter</a:t>
-            </a:r>
+              <a:rPr lang="en-US" dirty="0" smtClean="0">
+                <a:latin typeface="Times New Roman" panose="02020603050405020304" pitchFamily="18" charset="0"/>
+                <a:cs typeface="Times New Roman" panose="02020603050405020304" pitchFamily="18" charset="0"/>
+              </a:rPr>
+              <a:t>Related Word Vectorizer</a:t>
+            </a:r>
+            <a:endParaRPr lang="en-US" dirty="0" smtClean="0">
+              <a:latin typeface="Times New Roman" panose="02020603050405020304" pitchFamily="18" charset="0"/>
+              <a:cs typeface="Times New Roman" panose="02020603050405020304" pitchFamily="18" charset="0"/>
+            </a:endParaRPr>
+          </a:p>
+          <a:p>
+            <a:endParaRPr lang="en-US" b="1" dirty="0">
+              <a:latin typeface="Times New Roman" panose="02020603050405020304" pitchFamily="18" charset="0"/>
+              <a:cs typeface="Times New Roman" panose="02020603050405020304" pitchFamily="18" charset="0"/>
+            </a:endParaRPr>
           </a:p>
         </p:txBody>
       </p:sp>
@@ -10975,60 +10163,25 @@
           <p:nvPr/>
         </p:nvPicPr>
         <p:blipFill>
-          <a:blip r:embed="rId2" cstate="print"/>
+          <a:blip r:embed="rId2"/>
           <a:stretch>
             <a:fillRect/>
           </a:stretch>
         </p:blipFill>
         <p:spPr>
           <a:xfrm>
-            <a:off x="677334" y="2955390"/>
-            <a:ext cx="8915400" cy="2533650"/>
+            <a:off x="1449840" y="2705780"/>
+            <a:ext cx="5895975" cy="3667125"/>
           </a:xfrm>
           <a:prstGeom prst="rect">
             <a:avLst/>
           </a:prstGeom>
         </p:spPr>
       </p:pic>
-      <p:sp>
-        <p:nvSpPr>
-          <p:cNvPr id="7" name="Title 1"/>
-          <p:cNvSpPr>
-            <a:spLocks noGrp="1"/>
-          </p:cNvSpPr>
-          <p:nvPr>
-            <p:ph type="title"/>
-          </p:nvPr>
-        </p:nvSpPr>
-        <p:spPr>
-          <a:xfrm>
-            <a:off x="677334" y="609600"/>
-            <a:ext cx="8596668" cy="1320800"/>
-          </a:xfrm>
-        </p:spPr>
-        <p:txBody>
-          <a:bodyPr/>
-          <a:lstStyle/>
-          <a:p>
-            <a:pPr algn="ctr"/>
-            <a:r>
-              <a:rPr lang="en-US" dirty="0" smtClean="0">
-                <a:latin typeface="Times New Roman" panose="02020603050405020304" pitchFamily="18" charset="0"/>
-                <a:cs typeface="Times New Roman" panose="02020603050405020304" pitchFamily="18" charset="0"/>
-              </a:rPr>
-              <a:t>Preprocessing</a:t>
-            </a:r>
-            <a:endParaRPr lang="en-US" dirty="0">
-              <a:latin typeface="Times New Roman" panose="02020603050405020304" pitchFamily="18" charset="0"/>
-              <a:cs typeface="Times New Roman" panose="02020603050405020304" pitchFamily="18" charset="0"/>
-            </a:endParaRPr>
-          </a:p>
-        </p:txBody>
-      </p:sp>
     </p:spTree>
     <p:extLst>
       <p:ext uri="{BB962C8B-B14F-4D97-AF65-F5344CB8AC3E}">
-        <p14:creationId xmlns:p14="http://schemas.microsoft.com/office/powerpoint/2010/main" xmlns="" val="2237513363"/>
+        <p14:creationId xmlns:p14="http://schemas.microsoft.com/office/powerpoint/2010/main" val="2718420140"/>
       </p:ext>
     </p:extLst>
   </p:cSld>
@@ -11105,9 +10258,6 @@
             <a:pPr lvl="1"/>
             <a:r>
               <a:rPr lang="en-US" sz="2400" dirty="0" smtClean="0">
-                <a:solidFill>
-                  <a:schemeClr val="tx1"/>
-                </a:solidFill>
                 <a:latin typeface="Times New Roman" panose="02020603050405020304" pitchFamily="18" charset="0"/>
                 <a:cs typeface="Times New Roman" panose="02020603050405020304" pitchFamily="18" charset="0"/>
               </a:rPr>
@@ -11115,9 +10265,6 @@
             </a:r>
             <a:r>
               <a:rPr lang="en-US" sz="2400" dirty="0">
-                <a:solidFill>
-                  <a:schemeClr val="tx1"/>
-                </a:solidFill>
                 <a:latin typeface="Times New Roman" panose="02020603050405020304" pitchFamily="18" charset="0"/>
                 <a:cs typeface="Times New Roman" panose="02020603050405020304" pitchFamily="18" charset="0"/>
               </a:rPr>
@@ -11125,9 +10272,6 @@
             </a:r>
             <a:r>
               <a:rPr lang="en-US" sz="2400" dirty="0" smtClean="0">
-                <a:solidFill>
-                  <a:schemeClr val="tx1"/>
-                </a:solidFill>
                 <a:latin typeface="Times New Roman" panose="02020603050405020304" pitchFamily="18" charset="0"/>
                 <a:cs typeface="Times New Roman" panose="02020603050405020304" pitchFamily="18" charset="0"/>
               </a:rPr>
@@ -11135,9 +10279,6 @@
             </a:r>
             <a:r>
               <a:rPr lang="en-US" sz="2400" dirty="0">
-                <a:solidFill>
-                  <a:schemeClr val="tx1"/>
-                </a:solidFill>
                 <a:latin typeface="Times New Roman" panose="02020603050405020304" pitchFamily="18" charset="0"/>
                 <a:cs typeface="Times New Roman" panose="02020603050405020304" pitchFamily="18" charset="0"/>
               </a:rPr>
@@ -11145,9 +10286,6 @@
             </a:r>
             <a:r>
               <a:rPr lang="en-US" sz="2400" dirty="0" smtClean="0">
-                <a:solidFill>
-                  <a:schemeClr val="tx1"/>
-                </a:solidFill>
                 <a:latin typeface="Times New Roman" panose="02020603050405020304" pitchFamily="18" charset="0"/>
                 <a:cs typeface="Times New Roman" panose="02020603050405020304" pitchFamily="18" charset="0"/>
               </a:rPr>
@@ -11157,9 +10295,6 @@
           <a:p>
             <a:pPr lvl="1"/>
             <a:endParaRPr lang="en-US" sz="2400" dirty="0" smtClean="0">
-              <a:solidFill>
-                <a:schemeClr val="tx1"/>
-              </a:solidFill>
               <a:latin typeface="Times New Roman" panose="02020603050405020304" pitchFamily="18" charset="0"/>
               <a:cs typeface="Times New Roman" panose="02020603050405020304" pitchFamily="18" charset="0"/>
             </a:endParaRPr>
@@ -11168,9 +10303,6 @@
             <a:pPr lvl="1"/>
             <a:r>
               <a:rPr lang="en-US" sz="2400" dirty="0" smtClean="0">
-                <a:solidFill>
-                  <a:schemeClr val="tx1"/>
-                </a:solidFill>
                 <a:latin typeface="Times New Roman" panose="02020603050405020304" pitchFamily="18" charset="0"/>
                 <a:cs typeface="Times New Roman" panose="02020603050405020304" pitchFamily="18" charset="0"/>
               </a:rPr>
@@ -11178,9 +10310,6 @@
             </a:r>
             <a:r>
               <a:rPr lang="en-US" sz="2400" dirty="0">
-                <a:solidFill>
-                  <a:schemeClr val="tx1"/>
-                </a:solidFill>
                 <a:latin typeface="Times New Roman" panose="02020603050405020304" pitchFamily="18" charset="0"/>
                 <a:cs typeface="Times New Roman" panose="02020603050405020304" pitchFamily="18" charset="0"/>
               </a:rPr>
@@ -11188,9 +10317,6 @@
             </a:r>
             <a:r>
               <a:rPr lang="en-US" sz="2400" dirty="0" smtClean="0">
-                <a:solidFill>
-                  <a:schemeClr val="tx1"/>
-                </a:solidFill>
                 <a:latin typeface="Times New Roman" panose="02020603050405020304" pitchFamily="18" charset="0"/>
                 <a:cs typeface="Times New Roman" panose="02020603050405020304" pitchFamily="18" charset="0"/>
               </a:rPr>
@@ -11198,9 +10324,6 @@
             </a:r>
             <a:r>
               <a:rPr lang="en-US" sz="2400" dirty="0">
-                <a:solidFill>
-                  <a:schemeClr val="tx1"/>
-                </a:solidFill>
                 <a:latin typeface="Times New Roman" panose="02020603050405020304" pitchFamily="18" charset="0"/>
                 <a:cs typeface="Times New Roman" panose="02020603050405020304" pitchFamily="18" charset="0"/>
               </a:rPr>
@@ -11208,9 +10331,6 @@
             </a:r>
             <a:r>
               <a:rPr lang="en-US" sz="2400" dirty="0" smtClean="0">
-                <a:solidFill>
-                  <a:schemeClr val="tx1"/>
-                </a:solidFill>
                 <a:latin typeface="Times New Roman" panose="02020603050405020304" pitchFamily="18" charset="0"/>
                 <a:cs typeface="Times New Roman" panose="02020603050405020304" pitchFamily="18" charset="0"/>
               </a:rPr>
@@ -11218,9 +10338,6 @@
             </a:r>
             <a:r>
               <a:rPr lang="en-US" sz="2400" dirty="0">
-                <a:solidFill>
-                  <a:schemeClr val="tx1"/>
-                </a:solidFill>
                 <a:latin typeface="Times New Roman" panose="02020603050405020304" pitchFamily="18" charset="0"/>
                 <a:cs typeface="Times New Roman" panose="02020603050405020304" pitchFamily="18" charset="0"/>
               </a:rPr>
@@ -11228,18 +10345,12 @@
             </a:r>
             <a:r>
               <a:rPr lang="en-US" sz="2400" dirty="0" smtClean="0">
-                <a:solidFill>
-                  <a:schemeClr val="tx1"/>
-                </a:solidFill>
                 <a:latin typeface="Times New Roman" panose="02020603050405020304" pitchFamily="18" charset="0"/>
                 <a:cs typeface="Times New Roman" panose="02020603050405020304" pitchFamily="18" charset="0"/>
               </a:rPr>
               <a:t>recognition</a:t>
             </a:r>
             <a:endParaRPr lang="en-US" sz="2400" dirty="0">
-              <a:solidFill>
-                <a:schemeClr val="tx1"/>
-              </a:solidFill>
               <a:latin typeface="Times New Roman" panose="02020603050405020304" pitchFamily="18" charset="0"/>
               <a:cs typeface="Times New Roman" panose="02020603050405020304" pitchFamily="18" charset="0"/>
             </a:endParaRPr>
@@ -11249,20 +10360,13 @@
     </p:spTree>
     <p:extLst>
       <p:ext uri="{BB962C8B-B14F-4D97-AF65-F5344CB8AC3E}">
-        <p14:creationId xmlns:p14="http://schemas.microsoft.com/office/powerpoint/2010/main" xmlns="" val="3666558480"/>
+        <p14:creationId xmlns:p14="http://schemas.microsoft.com/office/powerpoint/2010/main" val="3666558480"/>
       </p:ext>
     </p:extLst>
   </p:cSld>
   <p:clrMapOvr>
     <a:masterClrMapping/>
   </p:clrMapOvr>
-  <p:timing>
-    <p:tnLst>
-      <p:par>
-        <p:cTn id="1" dur="indefinite" restart="never" nodeType="tmRoot"/>
-      </p:par>
-    </p:tnLst>
-  </p:timing>
 </p:sld>
 </file>
 
@@ -11304,7 +10408,7 @@
                 <a:latin typeface="Times New Roman" panose="02020603050405020304" pitchFamily="18" charset="0"/>
                 <a:cs typeface="Times New Roman" panose="02020603050405020304" pitchFamily="18" charset="0"/>
               </a:rPr>
-              <a:t>Feature Extraction</a:t>
+              <a:t>Creating Pipeline</a:t>
             </a:r>
             <a:endParaRPr lang="en-US" dirty="0">
               <a:latin typeface="Times New Roman" panose="02020603050405020304" pitchFamily="18" charset="0"/>
@@ -11323,29 +10427,61 @@
             <p:ph idx="1"/>
           </p:nvPr>
         </p:nvSpPr>
-        <p:spPr>
-          <a:xfrm>
-            <a:off x="668740" y="2160589"/>
-            <a:ext cx="8605262" cy="3994551"/>
-          </a:xfrm>
-        </p:spPr>
+        <p:spPr/>
         <p:txBody>
           <a:bodyPr/>
           <a:lstStyle/>
           <a:p>
             <a:r>
-              <a:rPr lang="en-US" sz="2400" dirty="0" smtClean="0">
-                <a:solidFill>
-                  <a:schemeClr val="tx1"/>
-                </a:solidFill>
-                <a:latin typeface="Times New Roman" panose="02020603050405020304" pitchFamily="18" charset="0"/>
-                <a:cs typeface="Times New Roman" panose="02020603050405020304" pitchFamily="18" charset="0"/>
-              </a:rPr>
-              <a:t>Extracting POS tags</a:t>
-            </a:r>
-          </a:p>
-          <a:p>
-            <a:endParaRPr lang="en-US" b="1" dirty="0">
+              <a:rPr lang="en-US" dirty="0" err="1" smtClean="0">
+                <a:latin typeface="Times New Roman" panose="02020603050405020304" pitchFamily="18" charset="0"/>
+                <a:cs typeface="Times New Roman" panose="02020603050405020304" pitchFamily="18" charset="0"/>
+              </a:rPr>
+              <a:t>TagVectorizer</a:t>
+            </a:r>
+            <a:r>
+              <a:rPr lang="en-US" dirty="0" smtClean="0">
+                <a:latin typeface="Times New Roman" panose="02020603050405020304" pitchFamily="18" charset="0"/>
+                <a:cs typeface="Times New Roman" panose="02020603050405020304" pitchFamily="18" charset="0"/>
+              </a:rPr>
+              <a:t>, </a:t>
+            </a:r>
+            <a:r>
+              <a:rPr lang="en-US" dirty="0" err="1" smtClean="0">
+                <a:latin typeface="Times New Roman" panose="02020603050405020304" pitchFamily="18" charset="0"/>
+                <a:cs typeface="Times New Roman" panose="02020603050405020304" pitchFamily="18" charset="0"/>
+              </a:rPr>
+              <a:t>NERVectorizer</a:t>
+            </a:r>
+            <a:r>
+              <a:rPr lang="en-US" dirty="0" smtClean="0">
+                <a:latin typeface="Times New Roman" panose="02020603050405020304" pitchFamily="18" charset="0"/>
+                <a:cs typeface="Times New Roman" panose="02020603050405020304" pitchFamily="18" charset="0"/>
+              </a:rPr>
+              <a:t>, </a:t>
+            </a:r>
+            <a:r>
+              <a:rPr lang="en-US" dirty="0" err="1" smtClean="0">
+                <a:latin typeface="Times New Roman" panose="02020603050405020304" pitchFamily="18" charset="0"/>
+                <a:cs typeface="Times New Roman" panose="02020603050405020304" pitchFamily="18" charset="0"/>
+              </a:rPr>
+              <a:t>RelatedWordVectorizer</a:t>
+            </a:r>
+            <a:r>
+              <a:rPr lang="en-US" dirty="0">
+                <a:latin typeface="Times New Roman" panose="02020603050405020304" pitchFamily="18" charset="0"/>
+                <a:cs typeface="Times New Roman" panose="02020603050405020304" pitchFamily="18" charset="0"/>
+              </a:rPr>
+              <a:t> </a:t>
+            </a:r>
+            <a:r>
+              <a:rPr lang="en-US" dirty="0" smtClean="0">
+                <a:latin typeface="Times New Roman" panose="02020603050405020304" pitchFamily="18" charset="0"/>
+                <a:cs typeface="Times New Roman" panose="02020603050405020304" pitchFamily="18" charset="0"/>
+              </a:rPr>
+              <a:t>has been used as estimators which is then given to a pipeline</a:t>
+            </a:r>
+            <a:endParaRPr lang="en-US" dirty="0">
               <a:latin typeface="Times New Roman" panose="02020603050405020304" pitchFamily="18" charset="0"/>
               <a:cs typeface="Times New Roman" panose="02020603050405020304" pitchFamily="18" charset="0"/>
             </a:endParaRPr>
@@ -11361,15 +10497,15 @@
           <p:nvPr/>
         </p:nvPicPr>
         <p:blipFill>
-          <a:blip r:embed="rId2" cstate="print"/>
+          <a:blip r:embed="rId2"/>
           <a:stretch>
             <a:fillRect/>
           </a:stretch>
         </p:blipFill>
         <p:spPr>
           <a:xfrm>
-            <a:off x="1337663" y="2926348"/>
-            <a:ext cx="6153150" cy="3162300"/>
+            <a:off x="847955" y="3092993"/>
+            <a:ext cx="8042657" cy="3321967"/>
           </a:xfrm>
           <a:prstGeom prst="rect">
             <a:avLst/>
@@ -11379,7 +10515,7 @@
     </p:spTree>
     <p:extLst>
       <p:ext uri="{BB962C8B-B14F-4D97-AF65-F5344CB8AC3E}">
-        <p14:creationId xmlns:p14="http://schemas.microsoft.com/office/powerpoint/2010/main" xmlns="" val="131412334"/>
+        <p14:creationId xmlns:p14="http://schemas.microsoft.com/office/powerpoint/2010/main" val="637521889"/>
       </p:ext>
     </p:extLst>
   </p:cSld>
@@ -11427,7 +10563,7 @@
                 <a:latin typeface="Times New Roman" panose="02020603050405020304" pitchFamily="18" charset="0"/>
                 <a:cs typeface="Times New Roman" panose="02020603050405020304" pitchFamily="18" charset="0"/>
               </a:rPr>
-              <a:t>Feature Extraction</a:t>
+              <a:t>Coarse or Fine Classification</a:t>
             </a:r>
             <a:endParaRPr lang="en-US" dirty="0">
               <a:latin typeface="Times New Roman" panose="02020603050405020304" pitchFamily="18" charset="0"/>
@@ -11446,20 +10582,31 @@
             <p:ph idx="1"/>
           </p:nvPr>
         </p:nvSpPr>
-        <p:spPr/>
+        <p:spPr>
+          <a:xfrm>
+            <a:off x="677334" y="1823132"/>
+            <a:ext cx="8596668" cy="3880773"/>
+          </a:xfrm>
+        </p:spPr>
         <p:txBody>
           <a:bodyPr/>
           <a:lstStyle/>
           <a:p>
             <a:r>
-              <a:rPr lang="en-US" sz="2400" dirty="0" smtClean="0">
-                <a:solidFill>
-                  <a:schemeClr val="tx1"/>
-                </a:solidFill>
-                <a:latin typeface="Times New Roman" panose="02020603050405020304" pitchFamily="18" charset="0"/>
-                <a:cs typeface="Times New Roman" panose="02020603050405020304" pitchFamily="18" charset="0"/>
-              </a:rPr>
-              <a:t>Extracting POS tags</a:t>
+              <a:rPr lang="en-US" dirty="0" smtClean="0">
+                <a:latin typeface="Times New Roman" panose="02020603050405020304" pitchFamily="18" charset="0"/>
+                <a:cs typeface="Times New Roman" panose="02020603050405020304" pitchFamily="18" charset="0"/>
+              </a:rPr>
+              <a:t>We can pass it as a parameter if we want coarse level filtering or fine level as an argument when we load the data</a:t>
+            </a:r>
+          </a:p>
+          <a:p>
+            <a:r>
+              <a:rPr lang="en-US" dirty="0" smtClean="0">
+                <a:latin typeface="Times New Roman" panose="02020603050405020304" pitchFamily="18" charset="0"/>
+                <a:cs typeface="Times New Roman" panose="02020603050405020304" pitchFamily="18" charset="0"/>
+              </a:rPr>
+              <a:t>Processing is done accordingly</a:t>
             </a:r>
           </a:p>
           <a:p>
@@ -11479,15 +10626,15 @@
           <p:nvPr/>
         </p:nvPicPr>
         <p:blipFill>
-          <a:blip r:embed="rId2" cstate="print"/>
+          <a:blip r:embed="rId2"/>
           <a:stretch>
             <a:fillRect/>
           </a:stretch>
         </p:blipFill>
         <p:spPr>
           <a:xfrm>
-            <a:off x="1351870" y="2905125"/>
-            <a:ext cx="6657975" cy="2724150"/>
+            <a:off x="1581223" y="2942611"/>
+            <a:ext cx="6086475" cy="3095625"/>
           </a:xfrm>
           <a:prstGeom prst="rect">
             <a:avLst/>
@@ -11497,7 +10644,7 @@
     </p:spTree>
     <p:extLst>
       <p:ext uri="{BB962C8B-B14F-4D97-AF65-F5344CB8AC3E}">
-        <p14:creationId xmlns:p14="http://schemas.microsoft.com/office/powerpoint/2010/main" xmlns="" val="1971711520"/>
+        <p14:creationId xmlns:p14="http://schemas.microsoft.com/office/powerpoint/2010/main" val="572290405"/>
       </p:ext>
     </p:extLst>
   </p:cSld>
@@ -11534,28 +10681,20 @@
             <p:ph type="title"/>
           </p:nvPr>
         </p:nvSpPr>
-        <p:spPr>
-          <a:xfrm>
-            <a:off x="696036" y="609600"/>
-            <a:ext cx="8577966" cy="878006"/>
-          </a:xfrm>
-        </p:spPr>
+        <p:spPr/>
         <p:txBody>
           <a:bodyPr/>
           <a:lstStyle/>
           <a:p>
             <a:pPr algn="ctr"/>
             <a:r>
-              <a:rPr lang="en-US" dirty="0" smtClean="0">
-                <a:latin typeface="Times New Roman" panose="02020603050405020304" pitchFamily="18" charset="0"/>
-                <a:cs typeface="Times New Roman" panose="02020603050405020304" pitchFamily="18" charset="0"/>
-              </a:rPr>
-              <a:t>Feature Extraction</a:t>
-            </a:r>
-            <a:endParaRPr lang="en-US" dirty="0">
-              <a:latin typeface="Times New Roman" panose="02020603050405020304" pitchFamily="18" charset="0"/>
-              <a:cs typeface="Times New Roman" panose="02020603050405020304" pitchFamily="18" charset="0"/>
-            </a:endParaRPr>
+              <a:rPr lang="en-US" dirty="0">
+                <a:latin typeface="Times New Roman" panose="02020603050405020304" pitchFamily="18" charset="0"/>
+                <a:cs typeface="Times New Roman" panose="02020603050405020304" pitchFamily="18" charset="0"/>
+              </a:rPr>
+              <a:t>Train and Testing Model</a:t>
+            </a:r>
+            <a:endParaRPr lang="en-US" dirty="0"/>
           </a:p>
         </p:txBody>
       </p:sp>
@@ -11569,64 +10708,45 @@
             <p:ph idx="1"/>
           </p:nvPr>
         </p:nvSpPr>
-        <p:spPr>
-          <a:xfrm>
-            <a:off x="341195" y="1860339"/>
-            <a:ext cx="8932808" cy="4697411"/>
-          </a:xfrm>
-        </p:spPr>
+        <p:spPr/>
         <p:txBody>
           <a:bodyPr/>
           <a:lstStyle/>
           <a:p>
             <a:r>
-              <a:rPr lang="en-US" sz="2400" dirty="0" smtClean="0">
-                <a:solidFill>
-                  <a:schemeClr val="tx1"/>
-                </a:solidFill>
-                <a:latin typeface="Times New Roman" panose="02020603050405020304" pitchFamily="18" charset="0"/>
-                <a:cs typeface="Times New Roman" panose="02020603050405020304" pitchFamily="18" charset="0"/>
-              </a:rPr>
-              <a:t>NER </a:t>
-            </a:r>
-            <a:r>
-              <a:rPr lang="en-US" sz="2400" dirty="0" smtClean="0">
-                <a:solidFill>
-                  <a:schemeClr val="tx1"/>
-                </a:solidFill>
-                <a:latin typeface="Times New Roman" panose="02020603050405020304" pitchFamily="18" charset="0"/>
-                <a:cs typeface="Times New Roman" panose="02020603050405020304" pitchFamily="18" charset="0"/>
-              </a:rPr>
-              <a:t>tagging</a:t>
-            </a:r>
-          </a:p>
-          <a:p>
-            <a:endParaRPr lang="en-US" b="1" dirty="0">
-              <a:latin typeface="Times New Roman" panose="02020603050405020304" pitchFamily="18" charset="0"/>
-              <a:cs typeface="Times New Roman" panose="02020603050405020304" pitchFamily="18" charset="0"/>
-            </a:endParaRPr>
+              <a:rPr lang="en-US" dirty="0" smtClean="0">
+                <a:latin typeface="Times New Roman" panose="02020603050405020304" pitchFamily="18" charset="0"/>
+                <a:cs typeface="Times New Roman" panose="02020603050405020304" pitchFamily="18" charset="0"/>
+              </a:rPr>
+              <a:t>Training our model</a:t>
+            </a:r>
+          </a:p>
+          <a:p>
+            <a:endParaRPr lang="en-US" dirty="0"/>
+          </a:p>
+          <a:p>
+            <a:endParaRPr lang="en-US" dirty="0"/>
           </a:p>
         </p:txBody>
       </p:sp>
       <p:pic>
         <p:nvPicPr>
-          <p:cNvPr id="4" name="Picture 3"/>
+          <p:cNvPr id="6" name="Picture 5"/>
           <p:cNvPicPr>
             <a:picLocks noChangeAspect="1"/>
           </p:cNvPicPr>
           <p:nvPr/>
         </p:nvPicPr>
         <p:blipFill>
-          <a:blip r:embed="rId2" cstate="print"/>
-          <a:srcRect r="14486"/>
+          <a:blip r:embed="rId2"/>
           <a:stretch>
             <a:fillRect/>
           </a:stretch>
         </p:blipFill>
         <p:spPr>
           <a:xfrm>
-            <a:off x="1202204" y="2620695"/>
-            <a:ext cx="7900853" cy="3962400"/>
+            <a:off x="1433742" y="2953324"/>
+            <a:ext cx="5248275" cy="2647950"/>
           </a:xfrm>
           <a:prstGeom prst="rect">
             <a:avLst/>
@@ -11636,7 +10756,7 @@
     </p:spTree>
     <p:extLst>
       <p:ext uri="{BB962C8B-B14F-4D97-AF65-F5344CB8AC3E}">
-        <p14:creationId xmlns:p14="http://schemas.microsoft.com/office/powerpoint/2010/main" xmlns="" val="480279104"/>
+        <p14:creationId xmlns:p14="http://schemas.microsoft.com/office/powerpoint/2010/main" val="3940786786"/>
       </p:ext>
     </p:extLst>
   </p:cSld>
@@ -11665,27 +10785,81 @@
       </p:grpSpPr>
       <p:sp>
         <p:nvSpPr>
-          <p:cNvPr id="2" name="Title 1"/>
-          <p:cNvSpPr>
-            <a:spLocks noGrp="1"/>
-          </p:cNvSpPr>
-          <p:nvPr>
-            <p:ph type="title"/>
-          </p:nvPr>
-        </p:nvSpPr>
-        <p:spPr/>
+          <p:cNvPr id="3" name="Content Placeholder 2"/>
+          <p:cNvSpPr>
+            <a:spLocks noGrp="1"/>
+          </p:cNvSpPr>
+          <p:nvPr>
+            <p:ph idx="1"/>
+          </p:nvPr>
+        </p:nvSpPr>
+        <p:spPr>
+          <a:xfrm>
+            <a:off x="561860" y="1390574"/>
+            <a:ext cx="8673380" cy="5190455"/>
+          </a:xfrm>
+        </p:spPr>
         <p:txBody>
           <a:bodyPr/>
           <a:lstStyle/>
           <a:p>
-            <a:pPr algn="ctr"/>
             <a:r>
               <a:rPr lang="en-US" dirty="0" smtClean="0">
                 <a:latin typeface="Times New Roman" panose="02020603050405020304" pitchFamily="18" charset="0"/>
                 <a:cs typeface="Times New Roman" panose="02020603050405020304" pitchFamily="18" charset="0"/>
               </a:rPr>
-              <a:t>Feature Extraction</a:t>
-            </a:r>
+              <a:t>For testing, stratified k-folds CV technique is used as it provides a good performance. T</a:t>
+            </a:r>
+            <a:r>
+              <a:rPr lang="en-US" dirty="0">
+                <a:latin typeface="Times New Roman" panose="02020603050405020304" pitchFamily="18" charset="0"/>
+                <a:cs typeface="Times New Roman" panose="02020603050405020304" pitchFamily="18" charset="0"/>
+              </a:rPr>
+              <a:t>he stratified cross-validation allows for randomization </a:t>
+            </a:r>
+            <a:r>
+              <a:rPr lang="en-US" dirty="0" smtClean="0">
+                <a:latin typeface="Times New Roman" panose="02020603050405020304" pitchFamily="18" charset="0"/>
+                <a:cs typeface="Times New Roman" panose="02020603050405020304" pitchFamily="18" charset="0"/>
+              </a:rPr>
+              <a:t>and makes </a:t>
+            </a:r>
+            <a:r>
+              <a:rPr lang="en-US" dirty="0">
+                <a:latin typeface="Times New Roman" panose="02020603050405020304" pitchFamily="18" charset="0"/>
+                <a:cs typeface="Times New Roman" panose="02020603050405020304" pitchFamily="18" charset="0"/>
+              </a:rPr>
+              <a:t>sure </a:t>
+            </a:r>
+            <a:r>
+              <a:rPr lang="en-US" dirty="0" smtClean="0">
+                <a:latin typeface="Times New Roman" panose="02020603050405020304" pitchFamily="18" charset="0"/>
+                <a:cs typeface="Times New Roman" panose="02020603050405020304" pitchFamily="18" charset="0"/>
+              </a:rPr>
+              <a:t>that </a:t>
+            </a:r>
+            <a:r>
+              <a:rPr lang="en-US" dirty="0">
+                <a:latin typeface="Times New Roman" panose="02020603050405020304" pitchFamily="18" charset="0"/>
+                <a:cs typeface="Times New Roman" panose="02020603050405020304" pitchFamily="18" charset="0"/>
+              </a:rPr>
+              <a:t>unbalanced datasets have some of both classes</a:t>
+            </a:r>
+            <a:r>
+              <a:rPr lang="en-US" dirty="0" smtClean="0">
+                <a:latin typeface="Times New Roman" panose="02020603050405020304" pitchFamily="18" charset="0"/>
+                <a:cs typeface="Times New Roman" panose="02020603050405020304" pitchFamily="18" charset="0"/>
+              </a:rPr>
+              <a:t>.</a:t>
+            </a:r>
+          </a:p>
+          <a:p>
+            <a:endParaRPr lang="en-US" dirty="0" smtClean="0">
+              <a:latin typeface="Times New Roman" panose="02020603050405020304" pitchFamily="18" charset="0"/>
+              <a:cs typeface="Times New Roman" panose="02020603050405020304" pitchFamily="18" charset="0"/>
+            </a:endParaRPr>
+          </a:p>
+          <a:p>
             <a:endParaRPr lang="en-US" dirty="0">
               <a:latin typeface="Times New Roman" panose="02020603050405020304" pitchFamily="18" charset="0"/>
               <a:cs typeface="Times New Roman" panose="02020603050405020304" pitchFamily="18" charset="0"/>
@@ -11693,63 +10867,24 @@
           </a:p>
         </p:txBody>
       </p:sp>
-      <p:sp>
-        <p:nvSpPr>
-          <p:cNvPr id="3" name="Content Placeholder 2"/>
-          <p:cNvSpPr>
-            <a:spLocks noGrp="1"/>
-          </p:cNvSpPr>
-          <p:nvPr>
-            <p:ph idx="1"/>
-          </p:nvPr>
-        </p:nvSpPr>
-        <p:spPr>
-          <a:xfrm>
-            <a:off x="627797" y="2160589"/>
-            <a:ext cx="8646205" cy="4158324"/>
-          </a:xfrm>
-        </p:spPr>
-        <p:txBody>
-          <a:bodyPr/>
-          <a:lstStyle/>
-          <a:p>
-            <a:r>
-              <a:rPr lang="en-US" sz="2400" dirty="0" smtClean="0">
-                <a:solidFill>
-                  <a:schemeClr val="tx1"/>
-                </a:solidFill>
-                <a:latin typeface="Times New Roman" panose="02020603050405020304" pitchFamily="18" charset="0"/>
-                <a:cs typeface="Times New Roman" panose="02020603050405020304" pitchFamily="18" charset="0"/>
-              </a:rPr>
-              <a:t>NER tagging</a:t>
-            </a:r>
-          </a:p>
-          <a:p>
-            <a:endParaRPr lang="en-US" b="1" dirty="0">
-              <a:latin typeface="Times New Roman" panose="02020603050405020304" pitchFamily="18" charset="0"/>
-              <a:cs typeface="Times New Roman" panose="02020603050405020304" pitchFamily="18" charset="0"/>
-            </a:endParaRPr>
-          </a:p>
-        </p:txBody>
-      </p:sp>
       <p:pic>
         <p:nvPicPr>
-          <p:cNvPr id="5" name="Picture 4"/>
+          <p:cNvPr id="4" name="Picture 3"/>
           <p:cNvPicPr>
             <a:picLocks noChangeAspect="1"/>
           </p:cNvPicPr>
           <p:nvPr/>
         </p:nvPicPr>
         <p:blipFill>
-          <a:blip r:embed="rId2" cstate="print"/>
+          <a:blip r:embed="rId2"/>
           <a:stretch>
             <a:fillRect/>
           </a:stretch>
         </p:blipFill>
         <p:spPr>
           <a:xfrm>
-            <a:off x="855889" y="2707822"/>
-            <a:ext cx="7715250" cy="3162300"/>
+            <a:off x="1206059" y="3009154"/>
+            <a:ext cx="6979474" cy="3571875"/>
           </a:xfrm>
           <a:prstGeom prst="rect">
             <a:avLst/>
@@ -11759,7 +10894,7 @@
     </p:spTree>
     <p:extLst>
       <p:ext uri="{BB962C8B-B14F-4D97-AF65-F5344CB8AC3E}">
-        <p14:creationId xmlns:p14="http://schemas.microsoft.com/office/powerpoint/2010/main" xmlns="" val="1943204822"/>
+        <p14:creationId xmlns:p14="http://schemas.microsoft.com/office/powerpoint/2010/main" val="209273872"/>
       </p:ext>
     </p:extLst>
   </p:cSld>
@@ -11807,7 +10942,7 @@
                 <a:latin typeface="Times New Roman" panose="02020603050405020304" pitchFamily="18" charset="0"/>
                 <a:cs typeface="Times New Roman" panose="02020603050405020304" pitchFamily="18" charset="0"/>
               </a:rPr>
-              <a:t>Feature Extraction</a:t>
+              <a:t>Results</a:t>
             </a:r>
             <a:endParaRPr lang="en-US" dirty="0">
               <a:latin typeface="Times New Roman" panose="02020603050405020304" pitchFamily="18" charset="0"/>
@@ -11826,53 +10961,68 @@
             <p:ph idx="1"/>
           </p:nvPr>
         </p:nvSpPr>
-        <p:spPr/>
-        <p:txBody>
-          <a:bodyPr>
-            <a:normAutofit/>
-          </a:bodyPr>
+        <p:spPr>
+          <a:xfrm>
+            <a:off x="677334" y="1367374"/>
+            <a:ext cx="8596668" cy="3880773"/>
+          </a:xfrm>
+        </p:spPr>
+        <p:txBody>
+          <a:bodyPr/>
           <a:lstStyle/>
           <a:p>
             <a:r>
-              <a:rPr lang="en-US" sz="2400" dirty="0" smtClean="0">
-                <a:solidFill>
-                  <a:schemeClr val="tx1"/>
-                </a:solidFill>
-                <a:latin typeface="Times New Roman" panose="02020603050405020304" pitchFamily="18" charset="0"/>
-                <a:cs typeface="Times New Roman" panose="02020603050405020304" pitchFamily="18" charset="0"/>
-              </a:rPr>
-              <a:t>Related Word Vectorizer</a:t>
-            </a:r>
-          </a:p>
-          <a:p>
-            <a:endParaRPr lang="en-US" sz="2400" b="1" dirty="0">
-              <a:solidFill>
-                <a:schemeClr val="tx1"/>
-              </a:solidFill>
+              <a:rPr lang="en-US" dirty="0" smtClean="0">
+                <a:latin typeface="Times New Roman" panose="02020603050405020304" pitchFamily="18" charset="0"/>
+                <a:cs typeface="Times New Roman" panose="02020603050405020304" pitchFamily="18" charset="0"/>
+              </a:rPr>
+              <a:t>Calculating the accuracy of the model</a:t>
+            </a:r>
+          </a:p>
+          <a:p>
+            <a:r>
+              <a:rPr lang="en-US" dirty="0">
+                <a:latin typeface="Times New Roman" panose="02020603050405020304" pitchFamily="18" charset="0"/>
+                <a:cs typeface="Times New Roman" panose="02020603050405020304" pitchFamily="18" charset="0"/>
+              </a:rPr>
+              <a:t>Average </a:t>
+            </a:r>
+            <a:r>
+              <a:rPr lang="en-US" dirty="0" smtClean="0">
+                <a:latin typeface="Times New Roman" panose="02020603050405020304" pitchFamily="18" charset="0"/>
+                <a:cs typeface="Times New Roman" panose="02020603050405020304" pitchFamily="18" charset="0"/>
+              </a:rPr>
+              <a:t>score: 93%</a:t>
+            </a:r>
+            <a:endParaRPr lang="en-US" dirty="0">
               <a:latin typeface="Times New Roman" panose="02020603050405020304" pitchFamily="18" charset="0"/>
               <a:cs typeface="Times New Roman" panose="02020603050405020304" pitchFamily="18" charset="0"/>
             </a:endParaRPr>
           </a:p>
+          <a:p>
+            <a:endParaRPr lang="en-US" dirty="0">
+              <a:latin typeface="Times New Roman" panose="02020603050405020304" pitchFamily="18" charset="0"/>
+              <a:cs typeface="Times New Roman" panose="02020603050405020304" pitchFamily="18" charset="0"/>
+            </a:endParaRPr>
+          </a:p>
         </p:txBody>
       </p:sp>
       <p:pic>
         <p:nvPicPr>
           <p:cNvPr id="6" name="Picture 5"/>
-          <p:cNvPicPr>
-            <a:picLocks noChangeAspect="1"/>
-          </p:cNvPicPr>
+          <p:cNvPicPr/>
           <p:nvPr/>
         </p:nvPicPr>
         <p:blipFill>
-          <a:blip r:embed="rId2" cstate="print"/>
+          <a:blip r:embed="rId2"/>
           <a:stretch>
             <a:fillRect/>
           </a:stretch>
         </p:blipFill>
         <p:spPr>
           <a:xfrm>
-            <a:off x="1213076" y="2821912"/>
-            <a:ext cx="6543675" cy="3219450"/>
+            <a:off x="517794" y="2097523"/>
+            <a:ext cx="9298236" cy="4976495"/>
           </a:xfrm>
           <a:prstGeom prst="rect">
             <a:avLst/>
@@ -11882,7 +11032,7 @@
     </p:spTree>
     <p:extLst>
       <p:ext uri="{BB962C8B-B14F-4D97-AF65-F5344CB8AC3E}">
-        <p14:creationId xmlns:p14="http://schemas.microsoft.com/office/powerpoint/2010/main" xmlns="" val="82304841"/>
+        <p14:creationId xmlns:p14="http://schemas.microsoft.com/office/powerpoint/2010/main" val="3507593555"/>
       </p:ext>
     </p:extLst>
   </p:cSld>
@@ -11930,7 +11080,7 @@
                 <a:latin typeface="Times New Roman" panose="02020603050405020304" pitchFamily="18" charset="0"/>
                 <a:cs typeface="Times New Roman" panose="02020603050405020304" pitchFamily="18" charset="0"/>
               </a:rPr>
-              <a:t>Feature Extraction</a:t>
+              <a:t>Test Prediction</a:t>
             </a:r>
             <a:endParaRPr lang="en-US" dirty="0">
               <a:latin typeface="Times New Roman" panose="02020603050405020304" pitchFamily="18" charset="0"/>
@@ -11939,63 +11089,26 @@
           </a:p>
         </p:txBody>
       </p:sp>
-      <p:sp>
-        <p:nvSpPr>
-          <p:cNvPr id="3" name="Content Placeholder 2"/>
-          <p:cNvSpPr>
-            <a:spLocks noGrp="1"/>
-          </p:cNvSpPr>
-          <p:nvPr>
-            <p:ph idx="1"/>
-          </p:nvPr>
-        </p:nvSpPr>
-        <p:spPr/>
-        <p:txBody>
-          <a:bodyPr>
-            <a:normAutofit/>
-          </a:bodyPr>
-          <a:lstStyle/>
-          <a:p>
-            <a:r>
-              <a:rPr lang="en-US" sz="2400" dirty="0" smtClean="0">
-                <a:solidFill>
-                  <a:schemeClr val="tx1"/>
-                </a:solidFill>
-                <a:latin typeface="Times New Roman" panose="02020603050405020304" pitchFamily="18" charset="0"/>
-                <a:cs typeface="Times New Roman" panose="02020603050405020304" pitchFamily="18" charset="0"/>
-              </a:rPr>
-              <a:t>Related Word Vectorizer</a:t>
-            </a:r>
-          </a:p>
-          <a:p>
-            <a:endParaRPr lang="en-US" sz="2400" b="1" dirty="0">
-              <a:solidFill>
-                <a:schemeClr val="tx1"/>
-              </a:solidFill>
-              <a:latin typeface="Times New Roman" panose="02020603050405020304" pitchFamily="18" charset="0"/>
-              <a:cs typeface="Times New Roman" panose="02020603050405020304" pitchFamily="18" charset="0"/>
-            </a:endParaRPr>
-          </a:p>
-        </p:txBody>
-      </p:sp>
       <p:pic>
         <p:nvPicPr>
-          <p:cNvPr id="4" name="Picture 3"/>
+          <p:cNvPr id="5" name="Content Placeholder 4"/>
           <p:cNvPicPr>
-            <a:picLocks noChangeAspect="1"/>
+            <a:picLocks noGrp="1"/>
           </p:cNvPicPr>
-          <p:nvPr/>
+          <p:nvPr>
+            <p:ph idx="1"/>
+          </p:nvPr>
         </p:nvPicPr>
         <p:blipFill>
-          <a:blip r:embed="rId2" cstate="print"/>
+          <a:blip r:embed="rId2"/>
           <a:stretch>
             <a:fillRect/>
           </a:stretch>
         </p:blipFill>
         <p:spPr>
           <a:xfrm>
-            <a:off x="1449840" y="2705780"/>
-            <a:ext cx="5895975" cy="3667125"/>
+            <a:off x="870858" y="1393372"/>
+            <a:ext cx="9122228" cy="5225143"/>
           </a:xfrm>
           <a:prstGeom prst="rect">
             <a:avLst/>
@@ -12005,7 +11118,7 @@
     </p:spTree>
     <p:extLst>
       <p:ext uri="{BB962C8B-B14F-4D97-AF65-F5344CB8AC3E}">
-        <p14:creationId xmlns:p14="http://schemas.microsoft.com/office/powerpoint/2010/main" xmlns="" val="2718420140"/>
+        <p14:creationId xmlns:p14="http://schemas.microsoft.com/office/powerpoint/2010/main" val="1714094132"/>
       </p:ext>
     </p:extLst>
   </p:cSld>
@@ -12053,28 +11166,7 @@
                 <a:latin typeface="Times New Roman" panose="02020603050405020304" pitchFamily="18" charset="0"/>
                 <a:cs typeface="Times New Roman" panose="02020603050405020304" pitchFamily="18" charset="0"/>
               </a:rPr>
-              <a:t>Inpu</a:t>
-            </a:r>
-            <a:r>
-              <a:rPr lang="en-US" dirty="0" smtClean="0">
-                <a:latin typeface="Times New Roman" panose="02020603050405020304" pitchFamily="18" charset="0"/>
-                <a:cs typeface="Times New Roman" panose="02020603050405020304" pitchFamily="18" charset="0"/>
-              </a:rPr>
-              <a:t>t for </a:t>
-            </a:r>
-            <a:r>
-              <a:rPr lang="en-US" dirty="0" smtClean="0">
-                <a:latin typeface="Times New Roman" panose="02020603050405020304" pitchFamily="18" charset="0"/>
-                <a:cs typeface="Times New Roman" panose="02020603050405020304" pitchFamily="18" charset="0"/>
-              </a:rPr>
-              <a:t>L</a:t>
-            </a:r>
-            <a:r>
-              <a:rPr lang="en-US" dirty="0" smtClean="0">
-                <a:latin typeface="Times New Roman" panose="02020603050405020304" pitchFamily="18" charset="0"/>
-                <a:cs typeface="Times New Roman" panose="02020603050405020304" pitchFamily="18" charset="0"/>
-              </a:rPr>
-              <a:t>earning</a:t>
+              <a:t>Custom Middleware</a:t>
             </a:r>
             <a:endParaRPr lang="en-US" dirty="0">
               <a:latin typeface="Times New Roman" panose="02020603050405020304" pitchFamily="18" charset="0"/>
@@ -12095,102 +11187,26 @@
         </p:nvSpPr>
         <p:spPr>
           <a:xfrm>
-            <a:off x="545910" y="1710212"/>
-            <a:ext cx="8728092" cy="4922600"/>
+            <a:off x="677334" y="1930400"/>
+            <a:ext cx="8596668" cy="3880773"/>
           </a:xfrm>
         </p:spPr>
         <p:txBody>
           <a:bodyPr>
-            <a:normAutofit/>
+            <a:noAutofit/>
           </a:bodyPr>
           <a:lstStyle/>
           <a:p>
             <a:r>
               <a:rPr lang="en-US" sz="2400" dirty="0" smtClean="0">
-                <a:solidFill>
-                  <a:schemeClr val="tx1"/>
-                </a:solidFill>
-                <a:latin typeface="Times New Roman" panose="02020603050405020304" pitchFamily="18" charset="0"/>
-                <a:cs typeface="Times New Roman" panose="02020603050405020304" pitchFamily="18" charset="0"/>
-              </a:rPr>
-              <a:t>After all the pre-processing and the feature extraction phases, the </a:t>
-            </a:r>
-            <a:r>
-              <a:rPr lang="en-US" sz="2400" dirty="0" smtClean="0">
-                <a:solidFill>
-                  <a:schemeClr val="tx1"/>
-                </a:solidFill>
-                <a:latin typeface="Times New Roman" panose="02020603050405020304" pitchFamily="18" charset="0"/>
-                <a:cs typeface="Times New Roman" panose="02020603050405020304" pitchFamily="18" charset="0"/>
-              </a:rPr>
-              <a:t>data point includes </a:t>
-            </a:r>
-          </a:p>
-          <a:p>
-            <a:pPr lvl="1"/>
-            <a:r>
-              <a:rPr lang="en-US" sz="2400" dirty="0" smtClean="0">
-                <a:solidFill>
-                  <a:schemeClr val="tx1"/>
-                </a:solidFill>
-                <a:latin typeface="Times New Roman" panose="02020603050405020304" pitchFamily="18" charset="0"/>
-                <a:cs typeface="Times New Roman" panose="02020603050405020304" pitchFamily="18" charset="0"/>
-              </a:rPr>
-              <a:t>T</a:t>
-            </a:r>
-            <a:r>
-              <a:rPr lang="en-US" sz="2400" dirty="0" smtClean="0">
-                <a:solidFill>
-                  <a:schemeClr val="tx1"/>
-                </a:solidFill>
-                <a:latin typeface="Times New Roman" panose="02020603050405020304" pitchFamily="18" charset="0"/>
-                <a:cs typeface="Times New Roman" panose="02020603050405020304" pitchFamily="18" charset="0"/>
-              </a:rPr>
-              <a:t>he tokenized words, </a:t>
-            </a:r>
-          </a:p>
-          <a:p>
-            <a:pPr lvl="1"/>
-            <a:r>
-              <a:rPr lang="en-US" sz="2400" dirty="0" smtClean="0">
-                <a:solidFill>
-                  <a:schemeClr val="tx1"/>
-                </a:solidFill>
-                <a:latin typeface="Times New Roman" panose="02020603050405020304" pitchFamily="18" charset="0"/>
-                <a:cs typeface="Times New Roman" panose="02020603050405020304" pitchFamily="18" charset="0"/>
-              </a:rPr>
-              <a:t>Their named entity, </a:t>
-            </a:r>
-          </a:p>
-          <a:p>
-            <a:pPr lvl="1"/>
-            <a:r>
-              <a:rPr lang="en-US" sz="2400" dirty="0" smtClean="0">
-                <a:solidFill>
-                  <a:schemeClr val="tx1"/>
-                </a:solidFill>
-                <a:latin typeface="Times New Roman" panose="02020603050405020304" pitchFamily="18" charset="0"/>
-                <a:cs typeface="Times New Roman" panose="02020603050405020304" pitchFamily="18" charset="0"/>
-              </a:rPr>
-              <a:t>POS tags for each word and,</a:t>
-            </a:r>
-          </a:p>
-          <a:p>
-            <a:pPr lvl="1"/>
-            <a:r>
-              <a:rPr lang="en-US" sz="2400" dirty="0" smtClean="0">
-                <a:solidFill>
-                  <a:schemeClr val="tx1"/>
-                </a:solidFill>
-                <a:latin typeface="Times New Roman" panose="02020603050405020304" pitchFamily="18" charset="0"/>
-                <a:cs typeface="Times New Roman" panose="02020603050405020304" pitchFamily="18" charset="0"/>
-              </a:rPr>
-              <a:t>The set of related words from the bag of words for each tokenized word</a:t>
-            </a:r>
+                <a:latin typeface="Times New Roman" panose="02020603050405020304" pitchFamily="18" charset="0"/>
+                <a:cs typeface="Times New Roman" panose="02020603050405020304" pitchFamily="18" charset="0"/>
+              </a:rPr>
+              <a:t>Initially we used wit.ai to identify the intents</a:t>
+            </a:r>
+          </a:p>
+          <a:p>
             <a:endParaRPr lang="en-US" sz="2400" dirty="0" smtClean="0">
-              <a:solidFill>
-                <a:schemeClr val="tx1"/>
-              </a:solidFill>
               <a:latin typeface="Times New Roman" panose="02020603050405020304" pitchFamily="18" charset="0"/>
               <a:cs typeface="Times New Roman" panose="02020603050405020304" pitchFamily="18" charset="0"/>
             </a:endParaRPr>
@@ -12198,40 +11214,40 @@
           <a:p>
             <a:r>
               <a:rPr lang="en-US" sz="2400" dirty="0" smtClean="0">
-                <a:solidFill>
-                  <a:schemeClr val="tx1"/>
-                </a:solidFill>
-                <a:latin typeface="Times New Roman" panose="02020603050405020304" pitchFamily="18" charset="0"/>
-                <a:cs typeface="Times New Roman" panose="02020603050405020304" pitchFamily="18" charset="0"/>
-              </a:rPr>
-              <a:t>Additionally, the n-gram parameter has been set to take values between 1 to 4 while creating the model pipeline</a:t>
-            </a:r>
-          </a:p>
-          <a:p>
-            <a:r>
-              <a:rPr lang="en-US" sz="2400" dirty="0" smtClean="0">
-                <a:solidFill>
-                  <a:schemeClr val="tx1"/>
-                </a:solidFill>
-                <a:latin typeface="Times New Roman" panose="02020603050405020304" pitchFamily="18" charset="0"/>
-                <a:cs typeface="Times New Roman" panose="02020603050405020304" pitchFamily="18" charset="0"/>
-              </a:rPr>
-              <a:t>This enhances the learning process for the model</a:t>
-            </a:r>
+                <a:latin typeface="Times New Roman" panose="02020603050405020304" pitchFamily="18" charset="0"/>
+                <a:cs typeface="Times New Roman" panose="02020603050405020304" pitchFamily="18" charset="0"/>
+              </a:rPr>
+              <a:t>Here our model is predicting the intent</a:t>
+            </a:r>
+          </a:p>
+          <a:p>
+            <a:pPr marL="0" indent="0">
+              <a:buNone/>
+            </a:pPr>
             <a:endParaRPr lang="en-US" sz="2400" dirty="0" smtClean="0">
-              <a:solidFill>
-                <a:schemeClr val="tx1"/>
-              </a:solidFill>
               <a:latin typeface="Times New Roman" panose="02020603050405020304" pitchFamily="18" charset="0"/>
               <a:cs typeface="Times New Roman" panose="02020603050405020304" pitchFamily="18" charset="0"/>
             </a:endParaRPr>
           </a:p>
+          <a:p>
+            <a:r>
+              <a:rPr lang="en-US" sz="2400" dirty="0" smtClean="0">
+                <a:latin typeface="Times New Roman" panose="02020603050405020304" pitchFamily="18" charset="0"/>
+                <a:cs typeface="Times New Roman" panose="02020603050405020304" pitchFamily="18" charset="0"/>
+              </a:rPr>
+              <a:t>Create a custom middleware to communicate to our python code</a:t>
+            </a:r>
+            <a:endParaRPr lang="en-US" sz="2400" dirty="0" smtClean="0">
+              <a:latin typeface="Times New Roman" panose="02020603050405020304" pitchFamily="18" charset="0"/>
+              <a:cs typeface="Times New Roman" panose="02020603050405020304" pitchFamily="18" charset="0"/>
+            </a:endParaRPr>
+          </a:p>
         </p:txBody>
       </p:sp>
     </p:spTree>
     <p:extLst>
       <p:ext uri="{BB962C8B-B14F-4D97-AF65-F5344CB8AC3E}">
-        <p14:creationId xmlns:p14="http://schemas.microsoft.com/office/powerpoint/2010/main" xmlns="" val="2718420140"/>
+        <p14:creationId xmlns:p14="http://schemas.microsoft.com/office/powerpoint/2010/main" val="870096867"/>
       </p:ext>
     </p:extLst>
   </p:cSld>
@@ -12268,7 +11284,12 @@
             <p:ph type="title"/>
           </p:nvPr>
         </p:nvSpPr>
-        <p:spPr/>
+        <p:spPr>
+          <a:xfrm>
+            <a:off x="664029" y="609600"/>
+            <a:ext cx="8609973" cy="892629"/>
+          </a:xfrm>
+        </p:spPr>
         <p:txBody>
           <a:bodyPr/>
           <a:lstStyle/>
@@ -12279,7 +11300,7 @@
                 <a:latin typeface="Times New Roman" panose="02020603050405020304" pitchFamily="18" charset="0"/>
                 <a:cs typeface="Times New Roman" panose="02020603050405020304" pitchFamily="18" charset="0"/>
               </a:rPr>
-              <a:t>Creating Pipeline</a:t>
+              <a:t>Middleware Implementation</a:t>
             </a:r>
             <a:endParaRPr lang="en-US" dirty="0">
               <a:latin typeface="Times New Roman" panose="02020603050405020304" pitchFamily="18" charset="0"/>
@@ -12288,1208 +11309,25 @@
           </a:p>
         </p:txBody>
       </p:sp>
-      <p:sp>
-        <p:nvSpPr>
-          <p:cNvPr id="3" name="Content Placeholder 2"/>
-          <p:cNvSpPr>
-            <a:spLocks noGrp="1"/>
-          </p:cNvSpPr>
-          <p:nvPr>
-            <p:ph idx="1"/>
-          </p:nvPr>
-        </p:nvSpPr>
-        <p:spPr>
-          <a:xfrm>
-            <a:off x="573205" y="1955872"/>
-            <a:ext cx="8714444" cy="4458575"/>
-          </a:xfrm>
-        </p:spPr>
-        <p:txBody>
-          <a:bodyPr>
-            <a:normAutofit/>
-          </a:bodyPr>
-          <a:lstStyle/>
-          <a:p>
-            <a:r>
-              <a:rPr lang="en-US" sz="2400" dirty="0" err="1" smtClean="0">
-                <a:solidFill>
-                  <a:schemeClr val="tx1"/>
-                </a:solidFill>
-                <a:latin typeface="Times New Roman" panose="02020603050405020304" pitchFamily="18" charset="0"/>
-                <a:cs typeface="Times New Roman" panose="02020603050405020304" pitchFamily="18" charset="0"/>
-              </a:rPr>
-              <a:t>TagVectorizer</a:t>
-            </a:r>
-            <a:r>
-              <a:rPr lang="en-US" sz="2400" dirty="0" smtClean="0">
-                <a:solidFill>
-                  <a:schemeClr val="tx1"/>
-                </a:solidFill>
-                <a:latin typeface="Times New Roman" panose="02020603050405020304" pitchFamily="18" charset="0"/>
-                <a:cs typeface="Times New Roman" panose="02020603050405020304" pitchFamily="18" charset="0"/>
-              </a:rPr>
-              <a:t>, </a:t>
-            </a:r>
-            <a:r>
-              <a:rPr lang="en-US" sz="2400" dirty="0" err="1" smtClean="0">
-                <a:solidFill>
-                  <a:schemeClr val="tx1"/>
-                </a:solidFill>
-                <a:latin typeface="Times New Roman" panose="02020603050405020304" pitchFamily="18" charset="0"/>
-                <a:cs typeface="Times New Roman" panose="02020603050405020304" pitchFamily="18" charset="0"/>
-              </a:rPr>
-              <a:t>NERVectorizer</a:t>
-            </a:r>
-            <a:r>
-              <a:rPr lang="en-US" sz="2400" dirty="0" smtClean="0">
-                <a:solidFill>
-                  <a:schemeClr val="tx1"/>
-                </a:solidFill>
-                <a:latin typeface="Times New Roman" panose="02020603050405020304" pitchFamily="18" charset="0"/>
-                <a:cs typeface="Times New Roman" panose="02020603050405020304" pitchFamily="18" charset="0"/>
-              </a:rPr>
-              <a:t>, </a:t>
-            </a:r>
-            <a:r>
-              <a:rPr lang="en-US" sz="2400" dirty="0" err="1" smtClean="0">
-                <a:solidFill>
-                  <a:schemeClr val="tx1"/>
-                </a:solidFill>
-                <a:latin typeface="Times New Roman" panose="02020603050405020304" pitchFamily="18" charset="0"/>
-                <a:cs typeface="Times New Roman" panose="02020603050405020304" pitchFamily="18" charset="0"/>
-              </a:rPr>
-              <a:t>RelatedWordVectorizer</a:t>
-            </a:r>
-            <a:r>
-              <a:rPr lang="en-US" sz="2400" dirty="0">
-                <a:solidFill>
-                  <a:schemeClr val="tx1"/>
-                </a:solidFill>
-                <a:latin typeface="Times New Roman" panose="02020603050405020304" pitchFamily="18" charset="0"/>
-                <a:cs typeface="Times New Roman" panose="02020603050405020304" pitchFamily="18" charset="0"/>
-              </a:rPr>
-              <a:t> </a:t>
-            </a:r>
-            <a:r>
-              <a:rPr lang="en-US" sz="2400" dirty="0" smtClean="0">
-                <a:solidFill>
-                  <a:schemeClr val="tx1"/>
-                </a:solidFill>
-                <a:latin typeface="Times New Roman" panose="02020603050405020304" pitchFamily="18" charset="0"/>
-                <a:cs typeface="Times New Roman" panose="02020603050405020304" pitchFamily="18" charset="0"/>
-              </a:rPr>
-              <a:t>has been used as estimators which is then given to a pipeline</a:t>
-            </a:r>
-            <a:endParaRPr lang="en-US" sz="2400" dirty="0">
-              <a:solidFill>
-                <a:schemeClr val="tx1"/>
-              </a:solidFill>
-              <a:latin typeface="Times New Roman" panose="02020603050405020304" pitchFamily="18" charset="0"/>
-              <a:cs typeface="Times New Roman" panose="02020603050405020304" pitchFamily="18" charset="0"/>
-            </a:endParaRPr>
-          </a:p>
-        </p:txBody>
-      </p:sp>
       <p:pic>
         <p:nvPicPr>
-          <p:cNvPr id="4" name="Picture 3"/>
+          <p:cNvPr id="4" name="Content Placeholder 3"/>
           <p:cNvPicPr>
-            <a:picLocks noChangeAspect="1"/>
+            <a:picLocks noGrp="1" noChangeAspect="1"/>
           </p:cNvPicPr>
-          <p:nvPr/>
+          <p:nvPr>
+            <p:ph idx="1"/>
+          </p:nvPr>
         </p:nvPicPr>
         <p:blipFill>
-          <a:blip r:embed="rId2" cstate="print"/>
+          <a:blip r:embed="rId2"/>
           <a:stretch>
             <a:fillRect/>
           </a:stretch>
         </p:blipFill>
         <p:spPr>
           <a:xfrm>
-            <a:off x="847955" y="3092993"/>
-            <a:ext cx="8042657" cy="3321967"/>
-          </a:xfrm>
-          <a:prstGeom prst="rect">
-            <a:avLst/>
-          </a:prstGeom>
-        </p:spPr>
-      </p:pic>
-    </p:spTree>
-    <p:extLst>
-      <p:ext uri="{BB962C8B-B14F-4D97-AF65-F5344CB8AC3E}">
-        <p14:creationId xmlns:p14="http://schemas.microsoft.com/office/powerpoint/2010/main" xmlns="" val="637521889"/>
-      </p:ext>
-    </p:extLst>
-  </p:cSld>
-  <p:clrMapOvr>
-    <a:masterClrMapping/>
-  </p:clrMapOvr>
-</p:sld>
-</file>
-
-<file path=ppt/slides/slide28.xml><?xml version="1.0" encoding="utf-8"?>
-<p:sld xmlns:a="http://schemas.openxmlformats.org/drawingml/2006/main" xmlns:r="http://schemas.openxmlformats.org/officeDocument/2006/relationships" xmlns:p="http://schemas.openxmlformats.org/presentationml/2006/main">
-  <p:cSld>
-    <p:spTree>
-      <p:nvGrpSpPr>
-        <p:cNvPr id="1" name=""/>
-        <p:cNvGrpSpPr/>
-        <p:nvPr/>
-      </p:nvGrpSpPr>
-      <p:grpSpPr>
-        <a:xfrm>
-          <a:off x="0" y="0"/>
-          <a:ext cx="0" cy="0"/>
-          <a:chOff x="0" y="0"/>
-          <a:chExt cx="0" cy="0"/>
-        </a:xfrm>
-      </p:grpSpPr>
-      <p:sp>
-        <p:nvSpPr>
-          <p:cNvPr id="2" name="Title 1"/>
-          <p:cNvSpPr>
-            <a:spLocks noGrp="1"/>
-          </p:cNvSpPr>
-          <p:nvPr>
-            <p:ph type="title"/>
-          </p:nvPr>
-        </p:nvSpPr>
-        <p:spPr/>
-        <p:txBody>
-          <a:bodyPr/>
-          <a:lstStyle/>
-          <a:p>
-            <a:pPr algn="ctr"/>
-            <a:r>
-              <a:rPr lang="en-US" dirty="0" smtClean="0">
-                <a:latin typeface="Times New Roman" panose="02020603050405020304" pitchFamily="18" charset="0"/>
-                <a:cs typeface="Times New Roman" panose="02020603050405020304" pitchFamily="18" charset="0"/>
-              </a:rPr>
-              <a:t>Coarse or Fine Classification</a:t>
-            </a:r>
-            <a:endParaRPr lang="en-US" dirty="0">
-              <a:latin typeface="Times New Roman" panose="02020603050405020304" pitchFamily="18" charset="0"/>
-              <a:cs typeface="Times New Roman" panose="02020603050405020304" pitchFamily="18" charset="0"/>
-            </a:endParaRPr>
-          </a:p>
-        </p:txBody>
-      </p:sp>
-      <p:sp>
-        <p:nvSpPr>
-          <p:cNvPr id="3" name="Content Placeholder 2"/>
-          <p:cNvSpPr>
-            <a:spLocks noGrp="1"/>
-          </p:cNvSpPr>
-          <p:nvPr>
-            <p:ph idx="1"/>
-          </p:nvPr>
-        </p:nvSpPr>
-        <p:spPr>
-          <a:xfrm>
-            <a:off x="709684" y="1823132"/>
-            <a:ext cx="8564318" cy="4836975"/>
-          </a:xfrm>
-        </p:spPr>
-        <p:txBody>
-          <a:bodyPr/>
-          <a:lstStyle/>
-          <a:p>
-            <a:r>
-              <a:rPr lang="en-US" sz="2400" dirty="0" smtClean="0">
-                <a:solidFill>
-                  <a:schemeClr val="tx1"/>
-                </a:solidFill>
-                <a:latin typeface="Times New Roman" panose="02020603050405020304" pitchFamily="18" charset="0"/>
-                <a:cs typeface="Times New Roman" panose="02020603050405020304" pitchFamily="18" charset="0"/>
-              </a:rPr>
-              <a:t>We can pass it as a parameter if we want coarse </a:t>
-            </a:r>
-            <a:r>
-              <a:rPr lang="en-US" sz="2400" dirty="0" smtClean="0">
-                <a:solidFill>
-                  <a:schemeClr val="tx1"/>
-                </a:solidFill>
-                <a:latin typeface="Times New Roman" panose="02020603050405020304" pitchFamily="18" charset="0"/>
-                <a:cs typeface="Times New Roman" panose="02020603050405020304" pitchFamily="18" charset="0"/>
-              </a:rPr>
-              <a:t>level (broad classification) </a:t>
-            </a:r>
-            <a:r>
-              <a:rPr lang="en-US" sz="2400" dirty="0" smtClean="0">
-                <a:solidFill>
-                  <a:schemeClr val="tx1"/>
-                </a:solidFill>
-                <a:latin typeface="Times New Roman" panose="02020603050405020304" pitchFamily="18" charset="0"/>
-                <a:cs typeface="Times New Roman" panose="02020603050405020304" pitchFamily="18" charset="0"/>
-              </a:rPr>
-              <a:t>filtering or fine level as an argument when we load the data</a:t>
-            </a:r>
-          </a:p>
-          <a:p>
-            <a:r>
-              <a:rPr lang="en-US" sz="2400" dirty="0" smtClean="0">
-                <a:solidFill>
-                  <a:schemeClr val="tx1"/>
-                </a:solidFill>
-                <a:latin typeface="Times New Roman" panose="02020603050405020304" pitchFamily="18" charset="0"/>
-                <a:cs typeface="Times New Roman" panose="02020603050405020304" pitchFamily="18" charset="0"/>
-              </a:rPr>
-              <a:t>Processing is done accordingly</a:t>
-            </a:r>
-          </a:p>
-          <a:p>
-            <a:endParaRPr lang="en-US" b="1" dirty="0">
-              <a:latin typeface="Times New Roman" panose="02020603050405020304" pitchFamily="18" charset="0"/>
-              <a:cs typeface="Times New Roman" panose="02020603050405020304" pitchFamily="18" charset="0"/>
-            </a:endParaRPr>
-          </a:p>
-        </p:txBody>
-      </p:sp>
-      <p:pic>
-        <p:nvPicPr>
-          <p:cNvPr id="5" name="Picture 4"/>
-          <p:cNvPicPr>
-            <a:picLocks noChangeAspect="1"/>
-          </p:cNvPicPr>
-          <p:nvPr/>
-        </p:nvPicPr>
-        <p:blipFill>
-          <a:blip r:embed="rId2" cstate="print"/>
-          <a:stretch>
-            <a:fillRect/>
-          </a:stretch>
-        </p:blipFill>
-        <p:spPr>
-          <a:xfrm>
-            <a:off x="1594870" y="3461226"/>
-            <a:ext cx="6086475" cy="3095625"/>
-          </a:xfrm>
-          <a:prstGeom prst="rect">
-            <a:avLst/>
-          </a:prstGeom>
-        </p:spPr>
-      </p:pic>
-    </p:spTree>
-    <p:extLst>
-      <p:ext uri="{BB962C8B-B14F-4D97-AF65-F5344CB8AC3E}">
-        <p14:creationId xmlns:p14="http://schemas.microsoft.com/office/powerpoint/2010/main" xmlns="" val="572290405"/>
-      </p:ext>
-    </p:extLst>
-  </p:cSld>
-  <p:clrMapOvr>
-    <a:masterClrMapping/>
-  </p:clrMapOvr>
-</p:sld>
-</file>
-
-<file path=ppt/slides/slide29.xml><?xml version="1.0" encoding="utf-8"?>
-<p:sld xmlns:a="http://schemas.openxmlformats.org/drawingml/2006/main" xmlns:r="http://schemas.openxmlformats.org/officeDocument/2006/relationships" xmlns:p="http://schemas.openxmlformats.org/presentationml/2006/main">
-  <p:cSld>
-    <p:spTree>
-      <p:nvGrpSpPr>
-        <p:cNvPr id="1" name=""/>
-        <p:cNvGrpSpPr/>
-        <p:nvPr/>
-      </p:nvGrpSpPr>
-      <p:grpSpPr>
-        <a:xfrm>
-          <a:off x="0" y="0"/>
-          <a:ext cx="0" cy="0"/>
-          <a:chOff x="0" y="0"/>
-          <a:chExt cx="0" cy="0"/>
-        </a:xfrm>
-      </p:grpSpPr>
-      <p:sp>
-        <p:nvSpPr>
-          <p:cNvPr id="2" name="Title 1"/>
-          <p:cNvSpPr>
-            <a:spLocks noGrp="1"/>
-          </p:cNvSpPr>
-          <p:nvPr>
-            <p:ph type="title"/>
-          </p:nvPr>
-        </p:nvSpPr>
-        <p:spPr/>
-        <p:txBody>
-          <a:bodyPr/>
-          <a:lstStyle/>
-          <a:p>
-            <a:pPr algn="ctr"/>
-            <a:r>
-              <a:rPr lang="en-US" dirty="0" smtClean="0">
-                <a:latin typeface="Times New Roman" panose="02020603050405020304" pitchFamily="18" charset="0"/>
-                <a:cs typeface="Times New Roman" panose="02020603050405020304" pitchFamily="18" charset="0"/>
-              </a:rPr>
-              <a:t>Training the Model</a:t>
-            </a:r>
-            <a:endParaRPr lang="en-US" dirty="0"/>
-          </a:p>
-        </p:txBody>
-      </p:sp>
-      <p:sp>
-        <p:nvSpPr>
-          <p:cNvPr id="3" name="Content Placeholder 2"/>
-          <p:cNvSpPr>
-            <a:spLocks noGrp="1"/>
-          </p:cNvSpPr>
-          <p:nvPr>
-            <p:ph idx="1"/>
-          </p:nvPr>
-        </p:nvSpPr>
-        <p:spPr>
-          <a:xfrm>
-            <a:off x="677334" y="2010463"/>
-            <a:ext cx="8596668" cy="3880773"/>
-          </a:xfrm>
-        </p:spPr>
-        <p:txBody>
-          <a:bodyPr/>
-          <a:lstStyle/>
-          <a:p>
-            <a:r>
-              <a:rPr lang="en-US" sz="2400" dirty="0" smtClean="0">
-                <a:solidFill>
-                  <a:schemeClr val="tx1"/>
-                </a:solidFill>
-                <a:latin typeface="Times New Roman" panose="02020603050405020304" pitchFamily="18" charset="0"/>
-                <a:cs typeface="Times New Roman" panose="02020603050405020304" pitchFamily="18" charset="0"/>
-              </a:rPr>
-              <a:t>Stratified </a:t>
-            </a:r>
-            <a:r>
-              <a:rPr lang="en-US" sz="2400" dirty="0" smtClean="0">
-                <a:solidFill>
-                  <a:schemeClr val="tx1"/>
-                </a:solidFill>
-                <a:latin typeface="Times New Roman" panose="02020603050405020304" pitchFamily="18" charset="0"/>
-                <a:cs typeface="Times New Roman" panose="02020603050405020304" pitchFamily="18" charset="0"/>
-              </a:rPr>
-              <a:t>k-folds CV technique is used </a:t>
-            </a:r>
-            <a:r>
-              <a:rPr lang="en-US" sz="2400" dirty="0" smtClean="0">
-                <a:solidFill>
-                  <a:schemeClr val="tx1"/>
-                </a:solidFill>
-                <a:latin typeface="Times New Roman" panose="02020603050405020304" pitchFamily="18" charset="0"/>
-                <a:cs typeface="Times New Roman" panose="02020603050405020304" pitchFamily="18" charset="0"/>
-              </a:rPr>
-              <a:t>to create the train and test splits as </a:t>
-            </a:r>
-            <a:r>
-              <a:rPr lang="en-US" sz="2400" dirty="0" smtClean="0">
-                <a:solidFill>
-                  <a:schemeClr val="tx1"/>
-                </a:solidFill>
-                <a:latin typeface="Times New Roman" panose="02020603050405020304" pitchFamily="18" charset="0"/>
-                <a:cs typeface="Times New Roman" panose="02020603050405020304" pitchFamily="18" charset="0"/>
-              </a:rPr>
-              <a:t>it provides a good </a:t>
-            </a:r>
-            <a:r>
-              <a:rPr lang="en-US" sz="2400" dirty="0" smtClean="0">
-                <a:solidFill>
-                  <a:schemeClr val="tx1"/>
-                </a:solidFill>
-                <a:latin typeface="Times New Roman" panose="02020603050405020304" pitchFamily="18" charset="0"/>
-                <a:cs typeface="Times New Roman" panose="02020603050405020304" pitchFamily="18" charset="0"/>
-              </a:rPr>
-              <a:t>performance</a:t>
-            </a:r>
-          </a:p>
-          <a:p>
-            <a:r>
-              <a:rPr lang="en-US" sz="2400" dirty="0" smtClean="0">
-                <a:solidFill>
-                  <a:schemeClr val="tx1"/>
-                </a:solidFill>
-                <a:latin typeface="Times New Roman" panose="02020603050405020304" pitchFamily="18" charset="0"/>
-                <a:cs typeface="Times New Roman" panose="02020603050405020304" pitchFamily="18" charset="0"/>
-              </a:rPr>
-              <a:t>The stratified cross-validation allows for randomization and makes sure that unbalanced datasets have some of both </a:t>
-            </a:r>
-            <a:r>
-              <a:rPr lang="en-US" sz="2400" dirty="0" smtClean="0">
-                <a:solidFill>
-                  <a:schemeClr val="tx1"/>
-                </a:solidFill>
-                <a:latin typeface="Times New Roman" panose="02020603050405020304" pitchFamily="18" charset="0"/>
-                <a:cs typeface="Times New Roman" panose="02020603050405020304" pitchFamily="18" charset="0"/>
-              </a:rPr>
-              <a:t>classes</a:t>
-            </a:r>
-          </a:p>
-          <a:p>
-            <a:r>
-              <a:rPr lang="en-US" sz="2400" dirty="0" smtClean="0">
-                <a:solidFill>
-                  <a:schemeClr val="tx1"/>
-                </a:solidFill>
-                <a:latin typeface="Times New Roman" panose="02020603050405020304" pitchFamily="18" charset="0"/>
-                <a:cs typeface="Times New Roman" panose="02020603050405020304" pitchFamily="18" charset="0"/>
-              </a:rPr>
-              <a:t>Stratification </a:t>
-            </a:r>
-            <a:r>
-              <a:rPr lang="en-US" sz="2400" dirty="0" smtClean="0">
-                <a:solidFill>
-                  <a:schemeClr val="tx1"/>
-                </a:solidFill>
-                <a:latin typeface="Times New Roman" pitchFamily="18" charset="0"/>
-                <a:cs typeface="Times New Roman" pitchFamily="18" charset="0"/>
-              </a:rPr>
-              <a:t>is generally a better scheme, both in terms of bias and variance, when compared to regular cross-validation</a:t>
-            </a:r>
-          </a:p>
-          <a:p>
-            <a:endParaRPr lang="en-US" sz="2400" dirty="0" smtClean="0">
-              <a:solidFill>
-                <a:schemeClr val="tx1"/>
-              </a:solidFill>
-              <a:latin typeface="Times New Roman" panose="02020603050405020304" pitchFamily="18" charset="0"/>
-              <a:cs typeface="Times New Roman" panose="02020603050405020304" pitchFamily="18" charset="0"/>
-            </a:endParaRPr>
-          </a:p>
-          <a:p>
-            <a:endParaRPr lang="en-US" sz="2400" dirty="0" smtClean="0">
-              <a:solidFill>
-                <a:schemeClr val="tx1"/>
-              </a:solidFill>
-              <a:latin typeface="Times New Roman" panose="02020603050405020304" pitchFamily="18" charset="0"/>
-              <a:cs typeface="Times New Roman" panose="02020603050405020304" pitchFamily="18" charset="0"/>
-            </a:endParaRPr>
-          </a:p>
-          <a:p>
-            <a:endParaRPr lang="en-US" dirty="0" smtClean="0"/>
-          </a:p>
-          <a:p>
-            <a:endParaRPr lang="en-US" dirty="0"/>
-          </a:p>
-        </p:txBody>
-      </p:sp>
-    </p:spTree>
-    <p:extLst>
-      <p:ext uri="{BB962C8B-B14F-4D97-AF65-F5344CB8AC3E}">
-        <p14:creationId xmlns:p14="http://schemas.microsoft.com/office/powerpoint/2010/main" xmlns="" val="3940786786"/>
-      </p:ext>
-    </p:extLst>
-  </p:cSld>
-  <p:clrMapOvr>
-    <a:masterClrMapping/>
-  </p:clrMapOvr>
-</p:sld>
-</file>
-
-<file path=ppt/slides/slide3.xml><?xml version="1.0" encoding="utf-8"?>
-<p:sld xmlns:a="http://schemas.openxmlformats.org/drawingml/2006/main" xmlns:r="http://schemas.openxmlformats.org/officeDocument/2006/relationships" xmlns:p="http://schemas.openxmlformats.org/presentationml/2006/main">
-  <p:cSld>
-    <p:spTree>
-      <p:nvGrpSpPr>
-        <p:cNvPr id="1" name=""/>
-        <p:cNvGrpSpPr/>
-        <p:nvPr/>
-      </p:nvGrpSpPr>
-      <p:grpSpPr>
-        <a:xfrm>
-          <a:off x="0" y="0"/>
-          <a:ext cx="0" cy="0"/>
-          <a:chOff x="0" y="0"/>
-          <a:chExt cx="0" cy="0"/>
-        </a:xfrm>
-      </p:grpSpPr>
-      <p:sp>
-        <p:nvSpPr>
-          <p:cNvPr id="2" name="Title 1"/>
-          <p:cNvSpPr>
-            <a:spLocks noGrp="1"/>
-          </p:cNvSpPr>
-          <p:nvPr>
-            <p:ph type="title"/>
-          </p:nvPr>
-        </p:nvSpPr>
-        <p:spPr/>
-        <p:txBody>
-          <a:bodyPr/>
-          <a:lstStyle/>
-          <a:p>
-            <a:pPr algn="ctr"/>
-            <a:r>
-              <a:rPr lang="en-US" dirty="0" smtClean="0">
-                <a:latin typeface="Times New Roman" panose="02020603050405020304" pitchFamily="18" charset="0"/>
-                <a:cs typeface="Times New Roman" panose="02020603050405020304" pitchFamily="18" charset="0"/>
-              </a:rPr>
-              <a:t>Problem Statement</a:t>
-            </a:r>
-            <a:endParaRPr lang="en-US" dirty="0">
-              <a:latin typeface="Times New Roman" panose="02020603050405020304" pitchFamily="18" charset="0"/>
-              <a:cs typeface="Times New Roman" panose="02020603050405020304" pitchFamily="18" charset="0"/>
-            </a:endParaRPr>
-          </a:p>
-        </p:txBody>
-      </p:sp>
-      <p:sp>
-        <p:nvSpPr>
-          <p:cNvPr id="3" name="Content Placeholder 2"/>
-          <p:cNvSpPr>
-            <a:spLocks noGrp="1"/>
-          </p:cNvSpPr>
-          <p:nvPr>
-            <p:ph idx="1"/>
-          </p:nvPr>
-        </p:nvSpPr>
-        <p:spPr/>
-        <p:txBody>
-          <a:bodyPr>
-            <a:normAutofit/>
-          </a:bodyPr>
-          <a:lstStyle/>
-          <a:p>
-            <a:r>
-              <a:rPr lang="en-US" sz="2400" dirty="0" smtClean="0">
-                <a:solidFill>
-                  <a:schemeClr val="tx1"/>
-                </a:solidFill>
-                <a:latin typeface="Times New Roman" panose="02020603050405020304" pitchFamily="18" charset="0"/>
-                <a:cs typeface="Times New Roman" panose="02020603050405020304" pitchFamily="18" charset="0"/>
-              </a:rPr>
-              <a:t>The main task is that, given a question, we need to map it accurately to one of the </a:t>
-            </a:r>
-            <a:r>
-              <a:rPr lang="en-US" sz="2400" i="1" dirty="0" smtClean="0">
-                <a:solidFill>
-                  <a:schemeClr val="tx1"/>
-                </a:solidFill>
-                <a:latin typeface="Times New Roman" panose="02020603050405020304" pitchFamily="18" charset="0"/>
-                <a:cs typeface="Times New Roman" panose="02020603050405020304" pitchFamily="18" charset="0"/>
-              </a:rPr>
-              <a:t>k</a:t>
-            </a:r>
-            <a:r>
-              <a:rPr lang="en-US" sz="2400" dirty="0" smtClean="0">
-                <a:solidFill>
-                  <a:schemeClr val="tx1"/>
-                </a:solidFill>
-                <a:latin typeface="Times New Roman" panose="02020603050405020304" pitchFamily="18" charset="0"/>
-                <a:cs typeface="Times New Roman" panose="02020603050405020304" pitchFamily="18" charset="0"/>
-              </a:rPr>
-              <a:t> semantic classes</a:t>
-            </a:r>
-          </a:p>
-          <a:p>
-            <a:pPr marL="0" indent="0">
-              <a:buNone/>
-            </a:pPr>
-            <a:endParaRPr lang="en-US" sz="2400" dirty="0" smtClean="0">
-              <a:solidFill>
-                <a:schemeClr val="tx1"/>
-              </a:solidFill>
-              <a:latin typeface="Times New Roman" panose="02020603050405020304" pitchFamily="18" charset="0"/>
-              <a:cs typeface="Times New Roman" panose="02020603050405020304" pitchFamily="18" charset="0"/>
-            </a:endParaRPr>
-          </a:p>
-          <a:p>
-            <a:r>
-              <a:rPr lang="en-US" sz="2400" dirty="0" smtClean="0">
-                <a:solidFill>
-                  <a:schemeClr val="tx1"/>
-                </a:solidFill>
-                <a:latin typeface="Times New Roman" panose="02020603050405020304" pitchFamily="18" charset="0"/>
-                <a:cs typeface="Times New Roman" panose="02020603050405020304" pitchFamily="18" charset="0"/>
-              </a:rPr>
-              <a:t>Example, “</a:t>
-            </a:r>
-            <a:r>
-              <a:rPr lang="en-US" sz="2400" i="1" dirty="0" smtClean="0">
-                <a:solidFill>
-                  <a:schemeClr val="tx1"/>
-                </a:solidFill>
-                <a:latin typeface="Times New Roman" panose="02020603050405020304" pitchFamily="18" charset="0"/>
-                <a:cs typeface="Times New Roman" panose="02020603050405020304" pitchFamily="18" charset="0"/>
-              </a:rPr>
-              <a:t>Who </a:t>
-            </a:r>
-            <a:r>
-              <a:rPr lang="en-US" sz="2400" i="1" dirty="0">
-                <a:solidFill>
-                  <a:schemeClr val="tx1"/>
-                </a:solidFill>
-                <a:latin typeface="Times New Roman" panose="02020603050405020304" pitchFamily="18" charset="0"/>
-                <a:cs typeface="Times New Roman" panose="02020603050405020304" pitchFamily="18" charset="0"/>
-              </a:rPr>
-              <a:t>was the first woman killed in the </a:t>
-            </a:r>
-            <a:r>
-              <a:rPr lang="en-US" sz="2400" i="1" dirty="0" smtClean="0">
-                <a:solidFill>
-                  <a:schemeClr val="tx1"/>
-                </a:solidFill>
-                <a:latin typeface="Times New Roman" panose="02020603050405020304" pitchFamily="18" charset="0"/>
-                <a:cs typeface="Times New Roman" panose="02020603050405020304" pitchFamily="18" charset="0"/>
-              </a:rPr>
-              <a:t>Vietnam</a:t>
-            </a:r>
-            <a:r>
-              <a:rPr lang="en-US" sz="2400" dirty="0">
-                <a:solidFill>
-                  <a:schemeClr val="tx1"/>
-                </a:solidFill>
-                <a:latin typeface="Times New Roman" panose="02020603050405020304" pitchFamily="18" charset="0"/>
-                <a:cs typeface="Times New Roman" panose="02020603050405020304" pitchFamily="18" charset="0"/>
-              </a:rPr>
-              <a:t> </a:t>
-            </a:r>
-            <a:r>
-              <a:rPr lang="en-US" sz="2400" dirty="0" smtClean="0">
-                <a:solidFill>
-                  <a:schemeClr val="tx1"/>
-                </a:solidFill>
-                <a:latin typeface="Times New Roman" panose="02020603050405020304" pitchFamily="18" charset="0"/>
-                <a:cs typeface="Times New Roman" panose="02020603050405020304" pitchFamily="18" charset="0"/>
-              </a:rPr>
-              <a:t>War?”</a:t>
-            </a:r>
-          </a:p>
-          <a:p>
-            <a:endParaRPr lang="en-US" sz="2400" dirty="0">
-              <a:solidFill>
-                <a:schemeClr val="tx1"/>
-              </a:solidFill>
-              <a:latin typeface="Times New Roman" panose="02020603050405020304" pitchFamily="18" charset="0"/>
-              <a:cs typeface="Times New Roman" panose="02020603050405020304" pitchFamily="18" charset="0"/>
-            </a:endParaRPr>
-          </a:p>
-          <a:p>
-            <a:r>
-              <a:rPr lang="en-US" sz="2400" dirty="0" smtClean="0">
-                <a:solidFill>
-                  <a:schemeClr val="tx1"/>
-                </a:solidFill>
-                <a:latin typeface="Times New Roman" panose="02020603050405020304" pitchFamily="18" charset="0"/>
-                <a:cs typeface="Times New Roman" panose="02020603050405020304" pitchFamily="18" charset="0"/>
-              </a:rPr>
-              <a:t>The above </a:t>
-            </a:r>
-            <a:r>
-              <a:rPr lang="en-US" sz="2400" dirty="0">
-                <a:solidFill>
-                  <a:schemeClr val="tx1"/>
-                </a:solidFill>
-                <a:latin typeface="Times New Roman" panose="02020603050405020304" pitchFamily="18" charset="0"/>
-                <a:cs typeface="Times New Roman" panose="02020603050405020304" pitchFamily="18" charset="0"/>
-              </a:rPr>
-              <a:t>target of this question is a </a:t>
-            </a:r>
-            <a:r>
-              <a:rPr lang="en-US" sz="2400" b="1" dirty="0" smtClean="0">
-                <a:solidFill>
-                  <a:schemeClr val="tx1"/>
-                </a:solidFill>
-                <a:latin typeface="Times New Roman" panose="02020603050405020304" pitchFamily="18" charset="0"/>
-                <a:cs typeface="Times New Roman" panose="02020603050405020304" pitchFamily="18" charset="0"/>
-              </a:rPr>
-              <a:t>human</a:t>
-            </a:r>
-            <a:r>
-              <a:rPr lang="en-US" sz="2400" dirty="0" smtClean="0">
-                <a:solidFill>
-                  <a:schemeClr val="tx1"/>
-                </a:solidFill>
-                <a:latin typeface="Times New Roman" panose="02020603050405020304" pitchFamily="18" charset="0"/>
-                <a:cs typeface="Times New Roman" panose="02020603050405020304" pitchFamily="18" charset="0"/>
-              </a:rPr>
-              <a:t>, </a:t>
-            </a:r>
-            <a:r>
-              <a:rPr lang="en-US" sz="2400" dirty="0">
-                <a:solidFill>
-                  <a:schemeClr val="tx1"/>
-                </a:solidFill>
-                <a:latin typeface="Times New Roman" panose="02020603050405020304" pitchFamily="18" charset="0"/>
-                <a:cs typeface="Times New Roman" panose="02020603050405020304" pitchFamily="18" charset="0"/>
-              </a:rPr>
-              <a:t>thereby </a:t>
-            </a:r>
-            <a:r>
-              <a:rPr lang="en-US" sz="2400" dirty="0" smtClean="0">
-                <a:solidFill>
-                  <a:schemeClr val="tx1"/>
-                </a:solidFill>
-                <a:latin typeface="Times New Roman" panose="02020603050405020304" pitchFamily="18" charset="0"/>
-                <a:cs typeface="Times New Roman" panose="02020603050405020304" pitchFamily="18" charset="0"/>
-              </a:rPr>
-              <a:t>reducing the </a:t>
-            </a:r>
-            <a:r>
-              <a:rPr lang="en-US" sz="2400" dirty="0">
-                <a:solidFill>
-                  <a:schemeClr val="tx1"/>
-                </a:solidFill>
-                <a:latin typeface="Times New Roman" panose="02020603050405020304" pitchFamily="18" charset="0"/>
-                <a:cs typeface="Times New Roman" panose="02020603050405020304" pitchFamily="18" charset="0"/>
-              </a:rPr>
-              <a:t>space of possible answers </a:t>
-            </a:r>
-            <a:r>
-              <a:rPr lang="en-US" sz="2400" dirty="0" smtClean="0">
-                <a:solidFill>
-                  <a:schemeClr val="tx1"/>
-                </a:solidFill>
-                <a:latin typeface="Times New Roman" panose="02020603050405020304" pitchFamily="18" charset="0"/>
-                <a:cs typeface="Times New Roman" panose="02020603050405020304" pitchFamily="18" charset="0"/>
-              </a:rPr>
-              <a:t>significantly</a:t>
-            </a:r>
-            <a:endParaRPr lang="en-US" sz="2400" dirty="0">
-              <a:solidFill>
-                <a:schemeClr val="tx1"/>
-              </a:solidFill>
-              <a:latin typeface="Times New Roman" panose="02020603050405020304" pitchFamily="18" charset="0"/>
-              <a:cs typeface="Times New Roman" panose="02020603050405020304" pitchFamily="18" charset="0"/>
-            </a:endParaRPr>
-          </a:p>
-        </p:txBody>
-      </p:sp>
-    </p:spTree>
-    <p:extLst>
-      <p:ext uri="{BB962C8B-B14F-4D97-AF65-F5344CB8AC3E}">
-        <p14:creationId xmlns:p14="http://schemas.microsoft.com/office/powerpoint/2010/main" xmlns="" val="3933540326"/>
-      </p:ext>
-    </p:extLst>
-  </p:cSld>
-  <p:clrMapOvr>
-    <a:masterClrMapping/>
-  </p:clrMapOvr>
-  <p:timing>
-    <p:tnLst>
-      <p:par>
-        <p:cTn id="1" dur="indefinite" restart="never" nodeType="tmRoot"/>
-      </p:par>
-    </p:tnLst>
-  </p:timing>
-</p:sld>
-</file>
-
-<file path=ppt/slides/slide30.xml><?xml version="1.0" encoding="utf-8"?>
-<p:sld xmlns:a="http://schemas.openxmlformats.org/drawingml/2006/main" xmlns:r="http://schemas.openxmlformats.org/officeDocument/2006/relationships" xmlns:p="http://schemas.openxmlformats.org/presentationml/2006/main">
-  <p:cSld>
-    <p:spTree>
-      <p:nvGrpSpPr>
-        <p:cNvPr id="1" name=""/>
-        <p:cNvGrpSpPr/>
-        <p:nvPr/>
-      </p:nvGrpSpPr>
-      <p:grpSpPr>
-        <a:xfrm>
-          <a:off x="0" y="0"/>
-          <a:ext cx="0" cy="0"/>
-          <a:chOff x="0" y="0"/>
-          <a:chExt cx="0" cy="0"/>
-        </a:xfrm>
-      </p:grpSpPr>
-      <p:sp>
-        <p:nvSpPr>
-          <p:cNvPr id="2" name="Title 1"/>
-          <p:cNvSpPr>
-            <a:spLocks noGrp="1"/>
-          </p:cNvSpPr>
-          <p:nvPr>
-            <p:ph type="title"/>
-          </p:nvPr>
-        </p:nvSpPr>
-        <p:spPr/>
-        <p:txBody>
-          <a:bodyPr/>
-          <a:lstStyle/>
-          <a:p>
-            <a:pPr algn="ctr"/>
-            <a:r>
-              <a:rPr lang="en-US" dirty="0" smtClean="0">
-                <a:latin typeface="Times New Roman" panose="02020603050405020304" pitchFamily="18" charset="0"/>
-                <a:cs typeface="Times New Roman" panose="02020603050405020304" pitchFamily="18" charset="0"/>
-              </a:rPr>
-              <a:t>Training the Model</a:t>
-            </a:r>
-            <a:endParaRPr lang="en-US" dirty="0"/>
-          </a:p>
-        </p:txBody>
-      </p:sp>
-      <p:sp>
-        <p:nvSpPr>
-          <p:cNvPr id="3" name="Content Placeholder 2"/>
-          <p:cNvSpPr>
-            <a:spLocks noGrp="1"/>
-          </p:cNvSpPr>
-          <p:nvPr>
-            <p:ph idx="1"/>
-          </p:nvPr>
-        </p:nvSpPr>
-        <p:spPr>
-          <a:xfrm>
-            <a:off x="650039" y="1437257"/>
-            <a:ext cx="8596668" cy="3880773"/>
-          </a:xfrm>
-        </p:spPr>
-        <p:txBody>
-          <a:bodyPr/>
-          <a:lstStyle/>
-          <a:p>
-            <a:endParaRPr lang="en-US" sz="2400" dirty="0" smtClean="0">
-              <a:solidFill>
-                <a:schemeClr val="tx1"/>
-              </a:solidFill>
-              <a:latin typeface="Times New Roman" panose="02020603050405020304" pitchFamily="18" charset="0"/>
-              <a:cs typeface="Times New Roman" panose="02020603050405020304" pitchFamily="18" charset="0"/>
-            </a:endParaRPr>
-          </a:p>
-          <a:p>
-            <a:endParaRPr lang="en-US" sz="2400" dirty="0" smtClean="0">
-              <a:solidFill>
-                <a:schemeClr val="tx1"/>
-              </a:solidFill>
-              <a:latin typeface="Times New Roman" panose="02020603050405020304" pitchFamily="18" charset="0"/>
-              <a:cs typeface="Times New Roman" panose="02020603050405020304" pitchFamily="18" charset="0"/>
-            </a:endParaRPr>
-          </a:p>
-          <a:p>
-            <a:endParaRPr lang="en-US" dirty="0" smtClean="0"/>
-          </a:p>
-          <a:p>
-            <a:endParaRPr lang="en-US" dirty="0"/>
-          </a:p>
-        </p:txBody>
-      </p:sp>
-      <p:pic>
-        <p:nvPicPr>
-          <p:cNvPr id="6" name="Picture 5"/>
-          <p:cNvPicPr>
-            <a:picLocks noChangeAspect="1"/>
-          </p:cNvPicPr>
-          <p:nvPr/>
-        </p:nvPicPr>
-        <p:blipFill>
-          <a:blip r:embed="rId2" cstate="print"/>
-          <a:stretch>
-            <a:fillRect/>
-          </a:stretch>
-        </p:blipFill>
-        <p:spPr>
-          <a:xfrm>
-            <a:off x="2375438" y="2202698"/>
-            <a:ext cx="5248275" cy="2647950"/>
-          </a:xfrm>
-          <a:prstGeom prst="rect">
-            <a:avLst/>
-          </a:prstGeom>
-        </p:spPr>
-      </p:pic>
-    </p:spTree>
-    <p:extLst>
-      <p:ext uri="{BB962C8B-B14F-4D97-AF65-F5344CB8AC3E}">
-        <p14:creationId xmlns:p14="http://schemas.microsoft.com/office/powerpoint/2010/main" xmlns="" val="3940786786"/>
-      </p:ext>
-    </p:extLst>
-  </p:cSld>
-  <p:clrMapOvr>
-    <a:masterClrMapping/>
-  </p:clrMapOvr>
-</p:sld>
-</file>
-
-<file path=ppt/slides/slide31.xml><?xml version="1.0" encoding="utf-8"?>
-<p:sld xmlns:a="http://schemas.openxmlformats.org/drawingml/2006/main" xmlns:r="http://schemas.openxmlformats.org/officeDocument/2006/relationships" xmlns:p="http://schemas.openxmlformats.org/presentationml/2006/main">
-  <p:cSld>
-    <p:spTree>
-      <p:nvGrpSpPr>
-        <p:cNvPr id="1" name=""/>
-        <p:cNvGrpSpPr/>
-        <p:nvPr/>
-      </p:nvGrpSpPr>
-      <p:grpSpPr>
-        <a:xfrm>
-          <a:off x="0" y="0"/>
-          <a:ext cx="0" cy="0"/>
-          <a:chOff x="0" y="0"/>
-          <a:chExt cx="0" cy="0"/>
-        </a:xfrm>
-      </p:grpSpPr>
-      <p:pic>
-        <p:nvPicPr>
-          <p:cNvPr id="4" name="Picture 3"/>
-          <p:cNvPicPr>
-            <a:picLocks noChangeAspect="1"/>
-          </p:cNvPicPr>
-          <p:nvPr/>
-        </p:nvPicPr>
-        <p:blipFill>
-          <a:blip r:embed="rId2" cstate="print"/>
-          <a:stretch>
-            <a:fillRect/>
-          </a:stretch>
-        </p:blipFill>
-        <p:spPr>
-          <a:xfrm>
-            <a:off x="1274298" y="1985572"/>
-            <a:ext cx="6979474" cy="3571875"/>
-          </a:xfrm>
-          <a:prstGeom prst="rect">
-            <a:avLst/>
-          </a:prstGeom>
-        </p:spPr>
-      </p:pic>
-    </p:spTree>
-    <p:extLst>
-      <p:ext uri="{BB962C8B-B14F-4D97-AF65-F5344CB8AC3E}">
-        <p14:creationId xmlns:p14="http://schemas.microsoft.com/office/powerpoint/2010/main" xmlns="" val="209273872"/>
-      </p:ext>
-    </p:extLst>
-  </p:cSld>
-  <p:clrMapOvr>
-    <a:masterClrMapping/>
-  </p:clrMapOvr>
-</p:sld>
-</file>
-
-<file path=ppt/slides/slide32.xml><?xml version="1.0" encoding="utf-8"?>
-<p:sld xmlns:a="http://schemas.openxmlformats.org/drawingml/2006/main" xmlns:r="http://schemas.openxmlformats.org/officeDocument/2006/relationships" xmlns:p="http://schemas.openxmlformats.org/presentationml/2006/main">
-  <p:cSld>
-    <p:spTree>
-      <p:nvGrpSpPr>
-        <p:cNvPr id="1" name=""/>
-        <p:cNvGrpSpPr/>
-        <p:nvPr/>
-      </p:nvGrpSpPr>
-      <p:grpSpPr>
-        <a:xfrm>
-          <a:off x="0" y="0"/>
-          <a:ext cx="0" cy="0"/>
-          <a:chOff x="0" y="0"/>
-          <a:chExt cx="0" cy="0"/>
-        </a:xfrm>
-      </p:grpSpPr>
-      <p:sp>
-        <p:nvSpPr>
-          <p:cNvPr id="2" name="Title 1"/>
-          <p:cNvSpPr>
-            <a:spLocks noGrp="1"/>
-          </p:cNvSpPr>
-          <p:nvPr>
-            <p:ph type="title"/>
-          </p:nvPr>
-        </p:nvSpPr>
-        <p:spPr/>
-        <p:txBody>
-          <a:bodyPr/>
-          <a:lstStyle/>
-          <a:p>
-            <a:pPr algn="ctr"/>
-            <a:r>
-              <a:rPr lang="en-US" dirty="0" smtClean="0">
-                <a:latin typeface="Times New Roman" panose="02020603050405020304" pitchFamily="18" charset="0"/>
-                <a:cs typeface="Times New Roman" panose="02020603050405020304" pitchFamily="18" charset="0"/>
-              </a:rPr>
-              <a:t>Custom Middleware</a:t>
-            </a:r>
-            <a:endParaRPr lang="en-US" dirty="0">
-              <a:latin typeface="Times New Roman" panose="02020603050405020304" pitchFamily="18" charset="0"/>
-              <a:cs typeface="Times New Roman" panose="02020603050405020304" pitchFamily="18" charset="0"/>
-            </a:endParaRPr>
-          </a:p>
-        </p:txBody>
-      </p:sp>
-      <p:sp>
-        <p:nvSpPr>
-          <p:cNvPr id="3" name="Content Placeholder 2"/>
-          <p:cNvSpPr>
-            <a:spLocks noGrp="1"/>
-          </p:cNvSpPr>
-          <p:nvPr>
-            <p:ph idx="1"/>
-          </p:nvPr>
-        </p:nvSpPr>
-        <p:spPr>
-          <a:xfrm>
-            <a:off x="677334" y="1930400"/>
-            <a:ext cx="8596668" cy="3880773"/>
-          </a:xfrm>
-        </p:spPr>
-        <p:txBody>
-          <a:bodyPr>
-            <a:noAutofit/>
-          </a:bodyPr>
-          <a:lstStyle/>
-          <a:p>
-            <a:r>
-              <a:rPr lang="en-US" sz="2400" dirty="0" smtClean="0">
-                <a:solidFill>
-                  <a:schemeClr val="tx1"/>
-                </a:solidFill>
-                <a:latin typeface="Times New Roman" panose="02020603050405020304" pitchFamily="18" charset="0"/>
-                <a:cs typeface="Times New Roman" panose="02020603050405020304" pitchFamily="18" charset="0"/>
-              </a:rPr>
-              <a:t>Initially we used wit.ai to identify the intents</a:t>
-            </a:r>
-          </a:p>
-          <a:p>
-            <a:endParaRPr lang="en-US" sz="2400" dirty="0" smtClean="0">
-              <a:solidFill>
-                <a:schemeClr val="tx1"/>
-              </a:solidFill>
-              <a:latin typeface="Times New Roman" panose="02020603050405020304" pitchFamily="18" charset="0"/>
-              <a:cs typeface="Times New Roman" panose="02020603050405020304" pitchFamily="18" charset="0"/>
-            </a:endParaRPr>
-          </a:p>
-          <a:p>
-            <a:r>
-              <a:rPr lang="en-US" sz="2400" dirty="0" smtClean="0">
-                <a:solidFill>
-                  <a:schemeClr val="tx1"/>
-                </a:solidFill>
-                <a:latin typeface="Times New Roman" panose="02020603050405020304" pitchFamily="18" charset="0"/>
-                <a:cs typeface="Times New Roman" panose="02020603050405020304" pitchFamily="18" charset="0"/>
-              </a:rPr>
-              <a:t>Here our model is predicting the intent</a:t>
-            </a:r>
-          </a:p>
-          <a:p>
-            <a:pPr marL="0" indent="0">
-              <a:buNone/>
-            </a:pPr>
-            <a:endParaRPr lang="en-US" sz="2400" dirty="0" smtClean="0">
-              <a:solidFill>
-                <a:schemeClr val="tx1"/>
-              </a:solidFill>
-              <a:latin typeface="Times New Roman" panose="02020603050405020304" pitchFamily="18" charset="0"/>
-              <a:cs typeface="Times New Roman" panose="02020603050405020304" pitchFamily="18" charset="0"/>
-            </a:endParaRPr>
-          </a:p>
-          <a:p>
-            <a:r>
-              <a:rPr lang="en-US" sz="2400" dirty="0" smtClean="0">
-                <a:solidFill>
-                  <a:schemeClr val="tx1"/>
-                </a:solidFill>
-                <a:latin typeface="Times New Roman" panose="02020603050405020304" pitchFamily="18" charset="0"/>
-                <a:cs typeface="Times New Roman" panose="02020603050405020304" pitchFamily="18" charset="0"/>
-              </a:rPr>
-              <a:t>Create a custom middleware to communicate </a:t>
-            </a:r>
-            <a:r>
-              <a:rPr lang="en-US" sz="2400" dirty="0" smtClean="0">
-                <a:solidFill>
-                  <a:schemeClr val="tx1"/>
-                </a:solidFill>
-                <a:latin typeface="Times New Roman" panose="02020603050405020304" pitchFamily="18" charset="0"/>
-                <a:cs typeface="Times New Roman" panose="02020603050405020304" pitchFamily="18" charset="0"/>
-              </a:rPr>
-              <a:t>with</a:t>
-            </a:r>
-            <a:r>
-              <a:rPr lang="en-US" sz="2400" dirty="0" smtClean="0">
-                <a:solidFill>
-                  <a:schemeClr val="tx1"/>
-                </a:solidFill>
-                <a:latin typeface="Times New Roman" panose="02020603050405020304" pitchFamily="18" charset="0"/>
-                <a:cs typeface="Times New Roman" panose="02020603050405020304" pitchFamily="18" charset="0"/>
-              </a:rPr>
-              <a:t> </a:t>
-            </a:r>
-            <a:r>
-              <a:rPr lang="en-US" sz="2400" dirty="0" smtClean="0">
-                <a:solidFill>
-                  <a:schemeClr val="tx1"/>
-                </a:solidFill>
-                <a:latin typeface="Times New Roman" panose="02020603050405020304" pitchFamily="18" charset="0"/>
-                <a:cs typeface="Times New Roman" panose="02020603050405020304" pitchFamily="18" charset="0"/>
-              </a:rPr>
-              <a:t>our python code</a:t>
-            </a:r>
-          </a:p>
-        </p:txBody>
-      </p:sp>
-    </p:spTree>
-    <p:extLst>
-      <p:ext uri="{BB962C8B-B14F-4D97-AF65-F5344CB8AC3E}">
-        <p14:creationId xmlns:p14="http://schemas.microsoft.com/office/powerpoint/2010/main" xmlns="" val="870096867"/>
-      </p:ext>
-    </p:extLst>
-  </p:cSld>
-  <p:clrMapOvr>
-    <a:masterClrMapping/>
-  </p:clrMapOvr>
-</p:sld>
-</file>
-
-<file path=ppt/slides/slide33.xml><?xml version="1.0" encoding="utf-8"?>
-<p:sld xmlns:a="http://schemas.openxmlformats.org/drawingml/2006/main" xmlns:r="http://schemas.openxmlformats.org/officeDocument/2006/relationships" xmlns:p="http://schemas.openxmlformats.org/presentationml/2006/main">
-  <p:cSld>
-    <p:spTree>
-      <p:nvGrpSpPr>
-        <p:cNvPr id="1" name=""/>
-        <p:cNvGrpSpPr/>
-        <p:nvPr/>
-      </p:nvGrpSpPr>
-      <p:grpSpPr>
-        <a:xfrm>
-          <a:off x="0" y="0"/>
-          <a:ext cx="0" cy="0"/>
-          <a:chOff x="0" y="0"/>
-          <a:chExt cx="0" cy="0"/>
-        </a:xfrm>
-      </p:grpSpPr>
-      <p:sp>
-        <p:nvSpPr>
-          <p:cNvPr id="2" name="Title 1"/>
-          <p:cNvSpPr>
-            <a:spLocks noGrp="1"/>
-          </p:cNvSpPr>
-          <p:nvPr>
-            <p:ph type="title"/>
-          </p:nvPr>
-        </p:nvSpPr>
-        <p:spPr>
-          <a:xfrm>
-            <a:off x="664029" y="609600"/>
-            <a:ext cx="8609973" cy="892629"/>
-          </a:xfrm>
-        </p:spPr>
-        <p:txBody>
-          <a:bodyPr/>
-          <a:lstStyle/>
-          <a:p>
-            <a:pPr algn="ctr"/>
-            <a:r>
-              <a:rPr lang="en-US" dirty="0" smtClean="0">
-                <a:latin typeface="Times New Roman" panose="02020603050405020304" pitchFamily="18" charset="0"/>
-                <a:cs typeface="Times New Roman" panose="02020603050405020304" pitchFamily="18" charset="0"/>
-              </a:rPr>
-              <a:t>Middleware Implementation</a:t>
-            </a:r>
-            <a:endParaRPr lang="en-US" dirty="0">
-              <a:latin typeface="Times New Roman" panose="02020603050405020304" pitchFamily="18" charset="0"/>
-              <a:cs typeface="Times New Roman" panose="02020603050405020304" pitchFamily="18" charset="0"/>
-            </a:endParaRPr>
-          </a:p>
-        </p:txBody>
-      </p:sp>
-      <p:pic>
-        <p:nvPicPr>
-          <p:cNvPr id="4" name="Content Placeholder 3"/>
-          <p:cNvPicPr>
-            <a:picLocks noGrp="1" noChangeAspect="1"/>
-          </p:cNvPicPr>
-          <p:nvPr>
-            <p:ph idx="1"/>
-          </p:nvPr>
-        </p:nvPicPr>
-        <p:blipFill>
-          <a:blip r:embed="rId2" cstate="print"/>
-          <a:stretch>
-            <a:fillRect/>
-          </a:stretch>
-        </p:blipFill>
-        <p:spPr>
-          <a:xfrm>
-            <a:off x="1280037" y="2512668"/>
+            <a:off x="1389220" y="3085874"/>
             <a:ext cx="7172895" cy="3881437"/>
           </a:xfrm>
           <a:prstGeom prst="rect">
@@ -13751,9 +11589,6 @@
               <a:buNone/>
             </a:pPr>
             <a:endParaRPr lang="en-US" sz="2400" dirty="0" smtClean="0">
-              <a:solidFill>
-                <a:schemeClr val="tx1"/>
-              </a:solidFill>
               <a:latin typeface="Times New Roman" panose="02020603050405020304" pitchFamily="18" charset="0"/>
               <a:cs typeface="Times New Roman" panose="02020603050405020304" pitchFamily="18" charset="0"/>
             </a:endParaRPr>
@@ -13761,21 +11596,983 @@
           <a:p>
             <a:r>
               <a:rPr lang="en-US" sz="2400" dirty="0" smtClean="0">
-                <a:solidFill>
-                  <a:schemeClr val="tx1"/>
-                </a:solidFill>
                 <a:latin typeface="Times New Roman" panose="02020603050405020304" pitchFamily="18" charset="0"/>
                 <a:cs typeface="Times New Roman" panose="02020603050405020304" pitchFamily="18" charset="0"/>
               </a:rPr>
               <a:t>Capture the intent</a:t>
             </a:r>
+            <a:endParaRPr lang="en-US" sz="2400" dirty="0" smtClean="0">
+              <a:latin typeface="Times New Roman" panose="02020603050405020304" pitchFamily="18" charset="0"/>
+              <a:cs typeface="Times New Roman" panose="02020603050405020304" pitchFamily="18" charset="0"/>
+            </a:endParaRPr>
           </a:p>
         </p:txBody>
       </p:sp>
     </p:spTree>
     <p:extLst>
       <p:ext uri="{BB962C8B-B14F-4D97-AF65-F5344CB8AC3E}">
-        <p14:creationId xmlns:p14="http://schemas.microsoft.com/office/powerpoint/2010/main" xmlns="" val="3514598448"/>
+        <p14:creationId xmlns:p14="http://schemas.microsoft.com/office/powerpoint/2010/main" val="3514598448"/>
+      </p:ext>
+    </p:extLst>
+  </p:cSld>
+  <p:clrMapOvr>
+    <a:masterClrMapping/>
+  </p:clrMapOvr>
+</p:sld>
+</file>
+
+<file path=ppt/slides/slide28.xml><?xml version="1.0" encoding="utf-8"?>
+<p:sld xmlns:a="http://schemas.openxmlformats.org/drawingml/2006/main" xmlns:r="http://schemas.openxmlformats.org/officeDocument/2006/relationships" xmlns:p="http://schemas.openxmlformats.org/presentationml/2006/main">
+  <p:cSld>
+    <p:spTree>
+      <p:nvGrpSpPr>
+        <p:cNvPr id="1" name=""/>
+        <p:cNvGrpSpPr/>
+        <p:nvPr/>
+      </p:nvGrpSpPr>
+      <p:grpSpPr>
+        <a:xfrm>
+          <a:off x="0" y="0"/>
+          <a:ext cx="0" cy="0"/>
+          <a:chOff x="0" y="0"/>
+          <a:chExt cx="0" cy="0"/>
+        </a:xfrm>
+      </p:grpSpPr>
+      <p:sp>
+        <p:nvSpPr>
+          <p:cNvPr id="2" name="Title 1"/>
+          <p:cNvSpPr>
+            <a:spLocks noGrp="1"/>
+          </p:cNvSpPr>
+          <p:nvPr>
+            <p:ph type="title"/>
+          </p:nvPr>
+        </p:nvSpPr>
+        <p:spPr/>
+        <p:txBody>
+          <a:bodyPr/>
+          <a:lstStyle/>
+          <a:p>
+            <a:pPr algn="ctr"/>
+            <a:r>
+              <a:rPr lang="en-US" dirty="0">
+                <a:latin typeface="Times New Roman" panose="02020603050405020304" pitchFamily="18" charset="0"/>
+                <a:cs typeface="Times New Roman" panose="02020603050405020304" pitchFamily="18" charset="0"/>
+              </a:rPr>
+              <a:t>Middleware Implementation</a:t>
+            </a:r>
+            <a:endParaRPr lang="en-US" dirty="0">
+              <a:latin typeface="Times New Roman" panose="02020603050405020304" pitchFamily="18" charset="0"/>
+              <a:cs typeface="Times New Roman" panose="02020603050405020304" pitchFamily="18" charset="0"/>
+            </a:endParaRPr>
+          </a:p>
+        </p:txBody>
+      </p:sp>
+      <p:sp>
+        <p:nvSpPr>
+          <p:cNvPr id="4" name="Content Placeholder 3"/>
+          <p:cNvSpPr>
+            <a:spLocks noGrp="1"/>
+          </p:cNvSpPr>
+          <p:nvPr>
+            <p:ph idx="1"/>
+          </p:nvPr>
+        </p:nvSpPr>
+        <p:spPr/>
+        <p:txBody>
+          <a:bodyPr/>
+          <a:lstStyle/>
+          <a:p>
+            <a:endParaRPr lang="en-US"/>
+          </a:p>
+        </p:txBody>
+      </p:sp>
+      <p:pic>
+        <p:nvPicPr>
+          <p:cNvPr id="5" name="Picture 4"/>
+          <p:cNvPicPr>
+            <a:picLocks noChangeAspect="1"/>
+          </p:cNvPicPr>
+          <p:nvPr/>
+        </p:nvPicPr>
+        <p:blipFill>
+          <a:blip r:embed="rId2"/>
+          <a:stretch>
+            <a:fillRect/>
+          </a:stretch>
+        </p:blipFill>
+        <p:spPr>
+          <a:xfrm>
+            <a:off x="991279" y="2498062"/>
+            <a:ext cx="7705725" cy="3543300"/>
+          </a:xfrm>
+          <a:prstGeom prst="rect">
+            <a:avLst/>
+          </a:prstGeom>
+        </p:spPr>
+      </p:pic>
+    </p:spTree>
+    <p:extLst>
+      <p:ext uri="{BB962C8B-B14F-4D97-AF65-F5344CB8AC3E}">
+        <p14:creationId xmlns:p14="http://schemas.microsoft.com/office/powerpoint/2010/main" val="2749088597"/>
+      </p:ext>
+    </p:extLst>
+  </p:cSld>
+  <p:clrMapOvr>
+    <a:masterClrMapping/>
+  </p:clrMapOvr>
+</p:sld>
+</file>
+
+<file path=ppt/slides/slide29.xml><?xml version="1.0" encoding="utf-8"?>
+<p:sld xmlns:a="http://schemas.openxmlformats.org/drawingml/2006/main" xmlns:r="http://schemas.openxmlformats.org/officeDocument/2006/relationships" xmlns:p="http://schemas.openxmlformats.org/presentationml/2006/main">
+  <p:cSld>
+    <p:spTree>
+      <p:nvGrpSpPr>
+        <p:cNvPr id="1" name=""/>
+        <p:cNvGrpSpPr/>
+        <p:nvPr/>
+      </p:nvGrpSpPr>
+      <p:grpSpPr>
+        <a:xfrm>
+          <a:off x="0" y="0"/>
+          <a:ext cx="0" cy="0"/>
+          <a:chOff x="0" y="0"/>
+          <a:chExt cx="0" cy="0"/>
+        </a:xfrm>
+      </p:grpSpPr>
+      <p:sp>
+        <p:nvSpPr>
+          <p:cNvPr id="2" name="Title 1"/>
+          <p:cNvSpPr>
+            <a:spLocks noGrp="1"/>
+          </p:cNvSpPr>
+          <p:nvPr>
+            <p:ph type="title"/>
+          </p:nvPr>
+        </p:nvSpPr>
+        <p:spPr/>
+        <p:txBody>
+          <a:bodyPr/>
+          <a:lstStyle/>
+          <a:p>
+            <a:pPr algn="ctr"/>
+            <a:r>
+              <a:rPr lang="en-US" dirty="0" smtClean="0">
+                <a:latin typeface="Times New Roman" panose="02020603050405020304" pitchFamily="18" charset="0"/>
+                <a:cs typeface="Times New Roman" panose="02020603050405020304" pitchFamily="18" charset="0"/>
+              </a:rPr>
+              <a:t>Middleware Implementation</a:t>
+            </a:r>
+            <a:endParaRPr lang="en-US" dirty="0">
+              <a:latin typeface="Times New Roman" panose="02020603050405020304" pitchFamily="18" charset="0"/>
+              <a:cs typeface="Times New Roman" panose="02020603050405020304" pitchFamily="18" charset="0"/>
+            </a:endParaRPr>
+          </a:p>
+        </p:txBody>
+      </p:sp>
+      <p:sp>
+        <p:nvSpPr>
+          <p:cNvPr id="4" name="Content Placeholder 3"/>
+          <p:cNvSpPr>
+            <a:spLocks noGrp="1"/>
+          </p:cNvSpPr>
+          <p:nvPr>
+            <p:ph idx="1"/>
+          </p:nvPr>
+        </p:nvSpPr>
+        <p:spPr/>
+        <p:txBody>
+          <a:bodyPr/>
+          <a:lstStyle/>
+          <a:p>
+            <a:r>
+              <a:rPr lang="en-US" dirty="0" smtClean="0">
+                <a:latin typeface="Times New Roman" panose="02020603050405020304" pitchFamily="18" charset="0"/>
+                <a:cs typeface="Times New Roman" panose="02020603050405020304" pitchFamily="18" charset="0"/>
+              </a:rPr>
+              <a:t>URL is the end-point for the REST API</a:t>
+            </a:r>
+            <a:endParaRPr lang="en-US" dirty="0">
+              <a:latin typeface="Times New Roman" panose="02020603050405020304" pitchFamily="18" charset="0"/>
+              <a:cs typeface="Times New Roman" panose="02020603050405020304" pitchFamily="18" charset="0"/>
+            </a:endParaRPr>
+          </a:p>
+        </p:txBody>
+      </p:sp>
+      <p:pic>
+        <p:nvPicPr>
+          <p:cNvPr id="3" name="Picture 2"/>
+          <p:cNvPicPr>
+            <a:picLocks noChangeAspect="1"/>
+          </p:cNvPicPr>
+          <p:nvPr/>
+        </p:nvPicPr>
+        <p:blipFill>
+          <a:blip r:embed="rId2"/>
+          <a:stretch>
+            <a:fillRect/>
+          </a:stretch>
+        </p:blipFill>
+        <p:spPr>
+          <a:xfrm>
+            <a:off x="1019175" y="2643868"/>
+            <a:ext cx="7105650" cy="3082018"/>
+          </a:xfrm>
+          <a:prstGeom prst="rect">
+            <a:avLst/>
+          </a:prstGeom>
+        </p:spPr>
+      </p:pic>
+    </p:spTree>
+    <p:extLst>
+      <p:ext uri="{BB962C8B-B14F-4D97-AF65-F5344CB8AC3E}">
+        <p14:creationId xmlns:p14="http://schemas.microsoft.com/office/powerpoint/2010/main" val="3268576879"/>
+      </p:ext>
+    </p:extLst>
+  </p:cSld>
+  <p:clrMapOvr>
+    <a:masterClrMapping/>
+  </p:clrMapOvr>
+</p:sld>
+</file>
+
+<file path=ppt/slides/slide3.xml><?xml version="1.0" encoding="utf-8"?>
+<p:sld xmlns:a="http://schemas.openxmlformats.org/drawingml/2006/main" xmlns:r="http://schemas.openxmlformats.org/officeDocument/2006/relationships" xmlns:p="http://schemas.openxmlformats.org/presentationml/2006/main">
+  <p:cSld>
+    <p:spTree>
+      <p:nvGrpSpPr>
+        <p:cNvPr id="1" name=""/>
+        <p:cNvGrpSpPr/>
+        <p:nvPr/>
+      </p:nvGrpSpPr>
+      <p:grpSpPr>
+        <a:xfrm>
+          <a:off x="0" y="0"/>
+          <a:ext cx="0" cy="0"/>
+          <a:chOff x="0" y="0"/>
+          <a:chExt cx="0" cy="0"/>
+        </a:xfrm>
+      </p:grpSpPr>
+      <p:sp>
+        <p:nvSpPr>
+          <p:cNvPr id="2" name="Title 1"/>
+          <p:cNvSpPr>
+            <a:spLocks noGrp="1"/>
+          </p:cNvSpPr>
+          <p:nvPr>
+            <p:ph type="title"/>
+          </p:nvPr>
+        </p:nvSpPr>
+        <p:spPr/>
+        <p:txBody>
+          <a:bodyPr/>
+          <a:lstStyle/>
+          <a:p>
+            <a:pPr algn="ctr"/>
+            <a:r>
+              <a:rPr lang="en-US" dirty="0" smtClean="0">
+                <a:latin typeface="Times New Roman" panose="02020603050405020304" pitchFamily="18" charset="0"/>
+                <a:cs typeface="Times New Roman" panose="02020603050405020304" pitchFamily="18" charset="0"/>
+              </a:rPr>
+              <a:t>Problem Statement</a:t>
+            </a:r>
+            <a:endParaRPr lang="en-US" dirty="0">
+              <a:latin typeface="Times New Roman" panose="02020603050405020304" pitchFamily="18" charset="0"/>
+              <a:cs typeface="Times New Roman" panose="02020603050405020304" pitchFamily="18" charset="0"/>
+            </a:endParaRPr>
+          </a:p>
+        </p:txBody>
+      </p:sp>
+      <p:sp>
+        <p:nvSpPr>
+          <p:cNvPr id="3" name="Content Placeholder 2"/>
+          <p:cNvSpPr>
+            <a:spLocks noGrp="1"/>
+          </p:cNvSpPr>
+          <p:nvPr>
+            <p:ph idx="1"/>
+          </p:nvPr>
+        </p:nvSpPr>
+        <p:spPr/>
+        <p:txBody>
+          <a:bodyPr>
+            <a:normAutofit/>
+          </a:bodyPr>
+          <a:lstStyle/>
+          <a:p>
+            <a:r>
+              <a:rPr lang="en-US" sz="2400" dirty="0" smtClean="0">
+                <a:latin typeface="Times New Roman" panose="02020603050405020304" pitchFamily="18" charset="0"/>
+                <a:cs typeface="Times New Roman" panose="02020603050405020304" pitchFamily="18" charset="0"/>
+              </a:rPr>
+              <a:t>The main task is that, given a question, we need to map it accurately to one of the </a:t>
+            </a:r>
+            <a:r>
+              <a:rPr lang="en-US" sz="2400" i="1" dirty="0" smtClean="0">
+                <a:latin typeface="Times New Roman" panose="02020603050405020304" pitchFamily="18" charset="0"/>
+                <a:cs typeface="Times New Roman" panose="02020603050405020304" pitchFamily="18" charset="0"/>
+              </a:rPr>
+              <a:t>k</a:t>
+            </a:r>
+            <a:r>
+              <a:rPr lang="en-US" sz="2400" dirty="0" smtClean="0">
+                <a:latin typeface="Times New Roman" panose="02020603050405020304" pitchFamily="18" charset="0"/>
+                <a:cs typeface="Times New Roman" panose="02020603050405020304" pitchFamily="18" charset="0"/>
+              </a:rPr>
+              <a:t> semantic classes</a:t>
+            </a:r>
+          </a:p>
+          <a:p>
+            <a:pPr marL="0" indent="0">
+              <a:buNone/>
+            </a:pPr>
+            <a:endParaRPr lang="en-US" sz="2400" dirty="0" smtClean="0">
+              <a:latin typeface="Times New Roman" panose="02020603050405020304" pitchFamily="18" charset="0"/>
+              <a:cs typeface="Times New Roman" panose="02020603050405020304" pitchFamily="18" charset="0"/>
+            </a:endParaRPr>
+          </a:p>
+          <a:p>
+            <a:r>
+              <a:rPr lang="en-US" sz="2400" dirty="0" smtClean="0">
+                <a:latin typeface="Times New Roman" panose="02020603050405020304" pitchFamily="18" charset="0"/>
+                <a:cs typeface="Times New Roman" panose="02020603050405020304" pitchFamily="18" charset="0"/>
+              </a:rPr>
+              <a:t>Example, “</a:t>
+            </a:r>
+            <a:r>
+              <a:rPr lang="en-US" sz="2400" i="1" dirty="0" smtClean="0">
+                <a:latin typeface="Times New Roman" panose="02020603050405020304" pitchFamily="18" charset="0"/>
+                <a:cs typeface="Times New Roman" panose="02020603050405020304" pitchFamily="18" charset="0"/>
+              </a:rPr>
+              <a:t>Who </a:t>
+            </a:r>
+            <a:r>
+              <a:rPr lang="en-US" sz="2400" i="1" dirty="0">
+                <a:latin typeface="Times New Roman" panose="02020603050405020304" pitchFamily="18" charset="0"/>
+                <a:cs typeface="Times New Roman" panose="02020603050405020304" pitchFamily="18" charset="0"/>
+              </a:rPr>
+              <a:t>was the first woman killed in the </a:t>
+            </a:r>
+            <a:r>
+              <a:rPr lang="en-US" sz="2400" i="1" dirty="0" smtClean="0">
+                <a:latin typeface="Times New Roman" panose="02020603050405020304" pitchFamily="18" charset="0"/>
+                <a:cs typeface="Times New Roman" panose="02020603050405020304" pitchFamily="18" charset="0"/>
+              </a:rPr>
+              <a:t>Vietnam</a:t>
+            </a:r>
+            <a:r>
+              <a:rPr lang="en-US" sz="2400" dirty="0">
+                <a:latin typeface="Times New Roman" panose="02020603050405020304" pitchFamily="18" charset="0"/>
+                <a:cs typeface="Times New Roman" panose="02020603050405020304" pitchFamily="18" charset="0"/>
+              </a:rPr>
+              <a:t> </a:t>
+            </a:r>
+            <a:r>
+              <a:rPr lang="en-US" sz="2400" dirty="0" smtClean="0">
+                <a:latin typeface="Times New Roman" panose="02020603050405020304" pitchFamily="18" charset="0"/>
+                <a:cs typeface="Times New Roman" panose="02020603050405020304" pitchFamily="18" charset="0"/>
+              </a:rPr>
+              <a:t>War?”</a:t>
+            </a:r>
+          </a:p>
+          <a:p>
+            <a:endParaRPr lang="en-US" sz="2400" dirty="0">
+              <a:latin typeface="Times New Roman" panose="02020603050405020304" pitchFamily="18" charset="0"/>
+              <a:cs typeface="Times New Roman" panose="02020603050405020304" pitchFamily="18" charset="0"/>
+            </a:endParaRPr>
+          </a:p>
+          <a:p>
+            <a:r>
+              <a:rPr lang="en-US" sz="2400" dirty="0" smtClean="0">
+                <a:latin typeface="Times New Roman" panose="02020603050405020304" pitchFamily="18" charset="0"/>
+                <a:cs typeface="Times New Roman" panose="02020603050405020304" pitchFamily="18" charset="0"/>
+              </a:rPr>
+              <a:t>The above </a:t>
+            </a:r>
+            <a:r>
+              <a:rPr lang="en-US" sz="2400" dirty="0">
+                <a:latin typeface="Times New Roman" panose="02020603050405020304" pitchFamily="18" charset="0"/>
+                <a:cs typeface="Times New Roman" panose="02020603050405020304" pitchFamily="18" charset="0"/>
+              </a:rPr>
+              <a:t>target of this question is a </a:t>
+            </a:r>
+            <a:r>
+              <a:rPr lang="en-US" sz="2400" b="1" dirty="0" smtClean="0">
+                <a:latin typeface="Times New Roman" panose="02020603050405020304" pitchFamily="18" charset="0"/>
+                <a:cs typeface="Times New Roman" panose="02020603050405020304" pitchFamily="18" charset="0"/>
+              </a:rPr>
+              <a:t>human</a:t>
+            </a:r>
+            <a:r>
+              <a:rPr lang="en-US" sz="2400" dirty="0" smtClean="0">
+                <a:latin typeface="Times New Roman" panose="02020603050405020304" pitchFamily="18" charset="0"/>
+                <a:cs typeface="Times New Roman" panose="02020603050405020304" pitchFamily="18" charset="0"/>
+              </a:rPr>
+              <a:t>, </a:t>
+            </a:r>
+            <a:r>
+              <a:rPr lang="en-US" sz="2400" dirty="0">
+                <a:latin typeface="Times New Roman" panose="02020603050405020304" pitchFamily="18" charset="0"/>
+                <a:cs typeface="Times New Roman" panose="02020603050405020304" pitchFamily="18" charset="0"/>
+              </a:rPr>
+              <a:t>thereby </a:t>
+            </a:r>
+            <a:r>
+              <a:rPr lang="en-US" sz="2400" dirty="0" smtClean="0">
+                <a:latin typeface="Times New Roman" panose="02020603050405020304" pitchFamily="18" charset="0"/>
+                <a:cs typeface="Times New Roman" panose="02020603050405020304" pitchFamily="18" charset="0"/>
+              </a:rPr>
+              <a:t>reducing the </a:t>
+            </a:r>
+            <a:r>
+              <a:rPr lang="en-US" sz="2400" dirty="0">
+                <a:latin typeface="Times New Roman" panose="02020603050405020304" pitchFamily="18" charset="0"/>
+                <a:cs typeface="Times New Roman" panose="02020603050405020304" pitchFamily="18" charset="0"/>
+              </a:rPr>
+              <a:t>space of possible answers </a:t>
+            </a:r>
+            <a:r>
+              <a:rPr lang="en-US" sz="2400" dirty="0" smtClean="0">
+                <a:latin typeface="Times New Roman" panose="02020603050405020304" pitchFamily="18" charset="0"/>
+                <a:cs typeface="Times New Roman" panose="02020603050405020304" pitchFamily="18" charset="0"/>
+              </a:rPr>
+              <a:t>significantly</a:t>
+            </a:r>
+            <a:endParaRPr lang="en-US" sz="2400" dirty="0">
+              <a:latin typeface="Times New Roman" panose="02020603050405020304" pitchFamily="18" charset="0"/>
+              <a:cs typeface="Times New Roman" panose="02020603050405020304" pitchFamily="18" charset="0"/>
+            </a:endParaRPr>
+          </a:p>
+        </p:txBody>
+      </p:sp>
+    </p:spTree>
+    <p:extLst>
+      <p:ext uri="{BB962C8B-B14F-4D97-AF65-F5344CB8AC3E}">
+        <p14:creationId xmlns:p14="http://schemas.microsoft.com/office/powerpoint/2010/main" val="3933540326"/>
+      </p:ext>
+    </p:extLst>
+  </p:cSld>
+  <p:clrMapOvr>
+    <a:masterClrMapping/>
+  </p:clrMapOvr>
+</p:sld>
+</file>
+
+<file path=ppt/slides/slide30.xml><?xml version="1.0" encoding="utf-8"?>
+<p:sld xmlns:a="http://schemas.openxmlformats.org/drawingml/2006/main" xmlns:r="http://schemas.openxmlformats.org/officeDocument/2006/relationships" xmlns:p="http://schemas.openxmlformats.org/presentationml/2006/main">
+  <p:cSld>
+    <p:spTree>
+      <p:nvGrpSpPr>
+        <p:cNvPr id="1" name=""/>
+        <p:cNvGrpSpPr/>
+        <p:nvPr/>
+      </p:nvGrpSpPr>
+      <p:grpSpPr>
+        <a:xfrm>
+          <a:off x="0" y="0"/>
+          <a:ext cx="0" cy="0"/>
+          <a:chOff x="0" y="0"/>
+          <a:chExt cx="0" cy="0"/>
+        </a:xfrm>
+      </p:grpSpPr>
+      <p:sp>
+        <p:nvSpPr>
+          <p:cNvPr id="2" name="Title 1"/>
+          <p:cNvSpPr>
+            <a:spLocks noGrp="1"/>
+          </p:cNvSpPr>
+          <p:nvPr>
+            <p:ph type="title"/>
+          </p:nvPr>
+        </p:nvSpPr>
+        <p:spPr/>
+        <p:txBody>
+          <a:bodyPr/>
+          <a:lstStyle/>
+          <a:p>
+            <a:pPr algn="ctr"/>
+            <a:r>
+              <a:rPr lang="en-US" dirty="0" smtClean="0">
+                <a:latin typeface="Times New Roman" panose="02020603050405020304" pitchFamily="18" charset="0"/>
+                <a:cs typeface="Times New Roman" panose="02020603050405020304" pitchFamily="18" charset="0"/>
+              </a:rPr>
+              <a:t>REST API  Using Flask</a:t>
+            </a:r>
+            <a:endParaRPr lang="en-US" dirty="0">
+              <a:latin typeface="Times New Roman" panose="02020603050405020304" pitchFamily="18" charset="0"/>
+              <a:cs typeface="Times New Roman" panose="02020603050405020304" pitchFamily="18" charset="0"/>
+            </a:endParaRPr>
+          </a:p>
+        </p:txBody>
+      </p:sp>
+      <p:sp>
+        <p:nvSpPr>
+          <p:cNvPr id="3" name="Content Placeholder 2"/>
+          <p:cNvSpPr>
+            <a:spLocks noGrp="1"/>
+          </p:cNvSpPr>
+          <p:nvPr>
+            <p:ph idx="1"/>
+          </p:nvPr>
+        </p:nvSpPr>
+        <p:spPr>
+          <a:xfrm>
+            <a:off x="677334" y="1268170"/>
+            <a:ext cx="8596668" cy="3880773"/>
+          </a:xfrm>
+        </p:spPr>
+        <p:txBody>
+          <a:bodyPr>
+            <a:noAutofit/>
+          </a:bodyPr>
+          <a:lstStyle/>
+          <a:p>
+            <a:r>
+              <a:rPr lang="en-US" sz="2400" dirty="0" smtClean="0">
+                <a:latin typeface="Times New Roman" panose="02020603050405020304" pitchFamily="18" charset="0"/>
+                <a:cs typeface="Times New Roman" panose="02020603050405020304" pitchFamily="18" charset="0"/>
+              </a:rPr>
+              <a:t>Use python flask to convert our code as rest service</a:t>
+            </a:r>
+          </a:p>
+          <a:p>
+            <a:endParaRPr lang="en-US" sz="2400" dirty="0">
+              <a:latin typeface="Times New Roman" panose="02020603050405020304" pitchFamily="18" charset="0"/>
+              <a:cs typeface="Times New Roman" panose="02020603050405020304" pitchFamily="18" charset="0"/>
+            </a:endParaRPr>
+          </a:p>
+          <a:p>
+            <a:endParaRPr lang="en-US" sz="2400" dirty="0" smtClean="0">
+              <a:latin typeface="Times New Roman" panose="02020603050405020304" pitchFamily="18" charset="0"/>
+              <a:cs typeface="Times New Roman" panose="02020603050405020304" pitchFamily="18" charset="0"/>
+            </a:endParaRPr>
+          </a:p>
+        </p:txBody>
+      </p:sp>
+      <p:pic>
+        <p:nvPicPr>
+          <p:cNvPr id="4" name="Picture 3"/>
+          <p:cNvPicPr>
+            <a:picLocks noChangeAspect="1"/>
+          </p:cNvPicPr>
+          <p:nvPr/>
+        </p:nvPicPr>
+        <p:blipFill>
+          <a:blip r:embed="rId2"/>
+          <a:stretch>
+            <a:fillRect/>
+          </a:stretch>
+        </p:blipFill>
+        <p:spPr>
+          <a:xfrm>
+            <a:off x="2148691" y="1930400"/>
+            <a:ext cx="5458011" cy="4531179"/>
+          </a:xfrm>
+          <a:prstGeom prst="rect">
+            <a:avLst/>
+          </a:prstGeom>
+        </p:spPr>
+      </p:pic>
+    </p:spTree>
+    <p:extLst>
+      <p:ext uri="{BB962C8B-B14F-4D97-AF65-F5344CB8AC3E}">
+        <p14:creationId xmlns:p14="http://schemas.microsoft.com/office/powerpoint/2010/main" val="4285305900"/>
+      </p:ext>
+    </p:extLst>
+  </p:cSld>
+  <p:clrMapOvr>
+    <a:masterClrMapping/>
+  </p:clrMapOvr>
+</p:sld>
+</file>
+
+<file path=ppt/slides/slide31.xml><?xml version="1.0" encoding="utf-8"?>
+<p:sld xmlns:a="http://schemas.openxmlformats.org/drawingml/2006/main" xmlns:r="http://schemas.openxmlformats.org/officeDocument/2006/relationships" xmlns:p="http://schemas.openxmlformats.org/presentationml/2006/main">
+  <p:cSld>
+    <p:spTree>
+      <p:nvGrpSpPr>
+        <p:cNvPr id="1" name=""/>
+        <p:cNvGrpSpPr/>
+        <p:nvPr/>
+      </p:nvGrpSpPr>
+      <p:grpSpPr>
+        <a:xfrm>
+          <a:off x="0" y="0"/>
+          <a:ext cx="0" cy="0"/>
+          <a:chOff x="0" y="0"/>
+          <a:chExt cx="0" cy="0"/>
+        </a:xfrm>
+      </p:grpSpPr>
+      <p:sp>
+        <p:nvSpPr>
+          <p:cNvPr id="2" name="Title 1"/>
+          <p:cNvSpPr>
+            <a:spLocks noGrp="1"/>
+          </p:cNvSpPr>
+          <p:nvPr>
+            <p:ph type="title"/>
+          </p:nvPr>
+        </p:nvSpPr>
+        <p:spPr/>
+        <p:txBody>
+          <a:bodyPr/>
+          <a:lstStyle/>
+          <a:p>
+            <a:pPr algn="ctr"/>
+            <a:r>
+              <a:rPr lang="en-US" dirty="0" smtClean="0">
+                <a:latin typeface="Times New Roman" panose="02020603050405020304" pitchFamily="18" charset="0"/>
+                <a:cs typeface="Times New Roman" panose="02020603050405020304" pitchFamily="18" charset="0"/>
+              </a:rPr>
+              <a:t>REST API  Using Flask</a:t>
+            </a:r>
+            <a:endParaRPr lang="en-US" dirty="0">
+              <a:latin typeface="Times New Roman" panose="02020603050405020304" pitchFamily="18" charset="0"/>
+              <a:cs typeface="Times New Roman" panose="02020603050405020304" pitchFamily="18" charset="0"/>
+            </a:endParaRPr>
+          </a:p>
+        </p:txBody>
+      </p:sp>
+      <p:sp>
+        <p:nvSpPr>
+          <p:cNvPr id="3" name="Content Placeholder 2"/>
+          <p:cNvSpPr>
+            <a:spLocks noGrp="1"/>
+          </p:cNvSpPr>
+          <p:nvPr>
+            <p:ph idx="1"/>
+          </p:nvPr>
+        </p:nvSpPr>
+        <p:spPr>
+          <a:xfrm>
+            <a:off x="677334" y="1268170"/>
+            <a:ext cx="8596668" cy="3880773"/>
+          </a:xfrm>
+        </p:spPr>
+        <p:txBody>
+          <a:bodyPr>
+            <a:noAutofit/>
+          </a:bodyPr>
+          <a:lstStyle/>
+          <a:p>
+            <a:r>
+              <a:rPr lang="en-US" sz="2400" dirty="0" smtClean="0">
+                <a:latin typeface="Times New Roman" panose="02020603050405020304" pitchFamily="18" charset="0"/>
+                <a:cs typeface="Times New Roman" panose="02020603050405020304" pitchFamily="18" charset="0"/>
+              </a:rPr>
+              <a:t>Index.html</a:t>
+            </a:r>
+          </a:p>
+          <a:p>
+            <a:endParaRPr lang="en-US" sz="2400" dirty="0">
+              <a:latin typeface="Times New Roman" panose="02020603050405020304" pitchFamily="18" charset="0"/>
+              <a:cs typeface="Times New Roman" panose="02020603050405020304" pitchFamily="18" charset="0"/>
+            </a:endParaRPr>
+          </a:p>
+          <a:p>
+            <a:endParaRPr lang="en-US" sz="2400" dirty="0" smtClean="0">
+              <a:latin typeface="Times New Roman" panose="02020603050405020304" pitchFamily="18" charset="0"/>
+              <a:cs typeface="Times New Roman" panose="02020603050405020304" pitchFamily="18" charset="0"/>
+            </a:endParaRPr>
+          </a:p>
+        </p:txBody>
+      </p:sp>
+      <p:pic>
+        <p:nvPicPr>
+          <p:cNvPr id="6" name="Picture 5"/>
+          <p:cNvPicPr>
+            <a:picLocks noChangeAspect="1"/>
+          </p:cNvPicPr>
+          <p:nvPr/>
+        </p:nvPicPr>
+        <p:blipFill>
+          <a:blip r:embed="rId2"/>
+          <a:stretch>
+            <a:fillRect/>
+          </a:stretch>
+        </p:blipFill>
+        <p:spPr>
+          <a:xfrm>
+            <a:off x="347339" y="1795623"/>
+            <a:ext cx="9256658" cy="4779349"/>
+          </a:xfrm>
+          <a:prstGeom prst="rect">
+            <a:avLst/>
+          </a:prstGeom>
+        </p:spPr>
+      </p:pic>
+    </p:spTree>
+    <p:extLst>
+      <p:ext uri="{BB962C8B-B14F-4D97-AF65-F5344CB8AC3E}">
+        <p14:creationId xmlns:p14="http://schemas.microsoft.com/office/powerpoint/2010/main" val="253565503"/>
+      </p:ext>
+    </p:extLst>
+  </p:cSld>
+  <p:clrMapOvr>
+    <a:masterClrMapping/>
+  </p:clrMapOvr>
+</p:sld>
+</file>
+
+<file path=ppt/slides/slide32.xml><?xml version="1.0" encoding="utf-8"?>
+<p:sld xmlns:a="http://schemas.openxmlformats.org/drawingml/2006/main" xmlns:r="http://schemas.openxmlformats.org/officeDocument/2006/relationships" xmlns:p="http://schemas.openxmlformats.org/presentationml/2006/main">
+  <p:cSld>
+    <p:spTree>
+      <p:nvGrpSpPr>
+        <p:cNvPr id="1" name=""/>
+        <p:cNvGrpSpPr/>
+        <p:nvPr/>
+      </p:nvGrpSpPr>
+      <p:grpSpPr>
+        <a:xfrm>
+          <a:off x="0" y="0"/>
+          <a:ext cx="0" cy="0"/>
+          <a:chOff x="0" y="0"/>
+          <a:chExt cx="0" cy="0"/>
+        </a:xfrm>
+      </p:grpSpPr>
+      <p:sp>
+        <p:nvSpPr>
+          <p:cNvPr id="2" name="Title 1"/>
+          <p:cNvSpPr>
+            <a:spLocks noGrp="1"/>
+          </p:cNvSpPr>
+          <p:nvPr>
+            <p:ph type="title"/>
+          </p:nvPr>
+        </p:nvSpPr>
+        <p:spPr/>
+        <p:txBody>
+          <a:bodyPr/>
+          <a:lstStyle/>
+          <a:p>
+            <a:pPr algn="ctr"/>
+            <a:r>
+              <a:rPr lang="en-US" dirty="0" smtClean="0">
+                <a:latin typeface="Times New Roman" panose="02020603050405020304" pitchFamily="18" charset="0"/>
+                <a:cs typeface="Times New Roman" panose="02020603050405020304" pitchFamily="18" charset="0"/>
+              </a:rPr>
+              <a:t>REST API  Using Flask</a:t>
+            </a:r>
+            <a:endParaRPr lang="en-US" dirty="0">
+              <a:latin typeface="Times New Roman" panose="02020603050405020304" pitchFamily="18" charset="0"/>
+              <a:cs typeface="Times New Roman" panose="02020603050405020304" pitchFamily="18" charset="0"/>
+            </a:endParaRPr>
+          </a:p>
+        </p:txBody>
+      </p:sp>
+      <p:sp>
+        <p:nvSpPr>
+          <p:cNvPr id="3" name="Content Placeholder 2"/>
+          <p:cNvSpPr>
+            <a:spLocks noGrp="1"/>
+          </p:cNvSpPr>
+          <p:nvPr>
+            <p:ph idx="1"/>
+          </p:nvPr>
+        </p:nvSpPr>
+        <p:spPr>
+          <a:xfrm>
+            <a:off x="677334" y="1268170"/>
+            <a:ext cx="8596668" cy="3880773"/>
+          </a:xfrm>
+        </p:spPr>
+        <p:txBody>
+          <a:bodyPr>
+            <a:noAutofit/>
+          </a:bodyPr>
+          <a:lstStyle/>
+          <a:p>
+            <a:r>
+              <a:rPr lang="en-US" sz="2400" dirty="0" smtClean="0">
+                <a:latin typeface="Times New Roman" panose="02020603050405020304" pitchFamily="18" charset="0"/>
+                <a:cs typeface="Times New Roman" panose="02020603050405020304" pitchFamily="18" charset="0"/>
+              </a:rPr>
+              <a:t>Out of the REST service for a particular question</a:t>
+            </a:r>
+          </a:p>
+          <a:p>
+            <a:endParaRPr lang="en-US" sz="2400" dirty="0">
+              <a:latin typeface="Times New Roman" panose="02020603050405020304" pitchFamily="18" charset="0"/>
+              <a:cs typeface="Times New Roman" panose="02020603050405020304" pitchFamily="18" charset="0"/>
+            </a:endParaRPr>
+          </a:p>
+          <a:p>
+            <a:endParaRPr lang="en-US" sz="2400" dirty="0" smtClean="0">
+              <a:latin typeface="Times New Roman" panose="02020603050405020304" pitchFamily="18" charset="0"/>
+              <a:cs typeface="Times New Roman" panose="02020603050405020304" pitchFamily="18" charset="0"/>
+            </a:endParaRPr>
+          </a:p>
+        </p:txBody>
+      </p:sp>
+      <p:pic>
+        <p:nvPicPr>
+          <p:cNvPr id="5" name="Picture 4"/>
+          <p:cNvPicPr>
+            <a:picLocks noChangeAspect="1"/>
+          </p:cNvPicPr>
+          <p:nvPr/>
+        </p:nvPicPr>
+        <p:blipFill>
+          <a:blip r:embed="rId2"/>
+          <a:stretch>
+            <a:fillRect/>
+          </a:stretch>
+        </p:blipFill>
+        <p:spPr>
+          <a:xfrm>
+            <a:off x="339877" y="2294164"/>
+            <a:ext cx="9744075" cy="2705100"/>
+          </a:xfrm>
+          <a:prstGeom prst="rect">
+            <a:avLst/>
+          </a:prstGeom>
+        </p:spPr>
+      </p:pic>
+    </p:spTree>
+    <p:extLst>
+      <p:ext uri="{BB962C8B-B14F-4D97-AF65-F5344CB8AC3E}">
+        <p14:creationId xmlns:p14="http://schemas.microsoft.com/office/powerpoint/2010/main" val="801395955"/>
+      </p:ext>
+    </p:extLst>
+  </p:cSld>
+  <p:clrMapOvr>
+    <a:masterClrMapping/>
+  </p:clrMapOvr>
+</p:sld>
+</file>
+
+<file path=ppt/slides/slide33.xml><?xml version="1.0" encoding="utf-8"?>
+<p:sld xmlns:a="http://schemas.openxmlformats.org/drawingml/2006/main" xmlns:r="http://schemas.openxmlformats.org/officeDocument/2006/relationships" xmlns:p="http://schemas.openxmlformats.org/presentationml/2006/main">
+  <p:cSld>
+    <p:spTree>
+      <p:nvGrpSpPr>
+        <p:cNvPr id="1" name=""/>
+        <p:cNvGrpSpPr/>
+        <p:nvPr/>
+      </p:nvGrpSpPr>
+      <p:grpSpPr>
+        <a:xfrm>
+          <a:off x="0" y="0"/>
+          <a:ext cx="0" cy="0"/>
+          <a:chOff x="0" y="0"/>
+          <a:chExt cx="0" cy="0"/>
+        </a:xfrm>
+      </p:grpSpPr>
+      <p:sp>
+        <p:nvSpPr>
+          <p:cNvPr id="2" name="Title 1"/>
+          <p:cNvSpPr>
+            <a:spLocks noGrp="1"/>
+          </p:cNvSpPr>
+          <p:nvPr>
+            <p:ph type="title"/>
+          </p:nvPr>
+        </p:nvSpPr>
+        <p:spPr/>
+        <p:txBody>
+          <a:bodyPr/>
+          <a:lstStyle/>
+          <a:p>
+            <a:pPr algn="ctr"/>
+            <a:r>
+              <a:rPr lang="en-US" dirty="0" smtClean="0">
+                <a:latin typeface="Times New Roman" panose="02020603050405020304" pitchFamily="18" charset="0"/>
+                <a:cs typeface="Times New Roman" panose="02020603050405020304" pitchFamily="18" charset="0"/>
+              </a:rPr>
+              <a:t>Load Testing</a:t>
+            </a:r>
+            <a:endParaRPr lang="en-US" dirty="0">
+              <a:latin typeface="Times New Roman" panose="02020603050405020304" pitchFamily="18" charset="0"/>
+              <a:cs typeface="Times New Roman" panose="02020603050405020304" pitchFamily="18" charset="0"/>
+            </a:endParaRPr>
+          </a:p>
+        </p:txBody>
+      </p:sp>
+      <p:sp>
+        <p:nvSpPr>
+          <p:cNvPr id="3" name="Content Placeholder 2"/>
+          <p:cNvSpPr>
+            <a:spLocks noGrp="1"/>
+          </p:cNvSpPr>
+          <p:nvPr>
+            <p:ph idx="1"/>
+          </p:nvPr>
+        </p:nvSpPr>
+        <p:spPr>
+          <a:xfrm>
+            <a:off x="677334" y="1268170"/>
+            <a:ext cx="8596668" cy="3880773"/>
+          </a:xfrm>
+        </p:spPr>
+        <p:txBody>
+          <a:bodyPr>
+            <a:noAutofit/>
+          </a:bodyPr>
+          <a:lstStyle/>
+          <a:p>
+            <a:r>
+              <a:rPr lang="en-US" sz="2400" dirty="0" smtClean="0">
+                <a:latin typeface="Times New Roman" panose="02020603050405020304" pitchFamily="18" charset="0"/>
+                <a:cs typeface="Times New Roman" panose="02020603050405020304" pitchFamily="18" charset="0"/>
+              </a:rPr>
+              <a:t>Aim is to test the load handling ability and to </a:t>
+            </a:r>
+            <a:r>
+              <a:rPr lang="en-US" sz="2400" dirty="0" smtClean="0">
+                <a:latin typeface="Times New Roman" panose="02020603050405020304" pitchFamily="18" charset="0"/>
+                <a:cs typeface="Times New Roman" panose="02020603050405020304" pitchFamily="18" charset="0"/>
+              </a:rPr>
+              <a:t>make it scalable</a:t>
+            </a:r>
+            <a:endParaRPr lang="en-US" sz="2400" dirty="0" smtClean="0">
+              <a:latin typeface="Times New Roman" panose="02020603050405020304" pitchFamily="18" charset="0"/>
+              <a:cs typeface="Times New Roman" panose="02020603050405020304" pitchFamily="18" charset="0"/>
+            </a:endParaRPr>
+          </a:p>
+          <a:p>
+            <a:endParaRPr lang="en-US" sz="2400" dirty="0">
+              <a:latin typeface="Times New Roman" panose="02020603050405020304" pitchFamily="18" charset="0"/>
+              <a:cs typeface="Times New Roman" panose="02020603050405020304" pitchFamily="18" charset="0"/>
+            </a:endParaRPr>
+          </a:p>
+          <a:p>
+            <a:endParaRPr lang="en-US" sz="2400" dirty="0" smtClean="0">
+              <a:latin typeface="Times New Roman" panose="02020603050405020304" pitchFamily="18" charset="0"/>
+              <a:cs typeface="Times New Roman" panose="02020603050405020304" pitchFamily="18" charset="0"/>
+            </a:endParaRPr>
+          </a:p>
+        </p:txBody>
+      </p:sp>
+      <p:pic>
+        <p:nvPicPr>
+          <p:cNvPr id="5" name="Picture 4"/>
+          <p:cNvPicPr>
+            <a:picLocks noChangeAspect="1"/>
+          </p:cNvPicPr>
+          <p:nvPr/>
+        </p:nvPicPr>
+        <p:blipFill>
+          <a:blip r:embed="rId2"/>
+          <a:stretch>
+            <a:fillRect/>
+          </a:stretch>
+        </p:blipFill>
+        <p:spPr>
+          <a:xfrm>
+            <a:off x="1158648" y="1759404"/>
+            <a:ext cx="7305675" cy="4210050"/>
+          </a:xfrm>
+          <a:prstGeom prst="rect">
+            <a:avLst/>
+          </a:prstGeom>
+        </p:spPr>
+      </p:pic>
+    </p:spTree>
+    <p:extLst>
+      <p:ext uri="{BB962C8B-B14F-4D97-AF65-F5344CB8AC3E}">
+        <p14:creationId xmlns:p14="http://schemas.microsoft.com/office/powerpoint/2010/main" val="2825854011"/>
       </p:ext>
     </p:extLst>
   </p:cSld>
@@ -13819,18 +12616,22 @@
           <a:p>
             <a:pPr algn="ctr"/>
             <a:r>
-              <a:rPr lang="en-US" dirty="0">
-                <a:latin typeface="Times New Roman" panose="02020603050405020304" pitchFamily="18" charset="0"/>
-                <a:cs typeface="Times New Roman" panose="02020603050405020304" pitchFamily="18" charset="0"/>
-              </a:rPr>
-              <a:t>Middleware Implementation</a:t>
-            </a:r>
-          </a:p>
-        </p:txBody>
-      </p:sp>
-      <p:sp>
-        <p:nvSpPr>
-          <p:cNvPr id="4" name="Content Placeholder 3"/>
+              <a:rPr lang="en-US" dirty="0" smtClean="0">
+                <a:latin typeface="Times New Roman" panose="02020603050405020304" pitchFamily="18" charset="0"/>
+                <a:cs typeface="Times New Roman" panose="02020603050405020304" pitchFamily="18" charset="0"/>
+              </a:rPr>
+              <a:t>Load Testing</a:t>
+            </a:r>
+            <a:endParaRPr lang="en-US" dirty="0">
+              <a:latin typeface="Times New Roman" panose="02020603050405020304" pitchFamily="18" charset="0"/>
+              <a:cs typeface="Times New Roman" panose="02020603050405020304" pitchFamily="18" charset="0"/>
+            </a:endParaRPr>
+          </a:p>
+        </p:txBody>
+      </p:sp>
+      <p:sp>
+        <p:nvSpPr>
+          <p:cNvPr id="3" name="Content Placeholder 2"/>
           <p:cNvSpPr>
             <a:spLocks noGrp="1"/>
           </p:cNvSpPr>
@@ -13838,33 +12639,56 @@
             <p:ph idx="1"/>
           </p:nvPr>
         </p:nvSpPr>
-        <p:spPr/>
-        <p:txBody>
-          <a:bodyPr/>
+        <p:spPr>
+          <a:xfrm>
+            <a:off x="677334" y="1268170"/>
+            <a:ext cx="8596668" cy="3880773"/>
+          </a:xfrm>
+        </p:spPr>
+        <p:txBody>
+          <a:bodyPr>
+            <a:noAutofit/>
+          </a:bodyPr>
           <a:lstStyle/>
           <a:p>
-            <a:endParaRPr lang="en-US"/>
+            <a:r>
+              <a:rPr lang="en-US" sz="2400" dirty="0" smtClean="0">
+                <a:latin typeface="Times New Roman" panose="02020603050405020304" pitchFamily="18" charset="0"/>
+                <a:cs typeface="Times New Roman" panose="02020603050405020304" pitchFamily="18" charset="0"/>
+              </a:rPr>
+              <a:t>Specify the host address on which we have to perform load testing</a:t>
+            </a:r>
+            <a:endParaRPr lang="en-US" sz="2400" dirty="0">
+              <a:latin typeface="Times New Roman" panose="02020603050405020304" pitchFamily="18" charset="0"/>
+              <a:cs typeface="Times New Roman" panose="02020603050405020304" pitchFamily="18" charset="0"/>
+            </a:endParaRPr>
+          </a:p>
+          <a:p>
+            <a:endParaRPr lang="en-US" sz="2400" dirty="0" smtClean="0">
+              <a:latin typeface="Times New Roman" panose="02020603050405020304" pitchFamily="18" charset="0"/>
+              <a:cs typeface="Times New Roman" panose="02020603050405020304" pitchFamily="18" charset="0"/>
+            </a:endParaRPr>
           </a:p>
         </p:txBody>
       </p:sp>
       <p:pic>
         <p:nvPicPr>
-          <p:cNvPr id="5" name="Picture 4"/>
+          <p:cNvPr id="4" name="Picture 3"/>
           <p:cNvPicPr>
             <a:picLocks noChangeAspect="1"/>
           </p:cNvPicPr>
           <p:nvPr/>
         </p:nvPicPr>
         <p:blipFill>
-          <a:blip r:embed="rId2" cstate="print"/>
+          <a:blip r:embed="rId2"/>
           <a:stretch>
             <a:fillRect/>
           </a:stretch>
         </p:blipFill>
         <p:spPr>
           <a:xfrm>
-            <a:off x="991279" y="2498062"/>
-            <a:ext cx="7705725" cy="3543300"/>
+            <a:off x="846365" y="2514584"/>
+            <a:ext cx="8953500" cy="923472"/>
           </a:xfrm>
           <a:prstGeom prst="rect">
             <a:avLst/>
@@ -13874,7 +12698,7 @@
     </p:spTree>
     <p:extLst>
       <p:ext uri="{BB962C8B-B14F-4D97-AF65-F5344CB8AC3E}">
-        <p14:creationId xmlns:p14="http://schemas.microsoft.com/office/powerpoint/2010/main" xmlns="" val="2749088597"/>
+        <p14:creationId xmlns:p14="http://schemas.microsoft.com/office/powerpoint/2010/main" val="986087713"/>
       </p:ext>
     </p:extLst>
   </p:cSld>
@@ -13922,7 +12746,7 @@
                 <a:latin typeface="Times New Roman" panose="02020603050405020304" pitchFamily="18" charset="0"/>
                 <a:cs typeface="Times New Roman" panose="02020603050405020304" pitchFamily="18" charset="0"/>
               </a:rPr>
-              <a:t>Middleware Implementation</a:t>
+              <a:t>Attack Specification</a:t>
             </a:r>
             <a:endParaRPr lang="en-US" dirty="0">
               <a:latin typeface="Times New Roman" panose="02020603050405020304" pitchFamily="18" charset="0"/>
@@ -13931,61 +12755,24 @@
           </a:p>
         </p:txBody>
       </p:sp>
-      <p:sp>
-        <p:nvSpPr>
-          <p:cNvPr id="4" name="Content Placeholder 3"/>
-          <p:cNvSpPr>
-            <a:spLocks noGrp="1"/>
-          </p:cNvSpPr>
-          <p:nvPr>
-            <p:ph idx="1"/>
-          </p:nvPr>
-        </p:nvSpPr>
-        <p:spPr/>
-        <p:txBody>
-          <a:bodyPr>
-            <a:normAutofit/>
-          </a:bodyPr>
-          <a:lstStyle/>
-          <a:p>
-            <a:r>
-              <a:rPr lang="en-US" sz="2400" dirty="0" smtClean="0">
-                <a:solidFill>
-                  <a:schemeClr val="tx1"/>
-                </a:solidFill>
-                <a:latin typeface="Times New Roman" panose="02020603050405020304" pitchFamily="18" charset="0"/>
-                <a:cs typeface="Times New Roman" panose="02020603050405020304" pitchFamily="18" charset="0"/>
-              </a:rPr>
-              <a:t>URL is the end-point for the REST API</a:t>
-            </a:r>
-            <a:endParaRPr lang="en-US" sz="2400" dirty="0">
-              <a:solidFill>
-                <a:schemeClr val="tx1"/>
-              </a:solidFill>
-              <a:latin typeface="Times New Roman" panose="02020603050405020304" pitchFamily="18" charset="0"/>
-              <a:cs typeface="Times New Roman" panose="02020603050405020304" pitchFamily="18" charset="0"/>
-            </a:endParaRPr>
-          </a:p>
-        </p:txBody>
-      </p:sp>
       <p:pic>
         <p:nvPicPr>
-          <p:cNvPr id="3" name="Picture 2"/>
+          <p:cNvPr id="8" name="Picture 7"/>
           <p:cNvPicPr>
             <a:picLocks noChangeAspect="1"/>
           </p:cNvPicPr>
           <p:nvPr/>
         </p:nvPicPr>
         <p:blipFill>
-          <a:blip r:embed="rId2" cstate="print"/>
+          <a:blip r:embed="rId2"/>
           <a:stretch>
             <a:fillRect/>
           </a:stretch>
         </p:blipFill>
         <p:spPr>
           <a:xfrm>
-            <a:off x="1019175" y="2643868"/>
-            <a:ext cx="7105650" cy="3082018"/>
+            <a:off x="881745" y="1359765"/>
+            <a:ext cx="9742033" cy="5091380"/>
           </a:xfrm>
           <a:prstGeom prst="rect">
             <a:avLst/>
@@ -13995,7 +12782,7 @@
     </p:spTree>
     <p:extLst>
       <p:ext uri="{BB962C8B-B14F-4D97-AF65-F5344CB8AC3E}">
-        <p14:creationId xmlns:p14="http://schemas.microsoft.com/office/powerpoint/2010/main" xmlns="" val="3268576879"/>
+        <p14:creationId xmlns:p14="http://schemas.microsoft.com/office/powerpoint/2010/main" val="80402499"/>
       </p:ext>
     </p:extLst>
   </p:cSld>
@@ -14039,11 +12826,11 @@
           <a:p>
             <a:pPr algn="ctr"/>
             <a:r>
-              <a:rPr lang="en-US" dirty="0" smtClean="0">
-                <a:latin typeface="Times New Roman" panose="02020603050405020304" pitchFamily="18" charset="0"/>
-                <a:cs typeface="Times New Roman" panose="02020603050405020304" pitchFamily="18" charset="0"/>
-              </a:rPr>
-              <a:t>REST API  Using Flask</a:t>
+              <a:rPr lang="en-US" dirty="0">
+                <a:latin typeface="Times New Roman" panose="02020603050405020304" pitchFamily="18" charset="0"/>
+                <a:cs typeface="Times New Roman" panose="02020603050405020304" pitchFamily="18" charset="0"/>
+              </a:rPr>
+              <a:t>Attack Specification</a:t>
             </a:r>
             <a:endParaRPr lang="en-US" dirty="0">
               <a:latin typeface="Times New Roman" panose="02020603050405020304" pitchFamily="18" charset="0"/>
@@ -14052,77 +12839,24 @@
           </a:p>
         </p:txBody>
       </p:sp>
-      <p:sp>
-        <p:nvSpPr>
-          <p:cNvPr id="3" name="Content Placeholder 2"/>
-          <p:cNvSpPr>
-            <a:spLocks noGrp="1"/>
-          </p:cNvSpPr>
-          <p:nvPr>
-            <p:ph idx="1"/>
-          </p:nvPr>
-        </p:nvSpPr>
-        <p:spPr>
-          <a:xfrm>
-            <a:off x="677334" y="1268170"/>
-            <a:ext cx="8596668" cy="3880773"/>
-          </a:xfrm>
-        </p:spPr>
-        <p:txBody>
-          <a:bodyPr>
-            <a:noAutofit/>
-          </a:bodyPr>
-          <a:lstStyle/>
-          <a:p>
-            <a:r>
-              <a:rPr lang="en-US" sz="2400" dirty="0" smtClean="0">
-                <a:solidFill>
-                  <a:schemeClr val="tx1"/>
-                </a:solidFill>
-                <a:latin typeface="Times New Roman" panose="02020603050405020304" pitchFamily="18" charset="0"/>
-                <a:cs typeface="Times New Roman" panose="02020603050405020304" pitchFamily="18" charset="0"/>
-              </a:rPr>
-              <a:t>Use python flask to convert our code as rest service</a:t>
-            </a:r>
-          </a:p>
-          <a:p>
-            <a:endParaRPr lang="en-US" sz="2400" dirty="0">
-              <a:solidFill>
-                <a:schemeClr val="tx1"/>
-              </a:solidFill>
-              <a:latin typeface="Times New Roman" panose="02020603050405020304" pitchFamily="18" charset="0"/>
-              <a:cs typeface="Times New Roman" panose="02020603050405020304" pitchFamily="18" charset="0"/>
-            </a:endParaRPr>
-          </a:p>
-          <a:p>
-            <a:endParaRPr lang="en-US" sz="2400" dirty="0" smtClean="0">
-              <a:solidFill>
-                <a:schemeClr val="tx1"/>
-              </a:solidFill>
-              <a:latin typeface="Times New Roman" panose="02020603050405020304" pitchFamily="18" charset="0"/>
-              <a:cs typeface="Times New Roman" panose="02020603050405020304" pitchFamily="18" charset="0"/>
-            </a:endParaRPr>
-          </a:p>
-        </p:txBody>
-      </p:sp>
       <p:pic>
         <p:nvPicPr>
-          <p:cNvPr id="4" name="Picture 3"/>
+          <p:cNvPr id="3" name="Picture 2"/>
           <p:cNvPicPr>
             <a:picLocks noChangeAspect="1"/>
           </p:cNvPicPr>
           <p:nvPr/>
         </p:nvPicPr>
         <p:blipFill>
-          <a:blip r:embed="rId2" cstate="print"/>
+          <a:blip r:embed="rId2"/>
           <a:stretch>
             <a:fillRect/>
           </a:stretch>
         </p:blipFill>
         <p:spPr>
           <a:xfrm>
-            <a:off x="2148691" y="1930400"/>
-            <a:ext cx="5458011" cy="4531179"/>
+            <a:off x="3367087" y="1543050"/>
+            <a:ext cx="5457825" cy="3771900"/>
           </a:xfrm>
           <a:prstGeom prst="rect">
             <a:avLst/>
@@ -14132,7 +12866,7 @@
     </p:spTree>
     <p:extLst>
       <p:ext uri="{BB962C8B-B14F-4D97-AF65-F5344CB8AC3E}">
-        <p14:creationId xmlns:p14="http://schemas.microsoft.com/office/powerpoint/2010/main" xmlns="" val="4285305900"/>
+        <p14:creationId xmlns:p14="http://schemas.microsoft.com/office/powerpoint/2010/main" val="3308620933"/>
       </p:ext>
     </p:extLst>
   </p:cSld>
@@ -14180,66 +12914,9 @@
                 <a:latin typeface="Times New Roman" panose="02020603050405020304" pitchFamily="18" charset="0"/>
                 <a:cs typeface="Times New Roman" panose="02020603050405020304" pitchFamily="18" charset="0"/>
               </a:rPr>
-              <a:t>REST API  Using Flask</a:t>
+              <a:t>Load Testing Results</a:t>
             </a:r>
             <a:endParaRPr lang="en-US" dirty="0">
-              <a:latin typeface="Times New Roman" panose="02020603050405020304" pitchFamily="18" charset="0"/>
-              <a:cs typeface="Times New Roman" panose="02020603050405020304" pitchFamily="18" charset="0"/>
-            </a:endParaRPr>
-          </a:p>
-        </p:txBody>
-      </p:sp>
-      <p:sp>
-        <p:nvSpPr>
-          <p:cNvPr id="3" name="Content Placeholder 2"/>
-          <p:cNvSpPr>
-            <a:spLocks noGrp="1"/>
-          </p:cNvSpPr>
-          <p:nvPr>
-            <p:ph idx="1"/>
-          </p:nvPr>
-        </p:nvSpPr>
-        <p:spPr>
-          <a:xfrm>
-            <a:off x="218364" y="1268170"/>
-            <a:ext cx="10058400" cy="3880773"/>
-          </a:xfrm>
-        </p:spPr>
-        <p:txBody>
-          <a:bodyPr>
-            <a:noAutofit/>
-          </a:bodyPr>
-          <a:lstStyle/>
-          <a:p>
-            <a:r>
-              <a:rPr lang="en-US" sz="2400" dirty="0" smtClean="0">
-                <a:solidFill>
-                  <a:schemeClr val="tx1"/>
-                </a:solidFill>
-                <a:latin typeface="Times New Roman" panose="02020603050405020304" pitchFamily="18" charset="0"/>
-                <a:cs typeface="Times New Roman" panose="02020603050405020304" pitchFamily="18" charset="0"/>
-              </a:rPr>
-              <a:t>Output </a:t>
-            </a:r>
-            <a:r>
-              <a:rPr lang="en-US" sz="2400" dirty="0" smtClean="0">
-                <a:solidFill>
-                  <a:schemeClr val="tx1"/>
-                </a:solidFill>
-                <a:latin typeface="Times New Roman" panose="02020603050405020304" pitchFamily="18" charset="0"/>
-                <a:cs typeface="Times New Roman" panose="02020603050405020304" pitchFamily="18" charset="0"/>
-              </a:rPr>
-              <a:t>of the REST service for a particular question</a:t>
-            </a:r>
-          </a:p>
-          <a:p>
-            <a:endParaRPr lang="en-US" sz="2400" dirty="0">
-              <a:latin typeface="Times New Roman" panose="02020603050405020304" pitchFamily="18" charset="0"/>
-              <a:cs typeface="Times New Roman" panose="02020603050405020304" pitchFamily="18" charset="0"/>
-            </a:endParaRPr>
-          </a:p>
-          <a:p>
-            <a:endParaRPr lang="en-US" sz="2400" dirty="0" smtClean="0">
               <a:latin typeface="Times New Roman" panose="02020603050405020304" pitchFamily="18" charset="0"/>
               <a:cs typeface="Times New Roman" panose="02020603050405020304" pitchFamily="18" charset="0"/>
             </a:endParaRPr>
@@ -14255,15 +12932,15 @@
           <p:nvPr/>
         </p:nvPicPr>
         <p:blipFill>
-          <a:blip r:embed="rId2" cstate="print"/>
+          <a:blip r:embed="rId2"/>
           <a:stretch>
             <a:fillRect/>
           </a:stretch>
         </p:blipFill>
         <p:spPr>
           <a:xfrm>
-            <a:off x="339877" y="2294164"/>
-            <a:ext cx="9744075" cy="2705100"/>
+            <a:off x="375259" y="1930400"/>
+            <a:ext cx="11992953" cy="3262086"/>
           </a:xfrm>
           <a:prstGeom prst="rect">
             <a:avLst/>
@@ -14273,7 +12950,7 @@
     </p:spTree>
     <p:extLst>
       <p:ext uri="{BB962C8B-B14F-4D97-AF65-F5344CB8AC3E}">
-        <p14:creationId xmlns:p14="http://schemas.microsoft.com/office/powerpoint/2010/main" xmlns="" val="801395955"/>
+        <p14:creationId xmlns:p14="http://schemas.microsoft.com/office/powerpoint/2010/main" val="1781694115"/>
       </p:ext>
     </p:extLst>
   </p:cSld>
@@ -14321,7 +12998,7 @@
                 <a:latin typeface="Times New Roman" panose="02020603050405020304" pitchFamily="18" charset="0"/>
                 <a:cs typeface="Times New Roman" panose="02020603050405020304" pitchFamily="18" charset="0"/>
               </a:rPr>
-              <a:t>Load Testing</a:t>
+              <a:t>Affects of Load Testing on the Rest API</a:t>
             </a:r>
             <a:endParaRPr lang="en-US" dirty="0">
               <a:latin typeface="Times New Roman" panose="02020603050405020304" pitchFamily="18" charset="0"/>
@@ -14330,77 +13007,24 @@
           </a:p>
         </p:txBody>
       </p:sp>
-      <p:sp>
-        <p:nvSpPr>
-          <p:cNvPr id="3" name="Content Placeholder 2"/>
-          <p:cNvSpPr>
-            <a:spLocks noGrp="1"/>
-          </p:cNvSpPr>
-          <p:nvPr>
-            <p:ph idx="1"/>
-          </p:nvPr>
-        </p:nvSpPr>
-        <p:spPr>
-          <a:xfrm>
-            <a:off x="677334" y="1268170"/>
-            <a:ext cx="8596668" cy="3880773"/>
-          </a:xfrm>
-        </p:spPr>
-        <p:txBody>
-          <a:bodyPr>
-            <a:noAutofit/>
-          </a:bodyPr>
-          <a:lstStyle/>
-          <a:p>
-            <a:r>
-              <a:rPr lang="en-US" sz="2400" dirty="0" smtClean="0">
-                <a:solidFill>
-                  <a:schemeClr val="tx1"/>
-                </a:solidFill>
-                <a:latin typeface="Times New Roman" panose="02020603050405020304" pitchFamily="18" charset="0"/>
-                <a:cs typeface="Times New Roman" panose="02020603050405020304" pitchFamily="18" charset="0"/>
-              </a:rPr>
-              <a:t>Aim is to test the load handling ability and to make it scalable</a:t>
-            </a:r>
-          </a:p>
-          <a:p>
-            <a:endParaRPr lang="en-US" sz="2400" dirty="0">
-              <a:solidFill>
-                <a:schemeClr val="tx1"/>
-              </a:solidFill>
-              <a:latin typeface="Times New Roman" panose="02020603050405020304" pitchFamily="18" charset="0"/>
-              <a:cs typeface="Times New Roman" panose="02020603050405020304" pitchFamily="18" charset="0"/>
-            </a:endParaRPr>
-          </a:p>
-          <a:p>
-            <a:endParaRPr lang="en-US" sz="2400" dirty="0" smtClean="0">
-              <a:solidFill>
-                <a:schemeClr val="tx1"/>
-              </a:solidFill>
-              <a:latin typeface="Times New Roman" panose="02020603050405020304" pitchFamily="18" charset="0"/>
-              <a:cs typeface="Times New Roman" panose="02020603050405020304" pitchFamily="18" charset="0"/>
-            </a:endParaRPr>
-          </a:p>
-        </p:txBody>
-      </p:sp>
       <p:pic>
         <p:nvPicPr>
-          <p:cNvPr id="5" name="Picture 4"/>
+          <p:cNvPr id="3" name="Picture 2"/>
           <p:cNvPicPr>
             <a:picLocks noChangeAspect="1"/>
           </p:cNvPicPr>
           <p:nvPr/>
         </p:nvPicPr>
         <p:blipFill>
-          <a:blip r:embed="rId2" cstate="print"/>
+          <a:blip r:embed="rId2"/>
           <a:stretch>
             <a:fillRect/>
           </a:stretch>
         </p:blipFill>
         <p:spPr>
           <a:xfrm>
-            <a:off x="1158648" y="1759404"/>
-            <a:ext cx="7305675" cy="4210050"/>
+            <a:off x="677334" y="1375795"/>
+            <a:ext cx="9781494" cy="5482205"/>
           </a:xfrm>
           <a:prstGeom prst="rect">
             <a:avLst/>
@@ -14410,7 +13034,7 @@
     </p:spTree>
     <p:extLst>
       <p:ext uri="{BB962C8B-B14F-4D97-AF65-F5344CB8AC3E}">
-        <p14:creationId xmlns:p14="http://schemas.microsoft.com/office/powerpoint/2010/main" xmlns="" val="2825854011"/>
+        <p14:creationId xmlns:p14="http://schemas.microsoft.com/office/powerpoint/2010/main" val="3576418965"/>
       </p:ext>
     </p:extLst>
   </p:cSld>
@@ -14458,7 +13082,7 @@
                 <a:latin typeface="Times New Roman" panose="02020603050405020304" pitchFamily="18" charset="0"/>
                 <a:cs typeface="Times New Roman" panose="02020603050405020304" pitchFamily="18" charset="0"/>
               </a:rPr>
-              <a:t>Load Testing</a:t>
+              <a:t>Demo</a:t>
             </a:r>
             <a:endParaRPr lang="en-US" dirty="0">
               <a:latin typeface="Times New Roman" panose="02020603050405020304" pitchFamily="18" charset="0"/>
@@ -14467,75 +13091,24 @@
           </a:p>
         </p:txBody>
       </p:sp>
-      <p:sp>
-        <p:nvSpPr>
-          <p:cNvPr id="3" name="Content Placeholder 2"/>
-          <p:cNvSpPr>
-            <a:spLocks noGrp="1"/>
-          </p:cNvSpPr>
-          <p:nvPr>
-            <p:ph idx="1"/>
-          </p:nvPr>
-        </p:nvSpPr>
-        <p:spPr>
-          <a:xfrm>
-            <a:off x="677334" y="1268170"/>
-            <a:ext cx="8596668" cy="3880773"/>
-          </a:xfrm>
-        </p:spPr>
-        <p:txBody>
-          <a:bodyPr>
-            <a:noAutofit/>
-          </a:bodyPr>
-          <a:lstStyle/>
-          <a:p>
-            <a:r>
-              <a:rPr lang="en-US" sz="2400" dirty="0" smtClean="0">
-                <a:solidFill>
-                  <a:schemeClr val="tx1"/>
-                </a:solidFill>
-                <a:latin typeface="Times New Roman" panose="02020603050405020304" pitchFamily="18" charset="0"/>
-                <a:cs typeface="Times New Roman" panose="02020603050405020304" pitchFamily="18" charset="0"/>
-              </a:rPr>
-              <a:t>Specify the host address on which we have to perform load testing</a:t>
-            </a:r>
-            <a:endParaRPr lang="en-US" sz="2400" dirty="0">
-              <a:solidFill>
-                <a:schemeClr val="tx1"/>
-              </a:solidFill>
-              <a:latin typeface="Times New Roman" panose="02020603050405020304" pitchFamily="18" charset="0"/>
-              <a:cs typeface="Times New Roman" panose="02020603050405020304" pitchFamily="18" charset="0"/>
-            </a:endParaRPr>
-          </a:p>
-          <a:p>
-            <a:endParaRPr lang="en-US" sz="2400" dirty="0" smtClean="0">
-              <a:solidFill>
-                <a:schemeClr val="tx1"/>
-              </a:solidFill>
-              <a:latin typeface="Times New Roman" panose="02020603050405020304" pitchFamily="18" charset="0"/>
-              <a:cs typeface="Times New Roman" panose="02020603050405020304" pitchFamily="18" charset="0"/>
-            </a:endParaRPr>
-          </a:p>
-        </p:txBody>
-      </p:sp>
       <p:pic>
         <p:nvPicPr>
-          <p:cNvPr id="4" name="Picture 3"/>
+          <p:cNvPr id="5" name="Picture 4"/>
           <p:cNvPicPr>
             <a:picLocks noChangeAspect="1"/>
           </p:cNvPicPr>
           <p:nvPr/>
         </p:nvPicPr>
         <p:blipFill>
-          <a:blip r:embed="rId2" cstate="print"/>
+          <a:blip r:embed="rId2"/>
           <a:stretch>
             <a:fillRect/>
           </a:stretch>
         </p:blipFill>
         <p:spPr>
           <a:xfrm>
-            <a:off x="846365" y="2514584"/>
-            <a:ext cx="8953500" cy="923472"/>
+            <a:off x="961345" y="2246539"/>
+            <a:ext cx="4543425" cy="514350"/>
           </a:xfrm>
           <a:prstGeom prst="rect">
             <a:avLst/>
@@ -14545,7 +13118,7 @@
     </p:spTree>
     <p:extLst>
       <p:ext uri="{BB962C8B-B14F-4D97-AF65-F5344CB8AC3E}">
-        <p14:creationId xmlns:p14="http://schemas.microsoft.com/office/powerpoint/2010/main" xmlns="" val="986087713"/>
+        <p14:creationId xmlns:p14="http://schemas.microsoft.com/office/powerpoint/2010/main" val="861869716"/>
       </p:ext>
     </p:extLst>
   </p:cSld>
@@ -14593,28 +13166,7 @@
                 <a:latin typeface="Times New Roman" panose="02020603050405020304" pitchFamily="18" charset="0"/>
                 <a:cs typeface="Times New Roman" panose="02020603050405020304" pitchFamily="18" charset="0"/>
               </a:rPr>
-              <a:t>Why </a:t>
-            </a:r>
-            <a:r>
-              <a:rPr lang="en-US" dirty="0" smtClean="0">
-                <a:latin typeface="Times New Roman" panose="02020603050405020304" pitchFamily="18" charset="0"/>
-                <a:cs typeface="Times New Roman" panose="02020603050405020304" pitchFamily="18" charset="0"/>
-              </a:rPr>
-              <a:t>Recognize a </a:t>
-            </a:r>
-            <a:r>
-              <a:rPr lang="en-US" dirty="0" smtClean="0">
-                <a:latin typeface="Times New Roman" panose="02020603050405020304" pitchFamily="18" charset="0"/>
-                <a:cs typeface="Times New Roman" panose="02020603050405020304" pitchFamily="18" charset="0"/>
-              </a:rPr>
-              <a:t>Question </a:t>
-            </a:r>
-            <a:r>
-              <a:rPr lang="en-US" dirty="0" smtClean="0">
-                <a:latin typeface="Times New Roman" panose="02020603050405020304" pitchFamily="18" charset="0"/>
-                <a:cs typeface="Times New Roman" panose="02020603050405020304" pitchFamily="18" charset="0"/>
-              </a:rPr>
-              <a:t>Type?</a:t>
+              <a:t>Why Recognizing Question Types?</a:t>
             </a:r>
             <a:endParaRPr lang="en-US" dirty="0">
               <a:latin typeface="Times New Roman" panose="02020603050405020304" pitchFamily="18" charset="0"/>
@@ -14635,8 +13187,8 @@
         </p:nvSpPr>
         <p:spPr>
           <a:xfrm>
-            <a:off x="627797" y="1878262"/>
-            <a:ext cx="8646205" cy="4181344"/>
+            <a:off x="677334" y="2028387"/>
+            <a:ext cx="8596668" cy="3880773"/>
           </a:xfrm>
         </p:spPr>
         <p:txBody>
@@ -14647,9 +13199,6 @@
           <a:p>
             <a:r>
               <a:rPr lang="en-US" sz="2400" dirty="0" smtClean="0">
-                <a:solidFill>
-                  <a:schemeClr val="tx1"/>
-                </a:solidFill>
                 <a:latin typeface="Times New Roman" panose="02020603050405020304" pitchFamily="18" charset="0"/>
                 <a:cs typeface="Times New Roman" panose="02020603050405020304" pitchFamily="18" charset="0"/>
               </a:rPr>
@@ -14657,9 +13206,6 @@
             </a:r>
             <a:r>
               <a:rPr lang="en-US" sz="2400" dirty="0">
-                <a:solidFill>
-                  <a:schemeClr val="tx1"/>
-                </a:solidFill>
                 <a:latin typeface="Times New Roman" panose="02020603050405020304" pitchFamily="18" charset="0"/>
                 <a:cs typeface="Times New Roman" panose="02020603050405020304" pitchFamily="18" charset="0"/>
               </a:rPr>
@@ -14667,9 +13213,6 @@
             </a:r>
             <a:r>
               <a:rPr lang="en-US" sz="2400" dirty="0" smtClean="0">
-                <a:solidFill>
-                  <a:schemeClr val="tx1"/>
-                </a:solidFill>
                 <a:latin typeface="Times New Roman" panose="02020603050405020304" pitchFamily="18" charset="0"/>
                 <a:cs typeface="Times New Roman" panose="02020603050405020304" pitchFamily="18" charset="0"/>
               </a:rPr>
@@ -14678,65 +13221,120 @@
           </a:p>
           <a:p>
             <a:r>
+              <a:rPr lang="en-US" sz="2400" dirty="0">
+                <a:latin typeface="Times New Roman" panose="02020603050405020304" pitchFamily="18" charset="0"/>
+                <a:cs typeface="Times New Roman" panose="02020603050405020304" pitchFamily="18" charset="0"/>
+              </a:rPr>
+              <a:t>For example, the question of </a:t>
+            </a:r>
+            <a:r>
               <a:rPr lang="en-US" sz="2400" dirty="0" smtClean="0">
-                <a:solidFill>
-                  <a:schemeClr val="tx1"/>
-                </a:solidFill>
-                <a:latin typeface="Times New Roman" panose="02020603050405020304" pitchFamily="18" charset="0"/>
-                <a:cs typeface="Times New Roman" panose="02020603050405020304" pitchFamily="18" charset="0"/>
-              </a:rPr>
-              <a:t>The questions are classified into broad (coarse) and fine categories</a:t>
-            </a:r>
-            <a:endParaRPr lang="en-US" sz="2400" dirty="0" smtClean="0">
-              <a:solidFill>
-                <a:schemeClr val="tx1"/>
-              </a:solidFill>
-              <a:latin typeface="Times New Roman" panose="02020603050405020304" pitchFamily="18" charset="0"/>
-              <a:cs typeface="Times New Roman" panose="02020603050405020304" pitchFamily="18" charset="0"/>
-            </a:endParaRPr>
-          </a:p>
-          <a:p>
+                <a:latin typeface="Times New Roman" panose="02020603050405020304" pitchFamily="18" charset="0"/>
+                <a:cs typeface="Times New Roman" panose="02020603050405020304" pitchFamily="18" charset="0"/>
+              </a:rPr>
+              <a:t>“</a:t>
+            </a:r>
+            <a:r>
+              <a:rPr lang="en-US" sz="2400" i="1" dirty="0" smtClean="0">
+                <a:latin typeface="Times New Roman" panose="02020603050405020304" pitchFamily="18" charset="0"/>
+                <a:cs typeface="Times New Roman" panose="02020603050405020304" pitchFamily="18" charset="0"/>
+              </a:rPr>
+              <a:t>Who </a:t>
+            </a:r>
+            <a:r>
+              <a:rPr lang="en-US" sz="2400" i="1" dirty="0">
+                <a:latin typeface="Times New Roman" panose="02020603050405020304" pitchFamily="18" charset="0"/>
+                <a:cs typeface="Times New Roman" panose="02020603050405020304" pitchFamily="18" charset="0"/>
+              </a:rPr>
+              <a:t>discovered </a:t>
+            </a:r>
+            <a:r>
+              <a:rPr lang="en-US" sz="2400" i="1" dirty="0" smtClean="0">
+                <a:latin typeface="Times New Roman" panose="02020603050405020304" pitchFamily="18" charset="0"/>
+                <a:cs typeface="Times New Roman" panose="02020603050405020304" pitchFamily="18" charset="0"/>
+              </a:rPr>
+              <a:t>x-rays” </a:t>
+            </a:r>
+            <a:r>
+              <a:rPr lang="en-US" sz="2400" dirty="0">
+                <a:latin typeface="Times New Roman" panose="02020603050405020304" pitchFamily="18" charset="0"/>
+                <a:cs typeface="Times New Roman" panose="02020603050405020304" pitchFamily="18" charset="0"/>
+              </a:rPr>
+              <a:t>should </a:t>
+            </a:r>
             <a:r>
               <a:rPr lang="en-US" sz="2400" dirty="0" smtClean="0">
-                <a:solidFill>
-                  <a:schemeClr val="tx1"/>
-                </a:solidFill>
-                <a:latin typeface="Times New Roman" panose="02020603050405020304" pitchFamily="18" charset="0"/>
-                <a:cs typeface="Times New Roman" panose="02020603050405020304" pitchFamily="18" charset="0"/>
-              </a:rPr>
-              <a:t>There are 6 broad categories of question types, viz. ABBREV (ABB), ENTITY (ENTY), DESCRIPTION (DESC), HUMAN (HUM), LOCATION (LOC), NUMERIC (NUM)</a:t>
-            </a:r>
-          </a:p>
-          <a:p>
+                <a:latin typeface="Times New Roman" panose="02020603050405020304" pitchFamily="18" charset="0"/>
+                <a:cs typeface="Times New Roman" panose="02020603050405020304" pitchFamily="18" charset="0"/>
+              </a:rPr>
+              <a:t>be classified </a:t>
+            </a:r>
+            <a:r>
+              <a:rPr lang="en-US" sz="2400" dirty="0">
+                <a:latin typeface="Times New Roman" panose="02020603050405020304" pitchFamily="18" charset="0"/>
+                <a:cs typeface="Times New Roman" panose="02020603050405020304" pitchFamily="18" charset="0"/>
+              </a:rPr>
+              <a:t>into the type of </a:t>
+            </a:r>
+            <a:r>
+              <a:rPr lang="en-US" sz="2400" b="1" dirty="0">
+                <a:latin typeface="Times New Roman" panose="02020603050405020304" pitchFamily="18" charset="0"/>
+                <a:cs typeface="Times New Roman" panose="02020603050405020304" pitchFamily="18" charset="0"/>
+              </a:rPr>
+              <a:t>human</a:t>
+            </a:r>
+            <a:r>
+              <a:rPr lang="en-US" sz="2400" dirty="0">
+                <a:latin typeface="Times New Roman" panose="02020603050405020304" pitchFamily="18" charset="0"/>
+                <a:cs typeface="Times New Roman" panose="02020603050405020304" pitchFamily="18" charset="0"/>
+              </a:rPr>
+              <a:t> (individual</a:t>
+            </a:r>
             <a:r>
               <a:rPr lang="en-US" sz="2400" dirty="0" smtClean="0">
-                <a:solidFill>
-                  <a:schemeClr val="tx1"/>
-                </a:solidFill>
-                <a:latin typeface="Times New Roman" panose="02020603050405020304" pitchFamily="18" charset="0"/>
-                <a:cs typeface="Times New Roman" panose="02020603050405020304" pitchFamily="18" charset="0"/>
-              </a:rPr>
-              <a:t>There are 50 fine categories of question types, viz. </a:t>
-            </a:r>
-            <a:r>
-              <a:rPr lang="en-US" sz="2400" dirty="0" err="1" smtClean="0">
-                <a:solidFill>
-                  <a:schemeClr val="tx1"/>
-                </a:solidFill>
-                <a:latin typeface="Times New Roman" panose="02020603050405020304" pitchFamily="18" charset="0"/>
-                <a:cs typeface="Times New Roman" panose="02020603050405020304" pitchFamily="18" charset="0"/>
-              </a:rPr>
-              <a:t>abb</a:t>
-            </a:r>
+                <a:latin typeface="Times New Roman" panose="02020603050405020304" pitchFamily="18" charset="0"/>
+                <a:cs typeface="Times New Roman" panose="02020603050405020304" pitchFamily="18" charset="0"/>
+              </a:rPr>
+              <a:t>)</a:t>
+            </a:r>
+          </a:p>
+          <a:p>
             <a:r>
               <a:rPr lang="en-US" sz="2400" dirty="0" smtClean="0">
-                <a:solidFill>
-                  <a:schemeClr val="tx1"/>
-                </a:solidFill>
-                <a:latin typeface="Times New Roman" panose="02020603050405020304" pitchFamily="18" charset="0"/>
-                <a:cs typeface="Times New Roman" panose="02020603050405020304" pitchFamily="18" charset="0"/>
-              </a:rPr>
-              <a:t>, animal, definition, group, city, count etc.</a:t>
+                <a:latin typeface="Times New Roman" panose="02020603050405020304" pitchFamily="18" charset="0"/>
+                <a:cs typeface="Times New Roman" panose="02020603050405020304" pitchFamily="18" charset="0"/>
+              </a:rPr>
+              <a:t>This </a:t>
+            </a:r>
+            <a:r>
+              <a:rPr lang="en-US" sz="2400" dirty="0">
+                <a:latin typeface="Times New Roman" panose="02020603050405020304" pitchFamily="18" charset="0"/>
+                <a:cs typeface="Times New Roman" panose="02020603050405020304" pitchFamily="18" charset="0"/>
+              </a:rPr>
+              <a:t>information would narrow down the search space to identify </a:t>
+            </a:r>
+            <a:r>
+              <a:rPr lang="en-US" sz="2400" dirty="0" smtClean="0">
+                <a:latin typeface="Times New Roman" panose="02020603050405020304" pitchFamily="18" charset="0"/>
+                <a:cs typeface="Times New Roman" panose="02020603050405020304" pitchFamily="18" charset="0"/>
+              </a:rPr>
+              <a:t>the correct answer string</a:t>
+            </a:r>
+          </a:p>
+          <a:p>
+            <a:r>
+              <a:rPr lang="en-US" sz="2400" dirty="0" smtClean="0">
+                <a:latin typeface="Times New Roman" panose="02020603050405020304" pitchFamily="18" charset="0"/>
+                <a:cs typeface="Times New Roman" panose="02020603050405020304" pitchFamily="18" charset="0"/>
+              </a:rPr>
+              <a:t>This </a:t>
+            </a:r>
+            <a:r>
+              <a:rPr lang="en-US" sz="2400" dirty="0">
+                <a:latin typeface="Times New Roman" panose="02020603050405020304" pitchFamily="18" charset="0"/>
+                <a:cs typeface="Times New Roman" panose="02020603050405020304" pitchFamily="18" charset="0"/>
+              </a:rPr>
+              <a:t>information can suggest different strategies to search and verify a candidate answer</a:t>
             </a:r>
           </a:p>
         </p:txBody>
@@ -14744,20 +13342,13 @@
     </p:spTree>
     <p:extLst>
       <p:ext uri="{BB962C8B-B14F-4D97-AF65-F5344CB8AC3E}">
-        <p14:creationId xmlns:p14="http://schemas.microsoft.com/office/powerpoint/2010/main" xmlns="" val="2825216550"/>
+        <p14:creationId xmlns:p14="http://schemas.microsoft.com/office/powerpoint/2010/main" val="2825216550"/>
       </p:ext>
     </p:extLst>
   </p:cSld>
   <p:clrMapOvr>
     <a:masterClrMapping/>
   </p:clrMapOvr>
-  <p:timing>
-    <p:tnLst>
-      <p:par>
-        <p:cTn id="1" dur="indefinite" restart="never" nodeType="tmRoot"/>
-      </p:par>
-    </p:tnLst>
-  </p:timing>
 </p:sld>
 </file>
 
@@ -14799,7 +13390,7 @@
                 <a:latin typeface="Times New Roman" panose="02020603050405020304" pitchFamily="18" charset="0"/>
                 <a:cs typeface="Times New Roman" panose="02020603050405020304" pitchFamily="18" charset="0"/>
               </a:rPr>
-              <a:t>Attack Specification</a:t>
+              <a:t>Demo</a:t>
             </a:r>
             <a:endParaRPr lang="en-US" dirty="0">
               <a:latin typeface="Times New Roman" panose="02020603050405020304" pitchFamily="18" charset="0"/>
@@ -14810,22 +13401,24 @@
       </p:sp>
       <p:pic>
         <p:nvPicPr>
-          <p:cNvPr id="8" name="Picture 7"/>
+          <p:cNvPr id="6" name="Content Placeholder 5"/>
           <p:cNvPicPr>
-            <a:picLocks noChangeAspect="1"/>
+            <a:picLocks noGrp="1" noChangeAspect="1"/>
           </p:cNvPicPr>
-          <p:nvPr/>
+          <p:nvPr>
+            <p:ph idx="1"/>
+          </p:nvPr>
         </p:nvPicPr>
         <p:blipFill>
-          <a:blip r:embed="rId2" cstate="print"/>
+          <a:blip r:embed="rId2"/>
           <a:stretch>
             <a:fillRect/>
           </a:stretch>
         </p:blipFill>
         <p:spPr>
           <a:xfrm>
-            <a:off x="881745" y="1359765"/>
-            <a:ext cx="9742033" cy="5091380"/>
+            <a:off x="677334" y="1665514"/>
+            <a:ext cx="9457266" cy="5290457"/>
           </a:xfrm>
           <a:prstGeom prst="rect">
             <a:avLst/>
@@ -14835,7 +13428,7 @@
     </p:spTree>
     <p:extLst>
       <p:ext uri="{BB962C8B-B14F-4D97-AF65-F5344CB8AC3E}">
-        <p14:creationId xmlns:p14="http://schemas.microsoft.com/office/powerpoint/2010/main" xmlns="" val="80402499"/>
+        <p14:creationId xmlns:p14="http://schemas.microsoft.com/office/powerpoint/2010/main" val="1234562108"/>
       </p:ext>
     </p:extLst>
   </p:cSld>
@@ -14879,33 +13472,37 @@
           <a:p>
             <a:pPr algn="ctr"/>
             <a:r>
-              <a:rPr lang="en-US" dirty="0">
-                <a:latin typeface="Times New Roman" panose="02020603050405020304" pitchFamily="18" charset="0"/>
-                <a:cs typeface="Times New Roman" panose="02020603050405020304" pitchFamily="18" charset="0"/>
-              </a:rPr>
-              <a:t>Attack Specification</a:t>
-            </a:r>
+              <a:rPr lang="en-US" dirty="0" smtClean="0">
+                <a:latin typeface="Times New Roman" panose="02020603050405020304" pitchFamily="18" charset="0"/>
+                <a:cs typeface="Times New Roman" panose="02020603050405020304" pitchFamily="18" charset="0"/>
+              </a:rPr>
+              <a:t>Demo</a:t>
+            </a:r>
+            <a:endParaRPr lang="en-US" dirty="0">
+              <a:latin typeface="Times New Roman" panose="02020603050405020304" pitchFamily="18" charset="0"/>
+              <a:cs typeface="Times New Roman" panose="02020603050405020304" pitchFamily="18" charset="0"/>
+            </a:endParaRPr>
           </a:p>
         </p:txBody>
       </p:sp>
       <p:pic>
         <p:nvPicPr>
-          <p:cNvPr id="3" name="Picture 2"/>
+          <p:cNvPr id="4" name="Picture 3"/>
           <p:cNvPicPr>
             <a:picLocks noChangeAspect="1"/>
           </p:cNvPicPr>
           <p:nvPr/>
         </p:nvPicPr>
         <p:blipFill>
-          <a:blip r:embed="rId2" cstate="print"/>
+          <a:blip r:embed="rId2"/>
           <a:stretch>
             <a:fillRect/>
           </a:stretch>
         </p:blipFill>
         <p:spPr>
           <a:xfrm>
-            <a:off x="3367087" y="1543050"/>
-            <a:ext cx="5457825" cy="3771900"/>
+            <a:off x="1263477" y="1764165"/>
+            <a:ext cx="8010525" cy="2067606"/>
           </a:xfrm>
           <a:prstGeom prst="rect">
             <a:avLst/>
@@ -14915,7 +13512,7 @@
     </p:spTree>
     <p:extLst>
       <p:ext uri="{BB962C8B-B14F-4D97-AF65-F5344CB8AC3E}">
-        <p14:creationId xmlns:p14="http://schemas.microsoft.com/office/powerpoint/2010/main" xmlns="" val="3308620933"/>
+        <p14:creationId xmlns:p14="http://schemas.microsoft.com/office/powerpoint/2010/main" val="486726529"/>
       </p:ext>
     </p:extLst>
   </p:cSld>
@@ -14952,12 +13549,7 @@
             <p:ph type="title"/>
           </p:nvPr>
         </p:nvSpPr>
-        <p:spPr>
-          <a:xfrm>
-            <a:off x="696036" y="609600"/>
-            <a:ext cx="8577966" cy="891654"/>
-          </a:xfrm>
-        </p:spPr>
+        <p:spPr/>
         <p:txBody>
           <a:bodyPr/>
           <a:lstStyle/>
@@ -14968,7 +13560,7 @@
                 <a:latin typeface="Times New Roman" panose="02020603050405020304" pitchFamily="18" charset="0"/>
                 <a:cs typeface="Times New Roman" panose="02020603050405020304" pitchFamily="18" charset="0"/>
               </a:rPr>
-              <a:t>Load Testing Results</a:t>
+              <a:t>Demo</a:t>
             </a:r>
             <a:endParaRPr lang="en-US" dirty="0">
               <a:latin typeface="Times New Roman" panose="02020603050405020304" pitchFamily="18" charset="0"/>
@@ -14979,87 +13571,56 @@
       </p:sp>
       <p:pic>
         <p:nvPicPr>
-          <p:cNvPr id="5" name="Picture 4"/>
+          <p:cNvPr id="6" name="Picture 5"/>
           <p:cNvPicPr>
             <a:picLocks noChangeAspect="1"/>
           </p:cNvPicPr>
           <p:nvPr/>
         </p:nvPicPr>
         <p:blipFill>
-          <a:blip r:embed="rId2" cstate="print"/>
-          <a:srcRect b="25715"/>
+          <a:blip r:embed="rId2"/>
           <a:stretch>
             <a:fillRect/>
           </a:stretch>
         </p:blipFill>
         <p:spPr>
           <a:xfrm>
-            <a:off x="498089" y="3049517"/>
-            <a:ext cx="11279929" cy="2423235"/>
+            <a:off x="1299482" y="3708626"/>
+            <a:ext cx="7677150" cy="1451203"/>
           </a:xfrm>
           <a:prstGeom prst="rect">
             <a:avLst/>
           </a:prstGeom>
         </p:spPr>
       </p:pic>
-      <p:sp>
-        <p:nvSpPr>
-          <p:cNvPr id="7" name="Content Placeholder 2"/>
-          <p:cNvSpPr>
-            <a:spLocks noGrp="1"/>
-          </p:cNvSpPr>
-          <p:nvPr>
-            <p:ph idx="1"/>
-          </p:nvPr>
-        </p:nvSpPr>
+      <p:pic>
+        <p:nvPicPr>
+          <p:cNvPr id="7" name="Picture 6"/>
+          <p:cNvPicPr>
+            <a:picLocks noChangeAspect="1"/>
+          </p:cNvPicPr>
+          <p:nvPr/>
+        </p:nvPicPr>
+        <p:blipFill>
+          <a:blip r:embed="rId3"/>
+          <a:stretch>
+            <a:fillRect/>
+          </a:stretch>
+        </p:blipFill>
         <p:spPr>
           <a:xfrm>
-            <a:off x="327545" y="1588892"/>
-            <a:ext cx="11614245" cy="5269108"/>
+            <a:off x="1299482" y="1755321"/>
+            <a:ext cx="3990975" cy="800100"/>
           </a:xfrm>
+          <a:prstGeom prst="rect">
+            <a:avLst/>
+          </a:prstGeom>
         </p:spPr>
-        <p:txBody>
-          <a:bodyPr>
-            <a:noAutofit/>
-          </a:bodyPr>
-          <a:lstStyle/>
-          <a:p>
-            <a:r>
-              <a:rPr lang="en-US" sz="2400" dirty="0" smtClean="0">
-                <a:solidFill>
-                  <a:schemeClr val="tx1"/>
-                </a:solidFill>
-                <a:latin typeface="Times New Roman" panose="02020603050405020304" pitchFamily="18" charset="0"/>
-                <a:cs typeface="Times New Roman" panose="02020603050405020304" pitchFamily="18" charset="0"/>
-              </a:rPr>
-              <a:t>Load testing results for 100 users</a:t>
-            </a:r>
-            <a:endParaRPr lang="en-US" sz="2400" dirty="0">
-              <a:solidFill>
-                <a:schemeClr val="tx1"/>
-              </a:solidFill>
-              <a:latin typeface="Times New Roman" panose="02020603050405020304" pitchFamily="18" charset="0"/>
-              <a:cs typeface="Times New Roman" panose="02020603050405020304" pitchFamily="18" charset="0"/>
-            </a:endParaRPr>
-          </a:p>
-          <a:p>
-            <a:r>
-              <a:rPr lang="en-US" sz="2400" dirty="0" smtClean="0">
-                <a:solidFill>
-                  <a:schemeClr val="tx1"/>
-                </a:solidFill>
-                <a:latin typeface="Times New Roman" panose="02020603050405020304" pitchFamily="18" charset="0"/>
-                <a:cs typeface="Times New Roman" panose="02020603050405020304" pitchFamily="18" charset="0"/>
-              </a:rPr>
-              <a:t>As observed, the application died after 26 simultaneous requests</a:t>
-            </a:r>
-          </a:p>
-        </p:txBody>
-      </p:sp>
+      </p:pic>
     </p:spTree>
     <p:extLst>
       <p:ext uri="{BB962C8B-B14F-4D97-AF65-F5344CB8AC3E}">
-        <p14:creationId xmlns:p14="http://schemas.microsoft.com/office/powerpoint/2010/main" xmlns="" val="1781694115"/>
+        <p14:creationId xmlns:p14="http://schemas.microsoft.com/office/powerpoint/2010/main" val="3133683836"/>
       </p:ext>
     </p:extLst>
   </p:cSld>
@@ -15107,7 +13668,7 @@
                 <a:latin typeface="Times New Roman" panose="02020603050405020304" pitchFamily="18" charset="0"/>
                 <a:cs typeface="Times New Roman" panose="02020603050405020304" pitchFamily="18" charset="0"/>
               </a:rPr>
-              <a:t>Demo</a:t>
+              <a:t>Evaluation</a:t>
             </a:r>
             <a:endParaRPr lang="en-US" dirty="0">
               <a:latin typeface="Times New Roman" panose="02020603050405020304" pitchFamily="18" charset="0"/>
@@ -15116,34 +13677,179 @@
           </a:p>
         </p:txBody>
       </p:sp>
-      <p:pic>
-        <p:nvPicPr>
-          <p:cNvPr id="5" name="Picture 4"/>
-          <p:cNvPicPr>
-            <a:picLocks noChangeAspect="1"/>
-          </p:cNvPicPr>
-          <p:nvPr/>
-        </p:nvPicPr>
-        <p:blipFill>
-          <a:blip r:embed="rId2" cstate="print"/>
-          <a:stretch>
-            <a:fillRect/>
-          </a:stretch>
-        </p:blipFill>
+      <p:sp>
+        <p:nvSpPr>
+          <p:cNvPr id="3" name="Content Placeholder 2"/>
+          <p:cNvSpPr>
+            <a:spLocks noGrp="1"/>
+          </p:cNvSpPr>
+          <p:nvPr>
+            <p:ph idx="1"/>
+          </p:nvPr>
+        </p:nvSpPr>
         <p:spPr>
           <a:xfrm>
-            <a:off x="961345" y="2246539"/>
-            <a:ext cx="6677717" cy="755968"/>
+            <a:off x="677334" y="1930400"/>
+            <a:ext cx="8596668" cy="3880773"/>
           </a:xfrm>
-          <a:prstGeom prst="rect">
-            <a:avLst/>
-          </a:prstGeom>
         </p:spPr>
-      </p:pic>
+        <p:txBody>
+          <a:bodyPr>
+            <a:noAutofit/>
+          </a:bodyPr>
+          <a:lstStyle/>
+          <a:p>
+            <a:r>
+              <a:rPr lang="en-US" sz="2400" dirty="0" smtClean="0">
+                <a:latin typeface="Times New Roman" panose="02020603050405020304" pitchFamily="18" charset="0"/>
+                <a:cs typeface="Times New Roman" panose="02020603050405020304" pitchFamily="18" charset="0"/>
+              </a:rPr>
+              <a:t>Comparing the results with the results obtained by the </a:t>
+            </a:r>
+            <a:r>
+              <a:rPr lang="en-US" sz="2400" dirty="0">
+                <a:latin typeface="Times New Roman" panose="02020603050405020304" pitchFamily="18" charset="0"/>
+                <a:cs typeface="Times New Roman" panose="02020603050405020304" pitchFamily="18" charset="0"/>
+              </a:rPr>
+              <a:t>Text Retrieval </a:t>
+            </a:r>
+            <a:r>
+              <a:rPr lang="en-US" sz="2400" dirty="0" smtClean="0">
+                <a:latin typeface="Times New Roman" panose="02020603050405020304" pitchFamily="18" charset="0"/>
+                <a:cs typeface="Times New Roman" panose="02020603050405020304" pitchFamily="18" charset="0"/>
+              </a:rPr>
+              <a:t>Conference (TREC) QA model (</a:t>
+            </a:r>
+            <a:r>
+              <a:rPr lang="en-US" sz="2400" dirty="0" smtClean="0">
+                <a:latin typeface="Times New Roman" panose="02020603050405020304" pitchFamily="18" charset="0"/>
+                <a:cs typeface="Times New Roman" panose="02020603050405020304" pitchFamily="18" charset="0"/>
+                <a:hlinkClick r:id="rId2"/>
+              </a:rPr>
+              <a:t>http</a:t>
+            </a:r>
+            <a:r>
+              <a:rPr lang="en-US" sz="2400" dirty="0">
+                <a:latin typeface="Times New Roman" panose="02020603050405020304" pitchFamily="18" charset="0"/>
+                <a:cs typeface="Times New Roman" panose="02020603050405020304" pitchFamily="18" charset="0"/>
+                <a:hlinkClick r:id="rId2"/>
+              </a:rPr>
+              <a:t>://trec.nist.gov</a:t>
+            </a:r>
+            <a:r>
+              <a:rPr lang="en-US" sz="2400" dirty="0" smtClean="0">
+                <a:latin typeface="Times New Roman" panose="02020603050405020304" pitchFamily="18" charset="0"/>
+                <a:cs typeface="Times New Roman" panose="02020603050405020304" pitchFamily="18" charset="0"/>
+                <a:hlinkClick r:id="rId2"/>
+              </a:rPr>
+              <a:t>/</a:t>
+            </a:r>
+            <a:r>
+              <a:rPr lang="en-US" sz="2400" dirty="0" smtClean="0">
+                <a:latin typeface="Times New Roman" panose="02020603050405020304" pitchFamily="18" charset="0"/>
+                <a:cs typeface="Times New Roman" panose="02020603050405020304" pitchFamily="18" charset="0"/>
+              </a:rPr>
+              <a:t>)</a:t>
+            </a:r>
+          </a:p>
+          <a:p>
+            <a:endParaRPr lang="en-US" sz="2400" dirty="0" smtClean="0">
+              <a:latin typeface="Times New Roman" panose="02020603050405020304" pitchFamily="18" charset="0"/>
+              <a:cs typeface="Times New Roman" panose="02020603050405020304" pitchFamily="18" charset="0"/>
+            </a:endParaRPr>
+          </a:p>
+          <a:p>
+            <a:r>
+              <a:rPr lang="en-US" sz="2400" dirty="0" smtClean="0">
+                <a:latin typeface="Times New Roman" panose="02020603050405020304" pitchFamily="18" charset="0"/>
+                <a:cs typeface="Times New Roman" panose="02020603050405020304" pitchFamily="18" charset="0"/>
+              </a:rPr>
+              <a:t>The </a:t>
+            </a:r>
+            <a:r>
+              <a:rPr lang="en-US" sz="2400" dirty="0">
+                <a:latin typeface="Times New Roman" panose="02020603050405020304" pitchFamily="18" charset="0"/>
+                <a:cs typeface="Times New Roman" panose="02020603050405020304" pitchFamily="18" charset="0"/>
+              </a:rPr>
+              <a:t>focus of the </a:t>
+            </a:r>
+            <a:r>
+              <a:rPr lang="en-US" sz="2400" dirty="0" smtClean="0">
+                <a:latin typeface="Times New Roman" panose="02020603050405020304" pitchFamily="18" charset="0"/>
+                <a:cs typeface="Times New Roman" panose="02020603050405020304" pitchFamily="18" charset="0"/>
+              </a:rPr>
+              <a:t>TREC QA </a:t>
+            </a:r>
+            <a:r>
+              <a:rPr lang="en-US" sz="2400" dirty="0">
+                <a:latin typeface="Times New Roman" panose="02020603050405020304" pitchFamily="18" charset="0"/>
+                <a:cs typeface="Times New Roman" panose="02020603050405020304" pitchFamily="18" charset="0"/>
+              </a:rPr>
+              <a:t>track is to build a fully automatic open-domain </a:t>
+            </a:r>
+            <a:r>
+              <a:rPr lang="en-US" sz="2400" dirty="0" smtClean="0">
+                <a:latin typeface="Times New Roman" panose="02020603050405020304" pitchFamily="18" charset="0"/>
+                <a:cs typeface="Times New Roman" panose="02020603050405020304" pitchFamily="18" charset="0"/>
+              </a:rPr>
+              <a:t>question answering system</a:t>
+            </a:r>
+            <a:r>
+              <a:rPr lang="en-US" sz="2400" dirty="0">
+                <a:latin typeface="Times New Roman" panose="02020603050405020304" pitchFamily="18" charset="0"/>
+                <a:cs typeface="Times New Roman" panose="02020603050405020304" pitchFamily="18" charset="0"/>
+              </a:rPr>
+              <a:t>, which can answer factual questions based </a:t>
+            </a:r>
+            <a:r>
+              <a:rPr lang="en-US" sz="2400" dirty="0" smtClean="0">
+                <a:latin typeface="Times New Roman" panose="02020603050405020304" pitchFamily="18" charset="0"/>
+                <a:cs typeface="Times New Roman" panose="02020603050405020304" pitchFamily="18" charset="0"/>
+              </a:rPr>
+              <a:t>on very </a:t>
+            </a:r>
+            <a:r>
+              <a:rPr lang="en-US" sz="2400" dirty="0">
+                <a:latin typeface="Times New Roman" panose="02020603050405020304" pitchFamily="18" charset="0"/>
+                <a:cs typeface="Times New Roman" panose="02020603050405020304" pitchFamily="18" charset="0"/>
+              </a:rPr>
+              <a:t>large document </a:t>
+            </a:r>
+            <a:r>
+              <a:rPr lang="en-US" sz="2400" dirty="0" smtClean="0">
+                <a:latin typeface="Times New Roman" panose="02020603050405020304" pitchFamily="18" charset="0"/>
+                <a:cs typeface="Times New Roman" panose="02020603050405020304" pitchFamily="18" charset="0"/>
+              </a:rPr>
+              <a:t>sets</a:t>
+            </a:r>
+          </a:p>
+          <a:p>
+            <a:pPr lvl="1"/>
+            <a:endParaRPr lang="en-US" sz="2400" dirty="0" smtClean="0">
+              <a:latin typeface="Times New Roman" panose="02020603050405020304" pitchFamily="18" charset="0"/>
+              <a:cs typeface="Times New Roman" panose="02020603050405020304" pitchFamily="18" charset="0"/>
+            </a:endParaRPr>
+          </a:p>
+          <a:p>
+            <a:pPr lvl="1"/>
+            <a:endParaRPr lang="en-US" sz="2400" dirty="0">
+              <a:latin typeface="Times New Roman" panose="02020603050405020304" pitchFamily="18" charset="0"/>
+              <a:cs typeface="Times New Roman" panose="02020603050405020304" pitchFamily="18" charset="0"/>
+            </a:endParaRPr>
+          </a:p>
+          <a:p>
+            <a:pPr lvl="1"/>
+            <a:endParaRPr lang="en-US" sz="2400" dirty="0" smtClean="0">
+              <a:latin typeface="Times New Roman" panose="02020603050405020304" pitchFamily="18" charset="0"/>
+              <a:cs typeface="Times New Roman" panose="02020603050405020304" pitchFamily="18" charset="0"/>
+            </a:endParaRPr>
+          </a:p>
+        </p:txBody>
+      </p:sp>
     </p:spTree>
     <p:extLst>
       <p:ext uri="{BB962C8B-B14F-4D97-AF65-F5344CB8AC3E}">
-        <p14:creationId xmlns:p14="http://schemas.microsoft.com/office/powerpoint/2010/main" xmlns="" val="861869716"/>
+        <p14:creationId xmlns:p14="http://schemas.microsoft.com/office/powerpoint/2010/main" val="1897188464"/>
       </p:ext>
     </p:extLst>
   </p:cSld>
@@ -15172,62 +13878,91 @@
       </p:grpSpPr>
       <p:sp>
         <p:nvSpPr>
-          <p:cNvPr id="2" name="Title 1"/>
-          <p:cNvSpPr>
-            <a:spLocks noGrp="1"/>
-          </p:cNvSpPr>
-          <p:nvPr>
-            <p:ph type="title"/>
-          </p:nvPr>
-        </p:nvSpPr>
-        <p:spPr/>
+          <p:cNvPr id="3" name="Content Placeholder 2"/>
+          <p:cNvSpPr>
+            <a:spLocks noGrp="1"/>
+          </p:cNvSpPr>
+          <p:nvPr>
+            <p:ph idx="1"/>
+          </p:nvPr>
+        </p:nvSpPr>
+        <p:spPr>
+          <a:xfrm>
+            <a:off x="666317" y="1587712"/>
+            <a:ext cx="8596668" cy="3880773"/>
+          </a:xfrm>
+        </p:spPr>
         <p:txBody>
           <a:bodyPr/>
           <a:lstStyle/>
           <a:p>
-            <a:pPr algn="ctr"/>
-            <a:r>
-              <a:rPr lang="en-US" dirty="0" smtClean="0">
-                <a:latin typeface="Times New Roman" panose="02020603050405020304" pitchFamily="18" charset="0"/>
-                <a:cs typeface="Times New Roman" panose="02020603050405020304" pitchFamily="18" charset="0"/>
-              </a:rPr>
-              <a:t>Demo</a:t>
-            </a:r>
-            <a:endParaRPr lang="en-US" dirty="0">
+            <a:r>
+              <a:rPr lang="en-US" sz="2400" dirty="0" smtClean="0">
+                <a:latin typeface="Times New Roman" panose="02020603050405020304" pitchFamily="18" charset="0"/>
+                <a:cs typeface="Times New Roman" panose="02020603050405020304" pitchFamily="18" charset="0"/>
+              </a:rPr>
+              <a:t>Compare results with previous </a:t>
+            </a:r>
+            <a:r>
+              <a:rPr lang="en-US" sz="2400" dirty="0">
+                <a:latin typeface="Times New Roman" panose="02020603050405020304" pitchFamily="18" charset="0"/>
+                <a:cs typeface="Times New Roman" panose="02020603050405020304" pitchFamily="18" charset="0"/>
+              </a:rPr>
+              <a:t>research papers based upon,</a:t>
+            </a:r>
+          </a:p>
+          <a:p>
+            <a:pPr lvl="1"/>
+            <a:r>
+              <a:rPr lang="en-US" sz="2400" dirty="0">
+                <a:latin typeface="Times New Roman" panose="02020603050405020304" pitchFamily="18" charset="0"/>
+                <a:cs typeface="Times New Roman" panose="02020603050405020304" pitchFamily="18" charset="0"/>
+              </a:rPr>
+              <a:t>Accuracy</a:t>
+            </a:r>
+          </a:p>
+          <a:p>
+            <a:pPr lvl="1"/>
+            <a:r>
+              <a:rPr lang="en-US" sz="2400" dirty="0">
+                <a:latin typeface="Times New Roman" panose="02020603050405020304" pitchFamily="18" charset="0"/>
+                <a:cs typeface="Times New Roman" panose="02020603050405020304" pitchFamily="18" charset="0"/>
+              </a:rPr>
+              <a:t>Precision</a:t>
+            </a:r>
+          </a:p>
+          <a:p>
+            <a:pPr lvl="1"/>
+            <a:r>
+              <a:rPr lang="en-US" sz="2400" dirty="0" smtClean="0">
+                <a:latin typeface="Times New Roman" panose="02020603050405020304" pitchFamily="18" charset="0"/>
+                <a:cs typeface="Times New Roman" panose="02020603050405020304" pitchFamily="18" charset="0"/>
+              </a:rPr>
+              <a:t>Recall</a:t>
+            </a:r>
+            <a:endParaRPr lang="en-US" sz="2400" dirty="0">
               <a:latin typeface="Times New Roman" panose="02020603050405020304" pitchFamily="18" charset="0"/>
               <a:cs typeface="Times New Roman" panose="02020603050405020304" pitchFamily="18" charset="0"/>
             </a:endParaRPr>
           </a:p>
-        </p:txBody>
-      </p:sp>
-      <p:pic>
-        <p:nvPicPr>
-          <p:cNvPr id="4" name="Picture 3"/>
-          <p:cNvPicPr>
-            <a:picLocks noChangeAspect="1"/>
-          </p:cNvPicPr>
-          <p:nvPr/>
-        </p:nvPicPr>
-        <p:blipFill>
-          <a:blip r:embed="rId2" cstate="print"/>
-          <a:stretch>
-            <a:fillRect/>
-          </a:stretch>
-        </p:blipFill>
-        <p:spPr>
-          <a:xfrm>
-            <a:off x="1263477" y="1764165"/>
-            <a:ext cx="8010525" cy="2067606"/>
-          </a:xfrm>
-          <a:prstGeom prst="rect">
-            <a:avLst/>
-          </a:prstGeom>
-        </p:spPr>
-      </p:pic>
+          <a:p>
+            <a:r>
+              <a:rPr lang="en-US" sz="2400" dirty="0">
+                <a:latin typeface="Times New Roman" panose="02020603050405020304" pitchFamily="18" charset="0"/>
+                <a:cs typeface="Times New Roman" panose="02020603050405020304" pitchFamily="18" charset="0"/>
+              </a:rPr>
+              <a:t>Check the results with other algorithms used and identify the best performing algorithm among them</a:t>
+            </a:r>
+          </a:p>
+          <a:p>
+            <a:endParaRPr lang="en-US" dirty="0"/>
+          </a:p>
+        </p:txBody>
+      </p:sp>
     </p:spTree>
     <p:extLst>
       <p:ext uri="{BB962C8B-B14F-4D97-AF65-F5344CB8AC3E}">
-        <p14:creationId xmlns:p14="http://schemas.microsoft.com/office/powerpoint/2010/main" xmlns="" val="486726529"/>
+        <p14:creationId xmlns:p14="http://schemas.microsoft.com/office/powerpoint/2010/main" val="3365601525"/>
       </p:ext>
     </p:extLst>
   </p:cSld>
@@ -15275,7 +14010,7 @@
                 <a:latin typeface="Times New Roman" panose="02020603050405020304" pitchFamily="18" charset="0"/>
                 <a:cs typeface="Times New Roman" panose="02020603050405020304" pitchFamily="18" charset="0"/>
               </a:rPr>
-              <a:t>Demo</a:t>
+              <a:t>Future Work</a:t>
             </a:r>
             <a:endParaRPr lang="en-US" dirty="0">
               <a:latin typeface="Times New Roman" panose="02020603050405020304" pitchFamily="18" charset="0"/>
@@ -15284,84 +14019,6 @@
           </a:p>
         </p:txBody>
       </p:sp>
-      <p:pic>
-        <p:nvPicPr>
-          <p:cNvPr id="6" name="Picture 5"/>
-          <p:cNvPicPr>
-            <a:picLocks noChangeAspect="1"/>
-          </p:cNvPicPr>
-          <p:nvPr/>
-        </p:nvPicPr>
-        <p:blipFill>
-          <a:blip r:embed="rId2" cstate="print"/>
-          <a:stretch>
-            <a:fillRect/>
-          </a:stretch>
-        </p:blipFill>
-        <p:spPr>
-          <a:xfrm>
-            <a:off x="576151" y="3681331"/>
-            <a:ext cx="9260374" cy="1750478"/>
-          </a:xfrm>
-          <a:prstGeom prst="rect">
-            <a:avLst/>
-          </a:prstGeom>
-        </p:spPr>
-      </p:pic>
-      <p:pic>
-        <p:nvPicPr>
-          <p:cNvPr id="7" name="Picture 6"/>
-          <p:cNvPicPr>
-            <a:picLocks noChangeAspect="1"/>
-          </p:cNvPicPr>
-          <p:nvPr/>
-        </p:nvPicPr>
-        <p:blipFill>
-          <a:blip r:embed="rId3" cstate="print"/>
-          <a:stretch>
-            <a:fillRect/>
-          </a:stretch>
-        </p:blipFill>
-        <p:spPr>
-          <a:xfrm>
-            <a:off x="1299482" y="1755320"/>
-            <a:ext cx="5472245" cy="1097061"/>
-          </a:xfrm>
-          <a:prstGeom prst="rect">
-            <a:avLst/>
-          </a:prstGeom>
-        </p:spPr>
-      </p:pic>
-    </p:spTree>
-    <p:extLst>
-      <p:ext uri="{BB962C8B-B14F-4D97-AF65-F5344CB8AC3E}">
-        <p14:creationId xmlns:p14="http://schemas.microsoft.com/office/powerpoint/2010/main" xmlns="" val="3133683836"/>
-      </p:ext>
-    </p:extLst>
-  </p:cSld>
-  <p:clrMapOvr>
-    <a:masterClrMapping/>
-  </p:clrMapOvr>
-</p:sld>
-</file>
-
-<file path=ppt/slides/slide46.xml><?xml version="1.0" encoding="utf-8"?>
-<p:sld xmlns:a="http://schemas.openxmlformats.org/drawingml/2006/main" xmlns:r="http://schemas.openxmlformats.org/officeDocument/2006/relationships" xmlns:p="http://schemas.openxmlformats.org/presentationml/2006/main">
-  <p:cSld>
-    <p:spTree>
-      <p:nvGrpSpPr>
-        <p:cNvPr id="1" name=""/>
-        <p:cNvGrpSpPr/>
-        <p:nvPr/>
-      </p:nvGrpSpPr>
-      <p:grpSpPr>
-        <a:xfrm>
-          <a:off x="0" y="0"/>
-          <a:ext cx="0" cy="0"/>
-          <a:chOff x="0" y="0"/>
-          <a:chExt cx="0" cy="0"/>
-        </a:xfrm>
-      </p:grpSpPr>
       <p:sp>
         <p:nvSpPr>
           <p:cNvPr id="3" name="Content Placeholder 2"/>
@@ -15372,343 +14029,7 @@
             <p:ph idx="1"/>
           </p:nvPr>
         </p:nvSpPr>
-        <p:spPr>
-          <a:xfrm>
-            <a:off x="532263" y="1367374"/>
-            <a:ext cx="8741739" cy="5688519"/>
-          </a:xfrm>
-        </p:spPr>
-        <p:txBody>
-          <a:bodyPr/>
-          <a:lstStyle/>
-          <a:p>
-            <a:r>
-              <a:rPr lang="en-US" dirty="0" smtClean="0">
-                <a:solidFill>
-                  <a:schemeClr val="tx1"/>
-                </a:solidFill>
-                <a:latin typeface="Times New Roman" panose="02020603050405020304" pitchFamily="18" charset="0"/>
-                <a:cs typeface="Times New Roman" panose="02020603050405020304" pitchFamily="18" charset="0"/>
-              </a:rPr>
-              <a:t>Predicting using a question from the FAQ set</a:t>
-            </a:r>
-            <a:endParaRPr lang="en-US" dirty="0">
-              <a:solidFill>
-                <a:schemeClr val="tx1"/>
-              </a:solidFill>
-              <a:latin typeface="Times New Roman" panose="02020603050405020304" pitchFamily="18" charset="0"/>
-              <a:cs typeface="Times New Roman" panose="02020603050405020304" pitchFamily="18" charset="0"/>
-            </a:endParaRPr>
-          </a:p>
-          <a:p>
-            <a:endParaRPr lang="en-US" dirty="0">
-              <a:solidFill>
-                <a:schemeClr val="tx1"/>
-              </a:solidFill>
-              <a:latin typeface="Times New Roman" panose="02020603050405020304" pitchFamily="18" charset="0"/>
-              <a:cs typeface="Times New Roman" panose="02020603050405020304" pitchFamily="18" charset="0"/>
-            </a:endParaRPr>
-          </a:p>
-        </p:txBody>
-      </p:sp>
-      <p:pic>
-        <p:nvPicPr>
-          <p:cNvPr id="2051" name="Picture 3"/>
-          <p:cNvPicPr>
-            <a:picLocks noChangeAspect="1" noChangeArrowheads="1"/>
-          </p:cNvPicPr>
-          <p:nvPr/>
-        </p:nvPicPr>
-        <p:blipFill>
-          <a:blip r:embed="rId2" cstate="print"/>
-          <a:srcRect b="24890"/>
-          <a:stretch>
-            <a:fillRect/>
-          </a:stretch>
-        </p:blipFill>
-        <p:spPr bwMode="auto">
-          <a:xfrm>
-            <a:off x="1071421" y="2348481"/>
-            <a:ext cx="7210425" cy="2387292"/>
-          </a:xfrm>
-          <a:prstGeom prst="rect">
-            <a:avLst/>
-          </a:prstGeom>
-          <a:noFill/>
-          <a:ln w="9525">
-            <a:noFill/>
-            <a:miter lim="800000"/>
-            <a:headEnd/>
-            <a:tailEnd/>
-          </a:ln>
-        </p:spPr>
-      </p:pic>
-    </p:spTree>
-    <p:extLst>
-      <p:ext uri="{BB962C8B-B14F-4D97-AF65-F5344CB8AC3E}">
-        <p14:creationId xmlns:p14="http://schemas.microsoft.com/office/powerpoint/2010/main" xmlns="" val="3507593555"/>
-      </p:ext>
-    </p:extLst>
-  </p:cSld>
-  <p:clrMapOvr>
-    <a:masterClrMapping/>
-  </p:clrMapOvr>
-</p:sld>
-</file>
-
-<file path=ppt/slides/slide47.xml><?xml version="1.0" encoding="utf-8"?>
-<p:sld xmlns:a="http://schemas.openxmlformats.org/drawingml/2006/main" xmlns:r="http://schemas.openxmlformats.org/officeDocument/2006/relationships" xmlns:p="http://schemas.openxmlformats.org/presentationml/2006/main">
-  <p:cSld>
-    <p:spTree>
-      <p:nvGrpSpPr>
-        <p:cNvPr id="1" name=""/>
-        <p:cNvGrpSpPr/>
-        <p:nvPr/>
-      </p:nvGrpSpPr>
-      <p:grpSpPr>
-        <a:xfrm>
-          <a:off x="0" y="0"/>
-          <a:ext cx="0" cy="0"/>
-          <a:chOff x="0" y="0"/>
-          <a:chExt cx="0" cy="0"/>
-        </a:xfrm>
-      </p:grpSpPr>
-      <p:sp>
-        <p:nvSpPr>
-          <p:cNvPr id="2" name="Title 1"/>
-          <p:cNvSpPr>
-            <a:spLocks noGrp="1"/>
-          </p:cNvSpPr>
-          <p:nvPr>
-            <p:ph type="title"/>
-          </p:nvPr>
-        </p:nvSpPr>
         <p:spPr/>
-        <p:txBody>
-          <a:bodyPr/>
-          <a:lstStyle/>
-          <a:p>
-            <a:pPr algn="ctr"/>
-            <a:r>
-              <a:rPr lang="en-US" dirty="0" smtClean="0">
-                <a:latin typeface="Times New Roman" panose="02020603050405020304" pitchFamily="18" charset="0"/>
-                <a:cs typeface="Times New Roman" panose="02020603050405020304" pitchFamily="18" charset="0"/>
-              </a:rPr>
-              <a:t>Evaluation</a:t>
-            </a:r>
-            <a:endParaRPr lang="en-US" dirty="0">
-              <a:latin typeface="Times New Roman" panose="02020603050405020304" pitchFamily="18" charset="0"/>
-              <a:cs typeface="Times New Roman" panose="02020603050405020304" pitchFamily="18" charset="0"/>
-            </a:endParaRPr>
-          </a:p>
-        </p:txBody>
-      </p:sp>
-      <p:sp>
-        <p:nvSpPr>
-          <p:cNvPr id="3" name="Content Placeholder 2"/>
-          <p:cNvSpPr>
-            <a:spLocks noGrp="1"/>
-          </p:cNvSpPr>
-          <p:nvPr>
-            <p:ph idx="1"/>
-          </p:nvPr>
-        </p:nvSpPr>
-        <p:spPr>
-          <a:xfrm>
-            <a:off x="532263" y="1367374"/>
-            <a:ext cx="8741739" cy="5688519"/>
-          </a:xfrm>
-        </p:spPr>
-        <p:txBody>
-          <a:bodyPr/>
-          <a:lstStyle/>
-          <a:p>
-            <a:r>
-              <a:rPr lang="en-US" dirty="0" smtClean="0">
-                <a:solidFill>
-                  <a:schemeClr val="tx1"/>
-                </a:solidFill>
-                <a:latin typeface="Times New Roman" panose="02020603050405020304" pitchFamily="18" charset="0"/>
-                <a:cs typeface="Times New Roman" panose="02020603050405020304" pitchFamily="18" charset="0"/>
-              </a:rPr>
-              <a:t>Average </a:t>
-            </a:r>
-            <a:r>
-              <a:rPr lang="en-US" dirty="0" smtClean="0">
-                <a:solidFill>
-                  <a:schemeClr val="tx1"/>
-                </a:solidFill>
-                <a:latin typeface="Times New Roman" panose="02020603050405020304" pitchFamily="18" charset="0"/>
-                <a:cs typeface="Times New Roman" panose="02020603050405020304" pitchFamily="18" charset="0"/>
-              </a:rPr>
-              <a:t>score: 93%</a:t>
-            </a:r>
-            <a:endParaRPr lang="en-US" dirty="0">
-              <a:solidFill>
-                <a:schemeClr val="tx1"/>
-              </a:solidFill>
-              <a:latin typeface="Times New Roman" panose="02020603050405020304" pitchFamily="18" charset="0"/>
-              <a:cs typeface="Times New Roman" panose="02020603050405020304" pitchFamily="18" charset="0"/>
-            </a:endParaRPr>
-          </a:p>
-          <a:p>
-            <a:endParaRPr lang="en-US" dirty="0">
-              <a:solidFill>
-                <a:schemeClr val="tx1"/>
-              </a:solidFill>
-              <a:latin typeface="Times New Roman" panose="02020603050405020304" pitchFamily="18" charset="0"/>
-              <a:cs typeface="Times New Roman" panose="02020603050405020304" pitchFamily="18" charset="0"/>
-            </a:endParaRPr>
-          </a:p>
-        </p:txBody>
-      </p:sp>
-      <p:pic>
-        <p:nvPicPr>
-          <p:cNvPr id="6" name="Picture 5"/>
-          <p:cNvPicPr/>
-          <p:nvPr/>
-        </p:nvPicPr>
-        <p:blipFill>
-          <a:blip r:embed="rId2" cstate="print"/>
-          <a:srcRect l="25842" b="4341"/>
-          <a:stretch>
-            <a:fillRect/>
-          </a:stretch>
-        </p:blipFill>
-        <p:spPr>
-          <a:xfrm>
-            <a:off x="1132764" y="1733267"/>
-            <a:ext cx="7686979" cy="5124734"/>
-          </a:xfrm>
-          <a:prstGeom prst="rect">
-            <a:avLst/>
-          </a:prstGeom>
-        </p:spPr>
-      </p:pic>
-      <p:sp>
-        <p:nvSpPr>
-          <p:cNvPr id="5" name="Rectangle 4"/>
-          <p:cNvSpPr/>
-          <p:nvPr/>
-        </p:nvSpPr>
-        <p:spPr>
-          <a:xfrm>
-            <a:off x="1214651" y="5868537"/>
-            <a:ext cx="1610436" cy="232012"/>
-          </a:xfrm>
-          <a:prstGeom prst="rect">
-            <a:avLst/>
-          </a:prstGeom>
-          <a:noFill/>
-          <a:ln>
-            <a:solidFill>
-              <a:srgbClr val="FF0000"/>
-            </a:solidFill>
-          </a:ln>
-        </p:spPr>
-        <p:style>
-          <a:lnRef idx="2">
-            <a:schemeClr val="accent1">
-              <a:shade val="50000"/>
-            </a:schemeClr>
-          </a:lnRef>
-          <a:fillRef idx="1">
-            <a:schemeClr val="accent1"/>
-          </a:fillRef>
-          <a:effectRef idx="0">
-            <a:schemeClr val="accent1"/>
-          </a:effectRef>
-          <a:fontRef idx="minor">
-            <a:schemeClr val="lt1"/>
-          </a:fontRef>
-        </p:style>
-        <p:txBody>
-          <a:bodyPr rtlCol="0" anchor="ctr"/>
-          <a:lstStyle/>
-          <a:p>
-            <a:pPr algn="ctr"/>
-            <a:endParaRPr lang="en-US" dirty="0">
-              <a:noFill/>
-            </a:endParaRPr>
-          </a:p>
-        </p:txBody>
-      </p:sp>
-    </p:spTree>
-    <p:extLst>
-      <p:ext uri="{BB962C8B-B14F-4D97-AF65-F5344CB8AC3E}">
-        <p14:creationId xmlns:p14="http://schemas.microsoft.com/office/powerpoint/2010/main" xmlns="" val="3507593555"/>
-      </p:ext>
-    </p:extLst>
-  </p:cSld>
-  <p:clrMapOvr>
-    <a:masterClrMapping/>
-  </p:clrMapOvr>
-</p:sld>
-</file>
-
-<file path=ppt/slides/slide48.xml><?xml version="1.0" encoding="utf-8"?>
-<p:sld xmlns:a="http://schemas.openxmlformats.org/drawingml/2006/main" xmlns:r="http://schemas.openxmlformats.org/officeDocument/2006/relationships" xmlns:p="http://schemas.openxmlformats.org/presentationml/2006/main">
-  <p:cSld>
-    <p:spTree>
-      <p:nvGrpSpPr>
-        <p:cNvPr id="1" name=""/>
-        <p:cNvGrpSpPr/>
-        <p:nvPr/>
-      </p:nvGrpSpPr>
-      <p:grpSpPr>
-        <a:xfrm>
-          <a:off x="0" y="0"/>
-          <a:ext cx="0" cy="0"/>
-          <a:chOff x="0" y="0"/>
-          <a:chExt cx="0" cy="0"/>
-        </a:xfrm>
-      </p:grpSpPr>
-      <p:sp>
-        <p:nvSpPr>
-          <p:cNvPr id="2" name="Title 1"/>
-          <p:cNvSpPr>
-            <a:spLocks noGrp="1"/>
-          </p:cNvSpPr>
-          <p:nvPr>
-            <p:ph type="title"/>
-          </p:nvPr>
-        </p:nvSpPr>
-        <p:spPr/>
-        <p:txBody>
-          <a:bodyPr/>
-          <a:lstStyle/>
-          <a:p>
-            <a:pPr algn="ctr"/>
-            <a:r>
-              <a:rPr lang="en-US" dirty="0" smtClean="0">
-                <a:latin typeface="Times New Roman" panose="02020603050405020304" pitchFamily="18" charset="0"/>
-                <a:cs typeface="Times New Roman" panose="02020603050405020304" pitchFamily="18" charset="0"/>
-              </a:rPr>
-              <a:t>Future Work</a:t>
-            </a:r>
-            <a:endParaRPr lang="en-US" dirty="0">
-              <a:latin typeface="Times New Roman" panose="02020603050405020304" pitchFamily="18" charset="0"/>
-              <a:cs typeface="Times New Roman" panose="02020603050405020304" pitchFamily="18" charset="0"/>
-            </a:endParaRPr>
-          </a:p>
-        </p:txBody>
-      </p:sp>
-      <p:sp>
-        <p:nvSpPr>
-          <p:cNvPr id="3" name="Content Placeholder 2"/>
-          <p:cNvSpPr>
-            <a:spLocks noGrp="1"/>
-          </p:cNvSpPr>
-          <p:nvPr>
-            <p:ph idx="1"/>
-          </p:nvPr>
-        </p:nvSpPr>
-        <p:spPr>
-          <a:xfrm>
-            <a:off x="677334" y="1942225"/>
-            <a:ext cx="8596668" cy="3880773"/>
-          </a:xfrm>
-        </p:spPr>
         <p:txBody>
           <a:bodyPr>
             <a:normAutofit/>
@@ -15717,9 +14038,6 @@
           <a:p>
             <a:r>
               <a:rPr lang="en-US" sz="2400" dirty="0" smtClean="0">
-                <a:solidFill>
-                  <a:schemeClr val="tx1"/>
-                </a:solidFill>
                 <a:latin typeface="Times New Roman" panose="02020603050405020304" pitchFamily="18" charset="0"/>
                 <a:cs typeface="Times New Roman" panose="02020603050405020304" pitchFamily="18" charset="0"/>
               </a:rPr>
@@ -15728,9 +14046,6 @@
           </a:p>
           <a:p>
             <a:endParaRPr lang="en-US" sz="2400" dirty="0">
-              <a:solidFill>
-                <a:schemeClr val="tx1"/>
-              </a:solidFill>
               <a:latin typeface="Times New Roman" panose="02020603050405020304" pitchFamily="18" charset="0"/>
               <a:cs typeface="Times New Roman" panose="02020603050405020304" pitchFamily="18" charset="0"/>
             </a:endParaRPr>
@@ -15738,40 +14053,14 @@
           <a:p>
             <a:r>
               <a:rPr lang="en-US" sz="2400" dirty="0" smtClean="0">
-                <a:solidFill>
-                  <a:schemeClr val="tx1"/>
-                </a:solidFill>
-                <a:latin typeface="Times New Roman" panose="02020603050405020304" pitchFamily="18" charset="0"/>
-                <a:cs typeface="Times New Roman" panose="02020603050405020304" pitchFamily="18" charset="0"/>
-              </a:rPr>
-              <a:t>Use some big data </a:t>
-            </a:r>
-            <a:r>
-              <a:rPr lang="en-US" sz="2400" dirty="0" smtClean="0">
-                <a:solidFill>
-                  <a:schemeClr val="tx1"/>
-                </a:solidFill>
-                <a:latin typeface="Times New Roman" panose="02020603050405020304" pitchFamily="18" charset="0"/>
-                <a:cs typeface="Times New Roman" panose="02020603050405020304" pitchFamily="18" charset="0"/>
-              </a:rPr>
-              <a:t>tools, such as Apache SPARK </a:t>
-            </a:r>
-            <a:r>
-              <a:rPr lang="en-US" sz="2400" dirty="0" smtClean="0">
-                <a:solidFill>
-                  <a:schemeClr val="tx1"/>
-                </a:solidFill>
-                <a:latin typeface="Times New Roman" panose="02020603050405020304" pitchFamily="18" charset="0"/>
-                <a:cs typeface="Times New Roman" panose="02020603050405020304" pitchFamily="18" charset="0"/>
-              </a:rPr>
-              <a:t>for scaling the model to very large inputs</a:t>
+                <a:latin typeface="Times New Roman" panose="02020603050405020304" pitchFamily="18" charset="0"/>
+                <a:cs typeface="Times New Roman" panose="02020603050405020304" pitchFamily="18" charset="0"/>
+              </a:rPr>
+              <a:t>Use some big data tools for scaling the model to very large inputs</a:t>
             </a:r>
           </a:p>
           <a:p>
             <a:endParaRPr lang="en-US" sz="2400" dirty="0" smtClean="0">
-              <a:solidFill>
-                <a:schemeClr val="tx1"/>
-              </a:solidFill>
               <a:latin typeface="Times New Roman" panose="02020603050405020304" pitchFamily="18" charset="0"/>
               <a:cs typeface="Times New Roman" panose="02020603050405020304" pitchFamily="18" charset="0"/>
             </a:endParaRPr>
@@ -15779,18 +14068,12 @@
           <a:p>
             <a:r>
               <a:rPr lang="en-US" sz="2400" dirty="0" smtClean="0">
-                <a:solidFill>
-                  <a:schemeClr val="tx1"/>
-                </a:solidFill>
                 <a:latin typeface="Times New Roman" panose="02020603050405020304" pitchFamily="18" charset="0"/>
                 <a:cs typeface="Times New Roman" panose="02020603050405020304" pitchFamily="18" charset="0"/>
               </a:rPr>
               <a:t>Improve the load balancing capability</a:t>
             </a:r>
             <a:endParaRPr lang="en-US" sz="2400" dirty="0">
-              <a:solidFill>
-                <a:schemeClr val="tx1"/>
-              </a:solidFill>
               <a:latin typeface="Times New Roman" panose="02020603050405020304" pitchFamily="18" charset="0"/>
               <a:cs typeface="Times New Roman" panose="02020603050405020304" pitchFamily="18" charset="0"/>
             </a:endParaRPr>
@@ -15800,7 +14083,7 @@
     </p:spTree>
     <p:extLst>
       <p:ext uri="{BB962C8B-B14F-4D97-AF65-F5344CB8AC3E}">
-        <p14:creationId xmlns:p14="http://schemas.microsoft.com/office/powerpoint/2010/main" xmlns="" val="799102772"/>
+        <p14:creationId xmlns:p14="http://schemas.microsoft.com/office/powerpoint/2010/main" val="799102772"/>
       </p:ext>
     </p:extLst>
   </p:cSld>
@@ -15844,37 +14127,12 @@
           <a:p>
             <a:pPr algn="ctr"/>
             <a:r>
-              <a:rPr lang="en-US" dirty="0" smtClean="0">
-                <a:latin typeface="Times New Roman" panose="02020603050405020304" pitchFamily="18" charset="0"/>
-                <a:cs typeface="Times New Roman" panose="02020603050405020304" pitchFamily="18" charset="0"/>
-              </a:rPr>
-              <a:t>Why </a:t>
-            </a:r>
-            <a:r>
-              <a:rPr lang="en-US" dirty="0" smtClean="0">
-                <a:latin typeface="Times New Roman" panose="02020603050405020304" pitchFamily="18" charset="0"/>
-                <a:cs typeface="Times New Roman" panose="02020603050405020304" pitchFamily="18" charset="0"/>
-              </a:rPr>
-              <a:t>Recognize a </a:t>
-            </a:r>
-            <a:r>
-              <a:rPr lang="en-US" dirty="0" smtClean="0">
-                <a:latin typeface="Times New Roman" panose="02020603050405020304" pitchFamily="18" charset="0"/>
-                <a:cs typeface="Times New Roman" panose="02020603050405020304" pitchFamily="18" charset="0"/>
-              </a:rPr>
-              <a:t>Question </a:t>
-            </a:r>
-            <a:r>
-              <a:rPr lang="en-US" dirty="0" smtClean="0">
-                <a:latin typeface="Times New Roman" panose="02020603050405020304" pitchFamily="18" charset="0"/>
-                <a:cs typeface="Times New Roman" panose="02020603050405020304" pitchFamily="18" charset="0"/>
-              </a:rPr>
-              <a:t>Type?</a:t>
-            </a:r>
-            <a:endParaRPr lang="en-US" dirty="0">
-              <a:latin typeface="Times New Roman" panose="02020603050405020304" pitchFamily="18" charset="0"/>
-              <a:cs typeface="Times New Roman" panose="02020603050405020304" pitchFamily="18" charset="0"/>
-            </a:endParaRPr>
+              <a:rPr lang="en-US" dirty="0">
+                <a:latin typeface="Times New Roman" panose="02020603050405020304" pitchFamily="18" charset="0"/>
+                <a:cs typeface="Times New Roman" panose="02020603050405020304" pitchFamily="18" charset="0"/>
+              </a:rPr>
+              <a:t>Related Work</a:t>
+            </a:r>
           </a:p>
         </p:txBody>
       </p:sp>
@@ -15890,8 +14148,8 @@
         </p:nvSpPr>
         <p:spPr>
           <a:xfrm>
-            <a:off x="655093" y="1782727"/>
-            <a:ext cx="8618909" cy="4618073"/>
+            <a:off x="677334" y="2061437"/>
+            <a:ext cx="8596668" cy="3880773"/>
           </a:xfrm>
         </p:spPr>
         <p:txBody>
@@ -15900,268 +14158,76 @@
           </a:bodyPr>
           <a:lstStyle/>
           <a:p>
-            <a:r>
-              <a:rPr lang="en-US" sz="2400" dirty="0" smtClean="0">
-                <a:solidFill>
-                  <a:schemeClr val="tx1"/>
-                </a:solidFill>
-                <a:latin typeface="Times New Roman" panose="02020603050405020304" pitchFamily="18" charset="0"/>
-                <a:cs typeface="Times New Roman" panose="02020603050405020304" pitchFamily="18" charset="0"/>
-              </a:rPr>
-              <a:t>The classification is of the type</a:t>
-            </a:r>
+            <a:pPr marL="457200" lvl="1" indent="0">
+              <a:buNone/>
+            </a:pPr>
             <a:r>
               <a:rPr lang="en-US" sz="2400" b="1" dirty="0" smtClean="0">
-                <a:solidFill>
-                  <a:schemeClr val="tx1"/>
-                </a:solidFill>
-                <a:latin typeface="Times New Roman" panose="02020603050405020304" pitchFamily="18" charset="0"/>
-                <a:cs typeface="Times New Roman" panose="02020603050405020304" pitchFamily="18" charset="0"/>
-              </a:rPr>
-              <a:t>, BROAD_CATEGORY: </a:t>
-            </a:r>
-            <a:r>
-              <a:rPr lang="en-US" sz="2400" b="1" dirty="0" err="1" smtClean="0">
-                <a:solidFill>
-                  <a:schemeClr val="tx1"/>
-                </a:solidFill>
-                <a:latin typeface="Times New Roman" panose="02020603050405020304" pitchFamily="18" charset="0"/>
-                <a:cs typeface="Times New Roman" panose="02020603050405020304" pitchFamily="18" charset="0"/>
-              </a:rPr>
-              <a:t>fine_category</a:t>
-            </a:r>
-            <a:endParaRPr lang="en-US" sz="2400" b="1" dirty="0" smtClean="0">
-              <a:solidFill>
-                <a:schemeClr val="tx1"/>
-              </a:solidFill>
+                <a:latin typeface="Times New Roman" panose="02020603050405020304" pitchFamily="18" charset="0"/>
+                <a:cs typeface="Times New Roman" panose="02020603050405020304" pitchFamily="18" charset="0"/>
+              </a:rPr>
+              <a:t>Rule based approach</a:t>
+            </a:r>
+            <a:endParaRPr lang="en-US" sz="2400" b="1" dirty="0">
               <a:latin typeface="Times New Roman" panose="02020603050405020304" pitchFamily="18" charset="0"/>
               <a:cs typeface="Times New Roman" panose="02020603050405020304" pitchFamily="18" charset="0"/>
             </a:endParaRPr>
           </a:p>
           <a:p>
+            <a:pPr lvl="2"/>
+            <a:r>
+              <a:rPr lang="en-US" sz="2400" dirty="0">
+                <a:latin typeface="Times New Roman" panose="02020603050405020304" pitchFamily="18" charset="0"/>
+                <a:cs typeface="Times New Roman" panose="02020603050405020304" pitchFamily="18" charset="0"/>
+              </a:rPr>
+              <a:t>It uses various types of interrogative words and word combinations with different kind of features extracted by </a:t>
+            </a:r>
             <a:r>
               <a:rPr lang="en-US" sz="2400" dirty="0" smtClean="0">
-                <a:solidFill>
-                  <a:schemeClr val="tx1"/>
-                </a:solidFill>
-                <a:latin typeface="Times New Roman" panose="02020603050405020304" pitchFamily="18" charset="0"/>
-                <a:cs typeface="Times New Roman" panose="02020603050405020304" pitchFamily="18" charset="0"/>
-              </a:rPr>
-              <a:t>For </a:t>
+                <a:latin typeface="Times New Roman" panose="02020603050405020304" pitchFamily="18" charset="0"/>
+                <a:cs typeface="Times New Roman" panose="02020603050405020304" pitchFamily="18" charset="0"/>
+              </a:rPr>
+              <a:t>experts</a:t>
+            </a:r>
+          </a:p>
+          <a:p>
+            <a:pPr lvl="2"/>
+            <a:r>
+              <a:rPr lang="en-US" sz="2400" dirty="0">
+                <a:latin typeface="Times New Roman" panose="02020603050405020304" pitchFamily="18" charset="0"/>
+                <a:cs typeface="Times New Roman" panose="02020603050405020304" pitchFamily="18" charset="0"/>
+              </a:rPr>
+              <a:t>E</a:t>
             </a:r>
             <a:r>
               <a:rPr lang="en-US" sz="2400" dirty="0" smtClean="0">
-                <a:solidFill>
-                  <a:schemeClr val="tx1"/>
-                </a:solidFill>
-                <a:latin typeface="Times New Roman" panose="02020603050405020304" pitchFamily="18" charset="0"/>
-                <a:cs typeface="Times New Roman" panose="02020603050405020304" pitchFamily="18" charset="0"/>
-              </a:rPr>
-              <a:t>example</a:t>
-            </a:r>
-            <a:r>
-              <a:rPr lang="en-US" sz="2400" dirty="0" smtClean="0">
-                <a:solidFill>
-                  <a:schemeClr val="tx1"/>
-                </a:solidFill>
-                <a:latin typeface="Times New Roman" panose="02020603050405020304" pitchFamily="18" charset="0"/>
-                <a:cs typeface="Times New Roman" panose="02020603050405020304" pitchFamily="18" charset="0"/>
-              </a:rPr>
-              <a:t>,</a:t>
-            </a:r>
-          </a:p>
-          <a:p>
-            <a:pPr lvl="1"/>
-            <a:r>
-              <a:rPr lang="en-US" sz="2200" dirty="0" smtClean="0">
-                <a:solidFill>
-                  <a:schemeClr val="tx1"/>
-                </a:solidFill>
-                <a:latin typeface="Times New Roman" panose="02020603050405020304" pitchFamily="18" charset="0"/>
-                <a:cs typeface="Times New Roman" panose="02020603050405020304" pitchFamily="18" charset="0"/>
-              </a:rPr>
-              <a:t>The </a:t>
-            </a:r>
-            <a:r>
-              <a:rPr lang="en-US" sz="2200" dirty="0" smtClean="0">
-                <a:solidFill>
-                  <a:schemeClr val="tx1"/>
-                </a:solidFill>
-                <a:latin typeface="Times New Roman" panose="02020603050405020304" pitchFamily="18" charset="0"/>
-                <a:cs typeface="Times New Roman" panose="02020603050405020304" pitchFamily="18" charset="0"/>
-              </a:rPr>
-              <a:t>question of “</a:t>
-            </a:r>
-            <a:r>
-              <a:rPr lang="en-US" sz="2200" i="1" dirty="0" smtClean="0">
-                <a:solidFill>
-                  <a:schemeClr val="tx1"/>
-                </a:solidFill>
-                <a:latin typeface="Times New Roman" panose="02020603050405020304" pitchFamily="18" charset="0"/>
-                <a:cs typeface="Times New Roman" panose="02020603050405020304" pitchFamily="18" charset="0"/>
-              </a:rPr>
-              <a:t>Who discovered </a:t>
-            </a:r>
-            <a:r>
-              <a:rPr lang="en-US" sz="2200" i="1" dirty="0" smtClean="0">
-                <a:solidFill>
-                  <a:schemeClr val="tx1"/>
-                </a:solidFill>
-                <a:latin typeface="Times New Roman" panose="02020603050405020304" pitchFamily="18" charset="0"/>
-                <a:cs typeface="Times New Roman" panose="02020603050405020304" pitchFamily="18" charset="0"/>
-              </a:rPr>
-              <a:t>x-rays ?” </a:t>
-            </a:r>
-            <a:r>
-              <a:rPr lang="en-US" sz="2200" dirty="0" smtClean="0">
-                <a:solidFill>
-                  <a:schemeClr val="tx1"/>
-                </a:solidFill>
-                <a:latin typeface="Times New Roman" panose="02020603050405020304" pitchFamily="18" charset="0"/>
-                <a:cs typeface="Times New Roman" panose="02020603050405020304" pitchFamily="18" charset="0"/>
-              </a:rPr>
-              <a:t>will be </a:t>
-            </a:r>
-            <a:r>
-              <a:rPr lang="en-US" sz="2200" dirty="0" smtClean="0">
-                <a:solidFill>
-                  <a:schemeClr val="tx1"/>
-                </a:solidFill>
-                <a:latin typeface="Times New Roman" panose="02020603050405020304" pitchFamily="18" charset="0"/>
-                <a:cs typeface="Times New Roman" panose="02020603050405020304" pitchFamily="18" charset="0"/>
-              </a:rPr>
-              <a:t>classified into the type of </a:t>
-            </a:r>
-            <a:r>
-              <a:rPr lang="en-US" sz="2200" b="1" dirty="0" smtClean="0">
-                <a:solidFill>
-                  <a:schemeClr val="tx1"/>
-                </a:solidFill>
-                <a:latin typeface="Times New Roman" panose="02020603050405020304" pitchFamily="18" charset="0"/>
-                <a:cs typeface="Times New Roman" panose="02020603050405020304" pitchFamily="18" charset="0"/>
-              </a:rPr>
-              <a:t>HUMAN</a:t>
-            </a:r>
-            <a:r>
-              <a:rPr lang="en-US" sz="2200" dirty="0" smtClean="0">
-                <a:solidFill>
-                  <a:schemeClr val="tx1"/>
-                </a:solidFill>
-                <a:latin typeface="Times New Roman" panose="02020603050405020304" pitchFamily="18" charset="0"/>
-                <a:cs typeface="Times New Roman" panose="02020603050405020304" pitchFamily="18" charset="0"/>
-              </a:rPr>
-              <a:t>: </a:t>
-            </a:r>
-            <a:r>
-              <a:rPr lang="en-US" sz="2200" b="1" dirty="0" smtClean="0">
-                <a:solidFill>
-                  <a:schemeClr val="tx1"/>
-                </a:solidFill>
-                <a:latin typeface="Times New Roman" panose="02020603050405020304" pitchFamily="18" charset="0"/>
-                <a:cs typeface="Times New Roman" panose="02020603050405020304" pitchFamily="18" charset="0"/>
-              </a:rPr>
-              <a:t>individual</a:t>
-            </a:r>
-          </a:p>
-          <a:p>
-            <a:pPr lvl="1"/>
-            <a:r>
-              <a:rPr lang="en-US" sz="2200" dirty="0" smtClean="0">
-                <a:solidFill>
-                  <a:schemeClr val="tx1"/>
-                </a:solidFill>
-                <a:latin typeface="Times New Roman" panose="02020603050405020304" pitchFamily="18" charset="0"/>
-                <a:cs typeface="Times New Roman" panose="02020603050405020304" pitchFamily="18" charset="0"/>
-              </a:rPr>
-              <a:t>The question of “ </a:t>
-            </a:r>
-            <a:r>
-              <a:rPr lang="en-US" sz="2200" i="1" dirty="0" smtClean="0">
-                <a:solidFill>
-                  <a:schemeClr val="tx1"/>
-                </a:solidFill>
-                <a:latin typeface="Times New Roman" panose="02020603050405020304" pitchFamily="18" charset="0"/>
-                <a:cs typeface="Times New Roman" panose="02020603050405020304" pitchFamily="18" charset="0"/>
-              </a:rPr>
-              <a:t>What is the currency of the USA?</a:t>
-            </a:r>
-            <a:r>
-              <a:rPr lang="en-US" sz="2200" dirty="0" smtClean="0">
-                <a:solidFill>
-                  <a:schemeClr val="tx1"/>
-                </a:solidFill>
-                <a:latin typeface="Times New Roman" panose="02020603050405020304" pitchFamily="18" charset="0"/>
-                <a:cs typeface="Times New Roman" panose="02020603050405020304" pitchFamily="18" charset="0"/>
-              </a:rPr>
-              <a:t>” will be </a:t>
-            </a:r>
-            <a:r>
-              <a:rPr lang="en-US" sz="2200" dirty="0" smtClean="0">
-                <a:solidFill>
-                  <a:schemeClr val="tx1"/>
-                </a:solidFill>
-                <a:latin typeface="Times New Roman" panose="02020603050405020304" pitchFamily="18" charset="0"/>
-                <a:cs typeface="Times New Roman" panose="02020603050405020304" pitchFamily="18" charset="0"/>
-              </a:rPr>
-              <a:t>classified into the type of </a:t>
-            </a:r>
-            <a:r>
-              <a:rPr lang="en-US" sz="2200" b="1" dirty="0" smtClean="0">
-                <a:solidFill>
-                  <a:schemeClr val="tx1"/>
-                </a:solidFill>
-                <a:latin typeface="Times New Roman" panose="02020603050405020304" pitchFamily="18" charset="0"/>
-                <a:cs typeface="Times New Roman" panose="02020603050405020304" pitchFamily="18" charset="0"/>
-              </a:rPr>
-              <a:t>ENTY: currency</a:t>
-            </a:r>
-          </a:p>
-          <a:p>
-            <a:r>
-              <a:rPr lang="en-US" sz="2400" dirty="0" smtClean="0">
-                <a:solidFill>
-                  <a:schemeClr val="tx1"/>
-                </a:solidFill>
-                <a:latin typeface="Times New Roman" panose="02020603050405020304" pitchFamily="18" charset="0"/>
-                <a:cs typeface="Times New Roman" panose="02020603050405020304" pitchFamily="18" charset="0"/>
-              </a:rPr>
-              <a:t>This </a:t>
-            </a:r>
-            <a:r>
-              <a:rPr lang="en-US" sz="2400" dirty="0" smtClean="0">
-                <a:solidFill>
-                  <a:schemeClr val="tx1"/>
-                </a:solidFill>
-                <a:latin typeface="Times New Roman" panose="02020603050405020304" pitchFamily="18" charset="0"/>
-                <a:cs typeface="Times New Roman" panose="02020603050405020304" pitchFamily="18" charset="0"/>
-              </a:rPr>
-              <a:t>information would narrow down the search space to identify the correct answer string</a:t>
-            </a:r>
-          </a:p>
-          <a:p>
-            <a:r>
-              <a:rPr lang="en-US" sz="2400" dirty="0" smtClean="0">
-                <a:solidFill>
-                  <a:schemeClr val="tx1"/>
-                </a:solidFill>
-                <a:latin typeface="Times New Roman" panose="02020603050405020304" pitchFamily="18" charset="0"/>
-                <a:cs typeface="Times New Roman" panose="02020603050405020304" pitchFamily="18" charset="0"/>
-              </a:rPr>
-              <a:t>A good classification model will help in using different strategies to find an answer</a:t>
+                <a:latin typeface="Times New Roman" panose="02020603050405020304" pitchFamily="18" charset="0"/>
+                <a:cs typeface="Times New Roman" panose="02020603050405020304" pitchFamily="18" charset="0"/>
+              </a:rPr>
+              <a:t>xample, classical </a:t>
+            </a:r>
+            <a:r>
+              <a:rPr lang="en-US" sz="2400" dirty="0">
+                <a:latin typeface="Times New Roman" panose="02020603050405020304" pitchFamily="18" charset="0"/>
+                <a:cs typeface="Times New Roman" panose="02020603050405020304" pitchFamily="18" charset="0"/>
+              </a:rPr>
+              <a:t>logic rules, fuzzy rules, threshold rules and prototype based rule. </a:t>
             </a:r>
             <a:endParaRPr lang="en-US" sz="2400" dirty="0" smtClean="0">
-              <a:solidFill>
-                <a:schemeClr val="tx1"/>
-              </a:solidFill>
               <a:latin typeface="Times New Roman" panose="02020603050405020304" pitchFamily="18" charset="0"/>
               <a:cs typeface="Times New Roman" panose="02020603050405020304" pitchFamily="18" charset="0"/>
             </a:endParaRPr>
           </a:p>
           <a:p>
+            <a:pPr lvl="2"/>
+            <a:r>
+              <a:rPr lang="en-US" sz="2400" dirty="0" smtClean="0">
+                <a:latin typeface="Times New Roman" panose="02020603050405020304" pitchFamily="18" charset="0"/>
+                <a:cs typeface="Times New Roman" panose="02020603050405020304" pitchFamily="18" charset="0"/>
+              </a:rPr>
+              <a:t>Performance issues on new dataset, hence no scaling up.</a:t>
+            </a:r>
             <a:endParaRPr lang="en-US" sz="2400" dirty="0">
-              <a:solidFill>
-                <a:schemeClr val="tx1"/>
-              </a:solidFill>
               <a:latin typeface="Times New Roman" panose="02020603050405020304" pitchFamily="18" charset="0"/>
               <a:cs typeface="Times New Roman" panose="02020603050405020304" pitchFamily="18" charset="0"/>
             </a:endParaRPr>
@@ -16171,20 +14237,13 @@
     </p:spTree>
     <p:extLst>
       <p:ext uri="{BB962C8B-B14F-4D97-AF65-F5344CB8AC3E}">
-        <p14:creationId xmlns:p14="http://schemas.microsoft.com/office/powerpoint/2010/main" xmlns="" val="2825216550"/>
+        <p14:creationId xmlns:p14="http://schemas.microsoft.com/office/powerpoint/2010/main" val="2522233933"/>
       </p:ext>
     </p:extLst>
   </p:cSld>
   <p:clrMapOvr>
     <a:masterClrMapping/>
   </p:clrMapOvr>
-  <p:timing>
-    <p:tnLst>
-      <p:par>
-        <p:cTn id="1" dur="indefinite" restart="never" nodeType="tmRoot"/>
-      </p:par>
-    </p:tnLst>
-  </p:timing>
 </p:sld>
 </file>
 
@@ -16207,50 +14266,6 @@
       </p:grpSpPr>
       <p:sp>
         <p:nvSpPr>
-          <p:cNvPr id="2" name="Title 1"/>
-          <p:cNvSpPr>
-            <a:spLocks noGrp="1"/>
-          </p:cNvSpPr>
-          <p:nvPr>
-            <p:ph type="title"/>
-          </p:nvPr>
-        </p:nvSpPr>
-        <p:spPr/>
-        <p:txBody>
-          <a:bodyPr/>
-          <a:lstStyle/>
-          <a:p>
-            <a:pPr algn="ctr"/>
-            <a:r>
-              <a:rPr lang="en-US" dirty="0" smtClean="0">
-                <a:latin typeface="Times New Roman" panose="02020603050405020304" pitchFamily="18" charset="0"/>
-                <a:cs typeface="Times New Roman" panose="02020603050405020304" pitchFamily="18" charset="0"/>
-              </a:rPr>
-              <a:t>Need of Fine </a:t>
-            </a:r>
-            <a:r>
-              <a:rPr lang="en-US" dirty="0" smtClean="0">
-                <a:latin typeface="Times New Roman" panose="02020603050405020304" pitchFamily="18" charset="0"/>
-                <a:cs typeface="Times New Roman" panose="02020603050405020304" pitchFamily="18" charset="0"/>
-              </a:rPr>
-              <a:t>C</a:t>
-            </a:r>
-            <a:r>
-              <a:rPr lang="en-US" dirty="0" smtClean="0">
-                <a:latin typeface="Times New Roman" panose="02020603050405020304" pitchFamily="18" charset="0"/>
-                <a:cs typeface="Times New Roman" panose="02020603050405020304" pitchFamily="18" charset="0"/>
-              </a:rPr>
-              <a:t>lassification</a:t>
-            </a:r>
-            <a:endParaRPr lang="en-US" dirty="0">
-              <a:latin typeface="Times New Roman" panose="02020603050405020304" pitchFamily="18" charset="0"/>
-              <a:cs typeface="Times New Roman" panose="02020603050405020304" pitchFamily="18" charset="0"/>
-            </a:endParaRPr>
-          </a:p>
-        </p:txBody>
-      </p:sp>
-      <p:sp>
-        <p:nvSpPr>
           <p:cNvPr id="3" name="Content Placeholder 2"/>
           <p:cNvSpPr>
             <a:spLocks noGrp="1"/>
@@ -16261,8 +14276,8 @@
         </p:nvSpPr>
         <p:spPr>
           <a:xfrm>
-            <a:off x="655093" y="1782727"/>
-            <a:ext cx="8618909" cy="4618073"/>
+            <a:off x="827184" y="1241731"/>
+            <a:ext cx="10515600" cy="4351338"/>
           </a:xfrm>
         </p:spPr>
         <p:txBody>
@@ -16271,168 +14286,179 @@
           </a:bodyPr>
           <a:lstStyle/>
           <a:p>
+            <a:pPr marL="457200" lvl="1" indent="0">
+              <a:buNone/>
+            </a:pPr>
+            <a:r>
+              <a:rPr lang="en-US" sz="2400" b="1" dirty="0" smtClean="0">
+                <a:latin typeface="Times New Roman" panose="02020603050405020304" pitchFamily="18" charset="0"/>
+                <a:cs typeface="Times New Roman" panose="02020603050405020304" pitchFamily="18" charset="0"/>
+              </a:rPr>
+              <a:t>	Supervised learning</a:t>
+            </a:r>
+          </a:p>
+          <a:p>
             <a:r>
               <a:rPr lang="en-US" sz="2400" dirty="0" smtClean="0">
-                <a:solidFill>
-                  <a:schemeClr val="tx1"/>
-                </a:solidFill>
-                <a:latin typeface="Times New Roman" pitchFamily="18" charset="0"/>
-                <a:cs typeface="Times New Roman" pitchFamily="18" charset="0"/>
-              </a:rPr>
-              <a:t>Broad classificatio</a:t>
+                <a:latin typeface="Times New Roman" panose="02020603050405020304" pitchFamily="18" charset="0"/>
+                <a:cs typeface="Times New Roman" panose="02020603050405020304" pitchFamily="18" charset="0"/>
+              </a:rPr>
+              <a:t>Perform </a:t>
+            </a:r>
+            <a:r>
+              <a:rPr lang="en-US" sz="2400" dirty="0">
+                <a:latin typeface="Times New Roman" panose="02020603050405020304" pitchFamily="18" charset="0"/>
+                <a:cs typeface="Times New Roman" panose="02020603050405020304" pitchFamily="18" charset="0"/>
+              </a:rPr>
+              <a:t>the classification </a:t>
             </a:r>
             <a:r>
               <a:rPr lang="en-US" sz="2400" dirty="0" smtClean="0">
-                <a:solidFill>
-                  <a:schemeClr val="tx1"/>
-                </a:solidFill>
-                <a:latin typeface="Times New Roman" pitchFamily="18" charset="0"/>
-                <a:cs typeface="Times New Roman" pitchFamily="18" charset="0"/>
-              </a:rPr>
-              <a:t>n helps in reducing the search space to a very small space thereby improving the time of response</a:t>
-            </a:r>
-          </a:p>
-          <a:p>
+                <a:latin typeface="Times New Roman" panose="02020603050405020304" pitchFamily="18" charset="0"/>
+                <a:cs typeface="Times New Roman" panose="02020603050405020304" pitchFamily="18" charset="0"/>
+              </a:rPr>
+              <a:t>by extracting </a:t>
+            </a:r>
+            <a:r>
+              <a:rPr lang="en-US" sz="2400" dirty="0">
+                <a:latin typeface="Times New Roman" panose="02020603050405020304" pitchFamily="18" charset="0"/>
+                <a:cs typeface="Times New Roman" panose="02020603050405020304" pitchFamily="18" charset="0"/>
+              </a:rPr>
+              <a:t>some features from questions, train a classifier and predicting the </a:t>
+            </a:r>
             <a:r>
               <a:rPr lang="en-US" sz="2400" dirty="0" smtClean="0">
-                <a:solidFill>
-                  <a:schemeClr val="tx1"/>
-                </a:solidFill>
-                <a:latin typeface="Times New Roman" pitchFamily="18" charset="0"/>
-                <a:cs typeface="Times New Roman" pitchFamily="18" charset="0"/>
-              </a:rPr>
-              <a:t>Sometimes, determining </a:t>
+                <a:latin typeface="Times New Roman" panose="02020603050405020304" pitchFamily="18" charset="0"/>
+                <a:cs typeface="Times New Roman" panose="02020603050405020304" pitchFamily="18" charset="0"/>
+              </a:rPr>
+              <a:t>class label </a:t>
+            </a:r>
+            <a:r>
+              <a:rPr lang="en-US" sz="2400" dirty="0">
+                <a:latin typeface="Times New Roman" panose="02020603050405020304" pitchFamily="18" charset="0"/>
+                <a:cs typeface="Times New Roman" panose="02020603050405020304" pitchFamily="18" charset="0"/>
+              </a:rPr>
+              <a:t>using the trained classifier</a:t>
             </a:r>
             <a:r>
               <a:rPr lang="en-US" sz="2400" dirty="0" smtClean="0">
-                <a:solidFill>
-                  <a:schemeClr val="tx1"/>
-                </a:solidFill>
-                <a:latin typeface="Times New Roman" pitchFamily="18" charset="0"/>
-                <a:cs typeface="Times New Roman" pitchFamily="18" charset="0"/>
-              </a:rPr>
-              <a:t>the specific semantic type of the answer could also be beneficial in locating the answer and verifying </a:t>
-            </a:r>
+                <a:latin typeface="Times New Roman" panose="02020603050405020304" pitchFamily="18" charset="0"/>
+                <a:cs typeface="Times New Roman" panose="02020603050405020304" pitchFamily="18" charset="0"/>
+              </a:rPr>
+              <a:t>.</a:t>
+            </a:r>
+          </a:p>
+          <a:p>
+            <a:pPr marL="0" indent="0">
+              <a:buNone/>
+            </a:pPr>
+            <a:r>
+              <a:rPr lang="en-US" sz="2400" b="1" dirty="0" smtClean="0">
+                <a:latin typeface="Times New Roman" panose="02020603050405020304" pitchFamily="18" charset="0"/>
+                <a:cs typeface="Times New Roman" panose="02020603050405020304" pitchFamily="18" charset="0"/>
+              </a:rPr>
+              <a:t>	Unsupervised </a:t>
+            </a:r>
+            <a:r>
+              <a:rPr lang="en-US" sz="2400" b="1" dirty="0">
+                <a:latin typeface="Times New Roman" panose="02020603050405020304" pitchFamily="18" charset="0"/>
+                <a:cs typeface="Times New Roman" panose="02020603050405020304" pitchFamily="18" charset="0"/>
+              </a:rPr>
+              <a:t>learning</a:t>
+            </a:r>
+          </a:p>
+          <a:p>
             <a:r>
               <a:rPr lang="en-US" sz="2400" dirty="0" smtClean="0">
-                <a:solidFill>
-                  <a:schemeClr val="tx1"/>
-                </a:solidFill>
-                <a:latin typeface="Times New Roman" pitchFamily="18" charset="0"/>
-                <a:cs typeface="Times New Roman" pitchFamily="18" charset="0"/>
-              </a:rPr>
-              <a:t>it</a:t>
-            </a:r>
-          </a:p>
-          <a:p>
+                <a:latin typeface="Times New Roman" panose="02020603050405020304" pitchFamily="18" charset="0"/>
+                <a:cs typeface="Times New Roman" panose="02020603050405020304" pitchFamily="18" charset="0"/>
+              </a:rPr>
+              <a:t>K means clustering</a:t>
+            </a:r>
+          </a:p>
+          <a:p>
+            <a:pPr lvl="1"/>
             <a:r>
               <a:rPr lang="en-US" sz="2400" dirty="0" smtClean="0">
-                <a:solidFill>
-                  <a:schemeClr val="tx1"/>
-                </a:solidFill>
-                <a:latin typeface="Times New Roman" pitchFamily="18" charset="0"/>
-                <a:cs typeface="Times New Roman" pitchFamily="18" charset="0"/>
-              </a:rPr>
-              <a:t>Example,</a:t>
+                <a:latin typeface="Times New Roman" panose="02020603050405020304" pitchFamily="18" charset="0"/>
+                <a:cs typeface="Times New Roman" panose="02020603050405020304" pitchFamily="18" charset="0"/>
+              </a:rPr>
+              <a:t>Identify </a:t>
+            </a:r>
+            <a:r>
+              <a:rPr lang="en-US" sz="2400" dirty="0">
+                <a:latin typeface="Times New Roman" panose="02020603050405020304" pitchFamily="18" charset="0"/>
+                <a:cs typeface="Times New Roman" panose="02020603050405020304" pitchFamily="18" charset="0"/>
+              </a:rPr>
+              <a:t>questions in the corpus that are similar and related to </a:t>
             </a:r>
             <a:r>
               <a:rPr lang="en-US" sz="2400" dirty="0" smtClean="0">
-                <a:solidFill>
-                  <a:schemeClr val="tx1"/>
-                </a:solidFill>
-                <a:latin typeface="Times New Roman" pitchFamily="18" charset="0"/>
-                <a:cs typeface="Times New Roman" pitchFamily="18" charset="0"/>
-              </a:rPr>
-              <a:t> </a:t>
-            </a:r>
-            <a:r>
-              <a:rPr lang="en-US" sz="2400" i="1" dirty="0" smtClean="0">
-                <a:solidFill>
-                  <a:schemeClr val="tx1"/>
-                </a:solidFill>
-                <a:latin typeface="Times New Roman" pitchFamily="18" charset="0"/>
-                <a:cs typeface="Times New Roman" pitchFamily="18" charset="0"/>
-              </a:rPr>
-              <a:t>“Which country gave New York the Statue of Liberty ?”</a:t>
-            </a:r>
-          </a:p>
-          <a:p>
+                <a:latin typeface="Times New Roman" panose="02020603050405020304" pitchFamily="18" charset="0"/>
+                <a:cs typeface="Times New Roman" panose="02020603050405020304" pitchFamily="18" charset="0"/>
+              </a:rPr>
+              <a:t>a question </a:t>
+            </a:r>
+            <a:r>
+              <a:rPr lang="en-US" sz="2400" dirty="0">
+                <a:latin typeface="Times New Roman" panose="02020603050405020304" pitchFamily="18" charset="0"/>
+                <a:cs typeface="Times New Roman" panose="02020603050405020304" pitchFamily="18" charset="0"/>
+              </a:rPr>
+              <a:t>and group/cluster them as per their “relatedness” to the </a:t>
+            </a:r>
             <a:r>
               <a:rPr lang="en-US" sz="2400" dirty="0" smtClean="0">
-                <a:solidFill>
-                  <a:schemeClr val="tx1"/>
-                </a:solidFill>
-                <a:latin typeface="Times New Roman" pitchFamily="18" charset="0"/>
-                <a:cs typeface="Times New Roman" pitchFamily="18" charset="0"/>
-              </a:rPr>
-              <a:t>Knowing </a:t>
-            </a:r>
+                <a:latin typeface="Times New Roman" panose="02020603050405020304" pitchFamily="18" charset="0"/>
+                <a:cs typeface="Times New Roman" panose="02020603050405020304" pitchFamily="18" charset="0"/>
+              </a:rPr>
+              <a:t>question</a:t>
+            </a:r>
+          </a:p>
+          <a:p>
+            <a:pPr lvl="1"/>
             <a:r>
               <a:rPr lang="en-US" sz="2400" dirty="0" smtClean="0">
-                <a:solidFill>
-                  <a:schemeClr val="tx1"/>
-                </a:solidFill>
-                <a:latin typeface="Times New Roman" pitchFamily="18" charset="0"/>
-                <a:cs typeface="Times New Roman" pitchFamily="18" charset="0"/>
-              </a:rPr>
-              <a:t>that the targets are a </a:t>
-            </a:r>
-            <a:r>
-              <a:rPr lang="en-US" sz="2400" b="1" dirty="0" smtClean="0">
-                <a:solidFill>
-                  <a:schemeClr val="tx1"/>
-                </a:solidFill>
-                <a:latin typeface="Times New Roman" pitchFamily="18" charset="0"/>
-                <a:cs typeface="Times New Roman" pitchFamily="18" charset="0"/>
-              </a:rPr>
-              <a:t>city or country </a:t>
-            </a:r>
-            <a:r>
-              <a:rPr lang="en-US" sz="2400" b="1" dirty="0" smtClean="0">
-                <a:solidFill>
-                  <a:schemeClr val="tx1"/>
-                </a:solidFill>
-                <a:latin typeface="Times New Roman" pitchFamily="18" charset="0"/>
-                <a:cs typeface="Times New Roman" pitchFamily="18" charset="0"/>
-              </a:rPr>
-              <a:t>will </a:t>
+                <a:latin typeface="Times New Roman" panose="02020603050405020304" pitchFamily="18" charset="0"/>
+                <a:cs typeface="Times New Roman" panose="02020603050405020304" pitchFamily="18" charset="0"/>
+              </a:rPr>
+              <a:t>Use structure </a:t>
+            </a:r>
+            <a:r>
+              <a:rPr lang="en-US" sz="2400" dirty="0">
+                <a:latin typeface="Times New Roman" panose="02020603050405020304" pitchFamily="18" charset="0"/>
+                <a:cs typeface="Times New Roman" panose="02020603050405020304" pitchFamily="18" charset="0"/>
+              </a:rPr>
+              <a:t>and lexical </a:t>
             </a:r>
             <a:r>
               <a:rPr lang="en-US" sz="2400" dirty="0" smtClean="0">
-                <a:solidFill>
-                  <a:schemeClr val="tx1"/>
-                </a:solidFill>
-                <a:latin typeface="Times New Roman" pitchFamily="18" charset="0"/>
-                <a:cs typeface="Times New Roman" pitchFamily="18" charset="0"/>
-              </a:rPr>
-              <a:t>be </a:t>
+                <a:latin typeface="Times New Roman" panose="02020603050405020304" pitchFamily="18" charset="0"/>
+                <a:cs typeface="Times New Roman" panose="02020603050405020304" pitchFamily="18" charset="0"/>
+              </a:rPr>
+              <a:t>information to </a:t>
+            </a:r>
+            <a:r>
+              <a:rPr lang="en-US" sz="2400" dirty="0">
+                <a:latin typeface="Times New Roman" panose="02020603050405020304" pitchFamily="18" charset="0"/>
+                <a:cs typeface="Times New Roman" panose="02020603050405020304" pitchFamily="18" charset="0"/>
+              </a:rPr>
+              <a:t>cluster questions as per their relatedness with the original </a:t>
             </a:r>
             <a:r>
               <a:rPr lang="en-US" sz="2400" dirty="0" smtClean="0">
-                <a:solidFill>
-                  <a:schemeClr val="tx1"/>
-                </a:solidFill>
-                <a:latin typeface="Times New Roman" pitchFamily="18" charset="0"/>
-                <a:cs typeface="Times New Roman" pitchFamily="18" charset="0"/>
-              </a:rPr>
-              <a:t>more useful than just knowing that they are </a:t>
-            </a:r>
-            <a:r>
-              <a:rPr lang="en-US" sz="2400" b="1" dirty="0" smtClean="0">
-                <a:solidFill>
-                  <a:schemeClr val="tx1"/>
-                </a:solidFill>
-                <a:latin typeface="Times New Roman" pitchFamily="18" charset="0"/>
-                <a:cs typeface="Times New Roman" pitchFamily="18" charset="0"/>
-              </a:rPr>
-              <a:t>locations.</a:t>
-            </a:r>
-            <a:endParaRPr lang="en-US" sz="2400" i="1" dirty="0" smtClean="0">
-              <a:solidFill>
-                <a:schemeClr val="tx1"/>
-              </a:solidFill>
-              <a:latin typeface="Times New Roman" pitchFamily="18" charset="0"/>
-              <a:cs typeface="Times New Roman" pitchFamily="18" charset="0"/>
+                <a:latin typeface="Times New Roman" panose="02020603050405020304" pitchFamily="18" charset="0"/>
+                <a:cs typeface="Times New Roman" panose="02020603050405020304" pitchFamily="18" charset="0"/>
+              </a:rPr>
+              <a:t>question </a:t>
+            </a:r>
+          </a:p>
+          <a:p>
+            <a:pPr marL="0" indent="0">
+              <a:buNone/>
+            </a:pPr>
+            <a:endParaRPr lang="en-US" sz="2400" dirty="0">
+              <a:latin typeface="Times New Roman" panose="02020603050405020304" pitchFamily="18" charset="0"/>
+              <a:cs typeface="Times New Roman" panose="02020603050405020304" pitchFamily="18" charset="0"/>
             </a:endParaRPr>
           </a:p>
         </p:txBody>
@@ -16440,20 +14466,13 @@
     </p:spTree>
     <p:extLst>
       <p:ext uri="{BB962C8B-B14F-4D97-AF65-F5344CB8AC3E}">
-        <p14:creationId xmlns:p14="http://schemas.microsoft.com/office/powerpoint/2010/main" xmlns="" val="2825216550"/>
+        <p14:creationId xmlns:p14="http://schemas.microsoft.com/office/powerpoint/2010/main" val="2045971925"/>
       </p:ext>
     </p:extLst>
   </p:cSld>
   <p:clrMapOvr>
     <a:masterClrMapping/>
   </p:clrMapOvr>
-  <p:timing>
-    <p:tnLst>
-      <p:par>
-        <p:cTn id="1" dur="indefinite" restart="never" nodeType="tmRoot"/>
-      </p:par>
-    </p:tnLst>
-  </p:timing>
 </p:sld>
 </file>
 
@@ -16491,11 +14510,18 @@
           <a:p>
             <a:pPr algn="ctr"/>
             <a:r>
+              <a:rPr lang="en-US" dirty="0">
+                <a:latin typeface="Times New Roman" panose="02020603050405020304" pitchFamily="18" charset="0"/>
+                <a:cs typeface="Times New Roman" panose="02020603050405020304" pitchFamily="18" charset="0"/>
+              </a:rPr>
+              <a:t>Proposed </a:t>
+            </a:r>
+            <a:r>
               <a:rPr lang="en-US" dirty="0" smtClean="0">
                 <a:latin typeface="Times New Roman" panose="02020603050405020304" pitchFamily="18" charset="0"/>
                 <a:cs typeface="Times New Roman" panose="02020603050405020304" pitchFamily="18" charset="0"/>
               </a:rPr>
-              <a:t>Rules for Classification</a:t>
+              <a:t>Work</a:t>
             </a:r>
             <a:endParaRPr lang="en-US" dirty="0">
               <a:latin typeface="Times New Roman" panose="02020603050405020304" pitchFamily="18" charset="0"/>
@@ -16514,201 +14540,78 @@
             <p:ph idx="1"/>
           </p:nvPr>
         </p:nvSpPr>
-        <p:spPr>
-          <a:xfrm>
-            <a:off x="586855" y="1782728"/>
-            <a:ext cx="8687148" cy="3962980"/>
-          </a:xfrm>
-        </p:spPr>
+        <p:spPr/>
         <p:txBody>
           <a:bodyPr>
-            <a:noAutofit/>
+            <a:normAutofit/>
           </a:bodyPr>
           <a:lstStyle/>
           <a:p>
             <a:r>
               <a:rPr lang="en-US" sz="2400" dirty="0" smtClean="0">
-                <a:solidFill>
-                  <a:schemeClr val="tx1"/>
-                </a:solidFill>
-                <a:latin typeface="Times New Roman" pitchFamily="18" charset="0"/>
-                <a:cs typeface="Times New Roman" pitchFamily="18" charset="0"/>
-              </a:rPr>
-              <a:t>Following are the rules used while labeling data,</a:t>
-            </a:r>
-            <a:endParaRPr lang="en-US" sz="2400" b="1" i="1" dirty="0" smtClean="0">
-              <a:solidFill>
-                <a:schemeClr val="tx1"/>
-              </a:solidFill>
-              <a:latin typeface="Times New Roman" pitchFamily="18" charset="0"/>
-              <a:cs typeface="Times New Roman" pitchFamily="18" charset="0"/>
+                <a:latin typeface="Times New Roman" panose="02020603050405020304" pitchFamily="18" charset="0"/>
+                <a:cs typeface="Times New Roman" panose="02020603050405020304" pitchFamily="18" charset="0"/>
+              </a:rPr>
+              <a:t>Implement a model using supervised learning method</a:t>
+            </a:r>
+          </a:p>
+          <a:p>
+            <a:endParaRPr lang="en-US" sz="2400" dirty="0">
+              <a:latin typeface="Times New Roman" panose="02020603050405020304" pitchFamily="18" charset="0"/>
+              <a:cs typeface="Times New Roman" panose="02020603050405020304" pitchFamily="18" charset="0"/>
             </a:endParaRPr>
           </a:p>
           <a:p>
+            <a:r>
+              <a:rPr lang="en-US" sz="2400" dirty="0" smtClean="0">
+                <a:latin typeface="Times New Roman" panose="02020603050405020304" pitchFamily="18" charset="0"/>
+                <a:cs typeface="Times New Roman" panose="02020603050405020304" pitchFamily="18" charset="0"/>
+              </a:rPr>
+              <a:t>Proposed algorithms:</a:t>
+            </a:r>
+          </a:p>
+          <a:p>
             <a:pPr lvl="1"/>
             <a:r>
-              <a:rPr lang="en-US" sz="2200" dirty="0" smtClean="0">
-                <a:solidFill>
-                  <a:schemeClr val="tx1"/>
-                </a:solidFill>
-                <a:latin typeface="Times New Roman" pitchFamily="18" charset="0"/>
-                <a:cs typeface="Times New Roman" pitchFamily="18" charset="0"/>
-              </a:rPr>
-              <a:t>If a query starts with </a:t>
-            </a:r>
-            <a:r>
-              <a:rPr lang="en-US" sz="2200" i="1" dirty="0" smtClean="0">
-                <a:solidFill>
-                  <a:schemeClr val="tx1"/>
-                </a:solidFill>
-                <a:latin typeface="Times New Roman" pitchFamily="18" charset="0"/>
-                <a:cs typeface="Times New Roman" pitchFamily="18" charset="0"/>
-              </a:rPr>
-              <a:t>Who or Whom: type </a:t>
-            </a:r>
-            <a:r>
-              <a:rPr lang="en-US" sz="2200" b="1" i="1" dirty="0" smtClean="0">
-                <a:solidFill>
-                  <a:schemeClr val="tx1"/>
-                </a:solidFill>
-                <a:latin typeface="Times New Roman" pitchFamily="18" charset="0"/>
-                <a:cs typeface="Times New Roman" pitchFamily="18" charset="0"/>
-              </a:rPr>
-              <a:t>Person</a:t>
-            </a:r>
-            <a:r>
-              <a:rPr lang="en-US" sz="2200" b="1" i="1" dirty="0" smtClean="0">
-                <a:solidFill>
-                  <a:schemeClr val="tx1"/>
-                </a:solidFill>
-                <a:latin typeface="Times New Roman" pitchFamily="18" charset="0"/>
-                <a:cs typeface="Times New Roman" pitchFamily="18" charset="0"/>
-              </a:rPr>
-              <a:t>.</a:t>
+              <a:rPr lang="en-US" sz="2400" dirty="0" smtClean="0">
+                <a:latin typeface="Times New Roman" panose="02020603050405020304" pitchFamily="18" charset="0"/>
+                <a:cs typeface="Times New Roman" panose="02020603050405020304" pitchFamily="18" charset="0"/>
+              </a:rPr>
+              <a:t>SVM</a:t>
             </a:r>
           </a:p>
           <a:p>
             <a:pPr lvl="1"/>
             <a:r>
-              <a:rPr lang="en-US" sz="2200" dirty="0" smtClean="0">
-                <a:solidFill>
-                  <a:schemeClr val="tx1"/>
-                </a:solidFill>
-                <a:latin typeface="Times New Roman" pitchFamily="18" charset="0"/>
-                <a:cs typeface="Times New Roman" pitchFamily="18" charset="0"/>
-              </a:rPr>
-              <a:t>If a query starts with </a:t>
-            </a:r>
-            <a:r>
-              <a:rPr lang="en-US" sz="2200" i="1" dirty="0" smtClean="0">
-                <a:solidFill>
-                  <a:schemeClr val="tx1"/>
-                </a:solidFill>
-                <a:latin typeface="Times New Roman" pitchFamily="18" charset="0"/>
-                <a:cs typeface="Times New Roman" pitchFamily="18" charset="0"/>
-              </a:rPr>
-              <a:t>Where: type </a:t>
-            </a:r>
-            <a:r>
-              <a:rPr lang="en-US" sz="2200" b="1" i="1" dirty="0" smtClean="0">
-                <a:solidFill>
-                  <a:schemeClr val="tx1"/>
-                </a:solidFill>
-                <a:latin typeface="Times New Roman" pitchFamily="18" charset="0"/>
-                <a:cs typeface="Times New Roman" pitchFamily="18" charset="0"/>
-              </a:rPr>
-              <a:t>Location.</a:t>
+              <a:rPr lang="en-US" sz="2400" dirty="0" smtClean="0">
+                <a:latin typeface="Times New Roman" panose="02020603050405020304" pitchFamily="18" charset="0"/>
+                <a:cs typeface="Times New Roman" panose="02020603050405020304" pitchFamily="18" charset="0"/>
+              </a:rPr>
+              <a:t>Naïve Bayes</a:t>
             </a:r>
           </a:p>
           <a:p>
             <a:pPr lvl="1"/>
             <a:r>
-              <a:rPr lang="en-US" sz="2200" dirty="0" smtClean="0">
-                <a:solidFill>
-                  <a:schemeClr val="tx1"/>
-                </a:solidFill>
-                <a:latin typeface="Times New Roman" pitchFamily="18" charset="0"/>
-                <a:cs typeface="Times New Roman" pitchFamily="18" charset="0"/>
-              </a:rPr>
-              <a:t>If </a:t>
-            </a:r>
-            <a:r>
-              <a:rPr lang="en-US" sz="2200" dirty="0" smtClean="0">
-                <a:solidFill>
-                  <a:schemeClr val="tx1"/>
-                </a:solidFill>
-                <a:latin typeface="Times New Roman" pitchFamily="18" charset="0"/>
-                <a:cs typeface="Times New Roman" pitchFamily="18" charset="0"/>
-              </a:rPr>
-              <a:t>a query contains </a:t>
-            </a:r>
-            <a:r>
-              <a:rPr lang="en-US" sz="2200" i="1" dirty="0" smtClean="0">
-                <a:solidFill>
-                  <a:schemeClr val="tx1"/>
-                </a:solidFill>
-                <a:latin typeface="Times New Roman" pitchFamily="18" charset="0"/>
-                <a:cs typeface="Times New Roman" pitchFamily="18" charset="0"/>
-              </a:rPr>
-              <a:t>Which or What, the head </a:t>
-            </a:r>
-            <a:r>
-              <a:rPr lang="en-US" sz="2200" i="1" dirty="0" smtClean="0">
-                <a:solidFill>
-                  <a:schemeClr val="tx1"/>
-                </a:solidFill>
-                <a:latin typeface="Times New Roman" pitchFamily="18" charset="0"/>
-                <a:cs typeface="Times New Roman" pitchFamily="18" charset="0"/>
-              </a:rPr>
-              <a:t>noun </a:t>
-            </a:r>
-            <a:r>
-              <a:rPr lang="en-US" sz="2200" dirty="0" smtClean="0">
-                <a:solidFill>
-                  <a:schemeClr val="tx1"/>
-                </a:solidFill>
-                <a:latin typeface="Times New Roman" pitchFamily="18" charset="0"/>
-                <a:cs typeface="Times New Roman" pitchFamily="18" charset="0"/>
-              </a:rPr>
-              <a:t>phrase </a:t>
-            </a:r>
-            <a:r>
-              <a:rPr lang="en-US" sz="2200" dirty="0" smtClean="0">
-                <a:solidFill>
-                  <a:schemeClr val="tx1"/>
-                </a:solidFill>
-                <a:latin typeface="Times New Roman" pitchFamily="18" charset="0"/>
-                <a:cs typeface="Times New Roman" pitchFamily="18" charset="0"/>
-              </a:rPr>
-              <a:t>determines the class, as for What X questions.</a:t>
-            </a:r>
-            <a:endParaRPr lang="en-US" sz="2200" i="1" dirty="0" smtClean="0">
-              <a:solidFill>
-                <a:schemeClr val="tx1"/>
-              </a:solidFill>
-              <a:latin typeface="Times New Roman" pitchFamily="18" charset="0"/>
-              <a:cs typeface="Times New Roman" pitchFamily="18" charset="0"/>
-            </a:endParaRPr>
+              <a:rPr lang="en-US" sz="2400" dirty="0" smtClean="0">
+                <a:latin typeface="Times New Roman" panose="02020603050405020304" pitchFamily="18" charset="0"/>
+                <a:cs typeface="Times New Roman" panose="02020603050405020304" pitchFamily="18" charset="0"/>
+              </a:rPr>
+              <a:t>Decision Trees</a:t>
+            </a:r>
           </a:p>
         </p:txBody>
       </p:sp>
     </p:spTree>
     <p:extLst>
       <p:ext uri="{BB962C8B-B14F-4D97-AF65-F5344CB8AC3E}">
-        <p14:creationId xmlns:p14="http://schemas.microsoft.com/office/powerpoint/2010/main" xmlns="" val="2825216550"/>
+        <p14:creationId xmlns:p14="http://schemas.microsoft.com/office/powerpoint/2010/main" val="1225250234"/>
       </p:ext>
     </p:extLst>
   </p:cSld>
   <p:clrMapOvr>
     <a:masterClrMapping/>
   </p:clrMapOvr>
-  <p:timing>
-    <p:tnLst>
-      <p:par>
-        <p:cTn id="1" dur="indefinite" restart="never" nodeType="tmRoot"/>
-      </p:par>
-    </p:tnLst>
-  </p:timing>
 </p:sld>
 </file>
 
@@ -16739,12 +14642,7 @@
             <p:ph type="title"/>
           </p:nvPr>
         </p:nvSpPr>
-        <p:spPr>
-          <a:xfrm>
-            <a:off x="627797" y="609600"/>
-            <a:ext cx="8646205" cy="864358"/>
-          </a:xfrm>
-        </p:spPr>
+        <p:spPr/>
         <p:txBody>
           <a:bodyPr/>
           <a:lstStyle/>
@@ -16755,7 +14653,7 @@
                 <a:latin typeface="Times New Roman" panose="02020603050405020304" pitchFamily="18" charset="0"/>
                 <a:cs typeface="Times New Roman" panose="02020603050405020304" pitchFamily="18" charset="0"/>
               </a:rPr>
-              <a:t>Different Question Categories</a:t>
+              <a:t>Proposed Workflow</a:t>
             </a:r>
             <a:endParaRPr lang="en-US" dirty="0">
               <a:latin typeface="Times New Roman" panose="02020603050405020304" pitchFamily="18" charset="0"/>
@@ -16764,127 +14662,41 @@
           </a:p>
         </p:txBody>
       </p:sp>
-      <p:pic>
-        <p:nvPicPr>
-          <p:cNvPr id="5" name="Content Placeholder 4" descr="question_types.jpg"/>
-          <p:cNvPicPr>
-            <a:picLocks noGrp="1" noChangeAspect="1"/>
-          </p:cNvPicPr>
+      <p:graphicFrame>
+        <p:nvGraphicFramePr>
+          <p:cNvPr id="7" name="Content Placeholder 6"/>
+          <p:cNvGraphicFramePr>
+            <a:graphicFrameLocks noGrp="1"/>
+          </p:cNvGraphicFramePr>
           <p:nvPr>
             <p:ph idx="1"/>
-          </p:nvPr>
-        </p:nvPicPr>
-        <p:blipFill>
-          <a:blip r:embed="rId2" cstate="print"/>
-          <a:stretch>
-            <a:fillRect/>
-          </a:stretch>
-        </p:blipFill>
-        <p:spPr>
-          <a:xfrm>
-            <a:off x="3080563" y="2395182"/>
-            <a:ext cx="3763118" cy="4292221"/>
-          </a:xfrm>
-        </p:spPr>
-      </p:pic>
-      <p:sp>
-        <p:nvSpPr>
-          <p:cNvPr id="8" name="Content Placeholder 2"/>
-          <p:cNvSpPr txBox="1">
-            <a:spLocks/>
-          </p:cNvSpPr>
-          <p:nvPr/>
-        </p:nvSpPr>
-        <p:spPr>
-          <a:xfrm>
-            <a:off x="532263" y="1450906"/>
-            <a:ext cx="8700795" cy="1101226"/>
-          </a:xfrm>
-          <a:prstGeom prst="rect">
-            <a:avLst/>
-          </a:prstGeom>
-        </p:spPr>
-        <p:txBody>
-          <a:bodyPr vert="horz" lIns="91440" tIns="45720" rIns="91440" bIns="45720" rtlCol="0">
-            <a:normAutofit/>
-          </a:bodyPr>
-          <a:lstStyle/>
-          <a:p>
-            <a:pPr marL="742950" lvl="1" indent="-285750" defTabSz="457200">
-              <a:spcBef>
-                <a:spcPts val="1000"/>
-              </a:spcBef>
-              <a:buClr>
-                <a:schemeClr val="accent1"/>
-              </a:buClr>
-              <a:buSzPct val="80000"/>
-              <a:buFont typeface="Wingdings 3" charset="2"/>
-              <a:buChar char=""/>
-            </a:pPr>
-            <a:r>
-              <a:rPr kumimoji="0" lang="en-US" sz="2400" b="0" i="0" u="none" strike="noStrike" kern="1200" cap="none" spc="0" normalizeH="0" baseline="0" noProof="0" dirty="0" smtClean="0">
-                <a:ln>
-                  <a:noFill/>
-                </a:ln>
-                <a:solidFill>
-                  <a:schemeClr val="tx1">
-                    <a:lumMod val="75000"/>
-                    <a:lumOff val="25000"/>
-                  </a:schemeClr>
-                </a:solidFill>
-                <a:effectLst/>
-                <a:uLnTx/>
-                <a:uFillTx/>
-                <a:latin typeface="Times New Roman" panose="02020603050405020304" pitchFamily="18" charset="0"/>
-                <a:ea typeface="+mn-ea"/>
-                <a:cs typeface="Times New Roman" panose="02020603050405020304" pitchFamily="18" charset="0"/>
-              </a:rPr>
-              <a:t> </a:t>
-            </a:r>
-            <a:r>
-              <a:rPr lang="en-US" sz="2400" dirty="0" smtClean="0">
-                <a:latin typeface="Times New Roman" panose="02020603050405020304" pitchFamily="18" charset="0"/>
-                <a:cs typeface="Times New Roman" panose="02020603050405020304" pitchFamily="18" charset="0"/>
-              </a:rPr>
-              <a:t>The following table shows an overview of both broad (coarse) category and fine category classes</a:t>
-            </a:r>
-            <a:endParaRPr kumimoji="0" lang="en-US" sz="2400" b="0" i="0" u="none" strike="noStrike" kern="1200" cap="none" spc="0" normalizeH="0" baseline="0" noProof="0" dirty="0" smtClean="0">
-              <a:ln>
-                <a:noFill/>
-              </a:ln>
-              <a:solidFill>
-                <a:schemeClr val="tx1">
-                  <a:lumMod val="75000"/>
-                  <a:lumOff val="25000"/>
-                </a:schemeClr>
-              </a:solidFill>
-              <a:effectLst/>
-              <a:uLnTx/>
-              <a:uFillTx/>
-              <a:latin typeface="Times New Roman" panose="02020603050405020304" pitchFamily="18" charset="0"/>
-              <a:ea typeface="+mn-ea"/>
-              <a:cs typeface="Times New Roman" panose="02020603050405020304" pitchFamily="18" charset="0"/>
-            </a:endParaRPr>
-          </a:p>
-        </p:txBody>
-      </p:sp>
+            <p:extLst>
+              <p:ext uri="{D42A27DB-BD31-4B8C-83A1-F6EECF244321}">
+                <p14:modId xmlns:p14="http://schemas.microsoft.com/office/powerpoint/2010/main" val="1778973101"/>
+              </p:ext>
+            </p:extLst>
+          </p:nvPr>
+        </p:nvGraphicFramePr>
+        <p:xfrm>
+          <a:off x="1476260" y="1825625"/>
+          <a:ext cx="9877540" cy="2999763"/>
+        </p:xfrm>
+        <a:graphic>
+          <a:graphicData uri="http://schemas.openxmlformats.org/drawingml/2006/diagram">
+            <dgm:relIds xmlns:dgm="http://schemas.openxmlformats.org/drawingml/2006/diagram" xmlns:r="http://schemas.openxmlformats.org/officeDocument/2006/relationships" r:dm="rId2" r:lo="rId3" r:qs="rId4" r:cs="rId5"/>
+          </a:graphicData>
+        </a:graphic>
+      </p:graphicFrame>
     </p:spTree>
     <p:extLst>
       <p:ext uri="{BB962C8B-B14F-4D97-AF65-F5344CB8AC3E}">
-        <p14:creationId xmlns:p14="http://schemas.microsoft.com/office/powerpoint/2010/main" xmlns="" val="2825216550"/>
+        <p14:creationId xmlns:p14="http://schemas.microsoft.com/office/powerpoint/2010/main" val="2962103780"/>
       </p:ext>
     </p:extLst>
   </p:cSld>
   <p:clrMapOvr>
     <a:masterClrMapping/>
   </p:clrMapOvr>
-  <p:timing>
-    <p:tnLst>
-      <p:par>
-        <p:cTn id="1" dur="indefinite" restart="never" nodeType="tmRoot"/>
-      </p:par>
-    </p:tnLst>
-  </p:timing>
 </p:sld>
 </file>
 
@@ -16907,36 +14719,6 @@
       </p:grpSpPr>
       <p:sp>
         <p:nvSpPr>
-          <p:cNvPr id="2" name="Title 1"/>
-          <p:cNvSpPr>
-            <a:spLocks noGrp="1"/>
-          </p:cNvSpPr>
-          <p:nvPr>
-            <p:ph type="title"/>
-          </p:nvPr>
-        </p:nvSpPr>
-        <p:spPr/>
-        <p:txBody>
-          <a:bodyPr/>
-          <a:lstStyle/>
-          <a:p>
-            <a:pPr algn="ctr"/>
-            <a:r>
-              <a:rPr lang="en-US" dirty="0" smtClean="0">
-                <a:latin typeface="Times New Roman" panose="02020603050405020304" pitchFamily="18" charset="0"/>
-                <a:cs typeface="Times New Roman" panose="02020603050405020304" pitchFamily="18" charset="0"/>
-              </a:rPr>
-              <a:t>Challenges</a:t>
-            </a:r>
-            <a:endParaRPr lang="en-US" dirty="0">
-              <a:latin typeface="Times New Roman" panose="02020603050405020304" pitchFamily="18" charset="0"/>
-              <a:cs typeface="Times New Roman" panose="02020603050405020304" pitchFamily="18" charset="0"/>
-            </a:endParaRPr>
-          </a:p>
-        </p:txBody>
-      </p:sp>
-      <p:sp>
-        <p:nvSpPr>
           <p:cNvPr id="3" name="Content Placeholder 2"/>
           <p:cNvSpPr>
             <a:spLocks noGrp="1"/>
@@ -16947,8 +14729,8 @@
         </p:nvSpPr>
         <p:spPr>
           <a:xfrm>
-            <a:off x="641446" y="1796375"/>
-            <a:ext cx="8618909" cy="4618073"/>
+            <a:off x="661013" y="1069918"/>
+            <a:ext cx="8590956" cy="5788082"/>
           </a:xfrm>
         </p:spPr>
         <p:txBody>
@@ -16959,118 +14741,190 @@
           <a:p>
             <a:r>
               <a:rPr lang="en-US" sz="2400" dirty="0" smtClean="0">
-                <a:solidFill>
-                  <a:schemeClr val="tx1"/>
-                </a:solidFill>
-                <a:latin typeface="Times New Roman" pitchFamily="18" charset="0"/>
-                <a:cs typeface="Times New Roman" pitchFamily="18" charset="0"/>
-              </a:rPr>
-              <a:t>Identify </a:t>
-            </a:r>
+                <a:latin typeface="Times New Roman" panose="02020603050405020304" pitchFamily="18" charset="0"/>
+                <a:cs typeface="Times New Roman" panose="02020603050405020304" pitchFamily="18" charset="0"/>
+              </a:rPr>
+              <a:t>Pre-processing- </a:t>
+            </a:r>
+          </a:p>
+          <a:p>
+            <a:pPr lvl="1"/>
             <a:r>
               <a:rPr lang="en-US" sz="2400" dirty="0" smtClean="0">
-                <a:solidFill>
-                  <a:schemeClr val="tx1"/>
-                </a:solidFill>
-                <a:latin typeface="Times New Roman" pitchFamily="18" charset="0"/>
-                <a:cs typeface="Times New Roman" pitchFamily="18" charset="0"/>
-              </a:rPr>
-              <a:t>the </a:t>
+                <a:latin typeface="Times New Roman" panose="02020603050405020304" pitchFamily="18" charset="0"/>
+                <a:cs typeface="Times New Roman" panose="02020603050405020304" pitchFamily="18" charset="0"/>
+              </a:rPr>
+              <a:t>Remove junk except for a-Z and A-Z</a:t>
+            </a:r>
+          </a:p>
+          <a:p>
+            <a:pPr lvl="1"/>
+            <a:r>
+              <a:rPr lang="en-US" sz="2400" dirty="0" smtClean="0">
+                <a:latin typeface="Times New Roman" panose="02020603050405020304" pitchFamily="18" charset="0"/>
+                <a:cs typeface="Times New Roman" panose="02020603050405020304" pitchFamily="18" charset="0"/>
+              </a:rPr>
+              <a:t>Change each character to lower case</a:t>
+            </a:r>
+          </a:p>
+          <a:p>
+            <a:pPr lvl="1"/>
+            <a:r>
+              <a:rPr lang="en-US" sz="2400" dirty="0" smtClean="0">
+                <a:latin typeface="Times New Roman" panose="02020603050405020304" pitchFamily="18" charset="0"/>
+                <a:cs typeface="Times New Roman" panose="02020603050405020304" pitchFamily="18" charset="0"/>
+              </a:rPr>
+              <a:t>Remove stop words</a:t>
+            </a:r>
+            <a:endParaRPr lang="en-US" sz="2400" dirty="0">
+              <a:latin typeface="Times New Roman" panose="02020603050405020304" pitchFamily="18" charset="0"/>
+              <a:cs typeface="Times New Roman" panose="02020603050405020304" pitchFamily="18" charset="0"/>
+            </a:endParaRPr>
+          </a:p>
+          <a:p>
+            <a:r>
+              <a:rPr lang="en-US" sz="2400" dirty="0" smtClean="0">
+                <a:latin typeface="Times New Roman" panose="02020603050405020304" pitchFamily="18" charset="0"/>
+                <a:cs typeface="Times New Roman" panose="02020603050405020304" pitchFamily="18" charset="0"/>
+              </a:rPr>
+              <a:t>Feature extraction-</a:t>
+            </a:r>
+          </a:p>
+          <a:p>
+            <a:pPr lvl="1"/>
+            <a:r>
+              <a:rPr lang="en-US" sz="2400" dirty="0" smtClean="0">
+                <a:latin typeface="Times New Roman" panose="02020603050405020304" pitchFamily="18" charset="0"/>
+                <a:cs typeface="Times New Roman" panose="02020603050405020304" pitchFamily="18" charset="0"/>
+              </a:rPr>
+              <a:t>Words, part-of-speech (POS) tags, named entities, head chunks and semantically related words to be used as features</a:t>
+            </a:r>
+          </a:p>
+          <a:p>
+            <a:pPr lvl="1"/>
+            <a:r>
+              <a:rPr lang="en-US" sz="2400" dirty="0" smtClean="0">
+                <a:latin typeface="Times New Roman" panose="02020603050405020304" pitchFamily="18" charset="0"/>
+                <a:cs typeface="Times New Roman" panose="02020603050405020304" pitchFamily="18" charset="0"/>
+              </a:rPr>
+              <a:t>For semantically related words, a predefined list has been provided which has group of related words</a:t>
+            </a:r>
+          </a:p>
+          <a:p>
+            <a:pPr lvl="1"/>
+            <a:r>
+              <a:rPr lang="en-US" sz="2400" dirty="0" err="1" smtClean="0">
+                <a:latin typeface="Times New Roman" panose="02020603050405020304" pitchFamily="18" charset="0"/>
+                <a:cs typeface="Times New Roman" panose="02020603050405020304" pitchFamily="18" charset="0"/>
+              </a:rPr>
+              <a:t>Pos</a:t>
+            </a:r>
+            <a:r>
+              <a:rPr lang="en-US" sz="2400" dirty="0" smtClean="0">
+                <a:latin typeface="Times New Roman" panose="02020603050405020304" pitchFamily="18" charset="0"/>
+                <a:cs typeface="Times New Roman" panose="02020603050405020304" pitchFamily="18" charset="0"/>
+              </a:rPr>
+              <a:t> </a:t>
+            </a:r>
+            <a:r>
+              <a:rPr lang="en-US" sz="2400" dirty="0">
+                <a:latin typeface="Times New Roman" panose="02020603050405020304" pitchFamily="18" charset="0"/>
+                <a:cs typeface="Times New Roman" panose="02020603050405020304" pitchFamily="18" charset="0"/>
+              </a:rPr>
+              <a:t>tags are extracted </a:t>
+            </a:r>
+            <a:r>
+              <a:rPr lang="en-US" sz="2400" dirty="0" smtClean="0">
+                <a:latin typeface="Times New Roman" panose="02020603050405020304" pitchFamily="18" charset="0"/>
+                <a:cs typeface="Times New Roman" panose="02020603050405020304" pitchFamily="18" charset="0"/>
+              </a:rPr>
+              <a:t>using a </a:t>
+            </a:r>
+            <a:r>
+              <a:rPr lang="en-US" sz="2400" dirty="0" err="1" smtClean="0">
+                <a:latin typeface="Times New Roman" panose="02020603050405020304" pitchFamily="18" charset="0"/>
+                <a:cs typeface="Times New Roman" panose="02020603050405020304" pitchFamily="18" charset="0"/>
+              </a:rPr>
+              <a:t>nltk</a:t>
+            </a:r>
+            <a:r>
+              <a:rPr lang="en-US" sz="2400" dirty="0" smtClean="0">
+                <a:latin typeface="Times New Roman" panose="02020603050405020304" pitchFamily="18" charset="0"/>
+                <a:cs typeface="Times New Roman" panose="02020603050405020304" pitchFamily="18" charset="0"/>
+              </a:rPr>
+              <a:t> </a:t>
+            </a:r>
+            <a:r>
+              <a:rPr lang="en-US" sz="2400" i="1" dirty="0" err="1" smtClean="0">
+                <a:latin typeface="Times New Roman" panose="02020603050405020304" pitchFamily="18" charset="0"/>
+                <a:cs typeface="Times New Roman" panose="02020603050405020304" pitchFamily="18" charset="0"/>
+              </a:rPr>
+              <a:t>pos_tag</a:t>
             </a:r>
             <a:r>
               <a:rPr lang="en-US" sz="2400" i="1" dirty="0" smtClean="0">
-                <a:solidFill>
-                  <a:schemeClr val="tx1"/>
-                </a:solidFill>
-                <a:latin typeface="Times New Roman" pitchFamily="18" charset="0"/>
-                <a:cs typeface="Times New Roman" pitchFamily="18" charset="0"/>
-              </a:rPr>
-              <a:t>k semantic classes </a:t>
+                <a:latin typeface="Times New Roman" panose="02020603050405020304" pitchFamily="18" charset="0"/>
+                <a:cs typeface="Times New Roman" panose="02020603050405020304" pitchFamily="18" charset="0"/>
+              </a:rPr>
+              <a:t>()</a:t>
             </a:r>
             <a:r>
               <a:rPr lang="en-US" sz="2400" dirty="0" smtClean="0">
-                <a:solidFill>
-                  <a:schemeClr val="tx1"/>
-                </a:solidFill>
-                <a:latin typeface="Times New Roman" pitchFamily="18" charset="0"/>
-                <a:cs typeface="Times New Roman" pitchFamily="18" charset="0"/>
-              </a:rPr>
-              <a:t>to </a:t>
-            </a:r>
+                <a:latin typeface="Times New Roman" panose="02020603050405020304" pitchFamily="18" charset="0"/>
+                <a:cs typeface="Times New Roman" panose="02020603050405020304" pitchFamily="18" charset="0"/>
+              </a:rPr>
+              <a:t> function</a:t>
+            </a:r>
+          </a:p>
+          <a:p>
+            <a:pPr lvl="1"/>
             <a:r>
               <a:rPr lang="en-US" sz="2400" dirty="0" smtClean="0">
-                <a:solidFill>
-                  <a:schemeClr val="tx1"/>
-                </a:solidFill>
-                <a:latin typeface="Times New Roman" pitchFamily="18" charset="0"/>
-                <a:cs typeface="Times New Roman" pitchFamily="18" charset="0"/>
-              </a:rPr>
-              <a:t>predict</a:t>
-            </a:r>
-            <a:endParaRPr lang="en-US" sz="2400" i="1" dirty="0" smtClean="0">
-              <a:solidFill>
-                <a:schemeClr val="tx1"/>
-              </a:solidFill>
-              <a:latin typeface="Times New Roman" pitchFamily="18" charset="0"/>
-              <a:cs typeface="Times New Roman" pitchFamily="18" charset="0"/>
-            </a:endParaRPr>
-          </a:p>
-          <a:p>
+                <a:latin typeface="Times New Roman" panose="02020603050405020304" pitchFamily="18" charset="0"/>
+                <a:cs typeface="Times New Roman" panose="02020603050405020304" pitchFamily="18" charset="0"/>
+              </a:rPr>
+              <a:t>To identify the question </a:t>
+            </a:r>
+            <a:r>
+              <a:rPr lang="en-US" sz="2400" dirty="0">
+                <a:latin typeface="Times New Roman" panose="02020603050405020304" pitchFamily="18" charset="0"/>
+                <a:cs typeface="Times New Roman" panose="02020603050405020304" pitchFamily="18" charset="0"/>
+              </a:rPr>
+              <a:t>type </a:t>
+            </a:r>
+            <a:r>
+              <a:rPr lang="en-US" sz="2400" dirty="0" err="1" smtClean="0">
+                <a:latin typeface="Times New Roman" panose="02020603050405020304" pitchFamily="18" charset="0"/>
+                <a:cs typeface="Times New Roman" panose="02020603050405020304" pitchFamily="18" charset="0"/>
+              </a:rPr>
+              <a:t>pretrained</a:t>
+            </a:r>
             <a:r>
               <a:rPr lang="en-US" sz="2400" dirty="0" smtClean="0">
-                <a:solidFill>
-                  <a:schemeClr val="tx1"/>
-                </a:solidFill>
-                <a:latin typeface="Times New Roman" pitchFamily="18" charset="0"/>
-                <a:cs typeface="Times New Roman" pitchFamily="18" charset="0"/>
-              </a:rPr>
-              <a:t>Difficult to find a concise answer to a question</a:t>
-            </a:r>
-            <a:endParaRPr lang="en-US" sz="2400" dirty="0" smtClean="0"/>
-          </a:p>
-          <a:p>
+                <a:latin typeface="Times New Roman" panose="02020603050405020304" pitchFamily="18" charset="0"/>
+                <a:cs typeface="Times New Roman" panose="02020603050405020304" pitchFamily="18" charset="0"/>
+              </a:rPr>
+              <a:t> </a:t>
+            </a:r>
+            <a:r>
+              <a:rPr lang="en-US" sz="2400" dirty="0">
+                <a:latin typeface="Times New Roman" panose="02020603050405020304" pitchFamily="18" charset="0"/>
+                <a:cs typeface="Times New Roman" panose="02020603050405020304" pitchFamily="18" charset="0"/>
+              </a:rPr>
+              <a:t>question type </a:t>
+            </a:r>
             <a:r>
               <a:rPr lang="en-US" sz="2400" dirty="0" smtClean="0">
-                <a:solidFill>
-                  <a:schemeClr val="tx1"/>
-                </a:solidFill>
-                <a:latin typeface="Times New Roman" pitchFamily="18" charset="0"/>
-                <a:cs typeface="Times New Roman" pitchFamily="18" charset="0"/>
-              </a:rPr>
-              <a:t>Using advanced NLP techniques to understand the semantics of a given question rather than just extracting a key term</a:t>
-            </a:r>
-          </a:p>
-          <a:p>
-            <a:r>
-              <a:rPr lang="en-US" sz="2400" dirty="0" smtClean="0">
-                <a:solidFill>
-                  <a:schemeClr val="tx1"/>
-                </a:solidFill>
-                <a:latin typeface="Times New Roman" pitchFamily="18" charset="0"/>
-                <a:cs typeface="Times New Roman" pitchFamily="18" charset="0"/>
-              </a:rPr>
-              <a:t>Parameter optimization to achieve a better accuracy</a:t>
-            </a:r>
-          </a:p>
-          <a:p>
-            <a:r>
-              <a:rPr lang="en-US" sz="2400" dirty="0" smtClean="0">
-                <a:solidFill>
-                  <a:schemeClr val="tx1"/>
-                </a:solidFill>
-                <a:latin typeface="Times New Roman" pitchFamily="18" charset="0"/>
-                <a:cs typeface="Times New Roman" pitchFamily="18" charset="0"/>
-              </a:rPr>
-              <a:t>Make a scalable model</a:t>
-            </a:r>
-          </a:p>
-          <a:p>
-            <a:endParaRPr lang="en-US" sz="2400" dirty="0">
-              <a:solidFill>
-                <a:schemeClr val="tx1"/>
-              </a:solidFill>
-              <a:latin typeface="Times New Roman" pitchFamily="18" charset="0"/>
-              <a:cs typeface="Times New Roman" pitchFamily="18" charset="0"/>
+                <a:latin typeface="Times New Roman" panose="02020603050405020304" pitchFamily="18" charset="0"/>
+                <a:cs typeface="Times New Roman" panose="02020603050405020304" pitchFamily="18" charset="0"/>
+              </a:rPr>
+              <a:t>classifier will be used</a:t>
+            </a:r>
+          </a:p>
+          <a:p>
+            <a:endParaRPr lang="en-US" sz="2600" dirty="0">
+              <a:latin typeface="Times New Roman" panose="02020603050405020304" pitchFamily="18" charset="0"/>
+              <a:cs typeface="Times New Roman" panose="02020603050405020304" pitchFamily="18" charset="0"/>
             </a:endParaRPr>
           </a:p>
         </p:txBody>
@@ -17078,20 +14932,13 @@
     </p:spTree>
     <p:extLst>
       <p:ext uri="{BB962C8B-B14F-4D97-AF65-F5344CB8AC3E}">
-        <p14:creationId xmlns:p14="http://schemas.microsoft.com/office/powerpoint/2010/main" xmlns="" val="2825216550"/>
+        <p14:creationId xmlns:p14="http://schemas.microsoft.com/office/powerpoint/2010/main" val="827228241"/>
       </p:ext>
     </p:extLst>
   </p:cSld>
   <p:clrMapOvr>
     <a:masterClrMapping/>
   </p:clrMapOvr>
-  <p:timing>
-    <p:tnLst>
-      <p:par>
-        <p:cTn id="1" dur="indefinite" restart="never" nodeType="tmRoot"/>
-      </p:par>
-    </p:tnLst>
-  </p:timing>
 </p:sld>
 </file>
 
@@ -17138,7 +14985,7 @@
     </a:clrScheme>
     <a:fontScheme name="Facet">
       <a:majorFont>
-        <a:latin typeface="Trebuchet MS"/>
+        <a:latin typeface="Trebuchet MS" panose="020B0603020202020204"/>
         <a:ea typeface=""/>
         <a:cs typeface=""/>
         <a:font script="Jpan" typeface="メイリオ"/>
@@ -17173,7 +15020,7 @@
         <a:font script="Geor" typeface="Sylfaen"/>
       </a:majorFont>
       <a:minorFont>
-        <a:latin typeface="Trebuchet MS"/>
+        <a:latin typeface="Trebuchet MS" panose="020B0603020202020204"/>
         <a:ea typeface=""/>
         <a:cs typeface=""/>
         <a:font script="Jpan" typeface="メイリオ"/>
@@ -17346,7 +15193,7 @@
   <a:extraClrSchemeLst/>
   <a:extLst>
     <a:ext uri="{05A4C25C-085E-4340-85A3-A5531E510DB2}">
-      <thm15:themeFamily xmlns:thm15="http://schemas.microsoft.com/office/thememl/2012/main" xmlns="" name="Facet" id="{C0C680CD-088A-49FC-A102-D699147F32B2}" vid="{CFBC31BA-B70F-4F30-BCAA-4F3011E16C4D}"/>
+      <thm15:themeFamily xmlns:thm15="http://schemas.microsoft.com/office/thememl/2012/main" name="Facet" id="{C0C680CD-088A-49FC-A102-D699147F32B2}" vid="{CFBC31BA-B70F-4F30-BCAA-4F3011E16C4D}"/>
     </a:ext>
   </a:extLst>
 </a:theme>
